--- a/Presentations/Ns-3_presentation_F.pptx
+++ b/Presentations/Ns-3_presentation_F.pptx
@@ -5,18 +5,20 @@
     <p:sldMasterId id="2147483648" r:id="rId4"/>
   </p:sldMasterIdLst>
   <p:notesMasterIdLst>
-    <p:notesMasterId r:id="rId11"/>
+    <p:notesMasterId r:id="rId13"/>
   </p:notesMasterIdLst>
   <p:handoutMasterIdLst>
-    <p:handoutMasterId r:id="rId12"/>
+    <p:handoutMasterId r:id="rId14"/>
   </p:handoutMasterIdLst>
   <p:sldIdLst>
     <p:sldId id="256" r:id="rId5"/>
     <p:sldId id="277" r:id="rId6"/>
-    <p:sldId id="279" r:id="rId7"/>
-    <p:sldId id="282" r:id="rId8"/>
-    <p:sldId id="278" r:id="rId9"/>
-    <p:sldId id="281" r:id="rId10"/>
+    <p:sldId id="284" r:id="rId7"/>
+    <p:sldId id="279" r:id="rId8"/>
+    <p:sldId id="282" r:id="rId9"/>
+    <p:sldId id="283" r:id="rId10"/>
+    <p:sldId id="278" r:id="rId11"/>
+    <p:sldId id="281" r:id="rId12"/>
   </p:sldIdLst>
   <p:sldSz cx="12192000" cy="6858000"/>
   <p:notesSz cx="6858000" cy="9144000"/>
@@ -210,7 +212,7 @@
             <a:pPr rtl="0"/>
             <a:fld id="{F0EC7D35-77BB-4867-BAC6-5C40C37B98F1}" type="datetime1">
               <a:rPr lang="el-GR" smtClean="0"/>
-              <a:t>30/10/2025</a:t>
+              <a:t>3/11/2025</a:t>
             </a:fld>
             <a:endParaRPr lang="el-GR" dirty="0"/>
           </a:p>
@@ -380,7 +382,7 @@
             <a:pPr rtl="0"/>
             <a:fld id="{707ABAE7-72BE-4378-9C66-B300388DE536}" type="datetime1">
               <a:rPr lang="el-GR" noProof="0" smtClean="0"/>
-              <a:t>30/10/2025</a:t>
+              <a:t>3/11/2025</a:t>
             </a:fld>
             <a:endParaRPr lang="el-GR" noProof="0" dirty="0"/>
           </a:p>
@@ -9647,7 +9649,7 @@
             <a:pPr rtl="0"/>
             <a:fld id="{EABDBA74-E4DB-4313-95D3-B7F630EE7B7F}" type="datetime1">
               <a:rPr lang="el-GR" noProof="0" smtClean="0"/>
-              <a:t>30/10/2025</a:t>
+              <a:t>3/11/2025</a:t>
             </a:fld>
             <a:endParaRPr lang="el-GR" noProof="0" dirty="0"/>
           </a:p>
@@ -9856,7 +9858,7 @@
             <a:pPr rtl="0"/>
             <a:fld id="{D9C97E28-F60A-427B-851A-BCC048F06BC7}" type="datetime1">
               <a:rPr lang="el-GR" noProof="0" smtClean="0"/>
-              <a:t>30/10/2025</a:t>
+              <a:t>3/11/2025</a:t>
             </a:fld>
             <a:endParaRPr lang="el-GR" noProof="0" dirty="0"/>
           </a:p>
@@ -10038,7 +10040,7 @@
             <a:pPr rtl="0"/>
             <a:fld id="{4EA33EDB-81C3-4DAA-87EA-DA21D6A7FC6C}" type="datetime1">
               <a:rPr lang="el-GR" noProof="0" smtClean="0"/>
-              <a:t>30/10/2025</a:t>
+              <a:t>3/11/2025</a:t>
             </a:fld>
             <a:endParaRPr lang="el-GR" noProof="0" dirty="0"/>
           </a:p>
@@ -10245,7 +10247,7 @@
             <a:pPr rtl="0"/>
             <a:fld id="{0FE5ACA5-56F5-4208-8101-108DA68822C6}" type="datetime1">
               <a:rPr lang="el-GR" noProof="0" smtClean="0"/>
-              <a:t>30/10/2025</a:t>
+              <a:t>3/11/2025</a:t>
             </a:fld>
             <a:endParaRPr lang="el-GR" noProof="0" dirty="0"/>
           </a:p>
@@ -19159,7 +19161,7 @@
             <a:pPr rtl="0"/>
             <a:fld id="{98AAE694-814A-4F58-A8E2-AA9B6575E0B5}" type="datetime1">
               <a:rPr lang="el-GR" noProof="0" smtClean="0"/>
-              <a:t>30/10/2025</a:t>
+              <a:t>3/11/2025</a:t>
             </a:fld>
             <a:endParaRPr lang="el-GR" noProof="0" dirty="0"/>
           </a:p>
@@ -19435,7 +19437,7 @@
             <a:pPr rtl="0"/>
             <a:fld id="{98B30D4A-F623-45A5-BE49-543B4B609AF2}" type="datetime1">
               <a:rPr lang="el-GR" noProof="0" smtClean="0"/>
-              <a:t>30/10/2025</a:t>
+              <a:t>3/11/2025</a:t>
             </a:fld>
             <a:endParaRPr lang="el-GR" noProof="0" dirty="0"/>
           </a:p>
@@ -19835,7 +19837,7 @@
             <a:pPr rtl="0"/>
             <a:fld id="{06412F62-D18F-463A-9A7E-E4809AAD76E4}" type="datetime1">
               <a:rPr lang="el-GR" noProof="0" smtClean="0"/>
-              <a:t>30/10/2025</a:t>
+              <a:t>3/11/2025</a:t>
             </a:fld>
             <a:endParaRPr lang="el-GR" noProof="0" dirty="0"/>
           </a:p>
@@ -19955,7 +19957,7 @@
             <a:pPr rtl="0"/>
             <a:fld id="{D2009D47-CF8A-48CB-81B8-5988DBFADA28}" type="datetime1">
               <a:rPr lang="el-GR" noProof="0" smtClean="0"/>
-              <a:t>30/10/2025</a:t>
+              <a:t>3/11/2025</a:t>
             </a:fld>
             <a:endParaRPr lang="el-GR" noProof="0" dirty="0"/>
           </a:p>
@@ -20051,7 +20053,7 @@
             <a:pPr rtl="0"/>
             <a:fld id="{89B075A6-4B0E-489A-92E5-C2C81D969D11}" type="datetime1">
               <a:rPr lang="el-GR" noProof="0" smtClean="0"/>
-              <a:t>30/10/2025</a:t>
+              <a:t>3/11/2025</a:t>
             </a:fld>
             <a:endParaRPr lang="el-GR" noProof="0" dirty="0"/>
           </a:p>
@@ -20343,7 +20345,7 @@
             <a:pPr rtl="0"/>
             <a:fld id="{7C290451-C354-46E0-BBD8-0317D7A1384C}" type="datetime1">
               <a:rPr lang="el-GR" noProof="0" smtClean="0"/>
-              <a:t>30/10/2025</a:t>
+              <a:t>3/11/2025</a:t>
             </a:fld>
             <a:endParaRPr lang="el-GR" noProof="0" dirty="0"/>
           </a:p>
@@ -20626,7 +20628,7 @@
             <a:pPr rtl="0"/>
             <a:fld id="{05DAA40D-D363-46A0-9276-B6A4797DC9A5}" type="datetime1">
               <a:rPr lang="el-GR" noProof="0" smtClean="0"/>
-              <a:t>30/10/2025</a:t>
+              <a:t>3/11/2025</a:t>
             </a:fld>
             <a:endParaRPr lang="el-GR" noProof="0" dirty="0"/>
           </a:p>
@@ -20875,7 +20877,7 @@
           <a:p>
             <a:fld id="{F98FDC76-A1F5-4EE8-BDE3-5EFC56AAE7AD}" type="datetime1">
               <a:rPr lang="el-GR" noProof="0" smtClean="0"/>
-              <a:t>30/10/2025</a:t>
+              <a:t>3/11/2025</a:t>
             </a:fld>
             <a:endParaRPr lang="el-GR" noProof="0" dirty="0"/>
           </a:p>
@@ -21760,7 +21762,7 @@
         </p:nvSpPr>
         <p:spPr>
           <a:xfrm>
-            <a:off x="1024128" y="585216"/>
+            <a:off x="1024128" y="510568"/>
             <a:ext cx="9720072" cy="1499616"/>
           </a:xfrm>
         </p:spPr>
@@ -21771,8 +21773,8 @@
           <a:lstStyle/>
           <a:p>
             <a:r>
-              <a:rPr lang="el-GR" b="1" dirty="0"/>
-              <a:t>Κυριο θεμα της εργασιασ</a:t>
+              <a:rPr lang="el-GR" sz="4800" b="1" dirty="0"/>
+              <a:t>Κυριο θεμα της εργασιασ (1)</a:t>
             </a:r>
           </a:p>
         </p:txBody>
@@ -21793,9 +21795,16 @@
             <p:ph idx="1"/>
           </p:nvPr>
         </p:nvSpPr>
-        <p:spPr/>
+        <p:spPr>
+          <a:xfrm>
+            <a:off x="793102" y="2286000"/>
+            <a:ext cx="10758196" cy="4023360"/>
+          </a:xfrm>
+        </p:spPr>
         <p:txBody>
-          <a:bodyPr/>
+          <a:bodyPr>
+            <a:normAutofit/>
+          </a:bodyPr>
           <a:lstStyle/>
           <a:p>
             <a:pPr algn="just">
@@ -21804,7 +21813,7 @@
             </a:pPr>
             <a:r>
               <a:rPr lang="el-GR" dirty="0"/>
-              <a:t>Προσομοιώσαμε την λειτουργία μιας σύνδεσης </a:t>
+              <a:t>Προσομοίωση λειτουργίας μιας σύνδεσης </a:t>
             </a:r>
             <a:r>
               <a:rPr lang="en-US" dirty="0"/>
@@ -21812,9 +21821,22 @@
             </a:r>
             <a:r>
               <a:rPr lang="el-GR" dirty="0"/>
-              <a:t>στην οποία στέλνονται πακέτα από το έναν κόμβο στον άλλον.</a:t>
+              <a:t>χρησιμοποιώντας το </a:t>
             </a:r>
-            <a:endParaRPr lang="en-US" dirty="0"/>
+            <a:r>
+              <a:rPr lang="en-US" dirty="0"/>
+              <a:t>NS-3</a:t>
+            </a:r>
+            <a:r>
+              <a:rPr lang="el-GR" dirty="0"/>
+              <a:t>, στην οποία στέλνονται πακέτα από το έναν κόμβο στον άλλον </a:t>
+            </a:r>
+          </a:p>
+          <a:p>
+            <a:pPr marL="0" indent="0" algn="just">
+              <a:buNone/>
+            </a:pPr>
+            <a:endParaRPr lang="en-US" sz="1200" dirty="0"/>
           </a:p>
           <a:p>
             <a:pPr algn="just">
@@ -21822,20 +21844,51 @@
               <a:buChar char="•"/>
             </a:pPr>
             <a:r>
+              <a:rPr lang="en-US" dirty="0"/>
+              <a:t>H </a:t>
+            </a:r>
+            <a:r>
               <a:rPr lang="el-GR" dirty="0"/>
-              <a:t>Η μετάδοση αυτή έγινε με την τεχνική του </a:t>
+              <a:t>προσομοίωση θα χωρίζεται βασικά σε δύο μέρη </a:t>
             </a:r>
             <a:r>
               <a:rPr lang="en-US" dirty="0"/>
-              <a:t>UDP-echo (more info about UDP-echo</a:t>
+              <a:t>:</a:t>
+            </a:r>
+            <a:endParaRPr lang="el-GR" dirty="0"/>
+          </a:p>
+          <a:p>
+            <a:pPr marL="0" indent="0">
+              <a:buNone/>
+            </a:pPr>
+            <a:endParaRPr lang="en-US" sz="1000" dirty="0"/>
+          </a:p>
+          <a:p>
+            <a:pPr marL="173736" lvl="1" indent="0">
+              <a:buNone/>
+            </a:pPr>
+            <a:r>
+              <a:rPr lang="en-US" dirty="0">
+                <a:solidFill>
+                  <a:schemeClr val="accent1">
+                    <a:lumMod val="75000"/>
+                  </a:schemeClr>
+                </a:solidFill>
+              </a:rPr>
+              <a:t>1)</a:t>
+            </a:r>
+            <a:r>
+              <a:rPr lang="en-US" dirty="0"/>
+              <a:t> </a:t>
             </a:r>
             <a:r>
               <a:rPr lang="el-GR" dirty="0"/>
-              <a:t> :</a:t>
+              <a:t>Προσομοίωση μιας απλής σύνδεσης σημείου-προς-σημείο μεταξύ δύο κόμβων,  με προϋπόθεση η  μετάδοση να γίνει με την τεχνική του </a:t>
             </a:r>
-            <a:br>
-              <a:rPr lang="el-GR" dirty="0"/>
-            </a:br>
+            <a:r>
+              <a:rPr lang="en-US" dirty="0"/>
+              <a:t>UDP-echo (</a:t>
+            </a:r>
             <a:r>
               <a:rPr lang="el-GR" dirty="0"/>
               <a:t>«</a:t>
@@ -21848,41 +21901,31 @@
               <a:rPr lang="el-GR" dirty="0"/>
               <a:t>» ).</a:t>
             </a:r>
+          </a:p>
+          <a:p>
+            <a:pPr marL="173736" lvl="1" indent="0">
+              <a:buNone/>
+            </a:pPr>
+            <a:r>
+              <a:rPr lang="el-GR" dirty="0">
+                <a:solidFill>
+                  <a:schemeClr val="accent1">
+                    <a:lumMod val="75000"/>
+                  </a:schemeClr>
+                </a:solidFill>
+              </a:rPr>
+              <a:t>2) </a:t>
+            </a:r>
+            <a:r>
+              <a:rPr lang="el-GR" dirty="0"/>
+              <a:t>Προσομοίωση ενός πιο πολύπλοκου δικτύου με δυναμική δρομολόγηση, δημιουργία ροών πακέτων, εισαγωγή αποτυχίας συνδέσεων και ανάλυση απώλειας πακέτων.</a:t>
+            </a:r>
             <a:endParaRPr lang="en-US" dirty="0"/>
           </a:p>
           <a:p>
-            <a:pPr algn="just">
-              <a:buFont typeface="Arial" panose="020B0604020202020204" pitchFamily="34" charset="0"/>
-              <a:buChar char="•"/>
+            <a:pPr marL="0" indent="0" algn="just">
+              <a:buNone/>
             </a:pPr>
-            <a:r>
-              <a:rPr lang="el-GR" dirty="0"/>
-              <a:t>Έχουμε 2 </a:t>
-            </a:r>
-            <a:r>
-              <a:rPr lang="en-US" dirty="0"/>
-              <a:t>servers </a:t>
-            </a:r>
-            <a:r>
-              <a:rPr lang="el-GR" dirty="0"/>
-              <a:t>(κόμβος 1) που εξυπηρετούν 2 πελάτες (κόμβος 0)</a:t>
-            </a:r>
-            <a:r>
-              <a:rPr lang="en-US" dirty="0"/>
-              <a:t>.</a:t>
-            </a:r>
-            <a:r>
-              <a:rPr lang="el-GR" dirty="0"/>
-              <a:t> Στην διάταξη αυτή, οι πελάτες παίρνουν διευθύνσεις από τους </a:t>
-            </a:r>
-            <a:r>
-              <a:rPr lang="en-US" dirty="0"/>
-              <a:t>servers</a:t>
-            </a:r>
-            <a:r>
-              <a:rPr lang="el-GR" dirty="0"/>
-              <a:t> αφού πρώτα  εγκαθιδρυθεί η σύνδεση μεταξύ τους.</a:t>
-            </a:r>
             <a:endParaRPr lang="en-US" dirty="0"/>
           </a:p>
         </p:txBody>
@@ -21922,6 +21965,179 @@
       </p:grpSpPr>
       <p:sp>
         <p:nvSpPr>
+          <p:cNvPr id="4" name="Τίτλος 1">
+            <a:extLst>
+              <a:ext uri="{FF2B5EF4-FFF2-40B4-BE49-F238E27FC236}">
+                <a16:creationId xmlns:a16="http://schemas.microsoft.com/office/drawing/2014/main" id="{D774839F-51E4-E46D-4EE5-1DF8B9BC855B}"/>
+              </a:ext>
+            </a:extLst>
+          </p:cNvPr>
+          <p:cNvSpPr>
+            <a:spLocks noGrp="1"/>
+          </p:cNvSpPr>
+          <p:nvPr>
+            <p:ph type="title"/>
+          </p:nvPr>
+        </p:nvSpPr>
+        <p:spPr>
+          <a:xfrm>
+            <a:off x="1024128" y="839755"/>
+            <a:ext cx="9720072" cy="899830"/>
+          </a:xfrm>
+        </p:spPr>
+        <p:txBody>
+          <a:bodyPr rtlCol="0">
+            <a:normAutofit/>
+          </a:bodyPr>
+          <a:lstStyle/>
+          <a:p>
+            <a:r>
+              <a:rPr lang="el-GR" sz="4800" b="1" dirty="0"/>
+              <a:t>Κυριο θεμα της εργασιασ (2)</a:t>
+            </a:r>
+          </a:p>
+        </p:txBody>
+      </p:sp>
+      <p:sp>
+        <p:nvSpPr>
+          <p:cNvPr id="5" name="Θέση περιεχομένου 2">
+            <a:extLst>
+              <a:ext uri="{FF2B5EF4-FFF2-40B4-BE49-F238E27FC236}">
+                <a16:creationId xmlns:a16="http://schemas.microsoft.com/office/drawing/2014/main" id="{784F8DDC-B6BC-8339-BE2C-10A96FCD8576}"/>
+              </a:ext>
+            </a:extLst>
+          </p:cNvPr>
+          <p:cNvSpPr>
+            <a:spLocks noGrp="1"/>
+          </p:cNvSpPr>
+          <p:nvPr>
+            <p:ph idx="1"/>
+          </p:nvPr>
+        </p:nvSpPr>
+        <p:spPr>
+          <a:xfrm>
+            <a:off x="317241" y="2182483"/>
+            <a:ext cx="11457992" cy="3614468"/>
+          </a:xfrm>
+        </p:spPr>
+        <p:txBody>
+          <a:bodyPr>
+            <a:noAutofit/>
+          </a:bodyPr>
+          <a:lstStyle/>
+          <a:p>
+            <a:pPr marL="0" indent="0">
+              <a:buNone/>
+            </a:pPr>
+            <a:r>
+              <a:rPr lang="el-GR" dirty="0"/>
+              <a:t>Πιο συγκεκριμένα για τα δύο μέρη της εργασίας </a:t>
+            </a:r>
+            <a:r>
+              <a:rPr lang="en-US" dirty="0"/>
+              <a:t>:</a:t>
+            </a:r>
+            <a:endParaRPr lang="el-GR" dirty="0"/>
+          </a:p>
+          <a:p>
+            <a:pPr marL="457200" indent="-457200">
+              <a:buFont typeface="+mj-lt"/>
+              <a:buAutoNum type="arabicPeriod"/>
+            </a:pPr>
+            <a:r>
+              <a:rPr lang="el-GR" sz="2000" dirty="0"/>
+              <a:t>Στην προσομοίωση σημείο</a:t>
+            </a:r>
+            <a:r>
+              <a:rPr lang="en-US" sz="2000" dirty="0"/>
+              <a:t> </a:t>
+            </a:r>
+            <a:r>
+              <a:rPr lang="el-GR" sz="2000" dirty="0"/>
+              <a:t>προς</a:t>
+            </a:r>
+            <a:r>
+              <a:rPr lang="en-US" sz="2000" dirty="0"/>
+              <a:t> </a:t>
+            </a:r>
+            <a:r>
+              <a:rPr lang="el-GR" sz="2000" dirty="0"/>
+              <a:t>σημείο δημιουργείται μια προσομοίωση με 2 κόμβους. Ορίζονται τα χαρακτηριστικά της σύνδεσης και αντιστοιχίζονται διευθύνσεις τύπου ipv4 στις διεπαφές των κόμβων.</a:t>
+            </a:r>
+            <a:br>
+              <a:rPr lang="el-GR" sz="2000" dirty="0"/>
+            </a:br>
+            <a:endParaRPr lang="el-GR" sz="2000" dirty="0"/>
+          </a:p>
+          <a:p>
+            <a:pPr marL="457200" indent="-457200">
+              <a:buFont typeface="+mj-lt"/>
+              <a:buAutoNum type="arabicPeriod"/>
+            </a:pPr>
+            <a:r>
+              <a:rPr lang="el-GR" sz="2000" dirty="0"/>
+              <a:t> Τέλος, υλοποιήθηκαν δύο servers UDP echo στον κόμβο 1 σε διαφορετικές θύρες με δημιουργία δύο πελατών  UDP echo στον κόμβο 0. </a:t>
+            </a:r>
+            <a:br>
+              <a:rPr lang="el-GR" sz="2000" dirty="0"/>
+            </a:br>
+            <a:endParaRPr lang="el-GR" sz="2000" dirty="0"/>
+          </a:p>
+          <a:p>
+            <a:pPr marL="457200" indent="-457200">
+              <a:buFont typeface="+mj-lt"/>
+              <a:buAutoNum type="arabicPeriod"/>
+            </a:pPr>
+            <a:r>
+              <a:rPr lang="el-GR" sz="2000" dirty="0"/>
+              <a:t>Εκτέλεση της προσομοίωσης και καταγραφή των δεδομένων ροής με χρήση </a:t>
+            </a:r>
+            <a:r>
+              <a:rPr lang="en-US" sz="2000" dirty="0"/>
+              <a:t>Flow-Monitoring</a:t>
+            </a:r>
+            <a:r>
+              <a:rPr lang="el-GR" sz="2000" dirty="0"/>
+              <a:t> (πακέτα, καθυστέρηση, εύρος ζώνης).</a:t>
+            </a:r>
+          </a:p>
+        </p:txBody>
+      </p:sp>
+    </p:spTree>
+    <p:extLst>
+      <p:ext uri="{BB962C8B-B14F-4D97-AF65-F5344CB8AC3E}">
+        <p14:creationId xmlns:p14="http://schemas.microsoft.com/office/powerpoint/2010/main" val="3077155193"/>
+      </p:ext>
+    </p:extLst>
+  </p:cSld>
+  <p:clrMapOvr>
+    <a:masterClrMapping/>
+  </p:clrMapOvr>
+  <p:transition spd="slow">
+    <p:push dir="u"/>
+  </p:transition>
+</p:sld>
+</file>
+
+<file path=ppt/slides/slide4.xml><?xml version="1.0" encoding="utf-8"?>
+<p:sld xmlns:a="http://schemas.openxmlformats.org/drawingml/2006/main" xmlns:r="http://schemas.openxmlformats.org/officeDocument/2006/relationships" xmlns:p="http://schemas.openxmlformats.org/presentationml/2006/main">
+  <p:cSld>
+    <p:spTree>
+      <p:nvGrpSpPr>
+        <p:cNvPr id="1" name=""/>
+        <p:cNvGrpSpPr/>
+        <p:nvPr/>
+      </p:nvGrpSpPr>
+      <p:grpSpPr>
+        <a:xfrm>
+          <a:off x="0" y="0"/>
+          <a:ext cx="0" cy="0"/>
+          <a:chOff x="0" y="0"/>
+          <a:chExt cx="0" cy="0"/>
+        </a:xfrm>
+      </p:grpSpPr>
+      <p:sp>
+        <p:nvSpPr>
           <p:cNvPr id="2" name="Τίτλος 1">
             <a:extLst>
               <a:ext uri="{FF2B5EF4-FFF2-40B4-BE49-F238E27FC236}">
@@ -21936,14 +22152,23 @@
             <p:ph type="title"/>
           </p:nvPr>
         </p:nvSpPr>
-        <p:spPr/>
+        <p:spPr>
+          <a:xfrm>
+            <a:off x="837516" y="547893"/>
+            <a:ext cx="11167872" cy="1499616"/>
+          </a:xfrm>
+        </p:spPr>
         <p:txBody>
           <a:bodyPr/>
           <a:lstStyle/>
           <a:p>
             <a:r>
+              <a:rPr lang="el-GR" sz="4800" b="1" dirty="0"/>
+              <a:t>ΒΗΜΑΤΑ</a:t>
+            </a:r>
+            <a:r>
               <a:rPr lang="el-GR" b="1" dirty="0"/>
-              <a:t>ΒΗΜΑΤΑ ΥΛΟΠΟΙΗΣΗΣ ΤΗΣ ΕΡΓΑΣΙΑΣ</a:t>
+              <a:t> ΥΛΟΠΟΙΗΣΗΣ ΤΗΣ ΕΡΓΑΣΙΑΣ</a:t>
             </a:r>
             <a:r>
               <a:rPr lang="en-US" b="1" dirty="0"/>
@@ -21969,7 +22194,12 @@
             <p:ph idx="1"/>
           </p:nvPr>
         </p:nvSpPr>
-        <p:spPr/>
+        <p:spPr>
+          <a:xfrm>
+            <a:off x="1024128" y="2220683"/>
+            <a:ext cx="9720073" cy="4023360"/>
+          </a:xfrm>
+        </p:spPr>
         <p:txBody>
           <a:bodyPr>
             <a:normAutofit/>
@@ -22030,7 +22260,15 @@
             </a:r>
             <a:r>
               <a:rPr lang="el-GR" dirty="0"/>
-              <a:t>για την επικοινωνία και συγχρονισμό των μελών της ομάδας.</a:t>
+              <a:t>και </a:t>
+            </a:r>
+            <a:r>
+              <a:rPr lang="en-US" dirty="0"/>
+              <a:t>GitHub </a:t>
+            </a:r>
+            <a:r>
+              <a:rPr lang="el-GR" dirty="0"/>
+              <a:t>για την επικοινωνία και τον συγχρονισμό των μελών της ομάδας.</a:t>
             </a:r>
             <a:endParaRPr lang="en-US" dirty="0"/>
           </a:p>
@@ -22058,7 +22296,7 @@
         </p:blipFill>
         <p:spPr>
           <a:xfrm>
-            <a:off x="8973179" y="4618275"/>
+            <a:off x="7092617" y="4618273"/>
             <a:ext cx="2119364" cy="2119364"/>
           </a:xfrm>
           <a:prstGeom prst="rect">
@@ -22088,7 +22326,7 @@
         </p:blipFill>
         <p:spPr>
           <a:xfrm>
-            <a:off x="925391" y="4316772"/>
+            <a:off x="507542" y="4316771"/>
             <a:ext cx="2722370" cy="2722370"/>
           </a:xfrm>
           <a:prstGeom prst="rect">
@@ -22118,8 +22356,38 @@
         </p:blipFill>
         <p:spPr>
           <a:xfrm>
-            <a:off x="4955040" y="4777844"/>
+            <a:off x="3816355" y="4777843"/>
             <a:ext cx="2543175" cy="1800225"/>
+          </a:xfrm>
+          <a:prstGeom prst="rect">
+            <a:avLst/>
+          </a:prstGeom>
+        </p:spPr>
+      </p:pic>
+      <p:pic>
+        <p:nvPicPr>
+          <p:cNvPr id="6" name="Picture 5" descr="A black background with a black square&#10;&#10;AI-generated content may be incorrect.">
+            <a:extLst>
+              <a:ext uri="{FF2B5EF4-FFF2-40B4-BE49-F238E27FC236}">
+                <a16:creationId xmlns:a16="http://schemas.microsoft.com/office/drawing/2014/main" id="{46213963-0CDF-A7D0-0F23-FA0301AA6534}"/>
+              </a:ext>
+            </a:extLst>
+          </p:cNvPr>
+          <p:cNvPicPr>
+            <a:picLocks noChangeAspect="1"/>
+          </p:cNvPicPr>
+          <p:nvPr/>
+        </p:nvPicPr>
+        <p:blipFill>
+          <a:blip r:embed="rId5"/>
+          <a:stretch>
+            <a:fillRect/>
+          </a:stretch>
+        </p:blipFill>
+        <p:spPr>
+          <a:xfrm>
+            <a:off x="9444899" y="4857097"/>
+            <a:ext cx="2918604" cy="1641715"/>
           </a:xfrm>
           <a:prstGeom prst="rect">
             <a:avLst/>
@@ -22142,7 +22410,7 @@
 </p:sld>
 </file>
 
-<file path=ppt/slides/slide4.xml><?xml version="1.0" encoding="utf-8"?>
+<file path=ppt/slides/slide5.xml><?xml version="1.0" encoding="utf-8"?>
 <p:sld xmlns:a="http://schemas.openxmlformats.org/drawingml/2006/main" xmlns:r="http://schemas.openxmlformats.org/officeDocument/2006/relationships" xmlns:p="http://schemas.openxmlformats.org/presentationml/2006/main">
   <p:cSld>
     <p:spTree>
@@ -22183,8 +22451,8 @@
         </p:nvSpPr>
         <p:spPr>
           <a:xfrm>
-            <a:off x="1024128" y="585216"/>
-            <a:ext cx="9720072" cy="1338942"/>
+            <a:off x="921492" y="678522"/>
+            <a:ext cx="11357594" cy="1338942"/>
           </a:xfrm>
         </p:spPr>
         <p:txBody>
@@ -22229,17 +22497,17 @@
         </p:nvSpPr>
         <p:spPr>
           <a:xfrm>
-            <a:off x="1134882" y="2898459"/>
-            <a:ext cx="4749282" cy="3008005"/>
+            <a:off x="653141" y="2319962"/>
+            <a:ext cx="6587413" cy="4204749"/>
           </a:xfrm>
         </p:spPr>
         <p:txBody>
           <a:bodyPr>
-            <a:normAutofit/>
+            <a:noAutofit/>
           </a:bodyPr>
           <a:lstStyle/>
           <a:p>
-            <a:pPr algn="just">
+            <a:pPr>
               <a:buFont typeface="Arial" panose="020B0604020202020204" pitchFamily="34" charset="0"/>
               <a:buChar char="•"/>
             </a:pPr>
@@ -22248,47 +22516,105 @@
               <a:t> </a:t>
             </a:r>
             <a:r>
-              <a:rPr lang="el-GR" sz="2000" dirty="0"/>
-              <a:t>Μελετήσαμε την βιβλιογραφία του </a:t>
+              <a:rPr lang="el-GR" dirty="0"/>
+              <a:t>Δημιουργία ενός repository στο </a:t>
             </a:r>
             <a:r>
-              <a:rPr lang="en-US" sz="2000" dirty="0"/>
+              <a:rPr lang="en-US" dirty="0"/>
+              <a:t>GitHub </a:t>
+            </a:r>
+            <a:r>
+              <a:rPr lang="el-GR" dirty="0"/>
+              <a:t>σε αρχικό στάδιο με ελλειπές υλικό για την ώρα (γι</a:t>
+            </a:r>
+            <a:r>
+              <a:rPr lang="en-US" dirty="0"/>
+              <a:t>’</a:t>
+            </a:r>
+            <a:r>
+              <a:rPr lang="el-GR" dirty="0"/>
+              <a:t>αυτό και </a:t>
+            </a:r>
+            <a:r>
+              <a:rPr lang="en-US" dirty="0"/>
+              <a:t>private)</a:t>
+            </a:r>
+            <a:r>
+              <a:rPr lang="el-GR" dirty="0"/>
+              <a:t> και με στόχο να γίνει </a:t>
+            </a:r>
+            <a:r>
+              <a:rPr lang="en-US" dirty="0"/>
+              <a:t>public </a:t>
+            </a:r>
+            <a:r>
+              <a:rPr lang="el-GR" dirty="0"/>
+              <a:t>όταν ολοκληρωθεί. </a:t>
+            </a:r>
+          </a:p>
+          <a:p>
+            <a:pPr>
+              <a:buFont typeface="Arial" panose="020B0604020202020204" pitchFamily="34" charset="0"/>
+              <a:buChar char="•"/>
+            </a:pPr>
+            <a:r>
+              <a:rPr lang="el-GR" dirty="0"/>
+              <a:t>Μελέτη  της βιβλιογραφίας του </a:t>
+            </a:r>
+            <a:r>
+              <a:rPr lang="en-US" dirty="0"/>
               <a:t>NS-3</a:t>
             </a:r>
             <a:r>
-              <a:rPr lang="el-GR" sz="2000" dirty="0"/>
-              <a:t> και πιο συγκεκριμένα το  </a:t>
+              <a:rPr lang="el-GR" dirty="0"/>
+              <a:t> και πιο συγκεκριμένα του </a:t>
             </a:r>
             <a:r>
-              <a:rPr lang="en-US" sz="2000" dirty="0"/>
+              <a:rPr lang="en-US" dirty="0"/>
               <a:t>“ns-3 tutorial” </a:t>
             </a:r>
             <a:r>
-              <a:rPr lang="el-GR" sz="2000" dirty="0"/>
+              <a:rPr lang="el-GR" dirty="0"/>
               <a:t>για απλά παραδείγματα χρήσης του νέου αυτού εργαλείου.</a:t>
             </a:r>
           </a:p>
           <a:p>
-            <a:pPr algn="just">
+            <a:pPr>
               <a:buFont typeface="Arial" panose="020B0604020202020204" pitchFamily="34" charset="0"/>
               <a:buChar char="•"/>
             </a:pPr>
             <a:r>
-              <a:rPr lang="el-GR" sz="2000" dirty="0"/>
-              <a:t>Στην συνέχεια ανατρέξαμε στο </a:t>
+              <a:rPr lang="el-GR" dirty="0"/>
+              <a:t>Αναζήτηση στο </a:t>
             </a:r>
             <a:r>
-              <a:rPr lang="en-US" sz="2000" dirty="0"/>
+              <a:rPr lang="en-US" dirty="0"/>
               <a:t>“ns-3 Model Library” </a:t>
             </a:r>
             <a:r>
-              <a:rPr lang="el-GR" sz="2000" dirty="0"/>
-              <a:t>για διασαφηνίσουμε κάποιες έννοιες που αναφέρονταν στην εργασία.</a:t>
+              <a:rPr lang="el-GR" dirty="0"/>
+              <a:t>για διασαφήνιση   σχετικών  εννοιών  (</a:t>
+            </a:r>
+            <a:r>
+              <a:rPr lang="en-US" dirty="0"/>
+              <a:t>flow monitoring, internet models, etc</a:t>
+            </a:r>
+            <a:r>
+              <a:rPr lang="el-GR" dirty="0"/>
+              <a:t>.</a:t>
+            </a:r>
+            <a:r>
+              <a:rPr lang="en-US" dirty="0"/>
+              <a:t>)</a:t>
+            </a:r>
+            <a:r>
+              <a:rPr lang="el-GR" dirty="0"/>
+              <a:t> που αναφέρονταν στην εργασία.</a:t>
             </a:r>
             <a:br>
-              <a:rPr lang="en-US" sz="2000" dirty="0"/>
+              <a:rPr lang="en-US" dirty="0"/>
             </a:br>
-            <a:endParaRPr lang="el-GR" sz="2000" dirty="0"/>
+            <a:endParaRPr lang="el-GR" dirty="0"/>
           </a:p>
         </p:txBody>
       </p:sp>
@@ -22314,8 +22640,8 @@
         </p:blipFill>
         <p:spPr>
           <a:xfrm>
-            <a:off x="6708710" y="1924158"/>
-            <a:ext cx="5483290" cy="4956607"/>
+            <a:off x="7959007" y="2454009"/>
+            <a:ext cx="3797565" cy="3432800"/>
           </a:xfrm>
           <a:prstGeom prst="rect">
             <a:avLst/>
@@ -22343,7 +22669,288 @@
 </p:sld>
 </file>
 
-<file path=ppt/slides/slide5.xml><?xml version="1.0" encoding="utf-8"?>
+<file path=ppt/slides/slide6.xml><?xml version="1.0" encoding="utf-8"?>
+<p:sld xmlns:a="http://schemas.openxmlformats.org/drawingml/2006/main" xmlns:r="http://schemas.openxmlformats.org/officeDocument/2006/relationships" xmlns:p="http://schemas.openxmlformats.org/presentationml/2006/main">
+  <p:cSld>
+    <p:spTree>
+      <p:nvGrpSpPr>
+        <p:cNvPr id="1" name=""/>
+        <p:cNvGrpSpPr/>
+        <p:nvPr/>
+      </p:nvGrpSpPr>
+      <p:grpSpPr>
+        <a:xfrm>
+          <a:off x="0" y="0"/>
+          <a:ext cx="0" cy="0"/>
+          <a:chOff x="0" y="0"/>
+          <a:chExt cx="0" cy="0"/>
+        </a:xfrm>
+      </p:grpSpPr>
+      <p:sp>
+        <p:nvSpPr>
+          <p:cNvPr id="5" name="Τίτλος 1">
+            <a:extLst>
+              <a:ext uri="{FF2B5EF4-FFF2-40B4-BE49-F238E27FC236}">
+                <a16:creationId xmlns:a16="http://schemas.microsoft.com/office/drawing/2014/main" id="{FB84AE28-5848-E665-6D72-8FA26E4F4EA0}"/>
+              </a:ext>
+            </a:extLst>
+          </p:cNvPr>
+          <p:cNvSpPr txBox="1">
+            <a:spLocks/>
+          </p:cNvSpPr>
+          <p:nvPr/>
+        </p:nvSpPr>
+        <p:spPr>
+          <a:xfrm>
+            <a:off x="1045029" y="1074429"/>
+            <a:ext cx="9453318" cy="676733"/>
+          </a:xfrm>
+          <a:prstGeom prst="rect">
+            <a:avLst/>
+          </a:prstGeom>
+        </p:spPr>
+        <p:txBody>
+          <a:bodyPr vert="horz" lIns="91440" tIns="45720" rIns="91440" bIns="45720" rtlCol="0" anchor="ctr">
+            <a:noAutofit/>
+          </a:bodyPr>
+          <a:lstStyle>
+            <a:lvl1pPr algn="l" defTabSz="914400" rtl="0" eaLnBrk="1" latinLnBrk="0" hangingPunct="1">
+              <a:lnSpc>
+                <a:spcPct val="80000"/>
+              </a:lnSpc>
+              <a:spcBef>
+                <a:spcPct val="0"/>
+              </a:spcBef>
+              <a:buNone/>
+              <a:defRPr sz="5000" kern="1200" cap="all" spc="100" baseline="0">
+                <a:solidFill>
+                  <a:schemeClr val="tx1">
+                    <a:lumMod val="95000"/>
+                    <a:lumOff val="5000"/>
+                  </a:schemeClr>
+                </a:solidFill>
+                <a:latin typeface="Calibri" panose="020F0502020204030204" pitchFamily="34" charset="0"/>
+                <a:ea typeface="+mj-ea"/>
+                <a:cs typeface="+mj-cs"/>
+              </a:defRPr>
+            </a:lvl1pPr>
+          </a:lstStyle>
+          <a:p>
+            <a:r>
+              <a:rPr lang="el-GR" sz="4800" b="1" dirty="0"/>
+              <a:t>δεδομενΑ για το ερωτημα 1</a:t>
+            </a:r>
+            <a:br>
+              <a:rPr lang="el-GR" sz="4800" dirty="0"/>
+            </a:br>
+            <a:endParaRPr lang="el-GR" sz="4800" dirty="0"/>
+          </a:p>
+        </p:txBody>
+      </p:sp>
+      <p:sp>
+        <p:nvSpPr>
+          <p:cNvPr id="6" name="Θέση περιεχομένου 2">
+            <a:extLst>
+              <a:ext uri="{FF2B5EF4-FFF2-40B4-BE49-F238E27FC236}">
+                <a16:creationId xmlns:a16="http://schemas.microsoft.com/office/drawing/2014/main" id="{1BD6B2D5-E19E-AB53-1C03-C2A591F05B5B}"/>
+              </a:ext>
+            </a:extLst>
+          </p:cNvPr>
+          <p:cNvSpPr>
+            <a:spLocks noGrp="1"/>
+          </p:cNvSpPr>
+          <p:nvPr>
+            <p:ph idx="1"/>
+          </p:nvPr>
+        </p:nvSpPr>
+        <p:spPr>
+          <a:xfrm>
+            <a:off x="1045029" y="2155371"/>
+            <a:ext cx="10888824" cy="4198776"/>
+          </a:xfrm>
+        </p:spPr>
+        <p:txBody>
+          <a:bodyPr>
+            <a:normAutofit/>
+          </a:bodyPr>
+          <a:lstStyle/>
+          <a:p>
+            <a:pPr algn="just">
+              <a:buFont typeface="Arial" panose="020B0604020202020204" pitchFamily="34" charset="0"/>
+              <a:buChar char="•"/>
+            </a:pPr>
+            <a:r>
+              <a:rPr lang="en-US" dirty="0"/>
+              <a:t> </a:t>
+            </a:r>
+            <a:r>
+              <a:rPr lang="el-GR" dirty="0"/>
+              <a:t>Μέσα στον φάκελο</a:t>
+            </a:r>
+            <a:r>
+              <a:rPr lang="en-US" dirty="0"/>
+              <a:t> scratch </a:t>
+            </a:r>
+            <a:r>
+              <a:rPr lang="el-GR" dirty="0"/>
+              <a:t>του </a:t>
+            </a:r>
+            <a:r>
+              <a:rPr lang="en-US" dirty="0"/>
+              <a:t>NS3 </a:t>
+            </a:r>
+            <a:r>
+              <a:rPr lang="el-GR" dirty="0"/>
+              <a:t>υλοποιήθηκε η λύση του 1</a:t>
+            </a:r>
+            <a:r>
+              <a:rPr lang="el-GR" baseline="30000" dirty="0"/>
+              <a:t>ου</a:t>
+            </a:r>
+            <a:r>
+              <a:rPr lang="el-GR" dirty="0"/>
+              <a:t> ερωτήματος στο αρχείο </a:t>
+            </a:r>
+            <a:r>
+              <a:rPr lang="en-US" dirty="0"/>
+              <a:t>mypoint.cc</a:t>
+            </a:r>
+          </a:p>
+          <a:p>
+            <a:pPr algn="just">
+              <a:buFont typeface="Arial" panose="020B0604020202020204" pitchFamily="34" charset="0"/>
+              <a:buChar char="•"/>
+            </a:pPr>
+            <a:r>
+              <a:rPr lang="el-GR" dirty="0"/>
+              <a:t> Έγινε χρήση </a:t>
+            </a:r>
+            <a:r>
+              <a:rPr lang="en-US" dirty="0"/>
+              <a:t>C++</a:t>
+            </a:r>
+          </a:p>
+          <a:p>
+            <a:pPr algn="just">
+              <a:buFont typeface="Arial" panose="020B0604020202020204" pitchFamily="34" charset="0"/>
+              <a:buChar char="•"/>
+            </a:pPr>
+            <a:r>
+              <a:rPr lang="el-GR" dirty="0"/>
+              <a:t> Έγινε χρήση των  βιβλιοθηκών </a:t>
+            </a:r>
+            <a:r>
+              <a:rPr lang="en-US" dirty="0"/>
+              <a:t>:</a:t>
+            </a:r>
+            <a:r>
+              <a:rPr lang="el-GR" dirty="0"/>
+              <a:t> </a:t>
+            </a:r>
+            <a:r>
+              <a:rPr lang="en-US" dirty="0"/>
+              <a:t>flow- monitoring -</a:t>
+            </a:r>
+            <a:r>
+              <a:rPr lang="en-US" dirty="0" err="1"/>
+              <a:t>module.h</a:t>
+            </a:r>
+            <a:r>
+              <a:rPr lang="en-US" dirty="0"/>
+              <a:t> , point-to-point-</a:t>
+            </a:r>
+            <a:r>
+              <a:rPr lang="en-US" dirty="0" err="1"/>
+              <a:t>module.h</a:t>
+            </a:r>
+            <a:endParaRPr lang="en-US" dirty="0"/>
+          </a:p>
+          <a:p>
+            <a:pPr algn="just">
+              <a:buFont typeface="Arial" panose="020B0604020202020204" pitchFamily="34" charset="0"/>
+              <a:buChar char="•"/>
+            </a:pPr>
+            <a:r>
+              <a:rPr lang="el-GR" dirty="0"/>
+              <a:t> Έγινε παραμετροποίηση με τις παραδοχές </a:t>
+            </a:r>
+            <a:r>
+              <a:rPr lang="en-US" dirty="0"/>
+              <a:t>:</a:t>
+            </a:r>
+            <a:endParaRPr lang="el-GR" dirty="0"/>
+          </a:p>
+          <a:p>
+            <a:pPr marL="173736" lvl="1" indent="0" algn="just">
+              <a:buNone/>
+            </a:pPr>
+            <a:r>
+              <a:rPr lang="en-US" dirty="0"/>
+              <a:t>  Data Rate = 5Mbps</a:t>
+            </a:r>
+          </a:p>
+          <a:p>
+            <a:pPr marL="173736" lvl="1" indent="0" algn="just">
+              <a:buNone/>
+            </a:pPr>
+            <a:r>
+              <a:rPr lang="en-US" dirty="0"/>
+              <a:t>  Delay = 6ms</a:t>
+            </a:r>
+          </a:p>
+          <a:p>
+            <a:pPr marL="173736" lvl="1" indent="0" algn="just">
+              <a:buNone/>
+            </a:pPr>
+            <a:r>
+              <a:rPr lang="en-US" dirty="0"/>
+              <a:t>  Packet Size = 1024</a:t>
+            </a:r>
+          </a:p>
+          <a:p>
+            <a:pPr marL="173736" lvl="1" indent="0" algn="just">
+              <a:buNone/>
+            </a:pPr>
+            <a:r>
+              <a:rPr lang="en-US" dirty="0"/>
+              <a:t>  Max Packets = 6</a:t>
+            </a:r>
+          </a:p>
+          <a:p>
+            <a:pPr marL="173736" lvl="1" indent="0" algn="just">
+              <a:buNone/>
+            </a:pPr>
+            <a:r>
+              <a:rPr lang="en-US" dirty="0"/>
+              <a:t>  Simulation Time = 11.0</a:t>
+            </a:r>
+          </a:p>
+          <a:p>
+            <a:pPr algn="just">
+              <a:buFont typeface="Arial" panose="020B0604020202020204" pitchFamily="34" charset="0"/>
+              <a:buChar char="•"/>
+            </a:pPr>
+            <a:endParaRPr lang="el-GR" dirty="0"/>
+          </a:p>
+        </p:txBody>
+      </p:sp>
+    </p:spTree>
+    <p:extLst>
+      <p:ext uri="{BB962C8B-B14F-4D97-AF65-F5344CB8AC3E}">
+        <p14:creationId xmlns:p14="http://schemas.microsoft.com/office/powerpoint/2010/main" val="2973954065"/>
+      </p:ext>
+    </p:extLst>
+  </p:cSld>
+  <p:clrMapOvr>
+    <a:masterClrMapping/>
+  </p:clrMapOvr>
+  <p:transition spd="slow">
+    <p:push dir="u"/>
+  </p:transition>
+</p:sld>
+</file>
+
+<file path=ppt/slides/slide7.xml><?xml version="1.0" encoding="utf-8"?>
 <p:sld xmlns:a="http://schemas.openxmlformats.org/drawingml/2006/main" xmlns:r="http://schemas.openxmlformats.org/officeDocument/2006/relationships" xmlns:p="http://schemas.openxmlformats.org/presentationml/2006/main">
   <p:cSld>
     <p:spTree>
@@ -22378,24 +22985,24 @@
         </p:nvSpPr>
         <p:spPr>
           <a:xfrm>
-            <a:off x="1024128" y="585216"/>
-            <a:ext cx="9720072" cy="1499616"/>
+            <a:off x="1024127" y="979714"/>
+            <a:ext cx="10415203" cy="1105118"/>
           </a:xfrm>
         </p:spPr>
         <p:txBody>
           <a:bodyPr anchor="ctr">
-            <a:normAutofit/>
+            <a:noAutofit/>
           </a:bodyPr>
           <a:lstStyle/>
           <a:p>
             <a:r>
-              <a:rPr lang="el-GR" sz="3500" b="1" dirty="0"/>
-              <a:t>δεδομενΑ και αποτελεσματα του ερωτηματοσ 1</a:t>
+              <a:rPr lang="el-GR" sz="4800" b="1" dirty="0"/>
+              <a:t>αποτελεσματα του ερωτηματοσ 1</a:t>
             </a:r>
             <a:br>
-              <a:rPr lang="el-GR" sz="3500" dirty="0"/>
+              <a:rPr lang="el-GR" sz="4800" dirty="0"/>
             </a:br>
-            <a:endParaRPr lang="el-GR" sz="3500" dirty="0"/>
+            <a:endParaRPr lang="el-GR" sz="4800" dirty="0"/>
           </a:p>
         </p:txBody>
       </p:sp>
@@ -22417,7 +23024,7 @@
         </p:nvSpPr>
         <p:spPr>
           <a:xfrm>
-            <a:off x="1024127" y="2286000"/>
+            <a:off x="1024127" y="2579914"/>
             <a:ext cx="4754880" cy="1698171"/>
           </a:xfrm>
         </p:spPr>
@@ -22483,8 +23090,8 @@
         </p:blipFill>
         <p:spPr>
           <a:xfrm>
-            <a:off x="6764694" y="2286000"/>
-            <a:ext cx="3881535" cy="4023360"/>
+            <a:off x="6764694" y="2184449"/>
+            <a:ext cx="3979506" cy="4124911"/>
           </a:xfrm>
           <a:prstGeom prst="rect">
             <a:avLst/>
@@ -22508,7 +23115,7 @@
 </p:sld>
 </file>
 
-<file path=ppt/slides/slide6.xml><?xml version="1.0" encoding="utf-8"?>
+<file path=ppt/slides/slide8.xml><?xml version="1.0" encoding="utf-8"?>
 <p:sld xmlns:a="http://schemas.openxmlformats.org/drawingml/2006/main" xmlns:r="http://schemas.openxmlformats.org/officeDocument/2006/relationships" xmlns:p="http://schemas.openxmlformats.org/presentationml/2006/main">
   <p:cSld>
     <p:spTree>

--- a/Presentations/Ns-3_presentation_F.pptx
+++ b/Presentations/Ns-3_presentation_F.pptx
@@ -5,20 +5,25 @@
     <p:sldMasterId id="2147483648" r:id="rId4"/>
   </p:sldMasterIdLst>
   <p:notesMasterIdLst>
-    <p:notesMasterId r:id="rId13"/>
+    <p:notesMasterId r:id="rId18"/>
   </p:notesMasterIdLst>
   <p:handoutMasterIdLst>
-    <p:handoutMasterId r:id="rId14"/>
+    <p:handoutMasterId r:id="rId19"/>
   </p:handoutMasterIdLst>
   <p:sldIdLst>
     <p:sldId id="256" r:id="rId5"/>
     <p:sldId id="277" r:id="rId6"/>
     <p:sldId id="284" r:id="rId7"/>
-    <p:sldId id="279" r:id="rId8"/>
-    <p:sldId id="282" r:id="rId9"/>
-    <p:sldId id="283" r:id="rId10"/>
-    <p:sldId id="278" r:id="rId11"/>
-    <p:sldId id="281" r:id="rId12"/>
+    <p:sldId id="289" r:id="rId8"/>
+    <p:sldId id="279" r:id="rId9"/>
+    <p:sldId id="282" r:id="rId10"/>
+    <p:sldId id="283" r:id="rId11"/>
+    <p:sldId id="278" r:id="rId12"/>
+    <p:sldId id="287" r:id="rId13"/>
+    <p:sldId id="290" r:id="rId14"/>
+    <p:sldId id="286" r:id="rId15"/>
+    <p:sldId id="288" r:id="rId16"/>
+    <p:sldId id="281" r:id="rId17"/>
   </p:sldIdLst>
   <p:sldSz cx="12192000" cy="6858000"/>
   <p:notesSz cx="6858000" cy="9144000"/>
@@ -212,7 +217,7 @@
             <a:pPr rtl="0"/>
             <a:fld id="{F0EC7D35-77BB-4867-BAC6-5C40C37B98F1}" type="datetime1">
               <a:rPr lang="el-GR" smtClean="0"/>
-              <a:t>3/11/2025</a:t>
+              <a:t>4/11/2025</a:t>
             </a:fld>
             <a:endParaRPr lang="el-GR" dirty="0"/>
           </a:p>
@@ -382,7 +387,7 @@
             <a:pPr rtl="0"/>
             <a:fld id="{707ABAE7-72BE-4378-9C66-B300388DE536}" type="datetime1">
               <a:rPr lang="el-GR" noProof="0" smtClean="0"/>
-              <a:t>3/11/2025</a:t>
+              <a:t>4/11/2025</a:t>
             </a:fld>
             <a:endParaRPr lang="el-GR" noProof="0" dirty="0"/>
           </a:p>
@@ -9649,7 +9654,7 @@
             <a:pPr rtl="0"/>
             <a:fld id="{EABDBA74-E4DB-4313-95D3-B7F630EE7B7F}" type="datetime1">
               <a:rPr lang="el-GR" noProof="0" smtClean="0"/>
-              <a:t>3/11/2025</a:t>
+              <a:t>4/11/2025</a:t>
             </a:fld>
             <a:endParaRPr lang="el-GR" noProof="0" dirty="0"/>
           </a:p>
@@ -9858,7 +9863,7 @@
             <a:pPr rtl="0"/>
             <a:fld id="{D9C97E28-F60A-427B-851A-BCC048F06BC7}" type="datetime1">
               <a:rPr lang="el-GR" noProof="0" smtClean="0"/>
-              <a:t>3/11/2025</a:t>
+              <a:t>4/11/2025</a:t>
             </a:fld>
             <a:endParaRPr lang="el-GR" noProof="0" dirty="0"/>
           </a:p>
@@ -10040,7 +10045,7 @@
             <a:pPr rtl="0"/>
             <a:fld id="{4EA33EDB-81C3-4DAA-87EA-DA21D6A7FC6C}" type="datetime1">
               <a:rPr lang="el-GR" noProof="0" smtClean="0"/>
-              <a:t>3/11/2025</a:t>
+              <a:t>4/11/2025</a:t>
             </a:fld>
             <a:endParaRPr lang="el-GR" noProof="0" dirty="0"/>
           </a:p>
@@ -10247,7 +10252,7 @@
             <a:pPr rtl="0"/>
             <a:fld id="{0FE5ACA5-56F5-4208-8101-108DA68822C6}" type="datetime1">
               <a:rPr lang="el-GR" noProof="0" smtClean="0"/>
-              <a:t>3/11/2025</a:t>
+              <a:t>4/11/2025</a:t>
             </a:fld>
             <a:endParaRPr lang="el-GR" noProof="0" dirty="0"/>
           </a:p>
@@ -19161,7 +19166,7 @@
             <a:pPr rtl="0"/>
             <a:fld id="{98AAE694-814A-4F58-A8E2-AA9B6575E0B5}" type="datetime1">
               <a:rPr lang="el-GR" noProof="0" smtClean="0"/>
-              <a:t>3/11/2025</a:t>
+              <a:t>4/11/2025</a:t>
             </a:fld>
             <a:endParaRPr lang="el-GR" noProof="0" dirty="0"/>
           </a:p>
@@ -19437,7 +19442,7 @@
             <a:pPr rtl="0"/>
             <a:fld id="{98B30D4A-F623-45A5-BE49-543B4B609AF2}" type="datetime1">
               <a:rPr lang="el-GR" noProof="0" smtClean="0"/>
-              <a:t>3/11/2025</a:t>
+              <a:t>4/11/2025</a:t>
             </a:fld>
             <a:endParaRPr lang="el-GR" noProof="0" dirty="0"/>
           </a:p>
@@ -19837,7 +19842,7 @@
             <a:pPr rtl="0"/>
             <a:fld id="{06412F62-D18F-463A-9A7E-E4809AAD76E4}" type="datetime1">
               <a:rPr lang="el-GR" noProof="0" smtClean="0"/>
-              <a:t>3/11/2025</a:t>
+              <a:t>4/11/2025</a:t>
             </a:fld>
             <a:endParaRPr lang="el-GR" noProof="0" dirty="0"/>
           </a:p>
@@ -19957,7 +19962,7 @@
             <a:pPr rtl="0"/>
             <a:fld id="{D2009D47-CF8A-48CB-81B8-5988DBFADA28}" type="datetime1">
               <a:rPr lang="el-GR" noProof="0" smtClean="0"/>
-              <a:t>3/11/2025</a:t>
+              <a:t>4/11/2025</a:t>
             </a:fld>
             <a:endParaRPr lang="el-GR" noProof="0" dirty="0"/>
           </a:p>
@@ -20053,7 +20058,7 @@
             <a:pPr rtl="0"/>
             <a:fld id="{89B075A6-4B0E-489A-92E5-C2C81D969D11}" type="datetime1">
               <a:rPr lang="el-GR" noProof="0" smtClean="0"/>
-              <a:t>3/11/2025</a:t>
+              <a:t>4/11/2025</a:t>
             </a:fld>
             <a:endParaRPr lang="el-GR" noProof="0" dirty="0"/>
           </a:p>
@@ -20345,7 +20350,7 @@
             <a:pPr rtl="0"/>
             <a:fld id="{7C290451-C354-46E0-BBD8-0317D7A1384C}" type="datetime1">
               <a:rPr lang="el-GR" noProof="0" smtClean="0"/>
-              <a:t>3/11/2025</a:t>
+              <a:t>4/11/2025</a:t>
             </a:fld>
             <a:endParaRPr lang="el-GR" noProof="0" dirty="0"/>
           </a:p>
@@ -20628,7 +20633,7 @@
             <a:pPr rtl="0"/>
             <a:fld id="{05DAA40D-D363-46A0-9276-B6A4797DC9A5}" type="datetime1">
               <a:rPr lang="el-GR" noProof="0" smtClean="0"/>
-              <a:t>3/11/2025</a:t>
+              <a:t>4/11/2025</a:t>
             </a:fld>
             <a:endParaRPr lang="el-GR" noProof="0" dirty="0"/>
           </a:p>
@@ -20877,7 +20882,7 @@
           <a:p>
             <a:fld id="{F98FDC76-A1F5-4EE8-BDE3-5EFC56AAE7AD}" type="datetime1">
               <a:rPr lang="el-GR" noProof="0" smtClean="0"/>
-              <a:t>3/11/2025</a:t>
+              <a:t>4/11/2025</a:t>
             </a:fld>
             <a:endParaRPr lang="el-GR" noProof="0" dirty="0"/>
           </a:p>
@@ -21719,6 +21724,1396 @@
 </p:sld>
 </file>
 
+<file path=ppt/slides/slide10.xml><?xml version="1.0" encoding="utf-8"?>
+<p:sld xmlns:a="http://schemas.openxmlformats.org/drawingml/2006/main" xmlns:r="http://schemas.openxmlformats.org/officeDocument/2006/relationships" xmlns:p="http://schemas.openxmlformats.org/presentationml/2006/main">
+  <p:cSld>
+    <p:spTree>
+      <p:nvGrpSpPr>
+        <p:cNvPr id="1" name=""/>
+        <p:cNvGrpSpPr/>
+        <p:nvPr/>
+      </p:nvGrpSpPr>
+      <p:grpSpPr>
+        <a:xfrm>
+          <a:off x="0" y="0"/>
+          <a:ext cx="0" cy="0"/>
+          <a:chOff x="0" y="0"/>
+          <a:chExt cx="0" cy="0"/>
+        </a:xfrm>
+      </p:grpSpPr>
+      <p:sp>
+        <p:nvSpPr>
+          <p:cNvPr id="2" name="Τίτλος 1">
+            <a:extLst>
+              <a:ext uri="{FF2B5EF4-FFF2-40B4-BE49-F238E27FC236}">
+                <a16:creationId xmlns:a16="http://schemas.microsoft.com/office/drawing/2014/main" id="{1C8A6D00-8650-44C1-ADBF-B2BBD782652E}"/>
+              </a:ext>
+            </a:extLst>
+          </p:cNvPr>
+          <p:cNvSpPr>
+            <a:spLocks noGrp="1"/>
+          </p:cNvSpPr>
+          <p:nvPr>
+            <p:ph type="title"/>
+          </p:nvPr>
+        </p:nvSpPr>
+        <p:spPr/>
+        <p:txBody>
+          <a:bodyPr/>
+          <a:lstStyle/>
+          <a:p>
+            <a:r>
+              <a:rPr lang="el-GR" b="1" dirty="0"/>
+              <a:t>ΔΕΔΟΜΕΝΑ ΓΙΑ ΤΟ ΕΡΩΤΗΜΑ 2</a:t>
+            </a:r>
+            <a:r>
+              <a:rPr lang="en-US" b="1" dirty="0"/>
+              <a:t>(2)</a:t>
+            </a:r>
+            <a:endParaRPr lang="el-GR" dirty="0"/>
+          </a:p>
+        </p:txBody>
+      </p:sp>
+      <p:sp>
+        <p:nvSpPr>
+          <p:cNvPr id="4" name="Rectangle 1">
+            <a:extLst>
+              <a:ext uri="{FF2B5EF4-FFF2-40B4-BE49-F238E27FC236}">
+                <a16:creationId xmlns:a16="http://schemas.microsoft.com/office/drawing/2014/main" id="{D348DBDB-F5BE-4294-BA1E-2FB5A71F5C2C}"/>
+              </a:ext>
+            </a:extLst>
+          </p:cNvPr>
+          <p:cNvSpPr>
+            <a:spLocks noGrp="1" noChangeArrowheads="1"/>
+          </p:cNvSpPr>
+          <p:nvPr>
+            <p:ph idx="1"/>
+          </p:nvPr>
+        </p:nvSpPr>
+        <p:spPr bwMode="auto">
+          <a:xfrm>
+            <a:off x="1024128" y="2035525"/>
+            <a:ext cx="9136748" cy="4524315"/>
+          </a:xfrm>
+          <a:prstGeom prst="rect">
+            <a:avLst/>
+          </a:prstGeom>
+          <a:noFill/>
+          <a:ln>
+            <a:noFill/>
+          </a:ln>
+          <a:effectLst/>
+          <a:extLst>
+            <a:ext uri="{909E8E84-426E-40DD-AFC4-6F175D3DCCD1}">
+              <a14:hiddenFill xmlns:a14="http://schemas.microsoft.com/office/drawing/2010/main">
+                <a:solidFill>
+                  <a:schemeClr val="accent1"/>
+                </a:solidFill>
+              </a14:hiddenFill>
+            </a:ext>
+            <a:ext uri="{91240B29-F687-4F45-9708-019B960494DF}">
+              <a14:hiddenLine xmlns:a14="http://schemas.microsoft.com/office/drawing/2010/main" w="9525">
+                <a:solidFill>
+                  <a:schemeClr val="tx1"/>
+                </a:solidFill>
+                <a:miter lim="800000"/>
+                <a:headEnd/>
+                <a:tailEnd/>
+              </a14:hiddenLine>
+            </a:ext>
+            <a:ext uri="{AF507438-7753-43E0-B8FC-AC1667EBCBE1}">
+              <a14:hiddenEffects xmlns:a14="http://schemas.microsoft.com/office/drawing/2010/main">
+                <a:effectLst>
+                  <a:outerShdw dist="35921" dir="2700000" algn="ctr" rotWithShape="0">
+                    <a:schemeClr val="bg2"/>
+                  </a:outerShdw>
+                </a:effectLst>
+              </a14:hiddenEffects>
+            </a:ext>
+          </a:extLst>
+        </p:spPr>
+        <p:txBody>
+          <a:bodyPr vert="horz" wrap="square" lIns="91440" tIns="45720" rIns="91440" bIns="45720" numCol="1" anchor="ctr" anchorCtr="0" compatLnSpc="1">
+            <a:prstTxWarp prst="textNoShape">
+              <a:avLst/>
+            </a:prstTxWarp>
+            <a:spAutoFit/>
+          </a:bodyPr>
+          <a:lstStyle/>
+          <a:p>
+            <a:pPr marL="0" marR="0" lvl="0" indent="0" algn="l" defTabSz="914400" rtl="0" eaLnBrk="0" fontAlgn="base" latinLnBrk="0" hangingPunct="0">
+              <a:lnSpc>
+                <a:spcPct val="100000"/>
+              </a:lnSpc>
+              <a:spcBef>
+                <a:spcPct val="0"/>
+              </a:spcBef>
+              <a:spcAft>
+                <a:spcPct val="0"/>
+              </a:spcAft>
+              <a:buClrTx/>
+              <a:buSzTx/>
+              <a:buNone/>
+              <a:tabLst/>
+            </a:pPr>
+            <a:endParaRPr kumimoji="0" lang="en-US" altLang="el-GR" sz="1800" b="1" i="0" u="none" strike="noStrike" cap="none" normalizeH="0" baseline="0" dirty="0">
+              <a:ln>
+                <a:noFill/>
+              </a:ln>
+              <a:solidFill>
+                <a:schemeClr val="tx1"/>
+              </a:solidFill>
+              <a:effectLst/>
+              <a:latin typeface="Arial" panose="020B0604020202020204" pitchFamily="34" charset="0"/>
+            </a:endParaRPr>
+          </a:p>
+          <a:p>
+            <a:pPr marL="0" marR="0" lvl="0" indent="0" algn="l" defTabSz="914400" rtl="0" eaLnBrk="0" fontAlgn="base" latinLnBrk="0" hangingPunct="0">
+              <a:lnSpc>
+                <a:spcPct val="100000"/>
+              </a:lnSpc>
+              <a:spcBef>
+                <a:spcPct val="0"/>
+              </a:spcBef>
+              <a:spcAft>
+                <a:spcPct val="0"/>
+              </a:spcAft>
+              <a:buClrTx/>
+              <a:buSzTx/>
+              <a:buNone/>
+              <a:tabLst/>
+            </a:pPr>
+            <a:r>
+              <a:rPr lang="el-GR" altLang="el-GR" sz="1800" b="1" dirty="0">
+                <a:latin typeface="Arial" panose="020B0604020202020204" pitchFamily="34" charset="0"/>
+              </a:rPr>
+              <a:t>Για την δυναμική δρομολόγηση</a:t>
+            </a:r>
+            <a:r>
+              <a:rPr lang="en-US" altLang="el-GR" sz="1800" b="1" dirty="0">
+                <a:latin typeface="Arial" panose="020B0604020202020204" pitchFamily="34" charset="0"/>
+              </a:rPr>
+              <a:t>:</a:t>
+            </a:r>
+            <a:endParaRPr lang="el-GR" altLang="el-GR" sz="1800" b="1" dirty="0">
+              <a:latin typeface="Arial" panose="020B0604020202020204" pitchFamily="34" charset="0"/>
+            </a:endParaRPr>
+          </a:p>
+          <a:p>
+            <a:pPr marL="0" marR="0" lvl="0" indent="0" algn="l" defTabSz="914400" rtl="0" eaLnBrk="0" fontAlgn="base" latinLnBrk="0" hangingPunct="0">
+              <a:lnSpc>
+                <a:spcPct val="100000"/>
+              </a:lnSpc>
+              <a:spcBef>
+                <a:spcPct val="0"/>
+              </a:spcBef>
+              <a:spcAft>
+                <a:spcPct val="0"/>
+              </a:spcAft>
+              <a:buClrTx/>
+              <a:buSzTx/>
+              <a:buNone/>
+              <a:tabLst/>
+            </a:pPr>
+            <a:r>
+              <a:rPr kumimoji="0" lang="el-GR" altLang="el-GR" sz="1800" b="1" i="0" u="none" strike="noStrike" cap="none" normalizeH="0" baseline="0" dirty="0">
+                <a:ln>
+                  <a:noFill/>
+                </a:ln>
+                <a:solidFill>
+                  <a:schemeClr val="tx1"/>
+                </a:solidFill>
+                <a:effectLst/>
+                <a:latin typeface="Arial" panose="020B0604020202020204" pitchFamily="34" charset="0"/>
+              </a:rPr>
+              <a:t>Common </a:t>
+            </a:r>
+            <a:r>
+              <a:rPr kumimoji="0" lang="el-GR" altLang="el-GR" sz="1800" b="1" i="0" u="none" strike="noStrike" cap="none" normalizeH="0" baseline="0" dirty="0" err="1">
+                <a:ln>
+                  <a:noFill/>
+                </a:ln>
+                <a:solidFill>
+                  <a:schemeClr val="tx1"/>
+                </a:solidFill>
+                <a:effectLst/>
+                <a:latin typeface="Arial" panose="020B0604020202020204" pitchFamily="34" charset="0"/>
+              </a:rPr>
+              <a:t>Protocols</a:t>
+            </a:r>
+            <a:r>
+              <a:rPr kumimoji="0" lang="el-GR" altLang="el-GR" sz="1800" b="0" i="0" u="none" strike="noStrike" cap="none" normalizeH="0" baseline="0" dirty="0">
+                <a:ln>
+                  <a:noFill/>
+                </a:ln>
+                <a:solidFill>
+                  <a:schemeClr val="tx1"/>
+                </a:solidFill>
+                <a:effectLst/>
+                <a:latin typeface="Arial" panose="020B0604020202020204" pitchFamily="34" charset="0"/>
+              </a:rPr>
+              <a:t>:</a:t>
+            </a:r>
+          </a:p>
+          <a:p>
+            <a:pPr marL="0" marR="0" lvl="0" indent="0" algn="l" defTabSz="914400" rtl="0" eaLnBrk="0" fontAlgn="base" latinLnBrk="0" hangingPunct="0">
+              <a:lnSpc>
+                <a:spcPct val="100000"/>
+              </a:lnSpc>
+              <a:spcBef>
+                <a:spcPct val="0"/>
+              </a:spcBef>
+              <a:spcAft>
+                <a:spcPct val="0"/>
+              </a:spcAft>
+              <a:buClrTx/>
+              <a:buSzTx/>
+              <a:buFontTx/>
+              <a:buChar char="•"/>
+              <a:tabLst/>
+            </a:pPr>
+            <a:r>
+              <a:rPr kumimoji="0" lang="el-GR" altLang="el-GR" sz="1800" b="0" i="0" u="none" strike="noStrike" cap="none" normalizeH="0" baseline="0" dirty="0">
+                <a:ln>
+                  <a:noFill/>
+                </a:ln>
+                <a:solidFill>
+                  <a:schemeClr val="tx1"/>
+                </a:solidFill>
+                <a:effectLst/>
+                <a:latin typeface="Arial" panose="020B0604020202020204" pitchFamily="34" charset="0"/>
+              </a:rPr>
+              <a:t>AODV (Ad-hoc On-</a:t>
+            </a:r>
+            <a:r>
+              <a:rPr kumimoji="0" lang="el-GR" altLang="el-GR" sz="1800" b="0" i="0" u="none" strike="noStrike" cap="none" normalizeH="0" baseline="0" dirty="0" err="1">
+                <a:ln>
+                  <a:noFill/>
+                </a:ln>
+                <a:solidFill>
+                  <a:schemeClr val="tx1"/>
+                </a:solidFill>
+                <a:effectLst/>
+                <a:latin typeface="Arial" panose="020B0604020202020204" pitchFamily="34" charset="0"/>
+              </a:rPr>
+              <a:t>demand</a:t>
+            </a:r>
+            <a:r>
+              <a:rPr kumimoji="0" lang="el-GR" altLang="el-GR" sz="1800" b="0" i="0" u="none" strike="noStrike" cap="none" normalizeH="0" baseline="0" dirty="0">
+                <a:ln>
+                  <a:noFill/>
+                </a:ln>
+                <a:solidFill>
+                  <a:schemeClr val="tx1"/>
+                </a:solidFill>
+                <a:effectLst/>
+                <a:latin typeface="Arial" panose="020B0604020202020204" pitchFamily="34" charset="0"/>
+              </a:rPr>
+              <a:t> </a:t>
+            </a:r>
+            <a:r>
+              <a:rPr kumimoji="0" lang="el-GR" altLang="el-GR" sz="1800" b="0" i="0" u="none" strike="noStrike" cap="none" normalizeH="0" baseline="0" dirty="0" err="1">
+                <a:ln>
+                  <a:noFill/>
+                </a:ln>
+                <a:solidFill>
+                  <a:schemeClr val="tx1"/>
+                </a:solidFill>
+                <a:effectLst/>
+                <a:latin typeface="Arial" panose="020B0604020202020204" pitchFamily="34" charset="0"/>
+              </a:rPr>
+              <a:t>Distance</a:t>
+            </a:r>
+            <a:r>
+              <a:rPr kumimoji="0" lang="el-GR" altLang="el-GR" sz="1800" b="0" i="0" u="none" strike="noStrike" cap="none" normalizeH="0" baseline="0" dirty="0">
+                <a:ln>
+                  <a:noFill/>
+                </a:ln>
+                <a:solidFill>
+                  <a:schemeClr val="tx1"/>
+                </a:solidFill>
+                <a:effectLst/>
+                <a:latin typeface="Arial" panose="020B0604020202020204" pitchFamily="34" charset="0"/>
+              </a:rPr>
+              <a:t> </a:t>
+            </a:r>
+            <a:r>
+              <a:rPr kumimoji="0" lang="el-GR" altLang="el-GR" sz="1800" b="0" i="0" u="none" strike="noStrike" cap="none" normalizeH="0" baseline="0" dirty="0" err="1">
+                <a:ln>
+                  <a:noFill/>
+                </a:ln>
+                <a:solidFill>
+                  <a:schemeClr val="tx1"/>
+                </a:solidFill>
+                <a:effectLst/>
+                <a:latin typeface="Arial" panose="020B0604020202020204" pitchFamily="34" charset="0"/>
+              </a:rPr>
+              <a:t>Vector</a:t>
+            </a:r>
+            <a:r>
+              <a:rPr kumimoji="0" lang="el-GR" altLang="el-GR" sz="1800" b="0" i="0" u="none" strike="noStrike" cap="none" normalizeH="0" baseline="0" dirty="0">
+                <a:ln>
+                  <a:noFill/>
+                </a:ln>
+                <a:solidFill>
+                  <a:schemeClr val="tx1"/>
+                </a:solidFill>
+                <a:effectLst/>
+                <a:latin typeface="Arial" panose="020B0604020202020204" pitchFamily="34" charset="0"/>
+              </a:rPr>
+              <a:t>) </a:t>
+            </a:r>
+          </a:p>
+          <a:p>
+            <a:pPr marL="0" marR="0" lvl="0" indent="0" algn="l" defTabSz="914400" rtl="0" eaLnBrk="0" fontAlgn="base" latinLnBrk="0" hangingPunct="0">
+              <a:lnSpc>
+                <a:spcPct val="100000"/>
+              </a:lnSpc>
+              <a:spcBef>
+                <a:spcPct val="0"/>
+              </a:spcBef>
+              <a:spcAft>
+                <a:spcPct val="0"/>
+              </a:spcAft>
+              <a:buClrTx/>
+              <a:buSzTx/>
+              <a:buFontTx/>
+              <a:buChar char="•"/>
+              <a:tabLst/>
+            </a:pPr>
+            <a:r>
+              <a:rPr kumimoji="0" lang="el-GR" altLang="el-GR" sz="1800" b="0" i="0" u="none" strike="noStrike" cap="none" normalizeH="0" baseline="0" dirty="0">
+                <a:ln>
+                  <a:noFill/>
+                </a:ln>
+                <a:solidFill>
+                  <a:schemeClr val="tx1"/>
+                </a:solidFill>
+                <a:effectLst/>
+                <a:latin typeface="Arial" panose="020B0604020202020204" pitchFamily="34" charset="0"/>
+              </a:rPr>
+              <a:t>OLSR (</a:t>
+            </a:r>
+            <a:r>
+              <a:rPr kumimoji="0" lang="el-GR" altLang="el-GR" sz="1800" b="0" i="0" u="none" strike="noStrike" cap="none" normalizeH="0" baseline="0" dirty="0" err="1">
+                <a:ln>
+                  <a:noFill/>
+                </a:ln>
+                <a:solidFill>
+                  <a:schemeClr val="tx1"/>
+                </a:solidFill>
+                <a:effectLst/>
+                <a:latin typeface="Arial" panose="020B0604020202020204" pitchFamily="34" charset="0"/>
+              </a:rPr>
+              <a:t>Optimized</a:t>
+            </a:r>
+            <a:r>
+              <a:rPr kumimoji="0" lang="el-GR" altLang="el-GR" sz="1800" b="0" i="0" u="none" strike="noStrike" cap="none" normalizeH="0" baseline="0" dirty="0">
+                <a:ln>
+                  <a:noFill/>
+                </a:ln>
+                <a:solidFill>
+                  <a:schemeClr val="tx1"/>
+                </a:solidFill>
+                <a:effectLst/>
+                <a:latin typeface="Arial" panose="020B0604020202020204" pitchFamily="34" charset="0"/>
+              </a:rPr>
+              <a:t> </a:t>
+            </a:r>
+            <a:r>
+              <a:rPr kumimoji="0" lang="el-GR" altLang="el-GR" sz="1800" b="0" i="0" u="none" strike="noStrike" cap="none" normalizeH="0" baseline="0" dirty="0" err="1">
+                <a:ln>
+                  <a:noFill/>
+                </a:ln>
+                <a:solidFill>
+                  <a:schemeClr val="tx1"/>
+                </a:solidFill>
+                <a:effectLst/>
+                <a:latin typeface="Arial" panose="020B0604020202020204" pitchFamily="34" charset="0"/>
+              </a:rPr>
+              <a:t>Link</a:t>
+            </a:r>
+            <a:r>
+              <a:rPr kumimoji="0" lang="el-GR" altLang="el-GR" sz="1800" b="0" i="0" u="none" strike="noStrike" cap="none" normalizeH="0" baseline="0" dirty="0">
+                <a:ln>
+                  <a:noFill/>
+                </a:ln>
+                <a:solidFill>
+                  <a:schemeClr val="tx1"/>
+                </a:solidFill>
+                <a:effectLst/>
+                <a:latin typeface="Arial" panose="020B0604020202020204" pitchFamily="34" charset="0"/>
+              </a:rPr>
+              <a:t> </a:t>
+            </a:r>
+            <a:r>
+              <a:rPr kumimoji="0" lang="el-GR" altLang="el-GR" sz="1800" b="0" i="0" u="none" strike="noStrike" cap="none" normalizeH="0" baseline="0" dirty="0" err="1">
+                <a:ln>
+                  <a:noFill/>
+                </a:ln>
+                <a:solidFill>
+                  <a:schemeClr val="tx1"/>
+                </a:solidFill>
+                <a:effectLst/>
+                <a:latin typeface="Arial" panose="020B0604020202020204" pitchFamily="34" charset="0"/>
+              </a:rPr>
+              <a:t>State</a:t>
+            </a:r>
+            <a:r>
+              <a:rPr kumimoji="0" lang="el-GR" altLang="el-GR" sz="1800" b="0" i="0" u="none" strike="noStrike" cap="none" normalizeH="0" baseline="0" dirty="0">
+                <a:ln>
+                  <a:noFill/>
+                </a:ln>
+                <a:solidFill>
+                  <a:schemeClr val="tx1"/>
+                </a:solidFill>
+                <a:effectLst/>
+                <a:latin typeface="Arial" panose="020B0604020202020204" pitchFamily="34" charset="0"/>
+              </a:rPr>
+              <a:t> </a:t>
+            </a:r>
+            <a:r>
+              <a:rPr kumimoji="0" lang="el-GR" altLang="el-GR" sz="1800" b="0" i="0" u="none" strike="noStrike" cap="none" normalizeH="0" baseline="0" dirty="0" err="1">
+                <a:ln>
+                  <a:noFill/>
+                </a:ln>
+                <a:solidFill>
+                  <a:schemeClr val="tx1"/>
+                </a:solidFill>
+                <a:effectLst/>
+                <a:latin typeface="Arial" panose="020B0604020202020204" pitchFamily="34" charset="0"/>
+              </a:rPr>
+              <a:t>Routing</a:t>
+            </a:r>
+            <a:r>
+              <a:rPr kumimoji="0" lang="el-GR" altLang="el-GR" sz="1800" b="0" i="0" u="none" strike="noStrike" cap="none" normalizeH="0" baseline="0" dirty="0">
+                <a:ln>
+                  <a:noFill/>
+                </a:ln>
+                <a:solidFill>
+                  <a:schemeClr val="tx1"/>
+                </a:solidFill>
+                <a:effectLst/>
+                <a:latin typeface="Arial" panose="020B0604020202020204" pitchFamily="34" charset="0"/>
+              </a:rPr>
+              <a:t>)</a:t>
+            </a:r>
+            <a:endParaRPr kumimoji="0" lang="en-US" altLang="el-GR" sz="1800" b="0" i="0" u="none" strike="noStrike" cap="none" normalizeH="0" baseline="0" dirty="0">
+              <a:ln>
+                <a:noFill/>
+              </a:ln>
+              <a:solidFill>
+                <a:schemeClr val="tx1"/>
+              </a:solidFill>
+              <a:effectLst/>
+              <a:latin typeface="Arial" panose="020B0604020202020204" pitchFamily="34" charset="0"/>
+            </a:endParaRPr>
+          </a:p>
+          <a:p>
+            <a:pPr marL="0" marR="0" lvl="0" indent="0" algn="l" defTabSz="914400" rtl="0" eaLnBrk="0" fontAlgn="base" latinLnBrk="0" hangingPunct="0">
+              <a:lnSpc>
+                <a:spcPct val="100000"/>
+              </a:lnSpc>
+              <a:spcBef>
+                <a:spcPct val="0"/>
+              </a:spcBef>
+              <a:spcAft>
+                <a:spcPct val="0"/>
+              </a:spcAft>
+              <a:buClrTx/>
+              <a:buSzTx/>
+              <a:buFontTx/>
+              <a:buChar char="•"/>
+              <a:tabLst/>
+            </a:pPr>
+            <a:endParaRPr lang="en-US" altLang="el-GR" sz="1800" dirty="0">
+              <a:latin typeface="Arial" panose="020B0604020202020204" pitchFamily="34" charset="0"/>
+            </a:endParaRPr>
+          </a:p>
+          <a:p>
+            <a:pPr marL="0" lvl="0" indent="0" eaLnBrk="0" fontAlgn="base" hangingPunct="0">
+              <a:lnSpc>
+                <a:spcPct val="100000"/>
+              </a:lnSpc>
+              <a:spcBef>
+                <a:spcPct val="0"/>
+              </a:spcBef>
+              <a:spcAft>
+                <a:spcPct val="0"/>
+              </a:spcAft>
+              <a:buClrTx/>
+              <a:buSzTx/>
+              <a:buFontTx/>
+              <a:buChar char="•"/>
+            </a:pPr>
+            <a:endParaRPr lang="en-US" altLang="el-GR" sz="1800" dirty="0">
+              <a:latin typeface="Arial" panose="020B0604020202020204" pitchFamily="34" charset="0"/>
+            </a:endParaRPr>
+          </a:p>
+          <a:p>
+            <a:pPr marL="0" lvl="0" indent="0" eaLnBrk="0" fontAlgn="base" hangingPunct="0">
+              <a:lnSpc>
+                <a:spcPct val="100000"/>
+              </a:lnSpc>
+              <a:spcBef>
+                <a:spcPct val="0"/>
+              </a:spcBef>
+              <a:spcAft>
+                <a:spcPct val="0"/>
+              </a:spcAft>
+              <a:buClrTx/>
+              <a:buSzTx/>
+              <a:buNone/>
+            </a:pPr>
+            <a:r>
+              <a:rPr lang="el-GR" altLang="el-GR" sz="1800" dirty="0">
+                <a:latin typeface="Arial" panose="020B0604020202020204" pitchFamily="34" charset="0"/>
+              </a:rPr>
+              <a:t>Αποτυχία Σύνδεσης</a:t>
+            </a:r>
+            <a:r>
+              <a:rPr lang="en-US" altLang="el-GR" sz="1800" dirty="0">
+                <a:latin typeface="Arial" panose="020B0604020202020204" pitchFamily="34" charset="0"/>
+              </a:rPr>
+              <a:t>:</a:t>
+            </a:r>
+          </a:p>
+          <a:p>
+            <a:pPr marL="0" lvl="0" indent="0" eaLnBrk="0" fontAlgn="base" hangingPunct="0">
+              <a:lnSpc>
+                <a:spcPct val="100000"/>
+              </a:lnSpc>
+              <a:spcBef>
+                <a:spcPct val="0"/>
+              </a:spcBef>
+              <a:spcAft>
+                <a:spcPct val="0"/>
+              </a:spcAft>
+              <a:buClrTx/>
+              <a:buSzTx/>
+              <a:buFontTx/>
+              <a:buChar char="•"/>
+            </a:pPr>
+            <a:r>
+              <a:rPr lang="en-US" altLang="el-GR" sz="1800" dirty="0">
+                <a:latin typeface="Arial" panose="020B0604020202020204" pitchFamily="34" charset="0"/>
+              </a:rPr>
+              <a:t>    Establish a failure through inactive a connection or during the replicate a node.</a:t>
+            </a:r>
+          </a:p>
+          <a:p>
+            <a:pPr marL="0" lvl="0" indent="0" eaLnBrk="0" fontAlgn="base" hangingPunct="0">
+              <a:lnSpc>
+                <a:spcPct val="100000"/>
+              </a:lnSpc>
+              <a:spcBef>
+                <a:spcPct val="0"/>
+              </a:spcBef>
+              <a:spcAft>
+                <a:spcPct val="0"/>
+              </a:spcAft>
+              <a:buClrTx/>
+              <a:buSzTx/>
+              <a:buFontTx/>
+              <a:buChar char="•"/>
+            </a:pPr>
+            <a:r>
+              <a:rPr lang="en-US" altLang="el-GR" sz="1800" dirty="0">
+                <a:latin typeface="Arial" panose="020B0604020202020204" pitchFamily="34" charset="0"/>
+              </a:rPr>
+              <a:t>        Example: Inactivate a point-to-point connection:</a:t>
+            </a:r>
+          </a:p>
+          <a:p>
+            <a:pPr marL="0" lvl="0" indent="0" eaLnBrk="0" fontAlgn="base" hangingPunct="0">
+              <a:lnSpc>
+                <a:spcPct val="100000"/>
+              </a:lnSpc>
+              <a:spcBef>
+                <a:spcPct val="0"/>
+              </a:spcBef>
+              <a:spcAft>
+                <a:spcPct val="0"/>
+              </a:spcAft>
+              <a:buClrTx/>
+              <a:buSzTx/>
+              <a:buFontTx/>
+              <a:buChar char="•"/>
+            </a:pPr>
+            <a:endParaRPr lang="en-US" altLang="el-GR" sz="1800" dirty="0">
+              <a:latin typeface="Arial" panose="020B0604020202020204" pitchFamily="34" charset="0"/>
+            </a:endParaRPr>
+          </a:p>
+          <a:p>
+            <a:pPr marL="0" lvl="0" indent="0" eaLnBrk="0" fontAlgn="base" hangingPunct="0">
+              <a:lnSpc>
+                <a:spcPct val="100000"/>
+              </a:lnSpc>
+              <a:spcBef>
+                <a:spcPct val="0"/>
+              </a:spcBef>
+              <a:spcAft>
+                <a:spcPct val="0"/>
+              </a:spcAft>
+              <a:buClrTx/>
+              <a:buSzTx/>
+              <a:buFontTx/>
+              <a:buChar char="•"/>
+            </a:pPr>
+            <a:r>
+              <a:rPr lang="en-US" altLang="el-GR" sz="1800" dirty="0" err="1">
+                <a:latin typeface="Arial" panose="020B0604020202020204" pitchFamily="34" charset="0"/>
+              </a:rPr>
+              <a:t>Ptr</a:t>
+            </a:r>
+            <a:r>
+              <a:rPr lang="en-US" altLang="el-GR" sz="1800" dirty="0">
+                <a:latin typeface="Arial" panose="020B0604020202020204" pitchFamily="34" charset="0"/>
+              </a:rPr>
+              <a:t>&lt;Node&gt; node1 = </a:t>
+            </a:r>
+            <a:r>
+              <a:rPr lang="en-US" altLang="el-GR" sz="1800" dirty="0" err="1">
+                <a:latin typeface="Arial" panose="020B0604020202020204" pitchFamily="34" charset="0"/>
+              </a:rPr>
+              <a:t>nodes.Get</a:t>
+            </a:r>
+            <a:r>
+              <a:rPr lang="en-US" altLang="el-GR" sz="1800" dirty="0">
+                <a:latin typeface="Arial" panose="020B0604020202020204" pitchFamily="34" charset="0"/>
+              </a:rPr>
+              <a:t>(0);</a:t>
+            </a:r>
+          </a:p>
+          <a:p>
+            <a:pPr marL="0" marR="0" lvl="0" indent="0" algn="l" defTabSz="914400" rtl="0" eaLnBrk="0" fontAlgn="base" latinLnBrk="0" hangingPunct="0">
+              <a:lnSpc>
+                <a:spcPct val="100000"/>
+              </a:lnSpc>
+              <a:spcBef>
+                <a:spcPct val="0"/>
+              </a:spcBef>
+              <a:spcAft>
+                <a:spcPct val="0"/>
+              </a:spcAft>
+              <a:buClrTx/>
+              <a:buSzTx/>
+              <a:buFontTx/>
+              <a:buChar char="•"/>
+              <a:tabLst/>
+            </a:pPr>
+            <a:endParaRPr lang="en-US" altLang="el-GR" sz="1800" dirty="0">
+              <a:latin typeface="Arial" panose="020B0604020202020204" pitchFamily="34" charset="0"/>
+            </a:endParaRPr>
+          </a:p>
+          <a:p>
+            <a:pPr marL="0" marR="0" lvl="0" indent="0" algn="l" defTabSz="914400" rtl="0" eaLnBrk="0" fontAlgn="base" latinLnBrk="0" hangingPunct="0">
+              <a:lnSpc>
+                <a:spcPct val="100000"/>
+              </a:lnSpc>
+              <a:spcBef>
+                <a:spcPct val="0"/>
+              </a:spcBef>
+              <a:spcAft>
+                <a:spcPct val="0"/>
+              </a:spcAft>
+              <a:buClrTx/>
+              <a:buSzTx/>
+              <a:buNone/>
+              <a:tabLst/>
+            </a:pPr>
+            <a:endParaRPr kumimoji="0" lang="en-US" altLang="el-GR" sz="1800" b="0" i="0" u="none" strike="noStrike" cap="none" normalizeH="0" baseline="0" dirty="0">
+              <a:ln>
+                <a:noFill/>
+              </a:ln>
+              <a:solidFill>
+                <a:schemeClr val="tx1"/>
+              </a:solidFill>
+              <a:effectLst/>
+              <a:latin typeface="Arial" panose="020B0604020202020204" pitchFamily="34" charset="0"/>
+            </a:endParaRPr>
+          </a:p>
+          <a:p>
+            <a:pPr marL="0" marR="0" lvl="0" indent="0" algn="l" defTabSz="914400" rtl="0" eaLnBrk="0" fontAlgn="base" latinLnBrk="0" hangingPunct="0">
+              <a:lnSpc>
+                <a:spcPct val="100000"/>
+              </a:lnSpc>
+              <a:spcBef>
+                <a:spcPct val="0"/>
+              </a:spcBef>
+              <a:spcAft>
+                <a:spcPct val="0"/>
+              </a:spcAft>
+              <a:buClrTx/>
+              <a:buSzTx/>
+              <a:buNone/>
+              <a:tabLst/>
+            </a:pPr>
+            <a:endParaRPr kumimoji="0" lang="el-GR" altLang="el-GR" sz="1800" b="0" i="0" u="none" strike="noStrike" cap="none" normalizeH="0" baseline="0" dirty="0">
+              <a:ln>
+                <a:noFill/>
+              </a:ln>
+              <a:solidFill>
+                <a:schemeClr val="tx1"/>
+              </a:solidFill>
+              <a:effectLst/>
+              <a:latin typeface="Arial" panose="020B0604020202020204" pitchFamily="34" charset="0"/>
+            </a:endParaRPr>
+          </a:p>
+          <a:p>
+            <a:pPr marL="0" marR="0" lvl="0" indent="0" algn="l" defTabSz="914400" rtl="0" eaLnBrk="0" fontAlgn="base" latinLnBrk="0" hangingPunct="0">
+              <a:lnSpc>
+                <a:spcPct val="100000"/>
+              </a:lnSpc>
+              <a:spcBef>
+                <a:spcPct val="0"/>
+              </a:spcBef>
+              <a:spcAft>
+                <a:spcPct val="0"/>
+              </a:spcAft>
+              <a:buClrTx/>
+              <a:buSzTx/>
+              <a:buFontTx/>
+              <a:buNone/>
+              <a:tabLst/>
+            </a:pPr>
+            <a:endParaRPr kumimoji="0" lang="el-GR" altLang="el-GR" sz="1800" b="0" i="0" u="none" strike="noStrike" cap="none" normalizeH="0" baseline="0" dirty="0">
+              <a:ln>
+                <a:noFill/>
+              </a:ln>
+              <a:solidFill>
+                <a:schemeClr val="tx1"/>
+              </a:solidFill>
+              <a:effectLst/>
+              <a:latin typeface="Arial" panose="020B0604020202020204" pitchFamily="34" charset="0"/>
+            </a:endParaRPr>
+          </a:p>
+        </p:txBody>
+      </p:sp>
+    </p:spTree>
+    <p:extLst>
+      <p:ext uri="{BB962C8B-B14F-4D97-AF65-F5344CB8AC3E}">
+        <p14:creationId xmlns:p14="http://schemas.microsoft.com/office/powerpoint/2010/main" val="2607584059"/>
+      </p:ext>
+    </p:extLst>
+  </p:cSld>
+  <p:clrMapOvr>
+    <a:masterClrMapping/>
+  </p:clrMapOvr>
+  <p:transition spd="slow">
+    <p:push dir="u"/>
+  </p:transition>
+</p:sld>
+</file>
+
+<file path=ppt/slides/slide11.xml><?xml version="1.0" encoding="utf-8"?>
+<p:sld xmlns:a="http://schemas.openxmlformats.org/drawingml/2006/main" xmlns:r="http://schemas.openxmlformats.org/officeDocument/2006/relationships" xmlns:p="http://schemas.openxmlformats.org/presentationml/2006/main">
+  <p:cSld>
+    <p:spTree>
+      <p:nvGrpSpPr>
+        <p:cNvPr id="1" name=""/>
+        <p:cNvGrpSpPr/>
+        <p:nvPr/>
+      </p:nvGrpSpPr>
+      <p:grpSpPr>
+        <a:xfrm>
+          <a:off x="0" y="0"/>
+          <a:ext cx="0" cy="0"/>
+          <a:chOff x="0" y="0"/>
+          <a:chExt cx="0" cy="0"/>
+        </a:xfrm>
+      </p:grpSpPr>
+      <p:sp>
+        <p:nvSpPr>
+          <p:cNvPr id="2" name="Τίτλος 1">
+            <a:extLst>
+              <a:ext uri="{FF2B5EF4-FFF2-40B4-BE49-F238E27FC236}">
+                <a16:creationId xmlns:a16="http://schemas.microsoft.com/office/drawing/2014/main" id="{E5365960-9D8F-4319-A962-7839A7D1F5FE}"/>
+              </a:ext>
+            </a:extLst>
+          </p:cNvPr>
+          <p:cNvSpPr>
+            <a:spLocks noGrp="1"/>
+          </p:cNvSpPr>
+          <p:nvPr>
+            <p:ph type="title"/>
+          </p:nvPr>
+        </p:nvSpPr>
+        <p:spPr>
+          <a:xfrm>
+            <a:off x="1024128" y="585216"/>
+            <a:ext cx="9720072" cy="1495832"/>
+          </a:xfrm>
+        </p:spPr>
+        <p:txBody>
+          <a:bodyPr/>
+          <a:lstStyle/>
+          <a:p>
+            <a:r>
+              <a:rPr lang="el-GR" b="1" dirty="0"/>
+              <a:t>ΑΠΟΤΕΛΕΣΜΑΤΑ ΤΟΥ ΕΡΩΤΗΜΑΤΟΣ 2</a:t>
+            </a:r>
+          </a:p>
+        </p:txBody>
+      </p:sp>
+      <p:sp>
+        <p:nvSpPr>
+          <p:cNvPr id="3" name="Θέση περιεχομένου 2">
+            <a:extLst>
+              <a:ext uri="{FF2B5EF4-FFF2-40B4-BE49-F238E27FC236}">
+                <a16:creationId xmlns:a16="http://schemas.microsoft.com/office/drawing/2014/main" id="{1D1334D3-3BC5-4A44-90E5-26EDD7F3FC51}"/>
+              </a:ext>
+            </a:extLst>
+          </p:cNvPr>
+          <p:cNvSpPr>
+            <a:spLocks noGrp="1"/>
+          </p:cNvSpPr>
+          <p:nvPr>
+            <p:ph sz="half" idx="1"/>
+          </p:nvPr>
+        </p:nvSpPr>
+        <p:spPr/>
+        <p:txBody>
+          <a:bodyPr/>
+          <a:lstStyle/>
+          <a:p>
+            <a:endParaRPr lang="el-GR"/>
+          </a:p>
+        </p:txBody>
+      </p:sp>
+      <p:sp>
+        <p:nvSpPr>
+          <p:cNvPr id="4" name="Θέση περιεχομένου 3">
+            <a:extLst>
+              <a:ext uri="{FF2B5EF4-FFF2-40B4-BE49-F238E27FC236}">
+                <a16:creationId xmlns:a16="http://schemas.microsoft.com/office/drawing/2014/main" id="{E66595A6-5DE1-4ACA-B46C-1C05847A5347}"/>
+              </a:ext>
+            </a:extLst>
+          </p:cNvPr>
+          <p:cNvSpPr>
+            <a:spLocks noGrp="1"/>
+          </p:cNvSpPr>
+          <p:nvPr>
+            <p:ph sz="half" idx="2"/>
+          </p:nvPr>
+        </p:nvSpPr>
+        <p:spPr/>
+        <p:txBody>
+          <a:bodyPr/>
+          <a:lstStyle/>
+          <a:p>
+            <a:endParaRPr lang="el-GR"/>
+          </a:p>
+        </p:txBody>
+      </p:sp>
+    </p:spTree>
+    <p:extLst>
+      <p:ext uri="{BB962C8B-B14F-4D97-AF65-F5344CB8AC3E}">
+        <p14:creationId xmlns:p14="http://schemas.microsoft.com/office/powerpoint/2010/main" val="3034707825"/>
+      </p:ext>
+    </p:extLst>
+  </p:cSld>
+  <p:clrMapOvr>
+    <a:masterClrMapping/>
+  </p:clrMapOvr>
+  <p:transition spd="slow">
+    <p:push dir="u"/>
+  </p:transition>
+</p:sld>
+</file>
+
+<file path=ppt/slides/slide12.xml><?xml version="1.0" encoding="utf-8"?>
+<p:sld xmlns:a="http://schemas.openxmlformats.org/drawingml/2006/main" xmlns:r="http://schemas.openxmlformats.org/officeDocument/2006/relationships" xmlns:p="http://schemas.openxmlformats.org/presentationml/2006/main">
+  <p:cSld>
+    <p:spTree>
+      <p:nvGrpSpPr>
+        <p:cNvPr id="1" name=""/>
+        <p:cNvGrpSpPr/>
+        <p:nvPr/>
+      </p:nvGrpSpPr>
+      <p:grpSpPr>
+        <a:xfrm>
+          <a:off x="0" y="0"/>
+          <a:ext cx="0" cy="0"/>
+          <a:chOff x="0" y="0"/>
+          <a:chExt cx="0" cy="0"/>
+        </a:xfrm>
+      </p:grpSpPr>
+      <p:sp>
+        <p:nvSpPr>
+          <p:cNvPr id="2" name="Τίτλος 1">
+            <a:extLst>
+              <a:ext uri="{FF2B5EF4-FFF2-40B4-BE49-F238E27FC236}">
+                <a16:creationId xmlns:a16="http://schemas.microsoft.com/office/drawing/2014/main" id="{8C00DAD0-3F5C-4917-A7D5-A3D10C3144EA}"/>
+              </a:ext>
+            </a:extLst>
+          </p:cNvPr>
+          <p:cNvSpPr>
+            <a:spLocks noGrp="1"/>
+          </p:cNvSpPr>
+          <p:nvPr>
+            <p:ph type="title"/>
+          </p:nvPr>
+        </p:nvSpPr>
+        <p:spPr/>
+        <p:txBody>
+          <a:bodyPr/>
+          <a:lstStyle/>
+          <a:p>
+            <a:r>
+              <a:rPr lang="en-US" dirty="0" err="1"/>
+              <a:t>github</a:t>
+            </a:r>
+            <a:endParaRPr lang="el-GR" dirty="0"/>
+          </a:p>
+        </p:txBody>
+      </p:sp>
+      <p:sp>
+        <p:nvSpPr>
+          <p:cNvPr id="3" name="Θέση περιεχομένου 2">
+            <a:extLst>
+              <a:ext uri="{FF2B5EF4-FFF2-40B4-BE49-F238E27FC236}">
+                <a16:creationId xmlns:a16="http://schemas.microsoft.com/office/drawing/2014/main" id="{A6FF4638-58AE-4F9F-BEB5-E0E22CA065D6}"/>
+              </a:ext>
+            </a:extLst>
+          </p:cNvPr>
+          <p:cNvSpPr>
+            <a:spLocks noGrp="1"/>
+          </p:cNvSpPr>
+          <p:nvPr>
+            <p:ph sz="half" idx="1"/>
+          </p:nvPr>
+        </p:nvSpPr>
+        <p:spPr>
+          <a:xfrm>
+            <a:off x="1024126" y="2286000"/>
+            <a:ext cx="9861963" cy="4023360"/>
+          </a:xfrm>
+        </p:spPr>
+        <p:txBody>
+          <a:bodyPr/>
+          <a:lstStyle/>
+          <a:p>
+            <a:r>
+              <a:rPr lang="el-GR" dirty="0"/>
+              <a:t>Τα αρχεία του κώδικα καθώς και η</a:t>
+            </a:r>
+            <a:r>
+              <a:rPr lang="en-US" dirty="0"/>
+              <a:t> </a:t>
+            </a:r>
+            <a:r>
+              <a:rPr lang="el-GR" dirty="0"/>
+              <a:t>παρουσίαση βρίσκονται στο εξής </a:t>
+            </a:r>
+            <a:r>
+              <a:rPr lang="en-US" dirty="0"/>
+              <a:t>link:</a:t>
+            </a:r>
+            <a:endParaRPr lang="el-GR" dirty="0"/>
+          </a:p>
+        </p:txBody>
+      </p:sp>
+    </p:spTree>
+    <p:extLst>
+      <p:ext uri="{BB962C8B-B14F-4D97-AF65-F5344CB8AC3E}">
+        <p14:creationId xmlns:p14="http://schemas.microsoft.com/office/powerpoint/2010/main" val="1058767610"/>
+      </p:ext>
+    </p:extLst>
+  </p:cSld>
+  <p:clrMapOvr>
+    <a:masterClrMapping/>
+  </p:clrMapOvr>
+  <p:transition spd="slow">
+    <p:push dir="u"/>
+  </p:transition>
+</p:sld>
+</file>
+
+<file path=ppt/slides/slide13.xml><?xml version="1.0" encoding="utf-8"?>
+<p:sld xmlns:a="http://schemas.openxmlformats.org/drawingml/2006/main" xmlns:r="http://schemas.openxmlformats.org/officeDocument/2006/relationships" xmlns:p="http://schemas.openxmlformats.org/presentationml/2006/main">
+  <p:cSld>
+    <p:spTree>
+      <p:nvGrpSpPr>
+        <p:cNvPr id="1" name=""/>
+        <p:cNvGrpSpPr/>
+        <p:nvPr/>
+      </p:nvGrpSpPr>
+      <p:grpSpPr>
+        <a:xfrm>
+          <a:off x="0" y="0"/>
+          <a:ext cx="0" cy="0"/>
+          <a:chOff x="0" y="0"/>
+          <a:chExt cx="0" cy="0"/>
+        </a:xfrm>
+      </p:grpSpPr>
+      <p:sp>
+        <p:nvSpPr>
+          <p:cNvPr id="2" name="Τίτλος 1">
+            <a:extLst>
+              <a:ext uri="{FF2B5EF4-FFF2-40B4-BE49-F238E27FC236}">
+                <a16:creationId xmlns:a16="http://schemas.microsoft.com/office/drawing/2014/main" id="{D3B5979B-DAA2-4179-A467-7A963AB07EB6}"/>
+              </a:ext>
+            </a:extLst>
+          </p:cNvPr>
+          <p:cNvSpPr>
+            <a:spLocks noGrp="1"/>
+          </p:cNvSpPr>
+          <p:nvPr>
+            <p:ph type="title"/>
+          </p:nvPr>
+        </p:nvSpPr>
+        <p:spPr/>
+        <p:txBody>
+          <a:bodyPr/>
+          <a:lstStyle/>
+          <a:p>
+            <a:r>
+              <a:rPr lang="el-GR" b="1" dirty="0"/>
+              <a:t>Πηγες</a:t>
+            </a:r>
+            <a:r>
+              <a:rPr lang="en-US" b="1" dirty="0"/>
+              <a:t> kai </a:t>
+            </a:r>
+            <a:r>
+              <a:rPr lang="el-GR" b="1" dirty="0"/>
+              <a:t>Βιβλιογραφια</a:t>
+            </a:r>
+          </a:p>
+        </p:txBody>
+      </p:sp>
+      <p:sp>
+        <p:nvSpPr>
+          <p:cNvPr id="3" name="Θέση περιεχομένου 2">
+            <a:extLst>
+              <a:ext uri="{FF2B5EF4-FFF2-40B4-BE49-F238E27FC236}">
+                <a16:creationId xmlns:a16="http://schemas.microsoft.com/office/drawing/2014/main" id="{2C15E7EE-1AAC-44FA-9CBE-14186AB94BEE}"/>
+              </a:ext>
+            </a:extLst>
+          </p:cNvPr>
+          <p:cNvSpPr>
+            <a:spLocks noGrp="1"/>
+          </p:cNvSpPr>
+          <p:nvPr>
+            <p:ph idx="1"/>
+          </p:nvPr>
+        </p:nvSpPr>
+        <p:spPr>
+          <a:xfrm>
+            <a:off x="1024128" y="2435291"/>
+            <a:ext cx="9720073" cy="3421599"/>
+          </a:xfrm>
+        </p:spPr>
+        <p:txBody>
+          <a:bodyPr>
+            <a:normAutofit fontScale="25000" lnSpcReduction="20000"/>
+          </a:bodyPr>
+          <a:lstStyle/>
+          <a:p>
+            <a:r>
+              <a:rPr lang="el-GR" sz="4800" b="1" dirty="0"/>
+              <a:t>Για το </a:t>
+            </a:r>
+            <a:r>
+              <a:rPr lang="en-US" sz="4800" b="1" dirty="0"/>
+              <a:t>setup </a:t>
+            </a:r>
+            <a:r>
+              <a:rPr lang="el-GR" sz="4800" b="1" dirty="0"/>
+              <a:t>της εργασίας και το ερώτημα 1</a:t>
+            </a:r>
+            <a:r>
+              <a:rPr lang="en-US" sz="4800" b="1" dirty="0"/>
+              <a:t>:</a:t>
+            </a:r>
+            <a:br>
+              <a:rPr lang="en-US" sz="4800" dirty="0"/>
+            </a:br>
+            <a:br>
+              <a:rPr lang="en-US" sz="4800" dirty="0"/>
+            </a:br>
+            <a:r>
+              <a:rPr lang="en-US" sz="4800" dirty="0">
+                <a:solidFill>
+                  <a:schemeClr val="accent1">
+                    <a:lumMod val="75000"/>
+                  </a:schemeClr>
+                </a:solidFill>
+                <a:hlinkClick r:id="rId2">
+                  <a:extLst>
+                    <a:ext uri="{A12FA001-AC4F-418D-AE19-62706E023703}">
+                      <ahyp:hlinkClr xmlns:ahyp="http://schemas.microsoft.com/office/drawing/2018/hyperlinkcolor" val="tx"/>
+                    </a:ext>
+                  </a:extLst>
+                </a:hlinkClick>
+              </a:rPr>
+              <a:t>https://www.nsnam.org/documentation/</a:t>
+            </a:r>
+            <a:endParaRPr lang="el-GR" sz="4800" dirty="0">
+              <a:solidFill>
+                <a:schemeClr val="accent1">
+                  <a:lumMod val="75000"/>
+                </a:schemeClr>
+              </a:solidFill>
+            </a:endParaRPr>
+          </a:p>
+          <a:p>
+            <a:r>
+              <a:rPr lang="en-US" sz="4800" dirty="0">
+                <a:solidFill>
+                  <a:schemeClr val="accent1">
+                    <a:lumMod val="75000"/>
+                  </a:schemeClr>
+                </a:solidFill>
+                <a:hlinkClick r:id="rId3">
+                  <a:extLst>
+                    <a:ext uri="{A12FA001-AC4F-418D-AE19-62706E023703}">
+                      <ahyp:hlinkClr xmlns:ahyp="http://schemas.microsoft.com/office/drawing/2018/hyperlinkcolor" val="tx"/>
+                    </a:ext>
+                  </a:extLst>
+                </a:hlinkClick>
+              </a:rPr>
+              <a:t>https://www.nsnam.org/docs/contributing/html/coding-style.html#header-file-includes</a:t>
+            </a:r>
+            <a:endParaRPr lang="el-GR" sz="4800" dirty="0">
+              <a:solidFill>
+                <a:schemeClr val="accent1">
+                  <a:lumMod val="75000"/>
+                </a:schemeClr>
+              </a:solidFill>
+            </a:endParaRPr>
+          </a:p>
+          <a:p>
+            <a:r>
+              <a:rPr lang="en-US" sz="4800" dirty="0">
+                <a:solidFill>
+                  <a:schemeClr val="accent1">
+                    <a:lumMod val="75000"/>
+                  </a:schemeClr>
+                </a:solidFill>
+                <a:hlinkClick r:id="rId4">
+                  <a:extLst>
+                    <a:ext uri="{A12FA001-AC4F-418D-AE19-62706E023703}">
+                      <ahyp:hlinkClr xmlns:ahyp="http://schemas.microsoft.com/office/drawing/2018/hyperlinkcolor" val="tx"/>
+                    </a:ext>
+                  </a:extLst>
+                </a:hlinkClick>
+              </a:rPr>
+              <a:t>https://www.nsnam.org/docs/tutorial/html/</a:t>
+            </a:r>
+            <a:endParaRPr lang="en-US" sz="4800" dirty="0">
+              <a:solidFill>
+                <a:schemeClr val="accent1">
+                  <a:lumMod val="75000"/>
+                </a:schemeClr>
+              </a:solidFill>
+            </a:endParaRPr>
+          </a:p>
+          <a:p>
+            <a:r>
+              <a:rPr lang="en-US" sz="4800" dirty="0">
+                <a:solidFill>
+                  <a:schemeClr val="accent1">
+                    <a:lumMod val="75000"/>
+                  </a:schemeClr>
+                </a:solidFill>
+                <a:hlinkClick r:id="rId5">
+                  <a:extLst>
+                    <a:ext uri="{A12FA001-AC4F-418D-AE19-62706E023703}">
+                      <ahyp:hlinkClr xmlns:ahyp="http://schemas.microsoft.com/office/drawing/2018/hyperlinkcolor" val="tx"/>
+                    </a:ext>
+                  </a:extLst>
+                </a:hlinkClick>
+              </a:rPr>
+              <a:t>https://www.youtube.com/watch?v=Jv_swgcykjQ</a:t>
+            </a:r>
+            <a:endParaRPr lang="en-US" sz="4800" dirty="0">
+              <a:solidFill>
+                <a:schemeClr val="accent1">
+                  <a:lumMod val="75000"/>
+                </a:schemeClr>
+              </a:solidFill>
+            </a:endParaRPr>
+          </a:p>
+          <a:p>
+            <a:r>
+              <a:rPr lang="en-US" sz="4800" dirty="0">
+                <a:solidFill>
+                  <a:schemeClr val="accent1">
+                    <a:lumMod val="75000"/>
+                  </a:schemeClr>
+                </a:solidFill>
+                <a:hlinkClick r:id="rId6">
+                  <a:extLst>
+                    <a:ext uri="{A12FA001-AC4F-418D-AE19-62706E023703}">
+                      <ahyp:hlinkClr xmlns:ahyp="http://schemas.microsoft.com/office/drawing/2018/hyperlinkcolor" val="tx"/>
+                    </a:ext>
+                  </a:extLst>
+                </a:hlinkClick>
+              </a:rPr>
+              <a:t>https://www.youtube.com/watch?v=2W5mdzQrwXI</a:t>
+            </a:r>
+            <a:endParaRPr lang="en-US" sz="4800" dirty="0">
+              <a:solidFill>
+                <a:schemeClr val="accent1">
+                  <a:lumMod val="75000"/>
+                </a:schemeClr>
+              </a:solidFill>
+            </a:endParaRPr>
+          </a:p>
+          <a:p>
+            <a:r>
+              <a:rPr lang="en-US" sz="4800" dirty="0">
+                <a:solidFill>
+                  <a:schemeClr val="accent1">
+                    <a:lumMod val="75000"/>
+                  </a:schemeClr>
+                </a:solidFill>
+                <a:hlinkClick r:id="rId7">
+                  <a:extLst>
+                    <a:ext uri="{A12FA001-AC4F-418D-AE19-62706E023703}">
+                      <ahyp:hlinkClr xmlns:ahyp="http://schemas.microsoft.com/office/drawing/2018/hyperlinkcolor" val="tx"/>
+                    </a:ext>
+                  </a:extLst>
+                </a:hlinkClick>
+              </a:rPr>
+              <a:t>https://www.nsnam.org/docs/tutorial/html/building-topologies.html</a:t>
+            </a:r>
+            <a:endParaRPr lang="el-GR" sz="4800" dirty="0">
+              <a:solidFill>
+                <a:schemeClr val="accent1">
+                  <a:lumMod val="75000"/>
+                </a:schemeClr>
+              </a:solidFill>
+            </a:endParaRPr>
+          </a:p>
+          <a:p>
+            <a:r>
+              <a:rPr lang="el-GR" sz="4800" b="1" dirty="0">
+                <a:solidFill>
+                  <a:schemeClr val="tx1">
+                    <a:lumMod val="95000"/>
+                    <a:lumOff val="5000"/>
+                  </a:schemeClr>
+                </a:solidFill>
+              </a:rPr>
+              <a:t>Για το ερώτημα 2</a:t>
+            </a:r>
+            <a:r>
+              <a:rPr lang="en-US" sz="4800" b="1" dirty="0">
+                <a:solidFill>
+                  <a:schemeClr val="tx1">
+                    <a:lumMod val="95000"/>
+                    <a:lumOff val="5000"/>
+                  </a:schemeClr>
+                </a:solidFill>
+              </a:rPr>
+              <a:t>:</a:t>
+            </a:r>
+            <a:endParaRPr lang="el-GR" sz="4800" b="1" dirty="0">
+              <a:solidFill>
+                <a:schemeClr val="tx1">
+                  <a:lumMod val="95000"/>
+                  <a:lumOff val="5000"/>
+                </a:schemeClr>
+              </a:solidFill>
+            </a:endParaRPr>
+          </a:p>
+          <a:p>
+            <a:r>
+              <a:rPr lang="en-US" sz="4800" dirty="0">
+                <a:hlinkClick r:id="rId8" tooltip="https://ns3-code.com/how-to-begin-implement-network-failover-in-ns3/"/>
+              </a:rPr>
+              <a:t>https://ns3-code.com/how-to-begin-implement-network-failover-in-ns3/</a:t>
+            </a:r>
+            <a:endParaRPr lang="en-US" sz="4800" dirty="0"/>
+          </a:p>
+          <a:p>
+            <a:r>
+              <a:rPr lang="en-US" sz="4800" dirty="0"/>
+              <a:t>https://ns3-code.com/how-to-begin-implement-dynamic-routing-in-ns3/</a:t>
+            </a:r>
+            <a:endParaRPr lang="el-GR" sz="4800" dirty="0"/>
+          </a:p>
+          <a:p>
+            <a:endParaRPr lang="el-GR" sz="4800" dirty="0">
+              <a:solidFill>
+                <a:schemeClr val="tx1">
+                  <a:lumMod val="95000"/>
+                  <a:lumOff val="5000"/>
+                </a:schemeClr>
+              </a:solidFill>
+            </a:endParaRPr>
+          </a:p>
+          <a:p>
+            <a:r>
+              <a:rPr lang="el-GR" sz="4800" dirty="0">
+                <a:hlinkClick r:id="rId9" tooltip="https://networksimulationtools.com/how-to-run-netanim-in-ns3/"/>
+              </a:rPr>
+              <a:t>[</a:t>
+            </a:r>
+            <a:r>
+              <a:rPr lang="en-US" sz="4800" dirty="0">
+                <a:hlinkClick r:id="rId9" tooltip="https://networksimulationtools.com/how-to-run-netanim-in-ns3/"/>
+              </a:rPr>
+              <a:t>https://networksimulationtools.com/how-to-run-netanim-in-ns3/</a:t>
+            </a:r>
+            <a:r>
+              <a:rPr lang="el-GR" sz="4800" dirty="0"/>
+              <a:t>]</a:t>
+            </a:r>
+            <a:endParaRPr lang="en-US" sz="4800" dirty="0">
+              <a:solidFill>
+                <a:schemeClr val="tx1">
+                  <a:lumMod val="95000"/>
+                  <a:lumOff val="5000"/>
+                </a:schemeClr>
+              </a:solidFill>
+            </a:endParaRPr>
+          </a:p>
+          <a:p>
+            <a:endParaRPr lang="el-GR" sz="2600" dirty="0">
+              <a:solidFill>
+                <a:schemeClr val="accent1">
+                  <a:lumMod val="75000"/>
+                </a:schemeClr>
+              </a:solidFill>
+            </a:endParaRPr>
+          </a:p>
+          <a:p>
+            <a:endParaRPr lang="en-US" sz="2600" dirty="0">
+              <a:solidFill>
+                <a:schemeClr val="accent1">
+                  <a:lumMod val="75000"/>
+                </a:schemeClr>
+              </a:solidFill>
+            </a:endParaRPr>
+          </a:p>
+          <a:p>
+            <a:br>
+              <a:rPr lang="en-US" dirty="0"/>
+            </a:br>
+            <a:endParaRPr lang="el-GR" dirty="0"/>
+          </a:p>
+        </p:txBody>
+      </p:sp>
+    </p:spTree>
+    <p:extLst>
+      <p:ext uri="{BB962C8B-B14F-4D97-AF65-F5344CB8AC3E}">
+        <p14:creationId xmlns:p14="http://schemas.microsoft.com/office/powerpoint/2010/main" val="1234120531"/>
+      </p:ext>
+    </p:extLst>
+  </p:cSld>
+  <p:clrMapOvr>
+    <a:masterClrMapping/>
+  </p:clrMapOvr>
+  <p:transition spd="slow">
+    <p:push dir="u"/>
+  </p:transition>
+</p:sld>
+</file>
+
 <file path=ppt/slides/slide2.xml><?xml version="1.0" encoding="utf-8"?>
 <p:sld xmlns:a="http://schemas.openxmlformats.org/drawingml/2006/main" xmlns:r="http://schemas.openxmlformats.org/officeDocument/2006/relationships" xmlns:p="http://schemas.openxmlformats.org/presentationml/2006/main">
   <p:cSld>
@@ -21858,13 +23253,13 @@
             <a:endParaRPr lang="el-GR" dirty="0"/>
           </a:p>
           <a:p>
-            <a:pPr marL="0" indent="0">
+            <a:pPr marL="0" indent="0" algn="just">
               <a:buNone/>
             </a:pPr>
             <a:endParaRPr lang="en-US" sz="1000" dirty="0"/>
           </a:p>
           <a:p>
-            <a:pPr marL="173736" lvl="1" indent="0">
+            <a:pPr marL="173736" lvl="1" indent="0" algn="just">
               <a:buNone/>
             </a:pPr>
             <a:r>
@@ -21903,7 +23298,7 @@
             </a:r>
           </a:p>
           <a:p>
-            <a:pPr marL="173736" lvl="1" indent="0">
+            <a:pPr marL="173736" lvl="1" indent="0" algn="just">
               <a:buNone/>
             </a:pPr>
             <a:r>
@@ -22031,70 +23426,74 @@
             </a:pPr>
             <a:r>
               <a:rPr lang="el-GR" dirty="0"/>
-              <a:t>Πιο συγκεκριμένα για τα δύο μέρη της εργασίας </a:t>
+              <a:t>Πιο συγκεκριμένα για το πρώτο ερώτημα της εργασίας</a:t>
             </a:r>
             <a:r>
               <a:rPr lang="en-US" dirty="0"/>
               <a:t>:</a:t>
             </a:r>
-            <a:endParaRPr lang="el-GR" dirty="0"/>
           </a:p>
           <a:p>
-            <a:pPr marL="457200" indent="-457200">
-              <a:buFont typeface="+mj-lt"/>
-              <a:buAutoNum type="arabicPeriod"/>
+            <a:pPr marL="0" indent="0">
+              <a:buNone/>
             </a:pPr>
             <a:r>
-              <a:rPr lang="el-GR" sz="2000" dirty="0"/>
-              <a:t>Στην προσομοίωση σημείο</a:t>
-            </a:r>
-            <a:r>
               <a:rPr lang="en-US" sz="2000" dirty="0"/>
-              <a:t> </a:t>
+              <a:t>1.</a:t>
             </a:r>
             <a:r>
               <a:rPr lang="el-GR" sz="2000" dirty="0"/>
-              <a:t>προς</a:t>
-            </a:r>
-            <a:r>
-              <a:rPr lang="en-US" sz="2000" dirty="0"/>
-              <a:t> </a:t>
-            </a:r>
-            <a:r>
-              <a:rPr lang="el-GR" sz="2000" dirty="0"/>
-              <a:t>σημείο δημιουργείται μια προσομοίωση με 2 κόμβους. Ορίζονται τα χαρακτηριστικά της σύνδεσης και αντιστοιχίζονται διευθύνσεις τύπου ipv4 στις διεπαφές των κόμβων.</a:t>
+              <a:t>Ορίζονται τα χαρακτηριστικά της σύνδεσης και αντιστοιχίζονται διευθύνσεις τύπου ipv4 στις διεπαφές των κόμβων.</a:t>
             </a:r>
             <a:br>
               <a:rPr lang="el-GR" sz="2000" dirty="0"/>
             </a:br>
-            <a:endParaRPr lang="el-GR" sz="2000" dirty="0"/>
+            <a:endParaRPr lang="en-US" sz="2000" dirty="0"/>
           </a:p>
           <a:p>
-            <a:pPr marL="457200" indent="-457200">
-              <a:buFont typeface="+mj-lt"/>
-              <a:buAutoNum type="arabicPeriod"/>
+            <a:pPr marL="0" indent="0">
+              <a:buNone/>
             </a:pPr>
             <a:r>
+              <a:rPr lang="en-US" sz="2000" dirty="0"/>
+              <a:t>2.</a:t>
+            </a:r>
+            <a:r>
               <a:rPr lang="el-GR" sz="2000" dirty="0"/>
-              <a:t> Τέλος, υλοποιήθηκαν δύο servers UDP echo στον κόμβο 1 σε διαφορετικές θύρες με δημιουργία δύο πελατών  UDP echo στον κόμβο 0. </a:t>
+              <a:t> </a:t>
+            </a:r>
+            <a:r>
+              <a:rPr lang="en-US" sz="2000" dirty="0"/>
+              <a:t>Y</a:t>
+            </a:r>
+            <a:r>
+              <a:rPr lang="el-GR" sz="2000" dirty="0" err="1"/>
+              <a:t>λοποιήθηκαν</a:t>
+            </a:r>
+            <a:r>
+              <a:rPr lang="el-GR" sz="2000" dirty="0"/>
+              <a:t> δύο servers UDP echo στον κόμβο 1 σε διαφορετικές θύρες με δημιουργία δύο πελατών  UDP echo στον κόμβο 0. </a:t>
             </a:r>
             <a:br>
               <a:rPr lang="el-GR" sz="2000" dirty="0"/>
             </a:br>
-            <a:endParaRPr lang="el-GR" sz="2000" dirty="0"/>
+            <a:endParaRPr lang="en-US" sz="2000" dirty="0"/>
           </a:p>
           <a:p>
-            <a:pPr marL="457200" indent="-457200">
-              <a:buFont typeface="+mj-lt"/>
-              <a:buAutoNum type="arabicPeriod"/>
+            <a:pPr marL="0" indent="0">
+              <a:buNone/>
             </a:pPr>
             <a:r>
+              <a:rPr lang="en-US" sz="2000" dirty="0"/>
+              <a:t>3.T</a:t>
+            </a:r>
+            <a:r>
               <a:rPr lang="el-GR" sz="2000" dirty="0"/>
-              <a:t>Εκτέλεση της προσομοίωσης και καταγραφή των δεδομένων ροής με χρήση </a:t>
+              <a:t>έλος, εκτελέστηκε η προσομοίωση και καταγράφτηκαν τα δεδομένα ροής με χρήση του </a:t>
             </a:r>
             <a:r>
               <a:rPr lang="en-US" sz="2000" dirty="0"/>
-              <a:t>Flow-Monitoring</a:t>
+              <a:t>module Flow-Monitoring</a:t>
             </a:r>
             <a:r>
               <a:rPr lang="el-GR" sz="2000" dirty="0"/>
@@ -22120,6 +23519,123 @@
 </file>
 
 <file path=ppt/slides/slide4.xml><?xml version="1.0" encoding="utf-8"?>
+<p:sld xmlns:a="http://schemas.openxmlformats.org/drawingml/2006/main" xmlns:r="http://schemas.openxmlformats.org/officeDocument/2006/relationships" xmlns:p="http://schemas.openxmlformats.org/presentationml/2006/main">
+  <p:cSld>
+    <p:spTree>
+      <p:nvGrpSpPr>
+        <p:cNvPr id="1" name=""/>
+        <p:cNvGrpSpPr/>
+        <p:nvPr/>
+      </p:nvGrpSpPr>
+      <p:grpSpPr>
+        <a:xfrm>
+          <a:off x="0" y="0"/>
+          <a:ext cx="0" cy="0"/>
+          <a:chOff x="0" y="0"/>
+          <a:chExt cx="0" cy="0"/>
+        </a:xfrm>
+      </p:grpSpPr>
+      <p:sp>
+        <p:nvSpPr>
+          <p:cNvPr id="2" name="Τίτλος 1">
+            <a:extLst>
+              <a:ext uri="{FF2B5EF4-FFF2-40B4-BE49-F238E27FC236}">
+                <a16:creationId xmlns:a16="http://schemas.microsoft.com/office/drawing/2014/main" id="{A6C17167-0FCF-48D1-8D35-A3B397602971}"/>
+              </a:ext>
+            </a:extLst>
+          </p:cNvPr>
+          <p:cNvSpPr>
+            <a:spLocks noGrp="1"/>
+          </p:cNvSpPr>
+          <p:nvPr>
+            <p:ph type="title"/>
+          </p:nvPr>
+        </p:nvSpPr>
+        <p:spPr/>
+        <p:txBody>
+          <a:bodyPr/>
+          <a:lstStyle/>
+          <a:p>
+            <a:r>
+              <a:rPr lang="el-GR" sz="5400" b="1" dirty="0" err="1"/>
+              <a:t>Κυριο</a:t>
+            </a:r>
+            <a:r>
+              <a:rPr lang="el-GR" sz="5400" b="1" dirty="0"/>
+              <a:t> </a:t>
+            </a:r>
+            <a:r>
+              <a:rPr lang="el-GR" sz="5400" b="1" dirty="0" err="1"/>
+              <a:t>θεμα</a:t>
+            </a:r>
+            <a:r>
+              <a:rPr lang="el-GR" sz="5400" b="1" dirty="0"/>
+              <a:t> της </a:t>
+            </a:r>
+            <a:r>
+              <a:rPr lang="el-GR" sz="5400" b="1" dirty="0" err="1"/>
+              <a:t>εργασιασ</a:t>
+            </a:r>
+            <a:r>
+              <a:rPr lang="el-GR" sz="5400" b="1" dirty="0"/>
+              <a:t> (3)</a:t>
+            </a:r>
+            <a:endParaRPr lang="el-GR" dirty="0"/>
+          </a:p>
+        </p:txBody>
+      </p:sp>
+      <p:sp>
+        <p:nvSpPr>
+          <p:cNvPr id="3" name="Θέση περιεχομένου 2">
+            <a:extLst>
+              <a:ext uri="{FF2B5EF4-FFF2-40B4-BE49-F238E27FC236}">
+                <a16:creationId xmlns:a16="http://schemas.microsoft.com/office/drawing/2014/main" id="{8C25AA44-A744-4CDE-8CD1-73BA1F80A72C}"/>
+              </a:ext>
+            </a:extLst>
+          </p:cNvPr>
+          <p:cNvSpPr>
+            <a:spLocks noGrp="1"/>
+          </p:cNvSpPr>
+          <p:nvPr>
+            <p:ph idx="1"/>
+          </p:nvPr>
+        </p:nvSpPr>
+        <p:spPr/>
+        <p:txBody>
+          <a:bodyPr/>
+          <a:lstStyle/>
+          <a:p>
+            <a:r>
+              <a:rPr lang="el-GR" dirty="0"/>
+              <a:t>Πιο συγκεκριμένα για το δεύτερο ερώτημα της εργασίας</a:t>
+            </a:r>
+            <a:r>
+              <a:rPr lang="en-US" dirty="0"/>
+              <a:t>:</a:t>
+            </a:r>
+          </a:p>
+          <a:p>
+            <a:endParaRPr lang="el-GR" dirty="0"/>
+          </a:p>
+        </p:txBody>
+      </p:sp>
+    </p:spTree>
+    <p:extLst>
+      <p:ext uri="{BB962C8B-B14F-4D97-AF65-F5344CB8AC3E}">
+        <p14:creationId xmlns:p14="http://schemas.microsoft.com/office/powerpoint/2010/main" val="895146049"/>
+      </p:ext>
+    </p:extLst>
+  </p:cSld>
+  <p:clrMapOvr>
+    <a:masterClrMapping/>
+  </p:clrMapOvr>
+  <p:transition spd="slow">
+    <p:push dir="u"/>
+  </p:transition>
+</p:sld>
+</file>
+
+<file path=ppt/slides/slide5.xml><?xml version="1.0" encoding="utf-8"?>
 <p:sld xmlns:a="http://schemas.openxmlformats.org/drawingml/2006/main" xmlns:r="http://schemas.openxmlformats.org/officeDocument/2006/relationships" xmlns:p="http://schemas.openxmlformats.org/presentationml/2006/main">
   <p:cSld>
     <p:spTree>
@@ -22196,8 +23712,8 @@
         </p:nvSpPr>
         <p:spPr>
           <a:xfrm>
-            <a:off x="1024128" y="2220683"/>
-            <a:ext cx="9720073" cy="4023360"/>
+            <a:off x="837516" y="1900996"/>
+            <a:ext cx="10051148" cy="4023360"/>
           </a:xfrm>
         </p:spPr>
         <p:txBody>
@@ -22263,12 +23779,35 @@
               <a:t>και </a:t>
             </a:r>
             <a:r>
+              <a:rPr lang="en-US" dirty="0" err="1"/>
+              <a:t>github</a:t>
+            </a:r>
+            <a:r>
               <a:rPr lang="en-US" dirty="0"/>
-              <a:t>GitHub </a:t>
+              <a:t> </a:t>
             </a:r>
             <a:r>
               <a:rPr lang="el-GR" dirty="0"/>
               <a:t>για την επικοινωνία και τον συγχρονισμό των μελών της ομάδας.</a:t>
+            </a:r>
+            <a:endParaRPr lang="en-US" dirty="0"/>
+          </a:p>
+          <a:p>
+            <a:pPr>
+              <a:buFont typeface="Arial" panose="020B0604020202020204" pitchFamily="34" charset="0"/>
+              <a:buChar char="•"/>
+            </a:pPr>
+            <a:r>
+              <a:rPr lang="en-US" dirty="0" err="1"/>
+              <a:t>Drawio</a:t>
+            </a:r>
+            <a:r>
+              <a:rPr lang="en-US" dirty="0"/>
+              <a:t> </a:t>
+            </a:r>
+            <a:r>
+              <a:rPr lang="el-GR" dirty="0"/>
+              <a:t>για την υλοποίηση σχεδιαγραμμάτων/τοπολογίας.</a:t>
             </a:r>
             <a:endParaRPr lang="en-US" dirty="0"/>
           </a:p>
@@ -22410,7 +23949,7 @@
 </p:sld>
 </file>
 
-<file path=ppt/slides/slide5.xml><?xml version="1.0" encoding="utf-8"?>
+<file path=ppt/slides/slide6.xml><?xml version="1.0" encoding="utf-8"?>
 <p:sld xmlns:a="http://schemas.openxmlformats.org/drawingml/2006/main" xmlns:r="http://schemas.openxmlformats.org/officeDocument/2006/relationships" xmlns:p="http://schemas.openxmlformats.org/presentationml/2006/main">
   <p:cSld>
     <p:spTree>
@@ -22497,8 +24036,8 @@
         </p:nvSpPr>
         <p:spPr>
           <a:xfrm>
-            <a:off x="653141" y="2319962"/>
-            <a:ext cx="6587413" cy="4204749"/>
+            <a:off x="653142" y="2319962"/>
+            <a:ext cx="6567466" cy="4419797"/>
           </a:xfrm>
         </p:spPr>
         <p:txBody>
@@ -22507,7 +24046,7 @@
           </a:bodyPr>
           <a:lstStyle/>
           <a:p>
-            <a:pPr>
+            <a:pPr algn="just">
               <a:buFont typeface="Arial" panose="020B0604020202020204" pitchFamily="34" charset="0"/>
               <a:buChar char="•"/>
             </a:pPr>
@@ -22521,39 +24060,15 @@
             </a:r>
             <a:r>
               <a:rPr lang="en-US" dirty="0"/>
-              <a:t>GitHub </a:t>
+              <a:t>GitHub</a:t>
             </a:r>
             <a:r>
               <a:rPr lang="el-GR" dirty="0"/>
-              <a:t>σε αρχικό στάδιο με ελλειπές υλικό για την ώρα (γι</a:t>
-            </a:r>
-            <a:r>
-              <a:rPr lang="en-US" dirty="0"/>
-              <a:t>’</a:t>
-            </a:r>
-            <a:r>
-              <a:rPr lang="el-GR" dirty="0"/>
-              <a:t>αυτό και </a:t>
-            </a:r>
-            <a:r>
-              <a:rPr lang="en-US" dirty="0"/>
-              <a:t>private)</a:t>
-            </a:r>
-            <a:r>
-              <a:rPr lang="el-GR" dirty="0"/>
-              <a:t> και με στόχο να γίνει </a:t>
-            </a:r>
-            <a:r>
-              <a:rPr lang="en-US" dirty="0"/>
-              <a:t>public </a:t>
-            </a:r>
-            <a:r>
-              <a:rPr lang="el-GR" dirty="0"/>
-              <a:t>όταν ολοκληρωθεί. </a:t>
+              <a:t>.</a:t>
             </a:r>
           </a:p>
           <a:p>
-            <a:pPr>
+            <a:pPr algn="just">
               <a:buFont typeface="Arial" panose="020B0604020202020204" pitchFamily="34" charset="0"/>
               <a:buChar char="•"/>
             </a:pPr>
@@ -22579,7 +24094,7 @@
             </a:r>
           </a:p>
           <a:p>
-            <a:pPr>
+            <a:pPr algn="just">
               <a:buFont typeface="Arial" panose="020B0604020202020204" pitchFamily="34" charset="0"/>
               <a:buChar char="•"/>
             </a:pPr>
@@ -22611,6 +24126,51 @@
               <a:rPr lang="el-GR" dirty="0"/>
               <a:t> που αναφέρονταν στην εργασία.</a:t>
             </a:r>
+          </a:p>
+          <a:p>
+            <a:pPr algn="just">
+              <a:buFont typeface="Arial" panose="020B0604020202020204" pitchFamily="34" charset="0"/>
+              <a:buChar char="•"/>
+            </a:pPr>
+            <a:endParaRPr lang="el-GR" dirty="0"/>
+          </a:p>
+          <a:p>
+            <a:pPr>
+              <a:buFont typeface="Arial" panose="020B0604020202020204" pitchFamily="34" charset="0"/>
+              <a:buChar char="•"/>
+            </a:pPr>
+            <a:r>
+              <a:rPr lang="sv-SE" dirty="0"/>
+              <a:t>internet stack</a:t>
+            </a:r>
+            <a:endParaRPr lang="el-GR" dirty="0"/>
+          </a:p>
+          <a:p>
+            <a:pPr>
+              <a:buFont typeface="Arial" panose="020B0604020202020204" pitchFamily="34" charset="0"/>
+              <a:buChar char="•"/>
+            </a:pPr>
+            <a:r>
+              <a:rPr lang="sv-SE" dirty="0"/>
+              <a:t>CBR</a:t>
+            </a:r>
+            <a:endParaRPr lang="el-GR" dirty="0"/>
+          </a:p>
+          <a:p>
+            <a:pPr>
+              <a:buFont typeface="Arial" panose="020B0604020202020204" pitchFamily="34" charset="0"/>
+              <a:buChar char="•"/>
+            </a:pPr>
+            <a:r>
+              <a:rPr lang="sv-SE" dirty="0"/>
+              <a:t>packet sink</a:t>
+            </a:r>
+          </a:p>
+          <a:p>
+            <a:pPr>
+              <a:buFont typeface="Arial" panose="020B0604020202020204" pitchFamily="34" charset="0"/>
+              <a:buChar char="•"/>
+            </a:pPr>
             <a:br>
               <a:rPr lang="en-US" dirty="0"/>
             </a:br>
@@ -22669,7 +24229,7 @@
 </p:sld>
 </file>
 
-<file path=ppt/slides/slide6.xml><?xml version="1.0" encoding="utf-8"?>
+<file path=ppt/slides/slide7.xml><?xml version="1.0" encoding="utf-8"?>
 <p:sld xmlns:a="http://schemas.openxmlformats.org/drawingml/2006/main" xmlns:r="http://schemas.openxmlformats.org/officeDocument/2006/relationships" xmlns:p="http://schemas.openxmlformats.org/presentationml/2006/main">
   <p:cSld>
     <p:spTree>
@@ -22934,6 +24494,36 @@
           </a:p>
         </p:txBody>
       </p:sp>
+      <p:pic>
+        <p:nvPicPr>
+          <p:cNvPr id="2" name="Εικόνα 1">
+            <a:extLst>
+              <a:ext uri="{FF2B5EF4-FFF2-40B4-BE49-F238E27FC236}">
+                <a16:creationId xmlns:a16="http://schemas.microsoft.com/office/drawing/2014/main" id="{72465A12-DE92-430F-83D8-A8CA456E29B7}"/>
+              </a:ext>
+            </a:extLst>
+          </p:cNvPr>
+          <p:cNvPicPr>
+            <a:picLocks noChangeAspect="1"/>
+          </p:cNvPicPr>
+          <p:nvPr/>
+        </p:nvPicPr>
+        <p:blipFill>
+          <a:blip r:embed="rId2"/>
+          <a:stretch>
+            <a:fillRect/>
+          </a:stretch>
+        </p:blipFill>
+        <p:spPr>
+          <a:xfrm>
+            <a:off x="6596884" y="4396609"/>
+            <a:ext cx="4705350" cy="1485900"/>
+          </a:xfrm>
+          <a:prstGeom prst="rect">
+            <a:avLst/>
+          </a:prstGeom>
+        </p:spPr>
+      </p:pic>
     </p:spTree>
     <p:extLst>
       <p:ext uri="{BB962C8B-B14F-4D97-AF65-F5344CB8AC3E}">
@@ -22950,7 +24540,7 @@
 </p:sld>
 </file>
 
-<file path=ppt/slides/slide7.xml><?xml version="1.0" encoding="utf-8"?>
+<file path=ppt/slides/slide8.xml><?xml version="1.0" encoding="utf-8"?>
 <p:sld xmlns:a="http://schemas.openxmlformats.org/drawingml/2006/main" xmlns:r="http://schemas.openxmlformats.org/officeDocument/2006/relationships" xmlns:p="http://schemas.openxmlformats.org/presentationml/2006/main">
   <p:cSld>
     <p:spTree>
@@ -23025,7 +24615,7 @@
         <p:spPr>
           <a:xfrm>
             <a:off x="1024127" y="2579914"/>
-            <a:ext cx="4754880" cy="1698171"/>
+            <a:ext cx="4754880" cy="3489810"/>
           </a:xfrm>
         </p:spPr>
         <p:txBody>
@@ -23065,6 +24655,38 @@
               <a:buChar char="•"/>
             </a:pPr>
             <a:endParaRPr lang="el-GR" u="sng" dirty="0"/>
+          </a:p>
+          <a:p>
+            <a:pPr>
+              <a:buFont typeface="Arial" panose="020B0604020202020204" pitchFamily="34" charset="0"/>
+              <a:buChar char="•"/>
+            </a:pPr>
+            <a:endParaRPr lang="el-GR" u="sng" dirty="0"/>
+          </a:p>
+          <a:p>
+            <a:pPr marL="0" indent="0">
+              <a:buNone/>
+            </a:pPr>
+            <a:r>
+              <a:rPr lang="el-GR" dirty="0"/>
+              <a:t>+ </a:t>
+            </a:r>
+            <a:r>
+              <a:rPr lang="el-GR" dirty="0" err="1"/>
+              <a:t>καποιο</a:t>
+            </a:r>
+            <a:r>
+              <a:rPr lang="el-GR" dirty="0"/>
+              <a:t> </a:t>
+            </a:r>
+            <a:r>
+              <a:rPr lang="el-GR" dirty="0" err="1"/>
+              <a:t>διαγραμμα</a:t>
+            </a:r>
+            <a:r>
+              <a:rPr lang="el-GR" dirty="0"/>
+              <a:t>?</a:t>
+            </a:r>
           </a:p>
         </p:txBody>
       </p:sp>
@@ -23115,7 +24737,7 @@
 </p:sld>
 </file>
 
-<file path=ppt/slides/slide8.xml><?xml version="1.0" encoding="utf-8"?>
+<file path=ppt/slides/slide9.xml><?xml version="1.0" encoding="utf-8"?>
 <p:sld xmlns:a="http://schemas.openxmlformats.org/drawingml/2006/main" xmlns:r="http://schemas.openxmlformats.org/officeDocument/2006/relationships" xmlns:p="http://schemas.openxmlformats.org/presentationml/2006/main">
   <p:cSld>
     <p:spTree>
@@ -23137,7 +24759,7 @@
           <p:cNvPr id="2" name="Τίτλος 1">
             <a:extLst>
               <a:ext uri="{FF2B5EF4-FFF2-40B4-BE49-F238E27FC236}">
-                <a16:creationId xmlns:a16="http://schemas.microsoft.com/office/drawing/2014/main" id="{D3B5979B-DAA2-4179-A467-7A963AB07EB6}"/>
+                <a16:creationId xmlns:a16="http://schemas.microsoft.com/office/drawing/2014/main" id="{740B5DCF-D7F8-4FA1-B6A2-C54F072B973E}"/>
               </a:ext>
             </a:extLst>
           </p:cNvPr>
@@ -23155,16 +24777,13 @@
           <a:p>
             <a:r>
               <a:rPr lang="el-GR" b="1" dirty="0"/>
-              <a:t>Πηγες</a:t>
+              <a:t>ΔΕΔΟΜΕΝΑ ΓΙΑ ΤΟ ΕΡΩΤΗΜΑ 2</a:t>
             </a:r>
             <a:r>
               <a:rPr lang="en-US" b="1" dirty="0"/>
-              <a:t> kai </a:t>
+              <a:t>(1)</a:t>
             </a:r>
-            <a:r>
-              <a:rPr lang="el-GR" b="1" dirty="0"/>
-              <a:t>Βιβλιογραφια</a:t>
-            </a:r>
+            <a:endParaRPr lang="el-GR" b="1" dirty="0"/>
           </a:p>
         </p:txBody>
       </p:sp>
@@ -23173,7 +24792,7 @@
           <p:cNvPr id="3" name="Θέση περιεχομένου 2">
             <a:extLst>
               <a:ext uri="{FF2B5EF4-FFF2-40B4-BE49-F238E27FC236}">
-                <a16:creationId xmlns:a16="http://schemas.microsoft.com/office/drawing/2014/main" id="{2C15E7EE-1AAC-44FA-9CBE-14186AB94BEE}"/>
+                <a16:creationId xmlns:a16="http://schemas.microsoft.com/office/drawing/2014/main" id="{B826EC1D-ADB3-40C8-9BDF-B44BD50ABE16}"/>
               </a:ext>
             </a:extLst>
           </p:cNvPr>
@@ -23186,201 +24805,130 @@
         </p:nvSpPr>
         <p:spPr>
           <a:xfrm>
-            <a:off x="1024128" y="2435291"/>
-            <a:ext cx="9720073" cy="3508310"/>
+            <a:off x="732466" y="2249294"/>
+            <a:ext cx="9720073" cy="4023360"/>
           </a:xfrm>
         </p:spPr>
         <p:txBody>
-          <a:bodyPr>
-            <a:normAutofit fontScale="77500" lnSpcReduction="20000"/>
-          </a:bodyPr>
+          <a:bodyPr/>
           <a:lstStyle/>
           <a:p>
+            <a:pPr marL="0" indent="0">
+              <a:buNone/>
+            </a:pPr>
             <a:r>
-              <a:rPr lang="el-GR" sz="2600" dirty="0"/>
-              <a:t>Από τα εξής </a:t>
+              <a:rPr lang="el-GR" dirty="0"/>
+              <a:t>Όσον αφορά το δεύτερο ερώτημα της </a:t>
             </a:r>
             <a:r>
-              <a:rPr lang="en-US" sz="2600" dirty="0"/>
-              <a:t>link</a:t>
+              <a:rPr lang="el-GR" dirty="0" err="1"/>
+              <a:t>εργασίας,η</a:t>
             </a:r>
             <a:r>
-              <a:rPr lang="el-GR" sz="2600" dirty="0"/>
+              <a:rPr lang="el-GR" dirty="0"/>
+              <a:t> τοπολογία που δημιουργήθηκε είναι η εξής </a:t>
+            </a:r>
+            <a:r>
+              <a:rPr lang="en-US" dirty="0"/>
               <a:t>:</a:t>
             </a:r>
-            <a:br>
-              <a:rPr lang="en-US" dirty="0"/>
-            </a:br>
-            <a:br>
-              <a:rPr lang="en-US" sz="2600" dirty="0"/>
-            </a:br>
-            <a:r>
-              <a:rPr lang="en-US" sz="2600" dirty="0">
-                <a:solidFill>
-                  <a:schemeClr val="accent1">
-                    <a:lumMod val="75000"/>
-                  </a:schemeClr>
-                </a:solidFill>
-                <a:hlinkClick r:id="rId2">
-                  <a:extLst>
-                    <a:ext uri="{A12FA001-AC4F-418D-AE19-62706E023703}">
-                      <ahyp:hlinkClr xmlns:ahyp="http://schemas.microsoft.com/office/drawing/2018/hyperlinkcolor" val="tx"/>
-                    </a:ext>
-                  </a:extLst>
-                </a:hlinkClick>
-              </a:rPr>
-              <a:t>https://www.nsnam.org/documentation/</a:t>
-            </a:r>
-            <a:endParaRPr lang="el-GR" sz="2600" dirty="0">
-              <a:solidFill>
-                <a:schemeClr val="accent1">
-                  <a:lumMod val="75000"/>
-                </a:schemeClr>
-              </a:solidFill>
-            </a:endParaRPr>
           </a:p>
           <a:p>
-            <a:r>
-              <a:rPr lang="en-US" sz="2600" dirty="0">
-                <a:solidFill>
-                  <a:schemeClr val="accent1">
-                    <a:lumMod val="75000"/>
-                  </a:schemeClr>
-                </a:solidFill>
-                <a:hlinkClick r:id="rId3">
-                  <a:extLst>
-                    <a:ext uri="{A12FA001-AC4F-418D-AE19-62706E023703}">
-                      <ahyp:hlinkClr xmlns:ahyp="http://schemas.microsoft.com/office/drawing/2018/hyperlinkcolor" val="tx"/>
-                    </a:ext>
-                  </a:extLst>
-                </a:hlinkClick>
-              </a:rPr>
-              <a:t>https://www.nsnam.org/docs/contributing/html/coding-style.html#header-file-includes</a:t>
-            </a:r>
-            <a:endParaRPr lang="el-GR" sz="2600" dirty="0">
-              <a:solidFill>
-                <a:schemeClr val="accent1">
-                  <a:lumMod val="75000"/>
-                </a:schemeClr>
-              </a:solidFill>
-            </a:endParaRPr>
+            <a:pPr marL="0" indent="0">
+              <a:buNone/>
+            </a:pPr>
+            <a:endParaRPr lang="en-US" dirty="0"/>
           </a:p>
           <a:p>
-            <a:r>
-              <a:rPr lang="en-US" sz="2600" dirty="0">
-                <a:solidFill>
-                  <a:schemeClr val="accent1">
-                    <a:lumMod val="75000"/>
-                  </a:schemeClr>
-                </a:solidFill>
-                <a:hlinkClick r:id="rId4">
-                  <a:extLst>
-                    <a:ext uri="{A12FA001-AC4F-418D-AE19-62706E023703}">
-                      <ahyp:hlinkClr xmlns:ahyp="http://schemas.microsoft.com/office/drawing/2018/hyperlinkcolor" val="tx"/>
-                    </a:ext>
-                  </a:extLst>
-                </a:hlinkClick>
-              </a:rPr>
-              <a:t>https://www.nsnam.org/docs/tutorial/html/</a:t>
-            </a:r>
-            <a:endParaRPr lang="en-US" sz="2600" dirty="0">
-              <a:solidFill>
-                <a:schemeClr val="accent1">
-                  <a:lumMod val="75000"/>
-                </a:schemeClr>
-              </a:solidFill>
-            </a:endParaRPr>
+            <a:pPr marL="0" indent="0">
+              <a:buNone/>
+            </a:pPr>
+            <a:endParaRPr lang="en-US" dirty="0"/>
           </a:p>
           <a:p>
-            <a:r>
-              <a:rPr lang="en-US" sz="2600" dirty="0">
-                <a:solidFill>
-                  <a:schemeClr val="accent1">
-                    <a:lumMod val="75000"/>
-                  </a:schemeClr>
-                </a:solidFill>
-                <a:hlinkClick r:id="rId5">
-                  <a:extLst>
-                    <a:ext uri="{A12FA001-AC4F-418D-AE19-62706E023703}">
-                      <ahyp:hlinkClr xmlns:ahyp="http://schemas.microsoft.com/office/drawing/2018/hyperlinkcolor" val="tx"/>
-                    </a:ext>
-                  </a:extLst>
-                </a:hlinkClick>
-              </a:rPr>
-              <a:t>https://www.youtube.com/watch?v=Jv_swgcykjQ</a:t>
-            </a:r>
-            <a:endParaRPr lang="en-US" sz="2600" dirty="0">
-              <a:solidFill>
-                <a:schemeClr val="accent1">
-                  <a:lumMod val="75000"/>
-                </a:schemeClr>
-              </a:solidFill>
-            </a:endParaRPr>
-          </a:p>
-          <a:p>
-            <a:r>
-              <a:rPr lang="en-US" sz="2600" dirty="0">
-                <a:solidFill>
-                  <a:schemeClr val="accent1">
-                    <a:lumMod val="75000"/>
-                  </a:schemeClr>
-                </a:solidFill>
-                <a:hlinkClick r:id="rId6">
-                  <a:extLst>
-                    <a:ext uri="{A12FA001-AC4F-418D-AE19-62706E023703}">
-                      <ahyp:hlinkClr xmlns:ahyp="http://schemas.microsoft.com/office/drawing/2018/hyperlinkcolor" val="tx"/>
-                    </a:ext>
-                  </a:extLst>
-                </a:hlinkClick>
-              </a:rPr>
-              <a:t>https://www.youtube.com/watch?v=2W5mdzQrwXI</a:t>
-            </a:r>
-            <a:endParaRPr lang="en-US" sz="2600" dirty="0">
-              <a:solidFill>
-                <a:schemeClr val="accent1">
-                  <a:lumMod val="75000"/>
-                </a:schemeClr>
-              </a:solidFill>
-            </a:endParaRPr>
-          </a:p>
-          <a:p>
-            <a:r>
-              <a:rPr lang="en-US" sz="2600" dirty="0">
-                <a:solidFill>
-                  <a:schemeClr val="accent1">
-                    <a:lumMod val="75000"/>
-                  </a:schemeClr>
-                </a:solidFill>
-                <a:hlinkClick r:id="rId7">
-                  <a:extLst>
-                    <a:ext uri="{A12FA001-AC4F-418D-AE19-62706E023703}">
-                      <ahyp:hlinkClr xmlns:ahyp="http://schemas.microsoft.com/office/drawing/2018/hyperlinkcolor" val="tx"/>
-                    </a:ext>
-                  </a:extLst>
-                </a:hlinkClick>
-              </a:rPr>
-              <a:t>https://www.nsnam.org/docs/tutorial/html/building-topologies.html</a:t>
-            </a:r>
-            <a:endParaRPr lang="en-US" sz="2600" dirty="0">
-              <a:solidFill>
-                <a:schemeClr val="accent1">
-                  <a:lumMod val="75000"/>
-                </a:schemeClr>
-              </a:solidFill>
-            </a:endParaRPr>
-          </a:p>
-          <a:p>
-            <a:br>
-              <a:rPr lang="en-US" dirty="0"/>
-            </a:br>
             <a:endParaRPr lang="el-GR" dirty="0"/>
           </a:p>
         </p:txBody>
       </p:sp>
+      <p:sp>
+        <p:nvSpPr>
+          <p:cNvPr id="5" name="AutoShape 4" descr="image.png">
+            <a:extLst>
+              <a:ext uri="{FF2B5EF4-FFF2-40B4-BE49-F238E27FC236}">
+                <a16:creationId xmlns:a16="http://schemas.microsoft.com/office/drawing/2014/main" id="{9EC8DA17-04F4-4836-B00D-8C2179B2E7C4}"/>
+              </a:ext>
+            </a:extLst>
+          </p:cNvPr>
+          <p:cNvSpPr>
+            <a:spLocks noChangeAspect="1" noChangeArrowheads="1"/>
+          </p:cNvSpPr>
+          <p:nvPr/>
+        </p:nvSpPr>
+        <p:spPr bwMode="auto">
+          <a:xfrm>
+            <a:off x="5943600" y="3276600"/>
+            <a:ext cx="304800" cy="304800"/>
+          </a:xfrm>
+          <a:prstGeom prst="rect">
+            <a:avLst/>
+          </a:prstGeom>
+          <a:noFill/>
+          <a:extLst>
+            <a:ext uri="{909E8E84-426E-40DD-AFC4-6F175D3DCCD1}">
+              <a14:hiddenFill xmlns:a14="http://schemas.microsoft.com/office/drawing/2010/main">
+                <a:solidFill>
+                  <a:srgbClr val="FFFFFF"/>
+                </a:solidFill>
+              </a14:hiddenFill>
+            </a:ext>
+          </a:extLst>
+        </p:spPr>
+        <p:txBody>
+          <a:bodyPr vert="horz" wrap="square" lIns="91440" tIns="45720" rIns="91440" bIns="45720" numCol="1" anchor="t" anchorCtr="0" compatLnSpc="1">
+            <a:prstTxWarp prst="textNoShape">
+              <a:avLst/>
+            </a:prstTxWarp>
+          </a:bodyPr>
+          <a:lstStyle/>
+          <a:p>
+            <a:endParaRPr lang="el-GR"/>
+          </a:p>
+        </p:txBody>
+      </p:sp>
+      <p:pic>
+        <p:nvPicPr>
+          <p:cNvPr id="6" name="Εικόνα 5">
+            <a:extLst>
+              <a:ext uri="{FF2B5EF4-FFF2-40B4-BE49-F238E27FC236}">
+                <a16:creationId xmlns:a16="http://schemas.microsoft.com/office/drawing/2014/main" id="{9107478B-F89B-47FA-B8F9-EAC2BCD55F50}"/>
+              </a:ext>
+            </a:extLst>
+          </p:cNvPr>
+          <p:cNvPicPr>
+            <a:picLocks noChangeAspect="1"/>
+          </p:cNvPicPr>
+          <p:nvPr/>
+        </p:nvPicPr>
+        <p:blipFill>
+          <a:blip r:embed="rId2"/>
+          <a:stretch>
+            <a:fillRect/>
+          </a:stretch>
+        </p:blipFill>
+        <p:spPr>
+          <a:xfrm>
+            <a:off x="732466" y="3003954"/>
+            <a:ext cx="3476927" cy="3247679"/>
+          </a:xfrm>
+          <a:prstGeom prst="rect">
+            <a:avLst/>
+          </a:prstGeom>
+        </p:spPr>
+      </p:pic>
     </p:spTree>
     <p:extLst>
       <p:ext uri="{BB962C8B-B14F-4D97-AF65-F5344CB8AC3E}">
-        <p14:creationId xmlns:p14="http://schemas.microsoft.com/office/powerpoint/2010/main" val="1234120531"/>
+        <p14:creationId xmlns:p14="http://schemas.microsoft.com/office/powerpoint/2010/main" val="567458805"/>
       </p:ext>
     </p:extLst>
   </p:cSld>
@@ -24218,23 +25766,6 @@
 </file>
 
 <file path=customXml/item1.xml><?xml version="1.0" encoding="utf-8"?>
-<p:properties xmlns:p="http://schemas.microsoft.com/office/2006/metadata/properties" xmlns:xsi="http://www.w3.org/2001/XMLSchema-instance" xmlns:pc="http://schemas.microsoft.com/office/infopath/2007/PartnerControls">
-  <documentManagement>
-    <MediaServiceKeyPoints xmlns="71af3243-3dd4-4a8d-8c0d-dd76da1f02a5" xsi:nil="true"/>
-  </documentManagement>
-</p:properties>
-</file>
-
-<file path=customXml/item2.xml><?xml version="1.0" encoding="utf-8"?>
-<?mso-contentType ?>
-<FormTemplates xmlns="http://schemas.microsoft.com/sharepoint/v3/contenttype/forms">
-  <Display>DocumentLibraryForm</Display>
-  <Edit>DocumentLibraryForm</Edit>
-  <New>DocumentLibraryForm</New>
-</FormTemplates>
-</file>
-
-<file path=customXml/item3.xml><?xml version="1.0" encoding="utf-8"?>
 <ct:contentTypeSchema xmlns:ct="http://schemas.microsoft.com/office/2006/metadata/contentType" xmlns:ma="http://schemas.microsoft.com/office/2006/metadata/properties/metaAttributes" ct:_="" ma:_="" ma:contentTypeName="Document" ma:contentTypeID="0x01010079F111ED35F8CC479449609E8A0923A6" ma:contentTypeVersion="11" ma:contentTypeDescription="Create a new document." ma:contentTypeScope="" ma:versionID="9677210f24a1be23c92c90fd886aa0aa">
   <xsd:schema xmlns:xsd="http://www.w3.org/2001/XMLSchema" xmlns:xs="http://www.w3.org/2001/XMLSchema" xmlns:p="http://schemas.microsoft.com/office/2006/metadata/properties" xmlns:ns2="71af3243-3dd4-4a8d-8c0d-dd76da1f02a5" xmlns:ns3="16c05727-aa75-4e4a-9b5f-8a80a1165891" targetNamespace="http://schemas.microsoft.com/office/2006/metadata/properties" ma:root="true" ma:fieldsID="60e05723c5c1908df1a1a4ebf11d344e" ns2:_="" ns3:_="">
     <xsd:import namespace="71af3243-3dd4-4a8d-8c0d-dd76da1f02a5"/>
@@ -24445,25 +25976,24 @@
 </ct:contentTypeSchema>
 </file>
 
-<file path=customXml/itemProps1.xml><?xml version="1.0" encoding="utf-8"?>
-<ds:datastoreItem xmlns:ds="http://schemas.openxmlformats.org/officeDocument/2006/customXml" ds:itemID="{788A2F88-55C5-4ED1-9541-807C65424763}">
-  <ds:schemaRefs>
-    <ds:schemaRef ds:uri="http://schemas.microsoft.com/office/2006/metadata/properties"/>
-    <ds:schemaRef ds:uri="http://schemas.microsoft.com/office/infopath/2007/PartnerControls"/>
-    <ds:schemaRef ds:uri="71af3243-3dd4-4a8d-8c0d-dd76da1f02a5"/>
-  </ds:schemaRefs>
-</ds:datastoreItem>
+<file path=customXml/item2.xml><?xml version="1.0" encoding="utf-8"?>
+<?mso-contentType ?>
+<FormTemplates xmlns="http://schemas.microsoft.com/sharepoint/v3/contenttype/forms">
+  <Display>DocumentLibraryForm</Display>
+  <Edit>DocumentLibraryForm</Edit>
+  <New>DocumentLibraryForm</New>
+</FormTemplates>
 </file>
 
-<file path=customXml/itemProps2.xml><?xml version="1.0" encoding="utf-8"?>
-<ds:datastoreItem xmlns:ds="http://schemas.openxmlformats.org/officeDocument/2006/customXml" ds:itemID="{4F44C90D-2A62-4985-9618-3460247437B1}">
-  <ds:schemaRefs>
-    <ds:schemaRef ds:uri="http://schemas.microsoft.com/sharepoint/v3/contenttype/forms"/>
-  </ds:schemaRefs>
-</ds:datastoreItem>
+<file path=customXml/item3.xml><?xml version="1.0" encoding="utf-8"?>
+<p:properties xmlns:p="http://schemas.microsoft.com/office/2006/metadata/properties" xmlns:xsi="http://www.w3.org/2001/XMLSchema-instance" xmlns:pc="http://schemas.microsoft.com/office/infopath/2007/PartnerControls">
+  <documentManagement>
+    <MediaServiceKeyPoints xmlns="71af3243-3dd4-4a8d-8c0d-dd76da1f02a5" xsi:nil="true"/>
+  </documentManagement>
+</p:properties>
 </file>
 
-<file path=customXml/itemProps3.xml><?xml version="1.0" encoding="utf-8"?>
+<file path=customXml/itemProps1.xml><?xml version="1.0" encoding="utf-8"?>
 <ds:datastoreItem xmlns:ds="http://schemas.openxmlformats.org/officeDocument/2006/customXml" ds:itemID="{B61EAB5F-88FC-4FAE-AE3C-037A3C365EB8}">
   <ds:schemaRefs>
     <ds:schemaRef ds:uri="http://schemas.microsoft.com/office/2006/metadata/contentType"/>
@@ -24480,4 +26010,29 @@
     <ds:schemaRef ds:uri="http://schemas.microsoft.com/internal/obd"/>
   </ds:schemaRefs>
 </ds:datastoreItem>
+</file>
+
+<file path=customXml/itemProps2.xml><?xml version="1.0" encoding="utf-8"?>
+<ds:datastoreItem xmlns:ds="http://schemas.openxmlformats.org/officeDocument/2006/customXml" ds:itemID="{4F44C90D-2A62-4985-9618-3460247437B1}">
+  <ds:schemaRefs>
+    <ds:schemaRef ds:uri="http://schemas.microsoft.com/sharepoint/v3/contenttype/forms"/>
+  </ds:schemaRefs>
+</ds:datastoreItem>
+</file>
+
+<file path=customXml/itemProps3.xml><?xml version="1.0" encoding="utf-8"?>
+<ds:datastoreItem xmlns:ds="http://schemas.openxmlformats.org/officeDocument/2006/customXml" ds:itemID="{788A2F88-55C5-4ED1-9541-807C65424763}">
+  <ds:schemaRefs>
+    <ds:schemaRef ds:uri="16c05727-aa75-4e4a-9b5f-8a80a1165891"/>
+    <ds:schemaRef ds:uri="http://www.w3.org/XML/1998/namespace"/>
+    <ds:schemaRef ds:uri="http://purl.org/dc/terms/"/>
+    <ds:schemaRef ds:uri="http://purl.org/dc/elements/1.1/"/>
+    <ds:schemaRef ds:uri="http://purl.org/dc/dcmitype/"/>
+    <ds:schemaRef ds:uri="http://schemas.microsoft.com/office/infopath/2007/PartnerControls"/>
+    <ds:schemaRef ds:uri="http://schemas.microsoft.com/office/2006/documentManagement/types"/>
+    <ds:schemaRef ds:uri="http://schemas.openxmlformats.org/package/2006/metadata/core-properties"/>
+    <ds:schemaRef ds:uri="71af3243-3dd4-4a8d-8c0d-dd76da1f02a5"/>
+    <ds:schemaRef ds:uri="http://schemas.microsoft.com/office/2006/metadata/properties"/>
+  </ds:schemaRefs>
+</ds:datastoreItem>
 </file>
--- a/Presentations/Ns-3_presentation_F.pptx
+++ b/Presentations/Ns-3_presentation_F.pptx
@@ -5,10 +5,10 @@
     <p:sldMasterId id="2147483648" r:id="rId4"/>
   </p:sldMasterIdLst>
   <p:notesMasterIdLst>
-    <p:notesMasterId r:id="rId18"/>
+    <p:notesMasterId r:id="rId19"/>
   </p:notesMasterIdLst>
   <p:handoutMasterIdLst>
-    <p:handoutMasterId r:id="rId19"/>
+    <p:handoutMasterId r:id="rId20"/>
   </p:handoutMasterIdLst>
   <p:sldIdLst>
     <p:sldId id="256" r:id="rId5"/>
@@ -22,8 +22,9 @@
     <p:sldId id="287" r:id="rId13"/>
     <p:sldId id="290" r:id="rId14"/>
     <p:sldId id="286" r:id="rId15"/>
-    <p:sldId id="288" r:id="rId16"/>
-    <p:sldId id="281" r:id="rId17"/>
+    <p:sldId id="291" r:id="rId16"/>
+    <p:sldId id="288" r:id="rId17"/>
+    <p:sldId id="281" r:id="rId18"/>
   </p:sldIdLst>
   <p:sldSz cx="12192000" cy="6858000"/>
   <p:notesSz cx="6858000" cy="9144000"/>
@@ -217,7 +218,7 @@
             <a:pPr rtl="0"/>
             <a:fld id="{F0EC7D35-77BB-4867-BAC6-5C40C37B98F1}" type="datetime1">
               <a:rPr lang="el-GR" smtClean="0"/>
-              <a:t>4/11/2025</a:t>
+              <a:t>7/11/2025</a:t>
             </a:fld>
             <a:endParaRPr lang="el-GR" dirty="0"/>
           </a:p>
@@ -387,7 +388,7 @@
             <a:pPr rtl="0"/>
             <a:fld id="{707ABAE7-72BE-4378-9C66-B300388DE536}" type="datetime1">
               <a:rPr lang="el-GR" noProof="0" smtClean="0"/>
-              <a:t>4/11/2025</a:t>
+              <a:t>7/11/2025</a:t>
             </a:fld>
             <a:endParaRPr lang="el-GR" noProof="0" dirty="0"/>
           </a:p>
@@ -9654,7 +9655,7 @@
             <a:pPr rtl="0"/>
             <a:fld id="{EABDBA74-E4DB-4313-95D3-B7F630EE7B7F}" type="datetime1">
               <a:rPr lang="el-GR" noProof="0" smtClean="0"/>
-              <a:t>4/11/2025</a:t>
+              <a:t>7/11/2025</a:t>
             </a:fld>
             <a:endParaRPr lang="el-GR" noProof="0" dirty="0"/>
           </a:p>
@@ -9863,7 +9864,7 @@
             <a:pPr rtl="0"/>
             <a:fld id="{D9C97E28-F60A-427B-851A-BCC048F06BC7}" type="datetime1">
               <a:rPr lang="el-GR" noProof="0" smtClean="0"/>
-              <a:t>4/11/2025</a:t>
+              <a:t>7/11/2025</a:t>
             </a:fld>
             <a:endParaRPr lang="el-GR" noProof="0" dirty="0"/>
           </a:p>
@@ -10045,7 +10046,7 @@
             <a:pPr rtl="0"/>
             <a:fld id="{4EA33EDB-81C3-4DAA-87EA-DA21D6A7FC6C}" type="datetime1">
               <a:rPr lang="el-GR" noProof="0" smtClean="0"/>
-              <a:t>4/11/2025</a:t>
+              <a:t>7/11/2025</a:t>
             </a:fld>
             <a:endParaRPr lang="el-GR" noProof="0" dirty="0"/>
           </a:p>
@@ -10252,7 +10253,7 @@
             <a:pPr rtl="0"/>
             <a:fld id="{0FE5ACA5-56F5-4208-8101-108DA68822C6}" type="datetime1">
               <a:rPr lang="el-GR" noProof="0" smtClean="0"/>
-              <a:t>4/11/2025</a:t>
+              <a:t>7/11/2025</a:t>
             </a:fld>
             <a:endParaRPr lang="el-GR" noProof="0" dirty="0"/>
           </a:p>
@@ -19166,7 +19167,7 @@
             <a:pPr rtl="0"/>
             <a:fld id="{98AAE694-814A-4F58-A8E2-AA9B6575E0B5}" type="datetime1">
               <a:rPr lang="el-GR" noProof="0" smtClean="0"/>
-              <a:t>4/11/2025</a:t>
+              <a:t>7/11/2025</a:t>
             </a:fld>
             <a:endParaRPr lang="el-GR" noProof="0" dirty="0"/>
           </a:p>
@@ -19442,7 +19443,7 @@
             <a:pPr rtl="0"/>
             <a:fld id="{98B30D4A-F623-45A5-BE49-543B4B609AF2}" type="datetime1">
               <a:rPr lang="el-GR" noProof="0" smtClean="0"/>
-              <a:t>4/11/2025</a:t>
+              <a:t>7/11/2025</a:t>
             </a:fld>
             <a:endParaRPr lang="el-GR" noProof="0" dirty="0"/>
           </a:p>
@@ -19842,7 +19843,7 @@
             <a:pPr rtl="0"/>
             <a:fld id="{06412F62-D18F-463A-9A7E-E4809AAD76E4}" type="datetime1">
               <a:rPr lang="el-GR" noProof="0" smtClean="0"/>
-              <a:t>4/11/2025</a:t>
+              <a:t>7/11/2025</a:t>
             </a:fld>
             <a:endParaRPr lang="el-GR" noProof="0" dirty="0"/>
           </a:p>
@@ -19962,7 +19963,7 @@
             <a:pPr rtl="0"/>
             <a:fld id="{D2009D47-CF8A-48CB-81B8-5988DBFADA28}" type="datetime1">
               <a:rPr lang="el-GR" noProof="0" smtClean="0"/>
-              <a:t>4/11/2025</a:t>
+              <a:t>7/11/2025</a:t>
             </a:fld>
             <a:endParaRPr lang="el-GR" noProof="0" dirty="0"/>
           </a:p>
@@ -20058,7 +20059,7 @@
             <a:pPr rtl="0"/>
             <a:fld id="{89B075A6-4B0E-489A-92E5-C2C81D969D11}" type="datetime1">
               <a:rPr lang="el-GR" noProof="0" smtClean="0"/>
-              <a:t>4/11/2025</a:t>
+              <a:t>7/11/2025</a:t>
             </a:fld>
             <a:endParaRPr lang="el-GR" noProof="0" dirty="0"/>
           </a:p>
@@ -20350,7 +20351,7 @@
             <a:pPr rtl="0"/>
             <a:fld id="{7C290451-C354-46E0-BBD8-0317D7A1384C}" type="datetime1">
               <a:rPr lang="el-GR" noProof="0" smtClean="0"/>
-              <a:t>4/11/2025</a:t>
+              <a:t>7/11/2025</a:t>
             </a:fld>
             <a:endParaRPr lang="el-GR" noProof="0" dirty="0"/>
           </a:p>
@@ -20633,7 +20634,7 @@
             <a:pPr rtl="0"/>
             <a:fld id="{05DAA40D-D363-46A0-9276-B6A4797DC9A5}" type="datetime1">
               <a:rPr lang="el-GR" noProof="0" smtClean="0"/>
-              <a:t>4/11/2025</a:t>
+              <a:t>7/11/2025</a:t>
             </a:fld>
             <a:endParaRPr lang="el-GR" noProof="0" dirty="0"/>
           </a:p>
@@ -20882,7 +20883,7 @@
           <a:p>
             <a:fld id="{F98FDC76-A1F5-4EE8-BDE3-5EFC56AAE7AD}" type="datetime1">
               <a:rPr lang="el-GR" noProof="0" smtClean="0"/>
-              <a:t>4/11/2025</a:t>
+              <a:t>7/11/2025</a:t>
             </a:fld>
             <a:endParaRPr lang="el-GR" noProof="0" dirty="0"/>
           </a:p>
@@ -22577,35 +22578,96 @@
           <a:bodyPr/>
           <a:lstStyle/>
           <a:p>
-            <a:endParaRPr lang="el-GR"/>
+            <a:r>
+              <a:rPr lang="en-US" dirty="0"/>
+              <a:t>Me delay=5ms </a:t>
+            </a:r>
+            <a:r>
+              <a:rPr lang="el-GR" dirty="0"/>
+              <a:t>στα </a:t>
+            </a:r>
+            <a:r>
+              <a:rPr lang="en-US" dirty="0"/>
+              <a:t> node devices 0-1 </a:t>
+            </a:r>
+            <a:r>
+              <a:rPr lang="el-GR" dirty="0"/>
+              <a:t>και </a:t>
+            </a:r>
+          </a:p>
+          <a:p>
+            <a:r>
+              <a:rPr lang="fr-FR" dirty="0"/>
+              <a:t>double </a:t>
+            </a:r>
+            <a:r>
+              <a:rPr lang="fr-FR" dirty="0" err="1"/>
+              <a:t>failDownAt</a:t>
+            </a:r>
+            <a:r>
+              <a:rPr lang="fr-FR" dirty="0"/>
+              <a:t> = 2.0;</a:t>
+            </a:r>
+          </a:p>
+          <a:p>
+            <a:r>
+              <a:rPr lang="fr-FR" dirty="0"/>
+              <a:t>  double </a:t>
+            </a:r>
+            <a:r>
+              <a:rPr lang="fr-FR" dirty="0" err="1"/>
+              <a:t>failUpAt</a:t>
+            </a:r>
+            <a:r>
+              <a:rPr lang="fr-FR" dirty="0"/>
+              <a:t>   = 3.0;</a:t>
+            </a:r>
+          </a:p>
+          <a:p>
+            <a:r>
+              <a:rPr lang="el-GR" dirty="0"/>
+              <a:t> έχουμε </a:t>
+            </a:r>
+            <a:r>
+              <a:rPr lang="en-US" dirty="0"/>
+              <a:t>:</a:t>
+            </a:r>
+          </a:p>
+          <a:p>
+            <a:endParaRPr lang="el-GR" dirty="0"/>
           </a:p>
         </p:txBody>
       </p:sp>
-      <p:sp>
-        <p:nvSpPr>
-          <p:cNvPr id="4" name="Θέση περιεχομένου 3">
+      <p:pic>
+        <p:nvPicPr>
+          <p:cNvPr id="5" name="Εικόνα 4">
             <a:extLst>
               <a:ext uri="{FF2B5EF4-FFF2-40B4-BE49-F238E27FC236}">
-                <a16:creationId xmlns:a16="http://schemas.microsoft.com/office/drawing/2014/main" id="{E66595A6-5DE1-4ACA-B46C-1C05847A5347}"/>
+                <a16:creationId xmlns:a16="http://schemas.microsoft.com/office/drawing/2014/main" id="{DDA09587-AC8A-42DB-BB6F-871EFA108655}"/>
               </a:ext>
             </a:extLst>
           </p:cNvPr>
-          <p:cNvSpPr>
-            <a:spLocks noGrp="1"/>
-          </p:cNvSpPr>
-          <p:nvPr>
-            <p:ph sz="half" idx="2"/>
-          </p:nvPr>
-        </p:nvSpPr>
-        <p:spPr/>
-        <p:txBody>
-          <a:bodyPr/>
-          <a:lstStyle/>
-          <a:p>
-            <a:endParaRPr lang="el-GR"/>
-          </a:p>
-        </p:txBody>
-      </p:sp>
+          <p:cNvPicPr>
+            <a:picLocks noChangeAspect="1"/>
+          </p:cNvPicPr>
+          <p:nvPr/>
+        </p:nvPicPr>
+        <p:blipFill>
+          <a:blip r:embed="rId2"/>
+          <a:stretch>
+            <a:fillRect/>
+          </a:stretch>
+        </p:blipFill>
+        <p:spPr>
+          <a:xfrm>
+            <a:off x="5709822" y="2286000"/>
+            <a:ext cx="6169599" cy="2806262"/>
+          </a:xfrm>
+          <a:prstGeom prst="rect">
+            <a:avLst/>
+          </a:prstGeom>
+        </p:spPr>
+      </p:pic>
     </p:spTree>
     <p:extLst>
       <p:ext uri="{BB962C8B-B14F-4D97-AF65-F5344CB8AC3E}">
@@ -22644,6 +22706,177 @@
           <p:cNvPr id="2" name="Τίτλος 1">
             <a:extLst>
               <a:ext uri="{FF2B5EF4-FFF2-40B4-BE49-F238E27FC236}">
+                <a16:creationId xmlns:a16="http://schemas.microsoft.com/office/drawing/2014/main" id="{54AC1203-DE96-4B6F-8CA4-2F60F7F5C9A0}"/>
+              </a:ext>
+            </a:extLst>
+          </p:cNvPr>
+          <p:cNvSpPr>
+            <a:spLocks noGrp="1"/>
+          </p:cNvSpPr>
+          <p:nvPr>
+            <p:ph type="title"/>
+          </p:nvPr>
+        </p:nvSpPr>
+        <p:spPr/>
+        <p:txBody>
+          <a:bodyPr/>
+          <a:lstStyle/>
+          <a:p>
+            <a:endParaRPr lang="el-GR"/>
+          </a:p>
+        </p:txBody>
+      </p:sp>
+      <p:sp>
+        <p:nvSpPr>
+          <p:cNvPr id="3" name="Θέση περιεχομένου 2">
+            <a:extLst>
+              <a:ext uri="{FF2B5EF4-FFF2-40B4-BE49-F238E27FC236}">
+                <a16:creationId xmlns:a16="http://schemas.microsoft.com/office/drawing/2014/main" id="{5ACBCB00-2F20-4477-BDCC-021A102AB6C3}"/>
+              </a:ext>
+            </a:extLst>
+          </p:cNvPr>
+          <p:cNvSpPr>
+            <a:spLocks noGrp="1"/>
+          </p:cNvSpPr>
+          <p:nvPr>
+            <p:ph sz="half" idx="1"/>
+          </p:nvPr>
+        </p:nvSpPr>
+        <p:spPr/>
+        <p:txBody>
+          <a:bodyPr/>
+          <a:lstStyle/>
+          <a:p>
+            <a:r>
+              <a:rPr lang="en-US" dirty="0"/>
+              <a:t>Me delay=5ms </a:t>
+            </a:r>
+            <a:r>
+              <a:rPr lang="el-GR" dirty="0"/>
+              <a:t>στα </a:t>
+            </a:r>
+            <a:r>
+              <a:rPr lang="en-US" dirty="0"/>
+              <a:t> node devices 0-1 </a:t>
+            </a:r>
+            <a:r>
+              <a:rPr lang="el-GR" dirty="0"/>
+              <a:t>και </a:t>
+            </a:r>
+          </a:p>
+          <a:p>
+            <a:r>
+              <a:rPr lang="fr-FR" dirty="0"/>
+              <a:t>double </a:t>
+            </a:r>
+            <a:r>
+              <a:rPr lang="fr-FR" dirty="0" err="1"/>
+              <a:t>failDownAt</a:t>
+            </a:r>
+            <a:r>
+              <a:rPr lang="fr-FR" dirty="0"/>
+              <a:t> = 6.0;</a:t>
+            </a:r>
+          </a:p>
+          <a:p>
+            <a:r>
+              <a:rPr lang="fr-FR" dirty="0"/>
+              <a:t>  double </a:t>
+            </a:r>
+            <a:r>
+              <a:rPr lang="fr-FR" dirty="0" err="1"/>
+              <a:t>failUpAt</a:t>
+            </a:r>
+            <a:r>
+              <a:rPr lang="fr-FR" dirty="0"/>
+              <a:t>   = 8.0;</a:t>
+            </a:r>
+          </a:p>
+          <a:p>
+            <a:r>
+              <a:rPr lang="el-GR" dirty="0"/>
+              <a:t> έχουμε </a:t>
+            </a:r>
+            <a:r>
+              <a:rPr lang="en-US" dirty="0"/>
+              <a:t>:</a:t>
+            </a:r>
+          </a:p>
+          <a:p>
+            <a:endParaRPr lang="el-GR" dirty="0"/>
+          </a:p>
+        </p:txBody>
+      </p:sp>
+      <p:pic>
+        <p:nvPicPr>
+          <p:cNvPr id="5" name="Θέση περιεχομένου 4">
+            <a:extLst>
+              <a:ext uri="{FF2B5EF4-FFF2-40B4-BE49-F238E27FC236}">
+                <a16:creationId xmlns:a16="http://schemas.microsoft.com/office/drawing/2014/main" id="{ACDCA8BA-760A-4DEE-AA1B-0DC480EDDCAC}"/>
+              </a:ext>
+            </a:extLst>
+          </p:cNvPr>
+          <p:cNvPicPr>
+            <a:picLocks noGrp="1" noChangeAspect="1"/>
+          </p:cNvPicPr>
+          <p:nvPr>
+            <p:ph sz="half" idx="2"/>
+          </p:nvPr>
+        </p:nvPicPr>
+        <p:blipFill>
+          <a:blip r:embed="rId2"/>
+          <a:stretch>
+            <a:fillRect/>
+          </a:stretch>
+        </p:blipFill>
+        <p:spPr>
+          <a:xfrm>
+            <a:off x="5230161" y="3097924"/>
+            <a:ext cx="5514039" cy="2680138"/>
+          </a:xfrm>
+          <a:prstGeom prst="rect">
+            <a:avLst/>
+          </a:prstGeom>
+        </p:spPr>
+      </p:pic>
+    </p:spTree>
+    <p:extLst>
+      <p:ext uri="{BB962C8B-B14F-4D97-AF65-F5344CB8AC3E}">
+        <p14:creationId xmlns:p14="http://schemas.microsoft.com/office/powerpoint/2010/main" val="3980910133"/>
+      </p:ext>
+    </p:extLst>
+  </p:cSld>
+  <p:clrMapOvr>
+    <a:masterClrMapping/>
+  </p:clrMapOvr>
+  <p:transition spd="slow">
+    <p:push dir="u"/>
+  </p:transition>
+</p:sld>
+</file>
+
+<file path=ppt/slides/slide13.xml><?xml version="1.0" encoding="utf-8"?>
+<p:sld xmlns:a="http://schemas.openxmlformats.org/drawingml/2006/main" xmlns:r="http://schemas.openxmlformats.org/officeDocument/2006/relationships" xmlns:p="http://schemas.openxmlformats.org/presentationml/2006/main">
+  <p:cSld>
+    <p:spTree>
+      <p:nvGrpSpPr>
+        <p:cNvPr id="1" name=""/>
+        <p:cNvGrpSpPr/>
+        <p:nvPr/>
+      </p:nvGrpSpPr>
+      <p:grpSpPr>
+        <a:xfrm>
+          <a:off x="0" y="0"/>
+          <a:ext cx="0" cy="0"/>
+          <a:chOff x="0" y="0"/>
+          <a:chExt cx="0" cy="0"/>
+        </a:xfrm>
+      </p:grpSpPr>
+      <p:sp>
+        <p:nvSpPr>
+          <p:cNvPr id="2" name="Τίτλος 1">
+            <a:extLst>
+              <a:ext uri="{FF2B5EF4-FFF2-40B4-BE49-F238E27FC236}">
                 <a16:creationId xmlns:a16="http://schemas.microsoft.com/office/drawing/2014/main" id="{8C00DAD0-3F5C-4917-A7D5-A3D10C3144EA}"/>
               </a:ext>
             </a:extLst>
@@ -22730,7 +22963,7 @@
 </p:sld>
 </file>
 
-<file path=ppt/slides/slide13.xml><?xml version="1.0" encoding="utf-8"?>
+<file path=ppt/slides/slide14.xml><?xml version="1.0" encoding="utf-8"?>
 <p:sld xmlns:a="http://schemas.openxmlformats.org/drawingml/2006/main" xmlns:r="http://schemas.openxmlformats.org/officeDocument/2006/relationships" xmlns:p="http://schemas.openxmlformats.org/presentationml/2006/main">
   <p:cSld>
     <p:spTree>
@@ -22802,7 +23035,7 @@
         <p:spPr>
           <a:xfrm>
             <a:off x="1024128" y="2435291"/>
-            <a:ext cx="9720073" cy="3421599"/>
+            <a:ext cx="9720073" cy="3547055"/>
           </a:xfrm>
         </p:spPr>
         <p:txBody>
@@ -23202,36 +23435,10 @@
           </a:bodyPr>
           <a:lstStyle/>
           <a:p>
-            <a:pPr algn="just">
-              <a:buFont typeface="Arial" panose="020B0604020202020204" pitchFamily="34" charset="0"/>
-              <a:buChar char="•"/>
-            </a:pPr>
-            <a:r>
-              <a:rPr lang="el-GR" dirty="0"/>
-              <a:t>Προσομοίωση λειτουργίας μιας σύνδεσης </a:t>
-            </a:r>
-            <a:r>
-              <a:rPr lang="en-US" dirty="0"/>
-              <a:t> point to point </a:t>
-            </a:r>
-            <a:r>
-              <a:rPr lang="el-GR" dirty="0"/>
-              <a:t>χρησιμοποιώντας το </a:t>
-            </a:r>
-            <a:r>
-              <a:rPr lang="en-US" dirty="0"/>
-              <a:t>NS-3</a:t>
-            </a:r>
-            <a:r>
-              <a:rPr lang="el-GR" dirty="0"/>
-              <a:t>, στην οποία στέλνονται πακέτα από το έναν κόμβο στον άλλον </a:t>
-            </a:r>
-          </a:p>
-          <a:p>
             <a:pPr marL="0" indent="0" algn="just">
               <a:buNone/>
             </a:pPr>
-            <a:endParaRPr lang="en-US" sz="1200" dirty="0"/>
+            <a:endParaRPr lang="el-GR" dirty="0"/>
           </a:p>
           <a:p>
             <a:pPr algn="just">
@@ -26023,16 +26230,16 @@
 <file path=customXml/itemProps3.xml><?xml version="1.0" encoding="utf-8"?>
 <ds:datastoreItem xmlns:ds="http://schemas.openxmlformats.org/officeDocument/2006/customXml" ds:itemID="{788A2F88-55C5-4ED1-9541-807C65424763}">
   <ds:schemaRefs>
+    <ds:schemaRef ds:uri="http://www.w3.org/XML/1998/namespace"/>
+    <ds:schemaRef ds:uri="http://schemas.microsoft.com/office/2006/metadata/properties"/>
+    <ds:schemaRef ds:uri="http://schemas.microsoft.com/office/2006/documentManagement/types"/>
+    <ds:schemaRef ds:uri="http://schemas.microsoft.com/office/infopath/2007/PartnerControls"/>
+    <ds:schemaRef ds:uri="http://purl.org/dc/terms/"/>
+    <ds:schemaRef ds:uri="71af3243-3dd4-4a8d-8c0d-dd76da1f02a5"/>
     <ds:schemaRef ds:uri="16c05727-aa75-4e4a-9b5f-8a80a1165891"/>
-    <ds:schemaRef ds:uri="http://www.w3.org/XML/1998/namespace"/>
-    <ds:schemaRef ds:uri="http://purl.org/dc/terms/"/>
+    <ds:schemaRef ds:uri="http://schemas.openxmlformats.org/package/2006/metadata/core-properties"/>
+    <ds:schemaRef ds:uri="http://purl.org/dc/dcmitype/"/>
     <ds:schemaRef ds:uri="http://purl.org/dc/elements/1.1/"/>
-    <ds:schemaRef ds:uri="http://purl.org/dc/dcmitype/"/>
-    <ds:schemaRef ds:uri="http://schemas.microsoft.com/office/infopath/2007/PartnerControls"/>
-    <ds:schemaRef ds:uri="http://schemas.microsoft.com/office/2006/documentManagement/types"/>
-    <ds:schemaRef ds:uri="http://schemas.openxmlformats.org/package/2006/metadata/core-properties"/>
-    <ds:schemaRef ds:uri="71af3243-3dd4-4a8d-8c0d-dd76da1f02a5"/>
-    <ds:schemaRef ds:uri="http://schemas.microsoft.com/office/2006/metadata/properties"/>
   </ds:schemaRefs>
 </ds:datastoreItem>
 </file>
--- a/Presentations/Ns-3_presentation_F.pptx
+++ b/Presentations/Ns-3_presentation_F.pptx
@@ -21793,8 +21793,8 @@
         </p:nvSpPr>
         <p:spPr bwMode="auto">
           <a:xfrm>
-            <a:off x="1024128" y="2035525"/>
-            <a:ext cx="9136748" cy="4524315"/>
+            <a:off x="921652" y="1859341"/>
+            <a:ext cx="9136748" cy="3139321"/>
           </a:xfrm>
           <a:prstGeom prst="rect">
             <a:avLst/>
@@ -21885,18 +21885,159 @@
               <a:tabLst/>
             </a:pPr>
             <a:r>
-              <a:rPr lang="el-GR" altLang="el-GR" sz="1800" b="1" dirty="0">
+              <a:rPr kumimoji="0" lang="el-GR" altLang="el-GR" sz="1800" b="0" i="0" u="none" strike="noStrike" cap="none" normalizeH="0" baseline="0" dirty="0">
+                <a:ln>
+                  <a:noFill/>
+                </a:ln>
+                <a:solidFill>
+                  <a:schemeClr val="tx1"/>
+                </a:solidFill>
+                <a:effectLst/>
                 <a:latin typeface="Arial" panose="020B0604020202020204" pitchFamily="34" charset="0"/>
               </a:rPr>
-              <a:t>Για την δυναμική δρομολόγηση</a:t>
-            </a:r>
-            <a:r>
-              <a:rPr lang="en-US" altLang="el-GR" sz="1800" b="1" dirty="0">
+              <a:t>Επιλέξαμ</a:t>
+            </a:r>
+            <a:r>
+              <a:rPr lang="el-GR" altLang="el-GR" sz="1800" dirty="0">
                 <a:latin typeface="Arial" panose="020B0604020202020204" pitchFamily="34" charset="0"/>
               </a:rPr>
-              <a:t>:</a:t>
-            </a:r>
-            <a:endParaRPr lang="el-GR" altLang="el-GR" sz="1800" b="1" dirty="0">
+              <a:t>ε την δυναμική δρομολόγηση με όνομα </a:t>
+            </a:r>
+            <a:r>
+              <a:rPr kumimoji="0" lang="el-GR" altLang="el-GR" sz="1800" b="0" i="0" u="none" strike="noStrike" cap="none" normalizeH="0" baseline="0" dirty="0">
+                <a:ln>
+                  <a:noFill/>
+                </a:ln>
+                <a:solidFill>
+                  <a:schemeClr val="tx1"/>
+                </a:solidFill>
+                <a:effectLst/>
+                <a:latin typeface="Arial" panose="020B0604020202020204" pitchFamily="34" charset="0"/>
+              </a:rPr>
+              <a:t>OLSR (</a:t>
+            </a:r>
+            <a:r>
+              <a:rPr kumimoji="0" lang="el-GR" altLang="el-GR" sz="1800" b="0" i="0" u="none" strike="noStrike" cap="none" normalizeH="0" baseline="0" dirty="0" err="1">
+                <a:ln>
+                  <a:noFill/>
+                </a:ln>
+                <a:solidFill>
+                  <a:schemeClr val="tx1"/>
+                </a:solidFill>
+                <a:effectLst/>
+                <a:latin typeface="Arial" panose="020B0604020202020204" pitchFamily="34" charset="0"/>
+              </a:rPr>
+              <a:t>Optimized</a:t>
+            </a:r>
+            <a:r>
+              <a:rPr kumimoji="0" lang="el-GR" altLang="el-GR" sz="1800" b="0" i="0" u="none" strike="noStrike" cap="none" normalizeH="0" baseline="0" dirty="0">
+                <a:ln>
+                  <a:noFill/>
+                </a:ln>
+                <a:solidFill>
+                  <a:schemeClr val="tx1"/>
+                </a:solidFill>
+                <a:effectLst/>
+                <a:latin typeface="Arial" panose="020B0604020202020204" pitchFamily="34" charset="0"/>
+              </a:rPr>
+              <a:t> </a:t>
+            </a:r>
+            <a:r>
+              <a:rPr kumimoji="0" lang="el-GR" altLang="el-GR" sz="1800" b="0" i="0" u="none" strike="noStrike" cap="none" normalizeH="0" baseline="0" dirty="0" err="1">
+                <a:ln>
+                  <a:noFill/>
+                </a:ln>
+                <a:solidFill>
+                  <a:schemeClr val="tx1"/>
+                </a:solidFill>
+                <a:effectLst/>
+                <a:latin typeface="Arial" panose="020B0604020202020204" pitchFamily="34" charset="0"/>
+              </a:rPr>
+              <a:t>Link</a:t>
+            </a:r>
+            <a:r>
+              <a:rPr kumimoji="0" lang="el-GR" altLang="el-GR" sz="1800" b="0" i="0" u="none" strike="noStrike" cap="none" normalizeH="0" baseline="0" dirty="0">
+                <a:ln>
+                  <a:noFill/>
+                </a:ln>
+                <a:solidFill>
+                  <a:schemeClr val="tx1"/>
+                </a:solidFill>
+                <a:effectLst/>
+                <a:latin typeface="Arial" panose="020B0604020202020204" pitchFamily="34" charset="0"/>
+              </a:rPr>
+              <a:t> </a:t>
+            </a:r>
+            <a:r>
+              <a:rPr kumimoji="0" lang="el-GR" altLang="el-GR" sz="1800" b="0" i="0" u="none" strike="noStrike" cap="none" normalizeH="0" baseline="0" dirty="0" err="1">
+                <a:ln>
+                  <a:noFill/>
+                </a:ln>
+                <a:solidFill>
+                  <a:schemeClr val="tx1"/>
+                </a:solidFill>
+                <a:effectLst/>
+                <a:latin typeface="Arial" panose="020B0604020202020204" pitchFamily="34" charset="0"/>
+              </a:rPr>
+              <a:t>State</a:t>
+            </a:r>
+            <a:r>
+              <a:rPr kumimoji="0" lang="el-GR" altLang="el-GR" sz="1800" b="0" i="0" u="none" strike="noStrike" cap="none" normalizeH="0" baseline="0" dirty="0">
+                <a:ln>
+                  <a:noFill/>
+                </a:ln>
+                <a:solidFill>
+                  <a:schemeClr val="tx1"/>
+                </a:solidFill>
+                <a:effectLst/>
+                <a:latin typeface="Arial" panose="020B0604020202020204" pitchFamily="34" charset="0"/>
+              </a:rPr>
+              <a:t> </a:t>
+            </a:r>
+            <a:r>
+              <a:rPr kumimoji="0" lang="el-GR" altLang="el-GR" sz="1800" b="0" i="0" u="none" strike="noStrike" cap="none" normalizeH="0" baseline="0" dirty="0" err="1">
+                <a:ln>
+                  <a:noFill/>
+                </a:ln>
+                <a:solidFill>
+                  <a:schemeClr val="tx1"/>
+                </a:solidFill>
+                <a:effectLst/>
+                <a:latin typeface="Arial" panose="020B0604020202020204" pitchFamily="34" charset="0"/>
+              </a:rPr>
+              <a:t>Routing</a:t>
+            </a:r>
+            <a:r>
+              <a:rPr kumimoji="0" lang="el-GR" altLang="el-GR" sz="1800" b="0" i="0" u="none" strike="noStrike" cap="none" normalizeH="0" baseline="0" dirty="0">
+                <a:ln>
+                  <a:noFill/>
+                </a:ln>
+                <a:solidFill>
+                  <a:schemeClr val="tx1"/>
+                </a:solidFill>
+                <a:effectLst/>
+                <a:latin typeface="Arial" panose="020B0604020202020204" pitchFamily="34" charset="0"/>
+              </a:rPr>
+              <a:t>).</a:t>
+            </a:r>
+          </a:p>
+          <a:p>
+            <a:pPr marL="0" marR="0" lvl="0" indent="0" algn="l" defTabSz="914400" rtl="0" eaLnBrk="0" fontAlgn="base" latinLnBrk="0" hangingPunct="0">
+              <a:lnSpc>
+                <a:spcPct val="100000"/>
+              </a:lnSpc>
+              <a:spcBef>
+                <a:spcPct val="0"/>
+              </a:spcBef>
+              <a:spcAft>
+                <a:spcPct val="0"/>
+              </a:spcAft>
+              <a:buClrTx/>
+              <a:buSzTx/>
+              <a:buNone/>
+              <a:tabLst/>
+            </a:pPr>
+            <a:endParaRPr lang="el-GR" altLang="el-GR" sz="1800" dirty="0">
               <a:latin typeface="Arial" panose="020B0604020202020204" pitchFamily="34" charset="0"/>
             </a:endParaRPr>
           </a:p>
@@ -21916,45 +22057,16 @@
               <a:buNone/>
               <a:tabLst/>
             </a:pPr>
-            <a:r>
-              <a:rPr kumimoji="0" lang="el-GR" altLang="el-GR" sz="1800" b="1" i="0" u="none" strike="noStrike" cap="none" normalizeH="0" baseline="0" dirty="0">
-                <a:ln>
-                  <a:noFill/>
-                </a:ln>
-                <a:solidFill>
-                  <a:schemeClr val="tx1"/>
-                </a:solidFill>
-                <a:effectLst/>
-                <a:latin typeface="Arial" panose="020B0604020202020204" pitchFamily="34" charset="0"/>
-              </a:rPr>
-              <a:t>Common </a:t>
-            </a:r>
-            <a:r>
-              <a:rPr kumimoji="0" lang="el-GR" altLang="el-GR" sz="1800" b="1" i="0" u="none" strike="noStrike" cap="none" normalizeH="0" baseline="0" dirty="0" err="1">
-                <a:ln>
-                  <a:noFill/>
-                </a:ln>
-                <a:solidFill>
-                  <a:schemeClr val="tx1"/>
-                </a:solidFill>
-                <a:effectLst/>
-                <a:latin typeface="Arial" panose="020B0604020202020204" pitchFamily="34" charset="0"/>
-              </a:rPr>
-              <a:t>Protocols</a:t>
-            </a:r>
-            <a:r>
-              <a:rPr kumimoji="0" lang="el-GR" altLang="el-GR" sz="1800" b="0" i="0" u="none" strike="noStrike" cap="none" normalizeH="0" baseline="0" dirty="0">
-                <a:ln>
-                  <a:noFill/>
-                </a:ln>
-                <a:solidFill>
-                  <a:schemeClr val="tx1"/>
-                </a:solidFill>
-                <a:effectLst/>
-                <a:latin typeface="Arial" panose="020B0604020202020204" pitchFamily="34" charset="0"/>
-              </a:rPr>
-              <a:t>:</a:t>
-            </a:r>
+            <a:endParaRPr kumimoji="0" lang="el-GR" altLang="el-GR" sz="1800" b="0" i="0" u="none" strike="noStrike" cap="none" normalizeH="0" baseline="0" dirty="0">
+              <a:ln>
+                <a:noFill/>
+              </a:ln>
+              <a:solidFill>
+                <a:schemeClr val="tx1"/>
+              </a:solidFill>
+              <a:effectLst/>
+              <a:latin typeface="Arial" panose="020B0604020202020204" pitchFamily="34" charset="0"/>
+            </a:endParaRPr>
           </a:p>
           <a:p>
             <a:pPr marL="0" marR="0" lvl="0" indent="0" algn="l" defTabSz="914400" rtl="0" eaLnBrk="0" fontAlgn="base" latinLnBrk="0" hangingPunct="0">
@@ -21969,236 +22081,9 @@
               </a:spcAft>
               <a:buClrTx/>
               <a:buSzTx/>
-              <a:buFontTx/>
-              <a:buChar char="•"/>
+              <a:buNone/>
               <a:tabLst/>
             </a:pPr>
-            <a:r>
-              <a:rPr kumimoji="0" lang="el-GR" altLang="el-GR" sz="1800" b="0" i="0" u="none" strike="noStrike" cap="none" normalizeH="0" baseline="0" dirty="0">
-                <a:ln>
-                  <a:noFill/>
-                </a:ln>
-                <a:solidFill>
-                  <a:schemeClr val="tx1"/>
-                </a:solidFill>
-                <a:effectLst/>
-                <a:latin typeface="Arial" panose="020B0604020202020204" pitchFamily="34" charset="0"/>
-              </a:rPr>
-              <a:t>AODV (Ad-hoc On-</a:t>
-            </a:r>
-            <a:r>
-              <a:rPr kumimoji="0" lang="el-GR" altLang="el-GR" sz="1800" b="0" i="0" u="none" strike="noStrike" cap="none" normalizeH="0" baseline="0" dirty="0" err="1">
-                <a:ln>
-                  <a:noFill/>
-                </a:ln>
-                <a:solidFill>
-                  <a:schemeClr val="tx1"/>
-                </a:solidFill>
-                <a:effectLst/>
-                <a:latin typeface="Arial" panose="020B0604020202020204" pitchFamily="34" charset="0"/>
-              </a:rPr>
-              <a:t>demand</a:t>
-            </a:r>
-            <a:r>
-              <a:rPr kumimoji="0" lang="el-GR" altLang="el-GR" sz="1800" b="0" i="0" u="none" strike="noStrike" cap="none" normalizeH="0" baseline="0" dirty="0">
-                <a:ln>
-                  <a:noFill/>
-                </a:ln>
-                <a:solidFill>
-                  <a:schemeClr val="tx1"/>
-                </a:solidFill>
-                <a:effectLst/>
-                <a:latin typeface="Arial" panose="020B0604020202020204" pitchFamily="34" charset="0"/>
-              </a:rPr>
-              <a:t> </a:t>
-            </a:r>
-            <a:r>
-              <a:rPr kumimoji="0" lang="el-GR" altLang="el-GR" sz="1800" b="0" i="0" u="none" strike="noStrike" cap="none" normalizeH="0" baseline="0" dirty="0" err="1">
-                <a:ln>
-                  <a:noFill/>
-                </a:ln>
-                <a:solidFill>
-                  <a:schemeClr val="tx1"/>
-                </a:solidFill>
-                <a:effectLst/>
-                <a:latin typeface="Arial" panose="020B0604020202020204" pitchFamily="34" charset="0"/>
-              </a:rPr>
-              <a:t>Distance</a:t>
-            </a:r>
-            <a:r>
-              <a:rPr kumimoji="0" lang="el-GR" altLang="el-GR" sz="1800" b="0" i="0" u="none" strike="noStrike" cap="none" normalizeH="0" baseline="0" dirty="0">
-                <a:ln>
-                  <a:noFill/>
-                </a:ln>
-                <a:solidFill>
-                  <a:schemeClr val="tx1"/>
-                </a:solidFill>
-                <a:effectLst/>
-                <a:latin typeface="Arial" panose="020B0604020202020204" pitchFamily="34" charset="0"/>
-              </a:rPr>
-              <a:t> </a:t>
-            </a:r>
-            <a:r>
-              <a:rPr kumimoji="0" lang="el-GR" altLang="el-GR" sz="1800" b="0" i="0" u="none" strike="noStrike" cap="none" normalizeH="0" baseline="0" dirty="0" err="1">
-                <a:ln>
-                  <a:noFill/>
-                </a:ln>
-                <a:solidFill>
-                  <a:schemeClr val="tx1"/>
-                </a:solidFill>
-                <a:effectLst/>
-                <a:latin typeface="Arial" panose="020B0604020202020204" pitchFamily="34" charset="0"/>
-              </a:rPr>
-              <a:t>Vector</a:t>
-            </a:r>
-            <a:r>
-              <a:rPr kumimoji="0" lang="el-GR" altLang="el-GR" sz="1800" b="0" i="0" u="none" strike="noStrike" cap="none" normalizeH="0" baseline="0" dirty="0">
-                <a:ln>
-                  <a:noFill/>
-                </a:ln>
-                <a:solidFill>
-                  <a:schemeClr val="tx1"/>
-                </a:solidFill>
-                <a:effectLst/>
-                <a:latin typeface="Arial" panose="020B0604020202020204" pitchFamily="34" charset="0"/>
-              </a:rPr>
-              <a:t>) </a:t>
-            </a:r>
-          </a:p>
-          <a:p>
-            <a:pPr marL="0" marR="0" lvl="0" indent="0" algn="l" defTabSz="914400" rtl="0" eaLnBrk="0" fontAlgn="base" latinLnBrk="0" hangingPunct="0">
-              <a:lnSpc>
-                <a:spcPct val="100000"/>
-              </a:lnSpc>
-              <a:spcBef>
-                <a:spcPct val="0"/>
-              </a:spcBef>
-              <a:spcAft>
-                <a:spcPct val="0"/>
-              </a:spcAft>
-              <a:buClrTx/>
-              <a:buSzTx/>
-              <a:buFontTx/>
-              <a:buChar char="•"/>
-              <a:tabLst/>
-            </a:pPr>
-            <a:r>
-              <a:rPr kumimoji="0" lang="el-GR" altLang="el-GR" sz="1800" b="0" i="0" u="none" strike="noStrike" cap="none" normalizeH="0" baseline="0" dirty="0">
-                <a:ln>
-                  <a:noFill/>
-                </a:ln>
-                <a:solidFill>
-                  <a:schemeClr val="tx1"/>
-                </a:solidFill>
-                <a:effectLst/>
-                <a:latin typeface="Arial" panose="020B0604020202020204" pitchFamily="34" charset="0"/>
-              </a:rPr>
-              <a:t>OLSR (</a:t>
-            </a:r>
-            <a:r>
-              <a:rPr kumimoji="0" lang="el-GR" altLang="el-GR" sz="1800" b="0" i="0" u="none" strike="noStrike" cap="none" normalizeH="0" baseline="0" dirty="0" err="1">
-                <a:ln>
-                  <a:noFill/>
-                </a:ln>
-                <a:solidFill>
-                  <a:schemeClr val="tx1"/>
-                </a:solidFill>
-                <a:effectLst/>
-                <a:latin typeface="Arial" panose="020B0604020202020204" pitchFamily="34" charset="0"/>
-              </a:rPr>
-              <a:t>Optimized</a:t>
-            </a:r>
-            <a:r>
-              <a:rPr kumimoji="0" lang="el-GR" altLang="el-GR" sz="1800" b="0" i="0" u="none" strike="noStrike" cap="none" normalizeH="0" baseline="0" dirty="0">
-                <a:ln>
-                  <a:noFill/>
-                </a:ln>
-                <a:solidFill>
-                  <a:schemeClr val="tx1"/>
-                </a:solidFill>
-                <a:effectLst/>
-                <a:latin typeface="Arial" panose="020B0604020202020204" pitchFamily="34" charset="0"/>
-              </a:rPr>
-              <a:t> </a:t>
-            </a:r>
-            <a:r>
-              <a:rPr kumimoji="0" lang="el-GR" altLang="el-GR" sz="1800" b="0" i="0" u="none" strike="noStrike" cap="none" normalizeH="0" baseline="0" dirty="0" err="1">
-                <a:ln>
-                  <a:noFill/>
-                </a:ln>
-                <a:solidFill>
-                  <a:schemeClr val="tx1"/>
-                </a:solidFill>
-                <a:effectLst/>
-                <a:latin typeface="Arial" panose="020B0604020202020204" pitchFamily="34" charset="0"/>
-              </a:rPr>
-              <a:t>Link</a:t>
-            </a:r>
-            <a:r>
-              <a:rPr kumimoji="0" lang="el-GR" altLang="el-GR" sz="1800" b="0" i="0" u="none" strike="noStrike" cap="none" normalizeH="0" baseline="0" dirty="0">
-                <a:ln>
-                  <a:noFill/>
-                </a:ln>
-                <a:solidFill>
-                  <a:schemeClr val="tx1"/>
-                </a:solidFill>
-                <a:effectLst/>
-                <a:latin typeface="Arial" panose="020B0604020202020204" pitchFamily="34" charset="0"/>
-              </a:rPr>
-              <a:t> </a:t>
-            </a:r>
-            <a:r>
-              <a:rPr kumimoji="0" lang="el-GR" altLang="el-GR" sz="1800" b="0" i="0" u="none" strike="noStrike" cap="none" normalizeH="0" baseline="0" dirty="0" err="1">
-                <a:ln>
-                  <a:noFill/>
-                </a:ln>
-                <a:solidFill>
-                  <a:schemeClr val="tx1"/>
-                </a:solidFill>
-                <a:effectLst/>
-                <a:latin typeface="Arial" panose="020B0604020202020204" pitchFamily="34" charset="0"/>
-              </a:rPr>
-              <a:t>State</a:t>
-            </a:r>
-            <a:r>
-              <a:rPr kumimoji="0" lang="el-GR" altLang="el-GR" sz="1800" b="0" i="0" u="none" strike="noStrike" cap="none" normalizeH="0" baseline="0" dirty="0">
-                <a:ln>
-                  <a:noFill/>
-                </a:ln>
-                <a:solidFill>
-                  <a:schemeClr val="tx1"/>
-                </a:solidFill>
-                <a:effectLst/>
-                <a:latin typeface="Arial" panose="020B0604020202020204" pitchFamily="34" charset="0"/>
-              </a:rPr>
-              <a:t> </a:t>
-            </a:r>
-            <a:r>
-              <a:rPr kumimoji="0" lang="el-GR" altLang="el-GR" sz="1800" b="0" i="0" u="none" strike="noStrike" cap="none" normalizeH="0" baseline="0" dirty="0" err="1">
-                <a:ln>
-                  <a:noFill/>
-                </a:ln>
-                <a:solidFill>
-                  <a:schemeClr val="tx1"/>
-                </a:solidFill>
-                <a:effectLst/>
-                <a:latin typeface="Arial" panose="020B0604020202020204" pitchFamily="34" charset="0"/>
-              </a:rPr>
-              <a:t>Routing</a:t>
-            </a:r>
-            <a:r>
-              <a:rPr kumimoji="0" lang="el-GR" altLang="el-GR" sz="1800" b="0" i="0" u="none" strike="noStrike" cap="none" normalizeH="0" baseline="0" dirty="0">
-                <a:ln>
-                  <a:noFill/>
-                </a:ln>
-                <a:solidFill>
-                  <a:schemeClr val="tx1"/>
-                </a:solidFill>
-                <a:effectLst/>
-                <a:latin typeface="Arial" panose="020B0604020202020204" pitchFamily="34" charset="0"/>
-              </a:rPr>
-              <a:t>)</a:t>
-            </a:r>
             <a:endParaRPr kumimoji="0" lang="en-US" altLang="el-GR" sz="1800" b="0" i="0" u="none" strike="noStrike" cap="none" normalizeH="0" baseline="0" dirty="0">
               <a:ln>
                 <a:noFill/>
@@ -22250,141 +22135,6 @@
             <a:endParaRPr lang="en-US" altLang="el-GR" sz="1800" dirty="0">
               <a:latin typeface="Arial" panose="020B0604020202020204" pitchFamily="34" charset="0"/>
             </a:endParaRPr>
-          </a:p>
-          <a:p>
-            <a:pPr marL="0" lvl="0" indent="0" eaLnBrk="0" fontAlgn="base" hangingPunct="0">
-              <a:lnSpc>
-                <a:spcPct val="100000"/>
-              </a:lnSpc>
-              <a:spcBef>
-                <a:spcPct val="0"/>
-              </a:spcBef>
-              <a:spcAft>
-                <a:spcPct val="0"/>
-              </a:spcAft>
-              <a:buClrTx/>
-              <a:buSzTx/>
-              <a:buNone/>
-            </a:pPr>
-            <a:r>
-              <a:rPr lang="el-GR" altLang="el-GR" sz="1800" dirty="0">
-                <a:latin typeface="Arial" panose="020B0604020202020204" pitchFamily="34" charset="0"/>
-              </a:rPr>
-              <a:t>Αποτυχία Σύνδεσης</a:t>
-            </a:r>
-            <a:r>
-              <a:rPr lang="en-US" altLang="el-GR" sz="1800" dirty="0">
-                <a:latin typeface="Arial" panose="020B0604020202020204" pitchFamily="34" charset="0"/>
-              </a:rPr>
-              <a:t>:</a:t>
-            </a:r>
-          </a:p>
-          <a:p>
-            <a:pPr marL="0" lvl="0" indent="0" eaLnBrk="0" fontAlgn="base" hangingPunct="0">
-              <a:lnSpc>
-                <a:spcPct val="100000"/>
-              </a:lnSpc>
-              <a:spcBef>
-                <a:spcPct val="0"/>
-              </a:spcBef>
-              <a:spcAft>
-                <a:spcPct val="0"/>
-              </a:spcAft>
-              <a:buClrTx/>
-              <a:buSzTx/>
-              <a:buFontTx/>
-              <a:buChar char="•"/>
-            </a:pPr>
-            <a:r>
-              <a:rPr lang="en-US" altLang="el-GR" sz="1800" dirty="0">
-                <a:latin typeface="Arial" panose="020B0604020202020204" pitchFamily="34" charset="0"/>
-              </a:rPr>
-              <a:t>    Establish a failure through inactive a connection or during the replicate a node.</a:t>
-            </a:r>
-          </a:p>
-          <a:p>
-            <a:pPr marL="0" lvl="0" indent="0" eaLnBrk="0" fontAlgn="base" hangingPunct="0">
-              <a:lnSpc>
-                <a:spcPct val="100000"/>
-              </a:lnSpc>
-              <a:spcBef>
-                <a:spcPct val="0"/>
-              </a:spcBef>
-              <a:spcAft>
-                <a:spcPct val="0"/>
-              </a:spcAft>
-              <a:buClrTx/>
-              <a:buSzTx/>
-              <a:buFontTx/>
-              <a:buChar char="•"/>
-            </a:pPr>
-            <a:r>
-              <a:rPr lang="en-US" altLang="el-GR" sz="1800" dirty="0">
-                <a:latin typeface="Arial" panose="020B0604020202020204" pitchFamily="34" charset="0"/>
-              </a:rPr>
-              <a:t>        Example: Inactivate a point-to-point connection:</a:t>
-            </a:r>
-          </a:p>
-          <a:p>
-            <a:pPr marL="0" lvl="0" indent="0" eaLnBrk="0" fontAlgn="base" hangingPunct="0">
-              <a:lnSpc>
-                <a:spcPct val="100000"/>
-              </a:lnSpc>
-              <a:spcBef>
-                <a:spcPct val="0"/>
-              </a:spcBef>
-              <a:spcAft>
-                <a:spcPct val="0"/>
-              </a:spcAft>
-              <a:buClrTx/>
-              <a:buSzTx/>
-              <a:buFontTx/>
-              <a:buChar char="•"/>
-            </a:pPr>
-            <a:endParaRPr lang="en-US" altLang="el-GR" sz="1800" dirty="0">
-              <a:latin typeface="Arial" panose="020B0604020202020204" pitchFamily="34" charset="0"/>
-            </a:endParaRPr>
-          </a:p>
-          <a:p>
-            <a:pPr marL="0" lvl="0" indent="0" eaLnBrk="0" fontAlgn="base" hangingPunct="0">
-              <a:lnSpc>
-                <a:spcPct val="100000"/>
-              </a:lnSpc>
-              <a:spcBef>
-                <a:spcPct val="0"/>
-              </a:spcBef>
-              <a:spcAft>
-                <a:spcPct val="0"/>
-              </a:spcAft>
-              <a:buClrTx/>
-              <a:buSzTx/>
-              <a:buFontTx/>
-              <a:buChar char="•"/>
-            </a:pPr>
-            <a:r>
-              <a:rPr lang="en-US" altLang="el-GR" sz="1800" dirty="0" err="1">
-                <a:latin typeface="Arial" panose="020B0604020202020204" pitchFamily="34" charset="0"/>
-              </a:rPr>
-              <a:t>Ptr</a:t>
-            </a:r>
-            <a:r>
-              <a:rPr lang="en-US" altLang="el-GR" sz="1800" dirty="0">
-                <a:latin typeface="Arial" panose="020B0604020202020204" pitchFamily="34" charset="0"/>
-              </a:rPr>
-              <a:t>&lt;Node&gt; node1 = </a:t>
-            </a:r>
-            <a:r>
-              <a:rPr lang="en-US" altLang="el-GR" sz="1800" dirty="0" err="1">
-                <a:latin typeface="Arial" panose="020B0604020202020204" pitchFamily="34" charset="0"/>
-              </a:rPr>
-              <a:t>nodes.Get</a:t>
-            </a:r>
-            <a:r>
-              <a:rPr lang="en-US" altLang="el-GR" sz="1800" dirty="0">
-                <a:latin typeface="Arial" panose="020B0604020202020204" pitchFamily="34" charset="0"/>
-              </a:rPr>
-              <a:t>(0);</a:t>
-            </a:r>
           </a:p>
           <a:p>
             <a:pPr marL="0" marR="0" lvl="0" indent="0" algn="l" defTabSz="914400" rtl="0" eaLnBrk="0" fontAlgn="base" latinLnBrk="0" hangingPunct="0">
@@ -22573,14 +22323,26 @@
             <p:ph sz="half" idx="1"/>
           </p:nvPr>
         </p:nvSpPr>
-        <p:spPr/>
+        <p:spPr>
+          <a:xfrm>
+            <a:off x="1024126" y="2286000"/>
+            <a:ext cx="9199811" cy="740979"/>
+          </a:xfrm>
+        </p:spPr>
         <p:txBody>
           <a:bodyPr/>
           <a:lstStyle/>
           <a:p>
+            <a:pPr marL="0" indent="0">
+              <a:buNone/>
+            </a:pPr>
+            <a:r>
+              <a:rPr lang="el-GR" dirty="0"/>
+              <a:t>Με</a:t>
+            </a:r>
             <a:r>
               <a:rPr lang="en-US" dirty="0"/>
-              <a:t>Me delay=5ms </a:t>
+              <a:t> delay=5ms </a:t>
             </a:r>
             <a:r>
               <a:rPr lang="el-GR" dirty="0"/>
@@ -22594,36 +22356,42 @@
               <a:rPr lang="el-GR" dirty="0"/>
               <a:t>και </a:t>
             </a:r>
-          </a:p>
-          <a:p>
             <a:r>
               <a:rPr lang="fr-FR" dirty="0"/>
               <a:t>double </a:t>
             </a:r>
             <a:r>
-              <a:rPr lang="fr-FR" dirty="0" err="1"/>
+              <a:rPr lang="fr-FR" b="1" dirty="0" err="1"/>
               <a:t>failDownAt</a:t>
             </a:r>
             <a:r>
+              <a:rPr lang="fr-FR" b="1" dirty="0"/>
+              <a:t> = 2.0</a:t>
+            </a:r>
+            <a:r>
               <a:rPr lang="fr-FR" dirty="0"/>
-              <a:t> = 2.0;</a:t>
-            </a:r>
-          </a:p>
-          <a:p>
+              <a:t>;</a:t>
+            </a:r>
+            <a:r>
+              <a:rPr lang="el-GR" dirty="0"/>
+              <a:t> </a:t>
+            </a:r>
+            <a:r>
+              <a:rPr lang="fr-FR" b="1" dirty="0"/>
+              <a:t>double </a:t>
+            </a:r>
+            <a:r>
+              <a:rPr lang="fr-FR" b="1" dirty="0" err="1"/>
+              <a:t>failUpAt</a:t>
+            </a:r>
+            <a:r>
+              <a:rPr lang="fr-FR" b="1" dirty="0"/>
+              <a:t>   = 3.0</a:t>
+            </a:r>
             <a:r>
               <a:rPr lang="fr-FR" dirty="0"/>
-              <a:t>  double </a:t>
-            </a:r>
-            <a:r>
-              <a:rPr lang="fr-FR" dirty="0" err="1"/>
-              <a:t>failUpAt</a:t>
-            </a:r>
-            <a:r>
-              <a:rPr lang="fr-FR" dirty="0"/>
-              <a:t>   = 3.0;</a:t>
-            </a:r>
-          </a:p>
-          <a:p>
+              <a:t>;</a:t>
+            </a:r>
             <a:r>
               <a:rPr lang="el-GR" dirty="0"/>
               <a:t> έχουμε </a:t>
@@ -22660,8 +22428,8 @@
         </p:blipFill>
         <p:spPr>
           <a:xfrm>
-            <a:off x="5709822" y="2286000"/>
-            <a:ext cx="6169599" cy="2806262"/>
+            <a:off x="1024127" y="3329678"/>
+            <a:ext cx="6169599" cy="3184634"/>
           </a:xfrm>
           <a:prstGeom prst="rect">
             <a:avLst/>
@@ -22722,7 +22490,11 @@
           <a:bodyPr/>
           <a:lstStyle/>
           <a:p>
-            <a:endParaRPr lang="el-GR"/>
+            <a:r>
+              <a:rPr lang="el-GR" b="1" dirty="0"/>
+              <a:t>ΑΠΟΤΕΛΕΣΜΑΤΑ ΤΟΥ ΕΡΩΤΗΜΑΤΟΣ 2</a:t>
+            </a:r>
+            <a:endParaRPr lang="el-GR" dirty="0"/>
           </a:p>
         </p:txBody>
       </p:sp>
@@ -22742,68 +22514,97 @@
             <p:ph sz="half" idx="1"/>
           </p:nvPr>
         </p:nvSpPr>
-        <p:spPr/>
+        <p:spPr>
+          <a:xfrm>
+            <a:off x="1024126" y="2286000"/>
+            <a:ext cx="9050039" cy="961697"/>
+          </a:xfrm>
+        </p:spPr>
         <p:txBody>
-          <a:bodyPr/>
+          <a:bodyPr>
+            <a:normAutofit/>
+          </a:bodyPr>
           <a:lstStyle/>
           <a:p>
             <a:r>
+              <a:rPr lang="el-GR" dirty="0"/>
+              <a:t>Με </a:t>
+            </a:r>
+            <a:r>
               <a:rPr lang="en-US" dirty="0"/>
-              <a:t>Me delay=5ms </a:t>
+              <a:t>delay=</a:t>
             </a:r>
             <a:r>
               <a:rPr lang="el-GR" dirty="0"/>
-              <a:t>στα </a:t>
+              <a:t>2</a:t>
+            </a:r>
+            <a:r>
+              <a:rPr lang="en-US" dirty="0" err="1"/>
+              <a:t>ms</a:t>
             </a:r>
             <a:r>
               <a:rPr lang="en-US" dirty="0"/>
-              <a:t> node devices 0-1 </a:t>
+              <a:t> </a:t>
+            </a:r>
+            <a:r>
+              <a:rPr lang="el-GR" dirty="0"/>
+              <a:t>στα  </a:t>
+            </a:r>
+            <a:r>
+              <a:rPr lang="en-US" dirty="0"/>
+              <a:t>node devices 0-1 </a:t>
             </a:r>
             <a:r>
               <a:rPr lang="el-GR" dirty="0"/>
               <a:t>και </a:t>
             </a:r>
+            <a:r>
+              <a:rPr lang="en-US" b="1" dirty="0"/>
+              <a:t>double </a:t>
+            </a:r>
+            <a:r>
+              <a:rPr lang="en-US" b="1" dirty="0" err="1"/>
+              <a:t>failDownAt</a:t>
+            </a:r>
+            <a:r>
+              <a:rPr lang="en-US" b="1" dirty="0"/>
+              <a:t> = </a:t>
+            </a:r>
+            <a:r>
+              <a:rPr lang="el-GR" b="1" dirty="0"/>
+              <a:t>8</a:t>
+            </a:r>
+            <a:r>
+              <a:rPr lang="en-US" b="1" dirty="0"/>
+              <a:t>.0; </a:t>
+            </a:r>
+            <a:r>
+              <a:rPr lang="en-US" dirty="0"/>
+              <a:t>double </a:t>
+            </a:r>
+            <a:r>
+              <a:rPr lang="en-US" b="1" dirty="0" err="1"/>
+              <a:t>failUpAt</a:t>
+            </a:r>
+            <a:r>
+              <a:rPr lang="en-US" b="1" dirty="0"/>
+              <a:t>   = </a:t>
+            </a:r>
+            <a:r>
+              <a:rPr lang="el-GR" b="1" dirty="0"/>
+              <a:t>6</a:t>
+            </a:r>
+            <a:r>
+              <a:rPr lang="en-US" b="1" dirty="0"/>
+              <a:t>.0; </a:t>
+            </a:r>
+            <a:r>
+              <a:rPr lang="el-GR" dirty="0"/>
+              <a:t>έχουμε :</a:t>
+            </a:r>
           </a:p>
           <a:p>
-            <a:r>
-              <a:rPr lang="fr-FR" dirty="0"/>
-              <a:t>double </a:t>
-            </a:r>
-            <a:r>
-              <a:rPr lang="fr-FR" dirty="0" err="1"/>
-              <a:t>failDownAt</a:t>
-            </a:r>
-            <a:r>
-              <a:rPr lang="fr-FR" dirty="0"/>
-              <a:t> = 6.0;</a:t>
-            </a:r>
-          </a:p>
-          <a:p>
-            <a:r>
-              <a:rPr lang="fr-FR" dirty="0"/>
-              <a:t>  double </a:t>
-            </a:r>
-            <a:r>
-              <a:rPr lang="fr-FR" dirty="0" err="1"/>
-              <a:t>failUpAt</a:t>
-            </a:r>
-            <a:r>
-              <a:rPr lang="fr-FR" dirty="0"/>
-              <a:t>   = 8.0;</a:t>
-            </a:r>
-          </a:p>
-          <a:p>
-            <a:r>
-              <a:rPr lang="el-GR" dirty="0"/>
-              <a:t> έχουμε </a:t>
-            </a:r>
-            <a:r>
-              <a:rPr lang="en-US" dirty="0"/>
-              <a:t>:</a:t>
-            </a:r>
-          </a:p>
-          <a:p>
-            <a:endParaRPr lang="el-GR" dirty="0"/>
+            <a:endParaRPr lang="en-US" dirty="0"/>
           </a:p>
         </p:txBody>
       </p:sp>
@@ -22831,14 +22632,57 @@
         </p:blipFill>
         <p:spPr>
           <a:xfrm>
-            <a:off x="5230161" y="3097924"/>
-            <a:ext cx="5514039" cy="2680138"/>
+            <a:off x="1024126" y="3429000"/>
+            <a:ext cx="5849639" cy="2843259"/>
           </a:xfrm>
           <a:prstGeom prst="rect">
             <a:avLst/>
           </a:prstGeom>
         </p:spPr>
       </p:pic>
+      <p:sp>
+        <p:nvSpPr>
+          <p:cNvPr id="6" name="Ορθογώνιο 5">
+            <a:extLst>
+              <a:ext uri="{FF2B5EF4-FFF2-40B4-BE49-F238E27FC236}">
+                <a16:creationId xmlns:a16="http://schemas.microsoft.com/office/drawing/2014/main" id="{5368E1DB-74DB-4CCE-94F2-53719AEDB8D7}"/>
+              </a:ext>
+            </a:extLst>
+          </p:cNvPr>
+          <p:cNvSpPr/>
+          <p:nvPr/>
+        </p:nvSpPr>
+        <p:spPr>
+          <a:xfrm>
+            <a:off x="7099738" y="3849839"/>
+            <a:ext cx="4259317" cy="1200329"/>
+          </a:xfrm>
+          <a:prstGeom prst="rect">
+            <a:avLst/>
+          </a:prstGeom>
+        </p:spPr>
+        <p:txBody>
+          <a:bodyPr wrap="square">
+            <a:spAutoFit/>
+          </a:bodyPr>
+          <a:lstStyle/>
+          <a:p>
+            <a:pPr algn="just"/>
+            <a:r>
+              <a:rPr lang="el-GR" dirty="0"/>
+              <a:t>Παρατηρούμε επίσης πως το PDR </a:t>
+            </a:r>
+            <a:r>
+              <a:rPr lang="en-US" dirty="0"/>
+              <a:t>=</a:t>
+            </a:r>
+            <a:r>
+              <a:rPr lang="el-GR" dirty="0"/>
+              <a:t>50% επειδή κάποια πακέτα χάνονται ενώ άλλα έχουν ήδη αρχίσει να δρομολογούνται μέσω της νέας διαδρομής.</a:t>
+            </a:r>
+          </a:p>
+        </p:txBody>
+      </p:sp>
     </p:spTree>
     <p:extLst>
       <p:ext uri="{BB962C8B-B14F-4D97-AF65-F5344CB8AC3E}">
@@ -23264,31 +23108,23 @@
           </a:p>
           <a:p>
             <a:r>
-              <a:rPr lang="en-US" sz="4800" dirty="0"/>
+              <a:rPr lang="en-US" sz="4800" dirty="0">
+                <a:hlinkClick r:id="rId9"/>
+              </a:rPr>
               <a:t>https://ns3-code.com/how-to-begin-implement-dynamic-routing-in-ns3/</a:t>
             </a:r>
-            <a:endParaRPr lang="el-GR" sz="4800" dirty="0"/>
+            <a:endParaRPr lang="en-US" sz="4800" dirty="0"/>
           </a:p>
           <a:p>
-            <a:endParaRPr lang="el-GR" sz="4800" dirty="0">
-              <a:solidFill>
-                <a:schemeClr val="tx1">
-                  <a:lumMod val="95000"/>
-                  <a:lumOff val="5000"/>
-                </a:schemeClr>
-              </a:solidFill>
-            </a:endParaRPr>
-          </a:p>
-          <a:p>
             <a:r>
               <a:rPr lang="el-GR" sz="4800" dirty="0">
-                <a:hlinkClick r:id="rId9" tooltip="https://networksimulationtools.com/how-to-run-netanim-in-ns3/"/>
+                <a:hlinkClick r:id="rId10" tooltip="https://networksimulationtools.com/how-to-run-netanim-in-ns3/"/>
               </a:rPr>
               <a:t>[</a:t>
             </a:r>
             <a:r>
               <a:rPr lang="en-US" sz="4800" dirty="0">
-                <a:hlinkClick r:id="rId9" tooltip="https://networksimulationtools.com/how-to-run-netanim-in-ns3/"/>
+                <a:hlinkClick r:id="rId10" tooltip="https://networksimulationtools.com/how-to-run-netanim-in-ns3/"/>
               </a:rPr>
               <a:t>https://networksimulationtools.com/how-to-run-netanim-in-ns3/</a:t>
             </a:r>
@@ -23451,7 +23287,7 @@
             </a:r>
             <a:r>
               <a:rPr lang="el-GR" dirty="0"/>
-              <a:t>προσομοίωση θα χωρίζεται βασικά σε δύο μέρη </a:t>
+              <a:t>προσομοίωση χωρίζεται βασικά σε δύο μέρη </a:t>
             </a:r>
             <a:r>
               <a:rPr lang="en-US" dirty="0"/>
@@ -24335,6 +24171,38 @@
             </a:r>
           </a:p>
           <a:p>
+            <a:pPr>
+              <a:buFont typeface="Arial" panose="020B0604020202020204" pitchFamily="34" charset="0"/>
+              <a:buChar char="•"/>
+            </a:pPr>
+            <a:r>
+              <a:rPr lang="sv-SE" dirty="0"/>
+              <a:t>internet stack</a:t>
+            </a:r>
+            <a:endParaRPr lang="el-GR" dirty="0"/>
+          </a:p>
+          <a:p>
+            <a:pPr>
+              <a:buFont typeface="Arial" panose="020B0604020202020204" pitchFamily="34" charset="0"/>
+              <a:buChar char="•"/>
+            </a:pPr>
+            <a:r>
+              <a:rPr lang="sv-SE" dirty="0"/>
+              <a:t>CBR</a:t>
+            </a:r>
+            <a:endParaRPr lang="el-GR" dirty="0"/>
+          </a:p>
+          <a:p>
+            <a:pPr>
+              <a:buFont typeface="Arial" panose="020B0604020202020204" pitchFamily="34" charset="0"/>
+              <a:buChar char="•"/>
+            </a:pPr>
+            <a:r>
+              <a:rPr lang="sv-SE" dirty="0"/>
+              <a:t>packet sink</a:t>
+            </a:r>
+          </a:p>
+          <a:p>
             <a:pPr algn="just">
               <a:buFont typeface="Arial" panose="020B0604020202020204" pitchFamily="34" charset="0"/>
               <a:buChar char="•"/>
@@ -24342,41 +24210,8 @@
             <a:endParaRPr lang="el-GR" dirty="0"/>
           </a:p>
           <a:p>
-            <a:pPr>
-              <a:buFont typeface="Arial" panose="020B0604020202020204" pitchFamily="34" charset="0"/>
-              <a:buChar char="•"/>
-            </a:pPr>
-            <a:r>
-              <a:rPr lang="sv-SE" dirty="0"/>
-              <a:t>internet stack</a:t>
-            </a:r>
-            <a:endParaRPr lang="el-GR" dirty="0"/>
-          </a:p>
-          <a:p>
-            <a:pPr>
-              <a:buFont typeface="Arial" panose="020B0604020202020204" pitchFamily="34" charset="0"/>
-              <a:buChar char="•"/>
-            </a:pPr>
-            <a:r>
-              <a:rPr lang="sv-SE" dirty="0"/>
-              <a:t>CBR</a:t>
-            </a:r>
-            <a:endParaRPr lang="el-GR" dirty="0"/>
-          </a:p>
-          <a:p>
-            <a:pPr>
-              <a:buFont typeface="Arial" panose="020B0604020202020204" pitchFamily="34" charset="0"/>
-              <a:buChar char="•"/>
-            </a:pPr>
-            <a:r>
-              <a:rPr lang="sv-SE" dirty="0"/>
-              <a:t>packet sink</a:t>
-            </a:r>
-          </a:p>
-          <a:p>
-            <a:pPr>
-              <a:buFont typeface="Arial" panose="020B0604020202020204" pitchFamily="34" charset="0"/>
-              <a:buChar char="•"/>
+            <a:pPr marL="0" indent="0">
+              <a:buNone/>
             </a:pPr>
             <a:br>
               <a:rPr lang="en-US" dirty="0"/>
@@ -25025,15 +24860,7 @@
             </a:pPr>
             <a:r>
               <a:rPr lang="el-GR" dirty="0"/>
-              <a:t>Όσον αφορά το δεύτερο ερώτημα της </a:t>
-            </a:r>
-            <a:r>
-              <a:rPr lang="el-GR" dirty="0" err="1"/>
-              <a:t>εργασίας,η</a:t>
-            </a:r>
-            <a:r>
-              <a:rPr lang="el-GR" dirty="0"/>
-              <a:t> τοπολογία που δημιουργήθηκε είναι η εξής </a:t>
+              <a:t>Όσον αφορά το δεύτερο ερώτημα της εργασίας, η τοπολογία που δημιουργήθηκε είναι η εξής </a:t>
             </a:r>
             <a:r>
               <a:rPr lang="en-US" dirty="0"/>

--- a/Presentations/Ns-3_presentation_F.pptx
+++ b/Presentations/Ns-3_presentation_F.pptx
@@ -5,26 +5,25 @@
     <p:sldMasterId id="2147483648" r:id="rId4"/>
   </p:sldMasterIdLst>
   <p:notesMasterIdLst>
-    <p:notesMasterId r:id="rId19"/>
+    <p:notesMasterId r:id="rId18"/>
   </p:notesMasterIdLst>
   <p:handoutMasterIdLst>
-    <p:handoutMasterId r:id="rId20"/>
+    <p:handoutMasterId r:id="rId19"/>
   </p:handoutMasterIdLst>
   <p:sldIdLst>
     <p:sldId id="256" r:id="rId5"/>
     <p:sldId id="277" r:id="rId6"/>
-    <p:sldId id="284" r:id="rId7"/>
-    <p:sldId id="289" r:id="rId8"/>
-    <p:sldId id="279" r:id="rId9"/>
-    <p:sldId id="282" r:id="rId10"/>
-    <p:sldId id="283" r:id="rId11"/>
-    <p:sldId id="278" r:id="rId12"/>
-    <p:sldId id="287" r:id="rId13"/>
-    <p:sldId id="290" r:id="rId14"/>
-    <p:sldId id="286" r:id="rId15"/>
-    <p:sldId id="291" r:id="rId16"/>
-    <p:sldId id="288" r:id="rId17"/>
-    <p:sldId id="281" r:id="rId18"/>
+    <p:sldId id="279" r:id="rId7"/>
+    <p:sldId id="282" r:id="rId8"/>
+    <p:sldId id="284" r:id="rId9"/>
+    <p:sldId id="283" r:id="rId10"/>
+    <p:sldId id="278" r:id="rId11"/>
+    <p:sldId id="287" r:id="rId12"/>
+    <p:sldId id="290" r:id="rId13"/>
+    <p:sldId id="286" r:id="rId14"/>
+    <p:sldId id="291" r:id="rId15"/>
+    <p:sldId id="288" r:id="rId16"/>
+    <p:sldId id="281" r:id="rId17"/>
   </p:sldIdLst>
   <p:sldSz cx="12192000" cy="6858000"/>
   <p:notesSz cx="6858000" cy="9144000"/>
@@ -218,7 +217,7 @@
             <a:pPr rtl="0"/>
             <a:fld id="{F0EC7D35-77BB-4867-BAC6-5C40C37B98F1}" type="datetime1">
               <a:rPr lang="el-GR" smtClean="0"/>
-              <a:t>7/11/2025</a:t>
+              <a:t>8/11/2025</a:t>
             </a:fld>
             <a:endParaRPr lang="el-GR" dirty="0"/>
           </a:p>
@@ -388,7 +387,7 @@
             <a:pPr rtl="0"/>
             <a:fld id="{707ABAE7-72BE-4378-9C66-B300388DE536}" type="datetime1">
               <a:rPr lang="el-GR" noProof="0" smtClean="0"/>
-              <a:t>7/11/2025</a:t>
+              <a:t>8/11/2025</a:t>
             </a:fld>
             <a:endParaRPr lang="el-GR" noProof="0" dirty="0"/>
           </a:p>
@@ -9655,7 +9654,7 @@
             <a:pPr rtl="0"/>
             <a:fld id="{EABDBA74-E4DB-4313-95D3-B7F630EE7B7F}" type="datetime1">
               <a:rPr lang="el-GR" noProof="0" smtClean="0"/>
-              <a:t>7/11/2025</a:t>
+              <a:t>8/11/2025</a:t>
             </a:fld>
             <a:endParaRPr lang="el-GR" noProof="0" dirty="0"/>
           </a:p>
@@ -9864,7 +9863,7 @@
             <a:pPr rtl="0"/>
             <a:fld id="{D9C97E28-F60A-427B-851A-BCC048F06BC7}" type="datetime1">
               <a:rPr lang="el-GR" noProof="0" smtClean="0"/>
-              <a:t>7/11/2025</a:t>
+              <a:t>8/11/2025</a:t>
             </a:fld>
             <a:endParaRPr lang="el-GR" noProof="0" dirty="0"/>
           </a:p>
@@ -10046,7 +10045,7 @@
             <a:pPr rtl="0"/>
             <a:fld id="{4EA33EDB-81C3-4DAA-87EA-DA21D6A7FC6C}" type="datetime1">
               <a:rPr lang="el-GR" noProof="0" smtClean="0"/>
-              <a:t>7/11/2025</a:t>
+              <a:t>8/11/2025</a:t>
             </a:fld>
             <a:endParaRPr lang="el-GR" noProof="0" dirty="0"/>
           </a:p>
@@ -10253,7 +10252,7 @@
             <a:pPr rtl="0"/>
             <a:fld id="{0FE5ACA5-56F5-4208-8101-108DA68822C6}" type="datetime1">
               <a:rPr lang="el-GR" noProof="0" smtClean="0"/>
-              <a:t>7/11/2025</a:t>
+              <a:t>8/11/2025</a:t>
             </a:fld>
             <a:endParaRPr lang="el-GR" noProof="0" dirty="0"/>
           </a:p>
@@ -19167,7 +19166,7 @@
             <a:pPr rtl="0"/>
             <a:fld id="{98AAE694-814A-4F58-A8E2-AA9B6575E0B5}" type="datetime1">
               <a:rPr lang="el-GR" noProof="0" smtClean="0"/>
-              <a:t>7/11/2025</a:t>
+              <a:t>8/11/2025</a:t>
             </a:fld>
             <a:endParaRPr lang="el-GR" noProof="0" dirty="0"/>
           </a:p>
@@ -19443,7 +19442,7 @@
             <a:pPr rtl="0"/>
             <a:fld id="{98B30D4A-F623-45A5-BE49-543B4B609AF2}" type="datetime1">
               <a:rPr lang="el-GR" noProof="0" smtClean="0"/>
-              <a:t>7/11/2025</a:t>
+              <a:t>8/11/2025</a:t>
             </a:fld>
             <a:endParaRPr lang="el-GR" noProof="0" dirty="0"/>
           </a:p>
@@ -19843,7 +19842,7 @@
             <a:pPr rtl="0"/>
             <a:fld id="{06412F62-D18F-463A-9A7E-E4809AAD76E4}" type="datetime1">
               <a:rPr lang="el-GR" noProof="0" smtClean="0"/>
-              <a:t>7/11/2025</a:t>
+              <a:t>8/11/2025</a:t>
             </a:fld>
             <a:endParaRPr lang="el-GR" noProof="0" dirty="0"/>
           </a:p>
@@ -19963,7 +19962,7 @@
             <a:pPr rtl="0"/>
             <a:fld id="{D2009D47-CF8A-48CB-81B8-5988DBFADA28}" type="datetime1">
               <a:rPr lang="el-GR" noProof="0" smtClean="0"/>
-              <a:t>7/11/2025</a:t>
+              <a:t>8/11/2025</a:t>
             </a:fld>
             <a:endParaRPr lang="el-GR" noProof="0" dirty="0"/>
           </a:p>
@@ -20059,7 +20058,7 @@
             <a:pPr rtl="0"/>
             <a:fld id="{89B075A6-4B0E-489A-92E5-C2C81D969D11}" type="datetime1">
               <a:rPr lang="el-GR" noProof="0" smtClean="0"/>
-              <a:t>7/11/2025</a:t>
+              <a:t>8/11/2025</a:t>
             </a:fld>
             <a:endParaRPr lang="el-GR" noProof="0" dirty="0"/>
           </a:p>
@@ -20351,7 +20350,7 @@
             <a:pPr rtl="0"/>
             <a:fld id="{7C290451-C354-46E0-BBD8-0317D7A1384C}" type="datetime1">
               <a:rPr lang="el-GR" noProof="0" smtClean="0"/>
-              <a:t>7/11/2025</a:t>
+              <a:t>8/11/2025</a:t>
             </a:fld>
             <a:endParaRPr lang="el-GR" noProof="0" dirty="0"/>
           </a:p>
@@ -20634,7 +20633,7 @@
             <a:pPr rtl="0"/>
             <a:fld id="{05DAA40D-D363-46A0-9276-B6A4797DC9A5}" type="datetime1">
               <a:rPr lang="el-GR" noProof="0" smtClean="0"/>
-              <a:t>7/11/2025</a:t>
+              <a:t>8/11/2025</a:t>
             </a:fld>
             <a:endParaRPr lang="el-GR" noProof="0" dirty="0"/>
           </a:p>
@@ -20883,7 +20882,7 @@
           <a:p>
             <a:fld id="{F98FDC76-A1F5-4EE8-BDE3-5EFC56AAE7AD}" type="datetime1">
               <a:rPr lang="el-GR" noProof="0" smtClean="0"/>
-              <a:t>7/11/2025</a:t>
+              <a:t>8/11/2025</a:t>
             </a:fld>
             <a:endParaRPr lang="el-GR" noProof="0" dirty="0"/>
           </a:p>
@@ -21747,6 +21746,2657 @@
           <p:cNvPr id="2" name="Τίτλος 1">
             <a:extLst>
               <a:ext uri="{FF2B5EF4-FFF2-40B4-BE49-F238E27FC236}">
+                <a16:creationId xmlns:a16="http://schemas.microsoft.com/office/drawing/2014/main" id="{E5365960-9D8F-4319-A962-7839A7D1F5FE}"/>
+              </a:ext>
+            </a:extLst>
+          </p:cNvPr>
+          <p:cNvSpPr>
+            <a:spLocks noGrp="1"/>
+          </p:cNvSpPr>
+          <p:nvPr>
+            <p:ph type="title"/>
+          </p:nvPr>
+        </p:nvSpPr>
+        <p:spPr>
+          <a:xfrm>
+            <a:off x="1024128" y="585216"/>
+            <a:ext cx="9720072" cy="1495832"/>
+          </a:xfrm>
+        </p:spPr>
+        <p:txBody>
+          <a:bodyPr/>
+          <a:lstStyle/>
+          <a:p>
+            <a:r>
+              <a:rPr lang="el-GR" b="1" dirty="0"/>
+              <a:t>ΑΠΟΤΕΛΕΣΜΑΤΑ ΤΟΥ ΕΡΩΤΗΜΑΤΟΣ 2(1)</a:t>
+            </a:r>
+          </a:p>
+        </p:txBody>
+      </p:sp>
+      <p:sp>
+        <p:nvSpPr>
+          <p:cNvPr id="3" name="Θέση περιεχομένου 2">
+            <a:extLst>
+              <a:ext uri="{FF2B5EF4-FFF2-40B4-BE49-F238E27FC236}">
+                <a16:creationId xmlns:a16="http://schemas.microsoft.com/office/drawing/2014/main" id="{1D1334D3-3BC5-4A44-90E5-26EDD7F3FC51}"/>
+              </a:ext>
+            </a:extLst>
+          </p:cNvPr>
+          <p:cNvSpPr>
+            <a:spLocks noGrp="1"/>
+          </p:cNvSpPr>
+          <p:nvPr>
+            <p:ph sz="half" idx="1"/>
+          </p:nvPr>
+        </p:nvSpPr>
+        <p:spPr>
+          <a:xfrm>
+            <a:off x="1024126" y="2286000"/>
+            <a:ext cx="9199811" cy="740979"/>
+          </a:xfrm>
+        </p:spPr>
+        <p:txBody>
+          <a:bodyPr/>
+          <a:lstStyle/>
+          <a:p>
+            <a:pPr marL="0" indent="0">
+              <a:buNone/>
+            </a:pPr>
+            <a:r>
+              <a:rPr lang="el-GR" dirty="0"/>
+              <a:t>Με</a:t>
+            </a:r>
+            <a:r>
+              <a:rPr lang="en-US" dirty="0"/>
+              <a:t> delay=5ms </a:t>
+            </a:r>
+            <a:r>
+              <a:rPr lang="el-GR" dirty="0"/>
+              <a:t>στα </a:t>
+            </a:r>
+            <a:r>
+              <a:rPr lang="en-US" dirty="0"/>
+              <a:t> node devices 0-1 </a:t>
+            </a:r>
+            <a:r>
+              <a:rPr lang="el-GR" dirty="0"/>
+              <a:t>και </a:t>
+            </a:r>
+            <a:r>
+              <a:rPr lang="fr-FR" dirty="0"/>
+              <a:t>double </a:t>
+            </a:r>
+            <a:r>
+              <a:rPr lang="fr-FR" b="1" dirty="0" err="1"/>
+              <a:t>failDownAt</a:t>
+            </a:r>
+            <a:r>
+              <a:rPr lang="fr-FR" b="1" dirty="0"/>
+              <a:t> = 2.0</a:t>
+            </a:r>
+            <a:r>
+              <a:rPr lang="fr-FR" dirty="0"/>
+              <a:t>;</a:t>
+            </a:r>
+            <a:r>
+              <a:rPr lang="el-GR" dirty="0"/>
+              <a:t> </a:t>
+            </a:r>
+            <a:r>
+              <a:rPr lang="fr-FR" b="1" dirty="0"/>
+              <a:t>double </a:t>
+            </a:r>
+            <a:r>
+              <a:rPr lang="fr-FR" b="1" dirty="0" err="1"/>
+              <a:t>failUpAt</a:t>
+            </a:r>
+            <a:r>
+              <a:rPr lang="fr-FR" b="1" dirty="0"/>
+              <a:t>   = 3.0</a:t>
+            </a:r>
+            <a:r>
+              <a:rPr lang="fr-FR" dirty="0"/>
+              <a:t>;</a:t>
+            </a:r>
+            <a:r>
+              <a:rPr lang="el-GR" dirty="0"/>
+              <a:t> έχουμε </a:t>
+            </a:r>
+            <a:r>
+              <a:rPr lang="en-US" dirty="0"/>
+              <a:t>:</a:t>
+            </a:r>
+          </a:p>
+          <a:p>
+            <a:endParaRPr lang="el-GR" dirty="0"/>
+          </a:p>
+        </p:txBody>
+      </p:sp>
+      <p:pic>
+        <p:nvPicPr>
+          <p:cNvPr id="5" name="Εικόνα 4">
+            <a:extLst>
+              <a:ext uri="{FF2B5EF4-FFF2-40B4-BE49-F238E27FC236}">
+                <a16:creationId xmlns:a16="http://schemas.microsoft.com/office/drawing/2014/main" id="{DDA09587-AC8A-42DB-BB6F-871EFA108655}"/>
+              </a:ext>
+            </a:extLst>
+          </p:cNvPr>
+          <p:cNvPicPr>
+            <a:picLocks noChangeAspect="1"/>
+          </p:cNvPicPr>
+          <p:nvPr/>
+        </p:nvPicPr>
+        <p:blipFill>
+          <a:blip r:embed="rId2"/>
+          <a:stretch>
+            <a:fillRect/>
+          </a:stretch>
+        </p:blipFill>
+        <p:spPr>
+          <a:xfrm>
+            <a:off x="1024127" y="3329678"/>
+            <a:ext cx="6169599" cy="3184634"/>
+          </a:xfrm>
+          <a:prstGeom prst="rect">
+            <a:avLst/>
+          </a:prstGeom>
+        </p:spPr>
+      </p:pic>
+    </p:spTree>
+    <p:extLst>
+      <p:ext uri="{BB962C8B-B14F-4D97-AF65-F5344CB8AC3E}">
+        <p14:creationId xmlns:p14="http://schemas.microsoft.com/office/powerpoint/2010/main" val="3034707825"/>
+      </p:ext>
+    </p:extLst>
+  </p:cSld>
+  <p:clrMapOvr>
+    <a:masterClrMapping/>
+  </p:clrMapOvr>
+  <p:transition spd="slow">
+    <p:push dir="u"/>
+  </p:transition>
+</p:sld>
+</file>
+
+<file path=ppt/slides/slide11.xml><?xml version="1.0" encoding="utf-8"?>
+<p:sld xmlns:a="http://schemas.openxmlformats.org/drawingml/2006/main" xmlns:r="http://schemas.openxmlformats.org/officeDocument/2006/relationships" xmlns:p="http://schemas.openxmlformats.org/presentationml/2006/main">
+  <p:cSld>
+    <p:spTree>
+      <p:nvGrpSpPr>
+        <p:cNvPr id="1" name=""/>
+        <p:cNvGrpSpPr/>
+        <p:nvPr/>
+      </p:nvGrpSpPr>
+      <p:grpSpPr>
+        <a:xfrm>
+          <a:off x="0" y="0"/>
+          <a:ext cx="0" cy="0"/>
+          <a:chOff x="0" y="0"/>
+          <a:chExt cx="0" cy="0"/>
+        </a:xfrm>
+      </p:grpSpPr>
+      <p:sp>
+        <p:nvSpPr>
+          <p:cNvPr id="2" name="Τίτλος 1">
+            <a:extLst>
+              <a:ext uri="{FF2B5EF4-FFF2-40B4-BE49-F238E27FC236}">
+                <a16:creationId xmlns:a16="http://schemas.microsoft.com/office/drawing/2014/main" id="{54AC1203-DE96-4B6F-8CA4-2F60F7F5C9A0}"/>
+              </a:ext>
+            </a:extLst>
+          </p:cNvPr>
+          <p:cNvSpPr>
+            <a:spLocks noGrp="1"/>
+          </p:cNvSpPr>
+          <p:nvPr>
+            <p:ph type="title"/>
+          </p:nvPr>
+        </p:nvSpPr>
+        <p:spPr/>
+        <p:txBody>
+          <a:bodyPr/>
+          <a:lstStyle/>
+          <a:p>
+            <a:r>
+              <a:rPr lang="el-GR" b="1" dirty="0"/>
+              <a:t>ΑΠΟΤΕΛΕΣΜΑΤΑ ΤΟΥ ΕΡΩΤΗΜΑΤΟΣ 2(2)</a:t>
+            </a:r>
+            <a:endParaRPr lang="el-GR" dirty="0"/>
+          </a:p>
+        </p:txBody>
+      </p:sp>
+      <p:sp>
+        <p:nvSpPr>
+          <p:cNvPr id="3" name="Θέση περιεχομένου 2">
+            <a:extLst>
+              <a:ext uri="{FF2B5EF4-FFF2-40B4-BE49-F238E27FC236}">
+                <a16:creationId xmlns:a16="http://schemas.microsoft.com/office/drawing/2014/main" id="{5ACBCB00-2F20-4477-BDCC-021A102AB6C3}"/>
+              </a:ext>
+            </a:extLst>
+          </p:cNvPr>
+          <p:cNvSpPr>
+            <a:spLocks noGrp="1"/>
+          </p:cNvSpPr>
+          <p:nvPr>
+            <p:ph sz="half" idx="1"/>
+          </p:nvPr>
+        </p:nvSpPr>
+        <p:spPr>
+          <a:xfrm>
+            <a:off x="1024126" y="2286000"/>
+            <a:ext cx="9050039" cy="961697"/>
+          </a:xfrm>
+        </p:spPr>
+        <p:txBody>
+          <a:bodyPr>
+            <a:normAutofit/>
+          </a:bodyPr>
+          <a:lstStyle/>
+          <a:p>
+            <a:r>
+              <a:rPr lang="el-GR" dirty="0"/>
+              <a:t>Με </a:t>
+            </a:r>
+            <a:r>
+              <a:rPr lang="en-US" dirty="0"/>
+              <a:t>delay=</a:t>
+            </a:r>
+            <a:r>
+              <a:rPr lang="el-GR" dirty="0"/>
+              <a:t>2</a:t>
+            </a:r>
+            <a:r>
+              <a:rPr lang="en-US" dirty="0" err="1"/>
+              <a:t>ms</a:t>
+            </a:r>
+            <a:r>
+              <a:rPr lang="en-US" dirty="0"/>
+              <a:t> </a:t>
+            </a:r>
+            <a:r>
+              <a:rPr lang="el-GR" dirty="0"/>
+              <a:t>στα  </a:t>
+            </a:r>
+            <a:r>
+              <a:rPr lang="en-US" dirty="0"/>
+              <a:t>node devices 0-1 </a:t>
+            </a:r>
+            <a:r>
+              <a:rPr lang="el-GR" dirty="0"/>
+              <a:t>και </a:t>
+            </a:r>
+            <a:r>
+              <a:rPr lang="en-US" b="1" dirty="0"/>
+              <a:t>double </a:t>
+            </a:r>
+            <a:r>
+              <a:rPr lang="en-US" b="1" dirty="0" err="1"/>
+              <a:t>failDownAt</a:t>
+            </a:r>
+            <a:r>
+              <a:rPr lang="en-US" b="1" dirty="0"/>
+              <a:t> = </a:t>
+            </a:r>
+            <a:r>
+              <a:rPr lang="el-GR" b="1" dirty="0"/>
+              <a:t>8</a:t>
+            </a:r>
+            <a:r>
+              <a:rPr lang="en-US" b="1" dirty="0"/>
+              <a:t>.0; </a:t>
+            </a:r>
+            <a:r>
+              <a:rPr lang="en-US" dirty="0"/>
+              <a:t>double </a:t>
+            </a:r>
+            <a:r>
+              <a:rPr lang="en-US" b="1" dirty="0" err="1"/>
+              <a:t>failUpAt</a:t>
+            </a:r>
+            <a:r>
+              <a:rPr lang="en-US" b="1" dirty="0"/>
+              <a:t>   = </a:t>
+            </a:r>
+            <a:r>
+              <a:rPr lang="el-GR" b="1" dirty="0"/>
+              <a:t>6</a:t>
+            </a:r>
+            <a:r>
+              <a:rPr lang="en-US" b="1" dirty="0"/>
+              <a:t>.0; </a:t>
+            </a:r>
+            <a:r>
+              <a:rPr lang="el-GR" dirty="0"/>
+              <a:t>έχουμε :</a:t>
+            </a:r>
+          </a:p>
+          <a:p>
+            <a:endParaRPr lang="en-US" dirty="0"/>
+          </a:p>
+        </p:txBody>
+      </p:sp>
+      <p:pic>
+        <p:nvPicPr>
+          <p:cNvPr id="5" name="Θέση περιεχομένου 4">
+            <a:extLst>
+              <a:ext uri="{FF2B5EF4-FFF2-40B4-BE49-F238E27FC236}">
+                <a16:creationId xmlns:a16="http://schemas.microsoft.com/office/drawing/2014/main" id="{ACDCA8BA-760A-4DEE-AA1B-0DC480EDDCAC}"/>
+              </a:ext>
+            </a:extLst>
+          </p:cNvPr>
+          <p:cNvPicPr>
+            <a:picLocks noGrp="1" noChangeAspect="1"/>
+          </p:cNvPicPr>
+          <p:nvPr>
+            <p:ph sz="half" idx="2"/>
+          </p:nvPr>
+        </p:nvPicPr>
+        <p:blipFill>
+          <a:blip r:embed="rId2"/>
+          <a:stretch>
+            <a:fillRect/>
+          </a:stretch>
+        </p:blipFill>
+        <p:spPr>
+          <a:xfrm>
+            <a:off x="1024126" y="3429000"/>
+            <a:ext cx="5849639" cy="2843259"/>
+          </a:xfrm>
+          <a:prstGeom prst="rect">
+            <a:avLst/>
+          </a:prstGeom>
+        </p:spPr>
+      </p:pic>
+      <p:sp>
+        <p:nvSpPr>
+          <p:cNvPr id="6" name="Ορθογώνιο 5">
+            <a:extLst>
+              <a:ext uri="{FF2B5EF4-FFF2-40B4-BE49-F238E27FC236}">
+                <a16:creationId xmlns:a16="http://schemas.microsoft.com/office/drawing/2014/main" id="{5368E1DB-74DB-4CCE-94F2-53719AEDB8D7}"/>
+              </a:ext>
+            </a:extLst>
+          </p:cNvPr>
+          <p:cNvSpPr/>
+          <p:nvPr/>
+        </p:nvSpPr>
+        <p:spPr>
+          <a:xfrm>
+            <a:off x="7099738" y="3849839"/>
+            <a:ext cx="4259317" cy="1200329"/>
+          </a:xfrm>
+          <a:prstGeom prst="rect">
+            <a:avLst/>
+          </a:prstGeom>
+        </p:spPr>
+        <p:txBody>
+          <a:bodyPr wrap="square">
+            <a:spAutoFit/>
+          </a:bodyPr>
+          <a:lstStyle/>
+          <a:p>
+            <a:pPr algn="just"/>
+            <a:r>
+              <a:rPr lang="el-GR" dirty="0"/>
+              <a:t>Παρατηρούμε επίσης πως το PDR </a:t>
+            </a:r>
+            <a:r>
+              <a:rPr lang="en-US" dirty="0"/>
+              <a:t>=</a:t>
+            </a:r>
+            <a:r>
+              <a:rPr lang="el-GR" dirty="0"/>
+              <a:t>50% επειδή κάποια πακέτα χάνονται ενώ άλλα έχουν ήδη αρχίσει να δρομολογούνται μέσω της νέας διαδρομής.</a:t>
+            </a:r>
+          </a:p>
+        </p:txBody>
+      </p:sp>
+    </p:spTree>
+    <p:extLst>
+      <p:ext uri="{BB962C8B-B14F-4D97-AF65-F5344CB8AC3E}">
+        <p14:creationId xmlns:p14="http://schemas.microsoft.com/office/powerpoint/2010/main" val="3980910133"/>
+      </p:ext>
+    </p:extLst>
+  </p:cSld>
+  <p:clrMapOvr>
+    <a:masterClrMapping/>
+  </p:clrMapOvr>
+  <p:transition spd="slow">
+    <p:push dir="u"/>
+  </p:transition>
+</p:sld>
+</file>
+
+<file path=ppt/slides/slide12.xml><?xml version="1.0" encoding="utf-8"?>
+<p:sld xmlns:a="http://schemas.openxmlformats.org/drawingml/2006/main" xmlns:r="http://schemas.openxmlformats.org/officeDocument/2006/relationships" xmlns:p="http://schemas.openxmlformats.org/presentationml/2006/main">
+  <p:cSld>
+    <p:spTree>
+      <p:nvGrpSpPr>
+        <p:cNvPr id="1" name=""/>
+        <p:cNvGrpSpPr/>
+        <p:nvPr/>
+      </p:nvGrpSpPr>
+      <p:grpSpPr>
+        <a:xfrm>
+          <a:off x="0" y="0"/>
+          <a:ext cx="0" cy="0"/>
+          <a:chOff x="0" y="0"/>
+          <a:chExt cx="0" cy="0"/>
+        </a:xfrm>
+      </p:grpSpPr>
+      <p:sp>
+        <p:nvSpPr>
+          <p:cNvPr id="2" name="Τίτλος 1">
+            <a:extLst>
+              <a:ext uri="{FF2B5EF4-FFF2-40B4-BE49-F238E27FC236}">
+                <a16:creationId xmlns:a16="http://schemas.microsoft.com/office/drawing/2014/main" id="{8C00DAD0-3F5C-4917-A7D5-A3D10C3144EA}"/>
+              </a:ext>
+            </a:extLst>
+          </p:cNvPr>
+          <p:cNvSpPr>
+            <a:spLocks noGrp="1"/>
+          </p:cNvSpPr>
+          <p:nvPr>
+            <p:ph type="title"/>
+          </p:nvPr>
+        </p:nvSpPr>
+        <p:spPr/>
+        <p:txBody>
+          <a:bodyPr/>
+          <a:lstStyle/>
+          <a:p>
+            <a:r>
+              <a:rPr lang="en-US" dirty="0" err="1"/>
+              <a:t>Github</a:t>
+            </a:r>
+            <a:r>
+              <a:rPr lang="el-GR" dirty="0"/>
+              <a:t> </a:t>
+            </a:r>
+            <a:r>
+              <a:rPr lang="en-US" dirty="0"/>
+              <a:t>link</a:t>
+            </a:r>
+            <a:endParaRPr lang="el-GR" dirty="0"/>
+          </a:p>
+        </p:txBody>
+      </p:sp>
+      <p:sp>
+        <p:nvSpPr>
+          <p:cNvPr id="3" name="Θέση περιεχομένου 2">
+            <a:extLst>
+              <a:ext uri="{FF2B5EF4-FFF2-40B4-BE49-F238E27FC236}">
+                <a16:creationId xmlns:a16="http://schemas.microsoft.com/office/drawing/2014/main" id="{A6FF4638-58AE-4F9F-BEB5-E0E22CA065D6}"/>
+              </a:ext>
+            </a:extLst>
+          </p:cNvPr>
+          <p:cNvSpPr>
+            <a:spLocks noGrp="1"/>
+          </p:cNvSpPr>
+          <p:nvPr>
+            <p:ph sz="half" idx="1"/>
+          </p:nvPr>
+        </p:nvSpPr>
+        <p:spPr>
+          <a:xfrm>
+            <a:off x="1024126" y="2286000"/>
+            <a:ext cx="9861963" cy="4023360"/>
+          </a:xfrm>
+        </p:spPr>
+        <p:txBody>
+          <a:bodyPr/>
+          <a:lstStyle/>
+          <a:p>
+            <a:r>
+              <a:rPr lang="el-GR" dirty="0"/>
+              <a:t>Τα αρχεία του κώδικα καθώς και η</a:t>
+            </a:r>
+            <a:r>
+              <a:rPr lang="en-US" dirty="0"/>
+              <a:t> </a:t>
+            </a:r>
+            <a:r>
+              <a:rPr lang="el-GR" dirty="0"/>
+              <a:t>παρουσίαση βρίσκονται στο εξής </a:t>
+            </a:r>
+            <a:r>
+              <a:rPr lang="en-US" dirty="0"/>
+              <a:t>link:</a:t>
+            </a:r>
+            <a:endParaRPr lang="el-GR" dirty="0"/>
+          </a:p>
+        </p:txBody>
+      </p:sp>
+    </p:spTree>
+    <p:extLst>
+      <p:ext uri="{BB962C8B-B14F-4D97-AF65-F5344CB8AC3E}">
+        <p14:creationId xmlns:p14="http://schemas.microsoft.com/office/powerpoint/2010/main" val="1058767610"/>
+      </p:ext>
+    </p:extLst>
+  </p:cSld>
+  <p:clrMapOvr>
+    <a:masterClrMapping/>
+  </p:clrMapOvr>
+  <p:transition spd="slow">
+    <p:push dir="u"/>
+  </p:transition>
+</p:sld>
+</file>
+
+<file path=ppt/slides/slide13.xml><?xml version="1.0" encoding="utf-8"?>
+<p:sld xmlns:a="http://schemas.openxmlformats.org/drawingml/2006/main" xmlns:r="http://schemas.openxmlformats.org/officeDocument/2006/relationships" xmlns:p="http://schemas.openxmlformats.org/presentationml/2006/main">
+  <p:cSld>
+    <p:spTree>
+      <p:nvGrpSpPr>
+        <p:cNvPr id="1" name=""/>
+        <p:cNvGrpSpPr/>
+        <p:nvPr/>
+      </p:nvGrpSpPr>
+      <p:grpSpPr>
+        <a:xfrm>
+          <a:off x="0" y="0"/>
+          <a:ext cx="0" cy="0"/>
+          <a:chOff x="0" y="0"/>
+          <a:chExt cx="0" cy="0"/>
+        </a:xfrm>
+      </p:grpSpPr>
+      <p:sp>
+        <p:nvSpPr>
+          <p:cNvPr id="2" name="Τίτλος 1">
+            <a:extLst>
+              <a:ext uri="{FF2B5EF4-FFF2-40B4-BE49-F238E27FC236}">
+                <a16:creationId xmlns:a16="http://schemas.microsoft.com/office/drawing/2014/main" id="{D3B5979B-DAA2-4179-A467-7A963AB07EB6}"/>
+              </a:ext>
+            </a:extLst>
+          </p:cNvPr>
+          <p:cNvSpPr>
+            <a:spLocks noGrp="1"/>
+          </p:cNvSpPr>
+          <p:nvPr>
+            <p:ph type="title"/>
+          </p:nvPr>
+        </p:nvSpPr>
+        <p:spPr/>
+        <p:txBody>
+          <a:bodyPr/>
+          <a:lstStyle/>
+          <a:p>
+            <a:r>
+              <a:rPr lang="el-GR" b="1" dirty="0"/>
+              <a:t>Πηγες</a:t>
+            </a:r>
+            <a:r>
+              <a:rPr lang="en-US" b="1" dirty="0"/>
+              <a:t> kai </a:t>
+            </a:r>
+            <a:r>
+              <a:rPr lang="el-GR" b="1" dirty="0"/>
+              <a:t>Βιβλιογραφια</a:t>
+            </a:r>
+          </a:p>
+        </p:txBody>
+      </p:sp>
+      <p:sp>
+        <p:nvSpPr>
+          <p:cNvPr id="3" name="Θέση περιεχομένου 2">
+            <a:extLst>
+              <a:ext uri="{FF2B5EF4-FFF2-40B4-BE49-F238E27FC236}">
+                <a16:creationId xmlns:a16="http://schemas.microsoft.com/office/drawing/2014/main" id="{2C15E7EE-1AAC-44FA-9CBE-14186AB94BEE}"/>
+              </a:ext>
+            </a:extLst>
+          </p:cNvPr>
+          <p:cNvSpPr>
+            <a:spLocks noGrp="1"/>
+          </p:cNvSpPr>
+          <p:nvPr>
+            <p:ph idx="1"/>
+          </p:nvPr>
+        </p:nvSpPr>
+        <p:spPr>
+          <a:xfrm>
+            <a:off x="1024128" y="2435291"/>
+            <a:ext cx="9720073" cy="3547055"/>
+          </a:xfrm>
+        </p:spPr>
+        <p:txBody>
+          <a:bodyPr>
+            <a:normAutofit fontScale="25000" lnSpcReduction="20000"/>
+          </a:bodyPr>
+          <a:lstStyle/>
+          <a:p>
+            <a:r>
+              <a:rPr lang="el-GR" sz="4800" b="1" dirty="0"/>
+              <a:t>Για το </a:t>
+            </a:r>
+            <a:r>
+              <a:rPr lang="en-US" sz="4800" b="1" dirty="0"/>
+              <a:t>setup </a:t>
+            </a:r>
+            <a:r>
+              <a:rPr lang="el-GR" sz="4800" b="1" dirty="0"/>
+              <a:t>της εργασίας και το ερώτημα 1</a:t>
+            </a:r>
+            <a:r>
+              <a:rPr lang="en-US" sz="4800" b="1" dirty="0"/>
+              <a:t>:</a:t>
+            </a:r>
+            <a:br>
+              <a:rPr lang="en-US" sz="4800" dirty="0"/>
+            </a:br>
+            <a:br>
+              <a:rPr lang="en-US" sz="4800" dirty="0"/>
+            </a:br>
+            <a:r>
+              <a:rPr lang="en-US" sz="4800" dirty="0">
+                <a:solidFill>
+                  <a:schemeClr val="accent1">
+                    <a:lumMod val="75000"/>
+                  </a:schemeClr>
+                </a:solidFill>
+                <a:hlinkClick r:id="rId2">
+                  <a:extLst>
+                    <a:ext uri="{A12FA001-AC4F-418D-AE19-62706E023703}">
+                      <ahyp:hlinkClr xmlns:ahyp="http://schemas.microsoft.com/office/drawing/2018/hyperlinkcolor" val="tx"/>
+                    </a:ext>
+                  </a:extLst>
+                </a:hlinkClick>
+              </a:rPr>
+              <a:t>https://www.nsnam.org/documentation/</a:t>
+            </a:r>
+            <a:endParaRPr lang="el-GR" sz="4800" dirty="0">
+              <a:solidFill>
+                <a:schemeClr val="accent1">
+                  <a:lumMod val="75000"/>
+                </a:schemeClr>
+              </a:solidFill>
+            </a:endParaRPr>
+          </a:p>
+          <a:p>
+            <a:r>
+              <a:rPr lang="en-US" sz="4800" dirty="0">
+                <a:solidFill>
+                  <a:schemeClr val="accent1">
+                    <a:lumMod val="75000"/>
+                  </a:schemeClr>
+                </a:solidFill>
+                <a:hlinkClick r:id="rId3">
+                  <a:extLst>
+                    <a:ext uri="{A12FA001-AC4F-418D-AE19-62706E023703}">
+                      <ahyp:hlinkClr xmlns:ahyp="http://schemas.microsoft.com/office/drawing/2018/hyperlinkcolor" val="tx"/>
+                    </a:ext>
+                  </a:extLst>
+                </a:hlinkClick>
+              </a:rPr>
+              <a:t>https://www.nsnam.org/docs/contributing/html/coding-style.html#header-file-includes</a:t>
+            </a:r>
+            <a:endParaRPr lang="el-GR" sz="4800" dirty="0">
+              <a:solidFill>
+                <a:schemeClr val="accent1">
+                  <a:lumMod val="75000"/>
+                </a:schemeClr>
+              </a:solidFill>
+            </a:endParaRPr>
+          </a:p>
+          <a:p>
+            <a:r>
+              <a:rPr lang="en-US" sz="4800" dirty="0">
+                <a:solidFill>
+                  <a:schemeClr val="accent1">
+                    <a:lumMod val="75000"/>
+                  </a:schemeClr>
+                </a:solidFill>
+                <a:hlinkClick r:id="rId4">
+                  <a:extLst>
+                    <a:ext uri="{A12FA001-AC4F-418D-AE19-62706E023703}">
+                      <ahyp:hlinkClr xmlns:ahyp="http://schemas.microsoft.com/office/drawing/2018/hyperlinkcolor" val="tx"/>
+                    </a:ext>
+                  </a:extLst>
+                </a:hlinkClick>
+              </a:rPr>
+              <a:t>https://www.nsnam.org/docs/tutorial/html/</a:t>
+            </a:r>
+            <a:endParaRPr lang="en-US" sz="4800" dirty="0">
+              <a:solidFill>
+                <a:schemeClr val="accent1">
+                  <a:lumMod val="75000"/>
+                </a:schemeClr>
+              </a:solidFill>
+            </a:endParaRPr>
+          </a:p>
+          <a:p>
+            <a:r>
+              <a:rPr lang="en-US" sz="4800" dirty="0">
+                <a:solidFill>
+                  <a:schemeClr val="accent1">
+                    <a:lumMod val="75000"/>
+                  </a:schemeClr>
+                </a:solidFill>
+                <a:hlinkClick r:id="rId5">
+                  <a:extLst>
+                    <a:ext uri="{A12FA001-AC4F-418D-AE19-62706E023703}">
+                      <ahyp:hlinkClr xmlns:ahyp="http://schemas.microsoft.com/office/drawing/2018/hyperlinkcolor" val="tx"/>
+                    </a:ext>
+                  </a:extLst>
+                </a:hlinkClick>
+              </a:rPr>
+              <a:t>https://www.youtube.com/watch?v=Jv_swgcykjQ</a:t>
+            </a:r>
+            <a:endParaRPr lang="en-US" sz="4800" dirty="0">
+              <a:solidFill>
+                <a:schemeClr val="accent1">
+                  <a:lumMod val="75000"/>
+                </a:schemeClr>
+              </a:solidFill>
+            </a:endParaRPr>
+          </a:p>
+          <a:p>
+            <a:r>
+              <a:rPr lang="en-US" sz="4800" dirty="0">
+                <a:solidFill>
+                  <a:schemeClr val="accent1">
+                    <a:lumMod val="75000"/>
+                  </a:schemeClr>
+                </a:solidFill>
+                <a:hlinkClick r:id="rId6">
+                  <a:extLst>
+                    <a:ext uri="{A12FA001-AC4F-418D-AE19-62706E023703}">
+                      <ahyp:hlinkClr xmlns:ahyp="http://schemas.microsoft.com/office/drawing/2018/hyperlinkcolor" val="tx"/>
+                    </a:ext>
+                  </a:extLst>
+                </a:hlinkClick>
+              </a:rPr>
+              <a:t>https://www.youtube.com/watch?v=2W5mdzQrwXI</a:t>
+            </a:r>
+            <a:endParaRPr lang="en-US" sz="4800" dirty="0">
+              <a:solidFill>
+                <a:schemeClr val="accent1">
+                  <a:lumMod val="75000"/>
+                </a:schemeClr>
+              </a:solidFill>
+            </a:endParaRPr>
+          </a:p>
+          <a:p>
+            <a:r>
+              <a:rPr lang="en-US" sz="4800" dirty="0">
+                <a:solidFill>
+                  <a:schemeClr val="accent1">
+                    <a:lumMod val="75000"/>
+                  </a:schemeClr>
+                </a:solidFill>
+                <a:hlinkClick r:id="rId7">
+                  <a:extLst>
+                    <a:ext uri="{A12FA001-AC4F-418D-AE19-62706E023703}">
+                      <ahyp:hlinkClr xmlns:ahyp="http://schemas.microsoft.com/office/drawing/2018/hyperlinkcolor" val="tx"/>
+                    </a:ext>
+                  </a:extLst>
+                </a:hlinkClick>
+              </a:rPr>
+              <a:t>https://www.nsnam.org/docs/tutorial/html/building-topologies.html</a:t>
+            </a:r>
+            <a:endParaRPr lang="el-GR" sz="4800" dirty="0">
+              <a:solidFill>
+                <a:schemeClr val="accent1">
+                  <a:lumMod val="75000"/>
+                </a:schemeClr>
+              </a:solidFill>
+            </a:endParaRPr>
+          </a:p>
+          <a:p>
+            <a:r>
+              <a:rPr lang="el-GR" sz="4800" b="1" dirty="0">
+                <a:solidFill>
+                  <a:schemeClr val="tx1">
+                    <a:lumMod val="95000"/>
+                    <a:lumOff val="5000"/>
+                  </a:schemeClr>
+                </a:solidFill>
+              </a:rPr>
+              <a:t>Για το ερώτημα 2</a:t>
+            </a:r>
+            <a:r>
+              <a:rPr lang="en-US" sz="4800" b="1" dirty="0">
+                <a:solidFill>
+                  <a:schemeClr val="tx1">
+                    <a:lumMod val="95000"/>
+                    <a:lumOff val="5000"/>
+                  </a:schemeClr>
+                </a:solidFill>
+              </a:rPr>
+              <a:t>:</a:t>
+            </a:r>
+            <a:endParaRPr lang="el-GR" sz="4800" b="1" dirty="0">
+              <a:solidFill>
+                <a:schemeClr val="tx1">
+                  <a:lumMod val="95000"/>
+                  <a:lumOff val="5000"/>
+                </a:schemeClr>
+              </a:solidFill>
+            </a:endParaRPr>
+          </a:p>
+          <a:p>
+            <a:r>
+              <a:rPr lang="en-US" sz="4800" dirty="0">
+                <a:hlinkClick r:id="rId8" tooltip="https://ns3-code.com/how-to-begin-implement-network-failover-in-ns3/"/>
+              </a:rPr>
+              <a:t>https://ns3-code.com/how-to-begin-implement-network-failover-in-ns3/</a:t>
+            </a:r>
+            <a:endParaRPr lang="en-US" sz="4800" dirty="0"/>
+          </a:p>
+          <a:p>
+            <a:r>
+              <a:rPr lang="en-US" sz="4800" dirty="0">
+                <a:hlinkClick r:id="rId9"/>
+              </a:rPr>
+              <a:t>https://ns3-code.com/how-to-begin-implement-dynamic-routing-in-ns3/</a:t>
+            </a:r>
+            <a:endParaRPr lang="en-US" sz="4800" dirty="0"/>
+          </a:p>
+          <a:p>
+            <a:r>
+              <a:rPr lang="el-GR" sz="4800" dirty="0">
+                <a:hlinkClick r:id="rId10" tooltip="https://networksimulationtools.com/how-to-run-netanim-in-ns3/"/>
+              </a:rPr>
+              <a:t>[</a:t>
+            </a:r>
+            <a:r>
+              <a:rPr lang="en-US" sz="4800" dirty="0">
+                <a:hlinkClick r:id="rId10" tooltip="https://networksimulationtools.com/how-to-run-netanim-in-ns3/"/>
+              </a:rPr>
+              <a:t>https://networksimulationtools.com/how-to-run-netanim-in-ns3/</a:t>
+            </a:r>
+            <a:r>
+              <a:rPr lang="el-GR" sz="4800" dirty="0"/>
+              <a:t>]</a:t>
+            </a:r>
+            <a:endParaRPr lang="en-US" sz="4800" dirty="0">
+              <a:solidFill>
+                <a:schemeClr val="tx1">
+                  <a:lumMod val="95000"/>
+                  <a:lumOff val="5000"/>
+                </a:schemeClr>
+              </a:solidFill>
+            </a:endParaRPr>
+          </a:p>
+          <a:p>
+            <a:endParaRPr lang="el-GR" sz="2600" dirty="0">
+              <a:solidFill>
+                <a:schemeClr val="accent1">
+                  <a:lumMod val="75000"/>
+                </a:schemeClr>
+              </a:solidFill>
+            </a:endParaRPr>
+          </a:p>
+          <a:p>
+            <a:endParaRPr lang="en-US" sz="2600" dirty="0">
+              <a:solidFill>
+                <a:schemeClr val="accent1">
+                  <a:lumMod val="75000"/>
+                </a:schemeClr>
+              </a:solidFill>
+            </a:endParaRPr>
+          </a:p>
+          <a:p>
+            <a:br>
+              <a:rPr lang="en-US" dirty="0"/>
+            </a:br>
+            <a:endParaRPr lang="el-GR" dirty="0"/>
+          </a:p>
+        </p:txBody>
+      </p:sp>
+    </p:spTree>
+    <p:extLst>
+      <p:ext uri="{BB962C8B-B14F-4D97-AF65-F5344CB8AC3E}">
+        <p14:creationId xmlns:p14="http://schemas.microsoft.com/office/powerpoint/2010/main" val="1234120531"/>
+      </p:ext>
+    </p:extLst>
+  </p:cSld>
+  <p:clrMapOvr>
+    <a:masterClrMapping/>
+  </p:clrMapOvr>
+  <p:transition spd="slow">
+    <p:push dir="u"/>
+  </p:transition>
+</p:sld>
+</file>
+
+<file path=ppt/slides/slide2.xml><?xml version="1.0" encoding="utf-8"?>
+<p:sld xmlns:a="http://schemas.openxmlformats.org/drawingml/2006/main" xmlns:r="http://schemas.openxmlformats.org/officeDocument/2006/relationships" xmlns:p="http://schemas.openxmlformats.org/presentationml/2006/main">
+  <p:cSld>
+    <p:bg>
+      <p:bgPr>
+        <a:solidFill>
+          <a:schemeClr val="bg1"/>
+        </a:solidFill>
+        <a:effectLst/>
+      </p:bgPr>
+    </p:bg>
+    <p:spTree>
+      <p:nvGrpSpPr>
+        <p:cNvPr id="1" name=""/>
+        <p:cNvGrpSpPr/>
+        <p:nvPr/>
+      </p:nvGrpSpPr>
+      <p:grpSpPr>
+        <a:xfrm>
+          <a:off x="0" y="0"/>
+          <a:ext cx="0" cy="0"/>
+          <a:chOff x="0" y="0"/>
+          <a:chExt cx="0" cy="0"/>
+        </a:xfrm>
+      </p:grpSpPr>
+      <p:sp>
+        <p:nvSpPr>
+          <p:cNvPr id="2" name="Τίτλος 1">
+            <a:extLst>
+              <a:ext uri="{FF2B5EF4-FFF2-40B4-BE49-F238E27FC236}">
+                <a16:creationId xmlns:a16="http://schemas.microsoft.com/office/drawing/2014/main" id="{7A4919D0-F177-4BBA-9A0B-DBA69E2ED764}"/>
+              </a:ext>
+            </a:extLst>
+          </p:cNvPr>
+          <p:cNvSpPr>
+            <a:spLocks noGrp="1"/>
+          </p:cNvSpPr>
+          <p:nvPr>
+            <p:ph type="title"/>
+          </p:nvPr>
+        </p:nvSpPr>
+        <p:spPr>
+          <a:xfrm>
+            <a:off x="1024128" y="510568"/>
+            <a:ext cx="9720072" cy="1499616"/>
+          </a:xfrm>
+        </p:spPr>
+        <p:txBody>
+          <a:bodyPr rtlCol="0">
+            <a:normAutofit/>
+          </a:bodyPr>
+          <a:lstStyle/>
+          <a:p>
+            <a:r>
+              <a:rPr lang="el-GR" sz="4800" b="1" dirty="0"/>
+              <a:t>Το </a:t>
+            </a:r>
+            <a:r>
+              <a:rPr lang="el-GR" sz="4800" b="1" dirty="0" err="1"/>
+              <a:t>Κυριο</a:t>
+            </a:r>
+            <a:r>
+              <a:rPr lang="el-GR" sz="4800" b="1" dirty="0"/>
+              <a:t> θεμα της εργασιασ (1)</a:t>
+            </a:r>
+          </a:p>
+        </p:txBody>
+      </p:sp>
+      <p:sp>
+        <p:nvSpPr>
+          <p:cNvPr id="3" name="Θέση περιεχομένου 2">
+            <a:extLst>
+              <a:ext uri="{FF2B5EF4-FFF2-40B4-BE49-F238E27FC236}">
+                <a16:creationId xmlns:a16="http://schemas.microsoft.com/office/drawing/2014/main" id="{77415F4C-54AA-443E-9712-CE3889761712}"/>
+              </a:ext>
+            </a:extLst>
+          </p:cNvPr>
+          <p:cNvSpPr>
+            <a:spLocks noGrp="1"/>
+          </p:cNvSpPr>
+          <p:nvPr>
+            <p:ph idx="1"/>
+          </p:nvPr>
+        </p:nvSpPr>
+        <p:spPr>
+          <a:xfrm>
+            <a:off x="793102" y="2286000"/>
+            <a:ext cx="10758196" cy="4023360"/>
+          </a:xfrm>
+        </p:spPr>
+        <p:txBody>
+          <a:bodyPr>
+            <a:normAutofit/>
+          </a:bodyPr>
+          <a:lstStyle/>
+          <a:p>
+            <a:pPr marL="173736" lvl="1" indent="0" algn="just">
+              <a:buNone/>
+            </a:pPr>
+            <a:r>
+              <a:rPr lang="el-GR" dirty="0">
+                <a:solidFill>
+                  <a:schemeClr val="accent1">
+                    <a:lumMod val="75000"/>
+                  </a:schemeClr>
+                </a:solidFill>
+                <a:sym typeface="Wingdings" panose="05000000000000000000" pitchFamily="2" charset="2"/>
+              </a:rPr>
+              <a:t></a:t>
+            </a:r>
+            <a:r>
+              <a:rPr lang="el-GR" dirty="0">
+                <a:solidFill>
+                  <a:schemeClr val="accent1">
+                    <a:lumMod val="75000"/>
+                  </a:schemeClr>
+                </a:solidFill>
+              </a:rPr>
+              <a:t>Προσομοίωση δικτύου με την χρήση του </a:t>
+            </a:r>
+            <a:r>
+              <a:rPr lang="en-US" dirty="0">
+                <a:solidFill>
+                  <a:schemeClr val="accent1">
+                    <a:lumMod val="75000"/>
+                  </a:schemeClr>
+                </a:solidFill>
+              </a:rPr>
+              <a:t>simulator NS-3.</a:t>
+            </a:r>
+            <a:endParaRPr lang="el-GR" dirty="0">
+              <a:solidFill>
+                <a:schemeClr val="accent1">
+                  <a:lumMod val="75000"/>
+                </a:schemeClr>
+              </a:solidFill>
+            </a:endParaRPr>
+          </a:p>
+          <a:p>
+            <a:pPr marL="173736" lvl="1" indent="0" algn="just">
+              <a:buNone/>
+            </a:pPr>
+            <a:endParaRPr lang="el-GR" dirty="0">
+              <a:solidFill>
+                <a:schemeClr val="accent1">
+                  <a:lumMod val="75000"/>
+                </a:schemeClr>
+              </a:solidFill>
+            </a:endParaRPr>
+          </a:p>
+          <a:p>
+            <a:pPr marL="173736" lvl="1" indent="0" algn="just">
+              <a:buNone/>
+            </a:pPr>
+            <a:r>
+              <a:rPr lang="el-GR" dirty="0">
+                <a:solidFill>
+                  <a:schemeClr val="accent1">
+                    <a:lumMod val="75000"/>
+                  </a:schemeClr>
+                </a:solidFill>
+              </a:rPr>
+              <a:t>Κύριοι στόχοι της εργασίας</a:t>
+            </a:r>
+            <a:r>
+              <a:rPr lang="en-US" dirty="0">
+                <a:solidFill>
+                  <a:schemeClr val="accent1">
+                    <a:lumMod val="75000"/>
+                  </a:schemeClr>
+                </a:solidFill>
+              </a:rPr>
+              <a:t>:</a:t>
+            </a:r>
+            <a:endParaRPr lang="el-GR" dirty="0">
+              <a:solidFill>
+                <a:schemeClr val="accent1">
+                  <a:lumMod val="75000"/>
+                </a:schemeClr>
+              </a:solidFill>
+            </a:endParaRPr>
+          </a:p>
+          <a:p>
+            <a:pPr marL="173736" lvl="1" indent="0" algn="just">
+              <a:buNone/>
+            </a:pPr>
+            <a:r>
+              <a:rPr lang="en-US" dirty="0">
+                <a:solidFill>
+                  <a:schemeClr val="accent1">
+                    <a:lumMod val="75000"/>
+                  </a:schemeClr>
+                </a:solidFill>
+              </a:rPr>
+              <a:t>1)</a:t>
+            </a:r>
+            <a:r>
+              <a:rPr lang="en-US" dirty="0"/>
+              <a:t> </a:t>
+            </a:r>
+            <a:r>
+              <a:rPr lang="el-GR" dirty="0"/>
+              <a:t>Προσομοίωση μιας απλής σύνδεσης σημείου-προς-σημείο μεταξύ δύο κόμβων,  με προϋπόθεση η  μετάδοση να γίνει με την τεχνική του </a:t>
+            </a:r>
+            <a:r>
+              <a:rPr lang="en-US" dirty="0"/>
+              <a:t>UDP-echo (</a:t>
+            </a:r>
+            <a:r>
+              <a:rPr lang="el-GR" dirty="0"/>
+              <a:t>«</a:t>
+            </a:r>
+            <a:r>
+              <a:rPr lang="en-GB" dirty="0"/>
+              <a:t>a process for testing network connectivity and measuring response time by sending a UDP packet to a destination and waiting for the destination to send it back</a:t>
+            </a:r>
+            <a:r>
+              <a:rPr lang="el-GR" dirty="0"/>
+              <a:t>» ).</a:t>
+            </a:r>
+          </a:p>
+          <a:p>
+            <a:pPr marL="173736" lvl="1" indent="0" algn="just">
+              <a:buNone/>
+            </a:pPr>
+            <a:r>
+              <a:rPr lang="el-GR" dirty="0">
+                <a:solidFill>
+                  <a:schemeClr val="accent1">
+                    <a:lumMod val="75000"/>
+                  </a:schemeClr>
+                </a:solidFill>
+              </a:rPr>
+              <a:t>2) </a:t>
+            </a:r>
+            <a:r>
+              <a:rPr lang="el-GR" dirty="0"/>
+              <a:t>Προσομοίωση ενός πιο πολύπλοκου δικτύου με δυναμική δρομολόγηση, δημιουργία ροών πακέτων, εισαγωγή αποτυχίας συνδέσεων και ανάλυση απώλειας πακέτων.</a:t>
+            </a:r>
+            <a:endParaRPr lang="en-US" dirty="0"/>
+          </a:p>
+          <a:p>
+            <a:pPr marL="0" indent="0" algn="just">
+              <a:buNone/>
+            </a:pPr>
+            <a:endParaRPr lang="en-US" dirty="0"/>
+          </a:p>
+        </p:txBody>
+      </p:sp>
+    </p:spTree>
+    <p:extLst>
+      <p:ext uri="{BB962C8B-B14F-4D97-AF65-F5344CB8AC3E}">
+        <p14:creationId xmlns:p14="http://schemas.microsoft.com/office/powerpoint/2010/main" val="1401741552"/>
+      </p:ext>
+    </p:extLst>
+  </p:cSld>
+  <p:clrMapOvr>
+    <a:masterClrMapping/>
+  </p:clrMapOvr>
+  <p:transition spd="slow">
+    <p:push dir="u"/>
+  </p:transition>
+</p:sld>
+</file>
+
+<file path=ppt/slides/slide3.xml><?xml version="1.0" encoding="utf-8"?>
+<p:sld xmlns:a="http://schemas.openxmlformats.org/drawingml/2006/main" xmlns:r="http://schemas.openxmlformats.org/officeDocument/2006/relationships" xmlns:p="http://schemas.openxmlformats.org/presentationml/2006/main">
+  <p:cSld>
+    <p:spTree>
+      <p:nvGrpSpPr>
+        <p:cNvPr id="1" name=""/>
+        <p:cNvGrpSpPr/>
+        <p:nvPr/>
+      </p:nvGrpSpPr>
+      <p:grpSpPr>
+        <a:xfrm>
+          <a:off x="0" y="0"/>
+          <a:ext cx="0" cy="0"/>
+          <a:chOff x="0" y="0"/>
+          <a:chExt cx="0" cy="0"/>
+        </a:xfrm>
+      </p:grpSpPr>
+      <p:sp>
+        <p:nvSpPr>
+          <p:cNvPr id="2" name="Τίτλος 1">
+            <a:extLst>
+              <a:ext uri="{FF2B5EF4-FFF2-40B4-BE49-F238E27FC236}">
+                <a16:creationId xmlns:a16="http://schemas.microsoft.com/office/drawing/2014/main" id="{983BE075-A1BA-4528-A907-BE8925441DB1}"/>
+              </a:ext>
+            </a:extLst>
+          </p:cNvPr>
+          <p:cNvSpPr>
+            <a:spLocks noGrp="1"/>
+          </p:cNvSpPr>
+          <p:nvPr>
+            <p:ph type="title"/>
+          </p:nvPr>
+        </p:nvSpPr>
+        <p:spPr>
+          <a:xfrm>
+            <a:off x="837516" y="547893"/>
+            <a:ext cx="11167872" cy="1499616"/>
+          </a:xfrm>
+        </p:spPr>
+        <p:txBody>
+          <a:bodyPr>
+            <a:normAutofit/>
+          </a:bodyPr>
+          <a:lstStyle/>
+          <a:p>
+            <a:r>
+              <a:rPr lang="el-GR" sz="4800" b="1" dirty="0"/>
+              <a:t>ΒΗΜΑΤΑ ΥΛΟΠΟΙΗΣΗΣ ΤΗΣ ΕΡΓΑΣΙΑΣ</a:t>
+            </a:r>
+            <a:r>
+              <a:rPr lang="en-US" sz="4800" b="1" dirty="0"/>
+              <a:t> (1)</a:t>
+            </a:r>
+            <a:endParaRPr lang="el-GR" sz="4800" b="1" dirty="0"/>
+          </a:p>
+        </p:txBody>
+      </p:sp>
+      <p:sp>
+        <p:nvSpPr>
+          <p:cNvPr id="3" name="Θέση περιεχομένου 2">
+            <a:extLst>
+              <a:ext uri="{FF2B5EF4-FFF2-40B4-BE49-F238E27FC236}">
+                <a16:creationId xmlns:a16="http://schemas.microsoft.com/office/drawing/2014/main" id="{B846792E-DE04-4CE2-B5D8-B785F3F8C80B}"/>
+              </a:ext>
+            </a:extLst>
+          </p:cNvPr>
+          <p:cNvSpPr>
+            <a:spLocks noGrp="1"/>
+          </p:cNvSpPr>
+          <p:nvPr>
+            <p:ph idx="1"/>
+          </p:nvPr>
+        </p:nvSpPr>
+        <p:spPr>
+          <a:xfrm>
+            <a:off x="837516" y="1900996"/>
+            <a:ext cx="10051148" cy="2544880"/>
+          </a:xfrm>
+        </p:spPr>
+        <p:txBody>
+          <a:bodyPr>
+            <a:normAutofit/>
+          </a:bodyPr>
+          <a:lstStyle/>
+          <a:p>
+            <a:pPr marL="0" indent="0">
+              <a:buNone/>
+            </a:pPr>
+            <a:r>
+              <a:rPr lang="el-GR" sz="2000" dirty="0"/>
+              <a:t>Χρησιμοποιήσαμε τα εξής εργαλεία για την υλοποίηση της άσκησης :</a:t>
+            </a:r>
+            <a:br>
+              <a:rPr lang="el-GR" sz="2000" dirty="0"/>
+            </a:br>
+            <a:r>
+              <a:rPr lang="el-GR" sz="2000" dirty="0"/>
+              <a:t>	</a:t>
+            </a:r>
+          </a:p>
+          <a:p>
+            <a:pPr>
+              <a:buFont typeface="Arial" panose="020B0604020202020204" pitchFamily="34" charset="0"/>
+              <a:buChar char="•"/>
+            </a:pPr>
+            <a:r>
+              <a:rPr lang="en-US" sz="2000" dirty="0"/>
+              <a:t>VMware Workstation Pro</a:t>
+            </a:r>
+            <a:r>
+              <a:rPr lang="el-GR" sz="2000" dirty="0"/>
+              <a:t> για το </a:t>
+            </a:r>
+            <a:r>
+              <a:rPr lang="en-US" sz="2000" dirty="0"/>
+              <a:t>Linux VM.</a:t>
+            </a:r>
+          </a:p>
+          <a:p>
+            <a:pPr>
+              <a:buFont typeface="Arial" panose="020B0604020202020204" pitchFamily="34" charset="0"/>
+              <a:buChar char="•"/>
+            </a:pPr>
+            <a:r>
+              <a:rPr lang="en-US" sz="2000" dirty="0"/>
+              <a:t>Ubuntu Linux distribution.</a:t>
+            </a:r>
+          </a:p>
+          <a:p>
+            <a:pPr>
+              <a:buFont typeface="Arial" panose="020B0604020202020204" pitchFamily="34" charset="0"/>
+              <a:buChar char="•"/>
+            </a:pPr>
+            <a:r>
+              <a:rPr lang="en-US" sz="2000" dirty="0"/>
+              <a:t>Discord </a:t>
+            </a:r>
+            <a:r>
+              <a:rPr lang="el-GR" sz="2000" dirty="0"/>
+              <a:t>και </a:t>
+            </a:r>
+            <a:r>
+              <a:rPr lang="en-US" sz="2000" dirty="0" err="1"/>
+              <a:t>github</a:t>
+            </a:r>
+            <a:r>
+              <a:rPr lang="en-US" sz="2000" dirty="0"/>
+              <a:t> </a:t>
+            </a:r>
+            <a:r>
+              <a:rPr lang="el-GR" sz="2000" dirty="0"/>
+              <a:t>για την επικοινωνία και τον συγχρονισμό των μελών της ομάδας.</a:t>
+            </a:r>
+            <a:endParaRPr lang="en-US" sz="2000" dirty="0"/>
+          </a:p>
+          <a:p>
+            <a:pPr>
+              <a:buFont typeface="Arial" panose="020B0604020202020204" pitchFamily="34" charset="0"/>
+              <a:buChar char="•"/>
+            </a:pPr>
+            <a:r>
+              <a:rPr lang="en-US" sz="2000" dirty="0" err="1"/>
+              <a:t>Drawio</a:t>
+            </a:r>
+            <a:r>
+              <a:rPr lang="en-US" sz="2000" dirty="0"/>
+              <a:t> </a:t>
+            </a:r>
+            <a:r>
+              <a:rPr lang="el-GR" sz="2000" dirty="0"/>
+              <a:t>για την υλοποίηση σχεδιαγραμμάτων/τοπολογίας</a:t>
+            </a:r>
+            <a:r>
+              <a:rPr lang="el-GR" dirty="0"/>
+              <a:t>.</a:t>
+            </a:r>
+            <a:endParaRPr lang="en-US" dirty="0"/>
+          </a:p>
+        </p:txBody>
+      </p:sp>
+      <p:pic>
+        <p:nvPicPr>
+          <p:cNvPr id="5" name="Picture 4">
+            <a:extLst>
+              <a:ext uri="{FF2B5EF4-FFF2-40B4-BE49-F238E27FC236}">
+                <a16:creationId xmlns:a16="http://schemas.microsoft.com/office/drawing/2014/main" id="{BCFFC7C8-3E1A-1BC4-1438-EB7E3E40A5F7}"/>
+              </a:ext>
+            </a:extLst>
+          </p:cNvPr>
+          <p:cNvPicPr>
+            <a:picLocks noChangeAspect="1"/>
+          </p:cNvPicPr>
+          <p:nvPr/>
+        </p:nvPicPr>
+        <p:blipFill>
+          <a:blip r:embed="rId2"/>
+          <a:stretch>
+            <a:fillRect/>
+          </a:stretch>
+        </p:blipFill>
+        <p:spPr>
+          <a:xfrm>
+            <a:off x="6731669" y="4618272"/>
+            <a:ext cx="2119364" cy="2119364"/>
+          </a:xfrm>
+          <a:prstGeom prst="rect">
+            <a:avLst/>
+          </a:prstGeom>
+        </p:spPr>
+      </p:pic>
+      <p:pic>
+        <p:nvPicPr>
+          <p:cNvPr id="7" name="Picture 6" descr="A blue and orange square logo&#10;&#10;AI-generated content may be incorrect.">
+            <a:extLst>
+              <a:ext uri="{FF2B5EF4-FFF2-40B4-BE49-F238E27FC236}">
+                <a16:creationId xmlns:a16="http://schemas.microsoft.com/office/drawing/2014/main" id="{C9DE2D26-6AFA-0109-C2F1-F425F3EA2B52}"/>
+              </a:ext>
+            </a:extLst>
+          </p:cNvPr>
+          <p:cNvPicPr>
+            <a:picLocks noChangeAspect="1"/>
+          </p:cNvPicPr>
+          <p:nvPr/>
+        </p:nvPicPr>
+        <p:blipFill>
+          <a:blip r:embed="rId3"/>
+          <a:stretch>
+            <a:fillRect/>
+          </a:stretch>
+        </p:blipFill>
+        <p:spPr>
+          <a:xfrm>
+            <a:off x="-57849" y="4316769"/>
+            <a:ext cx="2722370" cy="2722370"/>
+          </a:xfrm>
+          <a:prstGeom prst="rect">
+            <a:avLst/>
+          </a:prstGeom>
+        </p:spPr>
+      </p:pic>
+      <p:pic>
+        <p:nvPicPr>
+          <p:cNvPr id="9" name="Picture 8" descr="A logo with a circle and a circle with a circle and a circle with a circle with a circle with a circle with a circle with a circle with a circle with a circle with a circle with&#10;&#10;AI-generated content may be incorrect.">
+            <a:extLst>
+              <a:ext uri="{FF2B5EF4-FFF2-40B4-BE49-F238E27FC236}">
+                <a16:creationId xmlns:a16="http://schemas.microsoft.com/office/drawing/2014/main" id="{A059D40E-1E60-0DBC-1A62-414710D2EDD5}"/>
+              </a:ext>
+            </a:extLst>
+          </p:cNvPr>
+          <p:cNvPicPr>
+            <a:picLocks noChangeAspect="1"/>
+          </p:cNvPicPr>
+          <p:nvPr/>
+        </p:nvPicPr>
+        <p:blipFill>
+          <a:blip r:embed="rId4"/>
+          <a:stretch>
+            <a:fillRect/>
+          </a:stretch>
+        </p:blipFill>
+        <p:spPr>
+          <a:xfrm>
+            <a:off x="3236456" y="4698587"/>
+            <a:ext cx="2543175" cy="1800225"/>
+          </a:xfrm>
+          <a:prstGeom prst="rect">
+            <a:avLst/>
+          </a:prstGeom>
+        </p:spPr>
+      </p:pic>
+      <p:pic>
+        <p:nvPicPr>
+          <p:cNvPr id="6" name="Picture 5" descr="A black background with a black square&#10;&#10;AI-generated content may be incorrect.">
+            <a:extLst>
+              <a:ext uri="{FF2B5EF4-FFF2-40B4-BE49-F238E27FC236}">
+                <a16:creationId xmlns:a16="http://schemas.microsoft.com/office/drawing/2014/main" id="{46213963-0CDF-A7D0-0F23-FA0301AA6534}"/>
+              </a:ext>
+            </a:extLst>
+          </p:cNvPr>
+          <p:cNvPicPr>
+            <a:picLocks noChangeAspect="1"/>
+          </p:cNvPicPr>
+          <p:nvPr/>
+        </p:nvPicPr>
+        <p:blipFill>
+          <a:blip r:embed="rId5"/>
+          <a:stretch>
+            <a:fillRect/>
+          </a:stretch>
+        </p:blipFill>
+        <p:spPr>
+          <a:xfrm>
+            <a:off x="9148120" y="4857097"/>
+            <a:ext cx="2918604" cy="1641715"/>
+          </a:xfrm>
+          <a:prstGeom prst="rect">
+            <a:avLst/>
+          </a:prstGeom>
+        </p:spPr>
+      </p:pic>
+    </p:spTree>
+    <p:extLst>
+      <p:ext uri="{BB962C8B-B14F-4D97-AF65-F5344CB8AC3E}">
+        <p14:creationId xmlns:p14="http://schemas.microsoft.com/office/powerpoint/2010/main" val="580903119"/>
+      </p:ext>
+    </p:extLst>
+  </p:cSld>
+  <p:clrMapOvr>
+    <a:masterClrMapping/>
+  </p:clrMapOvr>
+  <p:transition spd="slow">
+    <p:push dir="u"/>
+  </p:transition>
+</p:sld>
+</file>
+
+<file path=ppt/slides/slide4.xml><?xml version="1.0" encoding="utf-8"?>
+<p:sld xmlns:a="http://schemas.openxmlformats.org/drawingml/2006/main" xmlns:r="http://schemas.openxmlformats.org/officeDocument/2006/relationships" xmlns:p="http://schemas.openxmlformats.org/presentationml/2006/main">
+  <p:cSld>
+    <p:spTree>
+      <p:nvGrpSpPr>
+        <p:cNvPr id="1" name="">
+          <a:extLst>
+            <a:ext uri="{FF2B5EF4-FFF2-40B4-BE49-F238E27FC236}">
+              <a16:creationId xmlns:a16="http://schemas.microsoft.com/office/drawing/2014/main" id="{6054682E-C30A-EC5F-F169-76ED3D8D9D46}"/>
+            </a:ext>
+          </a:extLst>
+        </p:cNvPr>
+        <p:cNvGrpSpPr/>
+        <p:nvPr/>
+      </p:nvGrpSpPr>
+      <p:grpSpPr>
+        <a:xfrm>
+          <a:off x="0" y="0"/>
+          <a:ext cx="0" cy="0"/>
+          <a:chOff x="0" y="0"/>
+          <a:chExt cx="0" cy="0"/>
+        </a:xfrm>
+      </p:grpSpPr>
+      <p:sp>
+        <p:nvSpPr>
+          <p:cNvPr id="2" name="Τίτλος 1">
+            <a:extLst>
+              <a:ext uri="{FF2B5EF4-FFF2-40B4-BE49-F238E27FC236}">
+                <a16:creationId xmlns:a16="http://schemas.microsoft.com/office/drawing/2014/main" id="{BA65C177-78EC-E045-063E-270C7A4FE2FA}"/>
+              </a:ext>
+            </a:extLst>
+          </p:cNvPr>
+          <p:cNvSpPr>
+            <a:spLocks noGrp="1"/>
+          </p:cNvSpPr>
+          <p:nvPr>
+            <p:ph type="title"/>
+          </p:nvPr>
+        </p:nvSpPr>
+        <p:spPr>
+          <a:xfrm>
+            <a:off x="921492" y="678522"/>
+            <a:ext cx="10835080" cy="1278615"/>
+          </a:xfrm>
+        </p:spPr>
+        <p:txBody>
+          <a:bodyPr>
+            <a:normAutofit/>
+          </a:bodyPr>
+          <a:lstStyle/>
+          <a:p>
+            <a:r>
+              <a:rPr lang="el-GR" sz="4800" b="1" dirty="0"/>
+              <a:t>ΒΗΜΑΤΑ ΥΛΟΠΟΙΗΣΗΣ ΤΗΣ ΕΡΓΑΣΙΑΣ</a:t>
+            </a:r>
+            <a:r>
+              <a:rPr lang="en-US" sz="4800" b="1" dirty="0"/>
+              <a:t> (</a:t>
+            </a:r>
+            <a:r>
+              <a:rPr lang="el-GR" sz="4800" b="1" dirty="0"/>
+              <a:t>2</a:t>
+            </a:r>
+            <a:r>
+              <a:rPr lang="en-US" sz="4800" b="1" dirty="0"/>
+              <a:t>)</a:t>
+            </a:r>
+            <a:endParaRPr lang="el-GR" sz="4800" b="1" dirty="0"/>
+          </a:p>
+        </p:txBody>
+      </p:sp>
+      <p:sp>
+        <p:nvSpPr>
+          <p:cNvPr id="3" name="Θέση περιεχομένου 2">
+            <a:extLst>
+              <a:ext uri="{FF2B5EF4-FFF2-40B4-BE49-F238E27FC236}">
+                <a16:creationId xmlns:a16="http://schemas.microsoft.com/office/drawing/2014/main" id="{C1F1056E-B878-8B1C-3420-F817646D1A2C}"/>
+              </a:ext>
+            </a:extLst>
+          </p:cNvPr>
+          <p:cNvSpPr>
+            <a:spLocks noGrp="1"/>
+          </p:cNvSpPr>
+          <p:nvPr>
+            <p:ph idx="1"/>
+          </p:nvPr>
+        </p:nvSpPr>
+        <p:spPr>
+          <a:xfrm>
+            <a:off x="653142" y="2512468"/>
+            <a:ext cx="6567466" cy="2765385"/>
+          </a:xfrm>
+        </p:spPr>
+        <p:txBody>
+          <a:bodyPr>
+            <a:noAutofit/>
+          </a:bodyPr>
+          <a:lstStyle/>
+          <a:p>
+            <a:pPr algn="just">
+              <a:buFont typeface="Arial" panose="020B0604020202020204" pitchFamily="34" charset="0"/>
+              <a:buChar char="•"/>
+            </a:pPr>
+            <a:r>
+              <a:rPr lang="en-US" dirty="0"/>
+              <a:t> </a:t>
+            </a:r>
+            <a:r>
+              <a:rPr lang="el-GR" dirty="0"/>
+              <a:t>Δημιουργία ενός repository στο </a:t>
+            </a:r>
+            <a:r>
+              <a:rPr lang="en-US" dirty="0"/>
+              <a:t>GitHub</a:t>
+            </a:r>
+            <a:r>
+              <a:rPr lang="el-GR" dirty="0"/>
+              <a:t>.</a:t>
+            </a:r>
+          </a:p>
+          <a:p>
+            <a:pPr algn="just">
+              <a:buFont typeface="Arial" panose="020B0604020202020204" pitchFamily="34" charset="0"/>
+              <a:buChar char="•"/>
+            </a:pPr>
+            <a:r>
+              <a:rPr lang="el-GR" dirty="0"/>
+              <a:t>Μελέτη  της βιβλιογραφίας του </a:t>
+            </a:r>
+            <a:r>
+              <a:rPr lang="en-US" dirty="0"/>
+              <a:t>NS-3</a:t>
+            </a:r>
+            <a:r>
+              <a:rPr lang="el-GR" dirty="0"/>
+              <a:t> και πιο συγκεκριμένα του </a:t>
+            </a:r>
+            <a:r>
+              <a:rPr lang="en-US" dirty="0"/>
+              <a:t>“ns-3 tutorial” </a:t>
+            </a:r>
+            <a:r>
+              <a:rPr lang="el-GR" dirty="0"/>
+              <a:t>για απλά παραδείγματα χρήσης του νέου αυτού εργαλείου.</a:t>
+            </a:r>
+          </a:p>
+          <a:p>
+            <a:pPr algn="just">
+              <a:buFont typeface="Arial" panose="020B0604020202020204" pitchFamily="34" charset="0"/>
+              <a:buChar char="•"/>
+            </a:pPr>
+            <a:r>
+              <a:rPr lang="el-GR" dirty="0"/>
+              <a:t>Αναζήτηση στο </a:t>
+            </a:r>
+            <a:r>
+              <a:rPr lang="en-US" dirty="0"/>
+              <a:t>“ns-3 Model Library” </a:t>
+            </a:r>
+            <a:r>
+              <a:rPr lang="el-GR" dirty="0"/>
+              <a:t>για διασαφήνιση   σχετικών  εννοιών  (</a:t>
+            </a:r>
+            <a:r>
+              <a:rPr lang="en-US" dirty="0"/>
+              <a:t>flow monitoring, internet models, etc</a:t>
+            </a:r>
+            <a:r>
+              <a:rPr lang="el-GR" dirty="0"/>
+              <a:t>.</a:t>
+            </a:r>
+            <a:r>
+              <a:rPr lang="en-US" dirty="0"/>
+              <a:t>)</a:t>
+            </a:r>
+            <a:r>
+              <a:rPr lang="el-GR" dirty="0"/>
+              <a:t> που αναφέρονταν στην εργασία.</a:t>
+            </a:r>
+          </a:p>
+          <a:p>
+            <a:pPr marL="0" indent="0" algn="just">
+              <a:buNone/>
+            </a:pPr>
+            <a:endParaRPr lang="el-GR" dirty="0"/>
+          </a:p>
+          <a:p>
+            <a:pPr marL="0" indent="0">
+              <a:buNone/>
+            </a:pPr>
+            <a:br>
+              <a:rPr lang="en-US" dirty="0"/>
+            </a:br>
+            <a:endParaRPr lang="el-GR" dirty="0"/>
+          </a:p>
+        </p:txBody>
+      </p:sp>
+      <p:pic>
+        <p:nvPicPr>
+          <p:cNvPr id="5" name="Picture 4">
+            <a:extLst>
+              <a:ext uri="{FF2B5EF4-FFF2-40B4-BE49-F238E27FC236}">
+                <a16:creationId xmlns:a16="http://schemas.microsoft.com/office/drawing/2014/main" id="{88BFED06-2B00-5AAC-F37F-EE97C2DA760A}"/>
+              </a:ext>
+            </a:extLst>
+          </p:cNvPr>
+          <p:cNvPicPr>
+            <a:picLocks noChangeAspect="1"/>
+          </p:cNvPicPr>
+          <p:nvPr/>
+        </p:nvPicPr>
+        <p:blipFill>
+          <a:blip r:embed="rId2"/>
+          <a:stretch>
+            <a:fillRect/>
+          </a:stretch>
+        </p:blipFill>
+        <p:spPr>
+          <a:xfrm>
+            <a:off x="7959007" y="2454009"/>
+            <a:ext cx="3797565" cy="3432800"/>
+          </a:xfrm>
+          <a:prstGeom prst="rect">
+            <a:avLst/>
+          </a:prstGeom>
+          <a:ln>
+            <a:solidFill>
+              <a:schemeClr val="tx1"/>
+            </a:solidFill>
+          </a:ln>
+        </p:spPr>
+      </p:pic>
+    </p:spTree>
+    <p:extLst>
+      <p:ext uri="{BB962C8B-B14F-4D97-AF65-F5344CB8AC3E}">
+        <p14:creationId xmlns:p14="http://schemas.microsoft.com/office/powerpoint/2010/main" val="1479383505"/>
+      </p:ext>
+    </p:extLst>
+  </p:cSld>
+  <p:clrMapOvr>
+    <a:masterClrMapping/>
+  </p:clrMapOvr>
+  <p:transition spd="slow">
+    <p:push dir="u"/>
+  </p:transition>
+</p:sld>
+</file>
+
+<file path=ppt/slides/slide5.xml><?xml version="1.0" encoding="utf-8"?>
+<p:sld xmlns:a="http://schemas.openxmlformats.org/drawingml/2006/main" xmlns:r="http://schemas.openxmlformats.org/officeDocument/2006/relationships" xmlns:p="http://schemas.openxmlformats.org/presentationml/2006/main">
+  <p:cSld>
+    <p:spTree>
+      <p:nvGrpSpPr>
+        <p:cNvPr id="1" name=""/>
+        <p:cNvGrpSpPr/>
+        <p:nvPr/>
+      </p:nvGrpSpPr>
+      <p:grpSpPr>
+        <a:xfrm>
+          <a:off x="0" y="0"/>
+          <a:ext cx="0" cy="0"/>
+          <a:chOff x="0" y="0"/>
+          <a:chExt cx="0" cy="0"/>
+        </a:xfrm>
+      </p:grpSpPr>
+      <p:sp>
+        <p:nvSpPr>
+          <p:cNvPr id="4" name="Τίτλος 1">
+            <a:extLst>
+              <a:ext uri="{FF2B5EF4-FFF2-40B4-BE49-F238E27FC236}">
+                <a16:creationId xmlns:a16="http://schemas.microsoft.com/office/drawing/2014/main" id="{D774839F-51E4-E46D-4EE5-1DF8B9BC855B}"/>
+              </a:ext>
+            </a:extLst>
+          </p:cNvPr>
+          <p:cNvSpPr>
+            <a:spLocks noGrp="1"/>
+          </p:cNvSpPr>
+          <p:nvPr>
+            <p:ph type="title"/>
+          </p:nvPr>
+        </p:nvSpPr>
+        <p:spPr>
+          <a:xfrm>
+            <a:off x="1024128" y="839755"/>
+            <a:ext cx="9720072" cy="899830"/>
+          </a:xfrm>
+        </p:spPr>
+        <p:txBody>
+          <a:bodyPr rtlCol="0">
+            <a:normAutofit/>
+          </a:bodyPr>
+          <a:lstStyle/>
+          <a:p>
+            <a:r>
+              <a:rPr lang="el-GR" sz="4800" b="1" dirty="0" err="1"/>
+              <a:t>Υλοποιηση</a:t>
+            </a:r>
+            <a:r>
+              <a:rPr lang="el-GR" sz="4800" b="1" dirty="0"/>
+              <a:t> του </a:t>
+            </a:r>
+            <a:r>
+              <a:rPr lang="el-GR" sz="4800" b="1" dirty="0" err="1"/>
+              <a:t>ΕΡΩΤΗΜΑτοσ</a:t>
+            </a:r>
+            <a:r>
+              <a:rPr lang="el-GR" sz="4800" b="1" dirty="0"/>
+              <a:t> 1</a:t>
+            </a:r>
+          </a:p>
+        </p:txBody>
+      </p:sp>
+      <p:sp>
+        <p:nvSpPr>
+          <p:cNvPr id="5" name="Θέση περιεχομένου 2">
+            <a:extLst>
+              <a:ext uri="{FF2B5EF4-FFF2-40B4-BE49-F238E27FC236}">
+                <a16:creationId xmlns:a16="http://schemas.microsoft.com/office/drawing/2014/main" id="{784F8DDC-B6BC-8339-BE2C-10A96FCD8576}"/>
+              </a:ext>
+            </a:extLst>
+          </p:cNvPr>
+          <p:cNvSpPr>
+            <a:spLocks noGrp="1"/>
+          </p:cNvSpPr>
+          <p:nvPr>
+            <p:ph idx="1"/>
+          </p:nvPr>
+        </p:nvSpPr>
+        <p:spPr>
+          <a:xfrm>
+            <a:off x="670033" y="2317531"/>
+            <a:ext cx="11105199" cy="3479420"/>
+          </a:xfrm>
+        </p:spPr>
+        <p:txBody>
+          <a:bodyPr>
+            <a:noAutofit/>
+          </a:bodyPr>
+          <a:lstStyle/>
+          <a:p>
+            <a:pPr marL="0" indent="0">
+              <a:buNone/>
+            </a:pPr>
+            <a:r>
+              <a:rPr lang="el-GR" dirty="0"/>
+              <a:t>Πιο συγκεκριμένα για το πρώτο ερώτημα της εργασίας</a:t>
+            </a:r>
+            <a:r>
+              <a:rPr lang="en-US" dirty="0"/>
+              <a:t>:</a:t>
+            </a:r>
+          </a:p>
+          <a:p>
+            <a:pPr marL="0" indent="0">
+              <a:buNone/>
+            </a:pPr>
+            <a:r>
+              <a:rPr lang="en-US" sz="2000" dirty="0"/>
+              <a:t>1.</a:t>
+            </a:r>
+            <a:r>
+              <a:rPr lang="el-GR" sz="2000" dirty="0"/>
+              <a:t>Ορίζονται τα χαρακτηριστικά της σύνδεσης και αντιστοιχίζονται διευθύνσεις τύπου ipv4 στις διεπαφές των κόμβων.</a:t>
+            </a:r>
+            <a:br>
+              <a:rPr lang="el-GR" sz="2000" dirty="0"/>
+            </a:br>
+            <a:endParaRPr lang="en-US" sz="2000" dirty="0"/>
+          </a:p>
+          <a:p>
+            <a:pPr marL="0" indent="0">
+              <a:buNone/>
+            </a:pPr>
+            <a:r>
+              <a:rPr lang="en-US" sz="2000" dirty="0"/>
+              <a:t>2.</a:t>
+            </a:r>
+            <a:r>
+              <a:rPr lang="el-GR" sz="2000" dirty="0"/>
+              <a:t> </a:t>
+            </a:r>
+            <a:r>
+              <a:rPr lang="en-US" sz="2000" dirty="0"/>
+              <a:t>Y</a:t>
+            </a:r>
+            <a:r>
+              <a:rPr lang="el-GR" sz="2000" dirty="0" err="1"/>
+              <a:t>λοποιήθηκαν</a:t>
+            </a:r>
+            <a:r>
+              <a:rPr lang="el-GR" sz="2000" dirty="0"/>
+              <a:t> δύο servers UDP echo στον κόμβο 1 σε διαφορετικές θύρες με δημιουργία δύο πελατών  UDP echo στον κόμβο 0. </a:t>
+            </a:r>
+            <a:br>
+              <a:rPr lang="el-GR" sz="2000" dirty="0"/>
+            </a:br>
+            <a:endParaRPr lang="en-US" sz="2000" dirty="0"/>
+          </a:p>
+          <a:p>
+            <a:pPr marL="0" indent="0">
+              <a:buNone/>
+            </a:pPr>
+            <a:r>
+              <a:rPr lang="en-US" sz="2000" dirty="0"/>
+              <a:t>3.T</a:t>
+            </a:r>
+            <a:r>
+              <a:rPr lang="el-GR" sz="2000" dirty="0"/>
+              <a:t>έλος, εκτελέστηκε η προσομοίωση και καταγράφτηκαν τα δεδομένα ροής με χρήση του </a:t>
+            </a:r>
+            <a:r>
+              <a:rPr lang="en-US" sz="2000" dirty="0"/>
+              <a:t>module Flow-Monitoring</a:t>
+            </a:r>
+            <a:r>
+              <a:rPr lang="el-GR" sz="2000" dirty="0"/>
+              <a:t> (πακέτα, καθυστέρηση, εύρος ζώνης).</a:t>
+            </a:r>
+          </a:p>
+        </p:txBody>
+      </p:sp>
+    </p:spTree>
+    <p:extLst>
+      <p:ext uri="{BB962C8B-B14F-4D97-AF65-F5344CB8AC3E}">
+        <p14:creationId xmlns:p14="http://schemas.microsoft.com/office/powerpoint/2010/main" val="3077155193"/>
+      </p:ext>
+    </p:extLst>
+  </p:cSld>
+  <p:clrMapOvr>
+    <a:masterClrMapping/>
+  </p:clrMapOvr>
+  <p:transition spd="slow">
+    <p:push dir="u"/>
+  </p:transition>
+</p:sld>
+</file>
+
+<file path=ppt/slides/slide6.xml><?xml version="1.0" encoding="utf-8"?>
+<p:sld xmlns:a="http://schemas.openxmlformats.org/drawingml/2006/main" xmlns:r="http://schemas.openxmlformats.org/officeDocument/2006/relationships" xmlns:p="http://schemas.openxmlformats.org/presentationml/2006/main">
+  <p:cSld>
+    <p:spTree>
+      <p:nvGrpSpPr>
+        <p:cNvPr id="1" name=""/>
+        <p:cNvGrpSpPr/>
+        <p:nvPr/>
+      </p:nvGrpSpPr>
+      <p:grpSpPr>
+        <a:xfrm>
+          <a:off x="0" y="0"/>
+          <a:ext cx="0" cy="0"/>
+          <a:chOff x="0" y="0"/>
+          <a:chExt cx="0" cy="0"/>
+        </a:xfrm>
+      </p:grpSpPr>
+      <p:sp>
+        <p:nvSpPr>
+          <p:cNvPr id="5" name="Τίτλος 1">
+            <a:extLst>
+              <a:ext uri="{FF2B5EF4-FFF2-40B4-BE49-F238E27FC236}">
+                <a16:creationId xmlns:a16="http://schemas.microsoft.com/office/drawing/2014/main" id="{FB84AE28-5848-E665-6D72-8FA26E4F4EA0}"/>
+              </a:ext>
+            </a:extLst>
+          </p:cNvPr>
+          <p:cNvSpPr txBox="1">
+            <a:spLocks/>
+          </p:cNvSpPr>
+          <p:nvPr/>
+        </p:nvSpPr>
+        <p:spPr>
+          <a:xfrm>
+            <a:off x="1045029" y="1074429"/>
+            <a:ext cx="9453318" cy="676733"/>
+          </a:xfrm>
+          <a:prstGeom prst="rect">
+            <a:avLst/>
+          </a:prstGeom>
+        </p:spPr>
+        <p:txBody>
+          <a:bodyPr vert="horz" lIns="91440" tIns="45720" rIns="91440" bIns="45720" rtlCol="0" anchor="ctr">
+            <a:noAutofit/>
+          </a:bodyPr>
+          <a:lstStyle>
+            <a:lvl1pPr algn="l" defTabSz="914400" rtl="0" eaLnBrk="1" latinLnBrk="0" hangingPunct="1">
+              <a:lnSpc>
+                <a:spcPct val="80000"/>
+              </a:lnSpc>
+              <a:spcBef>
+                <a:spcPct val="0"/>
+              </a:spcBef>
+              <a:buNone/>
+              <a:defRPr sz="5000" kern="1200" cap="all" spc="100" baseline="0">
+                <a:solidFill>
+                  <a:schemeClr val="tx1">
+                    <a:lumMod val="95000"/>
+                    <a:lumOff val="5000"/>
+                  </a:schemeClr>
+                </a:solidFill>
+                <a:latin typeface="Calibri" panose="020F0502020204030204" pitchFamily="34" charset="0"/>
+                <a:ea typeface="+mj-ea"/>
+                <a:cs typeface="+mj-cs"/>
+              </a:defRPr>
+            </a:lvl1pPr>
+          </a:lstStyle>
+          <a:p>
+            <a:r>
+              <a:rPr lang="el-GR" sz="4800" b="1" dirty="0"/>
+              <a:t>δεδομενΑ για το ερωτημα 1</a:t>
+            </a:r>
+            <a:br>
+              <a:rPr lang="el-GR" sz="4800" dirty="0"/>
+            </a:br>
+            <a:endParaRPr lang="el-GR" sz="4800" dirty="0"/>
+          </a:p>
+        </p:txBody>
+      </p:sp>
+      <p:sp>
+        <p:nvSpPr>
+          <p:cNvPr id="6" name="Θέση περιεχομένου 2">
+            <a:extLst>
+              <a:ext uri="{FF2B5EF4-FFF2-40B4-BE49-F238E27FC236}">
+                <a16:creationId xmlns:a16="http://schemas.microsoft.com/office/drawing/2014/main" id="{1BD6B2D5-E19E-AB53-1C03-C2A591F05B5B}"/>
+              </a:ext>
+            </a:extLst>
+          </p:cNvPr>
+          <p:cNvSpPr>
+            <a:spLocks noGrp="1"/>
+          </p:cNvSpPr>
+          <p:nvPr>
+            <p:ph idx="1"/>
+          </p:nvPr>
+        </p:nvSpPr>
+        <p:spPr>
+          <a:xfrm>
+            <a:off x="1045029" y="2155371"/>
+            <a:ext cx="10888824" cy="4198776"/>
+          </a:xfrm>
+        </p:spPr>
+        <p:txBody>
+          <a:bodyPr>
+            <a:normAutofit/>
+          </a:bodyPr>
+          <a:lstStyle/>
+          <a:p>
+            <a:pPr algn="just">
+              <a:buFont typeface="Arial" panose="020B0604020202020204" pitchFamily="34" charset="0"/>
+              <a:buChar char="•"/>
+            </a:pPr>
+            <a:r>
+              <a:rPr lang="en-US" dirty="0"/>
+              <a:t> </a:t>
+            </a:r>
+            <a:r>
+              <a:rPr lang="el-GR" dirty="0"/>
+              <a:t>Μέσα στον φάκελο</a:t>
+            </a:r>
+            <a:r>
+              <a:rPr lang="en-US" dirty="0"/>
+              <a:t> scratch </a:t>
+            </a:r>
+            <a:r>
+              <a:rPr lang="el-GR" dirty="0"/>
+              <a:t>του </a:t>
+            </a:r>
+            <a:r>
+              <a:rPr lang="en-US" dirty="0"/>
+              <a:t>NS3 </a:t>
+            </a:r>
+            <a:r>
+              <a:rPr lang="el-GR" dirty="0"/>
+              <a:t>υλοποιήθηκε η λύση του 1</a:t>
+            </a:r>
+            <a:r>
+              <a:rPr lang="el-GR" baseline="30000" dirty="0"/>
+              <a:t>ου</a:t>
+            </a:r>
+            <a:r>
+              <a:rPr lang="el-GR" dirty="0"/>
+              <a:t> ερωτήματος στο αρχείο </a:t>
+            </a:r>
+            <a:r>
+              <a:rPr lang="en-US" dirty="0"/>
+              <a:t>mypoint.cc</a:t>
+            </a:r>
+          </a:p>
+          <a:p>
+            <a:pPr algn="just">
+              <a:buFont typeface="Arial" panose="020B0604020202020204" pitchFamily="34" charset="0"/>
+              <a:buChar char="•"/>
+            </a:pPr>
+            <a:r>
+              <a:rPr lang="el-GR" dirty="0"/>
+              <a:t> Έγινε χρήση </a:t>
+            </a:r>
+            <a:r>
+              <a:rPr lang="en-US" dirty="0"/>
+              <a:t>C++</a:t>
+            </a:r>
+          </a:p>
+          <a:p>
+            <a:pPr algn="just">
+              <a:buFont typeface="Arial" panose="020B0604020202020204" pitchFamily="34" charset="0"/>
+              <a:buChar char="•"/>
+            </a:pPr>
+            <a:r>
+              <a:rPr lang="el-GR" dirty="0"/>
+              <a:t> Έγινε χρήση των  βιβλιοθηκών </a:t>
+            </a:r>
+            <a:r>
+              <a:rPr lang="en-US" dirty="0"/>
+              <a:t>:</a:t>
+            </a:r>
+            <a:r>
+              <a:rPr lang="el-GR" dirty="0"/>
+              <a:t> </a:t>
+            </a:r>
+            <a:r>
+              <a:rPr lang="en-US" dirty="0"/>
+              <a:t>flow- monitoring -</a:t>
+            </a:r>
+            <a:r>
+              <a:rPr lang="en-US" dirty="0" err="1"/>
+              <a:t>module.h</a:t>
+            </a:r>
+            <a:r>
+              <a:rPr lang="en-US" dirty="0"/>
+              <a:t> , point-to-point-</a:t>
+            </a:r>
+            <a:r>
+              <a:rPr lang="en-US" dirty="0" err="1"/>
+              <a:t>module.h</a:t>
+            </a:r>
+            <a:endParaRPr lang="en-US" dirty="0"/>
+          </a:p>
+          <a:p>
+            <a:pPr algn="just">
+              <a:buFont typeface="Arial" panose="020B0604020202020204" pitchFamily="34" charset="0"/>
+              <a:buChar char="•"/>
+            </a:pPr>
+            <a:r>
+              <a:rPr lang="el-GR" dirty="0"/>
+              <a:t> Έγινε παραμετροποίηση με τις παραδοχές </a:t>
+            </a:r>
+            <a:r>
+              <a:rPr lang="en-US" dirty="0"/>
+              <a:t>:</a:t>
+            </a:r>
+            <a:endParaRPr lang="el-GR" dirty="0"/>
+          </a:p>
+          <a:p>
+            <a:pPr marL="173736" lvl="1" indent="0" algn="just">
+              <a:buNone/>
+            </a:pPr>
+            <a:r>
+              <a:rPr lang="en-US" dirty="0"/>
+              <a:t>  Data Rate = 5Mbps</a:t>
+            </a:r>
+          </a:p>
+          <a:p>
+            <a:pPr marL="173736" lvl="1" indent="0" algn="just">
+              <a:buNone/>
+            </a:pPr>
+            <a:r>
+              <a:rPr lang="en-US" dirty="0"/>
+              <a:t>  Delay = 6ms</a:t>
+            </a:r>
+          </a:p>
+          <a:p>
+            <a:pPr marL="173736" lvl="1" indent="0" algn="just">
+              <a:buNone/>
+            </a:pPr>
+            <a:r>
+              <a:rPr lang="en-US" dirty="0"/>
+              <a:t>  Packet Size = 1024</a:t>
+            </a:r>
+          </a:p>
+          <a:p>
+            <a:pPr marL="173736" lvl="1" indent="0" algn="just">
+              <a:buNone/>
+            </a:pPr>
+            <a:r>
+              <a:rPr lang="en-US" dirty="0"/>
+              <a:t>  Max Packets = 6</a:t>
+            </a:r>
+          </a:p>
+          <a:p>
+            <a:pPr marL="173736" lvl="1" indent="0" algn="just">
+              <a:buNone/>
+            </a:pPr>
+            <a:r>
+              <a:rPr lang="en-US" dirty="0"/>
+              <a:t>  Simulation Time = 11.0</a:t>
+            </a:r>
+          </a:p>
+          <a:p>
+            <a:pPr algn="just">
+              <a:buFont typeface="Arial" panose="020B0604020202020204" pitchFamily="34" charset="0"/>
+              <a:buChar char="•"/>
+            </a:pPr>
+            <a:endParaRPr lang="el-GR" dirty="0"/>
+          </a:p>
+        </p:txBody>
+      </p:sp>
+      <p:pic>
+        <p:nvPicPr>
+          <p:cNvPr id="2" name="Εικόνα 1">
+            <a:extLst>
+              <a:ext uri="{FF2B5EF4-FFF2-40B4-BE49-F238E27FC236}">
+                <a16:creationId xmlns:a16="http://schemas.microsoft.com/office/drawing/2014/main" id="{72465A12-DE92-430F-83D8-A8CA456E29B7}"/>
+              </a:ext>
+            </a:extLst>
+          </p:cNvPr>
+          <p:cNvPicPr>
+            <a:picLocks noChangeAspect="1"/>
+          </p:cNvPicPr>
+          <p:nvPr/>
+        </p:nvPicPr>
+        <p:blipFill>
+          <a:blip r:embed="rId2"/>
+          <a:stretch>
+            <a:fillRect/>
+          </a:stretch>
+        </p:blipFill>
+        <p:spPr>
+          <a:xfrm>
+            <a:off x="6596884" y="4396609"/>
+            <a:ext cx="4705350" cy="1485900"/>
+          </a:xfrm>
+          <a:prstGeom prst="rect">
+            <a:avLst/>
+          </a:prstGeom>
+        </p:spPr>
+      </p:pic>
+    </p:spTree>
+    <p:extLst>
+      <p:ext uri="{BB962C8B-B14F-4D97-AF65-F5344CB8AC3E}">
+        <p14:creationId xmlns:p14="http://schemas.microsoft.com/office/powerpoint/2010/main" val="2973954065"/>
+      </p:ext>
+    </p:extLst>
+  </p:cSld>
+  <p:clrMapOvr>
+    <a:masterClrMapping/>
+  </p:clrMapOvr>
+  <p:transition spd="slow">
+    <p:push dir="u"/>
+  </p:transition>
+</p:sld>
+</file>
+
+<file path=ppt/slides/slide7.xml><?xml version="1.0" encoding="utf-8"?>
+<p:sld xmlns:a="http://schemas.openxmlformats.org/drawingml/2006/main" xmlns:r="http://schemas.openxmlformats.org/officeDocument/2006/relationships" xmlns:p="http://schemas.openxmlformats.org/presentationml/2006/main">
+  <p:cSld>
+    <p:spTree>
+      <p:nvGrpSpPr>
+        <p:cNvPr id="1" name=""/>
+        <p:cNvGrpSpPr/>
+        <p:nvPr/>
+      </p:nvGrpSpPr>
+      <p:grpSpPr>
+        <a:xfrm>
+          <a:off x="0" y="0"/>
+          <a:ext cx="0" cy="0"/>
+          <a:chOff x="0" y="0"/>
+          <a:chExt cx="0" cy="0"/>
+        </a:xfrm>
+      </p:grpSpPr>
+      <p:sp>
+        <p:nvSpPr>
+          <p:cNvPr id="2" name="Τίτλος 1">
+            <a:extLst>
+              <a:ext uri="{FF2B5EF4-FFF2-40B4-BE49-F238E27FC236}">
+                <a16:creationId xmlns:a16="http://schemas.microsoft.com/office/drawing/2014/main" id="{3356E8B7-F79F-49D2-A78C-DB57940338DA}"/>
+              </a:ext>
+            </a:extLst>
+          </p:cNvPr>
+          <p:cNvSpPr>
+            <a:spLocks noGrp="1"/>
+          </p:cNvSpPr>
+          <p:nvPr>
+            <p:ph type="title"/>
+          </p:nvPr>
+        </p:nvSpPr>
+        <p:spPr>
+          <a:xfrm>
+            <a:off x="1024127" y="979714"/>
+            <a:ext cx="10415203" cy="1105118"/>
+          </a:xfrm>
+        </p:spPr>
+        <p:txBody>
+          <a:bodyPr anchor="ctr">
+            <a:noAutofit/>
+          </a:bodyPr>
+          <a:lstStyle/>
+          <a:p>
+            <a:r>
+              <a:rPr lang="el-GR" sz="4800" b="1" dirty="0"/>
+              <a:t>αποτελεσματα του ερωτηματοσ 1</a:t>
+            </a:r>
+            <a:br>
+              <a:rPr lang="el-GR" sz="4800" dirty="0"/>
+            </a:br>
+            <a:endParaRPr lang="el-GR" sz="4800" dirty="0"/>
+          </a:p>
+        </p:txBody>
+      </p:sp>
+      <p:sp>
+        <p:nvSpPr>
+          <p:cNvPr id="3" name="Θέση περιεχομένου 2">
+            <a:extLst>
+              <a:ext uri="{FF2B5EF4-FFF2-40B4-BE49-F238E27FC236}">
+                <a16:creationId xmlns:a16="http://schemas.microsoft.com/office/drawing/2014/main" id="{64EFDE80-4506-46C6-AB1D-895B45782802}"/>
+              </a:ext>
+            </a:extLst>
+          </p:cNvPr>
+          <p:cNvSpPr>
+            <a:spLocks noGrp="1"/>
+          </p:cNvSpPr>
+          <p:nvPr>
+            <p:ph sz="half" idx="1"/>
+          </p:nvPr>
+        </p:nvSpPr>
+        <p:spPr>
+          <a:xfrm>
+            <a:off x="1024127" y="2579914"/>
+            <a:ext cx="4754880" cy="3489810"/>
+          </a:xfrm>
+        </p:spPr>
+        <p:txBody>
+          <a:bodyPr>
+            <a:normAutofit/>
+          </a:bodyPr>
+          <a:lstStyle/>
+          <a:p>
+            <a:pPr>
+              <a:buFont typeface="Arial" panose="020B0604020202020204" pitchFamily="34" charset="0"/>
+              <a:buChar char="•"/>
+            </a:pPr>
+            <a:r>
+              <a:rPr lang="el-GR" dirty="0"/>
+              <a:t>Εκτελώντας την προσομοίωση </a:t>
+            </a:r>
+            <a:r>
+              <a:rPr lang="en-US" dirty="0"/>
+              <a:t>point to point </a:t>
+            </a:r>
+            <a:r>
+              <a:rPr lang="el-GR" dirty="0"/>
+              <a:t>σύνδεσης στο </a:t>
+            </a:r>
+            <a:r>
+              <a:rPr lang="en-US" dirty="0"/>
+              <a:t>Ubuntu</a:t>
+            </a:r>
+            <a:r>
+              <a:rPr lang="el-GR" dirty="0"/>
+              <a:t> σύστημα μας, προέκυψαν τα εξής δεδομένα :</a:t>
+            </a:r>
+          </a:p>
+          <a:p>
+            <a:pPr>
+              <a:buFont typeface="Arial" panose="020B0604020202020204" pitchFamily="34" charset="0"/>
+              <a:buChar char="•"/>
+            </a:pPr>
+            <a:endParaRPr lang="el-GR" u="sng" dirty="0"/>
+          </a:p>
+          <a:p>
+            <a:pPr>
+              <a:buFont typeface="Arial" panose="020B0604020202020204" pitchFamily="34" charset="0"/>
+              <a:buChar char="•"/>
+            </a:pPr>
+            <a:endParaRPr lang="el-GR" u="sng" dirty="0"/>
+          </a:p>
+          <a:p>
+            <a:pPr marL="0" indent="0">
+              <a:buNone/>
+            </a:pPr>
+            <a:r>
+              <a:rPr lang="el-GR" dirty="0"/>
+              <a:t>+ </a:t>
+            </a:r>
+            <a:r>
+              <a:rPr lang="el-GR" dirty="0" err="1"/>
+              <a:t>καποιο</a:t>
+            </a:r>
+            <a:r>
+              <a:rPr lang="el-GR" dirty="0"/>
+              <a:t> </a:t>
+            </a:r>
+            <a:r>
+              <a:rPr lang="el-GR" dirty="0" err="1"/>
+              <a:t>διαγραμμα</a:t>
+            </a:r>
+            <a:r>
+              <a:rPr lang="el-GR" dirty="0"/>
+              <a:t>?</a:t>
+            </a:r>
+          </a:p>
+        </p:txBody>
+      </p:sp>
+      <p:pic>
+        <p:nvPicPr>
+          <p:cNvPr id="5" name="Picture 4" descr="A computer screen shot of a program&#10;&#10;AI-generated content may be incorrect.">
+            <a:extLst>
+              <a:ext uri="{FF2B5EF4-FFF2-40B4-BE49-F238E27FC236}">
+                <a16:creationId xmlns:a16="http://schemas.microsoft.com/office/drawing/2014/main" id="{4D4C9CBC-682B-AA87-BB61-FF4351371139}"/>
+              </a:ext>
+            </a:extLst>
+          </p:cNvPr>
+          <p:cNvPicPr>
+            <a:picLocks noChangeAspect="1"/>
+          </p:cNvPicPr>
+          <p:nvPr/>
+        </p:nvPicPr>
+        <p:blipFill>
+          <a:blip r:embed="rId2"/>
+          <a:stretch>
+            <a:fillRect/>
+          </a:stretch>
+        </p:blipFill>
+        <p:spPr>
+          <a:xfrm>
+            <a:off x="6764694" y="2184449"/>
+            <a:ext cx="3979506" cy="4124911"/>
+          </a:xfrm>
+          <a:prstGeom prst="rect">
+            <a:avLst/>
+          </a:prstGeom>
+          <a:noFill/>
+        </p:spPr>
+      </p:pic>
+    </p:spTree>
+    <p:extLst>
+      <p:ext uri="{BB962C8B-B14F-4D97-AF65-F5344CB8AC3E}">
+        <p14:creationId xmlns:p14="http://schemas.microsoft.com/office/powerpoint/2010/main" val="3045251129"/>
+      </p:ext>
+    </p:extLst>
+  </p:cSld>
+  <p:clrMapOvr>
+    <a:masterClrMapping/>
+  </p:clrMapOvr>
+  <p:transition spd="slow">
+    <p:push dir="u"/>
+  </p:transition>
+</p:sld>
+</file>
+
+<file path=ppt/slides/slide8.xml><?xml version="1.0" encoding="utf-8"?>
+<p:sld xmlns:a="http://schemas.openxmlformats.org/drawingml/2006/main" xmlns:r="http://schemas.openxmlformats.org/officeDocument/2006/relationships" xmlns:p="http://schemas.openxmlformats.org/presentationml/2006/main">
+  <p:cSld>
+    <p:spTree>
+      <p:nvGrpSpPr>
+        <p:cNvPr id="1" name=""/>
+        <p:cNvGrpSpPr/>
+        <p:nvPr/>
+      </p:nvGrpSpPr>
+      <p:grpSpPr>
+        <a:xfrm>
+          <a:off x="0" y="0"/>
+          <a:ext cx="0" cy="0"/>
+          <a:chOff x="0" y="0"/>
+          <a:chExt cx="0" cy="0"/>
+        </a:xfrm>
+      </p:grpSpPr>
+      <p:sp>
+        <p:nvSpPr>
+          <p:cNvPr id="2" name="Τίτλος 1">
+            <a:extLst>
+              <a:ext uri="{FF2B5EF4-FFF2-40B4-BE49-F238E27FC236}">
+                <a16:creationId xmlns:a16="http://schemas.microsoft.com/office/drawing/2014/main" id="{740B5DCF-D7F8-4FA1-B6A2-C54F072B973E}"/>
+              </a:ext>
+            </a:extLst>
+          </p:cNvPr>
+          <p:cNvSpPr>
+            <a:spLocks noGrp="1"/>
+          </p:cNvSpPr>
+          <p:nvPr>
+            <p:ph type="title"/>
+          </p:nvPr>
+        </p:nvSpPr>
+        <p:spPr/>
+        <p:txBody>
+          <a:bodyPr/>
+          <a:lstStyle/>
+          <a:p>
+            <a:r>
+              <a:rPr lang="el-GR" b="1" dirty="0"/>
+              <a:t>ΥΛΟΠΟΙΗΣΗ ΤΟΥ ΕΡΩΤΗΜΑΤΟΣ 2</a:t>
+            </a:r>
+          </a:p>
+        </p:txBody>
+      </p:sp>
+      <p:sp>
+        <p:nvSpPr>
+          <p:cNvPr id="3" name="Θέση περιεχομένου 2">
+            <a:extLst>
+              <a:ext uri="{FF2B5EF4-FFF2-40B4-BE49-F238E27FC236}">
+                <a16:creationId xmlns:a16="http://schemas.microsoft.com/office/drawing/2014/main" id="{B826EC1D-ADB3-40C8-9BDF-B44BD50ABE16}"/>
+              </a:ext>
+            </a:extLst>
+          </p:cNvPr>
+          <p:cNvSpPr>
+            <a:spLocks noGrp="1"/>
+          </p:cNvSpPr>
+          <p:nvPr>
+            <p:ph idx="1"/>
+          </p:nvPr>
+        </p:nvSpPr>
+        <p:spPr>
+          <a:xfrm>
+            <a:off x="732466" y="2249294"/>
+            <a:ext cx="9720073" cy="4023360"/>
+          </a:xfrm>
+        </p:spPr>
+        <p:txBody>
+          <a:bodyPr/>
+          <a:lstStyle/>
+          <a:p>
+            <a:pPr marL="0" indent="0">
+              <a:buNone/>
+            </a:pPr>
+            <a:r>
+              <a:rPr lang="el-GR" dirty="0"/>
+              <a:t>Όσον αφορά το δεύτερο ερώτημα της εργασίας, η τοπολογία που δημιουργήθηκε είναι η εξής </a:t>
+            </a:r>
+            <a:r>
+              <a:rPr lang="en-US" dirty="0"/>
+              <a:t>:</a:t>
+            </a:r>
+          </a:p>
+          <a:p>
+            <a:pPr marL="0" indent="0">
+              <a:buNone/>
+            </a:pPr>
+            <a:endParaRPr lang="en-US" dirty="0"/>
+          </a:p>
+          <a:p>
+            <a:pPr marL="0" indent="0">
+              <a:buNone/>
+            </a:pPr>
+            <a:endParaRPr lang="en-US" dirty="0"/>
+          </a:p>
+          <a:p>
+            <a:endParaRPr lang="el-GR" dirty="0"/>
+          </a:p>
+        </p:txBody>
+      </p:sp>
+      <p:sp>
+        <p:nvSpPr>
+          <p:cNvPr id="5" name="AutoShape 4" descr="image.png">
+            <a:extLst>
+              <a:ext uri="{FF2B5EF4-FFF2-40B4-BE49-F238E27FC236}">
+                <a16:creationId xmlns:a16="http://schemas.microsoft.com/office/drawing/2014/main" id="{9EC8DA17-04F4-4836-B00D-8C2179B2E7C4}"/>
+              </a:ext>
+            </a:extLst>
+          </p:cNvPr>
+          <p:cNvSpPr>
+            <a:spLocks noChangeAspect="1" noChangeArrowheads="1"/>
+          </p:cNvSpPr>
+          <p:nvPr/>
+        </p:nvSpPr>
+        <p:spPr bwMode="auto">
+          <a:xfrm>
+            <a:off x="5943600" y="3276600"/>
+            <a:ext cx="304800" cy="304800"/>
+          </a:xfrm>
+          <a:prstGeom prst="rect">
+            <a:avLst/>
+          </a:prstGeom>
+          <a:noFill/>
+          <a:extLst>
+            <a:ext uri="{909E8E84-426E-40DD-AFC4-6F175D3DCCD1}">
+              <a14:hiddenFill xmlns:a14="http://schemas.microsoft.com/office/drawing/2010/main">
+                <a:solidFill>
+                  <a:srgbClr val="FFFFFF"/>
+                </a:solidFill>
+              </a14:hiddenFill>
+            </a:ext>
+          </a:extLst>
+        </p:spPr>
+        <p:txBody>
+          <a:bodyPr vert="horz" wrap="square" lIns="91440" tIns="45720" rIns="91440" bIns="45720" numCol="1" anchor="t" anchorCtr="0" compatLnSpc="1">
+            <a:prstTxWarp prst="textNoShape">
+              <a:avLst/>
+            </a:prstTxWarp>
+          </a:bodyPr>
+          <a:lstStyle/>
+          <a:p>
+            <a:endParaRPr lang="el-GR"/>
+          </a:p>
+        </p:txBody>
+      </p:sp>
+      <p:pic>
+        <p:nvPicPr>
+          <p:cNvPr id="6" name="Εικόνα 5">
+            <a:extLst>
+              <a:ext uri="{FF2B5EF4-FFF2-40B4-BE49-F238E27FC236}">
+                <a16:creationId xmlns:a16="http://schemas.microsoft.com/office/drawing/2014/main" id="{9107478B-F89B-47FA-B8F9-EAC2BCD55F50}"/>
+              </a:ext>
+            </a:extLst>
+          </p:cNvPr>
+          <p:cNvPicPr>
+            <a:picLocks noChangeAspect="1"/>
+          </p:cNvPicPr>
+          <p:nvPr/>
+        </p:nvPicPr>
+        <p:blipFill>
+          <a:blip r:embed="rId2"/>
+          <a:stretch>
+            <a:fillRect/>
+          </a:stretch>
+        </p:blipFill>
+        <p:spPr>
+          <a:xfrm>
+            <a:off x="732466" y="3003954"/>
+            <a:ext cx="3476927" cy="3247679"/>
+          </a:xfrm>
+          <a:prstGeom prst="rect">
+            <a:avLst/>
+          </a:prstGeom>
+        </p:spPr>
+      </p:pic>
+    </p:spTree>
+    <p:extLst>
+      <p:ext uri="{BB962C8B-B14F-4D97-AF65-F5344CB8AC3E}">
+        <p14:creationId xmlns:p14="http://schemas.microsoft.com/office/powerpoint/2010/main" val="567458805"/>
+      </p:ext>
+    </p:extLst>
+  </p:cSld>
+  <p:clrMapOvr>
+    <a:masterClrMapping/>
+  </p:clrMapOvr>
+  <p:transition spd="slow">
+    <p:push dir="u"/>
+  </p:transition>
+</p:sld>
+</file>
+
+<file path=ppt/slides/slide9.xml><?xml version="1.0" encoding="utf-8"?>
+<p:sld xmlns:a="http://schemas.openxmlformats.org/drawingml/2006/main" xmlns:r="http://schemas.openxmlformats.org/officeDocument/2006/relationships" xmlns:p="http://schemas.openxmlformats.org/presentationml/2006/main">
+  <p:cSld>
+    <p:spTree>
+      <p:nvGrpSpPr>
+        <p:cNvPr id="1" name=""/>
+        <p:cNvGrpSpPr/>
+        <p:nvPr/>
+      </p:nvGrpSpPr>
+      <p:grpSpPr>
+        <a:xfrm>
+          <a:off x="0" y="0"/>
+          <a:ext cx="0" cy="0"/>
+          <a:chOff x="0" y="0"/>
+          <a:chExt cx="0" cy="0"/>
+        </a:xfrm>
+      </p:grpSpPr>
+      <p:sp>
+        <p:nvSpPr>
+          <p:cNvPr id="2" name="Τίτλος 1">
+            <a:extLst>
+              <a:ext uri="{FF2B5EF4-FFF2-40B4-BE49-F238E27FC236}">
                 <a16:creationId xmlns:a16="http://schemas.microsoft.com/office/drawing/2014/main" id="{1C8A6D00-8650-44C1-ADBF-B2BBD782652E}"/>
               </a:ext>
             </a:extLst>
@@ -21766,10 +24416,6 @@
             <a:r>
               <a:rPr lang="el-GR" b="1" dirty="0"/>
               <a:t>ΔΕΔΟΜΕΝΑ ΓΙΑ ΤΟ ΕΡΩΤΗΜΑ 2</a:t>
-            </a:r>
-            <a:r>
-              <a:rPr lang="en-US" b="1" dirty="0"/>
-              <a:t>(2)</a:t>
             </a:r>
             <a:endParaRPr lang="el-GR" dirty="0"/>
           </a:p>
@@ -21901,7 +24547,7 @@
               <a:rPr lang="el-GR" altLang="el-GR" sz="1800" dirty="0">
                 <a:latin typeface="Arial" panose="020B0604020202020204" pitchFamily="34" charset="0"/>
               </a:rPr>
-              <a:t>ε την δυναμική δρομολόγηση με όνομα </a:t>
+              <a:t>ε την δυναμική δρομολόγηση </a:t>
             </a:r>
             <a:r>
               <a:rPr kumimoji="0" lang="el-GR" altLang="el-GR" sz="1800" b="0" i="0" u="none" strike="noStrike" cap="none" normalizeH="0" baseline="0" dirty="0">
@@ -22245,2724 +24891,6 @@
     <p:extLst>
       <p:ext uri="{BB962C8B-B14F-4D97-AF65-F5344CB8AC3E}">
         <p14:creationId xmlns:p14="http://schemas.microsoft.com/office/powerpoint/2010/main" val="2607584059"/>
-      </p:ext>
-    </p:extLst>
-  </p:cSld>
-  <p:clrMapOvr>
-    <a:masterClrMapping/>
-  </p:clrMapOvr>
-  <p:transition spd="slow">
-    <p:push dir="u"/>
-  </p:transition>
-</p:sld>
-</file>
-
-<file path=ppt/slides/slide11.xml><?xml version="1.0" encoding="utf-8"?>
-<p:sld xmlns:a="http://schemas.openxmlformats.org/drawingml/2006/main" xmlns:r="http://schemas.openxmlformats.org/officeDocument/2006/relationships" xmlns:p="http://schemas.openxmlformats.org/presentationml/2006/main">
-  <p:cSld>
-    <p:spTree>
-      <p:nvGrpSpPr>
-        <p:cNvPr id="1" name=""/>
-        <p:cNvGrpSpPr/>
-        <p:nvPr/>
-      </p:nvGrpSpPr>
-      <p:grpSpPr>
-        <a:xfrm>
-          <a:off x="0" y="0"/>
-          <a:ext cx="0" cy="0"/>
-          <a:chOff x="0" y="0"/>
-          <a:chExt cx="0" cy="0"/>
-        </a:xfrm>
-      </p:grpSpPr>
-      <p:sp>
-        <p:nvSpPr>
-          <p:cNvPr id="2" name="Τίτλος 1">
-            <a:extLst>
-              <a:ext uri="{FF2B5EF4-FFF2-40B4-BE49-F238E27FC236}">
-                <a16:creationId xmlns:a16="http://schemas.microsoft.com/office/drawing/2014/main" id="{E5365960-9D8F-4319-A962-7839A7D1F5FE}"/>
-              </a:ext>
-            </a:extLst>
-          </p:cNvPr>
-          <p:cNvSpPr>
-            <a:spLocks noGrp="1"/>
-          </p:cNvSpPr>
-          <p:nvPr>
-            <p:ph type="title"/>
-          </p:nvPr>
-        </p:nvSpPr>
-        <p:spPr>
-          <a:xfrm>
-            <a:off x="1024128" y="585216"/>
-            <a:ext cx="9720072" cy="1495832"/>
-          </a:xfrm>
-        </p:spPr>
-        <p:txBody>
-          <a:bodyPr/>
-          <a:lstStyle/>
-          <a:p>
-            <a:r>
-              <a:rPr lang="el-GR" b="1" dirty="0"/>
-              <a:t>ΑΠΟΤΕΛΕΣΜΑΤΑ ΤΟΥ ΕΡΩΤΗΜΑΤΟΣ 2</a:t>
-            </a:r>
-          </a:p>
-        </p:txBody>
-      </p:sp>
-      <p:sp>
-        <p:nvSpPr>
-          <p:cNvPr id="3" name="Θέση περιεχομένου 2">
-            <a:extLst>
-              <a:ext uri="{FF2B5EF4-FFF2-40B4-BE49-F238E27FC236}">
-                <a16:creationId xmlns:a16="http://schemas.microsoft.com/office/drawing/2014/main" id="{1D1334D3-3BC5-4A44-90E5-26EDD7F3FC51}"/>
-              </a:ext>
-            </a:extLst>
-          </p:cNvPr>
-          <p:cNvSpPr>
-            <a:spLocks noGrp="1"/>
-          </p:cNvSpPr>
-          <p:nvPr>
-            <p:ph sz="half" idx="1"/>
-          </p:nvPr>
-        </p:nvSpPr>
-        <p:spPr>
-          <a:xfrm>
-            <a:off x="1024126" y="2286000"/>
-            <a:ext cx="9199811" cy="740979"/>
-          </a:xfrm>
-        </p:spPr>
-        <p:txBody>
-          <a:bodyPr/>
-          <a:lstStyle/>
-          <a:p>
-            <a:pPr marL="0" indent="0">
-              <a:buNone/>
-            </a:pPr>
-            <a:r>
-              <a:rPr lang="el-GR" dirty="0"/>
-              <a:t>Με</a:t>
-            </a:r>
-            <a:r>
-              <a:rPr lang="en-US" dirty="0"/>
-              <a:t> delay=5ms </a:t>
-            </a:r>
-            <a:r>
-              <a:rPr lang="el-GR" dirty="0"/>
-              <a:t>στα </a:t>
-            </a:r>
-            <a:r>
-              <a:rPr lang="en-US" dirty="0"/>
-              <a:t> node devices 0-1 </a:t>
-            </a:r>
-            <a:r>
-              <a:rPr lang="el-GR" dirty="0"/>
-              <a:t>και </a:t>
-            </a:r>
-            <a:r>
-              <a:rPr lang="fr-FR" dirty="0"/>
-              <a:t>double </a:t>
-            </a:r>
-            <a:r>
-              <a:rPr lang="fr-FR" b="1" dirty="0" err="1"/>
-              <a:t>failDownAt</a:t>
-            </a:r>
-            <a:r>
-              <a:rPr lang="fr-FR" b="1" dirty="0"/>
-              <a:t> = 2.0</a:t>
-            </a:r>
-            <a:r>
-              <a:rPr lang="fr-FR" dirty="0"/>
-              <a:t>;</a:t>
-            </a:r>
-            <a:r>
-              <a:rPr lang="el-GR" dirty="0"/>
-              <a:t> </a:t>
-            </a:r>
-            <a:r>
-              <a:rPr lang="fr-FR" b="1" dirty="0"/>
-              <a:t>double </a:t>
-            </a:r>
-            <a:r>
-              <a:rPr lang="fr-FR" b="1" dirty="0" err="1"/>
-              <a:t>failUpAt</a:t>
-            </a:r>
-            <a:r>
-              <a:rPr lang="fr-FR" b="1" dirty="0"/>
-              <a:t>   = 3.0</a:t>
-            </a:r>
-            <a:r>
-              <a:rPr lang="fr-FR" dirty="0"/>
-              <a:t>;</a:t>
-            </a:r>
-            <a:r>
-              <a:rPr lang="el-GR" dirty="0"/>
-              <a:t> έχουμε </a:t>
-            </a:r>
-            <a:r>
-              <a:rPr lang="en-US" dirty="0"/>
-              <a:t>:</a:t>
-            </a:r>
-          </a:p>
-          <a:p>
-            <a:endParaRPr lang="el-GR" dirty="0"/>
-          </a:p>
-        </p:txBody>
-      </p:sp>
-      <p:pic>
-        <p:nvPicPr>
-          <p:cNvPr id="5" name="Εικόνα 4">
-            <a:extLst>
-              <a:ext uri="{FF2B5EF4-FFF2-40B4-BE49-F238E27FC236}">
-                <a16:creationId xmlns:a16="http://schemas.microsoft.com/office/drawing/2014/main" id="{DDA09587-AC8A-42DB-BB6F-871EFA108655}"/>
-              </a:ext>
-            </a:extLst>
-          </p:cNvPr>
-          <p:cNvPicPr>
-            <a:picLocks noChangeAspect="1"/>
-          </p:cNvPicPr>
-          <p:nvPr/>
-        </p:nvPicPr>
-        <p:blipFill>
-          <a:blip r:embed="rId2"/>
-          <a:stretch>
-            <a:fillRect/>
-          </a:stretch>
-        </p:blipFill>
-        <p:spPr>
-          <a:xfrm>
-            <a:off x="1024127" y="3329678"/>
-            <a:ext cx="6169599" cy="3184634"/>
-          </a:xfrm>
-          <a:prstGeom prst="rect">
-            <a:avLst/>
-          </a:prstGeom>
-        </p:spPr>
-      </p:pic>
-    </p:spTree>
-    <p:extLst>
-      <p:ext uri="{BB962C8B-B14F-4D97-AF65-F5344CB8AC3E}">
-        <p14:creationId xmlns:p14="http://schemas.microsoft.com/office/powerpoint/2010/main" val="3034707825"/>
-      </p:ext>
-    </p:extLst>
-  </p:cSld>
-  <p:clrMapOvr>
-    <a:masterClrMapping/>
-  </p:clrMapOvr>
-  <p:transition spd="slow">
-    <p:push dir="u"/>
-  </p:transition>
-</p:sld>
-</file>
-
-<file path=ppt/slides/slide12.xml><?xml version="1.0" encoding="utf-8"?>
-<p:sld xmlns:a="http://schemas.openxmlformats.org/drawingml/2006/main" xmlns:r="http://schemas.openxmlformats.org/officeDocument/2006/relationships" xmlns:p="http://schemas.openxmlformats.org/presentationml/2006/main">
-  <p:cSld>
-    <p:spTree>
-      <p:nvGrpSpPr>
-        <p:cNvPr id="1" name=""/>
-        <p:cNvGrpSpPr/>
-        <p:nvPr/>
-      </p:nvGrpSpPr>
-      <p:grpSpPr>
-        <a:xfrm>
-          <a:off x="0" y="0"/>
-          <a:ext cx="0" cy="0"/>
-          <a:chOff x="0" y="0"/>
-          <a:chExt cx="0" cy="0"/>
-        </a:xfrm>
-      </p:grpSpPr>
-      <p:sp>
-        <p:nvSpPr>
-          <p:cNvPr id="2" name="Τίτλος 1">
-            <a:extLst>
-              <a:ext uri="{FF2B5EF4-FFF2-40B4-BE49-F238E27FC236}">
-                <a16:creationId xmlns:a16="http://schemas.microsoft.com/office/drawing/2014/main" id="{54AC1203-DE96-4B6F-8CA4-2F60F7F5C9A0}"/>
-              </a:ext>
-            </a:extLst>
-          </p:cNvPr>
-          <p:cNvSpPr>
-            <a:spLocks noGrp="1"/>
-          </p:cNvSpPr>
-          <p:nvPr>
-            <p:ph type="title"/>
-          </p:nvPr>
-        </p:nvSpPr>
-        <p:spPr/>
-        <p:txBody>
-          <a:bodyPr/>
-          <a:lstStyle/>
-          <a:p>
-            <a:r>
-              <a:rPr lang="el-GR" b="1" dirty="0"/>
-              <a:t>ΑΠΟΤΕΛΕΣΜΑΤΑ ΤΟΥ ΕΡΩΤΗΜΑΤΟΣ 2</a:t>
-            </a:r>
-            <a:endParaRPr lang="el-GR" dirty="0"/>
-          </a:p>
-        </p:txBody>
-      </p:sp>
-      <p:sp>
-        <p:nvSpPr>
-          <p:cNvPr id="3" name="Θέση περιεχομένου 2">
-            <a:extLst>
-              <a:ext uri="{FF2B5EF4-FFF2-40B4-BE49-F238E27FC236}">
-                <a16:creationId xmlns:a16="http://schemas.microsoft.com/office/drawing/2014/main" id="{5ACBCB00-2F20-4477-BDCC-021A102AB6C3}"/>
-              </a:ext>
-            </a:extLst>
-          </p:cNvPr>
-          <p:cNvSpPr>
-            <a:spLocks noGrp="1"/>
-          </p:cNvSpPr>
-          <p:nvPr>
-            <p:ph sz="half" idx="1"/>
-          </p:nvPr>
-        </p:nvSpPr>
-        <p:spPr>
-          <a:xfrm>
-            <a:off x="1024126" y="2286000"/>
-            <a:ext cx="9050039" cy="961697"/>
-          </a:xfrm>
-        </p:spPr>
-        <p:txBody>
-          <a:bodyPr>
-            <a:normAutofit/>
-          </a:bodyPr>
-          <a:lstStyle/>
-          <a:p>
-            <a:r>
-              <a:rPr lang="el-GR" dirty="0"/>
-              <a:t>Με </a:t>
-            </a:r>
-            <a:r>
-              <a:rPr lang="en-US" dirty="0"/>
-              <a:t>delay=</a:t>
-            </a:r>
-            <a:r>
-              <a:rPr lang="el-GR" dirty="0"/>
-              <a:t>2</a:t>
-            </a:r>
-            <a:r>
-              <a:rPr lang="en-US" dirty="0" err="1"/>
-              <a:t>ms</a:t>
-            </a:r>
-            <a:r>
-              <a:rPr lang="en-US" dirty="0"/>
-              <a:t> </a:t>
-            </a:r>
-            <a:r>
-              <a:rPr lang="el-GR" dirty="0"/>
-              <a:t>στα  </a:t>
-            </a:r>
-            <a:r>
-              <a:rPr lang="en-US" dirty="0"/>
-              <a:t>node devices 0-1 </a:t>
-            </a:r>
-            <a:r>
-              <a:rPr lang="el-GR" dirty="0"/>
-              <a:t>και </a:t>
-            </a:r>
-            <a:r>
-              <a:rPr lang="en-US" b="1" dirty="0"/>
-              <a:t>double </a:t>
-            </a:r>
-            <a:r>
-              <a:rPr lang="en-US" b="1" dirty="0" err="1"/>
-              <a:t>failDownAt</a:t>
-            </a:r>
-            <a:r>
-              <a:rPr lang="en-US" b="1" dirty="0"/>
-              <a:t> = </a:t>
-            </a:r>
-            <a:r>
-              <a:rPr lang="el-GR" b="1" dirty="0"/>
-              <a:t>8</a:t>
-            </a:r>
-            <a:r>
-              <a:rPr lang="en-US" b="1" dirty="0"/>
-              <a:t>.0; </a:t>
-            </a:r>
-            <a:r>
-              <a:rPr lang="en-US" dirty="0"/>
-              <a:t>double </a:t>
-            </a:r>
-            <a:r>
-              <a:rPr lang="en-US" b="1" dirty="0" err="1"/>
-              <a:t>failUpAt</a:t>
-            </a:r>
-            <a:r>
-              <a:rPr lang="en-US" b="1" dirty="0"/>
-              <a:t>   = </a:t>
-            </a:r>
-            <a:r>
-              <a:rPr lang="el-GR" b="1" dirty="0"/>
-              <a:t>6</a:t>
-            </a:r>
-            <a:r>
-              <a:rPr lang="en-US" b="1" dirty="0"/>
-              <a:t>.0; </a:t>
-            </a:r>
-            <a:r>
-              <a:rPr lang="el-GR" dirty="0"/>
-              <a:t>έχουμε :</a:t>
-            </a:r>
-          </a:p>
-          <a:p>
-            <a:endParaRPr lang="en-US" dirty="0"/>
-          </a:p>
-        </p:txBody>
-      </p:sp>
-      <p:pic>
-        <p:nvPicPr>
-          <p:cNvPr id="5" name="Θέση περιεχομένου 4">
-            <a:extLst>
-              <a:ext uri="{FF2B5EF4-FFF2-40B4-BE49-F238E27FC236}">
-                <a16:creationId xmlns:a16="http://schemas.microsoft.com/office/drawing/2014/main" id="{ACDCA8BA-760A-4DEE-AA1B-0DC480EDDCAC}"/>
-              </a:ext>
-            </a:extLst>
-          </p:cNvPr>
-          <p:cNvPicPr>
-            <a:picLocks noGrp="1" noChangeAspect="1"/>
-          </p:cNvPicPr>
-          <p:nvPr>
-            <p:ph sz="half" idx="2"/>
-          </p:nvPr>
-        </p:nvPicPr>
-        <p:blipFill>
-          <a:blip r:embed="rId2"/>
-          <a:stretch>
-            <a:fillRect/>
-          </a:stretch>
-        </p:blipFill>
-        <p:spPr>
-          <a:xfrm>
-            <a:off x="1024126" y="3429000"/>
-            <a:ext cx="5849639" cy="2843259"/>
-          </a:xfrm>
-          <a:prstGeom prst="rect">
-            <a:avLst/>
-          </a:prstGeom>
-        </p:spPr>
-      </p:pic>
-      <p:sp>
-        <p:nvSpPr>
-          <p:cNvPr id="6" name="Ορθογώνιο 5">
-            <a:extLst>
-              <a:ext uri="{FF2B5EF4-FFF2-40B4-BE49-F238E27FC236}">
-                <a16:creationId xmlns:a16="http://schemas.microsoft.com/office/drawing/2014/main" id="{5368E1DB-74DB-4CCE-94F2-53719AEDB8D7}"/>
-              </a:ext>
-            </a:extLst>
-          </p:cNvPr>
-          <p:cNvSpPr/>
-          <p:nvPr/>
-        </p:nvSpPr>
-        <p:spPr>
-          <a:xfrm>
-            <a:off x="7099738" y="3849839"/>
-            <a:ext cx="4259317" cy="1200329"/>
-          </a:xfrm>
-          <a:prstGeom prst="rect">
-            <a:avLst/>
-          </a:prstGeom>
-        </p:spPr>
-        <p:txBody>
-          <a:bodyPr wrap="square">
-            <a:spAutoFit/>
-          </a:bodyPr>
-          <a:lstStyle/>
-          <a:p>
-            <a:pPr algn="just"/>
-            <a:r>
-              <a:rPr lang="el-GR" dirty="0"/>
-              <a:t>Παρατηρούμε επίσης πως το PDR </a:t>
-            </a:r>
-            <a:r>
-              <a:rPr lang="en-US" dirty="0"/>
-              <a:t>=</a:t>
-            </a:r>
-            <a:r>
-              <a:rPr lang="el-GR" dirty="0"/>
-              <a:t>50% επειδή κάποια πακέτα χάνονται ενώ άλλα έχουν ήδη αρχίσει να δρομολογούνται μέσω της νέας διαδρομής.</a:t>
-            </a:r>
-          </a:p>
-        </p:txBody>
-      </p:sp>
-    </p:spTree>
-    <p:extLst>
-      <p:ext uri="{BB962C8B-B14F-4D97-AF65-F5344CB8AC3E}">
-        <p14:creationId xmlns:p14="http://schemas.microsoft.com/office/powerpoint/2010/main" val="3980910133"/>
-      </p:ext>
-    </p:extLst>
-  </p:cSld>
-  <p:clrMapOvr>
-    <a:masterClrMapping/>
-  </p:clrMapOvr>
-  <p:transition spd="slow">
-    <p:push dir="u"/>
-  </p:transition>
-</p:sld>
-</file>
-
-<file path=ppt/slides/slide13.xml><?xml version="1.0" encoding="utf-8"?>
-<p:sld xmlns:a="http://schemas.openxmlformats.org/drawingml/2006/main" xmlns:r="http://schemas.openxmlformats.org/officeDocument/2006/relationships" xmlns:p="http://schemas.openxmlformats.org/presentationml/2006/main">
-  <p:cSld>
-    <p:spTree>
-      <p:nvGrpSpPr>
-        <p:cNvPr id="1" name=""/>
-        <p:cNvGrpSpPr/>
-        <p:nvPr/>
-      </p:nvGrpSpPr>
-      <p:grpSpPr>
-        <a:xfrm>
-          <a:off x="0" y="0"/>
-          <a:ext cx="0" cy="0"/>
-          <a:chOff x="0" y="0"/>
-          <a:chExt cx="0" cy="0"/>
-        </a:xfrm>
-      </p:grpSpPr>
-      <p:sp>
-        <p:nvSpPr>
-          <p:cNvPr id="2" name="Τίτλος 1">
-            <a:extLst>
-              <a:ext uri="{FF2B5EF4-FFF2-40B4-BE49-F238E27FC236}">
-                <a16:creationId xmlns:a16="http://schemas.microsoft.com/office/drawing/2014/main" id="{8C00DAD0-3F5C-4917-A7D5-A3D10C3144EA}"/>
-              </a:ext>
-            </a:extLst>
-          </p:cNvPr>
-          <p:cNvSpPr>
-            <a:spLocks noGrp="1"/>
-          </p:cNvSpPr>
-          <p:nvPr>
-            <p:ph type="title"/>
-          </p:nvPr>
-        </p:nvSpPr>
-        <p:spPr/>
-        <p:txBody>
-          <a:bodyPr/>
-          <a:lstStyle/>
-          <a:p>
-            <a:r>
-              <a:rPr lang="en-US" dirty="0" err="1"/>
-              <a:t>github</a:t>
-            </a:r>
-            <a:endParaRPr lang="el-GR" dirty="0"/>
-          </a:p>
-        </p:txBody>
-      </p:sp>
-      <p:sp>
-        <p:nvSpPr>
-          <p:cNvPr id="3" name="Θέση περιεχομένου 2">
-            <a:extLst>
-              <a:ext uri="{FF2B5EF4-FFF2-40B4-BE49-F238E27FC236}">
-                <a16:creationId xmlns:a16="http://schemas.microsoft.com/office/drawing/2014/main" id="{A6FF4638-58AE-4F9F-BEB5-E0E22CA065D6}"/>
-              </a:ext>
-            </a:extLst>
-          </p:cNvPr>
-          <p:cNvSpPr>
-            <a:spLocks noGrp="1"/>
-          </p:cNvSpPr>
-          <p:nvPr>
-            <p:ph sz="half" idx="1"/>
-          </p:nvPr>
-        </p:nvSpPr>
-        <p:spPr>
-          <a:xfrm>
-            <a:off x="1024126" y="2286000"/>
-            <a:ext cx="9861963" cy="4023360"/>
-          </a:xfrm>
-        </p:spPr>
-        <p:txBody>
-          <a:bodyPr/>
-          <a:lstStyle/>
-          <a:p>
-            <a:r>
-              <a:rPr lang="el-GR" dirty="0"/>
-              <a:t>Τα αρχεία του κώδικα καθώς και η</a:t>
-            </a:r>
-            <a:r>
-              <a:rPr lang="en-US" dirty="0"/>
-              <a:t> </a:t>
-            </a:r>
-            <a:r>
-              <a:rPr lang="el-GR" dirty="0"/>
-              <a:t>παρουσίαση βρίσκονται στο εξής </a:t>
-            </a:r>
-            <a:r>
-              <a:rPr lang="en-US" dirty="0"/>
-              <a:t>link:</a:t>
-            </a:r>
-            <a:endParaRPr lang="el-GR" dirty="0"/>
-          </a:p>
-        </p:txBody>
-      </p:sp>
-    </p:spTree>
-    <p:extLst>
-      <p:ext uri="{BB962C8B-B14F-4D97-AF65-F5344CB8AC3E}">
-        <p14:creationId xmlns:p14="http://schemas.microsoft.com/office/powerpoint/2010/main" val="1058767610"/>
-      </p:ext>
-    </p:extLst>
-  </p:cSld>
-  <p:clrMapOvr>
-    <a:masterClrMapping/>
-  </p:clrMapOvr>
-  <p:transition spd="slow">
-    <p:push dir="u"/>
-  </p:transition>
-</p:sld>
-</file>
-
-<file path=ppt/slides/slide14.xml><?xml version="1.0" encoding="utf-8"?>
-<p:sld xmlns:a="http://schemas.openxmlformats.org/drawingml/2006/main" xmlns:r="http://schemas.openxmlformats.org/officeDocument/2006/relationships" xmlns:p="http://schemas.openxmlformats.org/presentationml/2006/main">
-  <p:cSld>
-    <p:spTree>
-      <p:nvGrpSpPr>
-        <p:cNvPr id="1" name=""/>
-        <p:cNvGrpSpPr/>
-        <p:nvPr/>
-      </p:nvGrpSpPr>
-      <p:grpSpPr>
-        <a:xfrm>
-          <a:off x="0" y="0"/>
-          <a:ext cx="0" cy="0"/>
-          <a:chOff x="0" y="0"/>
-          <a:chExt cx="0" cy="0"/>
-        </a:xfrm>
-      </p:grpSpPr>
-      <p:sp>
-        <p:nvSpPr>
-          <p:cNvPr id="2" name="Τίτλος 1">
-            <a:extLst>
-              <a:ext uri="{FF2B5EF4-FFF2-40B4-BE49-F238E27FC236}">
-                <a16:creationId xmlns:a16="http://schemas.microsoft.com/office/drawing/2014/main" id="{D3B5979B-DAA2-4179-A467-7A963AB07EB6}"/>
-              </a:ext>
-            </a:extLst>
-          </p:cNvPr>
-          <p:cNvSpPr>
-            <a:spLocks noGrp="1"/>
-          </p:cNvSpPr>
-          <p:nvPr>
-            <p:ph type="title"/>
-          </p:nvPr>
-        </p:nvSpPr>
-        <p:spPr/>
-        <p:txBody>
-          <a:bodyPr/>
-          <a:lstStyle/>
-          <a:p>
-            <a:r>
-              <a:rPr lang="el-GR" b="1" dirty="0"/>
-              <a:t>Πηγες</a:t>
-            </a:r>
-            <a:r>
-              <a:rPr lang="en-US" b="1" dirty="0"/>
-              <a:t> kai </a:t>
-            </a:r>
-            <a:r>
-              <a:rPr lang="el-GR" b="1" dirty="0"/>
-              <a:t>Βιβλιογραφια</a:t>
-            </a:r>
-          </a:p>
-        </p:txBody>
-      </p:sp>
-      <p:sp>
-        <p:nvSpPr>
-          <p:cNvPr id="3" name="Θέση περιεχομένου 2">
-            <a:extLst>
-              <a:ext uri="{FF2B5EF4-FFF2-40B4-BE49-F238E27FC236}">
-                <a16:creationId xmlns:a16="http://schemas.microsoft.com/office/drawing/2014/main" id="{2C15E7EE-1AAC-44FA-9CBE-14186AB94BEE}"/>
-              </a:ext>
-            </a:extLst>
-          </p:cNvPr>
-          <p:cNvSpPr>
-            <a:spLocks noGrp="1"/>
-          </p:cNvSpPr>
-          <p:nvPr>
-            <p:ph idx="1"/>
-          </p:nvPr>
-        </p:nvSpPr>
-        <p:spPr>
-          <a:xfrm>
-            <a:off x="1024128" y="2435291"/>
-            <a:ext cx="9720073" cy="3547055"/>
-          </a:xfrm>
-        </p:spPr>
-        <p:txBody>
-          <a:bodyPr>
-            <a:normAutofit fontScale="25000" lnSpcReduction="20000"/>
-          </a:bodyPr>
-          <a:lstStyle/>
-          <a:p>
-            <a:r>
-              <a:rPr lang="el-GR" sz="4800" b="1" dirty="0"/>
-              <a:t>Για το </a:t>
-            </a:r>
-            <a:r>
-              <a:rPr lang="en-US" sz="4800" b="1" dirty="0"/>
-              <a:t>setup </a:t>
-            </a:r>
-            <a:r>
-              <a:rPr lang="el-GR" sz="4800" b="1" dirty="0"/>
-              <a:t>της εργασίας και το ερώτημα 1</a:t>
-            </a:r>
-            <a:r>
-              <a:rPr lang="en-US" sz="4800" b="1" dirty="0"/>
-              <a:t>:</a:t>
-            </a:r>
-            <a:br>
-              <a:rPr lang="en-US" sz="4800" dirty="0"/>
-            </a:br>
-            <a:br>
-              <a:rPr lang="en-US" sz="4800" dirty="0"/>
-            </a:br>
-            <a:r>
-              <a:rPr lang="en-US" sz="4800" dirty="0">
-                <a:solidFill>
-                  <a:schemeClr val="accent1">
-                    <a:lumMod val="75000"/>
-                  </a:schemeClr>
-                </a:solidFill>
-                <a:hlinkClick r:id="rId2">
-                  <a:extLst>
-                    <a:ext uri="{A12FA001-AC4F-418D-AE19-62706E023703}">
-                      <ahyp:hlinkClr xmlns:ahyp="http://schemas.microsoft.com/office/drawing/2018/hyperlinkcolor" val="tx"/>
-                    </a:ext>
-                  </a:extLst>
-                </a:hlinkClick>
-              </a:rPr>
-              <a:t>https://www.nsnam.org/documentation/</a:t>
-            </a:r>
-            <a:endParaRPr lang="el-GR" sz="4800" dirty="0">
-              <a:solidFill>
-                <a:schemeClr val="accent1">
-                  <a:lumMod val="75000"/>
-                </a:schemeClr>
-              </a:solidFill>
-            </a:endParaRPr>
-          </a:p>
-          <a:p>
-            <a:r>
-              <a:rPr lang="en-US" sz="4800" dirty="0">
-                <a:solidFill>
-                  <a:schemeClr val="accent1">
-                    <a:lumMod val="75000"/>
-                  </a:schemeClr>
-                </a:solidFill>
-                <a:hlinkClick r:id="rId3">
-                  <a:extLst>
-                    <a:ext uri="{A12FA001-AC4F-418D-AE19-62706E023703}">
-                      <ahyp:hlinkClr xmlns:ahyp="http://schemas.microsoft.com/office/drawing/2018/hyperlinkcolor" val="tx"/>
-                    </a:ext>
-                  </a:extLst>
-                </a:hlinkClick>
-              </a:rPr>
-              <a:t>https://www.nsnam.org/docs/contributing/html/coding-style.html#header-file-includes</a:t>
-            </a:r>
-            <a:endParaRPr lang="el-GR" sz="4800" dirty="0">
-              <a:solidFill>
-                <a:schemeClr val="accent1">
-                  <a:lumMod val="75000"/>
-                </a:schemeClr>
-              </a:solidFill>
-            </a:endParaRPr>
-          </a:p>
-          <a:p>
-            <a:r>
-              <a:rPr lang="en-US" sz="4800" dirty="0">
-                <a:solidFill>
-                  <a:schemeClr val="accent1">
-                    <a:lumMod val="75000"/>
-                  </a:schemeClr>
-                </a:solidFill>
-                <a:hlinkClick r:id="rId4">
-                  <a:extLst>
-                    <a:ext uri="{A12FA001-AC4F-418D-AE19-62706E023703}">
-                      <ahyp:hlinkClr xmlns:ahyp="http://schemas.microsoft.com/office/drawing/2018/hyperlinkcolor" val="tx"/>
-                    </a:ext>
-                  </a:extLst>
-                </a:hlinkClick>
-              </a:rPr>
-              <a:t>https://www.nsnam.org/docs/tutorial/html/</a:t>
-            </a:r>
-            <a:endParaRPr lang="en-US" sz="4800" dirty="0">
-              <a:solidFill>
-                <a:schemeClr val="accent1">
-                  <a:lumMod val="75000"/>
-                </a:schemeClr>
-              </a:solidFill>
-            </a:endParaRPr>
-          </a:p>
-          <a:p>
-            <a:r>
-              <a:rPr lang="en-US" sz="4800" dirty="0">
-                <a:solidFill>
-                  <a:schemeClr val="accent1">
-                    <a:lumMod val="75000"/>
-                  </a:schemeClr>
-                </a:solidFill>
-                <a:hlinkClick r:id="rId5">
-                  <a:extLst>
-                    <a:ext uri="{A12FA001-AC4F-418D-AE19-62706E023703}">
-                      <ahyp:hlinkClr xmlns:ahyp="http://schemas.microsoft.com/office/drawing/2018/hyperlinkcolor" val="tx"/>
-                    </a:ext>
-                  </a:extLst>
-                </a:hlinkClick>
-              </a:rPr>
-              <a:t>https://www.youtube.com/watch?v=Jv_swgcykjQ</a:t>
-            </a:r>
-            <a:endParaRPr lang="en-US" sz="4800" dirty="0">
-              <a:solidFill>
-                <a:schemeClr val="accent1">
-                  <a:lumMod val="75000"/>
-                </a:schemeClr>
-              </a:solidFill>
-            </a:endParaRPr>
-          </a:p>
-          <a:p>
-            <a:r>
-              <a:rPr lang="en-US" sz="4800" dirty="0">
-                <a:solidFill>
-                  <a:schemeClr val="accent1">
-                    <a:lumMod val="75000"/>
-                  </a:schemeClr>
-                </a:solidFill>
-                <a:hlinkClick r:id="rId6">
-                  <a:extLst>
-                    <a:ext uri="{A12FA001-AC4F-418D-AE19-62706E023703}">
-                      <ahyp:hlinkClr xmlns:ahyp="http://schemas.microsoft.com/office/drawing/2018/hyperlinkcolor" val="tx"/>
-                    </a:ext>
-                  </a:extLst>
-                </a:hlinkClick>
-              </a:rPr>
-              <a:t>https://www.youtube.com/watch?v=2W5mdzQrwXI</a:t>
-            </a:r>
-            <a:endParaRPr lang="en-US" sz="4800" dirty="0">
-              <a:solidFill>
-                <a:schemeClr val="accent1">
-                  <a:lumMod val="75000"/>
-                </a:schemeClr>
-              </a:solidFill>
-            </a:endParaRPr>
-          </a:p>
-          <a:p>
-            <a:r>
-              <a:rPr lang="en-US" sz="4800" dirty="0">
-                <a:solidFill>
-                  <a:schemeClr val="accent1">
-                    <a:lumMod val="75000"/>
-                  </a:schemeClr>
-                </a:solidFill>
-                <a:hlinkClick r:id="rId7">
-                  <a:extLst>
-                    <a:ext uri="{A12FA001-AC4F-418D-AE19-62706E023703}">
-                      <ahyp:hlinkClr xmlns:ahyp="http://schemas.microsoft.com/office/drawing/2018/hyperlinkcolor" val="tx"/>
-                    </a:ext>
-                  </a:extLst>
-                </a:hlinkClick>
-              </a:rPr>
-              <a:t>https://www.nsnam.org/docs/tutorial/html/building-topologies.html</a:t>
-            </a:r>
-            <a:endParaRPr lang="el-GR" sz="4800" dirty="0">
-              <a:solidFill>
-                <a:schemeClr val="accent1">
-                  <a:lumMod val="75000"/>
-                </a:schemeClr>
-              </a:solidFill>
-            </a:endParaRPr>
-          </a:p>
-          <a:p>
-            <a:r>
-              <a:rPr lang="el-GR" sz="4800" b="1" dirty="0">
-                <a:solidFill>
-                  <a:schemeClr val="tx1">
-                    <a:lumMod val="95000"/>
-                    <a:lumOff val="5000"/>
-                  </a:schemeClr>
-                </a:solidFill>
-              </a:rPr>
-              <a:t>Για το ερώτημα 2</a:t>
-            </a:r>
-            <a:r>
-              <a:rPr lang="en-US" sz="4800" b="1" dirty="0">
-                <a:solidFill>
-                  <a:schemeClr val="tx1">
-                    <a:lumMod val="95000"/>
-                    <a:lumOff val="5000"/>
-                  </a:schemeClr>
-                </a:solidFill>
-              </a:rPr>
-              <a:t>:</a:t>
-            </a:r>
-            <a:endParaRPr lang="el-GR" sz="4800" b="1" dirty="0">
-              <a:solidFill>
-                <a:schemeClr val="tx1">
-                  <a:lumMod val="95000"/>
-                  <a:lumOff val="5000"/>
-                </a:schemeClr>
-              </a:solidFill>
-            </a:endParaRPr>
-          </a:p>
-          <a:p>
-            <a:r>
-              <a:rPr lang="en-US" sz="4800" dirty="0">
-                <a:hlinkClick r:id="rId8" tooltip="https://ns3-code.com/how-to-begin-implement-network-failover-in-ns3/"/>
-              </a:rPr>
-              <a:t>https://ns3-code.com/how-to-begin-implement-network-failover-in-ns3/</a:t>
-            </a:r>
-            <a:endParaRPr lang="en-US" sz="4800" dirty="0"/>
-          </a:p>
-          <a:p>
-            <a:r>
-              <a:rPr lang="en-US" sz="4800" dirty="0">
-                <a:hlinkClick r:id="rId9"/>
-              </a:rPr>
-              <a:t>https://ns3-code.com/how-to-begin-implement-dynamic-routing-in-ns3/</a:t>
-            </a:r>
-            <a:endParaRPr lang="en-US" sz="4800" dirty="0"/>
-          </a:p>
-          <a:p>
-            <a:r>
-              <a:rPr lang="el-GR" sz="4800" dirty="0">
-                <a:hlinkClick r:id="rId10" tooltip="https://networksimulationtools.com/how-to-run-netanim-in-ns3/"/>
-              </a:rPr>
-              <a:t>[</a:t>
-            </a:r>
-            <a:r>
-              <a:rPr lang="en-US" sz="4800" dirty="0">
-                <a:hlinkClick r:id="rId10" tooltip="https://networksimulationtools.com/how-to-run-netanim-in-ns3/"/>
-              </a:rPr>
-              <a:t>https://networksimulationtools.com/how-to-run-netanim-in-ns3/</a:t>
-            </a:r>
-            <a:r>
-              <a:rPr lang="el-GR" sz="4800" dirty="0"/>
-              <a:t>]</a:t>
-            </a:r>
-            <a:endParaRPr lang="en-US" sz="4800" dirty="0">
-              <a:solidFill>
-                <a:schemeClr val="tx1">
-                  <a:lumMod val="95000"/>
-                  <a:lumOff val="5000"/>
-                </a:schemeClr>
-              </a:solidFill>
-            </a:endParaRPr>
-          </a:p>
-          <a:p>
-            <a:endParaRPr lang="el-GR" sz="2600" dirty="0">
-              <a:solidFill>
-                <a:schemeClr val="accent1">
-                  <a:lumMod val="75000"/>
-                </a:schemeClr>
-              </a:solidFill>
-            </a:endParaRPr>
-          </a:p>
-          <a:p>
-            <a:endParaRPr lang="en-US" sz="2600" dirty="0">
-              <a:solidFill>
-                <a:schemeClr val="accent1">
-                  <a:lumMod val="75000"/>
-                </a:schemeClr>
-              </a:solidFill>
-            </a:endParaRPr>
-          </a:p>
-          <a:p>
-            <a:br>
-              <a:rPr lang="en-US" dirty="0"/>
-            </a:br>
-            <a:endParaRPr lang="el-GR" dirty="0"/>
-          </a:p>
-        </p:txBody>
-      </p:sp>
-    </p:spTree>
-    <p:extLst>
-      <p:ext uri="{BB962C8B-B14F-4D97-AF65-F5344CB8AC3E}">
-        <p14:creationId xmlns:p14="http://schemas.microsoft.com/office/powerpoint/2010/main" val="1234120531"/>
-      </p:ext>
-    </p:extLst>
-  </p:cSld>
-  <p:clrMapOvr>
-    <a:masterClrMapping/>
-  </p:clrMapOvr>
-  <p:transition spd="slow">
-    <p:push dir="u"/>
-  </p:transition>
-</p:sld>
-</file>
-
-<file path=ppt/slides/slide2.xml><?xml version="1.0" encoding="utf-8"?>
-<p:sld xmlns:a="http://schemas.openxmlformats.org/drawingml/2006/main" xmlns:r="http://schemas.openxmlformats.org/officeDocument/2006/relationships" xmlns:p="http://schemas.openxmlformats.org/presentationml/2006/main">
-  <p:cSld>
-    <p:bg>
-      <p:bgPr>
-        <a:solidFill>
-          <a:schemeClr val="bg1"/>
-        </a:solidFill>
-        <a:effectLst/>
-      </p:bgPr>
-    </p:bg>
-    <p:spTree>
-      <p:nvGrpSpPr>
-        <p:cNvPr id="1" name=""/>
-        <p:cNvGrpSpPr/>
-        <p:nvPr/>
-      </p:nvGrpSpPr>
-      <p:grpSpPr>
-        <a:xfrm>
-          <a:off x="0" y="0"/>
-          <a:ext cx="0" cy="0"/>
-          <a:chOff x="0" y="0"/>
-          <a:chExt cx="0" cy="0"/>
-        </a:xfrm>
-      </p:grpSpPr>
-      <p:sp>
-        <p:nvSpPr>
-          <p:cNvPr id="2" name="Τίτλος 1">
-            <a:extLst>
-              <a:ext uri="{FF2B5EF4-FFF2-40B4-BE49-F238E27FC236}">
-                <a16:creationId xmlns:a16="http://schemas.microsoft.com/office/drawing/2014/main" id="{7A4919D0-F177-4BBA-9A0B-DBA69E2ED764}"/>
-              </a:ext>
-            </a:extLst>
-          </p:cNvPr>
-          <p:cNvSpPr>
-            <a:spLocks noGrp="1"/>
-          </p:cNvSpPr>
-          <p:nvPr>
-            <p:ph type="title"/>
-          </p:nvPr>
-        </p:nvSpPr>
-        <p:spPr>
-          <a:xfrm>
-            <a:off x="1024128" y="510568"/>
-            <a:ext cx="9720072" cy="1499616"/>
-          </a:xfrm>
-        </p:spPr>
-        <p:txBody>
-          <a:bodyPr rtlCol="0">
-            <a:normAutofit/>
-          </a:bodyPr>
-          <a:lstStyle/>
-          <a:p>
-            <a:r>
-              <a:rPr lang="el-GR" sz="4800" b="1" dirty="0"/>
-              <a:t>Κυριο θεμα της εργασιασ (1)</a:t>
-            </a:r>
-          </a:p>
-        </p:txBody>
-      </p:sp>
-      <p:sp>
-        <p:nvSpPr>
-          <p:cNvPr id="3" name="Θέση περιεχομένου 2">
-            <a:extLst>
-              <a:ext uri="{FF2B5EF4-FFF2-40B4-BE49-F238E27FC236}">
-                <a16:creationId xmlns:a16="http://schemas.microsoft.com/office/drawing/2014/main" id="{77415F4C-54AA-443E-9712-CE3889761712}"/>
-              </a:ext>
-            </a:extLst>
-          </p:cNvPr>
-          <p:cNvSpPr>
-            <a:spLocks noGrp="1"/>
-          </p:cNvSpPr>
-          <p:nvPr>
-            <p:ph idx="1"/>
-          </p:nvPr>
-        </p:nvSpPr>
-        <p:spPr>
-          <a:xfrm>
-            <a:off x="793102" y="2286000"/>
-            <a:ext cx="10758196" cy="4023360"/>
-          </a:xfrm>
-        </p:spPr>
-        <p:txBody>
-          <a:bodyPr>
-            <a:normAutofit/>
-          </a:bodyPr>
-          <a:lstStyle/>
-          <a:p>
-            <a:pPr marL="0" indent="0" algn="just">
-              <a:buNone/>
-            </a:pPr>
-            <a:endParaRPr lang="el-GR" dirty="0"/>
-          </a:p>
-          <a:p>
-            <a:pPr algn="just">
-              <a:buFont typeface="Arial" panose="020B0604020202020204" pitchFamily="34" charset="0"/>
-              <a:buChar char="•"/>
-            </a:pPr>
-            <a:r>
-              <a:rPr lang="en-US" dirty="0"/>
-              <a:t>H </a:t>
-            </a:r>
-            <a:r>
-              <a:rPr lang="el-GR" dirty="0"/>
-              <a:t>προσομοίωση χωρίζεται βασικά σε δύο μέρη </a:t>
-            </a:r>
-            <a:r>
-              <a:rPr lang="en-US" dirty="0"/>
-              <a:t>:</a:t>
-            </a:r>
-            <a:endParaRPr lang="el-GR" dirty="0"/>
-          </a:p>
-          <a:p>
-            <a:pPr marL="0" indent="0" algn="just">
-              <a:buNone/>
-            </a:pPr>
-            <a:endParaRPr lang="en-US" sz="1000" dirty="0"/>
-          </a:p>
-          <a:p>
-            <a:pPr marL="173736" lvl="1" indent="0" algn="just">
-              <a:buNone/>
-            </a:pPr>
-            <a:r>
-              <a:rPr lang="en-US" dirty="0">
-                <a:solidFill>
-                  <a:schemeClr val="accent1">
-                    <a:lumMod val="75000"/>
-                  </a:schemeClr>
-                </a:solidFill>
-              </a:rPr>
-              <a:t>1)</a:t>
-            </a:r>
-            <a:r>
-              <a:rPr lang="en-US" dirty="0"/>
-              <a:t> </a:t>
-            </a:r>
-            <a:r>
-              <a:rPr lang="el-GR" dirty="0"/>
-              <a:t>Προσομοίωση μιας απλής σύνδεσης σημείου-προς-σημείο μεταξύ δύο κόμβων,  με προϋπόθεση η  μετάδοση να γίνει με την τεχνική του </a:t>
-            </a:r>
-            <a:r>
-              <a:rPr lang="en-US" dirty="0"/>
-              <a:t>UDP-echo (</a:t>
-            </a:r>
-            <a:r>
-              <a:rPr lang="el-GR" dirty="0"/>
-              <a:t>«</a:t>
-            </a:r>
-            <a:r>
-              <a:rPr lang="en-GB" dirty="0"/>
-              <a:t>a process for testing network connectivity and measuring response time by sending a UDP packet to a destination and waiting for the destination to send it back</a:t>
-            </a:r>
-            <a:r>
-              <a:rPr lang="el-GR" dirty="0"/>
-              <a:t>» ).</a:t>
-            </a:r>
-          </a:p>
-          <a:p>
-            <a:pPr marL="173736" lvl="1" indent="0" algn="just">
-              <a:buNone/>
-            </a:pPr>
-            <a:r>
-              <a:rPr lang="el-GR" dirty="0">
-                <a:solidFill>
-                  <a:schemeClr val="accent1">
-                    <a:lumMod val="75000"/>
-                  </a:schemeClr>
-                </a:solidFill>
-              </a:rPr>
-              <a:t>2) </a:t>
-            </a:r>
-            <a:r>
-              <a:rPr lang="el-GR" dirty="0"/>
-              <a:t>Προσομοίωση ενός πιο πολύπλοκου δικτύου με δυναμική δρομολόγηση, δημιουργία ροών πακέτων, εισαγωγή αποτυχίας συνδέσεων και ανάλυση απώλειας πακέτων.</a:t>
-            </a:r>
-            <a:endParaRPr lang="en-US" dirty="0"/>
-          </a:p>
-          <a:p>
-            <a:pPr marL="0" indent="0" algn="just">
-              <a:buNone/>
-            </a:pPr>
-            <a:endParaRPr lang="en-US" dirty="0"/>
-          </a:p>
-        </p:txBody>
-      </p:sp>
-    </p:spTree>
-    <p:extLst>
-      <p:ext uri="{BB962C8B-B14F-4D97-AF65-F5344CB8AC3E}">
-        <p14:creationId xmlns:p14="http://schemas.microsoft.com/office/powerpoint/2010/main" val="1401741552"/>
-      </p:ext>
-    </p:extLst>
-  </p:cSld>
-  <p:clrMapOvr>
-    <a:masterClrMapping/>
-  </p:clrMapOvr>
-  <p:transition spd="slow">
-    <p:push dir="u"/>
-  </p:transition>
-</p:sld>
-</file>
-
-<file path=ppt/slides/slide3.xml><?xml version="1.0" encoding="utf-8"?>
-<p:sld xmlns:a="http://schemas.openxmlformats.org/drawingml/2006/main" xmlns:r="http://schemas.openxmlformats.org/officeDocument/2006/relationships" xmlns:p="http://schemas.openxmlformats.org/presentationml/2006/main">
-  <p:cSld>
-    <p:spTree>
-      <p:nvGrpSpPr>
-        <p:cNvPr id="1" name=""/>
-        <p:cNvGrpSpPr/>
-        <p:nvPr/>
-      </p:nvGrpSpPr>
-      <p:grpSpPr>
-        <a:xfrm>
-          <a:off x="0" y="0"/>
-          <a:ext cx="0" cy="0"/>
-          <a:chOff x="0" y="0"/>
-          <a:chExt cx="0" cy="0"/>
-        </a:xfrm>
-      </p:grpSpPr>
-      <p:sp>
-        <p:nvSpPr>
-          <p:cNvPr id="4" name="Τίτλος 1">
-            <a:extLst>
-              <a:ext uri="{FF2B5EF4-FFF2-40B4-BE49-F238E27FC236}">
-                <a16:creationId xmlns:a16="http://schemas.microsoft.com/office/drawing/2014/main" id="{D774839F-51E4-E46D-4EE5-1DF8B9BC855B}"/>
-              </a:ext>
-            </a:extLst>
-          </p:cNvPr>
-          <p:cNvSpPr>
-            <a:spLocks noGrp="1"/>
-          </p:cNvSpPr>
-          <p:nvPr>
-            <p:ph type="title"/>
-          </p:nvPr>
-        </p:nvSpPr>
-        <p:spPr>
-          <a:xfrm>
-            <a:off x="1024128" y="839755"/>
-            <a:ext cx="9720072" cy="899830"/>
-          </a:xfrm>
-        </p:spPr>
-        <p:txBody>
-          <a:bodyPr rtlCol="0">
-            <a:normAutofit/>
-          </a:bodyPr>
-          <a:lstStyle/>
-          <a:p>
-            <a:r>
-              <a:rPr lang="el-GR" sz="4800" b="1" dirty="0"/>
-              <a:t>Κυριο θεμα της εργασιασ (2)</a:t>
-            </a:r>
-          </a:p>
-        </p:txBody>
-      </p:sp>
-      <p:sp>
-        <p:nvSpPr>
-          <p:cNvPr id="5" name="Θέση περιεχομένου 2">
-            <a:extLst>
-              <a:ext uri="{FF2B5EF4-FFF2-40B4-BE49-F238E27FC236}">
-                <a16:creationId xmlns:a16="http://schemas.microsoft.com/office/drawing/2014/main" id="{784F8DDC-B6BC-8339-BE2C-10A96FCD8576}"/>
-              </a:ext>
-            </a:extLst>
-          </p:cNvPr>
-          <p:cNvSpPr>
-            <a:spLocks noGrp="1"/>
-          </p:cNvSpPr>
-          <p:nvPr>
-            <p:ph idx="1"/>
-          </p:nvPr>
-        </p:nvSpPr>
-        <p:spPr>
-          <a:xfrm>
-            <a:off x="317241" y="2182483"/>
-            <a:ext cx="11457992" cy="3614468"/>
-          </a:xfrm>
-        </p:spPr>
-        <p:txBody>
-          <a:bodyPr>
-            <a:noAutofit/>
-          </a:bodyPr>
-          <a:lstStyle/>
-          <a:p>
-            <a:pPr marL="0" indent="0">
-              <a:buNone/>
-            </a:pPr>
-            <a:r>
-              <a:rPr lang="el-GR" dirty="0"/>
-              <a:t>Πιο συγκεκριμένα για το πρώτο ερώτημα της εργασίας</a:t>
-            </a:r>
-            <a:r>
-              <a:rPr lang="en-US" dirty="0"/>
-              <a:t>:</a:t>
-            </a:r>
-          </a:p>
-          <a:p>
-            <a:pPr marL="0" indent="0">
-              <a:buNone/>
-            </a:pPr>
-            <a:r>
-              <a:rPr lang="en-US" sz="2000" dirty="0"/>
-              <a:t>1.</a:t>
-            </a:r>
-            <a:r>
-              <a:rPr lang="el-GR" sz="2000" dirty="0"/>
-              <a:t>Ορίζονται τα χαρακτηριστικά της σύνδεσης και αντιστοιχίζονται διευθύνσεις τύπου ipv4 στις διεπαφές των κόμβων.</a:t>
-            </a:r>
-            <a:br>
-              <a:rPr lang="el-GR" sz="2000" dirty="0"/>
-            </a:br>
-            <a:endParaRPr lang="en-US" sz="2000" dirty="0"/>
-          </a:p>
-          <a:p>
-            <a:pPr marL="0" indent="0">
-              <a:buNone/>
-            </a:pPr>
-            <a:r>
-              <a:rPr lang="en-US" sz="2000" dirty="0"/>
-              <a:t>2.</a:t>
-            </a:r>
-            <a:r>
-              <a:rPr lang="el-GR" sz="2000" dirty="0"/>
-              <a:t> </a:t>
-            </a:r>
-            <a:r>
-              <a:rPr lang="en-US" sz="2000" dirty="0"/>
-              <a:t>Y</a:t>
-            </a:r>
-            <a:r>
-              <a:rPr lang="el-GR" sz="2000" dirty="0" err="1"/>
-              <a:t>λοποιήθηκαν</a:t>
-            </a:r>
-            <a:r>
-              <a:rPr lang="el-GR" sz="2000" dirty="0"/>
-              <a:t> δύο servers UDP echo στον κόμβο 1 σε διαφορετικές θύρες με δημιουργία δύο πελατών  UDP echo στον κόμβο 0. </a:t>
-            </a:r>
-            <a:br>
-              <a:rPr lang="el-GR" sz="2000" dirty="0"/>
-            </a:br>
-            <a:endParaRPr lang="en-US" sz="2000" dirty="0"/>
-          </a:p>
-          <a:p>
-            <a:pPr marL="0" indent="0">
-              <a:buNone/>
-            </a:pPr>
-            <a:r>
-              <a:rPr lang="en-US" sz="2000" dirty="0"/>
-              <a:t>3.T</a:t>
-            </a:r>
-            <a:r>
-              <a:rPr lang="el-GR" sz="2000" dirty="0"/>
-              <a:t>έλος, εκτελέστηκε η προσομοίωση και καταγράφτηκαν τα δεδομένα ροής με χρήση του </a:t>
-            </a:r>
-            <a:r>
-              <a:rPr lang="en-US" sz="2000" dirty="0"/>
-              <a:t>module Flow-Monitoring</a:t>
-            </a:r>
-            <a:r>
-              <a:rPr lang="el-GR" sz="2000" dirty="0"/>
-              <a:t> (πακέτα, καθυστέρηση, εύρος ζώνης).</a:t>
-            </a:r>
-          </a:p>
-        </p:txBody>
-      </p:sp>
-    </p:spTree>
-    <p:extLst>
-      <p:ext uri="{BB962C8B-B14F-4D97-AF65-F5344CB8AC3E}">
-        <p14:creationId xmlns:p14="http://schemas.microsoft.com/office/powerpoint/2010/main" val="3077155193"/>
-      </p:ext>
-    </p:extLst>
-  </p:cSld>
-  <p:clrMapOvr>
-    <a:masterClrMapping/>
-  </p:clrMapOvr>
-  <p:transition spd="slow">
-    <p:push dir="u"/>
-  </p:transition>
-</p:sld>
-</file>
-
-<file path=ppt/slides/slide4.xml><?xml version="1.0" encoding="utf-8"?>
-<p:sld xmlns:a="http://schemas.openxmlformats.org/drawingml/2006/main" xmlns:r="http://schemas.openxmlformats.org/officeDocument/2006/relationships" xmlns:p="http://schemas.openxmlformats.org/presentationml/2006/main">
-  <p:cSld>
-    <p:spTree>
-      <p:nvGrpSpPr>
-        <p:cNvPr id="1" name=""/>
-        <p:cNvGrpSpPr/>
-        <p:nvPr/>
-      </p:nvGrpSpPr>
-      <p:grpSpPr>
-        <a:xfrm>
-          <a:off x="0" y="0"/>
-          <a:ext cx="0" cy="0"/>
-          <a:chOff x="0" y="0"/>
-          <a:chExt cx="0" cy="0"/>
-        </a:xfrm>
-      </p:grpSpPr>
-      <p:sp>
-        <p:nvSpPr>
-          <p:cNvPr id="2" name="Τίτλος 1">
-            <a:extLst>
-              <a:ext uri="{FF2B5EF4-FFF2-40B4-BE49-F238E27FC236}">
-                <a16:creationId xmlns:a16="http://schemas.microsoft.com/office/drawing/2014/main" id="{A6C17167-0FCF-48D1-8D35-A3B397602971}"/>
-              </a:ext>
-            </a:extLst>
-          </p:cNvPr>
-          <p:cNvSpPr>
-            <a:spLocks noGrp="1"/>
-          </p:cNvSpPr>
-          <p:nvPr>
-            <p:ph type="title"/>
-          </p:nvPr>
-        </p:nvSpPr>
-        <p:spPr/>
-        <p:txBody>
-          <a:bodyPr/>
-          <a:lstStyle/>
-          <a:p>
-            <a:r>
-              <a:rPr lang="el-GR" sz="5400" b="1" dirty="0" err="1"/>
-              <a:t>Κυριο</a:t>
-            </a:r>
-            <a:r>
-              <a:rPr lang="el-GR" sz="5400" b="1" dirty="0"/>
-              <a:t> </a:t>
-            </a:r>
-            <a:r>
-              <a:rPr lang="el-GR" sz="5400" b="1" dirty="0" err="1"/>
-              <a:t>θεμα</a:t>
-            </a:r>
-            <a:r>
-              <a:rPr lang="el-GR" sz="5400" b="1" dirty="0"/>
-              <a:t> της </a:t>
-            </a:r>
-            <a:r>
-              <a:rPr lang="el-GR" sz="5400" b="1" dirty="0" err="1"/>
-              <a:t>εργασιασ</a:t>
-            </a:r>
-            <a:r>
-              <a:rPr lang="el-GR" sz="5400" b="1" dirty="0"/>
-              <a:t> (3)</a:t>
-            </a:r>
-            <a:endParaRPr lang="el-GR" dirty="0"/>
-          </a:p>
-        </p:txBody>
-      </p:sp>
-      <p:sp>
-        <p:nvSpPr>
-          <p:cNvPr id="3" name="Θέση περιεχομένου 2">
-            <a:extLst>
-              <a:ext uri="{FF2B5EF4-FFF2-40B4-BE49-F238E27FC236}">
-                <a16:creationId xmlns:a16="http://schemas.microsoft.com/office/drawing/2014/main" id="{8C25AA44-A744-4CDE-8CD1-73BA1F80A72C}"/>
-              </a:ext>
-            </a:extLst>
-          </p:cNvPr>
-          <p:cNvSpPr>
-            <a:spLocks noGrp="1"/>
-          </p:cNvSpPr>
-          <p:nvPr>
-            <p:ph idx="1"/>
-          </p:nvPr>
-        </p:nvSpPr>
-        <p:spPr/>
-        <p:txBody>
-          <a:bodyPr/>
-          <a:lstStyle/>
-          <a:p>
-            <a:r>
-              <a:rPr lang="el-GR" dirty="0"/>
-              <a:t>Πιο συγκεκριμένα για το δεύτερο ερώτημα της εργασίας</a:t>
-            </a:r>
-            <a:r>
-              <a:rPr lang="en-US" dirty="0"/>
-              <a:t>:</a:t>
-            </a:r>
-          </a:p>
-          <a:p>
-            <a:endParaRPr lang="el-GR" dirty="0"/>
-          </a:p>
-        </p:txBody>
-      </p:sp>
-    </p:spTree>
-    <p:extLst>
-      <p:ext uri="{BB962C8B-B14F-4D97-AF65-F5344CB8AC3E}">
-        <p14:creationId xmlns:p14="http://schemas.microsoft.com/office/powerpoint/2010/main" val="895146049"/>
-      </p:ext>
-    </p:extLst>
-  </p:cSld>
-  <p:clrMapOvr>
-    <a:masterClrMapping/>
-  </p:clrMapOvr>
-  <p:transition spd="slow">
-    <p:push dir="u"/>
-  </p:transition>
-</p:sld>
-</file>
-
-<file path=ppt/slides/slide5.xml><?xml version="1.0" encoding="utf-8"?>
-<p:sld xmlns:a="http://schemas.openxmlformats.org/drawingml/2006/main" xmlns:r="http://schemas.openxmlformats.org/officeDocument/2006/relationships" xmlns:p="http://schemas.openxmlformats.org/presentationml/2006/main">
-  <p:cSld>
-    <p:spTree>
-      <p:nvGrpSpPr>
-        <p:cNvPr id="1" name=""/>
-        <p:cNvGrpSpPr/>
-        <p:nvPr/>
-      </p:nvGrpSpPr>
-      <p:grpSpPr>
-        <a:xfrm>
-          <a:off x="0" y="0"/>
-          <a:ext cx="0" cy="0"/>
-          <a:chOff x="0" y="0"/>
-          <a:chExt cx="0" cy="0"/>
-        </a:xfrm>
-      </p:grpSpPr>
-      <p:sp>
-        <p:nvSpPr>
-          <p:cNvPr id="2" name="Τίτλος 1">
-            <a:extLst>
-              <a:ext uri="{FF2B5EF4-FFF2-40B4-BE49-F238E27FC236}">
-                <a16:creationId xmlns:a16="http://schemas.microsoft.com/office/drawing/2014/main" id="{983BE075-A1BA-4528-A907-BE8925441DB1}"/>
-              </a:ext>
-            </a:extLst>
-          </p:cNvPr>
-          <p:cNvSpPr>
-            <a:spLocks noGrp="1"/>
-          </p:cNvSpPr>
-          <p:nvPr>
-            <p:ph type="title"/>
-          </p:nvPr>
-        </p:nvSpPr>
-        <p:spPr>
-          <a:xfrm>
-            <a:off x="837516" y="547893"/>
-            <a:ext cx="11167872" cy="1499616"/>
-          </a:xfrm>
-        </p:spPr>
-        <p:txBody>
-          <a:bodyPr/>
-          <a:lstStyle/>
-          <a:p>
-            <a:r>
-              <a:rPr lang="el-GR" sz="4800" b="1" dirty="0"/>
-              <a:t>ΒΗΜΑΤΑ</a:t>
-            </a:r>
-            <a:r>
-              <a:rPr lang="el-GR" b="1" dirty="0"/>
-              <a:t> ΥΛΟΠΟΙΗΣΗΣ ΤΗΣ ΕΡΓΑΣΙΑΣ</a:t>
-            </a:r>
-            <a:r>
-              <a:rPr lang="en-US" b="1" dirty="0"/>
-              <a:t> (1)</a:t>
-            </a:r>
-            <a:endParaRPr lang="el-GR" b="1" dirty="0"/>
-          </a:p>
-        </p:txBody>
-      </p:sp>
-      <p:sp>
-        <p:nvSpPr>
-          <p:cNvPr id="3" name="Θέση περιεχομένου 2">
-            <a:extLst>
-              <a:ext uri="{FF2B5EF4-FFF2-40B4-BE49-F238E27FC236}">
-                <a16:creationId xmlns:a16="http://schemas.microsoft.com/office/drawing/2014/main" id="{B846792E-DE04-4CE2-B5D8-B785F3F8C80B}"/>
-              </a:ext>
-            </a:extLst>
-          </p:cNvPr>
-          <p:cNvSpPr>
-            <a:spLocks noGrp="1"/>
-          </p:cNvSpPr>
-          <p:nvPr>
-            <p:ph idx="1"/>
-          </p:nvPr>
-        </p:nvSpPr>
-        <p:spPr>
-          <a:xfrm>
-            <a:off x="837516" y="1900996"/>
-            <a:ext cx="10051148" cy="4023360"/>
-          </a:xfrm>
-        </p:spPr>
-        <p:txBody>
-          <a:bodyPr>
-            <a:normAutofit/>
-          </a:bodyPr>
-          <a:lstStyle/>
-          <a:p>
-            <a:pPr marL="0" indent="0">
-              <a:buNone/>
-            </a:pPr>
-            <a:r>
-              <a:rPr lang="el-GR" dirty="0"/>
-              <a:t>Χρησιμοποιήσαμε τα εξής εργαλεία για την υλοποίηση της άσκησης :</a:t>
-            </a:r>
-            <a:br>
-              <a:rPr lang="el-GR" dirty="0"/>
-            </a:br>
-            <a:r>
-              <a:rPr lang="el-GR" dirty="0"/>
-              <a:t>	</a:t>
-            </a:r>
-          </a:p>
-          <a:p>
-            <a:pPr>
-              <a:buFont typeface="Arial" panose="020B0604020202020204" pitchFamily="34" charset="0"/>
-              <a:buChar char="•"/>
-            </a:pPr>
-            <a:r>
-              <a:rPr lang="en-US" dirty="0"/>
-              <a:t>VMware Workstation Pro</a:t>
-            </a:r>
-            <a:r>
-              <a:rPr lang="el-GR" dirty="0"/>
-              <a:t> για το </a:t>
-            </a:r>
-            <a:r>
-              <a:rPr lang="en-US" dirty="0"/>
-              <a:t>Linux VM.</a:t>
-            </a:r>
-          </a:p>
-          <a:p>
-            <a:pPr>
-              <a:buFont typeface="Arial" panose="020B0604020202020204" pitchFamily="34" charset="0"/>
-              <a:buChar char="•"/>
-            </a:pPr>
-            <a:r>
-              <a:rPr lang="en-US" dirty="0"/>
-              <a:t>Ubuntu Linux distribution.</a:t>
-            </a:r>
-          </a:p>
-          <a:p>
-            <a:pPr>
-              <a:buFont typeface="Arial" panose="020B0604020202020204" pitchFamily="34" charset="0"/>
-              <a:buChar char="•"/>
-            </a:pPr>
-            <a:r>
-              <a:rPr lang="en-US" dirty="0"/>
-              <a:t>Discord </a:t>
-            </a:r>
-            <a:r>
-              <a:rPr lang="el-GR" dirty="0"/>
-              <a:t>και </a:t>
-            </a:r>
-            <a:r>
-              <a:rPr lang="en-US" dirty="0" err="1"/>
-              <a:t>github</a:t>
-            </a:r>
-            <a:r>
-              <a:rPr lang="en-US" dirty="0"/>
-              <a:t> </a:t>
-            </a:r>
-            <a:r>
-              <a:rPr lang="el-GR" dirty="0"/>
-              <a:t>για την επικοινωνία και τον συγχρονισμό των μελών της ομάδας.</a:t>
-            </a:r>
-            <a:endParaRPr lang="en-US" dirty="0"/>
-          </a:p>
-          <a:p>
-            <a:pPr>
-              <a:buFont typeface="Arial" panose="020B0604020202020204" pitchFamily="34" charset="0"/>
-              <a:buChar char="•"/>
-            </a:pPr>
-            <a:r>
-              <a:rPr lang="en-US" dirty="0" err="1"/>
-              <a:t>Drawio</a:t>
-            </a:r>
-            <a:r>
-              <a:rPr lang="en-US" dirty="0"/>
-              <a:t> </a:t>
-            </a:r>
-            <a:r>
-              <a:rPr lang="el-GR" dirty="0"/>
-              <a:t>για την υλοποίηση σχεδιαγραμμάτων/τοπολογίας.</a:t>
-            </a:r>
-            <a:endParaRPr lang="en-US" dirty="0"/>
-          </a:p>
-        </p:txBody>
-      </p:sp>
-      <p:pic>
-        <p:nvPicPr>
-          <p:cNvPr id="5" name="Picture 4">
-            <a:extLst>
-              <a:ext uri="{FF2B5EF4-FFF2-40B4-BE49-F238E27FC236}">
-                <a16:creationId xmlns:a16="http://schemas.microsoft.com/office/drawing/2014/main" id="{BCFFC7C8-3E1A-1BC4-1438-EB7E3E40A5F7}"/>
-              </a:ext>
-            </a:extLst>
-          </p:cNvPr>
-          <p:cNvPicPr>
-            <a:picLocks noChangeAspect="1"/>
-          </p:cNvPicPr>
-          <p:nvPr/>
-        </p:nvPicPr>
-        <p:blipFill>
-          <a:blip r:embed="rId2"/>
-          <a:stretch>
-            <a:fillRect/>
-          </a:stretch>
-        </p:blipFill>
-        <p:spPr>
-          <a:xfrm>
-            <a:off x="7092617" y="4618273"/>
-            <a:ext cx="2119364" cy="2119364"/>
-          </a:xfrm>
-          <a:prstGeom prst="rect">
-            <a:avLst/>
-          </a:prstGeom>
-        </p:spPr>
-      </p:pic>
-      <p:pic>
-        <p:nvPicPr>
-          <p:cNvPr id="7" name="Picture 6" descr="A blue and orange square logo&#10;&#10;AI-generated content may be incorrect.">
-            <a:extLst>
-              <a:ext uri="{FF2B5EF4-FFF2-40B4-BE49-F238E27FC236}">
-                <a16:creationId xmlns:a16="http://schemas.microsoft.com/office/drawing/2014/main" id="{C9DE2D26-6AFA-0109-C2F1-F425F3EA2B52}"/>
-              </a:ext>
-            </a:extLst>
-          </p:cNvPr>
-          <p:cNvPicPr>
-            <a:picLocks noChangeAspect="1"/>
-          </p:cNvPicPr>
-          <p:nvPr/>
-        </p:nvPicPr>
-        <p:blipFill>
-          <a:blip r:embed="rId3"/>
-          <a:stretch>
-            <a:fillRect/>
-          </a:stretch>
-        </p:blipFill>
-        <p:spPr>
-          <a:xfrm>
-            <a:off x="507542" y="4316771"/>
-            <a:ext cx="2722370" cy="2722370"/>
-          </a:xfrm>
-          <a:prstGeom prst="rect">
-            <a:avLst/>
-          </a:prstGeom>
-        </p:spPr>
-      </p:pic>
-      <p:pic>
-        <p:nvPicPr>
-          <p:cNvPr id="9" name="Picture 8" descr="A logo with a circle and a circle with a circle and a circle with a circle with a circle with a circle with a circle with a circle with a circle with a circle with a circle with&#10;&#10;AI-generated content may be incorrect.">
-            <a:extLst>
-              <a:ext uri="{FF2B5EF4-FFF2-40B4-BE49-F238E27FC236}">
-                <a16:creationId xmlns:a16="http://schemas.microsoft.com/office/drawing/2014/main" id="{A059D40E-1E60-0DBC-1A62-414710D2EDD5}"/>
-              </a:ext>
-            </a:extLst>
-          </p:cNvPr>
-          <p:cNvPicPr>
-            <a:picLocks noChangeAspect="1"/>
-          </p:cNvPicPr>
-          <p:nvPr/>
-        </p:nvPicPr>
-        <p:blipFill>
-          <a:blip r:embed="rId4"/>
-          <a:stretch>
-            <a:fillRect/>
-          </a:stretch>
-        </p:blipFill>
-        <p:spPr>
-          <a:xfrm>
-            <a:off x="3816355" y="4777843"/>
-            <a:ext cx="2543175" cy="1800225"/>
-          </a:xfrm>
-          <a:prstGeom prst="rect">
-            <a:avLst/>
-          </a:prstGeom>
-        </p:spPr>
-      </p:pic>
-      <p:pic>
-        <p:nvPicPr>
-          <p:cNvPr id="6" name="Picture 5" descr="A black background with a black square&#10;&#10;AI-generated content may be incorrect.">
-            <a:extLst>
-              <a:ext uri="{FF2B5EF4-FFF2-40B4-BE49-F238E27FC236}">
-                <a16:creationId xmlns:a16="http://schemas.microsoft.com/office/drawing/2014/main" id="{46213963-0CDF-A7D0-0F23-FA0301AA6534}"/>
-              </a:ext>
-            </a:extLst>
-          </p:cNvPr>
-          <p:cNvPicPr>
-            <a:picLocks noChangeAspect="1"/>
-          </p:cNvPicPr>
-          <p:nvPr/>
-        </p:nvPicPr>
-        <p:blipFill>
-          <a:blip r:embed="rId5"/>
-          <a:stretch>
-            <a:fillRect/>
-          </a:stretch>
-        </p:blipFill>
-        <p:spPr>
-          <a:xfrm>
-            <a:off x="9444899" y="4857097"/>
-            <a:ext cx="2918604" cy="1641715"/>
-          </a:xfrm>
-          <a:prstGeom prst="rect">
-            <a:avLst/>
-          </a:prstGeom>
-        </p:spPr>
-      </p:pic>
-    </p:spTree>
-    <p:extLst>
-      <p:ext uri="{BB962C8B-B14F-4D97-AF65-F5344CB8AC3E}">
-        <p14:creationId xmlns:p14="http://schemas.microsoft.com/office/powerpoint/2010/main" val="580903119"/>
-      </p:ext>
-    </p:extLst>
-  </p:cSld>
-  <p:clrMapOvr>
-    <a:masterClrMapping/>
-  </p:clrMapOvr>
-  <p:transition spd="slow">
-    <p:push dir="u"/>
-  </p:transition>
-</p:sld>
-</file>
-
-<file path=ppt/slides/slide6.xml><?xml version="1.0" encoding="utf-8"?>
-<p:sld xmlns:a="http://schemas.openxmlformats.org/drawingml/2006/main" xmlns:r="http://schemas.openxmlformats.org/officeDocument/2006/relationships" xmlns:p="http://schemas.openxmlformats.org/presentationml/2006/main">
-  <p:cSld>
-    <p:spTree>
-      <p:nvGrpSpPr>
-        <p:cNvPr id="1" name="">
-          <a:extLst>
-            <a:ext uri="{FF2B5EF4-FFF2-40B4-BE49-F238E27FC236}">
-              <a16:creationId xmlns:a16="http://schemas.microsoft.com/office/drawing/2014/main" id="{6054682E-C30A-EC5F-F169-76ED3D8D9D46}"/>
-            </a:ext>
-          </a:extLst>
-        </p:cNvPr>
-        <p:cNvGrpSpPr/>
-        <p:nvPr/>
-      </p:nvGrpSpPr>
-      <p:grpSpPr>
-        <a:xfrm>
-          <a:off x="0" y="0"/>
-          <a:ext cx="0" cy="0"/>
-          <a:chOff x="0" y="0"/>
-          <a:chExt cx="0" cy="0"/>
-        </a:xfrm>
-      </p:grpSpPr>
-      <p:sp>
-        <p:nvSpPr>
-          <p:cNvPr id="2" name="Τίτλος 1">
-            <a:extLst>
-              <a:ext uri="{FF2B5EF4-FFF2-40B4-BE49-F238E27FC236}">
-                <a16:creationId xmlns:a16="http://schemas.microsoft.com/office/drawing/2014/main" id="{BA65C177-78EC-E045-063E-270C7A4FE2FA}"/>
-              </a:ext>
-            </a:extLst>
-          </p:cNvPr>
-          <p:cNvSpPr>
-            <a:spLocks noGrp="1"/>
-          </p:cNvSpPr>
-          <p:nvPr>
-            <p:ph type="title"/>
-          </p:nvPr>
-        </p:nvSpPr>
-        <p:spPr>
-          <a:xfrm>
-            <a:off x="921492" y="678522"/>
-            <a:ext cx="11357594" cy="1338942"/>
-          </a:xfrm>
-        </p:spPr>
-        <p:txBody>
-          <a:bodyPr/>
-          <a:lstStyle/>
-          <a:p>
-            <a:r>
-              <a:rPr lang="el-GR" b="1" dirty="0"/>
-              <a:t>ΒΗΜΑΤΑ ΥΛΟΠΟΙΗΣΗΣ ΤΗΣ ΕΡΓΑΣΙΑΣ</a:t>
-            </a:r>
-            <a:r>
-              <a:rPr lang="en-US" b="1" dirty="0"/>
-              <a:t> (</a:t>
-            </a:r>
-            <a:r>
-              <a:rPr lang="el-GR" b="1" dirty="0"/>
-              <a:t>2</a:t>
-            </a:r>
-            <a:r>
-              <a:rPr lang="en-US" b="1" dirty="0"/>
-              <a:t>)</a:t>
-            </a:r>
-            <a:endParaRPr lang="el-GR" b="1" dirty="0"/>
-          </a:p>
-        </p:txBody>
-      </p:sp>
-      <p:sp>
-        <p:nvSpPr>
-          <p:cNvPr id="3" name="Θέση περιεχομένου 2">
-            <a:extLst>
-              <a:ext uri="{FF2B5EF4-FFF2-40B4-BE49-F238E27FC236}">
-                <a16:creationId xmlns:a16="http://schemas.microsoft.com/office/drawing/2014/main" id="{C1F1056E-B878-8B1C-3420-F817646D1A2C}"/>
-              </a:ext>
-            </a:extLst>
-          </p:cNvPr>
-          <p:cNvSpPr>
-            <a:spLocks noGrp="1"/>
-          </p:cNvSpPr>
-          <p:nvPr>
-            <p:ph idx="1"/>
-          </p:nvPr>
-        </p:nvSpPr>
-        <p:spPr>
-          <a:xfrm>
-            <a:off x="653142" y="2319962"/>
-            <a:ext cx="6567466" cy="4419797"/>
-          </a:xfrm>
-        </p:spPr>
-        <p:txBody>
-          <a:bodyPr>
-            <a:noAutofit/>
-          </a:bodyPr>
-          <a:lstStyle/>
-          <a:p>
-            <a:pPr algn="just">
-              <a:buFont typeface="Arial" panose="020B0604020202020204" pitchFamily="34" charset="0"/>
-              <a:buChar char="•"/>
-            </a:pPr>
-            <a:r>
-              <a:rPr lang="en-US" dirty="0"/>
-              <a:t> </a:t>
-            </a:r>
-            <a:r>
-              <a:rPr lang="el-GR" dirty="0"/>
-              <a:t>Δημιουργία ενός repository στο </a:t>
-            </a:r>
-            <a:r>
-              <a:rPr lang="en-US" dirty="0"/>
-              <a:t>GitHub</a:t>
-            </a:r>
-            <a:r>
-              <a:rPr lang="el-GR" dirty="0"/>
-              <a:t>.</a:t>
-            </a:r>
-          </a:p>
-          <a:p>
-            <a:pPr algn="just">
-              <a:buFont typeface="Arial" panose="020B0604020202020204" pitchFamily="34" charset="0"/>
-              <a:buChar char="•"/>
-            </a:pPr>
-            <a:r>
-              <a:rPr lang="el-GR" dirty="0"/>
-              <a:t>Μελέτη  της βιβλιογραφίας του </a:t>
-            </a:r>
-            <a:r>
-              <a:rPr lang="en-US" dirty="0"/>
-              <a:t>NS-3</a:t>
-            </a:r>
-            <a:r>
-              <a:rPr lang="el-GR" dirty="0"/>
-              <a:t> και πιο συγκεκριμένα του </a:t>
-            </a:r>
-            <a:r>
-              <a:rPr lang="en-US" dirty="0"/>
-              <a:t>“ns-3 tutorial” </a:t>
-            </a:r>
-            <a:r>
-              <a:rPr lang="el-GR" dirty="0"/>
-              <a:t>για απλά παραδείγματα χρήσης του νέου αυτού εργαλείου.</a:t>
-            </a:r>
-          </a:p>
-          <a:p>
-            <a:pPr algn="just">
-              <a:buFont typeface="Arial" panose="020B0604020202020204" pitchFamily="34" charset="0"/>
-              <a:buChar char="•"/>
-            </a:pPr>
-            <a:r>
-              <a:rPr lang="el-GR" dirty="0"/>
-              <a:t>Αναζήτηση στο </a:t>
-            </a:r>
-            <a:r>
-              <a:rPr lang="en-US" dirty="0"/>
-              <a:t>“ns-3 Model Library” </a:t>
-            </a:r>
-            <a:r>
-              <a:rPr lang="el-GR" dirty="0"/>
-              <a:t>για διασαφήνιση   σχετικών  εννοιών  (</a:t>
-            </a:r>
-            <a:r>
-              <a:rPr lang="en-US" dirty="0"/>
-              <a:t>flow monitoring, internet models, etc</a:t>
-            </a:r>
-            <a:r>
-              <a:rPr lang="el-GR" dirty="0"/>
-              <a:t>.</a:t>
-            </a:r>
-            <a:r>
-              <a:rPr lang="en-US" dirty="0"/>
-              <a:t>)</a:t>
-            </a:r>
-            <a:r>
-              <a:rPr lang="el-GR" dirty="0"/>
-              <a:t> που αναφέρονταν στην εργασία.</a:t>
-            </a:r>
-          </a:p>
-          <a:p>
-            <a:pPr>
-              <a:buFont typeface="Arial" panose="020B0604020202020204" pitchFamily="34" charset="0"/>
-              <a:buChar char="•"/>
-            </a:pPr>
-            <a:r>
-              <a:rPr lang="sv-SE" dirty="0"/>
-              <a:t>internet stack</a:t>
-            </a:r>
-            <a:endParaRPr lang="el-GR" dirty="0"/>
-          </a:p>
-          <a:p>
-            <a:pPr>
-              <a:buFont typeface="Arial" panose="020B0604020202020204" pitchFamily="34" charset="0"/>
-              <a:buChar char="•"/>
-            </a:pPr>
-            <a:r>
-              <a:rPr lang="sv-SE" dirty="0"/>
-              <a:t>CBR</a:t>
-            </a:r>
-            <a:endParaRPr lang="el-GR" dirty="0"/>
-          </a:p>
-          <a:p>
-            <a:pPr>
-              <a:buFont typeface="Arial" panose="020B0604020202020204" pitchFamily="34" charset="0"/>
-              <a:buChar char="•"/>
-            </a:pPr>
-            <a:r>
-              <a:rPr lang="sv-SE" dirty="0"/>
-              <a:t>packet sink</a:t>
-            </a:r>
-          </a:p>
-          <a:p>
-            <a:pPr algn="just">
-              <a:buFont typeface="Arial" panose="020B0604020202020204" pitchFamily="34" charset="0"/>
-              <a:buChar char="•"/>
-            </a:pPr>
-            <a:endParaRPr lang="el-GR" dirty="0"/>
-          </a:p>
-          <a:p>
-            <a:pPr marL="0" indent="0">
-              <a:buNone/>
-            </a:pPr>
-            <a:br>
-              <a:rPr lang="en-US" dirty="0"/>
-            </a:br>
-            <a:endParaRPr lang="el-GR" dirty="0"/>
-          </a:p>
-        </p:txBody>
-      </p:sp>
-      <p:pic>
-        <p:nvPicPr>
-          <p:cNvPr id="5" name="Picture 4">
-            <a:extLst>
-              <a:ext uri="{FF2B5EF4-FFF2-40B4-BE49-F238E27FC236}">
-                <a16:creationId xmlns:a16="http://schemas.microsoft.com/office/drawing/2014/main" id="{88BFED06-2B00-5AAC-F37F-EE97C2DA760A}"/>
-              </a:ext>
-            </a:extLst>
-          </p:cNvPr>
-          <p:cNvPicPr>
-            <a:picLocks noChangeAspect="1"/>
-          </p:cNvPicPr>
-          <p:nvPr/>
-        </p:nvPicPr>
-        <p:blipFill>
-          <a:blip r:embed="rId2"/>
-          <a:stretch>
-            <a:fillRect/>
-          </a:stretch>
-        </p:blipFill>
-        <p:spPr>
-          <a:xfrm>
-            <a:off x="7959007" y="2454009"/>
-            <a:ext cx="3797565" cy="3432800"/>
-          </a:xfrm>
-          <a:prstGeom prst="rect">
-            <a:avLst/>
-          </a:prstGeom>
-          <a:ln>
-            <a:solidFill>
-              <a:schemeClr val="tx1"/>
-            </a:solidFill>
-          </a:ln>
-        </p:spPr>
-      </p:pic>
-    </p:spTree>
-    <p:extLst>
-      <p:ext uri="{BB962C8B-B14F-4D97-AF65-F5344CB8AC3E}">
-        <p14:creationId xmlns:p14="http://schemas.microsoft.com/office/powerpoint/2010/main" val="1479383505"/>
-      </p:ext>
-    </p:extLst>
-  </p:cSld>
-  <p:clrMapOvr>
-    <a:masterClrMapping/>
-  </p:clrMapOvr>
-  <p:transition spd="slow">
-    <p:push dir="u"/>
-  </p:transition>
-</p:sld>
-</file>
-
-<file path=ppt/slides/slide7.xml><?xml version="1.0" encoding="utf-8"?>
-<p:sld xmlns:a="http://schemas.openxmlformats.org/drawingml/2006/main" xmlns:r="http://schemas.openxmlformats.org/officeDocument/2006/relationships" xmlns:p="http://schemas.openxmlformats.org/presentationml/2006/main">
-  <p:cSld>
-    <p:spTree>
-      <p:nvGrpSpPr>
-        <p:cNvPr id="1" name=""/>
-        <p:cNvGrpSpPr/>
-        <p:nvPr/>
-      </p:nvGrpSpPr>
-      <p:grpSpPr>
-        <a:xfrm>
-          <a:off x="0" y="0"/>
-          <a:ext cx="0" cy="0"/>
-          <a:chOff x="0" y="0"/>
-          <a:chExt cx="0" cy="0"/>
-        </a:xfrm>
-      </p:grpSpPr>
-      <p:sp>
-        <p:nvSpPr>
-          <p:cNvPr id="5" name="Τίτλος 1">
-            <a:extLst>
-              <a:ext uri="{FF2B5EF4-FFF2-40B4-BE49-F238E27FC236}">
-                <a16:creationId xmlns:a16="http://schemas.microsoft.com/office/drawing/2014/main" id="{FB84AE28-5848-E665-6D72-8FA26E4F4EA0}"/>
-              </a:ext>
-            </a:extLst>
-          </p:cNvPr>
-          <p:cNvSpPr txBox="1">
-            <a:spLocks/>
-          </p:cNvSpPr>
-          <p:nvPr/>
-        </p:nvSpPr>
-        <p:spPr>
-          <a:xfrm>
-            <a:off x="1045029" y="1074429"/>
-            <a:ext cx="9453318" cy="676733"/>
-          </a:xfrm>
-          <a:prstGeom prst="rect">
-            <a:avLst/>
-          </a:prstGeom>
-        </p:spPr>
-        <p:txBody>
-          <a:bodyPr vert="horz" lIns="91440" tIns="45720" rIns="91440" bIns="45720" rtlCol="0" anchor="ctr">
-            <a:noAutofit/>
-          </a:bodyPr>
-          <a:lstStyle>
-            <a:lvl1pPr algn="l" defTabSz="914400" rtl="0" eaLnBrk="1" latinLnBrk="0" hangingPunct="1">
-              <a:lnSpc>
-                <a:spcPct val="80000"/>
-              </a:lnSpc>
-              <a:spcBef>
-                <a:spcPct val="0"/>
-              </a:spcBef>
-              <a:buNone/>
-              <a:defRPr sz="5000" kern="1200" cap="all" spc="100" baseline="0">
-                <a:solidFill>
-                  <a:schemeClr val="tx1">
-                    <a:lumMod val="95000"/>
-                    <a:lumOff val="5000"/>
-                  </a:schemeClr>
-                </a:solidFill>
-                <a:latin typeface="Calibri" panose="020F0502020204030204" pitchFamily="34" charset="0"/>
-                <a:ea typeface="+mj-ea"/>
-                <a:cs typeface="+mj-cs"/>
-              </a:defRPr>
-            </a:lvl1pPr>
-          </a:lstStyle>
-          <a:p>
-            <a:r>
-              <a:rPr lang="el-GR" sz="4800" b="1" dirty="0"/>
-              <a:t>δεδομενΑ για το ερωτημα 1</a:t>
-            </a:r>
-            <a:br>
-              <a:rPr lang="el-GR" sz="4800" dirty="0"/>
-            </a:br>
-            <a:endParaRPr lang="el-GR" sz="4800" dirty="0"/>
-          </a:p>
-        </p:txBody>
-      </p:sp>
-      <p:sp>
-        <p:nvSpPr>
-          <p:cNvPr id="6" name="Θέση περιεχομένου 2">
-            <a:extLst>
-              <a:ext uri="{FF2B5EF4-FFF2-40B4-BE49-F238E27FC236}">
-                <a16:creationId xmlns:a16="http://schemas.microsoft.com/office/drawing/2014/main" id="{1BD6B2D5-E19E-AB53-1C03-C2A591F05B5B}"/>
-              </a:ext>
-            </a:extLst>
-          </p:cNvPr>
-          <p:cNvSpPr>
-            <a:spLocks noGrp="1"/>
-          </p:cNvSpPr>
-          <p:nvPr>
-            <p:ph idx="1"/>
-          </p:nvPr>
-        </p:nvSpPr>
-        <p:spPr>
-          <a:xfrm>
-            <a:off x="1045029" y="2155371"/>
-            <a:ext cx="10888824" cy="4198776"/>
-          </a:xfrm>
-        </p:spPr>
-        <p:txBody>
-          <a:bodyPr>
-            <a:normAutofit/>
-          </a:bodyPr>
-          <a:lstStyle/>
-          <a:p>
-            <a:pPr algn="just">
-              <a:buFont typeface="Arial" panose="020B0604020202020204" pitchFamily="34" charset="0"/>
-              <a:buChar char="•"/>
-            </a:pPr>
-            <a:r>
-              <a:rPr lang="en-US" dirty="0"/>
-              <a:t> </a:t>
-            </a:r>
-            <a:r>
-              <a:rPr lang="el-GR" dirty="0"/>
-              <a:t>Μέσα στον φάκελο</a:t>
-            </a:r>
-            <a:r>
-              <a:rPr lang="en-US" dirty="0"/>
-              <a:t> scratch </a:t>
-            </a:r>
-            <a:r>
-              <a:rPr lang="el-GR" dirty="0"/>
-              <a:t>του </a:t>
-            </a:r>
-            <a:r>
-              <a:rPr lang="en-US" dirty="0"/>
-              <a:t>NS3 </a:t>
-            </a:r>
-            <a:r>
-              <a:rPr lang="el-GR" dirty="0"/>
-              <a:t>υλοποιήθηκε η λύση του 1</a:t>
-            </a:r>
-            <a:r>
-              <a:rPr lang="el-GR" baseline="30000" dirty="0"/>
-              <a:t>ου</a:t>
-            </a:r>
-            <a:r>
-              <a:rPr lang="el-GR" dirty="0"/>
-              <a:t> ερωτήματος στο αρχείο </a:t>
-            </a:r>
-            <a:r>
-              <a:rPr lang="en-US" dirty="0"/>
-              <a:t>mypoint.cc</a:t>
-            </a:r>
-          </a:p>
-          <a:p>
-            <a:pPr algn="just">
-              <a:buFont typeface="Arial" panose="020B0604020202020204" pitchFamily="34" charset="0"/>
-              <a:buChar char="•"/>
-            </a:pPr>
-            <a:r>
-              <a:rPr lang="el-GR" dirty="0"/>
-              <a:t> Έγινε χρήση </a:t>
-            </a:r>
-            <a:r>
-              <a:rPr lang="en-US" dirty="0"/>
-              <a:t>C++</a:t>
-            </a:r>
-          </a:p>
-          <a:p>
-            <a:pPr algn="just">
-              <a:buFont typeface="Arial" panose="020B0604020202020204" pitchFamily="34" charset="0"/>
-              <a:buChar char="•"/>
-            </a:pPr>
-            <a:r>
-              <a:rPr lang="el-GR" dirty="0"/>
-              <a:t> Έγινε χρήση των  βιβλιοθηκών </a:t>
-            </a:r>
-            <a:r>
-              <a:rPr lang="en-US" dirty="0"/>
-              <a:t>:</a:t>
-            </a:r>
-            <a:r>
-              <a:rPr lang="el-GR" dirty="0"/>
-              <a:t> </a:t>
-            </a:r>
-            <a:r>
-              <a:rPr lang="en-US" dirty="0"/>
-              <a:t>flow- monitoring -</a:t>
-            </a:r>
-            <a:r>
-              <a:rPr lang="en-US" dirty="0" err="1"/>
-              <a:t>module.h</a:t>
-            </a:r>
-            <a:r>
-              <a:rPr lang="en-US" dirty="0"/>
-              <a:t> , point-to-point-</a:t>
-            </a:r>
-            <a:r>
-              <a:rPr lang="en-US" dirty="0" err="1"/>
-              <a:t>module.h</a:t>
-            </a:r>
-            <a:endParaRPr lang="en-US" dirty="0"/>
-          </a:p>
-          <a:p>
-            <a:pPr algn="just">
-              <a:buFont typeface="Arial" panose="020B0604020202020204" pitchFamily="34" charset="0"/>
-              <a:buChar char="•"/>
-            </a:pPr>
-            <a:r>
-              <a:rPr lang="el-GR" dirty="0"/>
-              <a:t> Έγινε παραμετροποίηση με τις παραδοχές </a:t>
-            </a:r>
-            <a:r>
-              <a:rPr lang="en-US" dirty="0"/>
-              <a:t>:</a:t>
-            </a:r>
-            <a:endParaRPr lang="el-GR" dirty="0"/>
-          </a:p>
-          <a:p>
-            <a:pPr marL="173736" lvl="1" indent="0" algn="just">
-              <a:buNone/>
-            </a:pPr>
-            <a:r>
-              <a:rPr lang="en-US" dirty="0"/>
-              <a:t>  Data Rate = 5Mbps</a:t>
-            </a:r>
-          </a:p>
-          <a:p>
-            <a:pPr marL="173736" lvl="1" indent="0" algn="just">
-              <a:buNone/>
-            </a:pPr>
-            <a:r>
-              <a:rPr lang="en-US" dirty="0"/>
-              <a:t>  Delay = 6ms</a:t>
-            </a:r>
-          </a:p>
-          <a:p>
-            <a:pPr marL="173736" lvl="1" indent="0" algn="just">
-              <a:buNone/>
-            </a:pPr>
-            <a:r>
-              <a:rPr lang="en-US" dirty="0"/>
-              <a:t>  Packet Size = 1024</a:t>
-            </a:r>
-          </a:p>
-          <a:p>
-            <a:pPr marL="173736" lvl="1" indent="0" algn="just">
-              <a:buNone/>
-            </a:pPr>
-            <a:r>
-              <a:rPr lang="en-US" dirty="0"/>
-              <a:t>  Max Packets = 6</a:t>
-            </a:r>
-          </a:p>
-          <a:p>
-            <a:pPr marL="173736" lvl="1" indent="0" algn="just">
-              <a:buNone/>
-            </a:pPr>
-            <a:r>
-              <a:rPr lang="en-US" dirty="0"/>
-              <a:t>  Simulation Time = 11.0</a:t>
-            </a:r>
-          </a:p>
-          <a:p>
-            <a:pPr algn="just">
-              <a:buFont typeface="Arial" panose="020B0604020202020204" pitchFamily="34" charset="0"/>
-              <a:buChar char="•"/>
-            </a:pPr>
-            <a:endParaRPr lang="el-GR" dirty="0"/>
-          </a:p>
-        </p:txBody>
-      </p:sp>
-      <p:pic>
-        <p:nvPicPr>
-          <p:cNvPr id="2" name="Εικόνα 1">
-            <a:extLst>
-              <a:ext uri="{FF2B5EF4-FFF2-40B4-BE49-F238E27FC236}">
-                <a16:creationId xmlns:a16="http://schemas.microsoft.com/office/drawing/2014/main" id="{72465A12-DE92-430F-83D8-A8CA456E29B7}"/>
-              </a:ext>
-            </a:extLst>
-          </p:cNvPr>
-          <p:cNvPicPr>
-            <a:picLocks noChangeAspect="1"/>
-          </p:cNvPicPr>
-          <p:nvPr/>
-        </p:nvPicPr>
-        <p:blipFill>
-          <a:blip r:embed="rId2"/>
-          <a:stretch>
-            <a:fillRect/>
-          </a:stretch>
-        </p:blipFill>
-        <p:spPr>
-          <a:xfrm>
-            <a:off x="6596884" y="4396609"/>
-            <a:ext cx="4705350" cy="1485900"/>
-          </a:xfrm>
-          <a:prstGeom prst="rect">
-            <a:avLst/>
-          </a:prstGeom>
-        </p:spPr>
-      </p:pic>
-    </p:spTree>
-    <p:extLst>
-      <p:ext uri="{BB962C8B-B14F-4D97-AF65-F5344CB8AC3E}">
-        <p14:creationId xmlns:p14="http://schemas.microsoft.com/office/powerpoint/2010/main" val="2973954065"/>
-      </p:ext>
-    </p:extLst>
-  </p:cSld>
-  <p:clrMapOvr>
-    <a:masterClrMapping/>
-  </p:clrMapOvr>
-  <p:transition spd="slow">
-    <p:push dir="u"/>
-  </p:transition>
-</p:sld>
-</file>
-
-<file path=ppt/slides/slide8.xml><?xml version="1.0" encoding="utf-8"?>
-<p:sld xmlns:a="http://schemas.openxmlformats.org/drawingml/2006/main" xmlns:r="http://schemas.openxmlformats.org/officeDocument/2006/relationships" xmlns:p="http://schemas.openxmlformats.org/presentationml/2006/main">
-  <p:cSld>
-    <p:spTree>
-      <p:nvGrpSpPr>
-        <p:cNvPr id="1" name=""/>
-        <p:cNvGrpSpPr/>
-        <p:nvPr/>
-      </p:nvGrpSpPr>
-      <p:grpSpPr>
-        <a:xfrm>
-          <a:off x="0" y="0"/>
-          <a:ext cx="0" cy="0"/>
-          <a:chOff x="0" y="0"/>
-          <a:chExt cx="0" cy="0"/>
-        </a:xfrm>
-      </p:grpSpPr>
-      <p:sp>
-        <p:nvSpPr>
-          <p:cNvPr id="2" name="Τίτλος 1">
-            <a:extLst>
-              <a:ext uri="{FF2B5EF4-FFF2-40B4-BE49-F238E27FC236}">
-                <a16:creationId xmlns:a16="http://schemas.microsoft.com/office/drawing/2014/main" id="{3356E8B7-F79F-49D2-A78C-DB57940338DA}"/>
-              </a:ext>
-            </a:extLst>
-          </p:cNvPr>
-          <p:cNvSpPr>
-            <a:spLocks noGrp="1"/>
-          </p:cNvSpPr>
-          <p:nvPr>
-            <p:ph type="title"/>
-          </p:nvPr>
-        </p:nvSpPr>
-        <p:spPr>
-          <a:xfrm>
-            <a:off x="1024127" y="979714"/>
-            <a:ext cx="10415203" cy="1105118"/>
-          </a:xfrm>
-        </p:spPr>
-        <p:txBody>
-          <a:bodyPr anchor="ctr">
-            <a:noAutofit/>
-          </a:bodyPr>
-          <a:lstStyle/>
-          <a:p>
-            <a:r>
-              <a:rPr lang="el-GR" sz="4800" b="1" dirty="0"/>
-              <a:t>αποτελεσματα του ερωτηματοσ 1</a:t>
-            </a:r>
-            <a:br>
-              <a:rPr lang="el-GR" sz="4800" dirty="0"/>
-            </a:br>
-            <a:endParaRPr lang="el-GR" sz="4800" dirty="0"/>
-          </a:p>
-        </p:txBody>
-      </p:sp>
-      <p:sp>
-        <p:nvSpPr>
-          <p:cNvPr id="3" name="Θέση περιεχομένου 2">
-            <a:extLst>
-              <a:ext uri="{FF2B5EF4-FFF2-40B4-BE49-F238E27FC236}">
-                <a16:creationId xmlns:a16="http://schemas.microsoft.com/office/drawing/2014/main" id="{64EFDE80-4506-46C6-AB1D-895B45782802}"/>
-              </a:ext>
-            </a:extLst>
-          </p:cNvPr>
-          <p:cNvSpPr>
-            <a:spLocks noGrp="1"/>
-          </p:cNvSpPr>
-          <p:nvPr>
-            <p:ph sz="half" idx="1"/>
-          </p:nvPr>
-        </p:nvSpPr>
-        <p:spPr>
-          <a:xfrm>
-            <a:off x="1024127" y="2579914"/>
-            <a:ext cx="4754880" cy="3489810"/>
-          </a:xfrm>
-        </p:spPr>
-        <p:txBody>
-          <a:bodyPr>
-            <a:normAutofit/>
-          </a:bodyPr>
-          <a:lstStyle/>
-          <a:p>
-            <a:pPr>
-              <a:buFont typeface="Arial" panose="020B0604020202020204" pitchFamily="34" charset="0"/>
-              <a:buChar char="•"/>
-            </a:pPr>
-            <a:r>
-              <a:rPr lang="el-GR" dirty="0"/>
-              <a:t>Εκτελώντας την προσομοίωση </a:t>
-            </a:r>
-            <a:r>
-              <a:rPr lang="en-US" dirty="0"/>
-              <a:t>point to point </a:t>
-            </a:r>
-            <a:r>
-              <a:rPr lang="el-GR" dirty="0"/>
-              <a:t>σύνδεσης στο </a:t>
-            </a:r>
-            <a:r>
-              <a:rPr lang="en-US" dirty="0"/>
-              <a:t>Ubuntu</a:t>
-            </a:r>
-            <a:r>
-              <a:rPr lang="el-GR" dirty="0"/>
-              <a:t> σύστημα μας, προέκυψαν τα εξής δεδομένα :</a:t>
-            </a:r>
-          </a:p>
-          <a:p>
-            <a:pPr>
-              <a:buFont typeface="Arial" panose="020B0604020202020204" pitchFamily="34" charset="0"/>
-              <a:buChar char="•"/>
-            </a:pPr>
-            <a:endParaRPr lang="el-GR" u="sng" dirty="0"/>
-          </a:p>
-          <a:p>
-            <a:pPr>
-              <a:buFont typeface="Arial" panose="020B0604020202020204" pitchFamily="34" charset="0"/>
-              <a:buChar char="•"/>
-            </a:pPr>
-            <a:endParaRPr lang="el-GR" u="sng" dirty="0"/>
-          </a:p>
-          <a:p>
-            <a:pPr marL="0" indent="0">
-              <a:buNone/>
-            </a:pPr>
-            <a:r>
-              <a:rPr lang="el-GR" dirty="0"/>
-              <a:t>+ </a:t>
-            </a:r>
-            <a:r>
-              <a:rPr lang="el-GR" dirty="0" err="1"/>
-              <a:t>καποιο</a:t>
-            </a:r>
-            <a:r>
-              <a:rPr lang="el-GR" dirty="0"/>
-              <a:t> </a:t>
-            </a:r>
-            <a:r>
-              <a:rPr lang="el-GR" dirty="0" err="1"/>
-              <a:t>διαγραμμα</a:t>
-            </a:r>
-            <a:r>
-              <a:rPr lang="el-GR" dirty="0"/>
-              <a:t>?</a:t>
-            </a:r>
-          </a:p>
-        </p:txBody>
-      </p:sp>
-      <p:pic>
-        <p:nvPicPr>
-          <p:cNvPr id="5" name="Picture 4" descr="A computer screen shot of a program&#10;&#10;AI-generated content may be incorrect.">
-            <a:extLst>
-              <a:ext uri="{FF2B5EF4-FFF2-40B4-BE49-F238E27FC236}">
-                <a16:creationId xmlns:a16="http://schemas.microsoft.com/office/drawing/2014/main" id="{4D4C9CBC-682B-AA87-BB61-FF4351371139}"/>
-              </a:ext>
-            </a:extLst>
-          </p:cNvPr>
-          <p:cNvPicPr>
-            <a:picLocks noChangeAspect="1"/>
-          </p:cNvPicPr>
-          <p:nvPr/>
-        </p:nvPicPr>
-        <p:blipFill>
-          <a:blip r:embed="rId2"/>
-          <a:stretch>
-            <a:fillRect/>
-          </a:stretch>
-        </p:blipFill>
-        <p:spPr>
-          <a:xfrm>
-            <a:off x="6764694" y="2184449"/>
-            <a:ext cx="3979506" cy="4124911"/>
-          </a:xfrm>
-          <a:prstGeom prst="rect">
-            <a:avLst/>
-          </a:prstGeom>
-          <a:noFill/>
-        </p:spPr>
-      </p:pic>
-    </p:spTree>
-    <p:extLst>
-      <p:ext uri="{BB962C8B-B14F-4D97-AF65-F5344CB8AC3E}">
-        <p14:creationId xmlns:p14="http://schemas.microsoft.com/office/powerpoint/2010/main" val="3045251129"/>
-      </p:ext>
-    </p:extLst>
-  </p:cSld>
-  <p:clrMapOvr>
-    <a:masterClrMapping/>
-  </p:clrMapOvr>
-  <p:transition spd="slow">
-    <p:push dir="u"/>
-  </p:transition>
-</p:sld>
-</file>
-
-<file path=ppt/slides/slide9.xml><?xml version="1.0" encoding="utf-8"?>
-<p:sld xmlns:a="http://schemas.openxmlformats.org/drawingml/2006/main" xmlns:r="http://schemas.openxmlformats.org/officeDocument/2006/relationships" xmlns:p="http://schemas.openxmlformats.org/presentationml/2006/main">
-  <p:cSld>
-    <p:spTree>
-      <p:nvGrpSpPr>
-        <p:cNvPr id="1" name=""/>
-        <p:cNvGrpSpPr/>
-        <p:nvPr/>
-      </p:nvGrpSpPr>
-      <p:grpSpPr>
-        <a:xfrm>
-          <a:off x="0" y="0"/>
-          <a:ext cx="0" cy="0"/>
-          <a:chOff x="0" y="0"/>
-          <a:chExt cx="0" cy="0"/>
-        </a:xfrm>
-      </p:grpSpPr>
-      <p:sp>
-        <p:nvSpPr>
-          <p:cNvPr id="2" name="Τίτλος 1">
-            <a:extLst>
-              <a:ext uri="{FF2B5EF4-FFF2-40B4-BE49-F238E27FC236}">
-                <a16:creationId xmlns:a16="http://schemas.microsoft.com/office/drawing/2014/main" id="{740B5DCF-D7F8-4FA1-B6A2-C54F072B973E}"/>
-              </a:ext>
-            </a:extLst>
-          </p:cNvPr>
-          <p:cNvSpPr>
-            <a:spLocks noGrp="1"/>
-          </p:cNvSpPr>
-          <p:nvPr>
-            <p:ph type="title"/>
-          </p:nvPr>
-        </p:nvSpPr>
-        <p:spPr/>
-        <p:txBody>
-          <a:bodyPr/>
-          <a:lstStyle/>
-          <a:p>
-            <a:r>
-              <a:rPr lang="el-GR" b="1" dirty="0"/>
-              <a:t>ΔΕΔΟΜΕΝΑ ΓΙΑ ΤΟ ΕΡΩΤΗΜΑ 2</a:t>
-            </a:r>
-            <a:r>
-              <a:rPr lang="en-US" b="1" dirty="0"/>
-              <a:t>(1)</a:t>
-            </a:r>
-            <a:endParaRPr lang="el-GR" b="1" dirty="0"/>
-          </a:p>
-        </p:txBody>
-      </p:sp>
-      <p:sp>
-        <p:nvSpPr>
-          <p:cNvPr id="3" name="Θέση περιεχομένου 2">
-            <a:extLst>
-              <a:ext uri="{FF2B5EF4-FFF2-40B4-BE49-F238E27FC236}">
-                <a16:creationId xmlns:a16="http://schemas.microsoft.com/office/drawing/2014/main" id="{B826EC1D-ADB3-40C8-9BDF-B44BD50ABE16}"/>
-              </a:ext>
-            </a:extLst>
-          </p:cNvPr>
-          <p:cNvSpPr>
-            <a:spLocks noGrp="1"/>
-          </p:cNvSpPr>
-          <p:nvPr>
-            <p:ph idx="1"/>
-          </p:nvPr>
-        </p:nvSpPr>
-        <p:spPr>
-          <a:xfrm>
-            <a:off x="732466" y="2249294"/>
-            <a:ext cx="9720073" cy="4023360"/>
-          </a:xfrm>
-        </p:spPr>
-        <p:txBody>
-          <a:bodyPr/>
-          <a:lstStyle/>
-          <a:p>
-            <a:pPr marL="0" indent="0">
-              <a:buNone/>
-            </a:pPr>
-            <a:r>
-              <a:rPr lang="el-GR" dirty="0"/>
-              <a:t>Όσον αφορά το δεύτερο ερώτημα της εργασίας, η τοπολογία που δημιουργήθηκε είναι η εξής </a:t>
-            </a:r>
-            <a:r>
-              <a:rPr lang="en-US" dirty="0"/>
-              <a:t>:</a:t>
-            </a:r>
-          </a:p>
-          <a:p>
-            <a:pPr marL="0" indent="0">
-              <a:buNone/>
-            </a:pPr>
-            <a:endParaRPr lang="en-US" dirty="0"/>
-          </a:p>
-          <a:p>
-            <a:pPr marL="0" indent="0">
-              <a:buNone/>
-            </a:pPr>
-            <a:endParaRPr lang="en-US" dirty="0"/>
-          </a:p>
-          <a:p>
-            <a:endParaRPr lang="el-GR" dirty="0"/>
-          </a:p>
-        </p:txBody>
-      </p:sp>
-      <p:sp>
-        <p:nvSpPr>
-          <p:cNvPr id="5" name="AutoShape 4" descr="image.png">
-            <a:extLst>
-              <a:ext uri="{FF2B5EF4-FFF2-40B4-BE49-F238E27FC236}">
-                <a16:creationId xmlns:a16="http://schemas.microsoft.com/office/drawing/2014/main" id="{9EC8DA17-04F4-4836-B00D-8C2179B2E7C4}"/>
-              </a:ext>
-            </a:extLst>
-          </p:cNvPr>
-          <p:cNvSpPr>
-            <a:spLocks noChangeAspect="1" noChangeArrowheads="1"/>
-          </p:cNvSpPr>
-          <p:nvPr/>
-        </p:nvSpPr>
-        <p:spPr bwMode="auto">
-          <a:xfrm>
-            <a:off x="5943600" y="3276600"/>
-            <a:ext cx="304800" cy="304800"/>
-          </a:xfrm>
-          <a:prstGeom prst="rect">
-            <a:avLst/>
-          </a:prstGeom>
-          <a:noFill/>
-          <a:extLst>
-            <a:ext uri="{909E8E84-426E-40DD-AFC4-6F175D3DCCD1}">
-              <a14:hiddenFill xmlns:a14="http://schemas.microsoft.com/office/drawing/2010/main">
-                <a:solidFill>
-                  <a:srgbClr val="FFFFFF"/>
-                </a:solidFill>
-              </a14:hiddenFill>
-            </a:ext>
-          </a:extLst>
-        </p:spPr>
-        <p:txBody>
-          <a:bodyPr vert="horz" wrap="square" lIns="91440" tIns="45720" rIns="91440" bIns="45720" numCol="1" anchor="t" anchorCtr="0" compatLnSpc="1">
-            <a:prstTxWarp prst="textNoShape">
-              <a:avLst/>
-            </a:prstTxWarp>
-          </a:bodyPr>
-          <a:lstStyle/>
-          <a:p>
-            <a:endParaRPr lang="el-GR"/>
-          </a:p>
-        </p:txBody>
-      </p:sp>
-      <p:pic>
-        <p:nvPicPr>
-          <p:cNvPr id="6" name="Εικόνα 5">
-            <a:extLst>
-              <a:ext uri="{FF2B5EF4-FFF2-40B4-BE49-F238E27FC236}">
-                <a16:creationId xmlns:a16="http://schemas.microsoft.com/office/drawing/2014/main" id="{9107478B-F89B-47FA-B8F9-EAC2BCD55F50}"/>
-              </a:ext>
-            </a:extLst>
-          </p:cNvPr>
-          <p:cNvPicPr>
-            <a:picLocks noChangeAspect="1"/>
-          </p:cNvPicPr>
-          <p:nvPr/>
-        </p:nvPicPr>
-        <p:blipFill>
-          <a:blip r:embed="rId2"/>
-          <a:stretch>
-            <a:fillRect/>
-          </a:stretch>
-        </p:blipFill>
-        <p:spPr>
-          <a:xfrm>
-            <a:off x="732466" y="3003954"/>
-            <a:ext cx="3476927" cy="3247679"/>
-          </a:xfrm>
-          <a:prstGeom prst="rect">
-            <a:avLst/>
-          </a:prstGeom>
-        </p:spPr>
-      </p:pic>
-    </p:spTree>
-    <p:extLst>
-      <p:ext uri="{BB962C8B-B14F-4D97-AF65-F5344CB8AC3E}">
-        <p14:creationId xmlns:p14="http://schemas.microsoft.com/office/powerpoint/2010/main" val="567458805"/>
       </p:ext>
     </p:extLst>
   </p:cSld>
@@ -25800,6 +25728,23 @@
 </file>
 
 <file path=customXml/item1.xml><?xml version="1.0" encoding="utf-8"?>
+<p:properties xmlns:p="http://schemas.microsoft.com/office/2006/metadata/properties" xmlns:xsi="http://www.w3.org/2001/XMLSchema-instance" xmlns:pc="http://schemas.microsoft.com/office/infopath/2007/PartnerControls">
+  <documentManagement>
+    <MediaServiceKeyPoints xmlns="71af3243-3dd4-4a8d-8c0d-dd76da1f02a5" xsi:nil="true"/>
+  </documentManagement>
+</p:properties>
+</file>
+
+<file path=customXml/item2.xml><?xml version="1.0" encoding="utf-8"?>
+<?mso-contentType ?>
+<FormTemplates xmlns="http://schemas.microsoft.com/sharepoint/v3/contenttype/forms">
+  <Display>DocumentLibraryForm</Display>
+  <Edit>DocumentLibraryForm</Edit>
+  <New>DocumentLibraryForm</New>
+</FormTemplates>
+</file>
+
+<file path=customXml/item3.xml><?xml version="1.0" encoding="utf-8"?>
 <ct:contentTypeSchema xmlns:ct="http://schemas.microsoft.com/office/2006/metadata/contentType" xmlns:ma="http://schemas.microsoft.com/office/2006/metadata/properties/metaAttributes" ct:_="" ma:_="" ma:contentTypeName="Document" ma:contentTypeID="0x01010079F111ED35F8CC479449609E8A0923A6" ma:contentTypeVersion="11" ma:contentTypeDescription="Create a new document." ma:contentTypeScope="" ma:versionID="9677210f24a1be23c92c90fd886aa0aa">
   <xsd:schema xmlns:xsd="http://www.w3.org/2001/XMLSchema" xmlns:xs="http://www.w3.org/2001/XMLSchema" xmlns:p="http://schemas.microsoft.com/office/2006/metadata/properties" xmlns:ns2="71af3243-3dd4-4a8d-8c0d-dd76da1f02a5" xmlns:ns3="16c05727-aa75-4e4a-9b5f-8a80a1165891" targetNamespace="http://schemas.microsoft.com/office/2006/metadata/properties" ma:root="true" ma:fieldsID="60e05723c5c1908df1a1a4ebf11d344e" ns2:_="" ns3:_="">
     <xsd:import namespace="71af3243-3dd4-4a8d-8c0d-dd76da1f02a5"/>
@@ -26010,24 +25955,32 @@
 </ct:contentTypeSchema>
 </file>
 
-<file path=customXml/item2.xml><?xml version="1.0" encoding="utf-8"?>
-<?mso-contentType ?>
-<FormTemplates xmlns="http://schemas.microsoft.com/sharepoint/v3/contenttype/forms">
-  <Display>DocumentLibraryForm</Display>
-  <Edit>DocumentLibraryForm</Edit>
-  <New>DocumentLibraryForm</New>
-</FormTemplates>
+<file path=customXml/itemProps1.xml><?xml version="1.0" encoding="utf-8"?>
+<ds:datastoreItem xmlns:ds="http://schemas.openxmlformats.org/officeDocument/2006/customXml" ds:itemID="{788A2F88-55C5-4ED1-9541-807C65424763}">
+  <ds:schemaRefs>
+    <ds:schemaRef ds:uri="http://www.w3.org/XML/1998/namespace"/>
+    <ds:schemaRef ds:uri="http://schemas.microsoft.com/office/2006/metadata/properties"/>
+    <ds:schemaRef ds:uri="http://schemas.microsoft.com/office/2006/documentManagement/types"/>
+    <ds:schemaRef ds:uri="http://schemas.microsoft.com/office/infopath/2007/PartnerControls"/>
+    <ds:schemaRef ds:uri="http://purl.org/dc/terms/"/>
+    <ds:schemaRef ds:uri="71af3243-3dd4-4a8d-8c0d-dd76da1f02a5"/>
+    <ds:schemaRef ds:uri="16c05727-aa75-4e4a-9b5f-8a80a1165891"/>
+    <ds:schemaRef ds:uri="http://schemas.openxmlformats.org/package/2006/metadata/core-properties"/>
+    <ds:schemaRef ds:uri="http://purl.org/dc/dcmitype/"/>
+    <ds:schemaRef ds:uri="http://purl.org/dc/elements/1.1/"/>
+  </ds:schemaRefs>
+</ds:datastoreItem>
 </file>
 
-<file path=customXml/item3.xml><?xml version="1.0" encoding="utf-8"?>
-<p:properties xmlns:p="http://schemas.microsoft.com/office/2006/metadata/properties" xmlns:xsi="http://www.w3.org/2001/XMLSchema-instance" xmlns:pc="http://schemas.microsoft.com/office/infopath/2007/PartnerControls">
-  <documentManagement>
-    <MediaServiceKeyPoints xmlns="71af3243-3dd4-4a8d-8c0d-dd76da1f02a5" xsi:nil="true"/>
-  </documentManagement>
-</p:properties>
+<file path=customXml/itemProps2.xml><?xml version="1.0" encoding="utf-8"?>
+<ds:datastoreItem xmlns:ds="http://schemas.openxmlformats.org/officeDocument/2006/customXml" ds:itemID="{4F44C90D-2A62-4985-9618-3460247437B1}">
+  <ds:schemaRefs>
+    <ds:schemaRef ds:uri="http://schemas.microsoft.com/sharepoint/v3/contenttype/forms"/>
+  </ds:schemaRefs>
+</ds:datastoreItem>
 </file>
 
-<file path=customXml/itemProps1.xml><?xml version="1.0" encoding="utf-8"?>
+<file path=customXml/itemProps3.xml><?xml version="1.0" encoding="utf-8"?>
 <ds:datastoreItem xmlns:ds="http://schemas.openxmlformats.org/officeDocument/2006/customXml" ds:itemID="{B61EAB5F-88FC-4FAE-AE3C-037A3C365EB8}">
   <ds:schemaRefs>
     <ds:schemaRef ds:uri="http://schemas.microsoft.com/office/2006/metadata/contentType"/>
@@ -26044,29 +25997,4 @@
     <ds:schemaRef ds:uri="http://schemas.microsoft.com/internal/obd"/>
   </ds:schemaRefs>
 </ds:datastoreItem>
-</file>
-
-<file path=customXml/itemProps2.xml><?xml version="1.0" encoding="utf-8"?>
-<ds:datastoreItem xmlns:ds="http://schemas.openxmlformats.org/officeDocument/2006/customXml" ds:itemID="{4F44C90D-2A62-4985-9618-3460247437B1}">
-  <ds:schemaRefs>
-    <ds:schemaRef ds:uri="http://schemas.microsoft.com/sharepoint/v3/contenttype/forms"/>
-  </ds:schemaRefs>
-</ds:datastoreItem>
-</file>
-
-<file path=customXml/itemProps3.xml><?xml version="1.0" encoding="utf-8"?>
-<ds:datastoreItem xmlns:ds="http://schemas.openxmlformats.org/officeDocument/2006/customXml" ds:itemID="{788A2F88-55C5-4ED1-9541-807C65424763}">
-  <ds:schemaRefs>
-    <ds:schemaRef ds:uri="http://www.w3.org/XML/1998/namespace"/>
-    <ds:schemaRef ds:uri="http://schemas.microsoft.com/office/2006/metadata/properties"/>
-    <ds:schemaRef ds:uri="http://schemas.microsoft.com/office/2006/documentManagement/types"/>
-    <ds:schemaRef ds:uri="http://schemas.microsoft.com/office/infopath/2007/PartnerControls"/>
-    <ds:schemaRef ds:uri="http://purl.org/dc/terms/"/>
-    <ds:schemaRef ds:uri="71af3243-3dd4-4a8d-8c0d-dd76da1f02a5"/>
-    <ds:schemaRef ds:uri="16c05727-aa75-4e4a-9b5f-8a80a1165891"/>
-    <ds:schemaRef ds:uri="http://schemas.openxmlformats.org/package/2006/metadata/core-properties"/>
-    <ds:schemaRef ds:uri="http://purl.org/dc/dcmitype/"/>
-    <ds:schemaRef ds:uri="http://purl.org/dc/elements/1.1/"/>
-  </ds:schemaRefs>
-</ds:datastoreItem>
 </file>
--- a/Presentations/Ns-3_presentation_F.pptx
+++ b/Presentations/Ns-3_presentation_F.pptx
@@ -217,7 +217,7 @@
             <a:pPr rtl="0"/>
             <a:fld id="{F0EC7D35-77BB-4867-BAC6-5C40C37B98F1}" type="datetime1">
               <a:rPr lang="el-GR" smtClean="0"/>
-              <a:t>8/11/2025</a:t>
+              <a:t>12/11/2025</a:t>
             </a:fld>
             <a:endParaRPr lang="el-GR" dirty="0"/>
           </a:p>
@@ -387,7 +387,7 @@
             <a:pPr rtl="0"/>
             <a:fld id="{707ABAE7-72BE-4378-9C66-B300388DE536}" type="datetime1">
               <a:rPr lang="el-GR" noProof="0" smtClean="0"/>
-              <a:t>8/11/2025</a:t>
+              <a:t>12/11/2025</a:t>
             </a:fld>
             <a:endParaRPr lang="el-GR" noProof="0" dirty="0"/>
           </a:p>
@@ -9654,7 +9654,7 @@
             <a:pPr rtl="0"/>
             <a:fld id="{EABDBA74-E4DB-4313-95D3-B7F630EE7B7F}" type="datetime1">
               <a:rPr lang="el-GR" noProof="0" smtClean="0"/>
-              <a:t>8/11/2025</a:t>
+              <a:t>12/11/2025</a:t>
             </a:fld>
             <a:endParaRPr lang="el-GR" noProof="0" dirty="0"/>
           </a:p>
@@ -9863,7 +9863,7 @@
             <a:pPr rtl="0"/>
             <a:fld id="{D9C97E28-F60A-427B-851A-BCC048F06BC7}" type="datetime1">
               <a:rPr lang="el-GR" noProof="0" smtClean="0"/>
-              <a:t>8/11/2025</a:t>
+              <a:t>12/11/2025</a:t>
             </a:fld>
             <a:endParaRPr lang="el-GR" noProof="0" dirty="0"/>
           </a:p>
@@ -10045,7 +10045,7 @@
             <a:pPr rtl="0"/>
             <a:fld id="{4EA33EDB-81C3-4DAA-87EA-DA21D6A7FC6C}" type="datetime1">
               <a:rPr lang="el-GR" noProof="0" smtClean="0"/>
-              <a:t>8/11/2025</a:t>
+              <a:t>12/11/2025</a:t>
             </a:fld>
             <a:endParaRPr lang="el-GR" noProof="0" dirty="0"/>
           </a:p>
@@ -10252,7 +10252,7 @@
             <a:pPr rtl="0"/>
             <a:fld id="{0FE5ACA5-56F5-4208-8101-108DA68822C6}" type="datetime1">
               <a:rPr lang="el-GR" noProof="0" smtClean="0"/>
-              <a:t>8/11/2025</a:t>
+              <a:t>12/11/2025</a:t>
             </a:fld>
             <a:endParaRPr lang="el-GR" noProof="0" dirty="0"/>
           </a:p>
@@ -19166,7 +19166,7 @@
             <a:pPr rtl="0"/>
             <a:fld id="{98AAE694-814A-4F58-A8E2-AA9B6575E0B5}" type="datetime1">
               <a:rPr lang="el-GR" noProof="0" smtClean="0"/>
-              <a:t>8/11/2025</a:t>
+              <a:t>12/11/2025</a:t>
             </a:fld>
             <a:endParaRPr lang="el-GR" noProof="0" dirty="0"/>
           </a:p>
@@ -19442,7 +19442,7 @@
             <a:pPr rtl="0"/>
             <a:fld id="{98B30D4A-F623-45A5-BE49-543B4B609AF2}" type="datetime1">
               <a:rPr lang="el-GR" noProof="0" smtClean="0"/>
-              <a:t>8/11/2025</a:t>
+              <a:t>12/11/2025</a:t>
             </a:fld>
             <a:endParaRPr lang="el-GR" noProof="0" dirty="0"/>
           </a:p>
@@ -19842,7 +19842,7 @@
             <a:pPr rtl="0"/>
             <a:fld id="{06412F62-D18F-463A-9A7E-E4809AAD76E4}" type="datetime1">
               <a:rPr lang="el-GR" noProof="0" smtClean="0"/>
-              <a:t>8/11/2025</a:t>
+              <a:t>12/11/2025</a:t>
             </a:fld>
             <a:endParaRPr lang="el-GR" noProof="0" dirty="0"/>
           </a:p>
@@ -19962,7 +19962,7 @@
             <a:pPr rtl="0"/>
             <a:fld id="{D2009D47-CF8A-48CB-81B8-5988DBFADA28}" type="datetime1">
               <a:rPr lang="el-GR" noProof="0" smtClean="0"/>
-              <a:t>8/11/2025</a:t>
+              <a:t>12/11/2025</a:t>
             </a:fld>
             <a:endParaRPr lang="el-GR" noProof="0" dirty="0"/>
           </a:p>
@@ -20058,7 +20058,7 @@
             <a:pPr rtl="0"/>
             <a:fld id="{89B075A6-4B0E-489A-92E5-C2C81D969D11}" type="datetime1">
               <a:rPr lang="el-GR" noProof="0" smtClean="0"/>
-              <a:t>8/11/2025</a:t>
+              <a:t>12/11/2025</a:t>
             </a:fld>
             <a:endParaRPr lang="el-GR" noProof="0" dirty="0"/>
           </a:p>
@@ -20350,7 +20350,7 @@
             <a:pPr rtl="0"/>
             <a:fld id="{7C290451-C354-46E0-BBD8-0317D7A1384C}" type="datetime1">
               <a:rPr lang="el-GR" noProof="0" smtClean="0"/>
-              <a:t>8/11/2025</a:t>
+              <a:t>12/11/2025</a:t>
             </a:fld>
             <a:endParaRPr lang="el-GR" noProof="0" dirty="0"/>
           </a:p>
@@ -20633,7 +20633,7 @@
             <a:pPr rtl="0"/>
             <a:fld id="{05DAA40D-D363-46A0-9276-B6A4797DC9A5}" type="datetime1">
               <a:rPr lang="el-GR" noProof="0" smtClean="0"/>
-              <a:t>8/11/2025</a:t>
+              <a:t>12/11/2025</a:t>
             </a:fld>
             <a:endParaRPr lang="el-GR" noProof="0" dirty="0"/>
           </a:p>
@@ -20882,7 +20882,7 @@
           <a:p>
             <a:fld id="{F98FDC76-A1F5-4EE8-BDE3-5EFC56AAE7AD}" type="datetime1">
               <a:rPr lang="el-GR" noProof="0" smtClean="0"/>
-              <a:t>8/11/2025</a:t>
+              <a:t>12/11/2025</a:t>
             </a:fld>
             <a:endParaRPr lang="el-GR" noProof="0" dirty="0"/>
           </a:p>
@@ -23929,7 +23929,7 @@
             </a:pPr>
             <a:r>
               <a:rPr lang="en-US" dirty="0"/>
-              <a:t>  Simulation Time = 11.0</a:t>
+              <a:t>  Simulation Time = 11.0s</a:t>
             </a:r>
           </a:p>
           <a:p>
@@ -24439,8 +24439,8 @@
         </p:nvSpPr>
         <p:spPr bwMode="auto">
           <a:xfrm>
-            <a:off x="921652" y="1859341"/>
-            <a:ext cx="9136748" cy="3139321"/>
+            <a:off x="921652" y="1443844"/>
+            <a:ext cx="10246220" cy="3970318"/>
           </a:xfrm>
           <a:prstGeom prst="rect">
             <a:avLst/>
@@ -24515,7 +24515,7 @@
             </a:endParaRPr>
           </a:p>
           <a:p>
-            <a:pPr marL="0" marR="0" lvl="0" indent="0" algn="l" defTabSz="914400" rtl="0" eaLnBrk="0" fontAlgn="base" latinLnBrk="0" hangingPunct="0">
+            <a:pPr eaLnBrk="0" fontAlgn="base" hangingPunct="0">
               <a:lnSpc>
                 <a:spcPct val="100000"/>
               </a:lnSpc>
@@ -24527,8 +24527,33 @@
               </a:spcAft>
               <a:buClrTx/>
               <a:buSzTx/>
-              <a:buNone/>
-              <a:tabLst/>
+            </a:pPr>
+            <a:endParaRPr kumimoji="0" lang="en-US" altLang="el-GR" sz="1800" b="0" i="0" u="none" strike="noStrike" cap="none" normalizeH="0" baseline="0" dirty="0">
+              <a:ln>
+                <a:noFill/>
+              </a:ln>
+              <a:solidFill>
+                <a:schemeClr val="tx1"/>
+              </a:solidFill>
+              <a:effectLst/>
+              <a:latin typeface="Arial" panose="020B0604020202020204" pitchFamily="34" charset="0"/>
+            </a:endParaRPr>
+          </a:p>
+          <a:p>
+            <a:pPr eaLnBrk="0" fontAlgn="base" hangingPunct="0">
+              <a:lnSpc>
+                <a:spcPct val="100000"/>
+              </a:lnSpc>
+              <a:spcBef>
+                <a:spcPct val="0"/>
+              </a:spcBef>
+              <a:spcAft>
+                <a:spcPct val="0"/>
+              </a:spcAft>
+              <a:buClrTx/>
+              <a:buSzTx/>
+              <a:buFont typeface="Arial" panose="020B0604020202020204" pitchFamily="34" charset="0"/>
+              <a:buChar char="•"/>
             </a:pPr>
             <a:r>
               <a:rPr kumimoji="0" lang="el-GR" altLang="el-GR" sz="1800" b="0" i="0" u="none" strike="noStrike" cap="none" normalizeH="0" baseline="0" dirty="0">
@@ -24666,6 +24691,130 @@
               </a:rPr>
               <a:t>).</a:t>
             </a:r>
+            <a:endParaRPr kumimoji="0" lang="en-US" altLang="el-GR" sz="1800" b="0" i="0" u="none" strike="noStrike" cap="none" normalizeH="0" baseline="0" dirty="0">
+              <a:ln>
+                <a:noFill/>
+              </a:ln>
+              <a:solidFill>
+                <a:schemeClr val="tx1"/>
+              </a:solidFill>
+              <a:effectLst/>
+              <a:latin typeface="Arial" panose="020B0604020202020204" pitchFamily="34" charset="0"/>
+            </a:endParaRPr>
+          </a:p>
+          <a:p>
+            <a:pPr eaLnBrk="0" fontAlgn="base" hangingPunct="0">
+              <a:lnSpc>
+                <a:spcPct val="100000"/>
+              </a:lnSpc>
+              <a:spcBef>
+                <a:spcPct val="0"/>
+              </a:spcBef>
+              <a:spcAft>
+                <a:spcPct val="0"/>
+              </a:spcAft>
+              <a:buClrTx/>
+              <a:buSzTx/>
+              <a:buFont typeface="Arial" panose="020B0604020202020204" pitchFamily="34" charset="0"/>
+              <a:buChar char="•"/>
+            </a:pPr>
+            <a:endParaRPr kumimoji="0" lang="en-US" altLang="el-GR" sz="1800" b="0" i="0" u="none" strike="noStrike" cap="none" normalizeH="0" baseline="0" dirty="0">
+              <a:ln>
+                <a:noFill/>
+              </a:ln>
+              <a:solidFill>
+                <a:schemeClr val="tx1"/>
+              </a:solidFill>
+              <a:effectLst/>
+              <a:latin typeface="Arial" panose="020B0604020202020204" pitchFamily="34" charset="0"/>
+            </a:endParaRPr>
+          </a:p>
+          <a:p>
+            <a:pPr eaLnBrk="0" fontAlgn="base" hangingPunct="0">
+              <a:lnSpc>
+                <a:spcPct val="100000"/>
+              </a:lnSpc>
+              <a:spcBef>
+                <a:spcPct val="0"/>
+              </a:spcBef>
+              <a:spcAft>
+                <a:spcPct val="0"/>
+              </a:spcAft>
+              <a:buClrTx/>
+              <a:buSzTx/>
+              <a:buFont typeface="Arial" panose="020B0604020202020204" pitchFamily="34" charset="0"/>
+              <a:buChar char="•"/>
+            </a:pPr>
+            <a:r>
+              <a:rPr lang="el-GR" altLang="el-GR" sz="1800" dirty="0">
+                <a:latin typeface="Arial" panose="020B0604020202020204" pitchFamily="34" charset="0"/>
+              </a:rPr>
+              <a:t>Επιπλέον,</a:t>
+            </a:r>
+            <a:r>
+              <a:rPr lang="en-US" altLang="el-GR" sz="1800" dirty="0">
+                <a:latin typeface="Arial" panose="020B0604020202020204" pitchFamily="34" charset="0"/>
+              </a:rPr>
+              <a:t> </a:t>
+            </a:r>
+            <a:r>
+              <a:rPr lang="el-GR" altLang="el-GR" sz="1800" dirty="0">
+                <a:latin typeface="Arial" panose="020B0604020202020204" pitchFamily="34" charset="0"/>
+              </a:rPr>
+              <a:t>συμπεριλάβαμε τα </a:t>
+            </a:r>
+            <a:r>
+              <a:rPr lang="en-US" altLang="el-GR" sz="1800" dirty="0">
+                <a:latin typeface="Arial" panose="020B0604020202020204" pitchFamily="34" charset="0"/>
+              </a:rPr>
+              <a:t>module </a:t>
+            </a:r>
+            <a:r>
+              <a:rPr lang="en-US" altLang="el-GR" sz="1800" dirty="0" err="1">
+                <a:latin typeface="Arial" panose="020B0604020202020204" pitchFamily="34" charset="0"/>
+              </a:rPr>
+              <a:t>olsr-helper.h</a:t>
+            </a:r>
+            <a:r>
+              <a:rPr lang="en-US" altLang="el-GR" sz="1800" dirty="0">
+                <a:latin typeface="Arial" panose="020B0604020202020204" pitchFamily="34" charset="0"/>
+              </a:rPr>
+              <a:t>, ns3/applications-</a:t>
+            </a:r>
+            <a:r>
+              <a:rPr lang="en-US" altLang="el-GR" sz="1800" dirty="0" err="1">
+                <a:latin typeface="Arial" panose="020B0604020202020204" pitchFamily="34" charset="0"/>
+              </a:rPr>
+              <a:t>module.h</a:t>
+            </a:r>
+            <a:r>
+              <a:rPr lang="en-US" altLang="el-GR" sz="1800" dirty="0">
+                <a:latin typeface="Arial" panose="020B0604020202020204" pitchFamily="34" charset="0"/>
+              </a:rPr>
+              <a:t>, internet-</a:t>
+            </a:r>
+            <a:r>
+              <a:rPr lang="en-US" altLang="el-GR" sz="1800" dirty="0" err="1">
+                <a:latin typeface="Arial" panose="020B0604020202020204" pitchFamily="34" charset="0"/>
+              </a:rPr>
+              <a:t>module.h</a:t>
+            </a:r>
+            <a:r>
+              <a:rPr lang="en-US" altLang="el-GR" sz="1800" dirty="0">
+                <a:latin typeface="Arial" panose="020B0604020202020204" pitchFamily="34" charset="0"/>
+              </a:rPr>
+              <a:t>.</a:t>
+            </a:r>
+            <a:endParaRPr kumimoji="0" lang="el-GR" altLang="el-GR" sz="1800" b="0" i="0" u="none" strike="noStrike" cap="none" normalizeH="0" baseline="0" dirty="0">
+              <a:ln>
+                <a:noFill/>
+              </a:ln>
+              <a:solidFill>
+                <a:schemeClr val="tx1"/>
+              </a:solidFill>
+              <a:effectLst/>
+              <a:latin typeface="Arial" panose="020B0604020202020204" pitchFamily="34" charset="0"/>
+            </a:endParaRPr>
           </a:p>
           <a:p>
             <a:pPr marL="0" marR="0" lvl="0" indent="0" algn="l" defTabSz="914400" rtl="0" eaLnBrk="0" fontAlgn="base" latinLnBrk="0" hangingPunct="0">
@@ -25728,23 +25877,6 @@
 </file>
 
 <file path=customXml/item1.xml><?xml version="1.0" encoding="utf-8"?>
-<p:properties xmlns:p="http://schemas.microsoft.com/office/2006/metadata/properties" xmlns:xsi="http://www.w3.org/2001/XMLSchema-instance" xmlns:pc="http://schemas.microsoft.com/office/infopath/2007/PartnerControls">
-  <documentManagement>
-    <MediaServiceKeyPoints xmlns="71af3243-3dd4-4a8d-8c0d-dd76da1f02a5" xsi:nil="true"/>
-  </documentManagement>
-</p:properties>
-</file>
-
-<file path=customXml/item2.xml><?xml version="1.0" encoding="utf-8"?>
-<?mso-contentType ?>
-<FormTemplates xmlns="http://schemas.microsoft.com/sharepoint/v3/contenttype/forms">
-  <Display>DocumentLibraryForm</Display>
-  <Edit>DocumentLibraryForm</Edit>
-  <New>DocumentLibraryForm</New>
-</FormTemplates>
-</file>
-
-<file path=customXml/item3.xml><?xml version="1.0" encoding="utf-8"?>
 <ct:contentTypeSchema xmlns:ct="http://schemas.microsoft.com/office/2006/metadata/contentType" xmlns:ma="http://schemas.microsoft.com/office/2006/metadata/properties/metaAttributes" ct:_="" ma:_="" ma:contentTypeName="Document" ma:contentTypeID="0x01010079F111ED35F8CC479449609E8A0923A6" ma:contentTypeVersion="11" ma:contentTypeDescription="Create a new document." ma:contentTypeScope="" ma:versionID="9677210f24a1be23c92c90fd886aa0aa">
   <xsd:schema xmlns:xsd="http://www.w3.org/2001/XMLSchema" xmlns:xs="http://www.w3.org/2001/XMLSchema" xmlns:p="http://schemas.microsoft.com/office/2006/metadata/properties" xmlns:ns2="71af3243-3dd4-4a8d-8c0d-dd76da1f02a5" xmlns:ns3="16c05727-aa75-4e4a-9b5f-8a80a1165891" targetNamespace="http://schemas.microsoft.com/office/2006/metadata/properties" ma:root="true" ma:fieldsID="60e05723c5c1908df1a1a4ebf11d344e" ns2:_="" ns3:_="">
     <xsd:import namespace="71af3243-3dd4-4a8d-8c0d-dd76da1f02a5"/>
@@ -25955,32 +26087,24 @@
 </ct:contentTypeSchema>
 </file>
 
-<file path=customXml/itemProps1.xml><?xml version="1.0" encoding="utf-8"?>
-<ds:datastoreItem xmlns:ds="http://schemas.openxmlformats.org/officeDocument/2006/customXml" ds:itemID="{788A2F88-55C5-4ED1-9541-807C65424763}">
-  <ds:schemaRefs>
-    <ds:schemaRef ds:uri="http://www.w3.org/XML/1998/namespace"/>
-    <ds:schemaRef ds:uri="http://schemas.microsoft.com/office/2006/metadata/properties"/>
-    <ds:schemaRef ds:uri="http://schemas.microsoft.com/office/2006/documentManagement/types"/>
-    <ds:schemaRef ds:uri="http://schemas.microsoft.com/office/infopath/2007/PartnerControls"/>
-    <ds:schemaRef ds:uri="http://purl.org/dc/terms/"/>
-    <ds:schemaRef ds:uri="71af3243-3dd4-4a8d-8c0d-dd76da1f02a5"/>
-    <ds:schemaRef ds:uri="16c05727-aa75-4e4a-9b5f-8a80a1165891"/>
-    <ds:schemaRef ds:uri="http://schemas.openxmlformats.org/package/2006/metadata/core-properties"/>
-    <ds:schemaRef ds:uri="http://purl.org/dc/dcmitype/"/>
-    <ds:schemaRef ds:uri="http://purl.org/dc/elements/1.1/"/>
-  </ds:schemaRefs>
-</ds:datastoreItem>
+<file path=customXml/item2.xml><?xml version="1.0" encoding="utf-8"?>
+<?mso-contentType ?>
+<FormTemplates xmlns="http://schemas.microsoft.com/sharepoint/v3/contenttype/forms">
+  <Display>DocumentLibraryForm</Display>
+  <Edit>DocumentLibraryForm</Edit>
+  <New>DocumentLibraryForm</New>
+</FormTemplates>
 </file>
 
-<file path=customXml/itemProps2.xml><?xml version="1.0" encoding="utf-8"?>
-<ds:datastoreItem xmlns:ds="http://schemas.openxmlformats.org/officeDocument/2006/customXml" ds:itemID="{4F44C90D-2A62-4985-9618-3460247437B1}">
-  <ds:schemaRefs>
-    <ds:schemaRef ds:uri="http://schemas.microsoft.com/sharepoint/v3/contenttype/forms"/>
-  </ds:schemaRefs>
-</ds:datastoreItem>
+<file path=customXml/item3.xml><?xml version="1.0" encoding="utf-8"?>
+<p:properties xmlns:p="http://schemas.microsoft.com/office/2006/metadata/properties" xmlns:xsi="http://www.w3.org/2001/XMLSchema-instance" xmlns:pc="http://schemas.microsoft.com/office/infopath/2007/PartnerControls">
+  <documentManagement>
+    <MediaServiceKeyPoints xmlns="71af3243-3dd4-4a8d-8c0d-dd76da1f02a5" xsi:nil="true"/>
+  </documentManagement>
+</p:properties>
 </file>
 
-<file path=customXml/itemProps3.xml><?xml version="1.0" encoding="utf-8"?>
+<file path=customXml/itemProps1.xml><?xml version="1.0" encoding="utf-8"?>
 <ds:datastoreItem xmlns:ds="http://schemas.openxmlformats.org/officeDocument/2006/customXml" ds:itemID="{B61EAB5F-88FC-4FAE-AE3C-037A3C365EB8}">
   <ds:schemaRefs>
     <ds:schemaRef ds:uri="http://schemas.microsoft.com/office/2006/metadata/contentType"/>
@@ -25997,4 +26121,29 @@
     <ds:schemaRef ds:uri="http://schemas.microsoft.com/internal/obd"/>
   </ds:schemaRefs>
 </ds:datastoreItem>
+</file>
+
+<file path=customXml/itemProps2.xml><?xml version="1.0" encoding="utf-8"?>
+<ds:datastoreItem xmlns:ds="http://schemas.openxmlformats.org/officeDocument/2006/customXml" ds:itemID="{4F44C90D-2A62-4985-9618-3460247437B1}">
+  <ds:schemaRefs>
+    <ds:schemaRef ds:uri="http://schemas.microsoft.com/sharepoint/v3/contenttype/forms"/>
+  </ds:schemaRefs>
+</ds:datastoreItem>
+</file>
+
+<file path=customXml/itemProps3.xml><?xml version="1.0" encoding="utf-8"?>
+<ds:datastoreItem xmlns:ds="http://schemas.openxmlformats.org/officeDocument/2006/customXml" ds:itemID="{788A2F88-55C5-4ED1-9541-807C65424763}">
+  <ds:schemaRefs>
+    <ds:schemaRef ds:uri="http://www.w3.org/XML/1998/namespace"/>
+    <ds:schemaRef ds:uri="http://schemas.microsoft.com/office/2006/metadata/properties"/>
+    <ds:schemaRef ds:uri="http://schemas.microsoft.com/office/2006/documentManagement/types"/>
+    <ds:schemaRef ds:uri="http://schemas.microsoft.com/office/infopath/2007/PartnerControls"/>
+    <ds:schemaRef ds:uri="http://purl.org/dc/terms/"/>
+    <ds:schemaRef ds:uri="71af3243-3dd4-4a8d-8c0d-dd76da1f02a5"/>
+    <ds:schemaRef ds:uri="16c05727-aa75-4e4a-9b5f-8a80a1165891"/>
+    <ds:schemaRef ds:uri="http://schemas.openxmlformats.org/package/2006/metadata/core-properties"/>
+    <ds:schemaRef ds:uri="http://purl.org/dc/dcmitype/"/>
+    <ds:schemaRef ds:uri="http://purl.org/dc/elements/1.1/"/>
+  </ds:schemaRefs>
+</ds:datastoreItem>
 </file>
--- a/Presentations/Ns-3_presentation_F.pptx
+++ b/Presentations/Ns-3_presentation_F.pptx
@@ -18,8 +18,8 @@
     <p:sldId id="284" r:id="rId9"/>
     <p:sldId id="283" r:id="rId10"/>
     <p:sldId id="278" r:id="rId11"/>
-    <p:sldId id="287" r:id="rId12"/>
-    <p:sldId id="290" r:id="rId13"/>
+    <p:sldId id="290" r:id="rId12"/>
+    <p:sldId id="287" r:id="rId13"/>
     <p:sldId id="286" r:id="rId14"/>
     <p:sldId id="291" r:id="rId15"/>
     <p:sldId id="288" r:id="rId16"/>
@@ -21759,8 +21759,8 @@
         </p:nvSpPr>
         <p:spPr>
           <a:xfrm>
-            <a:off x="1024128" y="585216"/>
-            <a:ext cx="9720072" cy="1495832"/>
+            <a:off x="826904" y="585216"/>
+            <a:ext cx="11248556" cy="1398085"/>
           </a:xfrm>
         </p:spPr>
         <p:txBody>
@@ -21952,7 +21952,12 @@
             <p:ph type="title"/>
           </p:nvPr>
         </p:nvSpPr>
-        <p:spPr/>
+        <p:spPr>
+          <a:xfrm>
+            <a:off x="817940" y="585741"/>
+            <a:ext cx="11167872" cy="1499616"/>
+          </a:xfrm>
+        </p:spPr>
         <p:txBody>
           <a:bodyPr/>
           <a:lstStyle/>
@@ -22205,18 +22210,18 @@
           <a:lstStyle/>
           <a:p>
             <a:r>
-              <a:rPr lang="en-US" dirty="0" err="1"/>
+              <a:rPr lang="en-US" b="1" dirty="0" err="1"/>
               <a:t>Github</a:t>
             </a:r>
             <a:r>
-              <a:rPr lang="el-GR" dirty="0"/>
+              <a:rPr lang="el-GR" b="1" dirty="0"/>
               <a:t> </a:t>
             </a:r>
             <a:r>
-              <a:rPr lang="en-US" dirty="0"/>
+              <a:rPr lang="en-US" b="1" dirty="0"/>
               <a:t>link</a:t>
             </a:r>
-            <a:endParaRPr lang="el-GR" dirty="0"/>
+            <a:endParaRPr lang="el-GR" b="1" dirty="0"/>
           </a:p>
         </p:txBody>
       </p:sp>
@@ -22721,8 +22726,13 @@
             </a:r>
             <a:r>
               <a:rPr lang="el-GR" sz="4800" b="1" dirty="0"/>
-              <a:t> θεμα της εργασιασ (1)</a:t>
-            </a:r>
+              <a:t> θεμα της </a:t>
+            </a:r>
+            <a:r>
+              <a:rPr lang="el-GR" sz="4800" b="1" dirty="0" err="1"/>
+              <a:t>εργασιασ</a:t>
+            </a:r>
+            <a:endParaRPr lang="el-GR" sz="4800" b="1" dirty="0"/>
           </a:p>
         </p:txBody>
       </p:sp>
@@ -22897,7 +22907,25 @@
               <a:rPr lang="el-GR" dirty="0"/>
               <a:t>Προσομοίωση ενός πιο πολύπλοκου δικτύου με δυναμική δρομολόγηση, δημιουργία ροών πακέτων, εισαγωγή αποτυχίας συνδέσεων και ανάλυση απώλειας πακέτων.</a:t>
             </a:r>
-            <a:endParaRPr lang="en-US" dirty="0"/>
+          </a:p>
+          <a:p>
+            <a:pPr marL="173736" lvl="1" indent="0" algn="just">
+              <a:buNone/>
+            </a:pPr>
+            <a:endParaRPr lang="el-GR" dirty="0"/>
+          </a:p>
+          <a:p>
+            <a:pPr marL="173736" lvl="1" indent="0" algn="just">
+              <a:buNone/>
+            </a:pPr>
+            <a:r>
+              <a:rPr lang="el-GR" dirty="0"/>
+              <a:t>Ως γλώσσα προγραμματισμού επιλέχθηκε η </a:t>
+            </a:r>
+            <a:r>
+              <a:rPr lang="en-US" dirty="0"/>
+              <a:t>C++.</a:t>
+            </a:r>
           </a:p>
           <a:p>
             <a:pPr marL="0" indent="0" algn="just">
@@ -23018,10 +23046,7 @@
             <a:br>
               <a:rPr lang="el-GR" sz="2000" dirty="0"/>
             </a:br>
-            <a:r>
-              <a:rPr lang="el-GR" sz="2000" dirty="0"/>
-              <a:t>	</a:t>
-            </a:r>
+            <a:endParaRPr lang="el-GR" sz="2000" dirty="0"/>
           </a:p>
           <a:p>
             <a:pPr>
@@ -23085,7 +23110,7 @@
             </a:pPr>
             <a:r>
               <a:rPr lang="en-US" sz="2000" dirty="0" err="1"/>
-              <a:t>Drawio</a:t>
+              <a:t>Drawi.o</a:t>
             </a:r>
             <a:r>
               <a:rPr lang="en-US" sz="2000" dirty="0"/>
@@ -23125,8 +23150,8 @@
         </p:blipFill>
         <p:spPr>
           <a:xfrm>
-            <a:off x="6731669" y="4618272"/>
-            <a:ext cx="2119364" cy="2119364"/>
+            <a:off x="4812828" y="4559485"/>
+            <a:ext cx="2010569" cy="2010569"/>
           </a:xfrm>
           <a:prstGeom prst="rect">
             <a:avLst/>
@@ -23155,8 +23180,8 @@
         </p:blipFill>
         <p:spPr>
           <a:xfrm>
-            <a:off x="-57849" y="4316769"/>
-            <a:ext cx="2722370" cy="2722370"/>
+            <a:off x="0" y="4379448"/>
+            <a:ext cx="2119364" cy="2119364"/>
           </a:xfrm>
           <a:prstGeom prst="rect">
             <a:avLst/>
@@ -23185,8 +23210,8 @@
         </p:blipFill>
         <p:spPr>
           <a:xfrm>
-            <a:off x="3236456" y="4698587"/>
-            <a:ext cx="2543175" cy="1800225"/>
+            <a:off x="2034994" y="4857097"/>
+            <a:ext cx="2319248" cy="1641715"/>
           </a:xfrm>
           <a:prstGeom prst="rect">
             <a:avLst/>
@@ -23215,8 +23240,38 @@
         </p:blipFill>
         <p:spPr>
           <a:xfrm>
-            <a:off x="9148120" y="4857097"/>
-            <a:ext cx="2918604" cy="1641715"/>
+            <a:off x="6894932" y="4857097"/>
+            <a:ext cx="2347674" cy="1320567"/>
+          </a:xfrm>
+          <a:prstGeom prst="rect">
+            <a:avLst/>
+          </a:prstGeom>
+        </p:spPr>
+      </p:pic>
+      <p:pic>
+        <p:nvPicPr>
+          <p:cNvPr id="4" name="Εικόνα 3">
+            <a:extLst>
+              <a:ext uri="{FF2B5EF4-FFF2-40B4-BE49-F238E27FC236}">
+                <a16:creationId xmlns:a16="http://schemas.microsoft.com/office/drawing/2014/main" id="{2A35B6A1-721A-4FBA-8F36-F670825F9823}"/>
+              </a:ext>
+            </a:extLst>
+          </p:cNvPr>
+          <p:cNvPicPr>
+            <a:picLocks noChangeAspect="1"/>
+          </p:cNvPicPr>
+          <p:nvPr/>
+        </p:nvPicPr>
+        <p:blipFill>
+          <a:blip r:embed="rId6"/>
+          <a:stretch>
+            <a:fillRect/>
+          </a:stretch>
+        </p:blipFill>
+        <p:spPr>
+          <a:xfrm>
+            <a:off x="9611722" y="4330949"/>
+            <a:ext cx="2347674" cy="2284860"/>
           </a:xfrm>
           <a:prstGeom prst="rect">
             <a:avLst/>
@@ -23534,7 +23589,7 @@
           <a:p>
             <a:r>
               <a:rPr lang="el-GR" sz="4800" b="1" dirty="0" err="1"/>
-              <a:t>Υλοποιηση</a:t>
+              <a:t>Δεδομενα</a:t>
             </a:r>
             <a:r>
               <a:rPr lang="el-GR" sz="4800" b="1" dirty="0"/>
@@ -23709,8 +23764,8 @@
         </p:nvSpPr>
         <p:spPr>
           <a:xfrm>
-            <a:off x="1045029" y="1074429"/>
-            <a:ext cx="9453318" cy="676733"/>
+            <a:off x="1045029" y="627529"/>
+            <a:ext cx="9453318" cy="1123633"/>
           </a:xfrm>
           <a:prstGeom prst="rect">
             <a:avLst/>
@@ -23744,8 +23799,20 @@
           </a:lstStyle>
           <a:p>
             <a:r>
+              <a:rPr lang="el-GR" sz="4800" b="1" dirty="0" err="1"/>
+              <a:t>Υλοποιηση</a:t>
+            </a:r>
+            <a:r>
               <a:rPr lang="el-GR" sz="4800" b="1" dirty="0"/>
-              <a:t>δεδομενΑ για το ερωτημα 1</a:t>
+              <a:t> του </a:t>
+            </a:r>
+            <a:r>
+              <a:rPr lang="el-GR" sz="4800" b="1" dirty="0" err="1"/>
+              <a:t>ερωτηματοσ</a:t>
+            </a:r>
+            <a:r>
+              <a:rPr lang="el-GR" sz="4800" b="1" dirty="0"/>
+              <a:t> 1</a:t>
             </a:r>
             <a:br>
               <a:rPr lang="el-GR" sz="4800" dirty="0"/>
@@ -23830,25 +23897,11 @@
             </a:pPr>
             <a:r>
               <a:rPr lang="el-GR" dirty="0"/>
-              <a:t> Έγινε χρήση </a:t>
+              <a:t>Έγινε χρήση των </a:t>
             </a:r>
             <a:r>
               <a:rPr lang="en-US" dirty="0"/>
-              <a:t>C++</a:t>
-            </a:r>
-          </a:p>
-          <a:p>
-            <a:pPr algn="just">
-              <a:buFont typeface="Arial" panose="020B0604020202020204" pitchFamily="34" charset="0"/>
-              <a:buChar char="•"/>
-            </a:pPr>
-            <a:r>
-              <a:rPr lang="el-GR" dirty="0"/>
-              <a:t> Έγινε χρήση των  βιβλιοθηκών </a:t>
-            </a:r>
-            <a:r>
-              <a:rPr lang="en-US" dirty="0"/>
-              <a:t>:</a:t>
+              <a:t>module:</a:t>
             </a:r>
             <a:r>
               <a:rPr lang="el-GR" dirty="0"/>
@@ -24206,197 +24259,6 @@
           <p:cNvPr id="2" name="Τίτλος 1">
             <a:extLst>
               <a:ext uri="{FF2B5EF4-FFF2-40B4-BE49-F238E27FC236}">
-                <a16:creationId xmlns:a16="http://schemas.microsoft.com/office/drawing/2014/main" id="{740B5DCF-D7F8-4FA1-B6A2-C54F072B973E}"/>
-              </a:ext>
-            </a:extLst>
-          </p:cNvPr>
-          <p:cNvSpPr>
-            <a:spLocks noGrp="1"/>
-          </p:cNvSpPr>
-          <p:nvPr>
-            <p:ph type="title"/>
-          </p:nvPr>
-        </p:nvSpPr>
-        <p:spPr/>
-        <p:txBody>
-          <a:bodyPr/>
-          <a:lstStyle/>
-          <a:p>
-            <a:r>
-              <a:rPr lang="el-GR" b="1" dirty="0"/>
-              <a:t>ΥΛΟΠΟΙΗΣΗ ΤΟΥ ΕΡΩΤΗΜΑΤΟΣ 2</a:t>
-            </a:r>
-          </a:p>
-        </p:txBody>
-      </p:sp>
-      <p:sp>
-        <p:nvSpPr>
-          <p:cNvPr id="3" name="Θέση περιεχομένου 2">
-            <a:extLst>
-              <a:ext uri="{FF2B5EF4-FFF2-40B4-BE49-F238E27FC236}">
-                <a16:creationId xmlns:a16="http://schemas.microsoft.com/office/drawing/2014/main" id="{B826EC1D-ADB3-40C8-9BDF-B44BD50ABE16}"/>
-              </a:ext>
-            </a:extLst>
-          </p:cNvPr>
-          <p:cNvSpPr>
-            <a:spLocks noGrp="1"/>
-          </p:cNvSpPr>
-          <p:nvPr>
-            <p:ph idx="1"/>
-          </p:nvPr>
-        </p:nvSpPr>
-        <p:spPr>
-          <a:xfrm>
-            <a:off x="732466" y="2249294"/>
-            <a:ext cx="9720073" cy="4023360"/>
-          </a:xfrm>
-        </p:spPr>
-        <p:txBody>
-          <a:bodyPr/>
-          <a:lstStyle/>
-          <a:p>
-            <a:pPr marL="0" indent="0">
-              <a:buNone/>
-            </a:pPr>
-            <a:r>
-              <a:rPr lang="el-GR" dirty="0"/>
-              <a:t>Όσον αφορά το δεύτερο ερώτημα της εργασίας, η τοπολογία που δημιουργήθηκε είναι η εξής </a:t>
-            </a:r>
-            <a:r>
-              <a:rPr lang="en-US" dirty="0"/>
-              <a:t>:</a:t>
-            </a:r>
-          </a:p>
-          <a:p>
-            <a:pPr marL="0" indent="0">
-              <a:buNone/>
-            </a:pPr>
-            <a:endParaRPr lang="en-US" dirty="0"/>
-          </a:p>
-          <a:p>
-            <a:pPr marL="0" indent="0">
-              <a:buNone/>
-            </a:pPr>
-            <a:endParaRPr lang="en-US" dirty="0"/>
-          </a:p>
-          <a:p>
-            <a:endParaRPr lang="el-GR" dirty="0"/>
-          </a:p>
-        </p:txBody>
-      </p:sp>
-      <p:sp>
-        <p:nvSpPr>
-          <p:cNvPr id="5" name="AutoShape 4" descr="image.png">
-            <a:extLst>
-              <a:ext uri="{FF2B5EF4-FFF2-40B4-BE49-F238E27FC236}">
-                <a16:creationId xmlns:a16="http://schemas.microsoft.com/office/drawing/2014/main" id="{9EC8DA17-04F4-4836-B00D-8C2179B2E7C4}"/>
-              </a:ext>
-            </a:extLst>
-          </p:cNvPr>
-          <p:cNvSpPr>
-            <a:spLocks noChangeAspect="1" noChangeArrowheads="1"/>
-          </p:cNvSpPr>
-          <p:nvPr/>
-        </p:nvSpPr>
-        <p:spPr bwMode="auto">
-          <a:xfrm>
-            <a:off x="5943600" y="3276600"/>
-            <a:ext cx="304800" cy="304800"/>
-          </a:xfrm>
-          <a:prstGeom prst="rect">
-            <a:avLst/>
-          </a:prstGeom>
-          <a:noFill/>
-          <a:extLst>
-            <a:ext uri="{909E8E84-426E-40DD-AFC4-6F175D3DCCD1}">
-              <a14:hiddenFill xmlns:a14="http://schemas.microsoft.com/office/drawing/2010/main">
-                <a:solidFill>
-                  <a:srgbClr val="FFFFFF"/>
-                </a:solidFill>
-              </a14:hiddenFill>
-            </a:ext>
-          </a:extLst>
-        </p:spPr>
-        <p:txBody>
-          <a:bodyPr vert="horz" wrap="square" lIns="91440" tIns="45720" rIns="91440" bIns="45720" numCol="1" anchor="t" anchorCtr="0" compatLnSpc="1">
-            <a:prstTxWarp prst="textNoShape">
-              <a:avLst/>
-            </a:prstTxWarp>
-          </a:bodyPr>
-          <a:lstStyle/>
-          <a:p>
-            <a:endParaRPr lang="el-GR"/>
-          </a:p>
-        </p:txBody>
-      </p:sp>
-      <p:pic>
-        <p:nvPicPr>
-          <p:cNvPr id="6" name="Εικόνα 5">
-            <a:extLst>
-              <a:ext uri="{FF2B5EF4-FFF2-40B4-BE49-F238E27FC236}">
-                <a16:creationId xmlns:a16="http://schemas.microsoft.com/office/drawing/2014/main" id="{9107478B-F89B-47FA-B8F9-EAC2BCD55F50}"/>
-              </a:ext>
-            </a:extLst>
-          </p:cNvPr>
-          <p:cNvPicPr>
-            <a:picLocks noChangeAspect="1"/>
-          </p:cNvPicPr>
-          <p:nvPr/>
-        </p:nvPicPr>
-        <p:blipFill>
-          <a:blip r:embed="rId2"/>
-          <a:stretch>
-            <a:fillRect/>
-          </a:stretch>
-        </p:blipFill>
-        <p:spPr>
-          <a:xfrm>
-            <a:off x="732466" y="3003954"/>
-            <a:ext cx="3476927" cy="3247679"/>
-          </a:xfrm>
-          <a:prstGeom prst="rect">
-            <a:avLst/>
-          </a:prstGeom>
-        </p:spPr>
-      </p:pic>
-    </p:spTree>
-    <p:extLst>
-      <p:ext uri="{BB962C8B-B14F-4D97-AF65-F5344CB8AC3E}">
-        <p14:creationId xmlns:p14="http://schemas.microsoft.com/office/powerpoint/2010/main" val="567458805"/>
-      </p:ext>
-    </p:extLst>
-  </p:cSld>
-  <p:clrMapOvr>
-    <a:masterClrMapping/>
-  </p:clrMapOvr>
-  <p:transition spd="slow">
-    <p:push dir="u"/>
-  </p:transition>
-</p:sld>
-</file>
-
-<file path=ppt/slides/slide9.xml><?xml version="1.0" encoding="utf-8"?>
-<p:sld xmlns:a="http://schemas.openxmlformats.org/drawingml/2006/main" xmlns:r="http://schemas.openxmlformats.org/officeDocument/2006/relationships" xmlns:p="http://schemas.openxmlformats.org/presentationml/2006/main">
-  <p:cSld>
-    <p:spTree>
-      <p:nvGrpSpPr>
-        <p:cNvPr id="1" name=""/>
-        <p:cNvGrpSpPr/>
-        <p:nvPr/>
-      </p:nvGrpSpPr>
-      <p:grpSpPr>
-        <a:xfrm>
-          <a:off x="0" y="0"/>
-          <a:ext cx="0" cy="0"/>
-          <a:chOff x="0" y="0"/>
-          <a:chExt cx="0" cy="0"/>
-        </a:xfrm>
-      </p:grpSpPr>
-      <p:sp>
-        <p:nvSpPr>
-          <p:cNvPr id="2" name="Τίτλος 1">
-            <a:extLst>
-              <a:ext uri="{FF2B5EF4-FFF2-40B4-BE49-F238E27FC236}">
                 <a16:creationId xmlns:a16="http://schemas.microsoft.com/office/drawing/2014/main" id="{1C8A6D00-8650-44C1-ADBF-B2BBD782652E}"/>
               </a:ext>
             </a:extLst>
@@ -24408,14 +24270,37 @@
             <p:ph type="title"/>
           </p:nvPr>
         </p:nvSpPr>
-        <p:spPr/>
+        <p:spPr>
+          <a:xfrm>
+            <a:off x="1033093" y="870452"/>
+            <a:ext cx="9720072" cy="653003"/>
+          </a:xfrm>
+        </p:spPr>
         <p:txBody>
-          <a:bodyPr/>
+          <a:bodyPr>
+            <a:normAutofit fontScale="90000"/>
+          </a:bodyPr>
           <a:lstStyle/>
           <a:p>
             <a:r>
               <a:rPr lang="el-GR" b="1" dirty="0"/>
-              <a:t>ΔΕΔΟΜΕΝΑ ΓΙΑ ΤΟ ΕΡΩΤΗΜΑ 2</a:t>
+              <a:t>ΔΕΔΟΜΕΝΑ </a:t>
+            </a:r>
+            <a:r>
+              <a:rPr lang="el-GR" b="1" dirty="0" err="1"/>
+              <a:t>ΤΟυ</a:t>
+            </a:r>
+            <a:r>
+              <a:rPr lang="el-GR" b="1" dirty="0"/>
+              <a:t> </a:t>
+            </a:r>
+            <a:r>
+              <a:rPr lang="el-GR" b="1" dirty="0" err="1"/>
+              <a:t>ΕΡΩΤΗΜΑτοσ</a:t>
+            </a:r>
+            <a:r>
+              <a:rPr lang="el-GR" b="1" dirty="0"/>
+              <a:t> 2</a:t>
             </a:r>
             <a:endParaRPr lang="el-GR" dirty="0"/>
           </a:p>
@@ -24439,8 +24324,8 @@
         </p:nvSpPr>
         <p:spPr bwMode="auto">
           <a:xfrm>
-            <a:off x="921652" y="1443844"/>
-            <a:ext cx="10246220" cy="3970318"/>
+            <a:off x="921651" y="-372706"/>
+            <a:ext cx="9298113" cy="3139321"/>
           </a:xfrm>
           <a:prstGeom prst="rect">
             <a:avLst/>
@@ -24515,7 +24400,7 @@
             </a:endParaRPr>
           </a:p>
           <a:p>
-            <a:pPr eaLnBrk="0" fontAlgn="base" hangingPunct="0">
+            <a:pPr marL="0" indent="0" eaLnBrk="0" fontAlgn="base" hangingPunct="0">
               <a:lnSpc>
                 <a:spcPct val="100000"/>
               </a:lnSpc>
@@ -24527,6 +24412,7 @@
               </a:spcAft>
               <a:buClrTx/>
               <a:buSzTx/>
+              <a:buNone/>
             </a:pPr>
             <a:endParaRPr kumimoji="0" lang="en-US" altLang="el-GR" sz="1800" b="0" i="0" u="none" strike="noStrike" cap="none" normalizeH="0" baseline="0" dirty="0">
               <a:ln>
@@ -24540,284 +24426,7 @@
             </a:endParaRPr>
           </a:p>
           <a:p>
-            <a:pPr eaLnBrk="0" fontAlgn="base" hangingPunct="0">
-              <a:lnSpc>
-                <a:spcPct val="100000"/>
-              </a:lnSpc>
-              <a:spcBef>
-                <a:spcPct val="0"/>
-              </a:spcBef>
-              <a:spcAft>
-                <a:spcPct val="0"/>
-              </a:spcAft>
-              <a:buClrTx/>
-              <a:buSzTx/>
-              <a:buFont typeface="Arial" panose="020B0604020202020204" pitchFamily="34" charset="0"/>
-              <a:buChar char="•"/>
-            </a:pPr>
-            <a:r>
-              <a:rPr kumimoji="0" lang="el-GR" altLang="el-GR" sz="1800" b="0" i="0" u="none" strike="noStrike" cap="none" normalizeH="0" baseline="0" dirty="0">
-                <a:ln>
-                  <a:noFill/>
-                </a:ln>
-                <a:solidFill>
-                  <a:schemeClr val="tx1"/>
-                </a:solidFill>
-                <a:effectLst/>
-                <a:latin typeface="Arial" panose="020B0604020202020204" pitchFamily="34" charset="0"/>
-              </a:rPr>
-              <a:t>Επιλέξαμ</a:t>
-            </a:r>
-            <a:r>
-              <a:rPr lang="el-GR" altLang="el-GR" sz="1800" dirty="0">
-                <a:latin typeface="Arial" panose="020B0604020202020204" pitchFamily="34" charset="0"/>
-              </a:rPr>
-              <a:t>ε την δυναμική δρομολόγηση </a:t>
-            </a:r>
-            <a:r>
-              <a:rPr kumimoji="0" lang="el-GR" altLang="el-GR" sz="1800" b="0" i="0" u="none" strike="noStrike" cap="none" normalizeH="0" baseline="0" dirty="0">
-                <a:ln>
-                  <a:noFill/>
-                </a:ln>
-                <a:solidFill>
-                  <a:schemeClr val="tx1"/>
-                </a:solidFill>
-                <a:effectLst/>
-                <a:latin typeface="Arial" panose="020B0604020202020204" pitchFamily="34" charset="0"/>
-              </a:rPr>
-              <a:t>OLSR (</a:t>
-            </a:r>
-            <a:r>
-              <a:rPr kumimoji="0" lang="el-GR" altLang="el-GR" sz="1800" b="0" i="0" u="none" strike="noStrike" cap="none" normalizeH="0" baseline="0" dirty="0" err="1">
-                <a:ln>
-                  <a:noFill/>
-                </a:ln>
-                <a:solidFill>
-                  <a:schemeClr val="tx1"/>
-                </a:solidFill>
-                <a:effectLst/>
-                <a:latin typeface="Arial" panose="020B0604020202020204" pitchFamily="34" charset="0"/>
-              </a:rPr>
-              <a:t>Optimized</a:t>
-            </a:r>
-            <a:r>
-              <a:rPr kumimoji="0" lang="el-GR" altLang="el-GR" sz="1800" b="0" i="0" u="none" strike="noStrike" cap="none" normalizeH="0" baseline="0" dirty="0">
-                <a:ln>
-                  <a:noFill/>
-                </a:ln>
-                <a:solidFill>
-                  <a:schemeClr val="tx1"/>
-                </a:solidFill>
-                <a:effectLst/>
-                <a:latin typeface="Arial" panose="020B0604020202020204" pitchFamily="34" charset="0"/>
-              </a:rPr>
-              <a:t> </a:t>
-            </a:r>
-            <a:r>
-              <a:rPr kumimoji="0" lang="el-GR" altLang="el-GR" sz="1800" b="0" i="0" u="none" strike="noStrike" cap="none" normalizeH="0" baseline="0" dirty="0" err="1">
-                <a:ln>
-                  <a:noFill/>
-                </a:ln>
-                <a:solidFill>
-                  <a:schemeClr val="tx1"/>
-                </a:solidFill>
-                <a:effectLst/>
-                <a:latin typeface="Arial" panose="020B0604020202020204" pitchFamily="34" charset="0"/>
-              </a:rPr>
-              <a:t>Link</a:t>
-            </a:r>
-            <a:r>
-              <a:rPr kumimoji="0" lang="el-GR" altLang="el-GR" sz="1800" b="0" i="0" u="none" strike="noStrike" cap="none" normalizeH="0" baseline="0" dirty="0">
-                <a:ln>
-                  <a:noFill/>
-                </a:ln>
-                <a:solidFill>
-                  <a:schemeClr val="tx1"/>
-                </a:solidFill>
-                <a:effectLst/>
-                <a:latin typeface="Arial" panose="020B0604020202020204" pitchFamily="34" charset="0"/>
-              </a:rPr>
-              <a:t> </a:t>
-            </a:r>
-            <a:r>
-              <a:rPr kumimoji="0" lang="el-GR" altLang="el-GR" sz="1800" b="0" i="0" u="none" strike="noStrike" cap="none" normalizeH="0" baseline="0" dirty="0" err="1">
-                <a:ln>
-                  <a:noFill/>
-                </a:ln>
-                <a:solidFill>
-                  <a:schemeClr val="tx1"/>
-                </a:solidFill>
-                <a:effectLst/>
-                <a:latin typeface="Arial" panose="020B0604020202020204" pitchFamily="34" charset="0"/>
-              </a:rPr>
-              <a:t>State</a:t>
-            </a:r>
-            <a:r>
-              <a:rPr kumimoji="0" lang="el-GR" altLang="el-GR" sz="1800" b="0" i="0" u="none" strike="noStrike" cap="none" normalizeH="0" baseline="0" dirty="0">
-                <a:ln>
-                  <a:noFill/>
-                </a:ln>
-                <a:solidFill>
-                  <a:schemeClr val="tx1"/>
-                </a:solidFill>
-                <a:effectLst/>
-                <a:latin typeface="Arial" panose="020B0604020202020204" pitchFamily="34" charset="0"/>
-              </a:rPr>
-              <a:t> </a:t>
-            </a:r>
-            <a:r>
-              <a:rPr kumimoji="0" lang="el-GR" altLang="el-GR" sz="1800" b="0" i="0" u="none" strike="noStrike" cap="none" normalizeH="0" baseline="0" dirty="0" err="1">
-                <a:ln>
-                  <a:noFill/>
-                </a:ln>
-                <a:solidFill>
-                  <a:schemeClr val="tx1"/>
-                </a:solidFill>
-                <a:effectLst/>
-                <a:latin typeface="Arial" panose="020B0604020202020204" pitchFamily="34" charset="0"/>
-              </a:rPr>
-              <a:t>Routing</a:t>
-            </a:r>
-            <a:r>
-              <a:rPr kumimoji="0" lang="el-GR" altLang="el-GR" sz="1800" b="0" i="0" u="none" strike="noStrike" cap="none" normalizeH="0" baseline="0" dirty="0">
-                <a:ln>
-                  <a:noFill/>
-                </a:ln>
-                <a:solidFill>
-                  <a:schemeClr val="tx1"/>
-                </a:solidFill>
-                <a:effectLst/>
-                <a:latin typeface="Arial" panose="020B0604020202020204" pitchFamily="34" charset="0"/>
-              </a:rPr>
-              <a:t>).</a:t>
-            </a:r>
-            <a:endParaRPr kumimoji="0" lang="en-US" altLang="el-GR" sz="1800" b="0" i="0" u="none" strike="noStrike" cap="none" normalizeH="0" baseline="0" dirty="0">
-              <a:ln>
-                <a:noFill/>
-              </a:ln>
-              <a:solidFill>
-                <a:schemeClr val="tx1"/>
-              </a:solidFill>
-              <a:effectLst/>
-              <a:latin typeface="Arial" panose="020B0604020202020204" pitchFamily="34" charset="0"/>
-            </a:endParaRPr>
-          </a:p>
-          <a:p>
-            <a:pPr eaLnBrk="0" fontAlgn="base" hangingPunct="0">
-              <a:lnSpc>
-                <a:spcPct val="100000"/>
-              </a:lnSpc>
-              <a:spcBef>
-                <a:spcPct val="0"/>
-              </a:spcBef>
-              <a:spcAft>
-                <a:spcPct val="0"/>
-              </a:spcAft>
-              <a:buClrTx/>
-              <a:buSzTx/>
-              <a:buFont typeface="Arial" panose="020B0604020202020204" pitchFamily="34" charset="0"/>
-              <a:buChar char="•"/>
-            </a:pPr>
-            <a:endParaRPr kumimoji="0" lang="en-US" altLang="el-GR" sz="1800" b="0" i="0" u="none" strike="noStrike" cap="none" normalizeH="0" baseline="0" dirty="0">
-              <a:ln>
-                <a:noFill/>
-              </a:ln>
-              <a:solidFill>
-                <a:schemeClr val="tx1"/>
-              </a:solidFill>
-              <a:effectLst/>
-              <a:latin typeface="Arial" panose="020B0604020202020204" pitchFamily="34" charset="0"/>
-            </a:endParaRPr>
-          </a:p>
-          <a:p>
-            <a:pPr eaLnBrk="0" fontAlgn="base" hangingPunct="0">
-              <a:lnSpc>
-                <a:spcPct val="100000"/>
-              </a:lnSpc>
-              <a:spcBef>
-                <a:spcPct val="0"/>
-              </a:spcBef>
-              <a:spcAft>
-                <a:spcPct val="0"/>
-              </a:spcAft>
-              <a:buClrTx/>
-              <a:buSzTx/>
-              <a:buFont typeface="Arial" panose="020B0604020202020204" pitchFamily="34" charset="0"/>
-              <a:buChar char="•"/>
-            </a:pPr>
-            <a:r>
-              <a:rPr lang="el-GR" altLang="el-GR" sz="1800" dirty="0">
-                <a:latin typeface="Arial" panose="020B0604020202020204" pitchFamily="34" charset="0"/>
-              </a:rPr>
-              <a:t>Επιπλέον,</a:t>
-            </a:r>
-            <a:r>
-              <a:rPr lang="en-US" altLang="el-GR" sz="1800" dirty="0">
-                <a:latin typeface="Arial" panose="020B0604020202020204" pitchFamily="34" charset="0"/>
-              </a:rPr>
-              <a:t> </a:t>
-            </a:r>
-            <a:r>
-              <a:rPr lang="el-GR" altLang="el-GR" sz="1800" dirty="0">
-                <a:latin typeface="Arial" panose="020B0604020202020204" pitchFamily="34" charset="0"/>
-              </a:rPr>
-              <a:t>συμπεριλάβαμε τα </a:t>
-            </a:r>
-            <a:r>
-              <a:rPr lang="en-US" altLang="el-GR" sz="1800" dirty="0">
-                <a:latin typeface="Arial" panose="020B0604020202020204" pitchFamily="34" charset="0"/>
-              </a:rPr>
-              <a:t>module </a:t>
-            </a:r>
-            <a:r>
-              <a:rPr lang="en-US" altLang="el-GR" sz="1800" dirty="0" err="1">
-                <a:latin typeface="Arial" panose="020B0604020202020204" pitchFamily="34" charset="0"/>
-              </a:rPr>
-              <a:t>olsr-helper.h</a:t>
-            </a:r>
-            <a:r>
-              <a:rPr lang="en-US" altLang="el-GR" sz="1800" dirty="0">
-                <a:latin typeface="Arial" panose="020B0604020202020204" pitchFamily="34" charset="0"/>
-              </a:rPr>
-              <a:t>, ns3/applications-</a:t>
-            </a:r>
-            <a:r>
-              <a:rPr lang="en-US" altLang="el-GR" sz="1800" dirty="0" err="1">
-                <a:latin typeface="Arial" panose="020B0604020202020204" pitchFamily="34" charset="0"/>
-              </a:rPr>
-              <a:t>module.h</a:t>
-            </a:r>
-            <a:r>
-              <a:rPr lang="en-US" altLang="el-GR" sz="1800" dirty="0">
-                <a:latin typeface="Arial" panose="020B0604020202020204" pitchFamily="34" charset="0"/>
-              </a:rPr>
-              <a:t>, internet-</a:t>
-            </a:r>
-            <a:r>
-              <a:rPr lang="en-US" altLang="el-GR" sz="1800" dirty="0" err="1">
-                <a:latin typeface="Arial" panose="020B0604020202020204" pitchFamily="34" charset="0"/>
-              </a:rPr>
-              <a:t>module.h</a:t>
-            </a:r>
-            <a:r>
-              <a:rPr lang="en-US" altLang="el-GR" sz="1800" dirty="0">
-                <a:latin typeface="Arial" panose="020B0604020202020204" pitchFamily="34" charset="0"/>
-              </a:rPr>
-              <a:t>.</a:t>
-            </a:r>
-            <a:endParaRPr kumimoji="0" lang="el-GR" altLang="el-GR" sz="1800" b="0" i="0" u="none" strike="noStrike" cap="none" normalizeH="0" baseline="0" dirty="0">
-              <a:ln>
-                <a:noFill/>
-              </a:ln>
-              <a:solidFill>
-                <a:schemeClr val="tx1"/>
-              </a:solidFill>
-              <a:effectLst/>
-              <a:latin typeface="Arial" panose="020B0604020202020204" pitchFamily="34" charset="0"/>
-            </a:endParaRPr>
-          </a:p>
-          <a:p>
-            <a:pPr marL="0" marR="0" lvl="0" indent="0" algn="l" defTabSz="914400" rtl="0" eaLnBrk="0" fontAlgn="base" latinLnBrk="0" hangingPunct="0">
+            <a:pPr marL="0" indent="0" eaLnBrk="0" fontAlgn="base" hangingPunct="0">
               <a:lnSpc>
                 <a:spcPct val="100000"/>
               </a:lnSpc>
@@ -24830,7 +24439,6 @@
               <a:buClrTx/>
               <a:buSzTx/>
               <a:buNone/>
-              <a:tabLst/>
             </a:pPr>
             <a:endParaRPr lang="el-GR" altLang="el-GR" sz="1800" dirty="0">
               <a:latin typeface="Arial" panose="020B0604020202020204" pitchFamily="34" charset="0"/>
@@ -25036,10 +24644,873 @@
           </a:p>
         </p:txBody>
       </p:sp>
+      <p:sp>
+        <p:nvSpPr>
+          <p:cNvPr id="6" name="Rectangle 1">
+            <a:extLst>
+              <a:ext uri="{FF2B5EF4-FFF2-40B4-BE49-F238E27FC236}">
+                <a16:creationId xmlns:a16="http://schemas.microsoft.com/office/drawing/2014/main" id="{FC2FF6A6-1223-4495-B894-6E350D7BC4DC}"/>
+              </a:ext>
+            </a:extLst>
+          </p:cNvPr>
+          <p:cNvSpPr txBox="1">
+            <a:spLocks noChangeArrowheads="1"/>
+          </p:cNvSpPr>
+          <p:nvPr/>
+        </p:nvSpPr>
+        <p:spPr bwMode="auto">
+          <a:xfrm>
+            <a:off x="823038" y="1694850"/>
+            <a:ext cx="9298113" cy="3970318"/>
+          </a:xfrm>
+          <a:prstGeom prst="rect">
+            <a:avLst/>
+          </a:prstGeom>
+          <a:noFill/>
+          <a:ln>
+            <a:noFill/>
+          </a:ln>
+          <a:effectLst/>
+          <a:extLst>
+            <a:ext uri="{909E8E84-426E-40DD-AFC4-6F175D3DCCD1}">
+              <a14:hiddenFill xmlns:a14="http://schemas.microsoft.com/office/drawing/2010/main">
+                <a:solidFill>
+                  <a:schemeClr val="accent1"/>
+                </a:solidFill>
+              </a14:hiddenFill>
+            </a:ext>
+            <a:ext uri="{91240B29-F687-4F45-9708-019B960494DF}">
+              <a14:hiddenLine xmlns:a14="http://schemas.microsoft.com/office/drawing/2010/main" w="9525">
+                <a:solidFill>
+                  <a:schemeClr val="tx1"/>
+                </a:solidFill>
+                <a:miter lim="800000"/>
+                <a:headEnd/>
+                <a:tailEnd/>
+              </a14:hiddenLine>
+            </a:ext>
+            <a:ext uri="{AF507438-7753-43E0-B8FC-AC1667EBCBE1}">
+              <a14:hiddenEffects xmlns:a14="http://schemas.microsoft.com/office/drawing/2010/main">
+                <a:effectLst>
+                  <a:outerShdw dist="35921" dir="2700000" algn="ctr" rotWithShape="0">
+                    <a:schemeClr val="bg2"/>
+                  </a:outerShdw>
+                </a:effectLst>
+              </a14:hiddenEffects>
+            </a:ext>
+          </a:extLst>
+        </p:spPr>
+        <p:txBody>
+          <a:bodyPr vert="horz" wrap="square" lIns="91440" tIns="45720" rIns="91440" bIns="45720" numCol="1" rtlCol="0" anchor="ctr" anchorCtr="0" compatLnSpc="1">
+            <a:prstTxWarp prst="textNoShape">
+              <a:avLst/>
+            </a:prstTxWarp>
+            <a:spAutoFit/>
+          </a:bodyPr>
+          <a:lstStyle>
+            <a:lvl1pPr marL="91440" indent="-91440" algn="l" defTabSz="914400" rtl="0" eaLnBrk="1" latinLnBrk="0" hangingPunct="1">
+              <a:lnSpc>
+                <a:spcPct val="90000"/>
+              </a:lnSpc>
+              <a:spcBef>
+                <a:spcPts val="1200"/>
+              </a:spcBef>
+              <a:spcAft>
+                <a:spcPts val="200"/>
+              </a:spcAft>
+              <a:buClr>
+                <a:schemeClr val="accent1"/>
+              </a:buClr>
+              <a:buSzPct val="100000"/>
+              <a:buFont typeface="Tw Cen MT" panose="020B0602020104020603" pitchFamily="34" charset="0"/>
+              <a:buChar char=" "/>
+              <a:defRPr sz="2200" kern="1200">
+                <a:solidFill>
+                  <a:schemeClr val="tx1"/>
+                </a:solidFill>
+                <a:latin typeface="Calibri" panose="020F0502020204030204" pitchFamily="34" charset="0"/>
+                <a:ea typeface="+mn-ea"/>
+                <a:cs typeface="+mn-cs"/>
+              </a:defRPr>
+            </a:lvl1pPr>
+            <a:lvl2pPr marL="265176" indent="-137160" algn="l" defTabSz="914400" rtl="0" eaLnBrk="1" latinLnBrk="0" hangingPunct="1">
+              <a:lnSpc>
+                <a:spcPct val="90000"/>
+              </a:lnSpc>
+              <a:spcBef>
+                <a:spcPts val="200"/>
+              </a:spcBef>
+              <a:spcAft>
+                <a:spcPts val="400"/>
+              </a:spcAft>
+              <a:buClr>
+                <a:schemeClr val="accent1"/>
+              </a:buClr>
+              <a:buFont typeface="Wingdings 3" pitchFamily="18" charset="2"/>
+              <a:buChar char=""/>
+              <a:defRPr sz="1800" kern="1200">
+                <a:solidFill>
+                  <a:schemeClr val="tx1"/>
+                </a:solidFill>
+                <a:latin typeface="Calibri" panose="020F0502020204030204" pitchFamily="34" charset="0"/>
+                <a:ea typeface="+mn-ea"/>
+                <a:cs typeface="+mn-cs"/>
+              </a:defRPr>
+            </a:lvl2pPr>
+            <a:lvl3pPr marL="448056" indent="-137160" algn="l" defTabSz="914400" rtl="0" eaLnBrk="1" latinLnBrk="0" hangingPunct="1">
+              <a:lnSpc>
+                <a:spcPct val="90000"/>
+              </a:lnSpc>
+              <a:spcBef>
+                <a:spcPts val="200"/>
+              </a:spcBef>
+              <a:spcAft>
+                <a:spcPts val="400"/>
+              </a:spcAft>
+              <a:buClr>
+                <a:schemeClr val="accent1"/>
+              </a:buClr>
+              <a:buFont typeface="Wingdings 3" pitchFamily="18" charset="2"/>
+              <a:buChar char=""/>
+              <a:defRPr sz="1400" kern="1200">
+                <a:solidFill>
+                  <a:schemeClr val="tx1"/>
+                </a:solidFill>
+                <a:latin typeface="Calibri" panose="020F0502020204030204" pitchFamily="34" charset="0"/>
+                <a:ea typeface="+mn-ea"/>
+                <a:cs typeface="+mn-cs"/>
+              </a:defRPr>
+            </a:lvl3pPr>
+            <a:lvl4pPr marL="594360" indent="-137160" algn="l" defTabSz="914400" rtl="0" eaLnBrk="1" latinLnBrk="0" hangingPunct="1">
+              <a:lnSpc>
+                <a:spcPct val="90000"/>
+              </a:lnSpc>
+              <a:spcBef>
+                <a:spcPts val="200"/>
+              </a:spcBef>
+              <a:spcAft>
+                <a:spcPts val="400"/>
+              </a:spcAft>
+              <a:buClr>
+                <a:schemeClr val="accent1"/>
+              </a:buClr>
+              <a:buFont typeface="Wingdings 3" pitchFamily="18" charset="2"/>
+              <a:buChar char=""/>
+              <a:defRPr sz="1400" kern="1200">
+                <a:solidFill>
+                  <a:schemeClr val="tx1"/>
+                </a:solidFill>
+                <a:latin typeface="Calibri" panose="020F0502020204030204" pitchFamily="34" charset="0"/>
+                <a:ea typeface="+mn-ea"/>
+                <a:cs typeface="+mn-cs"/>
+              </a:defRPr>
+            </a:lvl4pPr>
+            <a:lvl5pPr marL="777240" indent="-137160" algn="l" defTabSz="914400" rtl="0" eaLnBrk="1" latinLnBrk="0" hangingPunct="1">
+              <a:lnSpc>
+                <a:spcPct val="90000"/>
+              </a:lnSpc>
+              <a:spcBef>
+                <a:spcPts val="200"/>
+              </a:spcBef>
+              <a:spcAft>
+                <a:spcPts val="400"/>
+              </a:spcAft>
+              <a:buClr>
+                <a:schemeClr val="accent1"/>
+              </a:buClr>
+              <a:buFont typeface="Wingdings 3" pitchFamily="18" charset="2"/>
+              <a:buChar char=""/>
+              <a:defRPr sz="1400" kern="1200">
+                <a:solidFill>
+                  <a:schemeClr val="tx1"/>
+                </a:solidFill>
+                <a:latin typeface="Calibri" panose="020F0502020204030204" pitchFamily="34" charset="0"/>
+                <a:ea typeface="+mn-ea"/>
+                <a:cs typeface="+mn-cs"/>
+              </a:defRPr>
+            </a:lvl5pPr>
+            <a:lvl6pPr marL="914400" indent="-137160" algn="l" defTabSz="914400" rtl="0" eaLnBrk="1" latinLnBrk="0" hangingPunct="1">
+              <a:lnSpc>
+                <a:spcPct val="90000"/>
+              </a:lnSpc>
+              <a:spcBef>
+                <a:spcPts val="200"/>
+              </a:spcBef>
+              <a:spcAft>
+                <a:spcPts val="400"/>
+              </a:spcAft>
+              <a:buClr>
+                <a:schemeClr val="accent1"/>
+              </a:buClr>
+              <a:buFont typeface="Wingdings 3" pitchFamily="18" charset="2"/>
+              <a:buChar char=""/>
+              <a:defRPr sz="1400" kern="1200">
+                <a:solidFill>
+                  <a:schemeClr val="tx1"/>
+                </a:solidFill>
+                <a:latin typeface="+mn-lt"/>
+                <a:ea typeface="+mn-ea"/>
+                <a:cs typeface="+mn-cs"/>
+              </a:defRPr>
+            </a:lvl6pPr>
+            <a:lvl7pPr marL="1060704" indent="-137160" algn="l" defTabSz="914400" rtl="0" eaLnBrk="1" latinLnBrk="0" hangingPunct="1">
+              <a:lnSpc>
+                <a:spcPct val="90000"/>
+              </a:lnSpc>
+              <a:spcBef>
+                <a:spcPts val="200"/>
+              </a:spcBef>
+              <a:spcAft>
+                <a:spcPts val="400"/>
+              </a:spcAft>
+              <a:buClr>
+                <a:schemeClr val="accent1"/>
+              </a:buClr>
+              <a:buFont typeface="Wingdings 3" pitchFamily="18" charset="2"/>
+              <a:buChar char=""/>
+              <a:defRPr sz="1400" kern="1200">
+                <a:solidFill>
+                  <a:schemeClr val="tx1"/>
+                </a:solidFill>
+                <a:latin typeface="+mn-lt"/>
+                <a:ea typeface="+mn-ea"/>
+                <a:cs typeface="+mn-cs"/>
+              </a:defRPr>
+            </a:lvl7pPr>
+            <a:lvl8pPr marL="1216152" indent="-137160" algn="l" defTabSz="914400" rtl="0" eaLnBrk="1" latinLnBrk="0" hangingPunct="1">
+              <a:lnSpc>
+                <a:spcPct val="90000"/>
+              </a:lnSpc>
+              <a:spcBef>
+                <a:spcPts val="200"/>
+              </a:spcBef>
+              <a:spcAft>
+                <a:spcPts val="400"/>
+              </a:spcAft>
+              <a:buClr>
+                <a:schemeClr val="accent1"/>
+              </a:buClr>
+              <a:buFont typeface="Wingdings 3" pitchFamily="18" charset="2"/>
+              <a:buChar char=""/>
+              <a:defRPr sz="1400" kern="1200">
+                <a:solidFill>
+                  <a:schemeClr val="tx1"/>
+                </a:solidFill>
+                <a:latin typeface="+mn-lt"/>
+                <a:ea typeface="+mn-ea"/>
+                <a:cs typeface="+mn-cs"/>
+              </a:defRPr>
+            </a:lvl8pPr>
+            <a:lvl9pPr marL="1362456" indent="-137160" algn="l" defTabSz="914400" rtl="0" eaLnBrk="1" latinLnBrk="0" hangingPunct="1">
+              <a:lnSpc>
+                <a:spcPct val="90000"/>
+              </a:lnSpc>
+              <a:spcBef>
+                <a:spcPts val="200"/>
+              </a:spcBef>
+              <a:spcAft>
+                <a:spcPts val="400"/>
+              </a:spcAft>
+              <a:buClr>
+                <a:schemeClr val="accent1"/>
+              </a:buClr>
+              <a:buFont typeface="Wingdings 3" pitchFamily="18" charset="2"/>
+              <a:buChar char=""/>
+              <a:defRPr sz="1400" kern="1200">
+                <a:solidFill>
+                  <a:schemeClr val="tx1"/>
+                </a:solidFill>
+                <a:latin typeface="+mn-lt"/>
+                <a:ea typeface="+mn-ea"/>
+                <a:cs typeface="+mn-cs"/>
+              </a:defRPr>
+            </a:lvl9pPr>
+          </a:lstStyle>
+          <a:p>
+            <a:pPr marL="0" indent="0" eaLnBrk="0" fontAlgn="base" hangingPunct="0">
+              <a:lnSpc>
+                <a:spcPct val="100000"/>
+              </a:lnSpc>
+              <a:spcBef>
+                <a:spcPct val="0"/>
+              </a:spcBef>
+              <a:spcAft>
+                <a:spcPct val="0"/>
+              </a:spcAft>
+              <a:buClrTx/>
+              <a:buSzTx/>
+              <a:buFont typeface="Tw Cen MT" panose="020B0602020104020603" pitchFamily="34" charset="0"/>
+              <a:buNone/>
+            </a:pPr>
+            <a:endParaRPr lang="en-US" altLang="el-GR" sz="1800" b="1" dirty="0">
+              <a:latin typeface="Arial" panose="020B0604020202020204" pitchFamily="34" charset="0"/>
+            </a:endParaRPr>
+          </a:p>
+          <a:p>
+            <a:pPr marL="0" indent="0" eaLnBrk="0" fontAlgn="base" hangingPunct="0">
+              <a:lnSpc>
+                <a:spcPct val="100000"/>
+              </a:lnSpc>
+              <a:spcBef>
+                <a:spcPct val="0"/>
+              </a:spcBef>
+              <a:spcAft>
+                <a:spcPct val="0"/>
+              </a:spcAft>
+              <a:buClrTx/>
+              <a:buSzTx/>
+              <a:buFont typeface="Tw Cen MT" panose="020B0602020104020603" pitchFamily="34" charset="0"/>
+              <a:buNone/>
+            </a:pPr>
+            <a:endParaRPr lang="en-US" altLang="el-GR" sz="1800" dirty="0">
+              <a:latin typeface="Arial" panose="020B0604020202020204" pitchFamily="34" charset="0"/>
+            </a:endParaRPr>
+          </a:p>
+          <a:p>
+            <a:pPr eaLnBrk="0" fontAlgn="base" hangingPunct="0">
+              <a:lnSpc>
+                <a:spcPct val="100000"/>
+              </a:lnSpc>
+              <a:spcBef>
+                <a:spcPct val="0"/>
+              </a:spcBef>
+              <a:spcAft>
+                <a:spcPct val="0"/>
+              </a:spcAft>
+              <a:buClrTx/>
+              <a:buSzTx/>
+              <a:buFont typeface="Arial" panose="020B0604020202020204" pitchFamily="34" charset="0"/>
+              <a:buChar char="•"/>
+            </a:pPr>
+            <a:r>
+              <a:rPr lang="el-GR" altLang="el-GR" sz="1800" dirty="0">
+                <a:latin typeface="Arial" panose="020B0604020202020204" pitchFamily="34" charset="0"/>
+              </a:rPr>
+              <a:t>Επιλέξαμε την δυναμική δρομολόγηση OLSR (</a:t>
+            </a:r>
+            <a:r>
+              <a:rPr lang="el-GR" altLang="el-GR" sz="1800" dirty="0" err="1">
+                <a:latin typeface="Arial" panose="020B0604020202020204" pitchFamily="34" charset="0"/>
+              </a:rPr>
+              <a:t>Optimized</a:t>
+            </a:r>
+            <a:r>
+              <a:rPr lang="el-GR" altLang="el-GR" sz="1800" dirty="0">
+                <a:latin typeface="Arial" panose="020B0604020202020204" pitchFamily="34" charset="0"/>
+              </a:rPr>
+              <a:t> </a:t>
+            </a:r>
+            <a:r>
+              <a:rPr lang="el-GR" altLang="el-GR" sz="1800" dirty="0" err="1">
+                <a:latin typeface="Arial" panose="020B0604020202020204" pitchFamily="34" charset="0"/>
+              </a:rPr>
+              <a:t>Link</a:t>
+            </a:r>
+            <a:r>
+              <a:rPr lang="el-GR" altLang="el-GR" sz="1800" dirty="0">
+                <a:latin typeface="Arial" panose="020B0604020202020204" pitchFamily="34" charset="0"/>
+              </a:rPr>
+              <a:t> </a:t>
+            </a:r>
+            <a:r>
+              <a:rPr lang="el-GR" altLang="el-GR" sz="1800" dirty="0" err="1">
+                <a:latin typeface="Arial" panose="020B0604020202020204" pitchFamily="34" charset="0"/>
+              </a:rPr>
+              <a:t>State</a:t>
+            </a:r>
+            <a:r>
+              <a:rPr lang="el-GR" altLang="el-GR" sz="1800" dirty="0">
+                <a:latin typeface="Arial" panose="020B0604020202020204" pitchFamily="34" charset="0"/>
+              </a:rPr>
+              <a:t> </a:t>
+            </a:r>
+            <a:r>
+              <a:rPr lang="el-GR" altLang="el-GR" sz="1800" dirty="0" err="1">
+                <a:latin typeface="Arial" panose="020B0604020202020204" pitchFamily="34" charset="0"/>
+              </a:rPr>
+              <a:t>Routing</a:t>
+            </a:r>
+            <a:r>
+              <a:rPr lang="el-GR" altLang="el-GR" sz="1800" dirty="0">
+                <a:latin typeface="Arial" panose="020B0604020202020204" pitchFamily="34" charset="0"/>
+              </a:rPr>
+              <a:t>).</a:t>
+            </a:r>
+            <a:endParaRPr lang="en-US" altLang="el-GR" sz="1800" dirty="0">
+              <a:latin typeface="Arial" panose="020B0604020202020204" pitchFamily="34" charset="0"/>
+            </a:endParaRPr>
+          </a:p>
+          <a:p>
+            <a:pPr eaLnBrk="0" fontAlgn="base" hangingPunct="0">
+              <a:lnSpc>
+                <a:spcPct val="100000"/>
+              </a:lnSpc>
+              <a:spcBef>
+                <a:spcPct val="0"/>
+              </a:spcBef>
+              <a:spcAft>
+                <a:spcPct val="0"/>
+              </a:spcAft>
+              <a:buClrTx/>
+              <a:buSzTx/>
+              <a:buFont typeface="Arial" panose="020B0604020202020204" pitchFamily="34" charset="0"/>
+              <a:buChar char="•"/>
+            </a:pPr>
+            <a:endParaRPr lang="en-US" altLang="el-GR" sz="1800" dirty="0">
+              <a:latin typeface="Arial" panose="020B0604020202020204" pitchFamily="34" charset="0"/>
+            </a:endParaRPr>
+          </a:p>
+          <a:p>
+            <a:pPr eaLnBrk="0" fontAlgn="base" hangingPunct="0">
+              <a:lnSpc>
+                <a:spcPct val="100000"/>
+              </a:lnSpc>
+              <a:spcBef>
+                <a:spcPct val="0"/>
+              </a:spcBef>
+              <a:spcAft>
+                <a:spcPct val="0"/>
+              </a:spcAft>
+              <a:buClrTx/>
+              <a:buSzTx/>
+              <a:buFont typeface="Arial" panose="020B0604020202020204" pitchFamily="34" charset="0"/>
+              <a:buChar char="•"/>
+            </a:pPr>
+            <a:r>
+              <a:rPr lang="el-GR" altLang="el-GR" sz="1800" dirty="0">
+                <a:latin typeface="Arial" panose="020B0604020202020204" pitchFamily="34" charset="0"/>
+              </a:rPr>
+              <a:t>Επιπλέον,</a:t>
+            </a:r>
+            <a:r>
+              <a:rPr lang="en-US" altLang="el-GR" sz="1800" dirty="0">
+                <a:latin typeface="Arial" panose="020B0604020202020204" pitchFamily="34" charset="0"/>
+              </a:rPr>
+              <a:t> </a:t>
+            </a:r>
+            <a:r>
+              <a:rPr lang="el-GR" altLang="el-GR" sz="1800" dirty="0">
+                <a:latin typeface="Arial" panose="020B0604020202020204" pitchFamily="34" charset="0"/>
+              </a:rPr>
+              <a:t>συμπεριλάβαμε τα </a:t>
+            </a:r>
+            <a:r>
+              <a:rPr lang="en-US" altLang="el-GR" sz="1800" dirty="0">
+                <a:latin typeface="Arial" panose="020B0604020202020204" pitchFamily="34" charset="0"/>
+              </a:rPr>
+              <a:t>module </a:t>
+            </a:r>
+            <a:r>
+              <a:rPr lang="en-US" altLang="el-GR" sz="1800" dirty="0" err="1">
+                <a:latin typeface="Arial" panose="020B0604020202020204" pitchFamily="34" charset="0"/>
+              </a:rPr>
+              <a:t>olsr-helper.h</a:t>
+            </a:r>
+            <a:r>
+              <a:rPr lang="en-US" altLang="el-GR" sz="1800" dirty="0">
+                <a:latin typeface="Arial" panose="020B0604020202020204" pitchFamily="34" charset="0"/>
+              </a:rPr>
+              <a:t>, ns3/applications-</a:t>
+            </a:r>
+            <a:r>
+              <a:rPr lang="en-US" altLang="el-GR" sz="1800" dirty="0" err="1">
+                <a:latin typeface="Arial" panose="020B0604020202020204" pitchFamily="34" charset="0"/>
+              </a:rPr>
+              <a:t>module.h</a:t>
+            </a:r>
+            <a:r>
+              <a:rPr lang="en-US" altLang="el-GR" sz="1800" dirty="0">
+                <a:latin typeface="Arial" panose="020B0604020202020204" pitchFamily="34" charset="0"/>
+              </a:rPr>
+              <a:t>, internet-</a:t>
+            </a:r>
+            <a:r>
+              <a:rPr lang="en-US" altLang="el-GR" sz="1800" dirty="0" err="1">
+                <a:latin typeface="Arial" panose="020B0604020202020204" pitchFamily="34" charset="0"/>
+              </a:rPr>
+              <a:t>module.h</a:t>
+            </a:r>
+            <a:r>
+              <a:rPr lang="en-US" altLang="el-GR" sz="1800" dirty="0">
+                <a:latin typeface="Arial" panose="020B0604020202020204" pitchFamily="34" charset="0"/>
+              </a:rPr>
+              <a:t>.</a:t>
+            </a:r>
+            <a:endParaRPr lang="el-GR" altLang="el-GR" sz="1800" dirty="0">
+              <a:latin typeface="Arial" panose="020B0604020202020204" pitchFamily="34" charset="0"/>
+            </a:endParaRPr>
+          </a:p>
+          <a:p>
+            <a:pPr eaLnBrk="0" fontAlgn="base" hangingPunct="0">
+              <a:lnSpc>
+                <a:spcPct val="100000"/>
+              </a:lnSpc>
+              <a:spcBef>
+                <a:spcPct val="0"/>
+              </a:spcBef>
+              <a:spcAft>
+                <a:spcPct val="0"/>
+              </a:spcAft>
+              <a:buClrTx/>
+              <a:buSzTx/>
+              <a:buFont typeface="Arial" panose="020B0604020202020204" pitchFamily="34" charset="0"/>
+              <a:buChar char="•"/>
+            </a:pPr>
+            <a:endParaRPr lang="el-GR" altLang="el-GR" sz="1800" dirty="0">
+              <a:latin typeface="Arial" panose="020B0604020202020204" pitchFamily="34" charset="0"/>
+            </a:endParaRPr>
+          </a:p>
+          <a:p>
+            <a:pPr eaLnBrk="0" fontAlgn="base" hangingPunct="0">
+              <a:lnSpc>
+                <a:spcPct val="100000"/>
+              </a:lnSpc>
+              <a:spcBef>
+                <a:spcPct val="0"/>
+              </a:spcBef>
+              <a:spcAft>
+                <a:spcPct val="0"/>
+              </a:spcAft>
+              <a:buClrTx/>
+              <a:buSzTx/>
+              <a:buFont typeface="Arial" panose="020B0604020202020204" pitchFamily="34" charset="0"/>
+              <a:buChar char="•"/>
+            </a:pPr>
+            <a:r>
+              <a:rPr lang="en-US" altLang="el-GR" sz="1800" dirty="0">
+                <a:latin typeface="Arial" panose="020B0604020202020204" pitchFamily="34" charset="0"/>
+              </a:rPr>
+              <a:t>Internet stack</a:t>
+            </a:r>
+          </a:p>
+          <a:p>
+            <a:pPr eaLnBrk="0" fontAlgn="base" hangingPunct="0">
+              <a:lnSpc>
+                <a:spcPct val="100000"/>
+              </a:lnSpc>
+              <a:spcBef>
+                <a:spcPct val="0"/>
+              </a:spcBef>
+              <a:spcAft>
+                <a:spcPct val="0"/>
+              </a:spcAft>
+              <a:buClrTx/>
+              <a:buSzTx/>
+              <a:buFont typeface="Arial" panose="020B0604020202020204" pitchFamily="34" charset="0"/>
+              <a:buChar char="•"/>
+            </a:pPr>
+            <a:r>
+              <a:rPr lang="en-US" altLang="el-GR" sz="1800" dirty="0">
+                <a:latin typeface="Arial" panose="020B0604020202020204" pitchFamily="34" charset="0"/>
+              </a:rPr>
+              <a:t>Packet sink</a:t>
+            </a:r>
+          </a:p>
+          <a:p>
+            <a:pPr eaLnBrk="0" fontAlgn="base" hangingPunct="0">
+              <a:lnSpc>
+                <a:spcPct val="100000"/>
+              </a:lnSpc>
+              <a:spcBef>
+                <a:spcPct val="0"/>
+              </a:spcBef>
+              <a:spcAft>
+                <a:spcPct val="0"/>
+              </a:spcAft>
+              <a:buClrTx/>
+              <a:buSzTx/>
+              <a:buFont typeface="Arial" panose="020B0604020202020204" pitchFamily="34" charset="0"/>
+              <a:buChar char="•"/>
+            </a:pPr>
+            <a:r>
+              <a:rPr lang="el-GR" altLang="el-GR" sz="1800" dirty="0" err="1">
+                <a:latin typeface="Arial" panose="020B0604020202020204" pitchFamily="34" charset="0"/>
+              </a:rPr>
+              <a:t>Γρηγορη</a:t>
+            </a:r>
+            <a:r>
+              <a:rPr lang="el-GR" altLang="el-GR" sz="1800" dirty="0">
+                <a:latin typeface="Arial" panose="020B0604020202020204" pitchFamily="34" charset="0"/>
+              </a:rPr>
+              <a:t> δρομολόγηση</a:t>
+            </a:r>
+          </a:p>
+          <a:p>
+            <a:pPr marL="0" indent="0" eaLnBrk="0" fontAlgn="base" hangingPunct="0">
+              <a:lnSpc>
+                <a:spcPct val="100000"/>
+              </a:lnSpc>
+              <a:spcBef>
+                <a:spcPct val="0"/>
+              </a:spcBef>
+              <a:spcAft>
+                <a:spcPct val="0"/>
+              </a:spcAft>
+              <a:buClrTx/>
+              <a:buSzTx/>
+              <a:buFont typeface="Tw Cen MT" panose="020B0602020104020603" pitchFamily="34" charset="0"/>
+              <a:buNone/>
+            </a:pPr>
+            <a:endParaRPr lang="el-GR" altLang="el-GR" sz="1800" dirty="0">
+              <a:latin typeface="Arial" panose="020B0604020202020204" pitchFamily="34" charset="0"/>
+            </a:endParaRPr>
+          </a:p>
+          <a:p>
+            <a:pPr marL="0" indent="0" eaLnBrk="0" fontAlgn="base" hangingPunct="0">
+              <a:lnSpc>
+                <a:spcPct val="100000"/>
+              </a:lnSpc>
+              <a:spcBef>
+                <a:spcPct val="0"/>
+              </a:spcBef>
+              <a:spcAft>
+                <a:spcPct val="0"/>
+              </a:spcAft>
+              <a:buClrTx/>
+              <a:buSzTx/>
+              <a:buNone/>
+            </a:pPr>
+            <a:endParaRPr lang="en-US" altLang="el-GR" sz="1800" dirty="0">
+              <a:latin typeface="Arial" panose="020B0604020202020204" pitchFamily="34" charset="0"/>
+            </a:endParaRPr>
+          </a:p>
+          <a:p>
+            <a:pPr marL="0" indent="0" eaLnBrk="0" fontAlgn="base" hangingPunct="0">
+              <a:lnSpc>
+                <a:spcPct val="100000"/>
+              </a:lnSpc>
+              <a:spcBef>
+                <a:spcPct val="0"/>
+              </a:spcBef>
+              <a:spcAft>
+                <a:spcPct val="0"/>
+              </a:spcAft>
+              <a:buClrTx/>
+              <a:buSzTx/>
+              <a:buFont typeface="Tw Cen MT" panose="020B0602020104020603" pitchFamily="34" charset="0"/>
+              <a:buNone/>
+            </a:pPr>
+            <a:endParaRPr lang="el-GR" altLang="el-GR" sz="1800" dirty="0">
+              <a:latin typeface="Arial" panose="020B0604020202020204" pitchFamily="34" charset="0"/>
+            </a:endParaRPr>
+          </a:p>
+          <a:p>
+            <a:pPr marL="0" indent="0" eaLnBrk="0" fontAlgn="base" hangingPunct="0">
+              <a:lnSpc>
+                <a:spcPct val="100000"/>
+              </a:lnSpc>
+              <a:spcBef>
+                <a:spcPct val="0"/>
+              </a:spcBef>
+              <a:spcAft>
+                <a:spcPct val="0"/>
+              </a:spcAft>
+              <a:buClrTx/>
+              <a:buSzTx/>
+              <a:buFontTx/>
+              <a:buNone/>
+            </a:pPr>
+            <a:endParaRPr lang="el-GR" altLang="el-GR" sz="1800" dirty="0">
+              <a:latin typeface="Arial" panose="020B0604020202020204" pitchFamily="34" charset="0"/>
+            </a:endParaRPr>
+          </a:p>
+        </p:txBody>
+      </p:sp>
     </p:spTree>
     <p:extLst>
       <p:ext uri="{BB962C8B-B14F-4D97-AF65-F5344CB8AC3E}">
         <p14:creationId xmlns:p14="http://schemas.microsoft.com/office/powerpoint/2010/main" val="2607584059"/>
+      </p:ext>
+    </p:extLst>
+  </p:cSld>
+  <p:clrMapOvr>
+    <a:masterClrMapping/>
+  </p:clrMapOvr>
+  <p:transition spd="slow">
+    <p:push dir="u"/>
+  </p:transition>
+</p:sld>
+</file>
+
+<file path=ppt/slides/slide9.xml><?xml version="1.0" encoding="utf-8"?>
+<p:sld xmlns:a="http://schemas.openxmlformats.org/drawingml/2006/main" xmlns:r="http://schemas.openxmlformats.org/officeDocument/2006/relationships" xmlns:p="http://schemas.openxmlformats.org/presentationml/2006/main">
+  <p:cSld>
+    <p:spTree>
+      <p:nvGrpSpPr>
+        <p:cNvPr id="1" name=""/>
+        <p:cNvGrpSpPr/>
+        <p:nvPr/>
+      </p:nvGrpSpPr>
+      <p:grpSpPr>
+        <a:xfrm>
+          <a:off x="0" y="0"/>
+          <a:ext cx="0" cy="0"/>
+          <a:chOff x="0" y="0"/>
+          <a:chExt cx="0" cy="0"/>
+        </a:xfrm>
+      </p:grpSpPr>
+      <p:sp>
+        <p:nvSpPr>
+          <p:cNvPr id="2" name="Τίτλος 1">
+            <a:extLst>
+              <a:ext uri="{FF2B5EF4-FFF2-40B4-BE49-F238E27FC236}">
+                <a16:creationId xmlns:a16="http://schemas.microsoft.com/office/drawing/2014/main" id="{740B5DCF-D7F8-4FA1-B6A2-C54F072B973E}"/>
+              </a:ext>
+            </a:extLst>
+          </p:cNvPr>
+          <p:cNvSpPr>
+            <a:spLocks noGrp="1"/>
+          </p:cNvSpPr>
+          <p:nvPr>
+            <p:ph type="title"/>
+          </p:nvPr>
+        </p:nvSpPr>
+        <p:spPr/>
+        <p:txBody>
+          <a:bodyPr/>
+          <a:lstStyle/>
+          <a:p>
+            <a:r>
+              <a:rPr lang="el-GR" b="1" dirty="0"/>
+              <a:t>ΥΛΟΠΟΙΗΣΗ ΤΟΥ ΕΡΩΤΗΜΑΤΟΣ 2</a:t>
+            </a:r>
+          </a:p>
+        </p:txBody>
+      </p:sp>
+      <p:sp>
+        <p:nvSpPr>
+          <p:cNvPr id="3" name="Θέση περιεχομένου 2">
+            <a:extLst>
+              <a:ext uri="{FF2B5EF4-FFF2-40B4-BE49-F238E27FC236}">
+                <a16:creationId xmlns:a16="http://schemas.microsoft.com/office/drawing/2014/main" id="{B826EC1D-ADB3-40C8-9BDF-B44BD50ABE16}"/>
+              </a:ext>
+            </a:extLst>
+          </p:cNvPr>
+          <p:cNvSpPr>
+            <a:spLocks noGrp="1"/>
+          </p:cNvSpPr>
+          <p:nvPr>
+            <p:ph idx="1"/>
+          </p:nvPr>
+        </p:nvSpPr>
+        <p:spPr>
+          <a:xfrm>
+            <a:off x="732466" y="2249294"/>
+            <a:ext cx="9720073" cy="4023360"/>
+          </a:xfrm>
+        </p:spPr>
+        <p:txBody>
+          <a:bodyPr/>
+          <a:lstStyle/>
+          <a:p>
+            <a:pPr marL="0" indent="0">
+              <a:buNone/>
+            </a:pPr>
+            <a:r>
+              <a:rPr lang="el-GR" dirty="0"/>
+              <a:t>Όσον αφορά το δεύτερο ερώτημα της εργασίας, η τοπολογία που δημιουργήθηκε είναι η εξής </a:t>
+            </a:r>
+            <a:r>
+              <a:rPr lang="en-US" dirty="0"/>
+              <a:t>:</a:t>
+            </a:r>
+          </a:p>
+          <a:p>
+            <a:pPr marL="0" indent="0">
+              <a:buNone/>
+            </a:pPr>
+            <a:endParaRPr lang="en-US" dirty="0"/>
+          </a:p>
+          <a:p>
+            <a:pPr marL="0" indent="0">
+              <a:buNone/>
+            </a:pPr>
+            <a:endParaRPr lang="en-US" dirty="0"/>
+          </a:p>
+          <a:p>
+            <a:endParaRPr lang="el-GR" dirty="0"/>
+          </a:p>
+        </p:txBody>
+      </p:sp>
+      <p:sp>
+        <p:nvSpPr>
+          <p:cNvPr id="5" name="AutoShape 4" descr="image.png">
+            <a:extLst>
+              <a:ext uri="{FF2B5EF4-FFF2-40B4-BE49-F238E27FC236}">
+                <a16:creationId xmlns:a16="http://schemas.microsoft.com/office/drawing/2014/main" id="{9EC8DA17-04F4-4836-B00D-8C2179B2E7C4}"/>
+              </a:ext>
+            </a:extLst>
+          </p:cNvPr>
+          <p:cNvSpPr>
+            <a:spLocks noChangeAspect="1" noChangeArrowheads="1"/>
+          </p:cNvSpPr>
+          <p:nvPr/>
+        </p:nvSpPr>
+        <p:spPr bwMode="auto">
+          <a:xfrm>
+            <a:off x="5943600" y="3276600"/>
+            <a:ext cx="304800" cy="304800"/>
+          </a:xfrm>
+          <a:prstGeom prst="rect">
+            <a:avLst/>
+          </a:prstGeom>
+          <a:noFill/>
+          <a:extLst>
+            <a:ext uri="{909E8E84-426E-40DD-AFC4-6F175D3DCCD1}">
+              <a14:hiddenFill xmlns:a14="http://schemas.microsoft.com/office/drawing/2010/main">
+                <a:solidFill>
+                  <a:srgbClr val="FFFFFF"/>
+                </a:solidFill>
+              </a14:hiddenFill>
+            </a:ext>
+          </a:extLst>
+        </p:spPr>
+        <p:txBody>
+          <a:bodyPr vert="horz" wrap="square" lIns="91440" tIns="45720" rIns="91440" bIns="45720" numCol="1" anchor="t" anchorCtr="0" compatLnSpc="1">
+            <a:prstTxWarp prst="textNoShape">
+              <a:avLst/>
+            </a:prstTxWarp>
+          </a:bodyPr>
+          <a:lstStyle/>
+          <a:p>
+            <a:endParaRPr lang="el-GR"/>
+          </a:p>
+        </p:txBody>
+      </p:sp>
+      <p:pic>
+        <p:nvPicPr>
+          <p:cNvPr id="6" name="Εικόνα 5">
+            <a:extLst>
+              <a:ext uri="{FF2B5EF4-FFF2-40B4-BE49-F238E27FC236}">
+                <a16:creationId xmlns:a16="http://schemas.microsoft.com/office/drawing/2014/main" id="{9107478B-F89B-47FA-B8F9-EAC2BCD55F50}"/>
+              </a:ext>
+            </a:extLst>
+          </p:cNvPr>
+          <p:cNvPicPr>
+            <a:picLocks noChangeAspect="1"/>
+          </p:cNvPicPr>
+          <p:nvPr/>
+        </p:nvPicPr>
+        <p:blipFill>
+          <a:blip r:embed="rId2"/>
+          <a:stretch>
+            <a:fillRect/>
+          </a:stretch>
+        </p:blipFill>
+        <p:spPr>
+          <a:xfrm>
+            <a:off x="732466" y="3003954"/>
+            <a:ext cx="3476927" cy="3247679"/>
+          </a:xfrm>
+          <a:prstGeom prst="rect">
+            <a:avLst/>
+          </a:prstGeom>
+        </p:spPr>
+      </p:pic>
+    </p:spTree>
+    <p:extLst>
+      <p:ext uri="{BB962C8B-B14F-4D97-AF65-F5344CB8AC3E}">
+        <p14:creationId xmlns:p14="http://schemas.microsoft.com/office/powerpoint/2010/main" val="567458805"/>
       </p:ext>
     </p:extLst>
   </p:cSld>
@@ -25877,6 +26348,23 @@
 </file>
 
 <file path=customXml/item1.xml><?xml version="1.0" encoding="utf-8"?>
+<p:properties xmlns:p="http://schemas.microsoft.com/office/2006/metadata/properties" xmlns:xsi="http://www.w3.org/2001/XMLSchema-instance" xmlns:pc="http://schemas.microsoft.com/office/infopath/2007/PartnerControls">
+  <documentManagement>
+    <MediaServiceKeyPoints xmlns="71af3243-3dd4-4a8d-8c0d-dd76da1f02a5" xsi:nil="true"/>
+  </documentManagement>
+</p:properties>
+</file>
+
+<file path=customXml/item2.xml><?xml version="1.0" encoding="utf-8"?>
+<?mso-contentType ?>
+<FormTemplates xmlns="http://schemas.microsoft.com/sharepoint/v3/contenttype/forms">
+  <Display>DocumentLibraryForm</Display>
+  <Edit>DocumentLibraryForm</Edit>
+  <New>DocumentLibraryForm</New>
+</FormTemplates>
+</file>
+
+<file path=customXml/item3.xml><?xml version="1.0" encoding="utf-8"?>
 <ct:contentTypeSchema xmlns:ct="http://schemas.microsoft.com/office/2006/metadata/contentType" xmlns:ma="http://schemas.microsoft.com/office/2006/metadata/properties/metaAttributes" ct:_="" ma:_="" ma:contentTypeName="Document" ma:contentTypeID="0x01010079F111ED35F8CC479449609E8A0923A6" ma:contentTypeVersion="11" ma:contentTypeDescription="Create a new document." ma:contentTypeScope="" ma:versionID="9677210f24a1be23c92c90fd886aa0aa">
   <xsd:schema xmlns:xsd="http://www.w3.org/2001/XMLSchema" xmlns:xs="http://www.w3.org/2001/XMLSchema" xmlns:p="http://schemas.microsoft.com/office/2006/metadata/properties" xmlns:ns2="71af3243-3dd4-4a8d-8c0d-dd76da1f02a5" xmlns:ns3="16c05727-aa75-4e4a-9b5f-8a80a1165891" targetNamespace="http://schemas.microsoft.com/office/2006/metadata/properties" ma:root="true" ma:fieldsID="60e05723c5c1908df1a1a4ebf11d344e" ns2:_="" ns3:_="">
     <xsd:import namespace="71af3243-3dd4-4a8d-8c0d-dd76da1f02a5"/>
@@ -26087,24 +26575,32 @@
 </ct:contentTypeSchema>
 </file>
 
-<file path=customXml/item2.xml><?xml version="1.0" encoding="utf-8"?>
-<?mso-contentType ?>
-<FormTemplates xmlns="http://schemas.microsoft.com/sharepoint/v3/contenttype/forms">
-  <Display>DocumentLibraryForm</Display>
-  <Edit>DocumentLibraryForm</Edit>
-  <New>DocumentLibraryForm</New>
-</FormTemplates>
+<file path=customXml/itemProps1.xml><?xml version="1.0" encoding="utf-8"?>
+<ds:datastoreItem xmlns:ds="http://schemas.openxmlformats.org/officeDocument/2006/customXml" ds:itemID="{788A2F88-55C5-4ED1-9541-807C65424763}">
+  <ds:schemaRefs>
+    <ds:schemaRef ds:uri="http://www.w3.org/XML/1998/namespace"/>
+    <ds:schemaRef ds:uri="http://schemas.microsoft.com/office/2006/metadata/properties"/>
+    <ds:schemaRef ds:uri="http://schemas.microsoft.com/office/2006/documentManagement/types"/>
+    <ds:schemaRef ds:uri="http://schemas.microsoft.com/office/infopath/2007/PartnerControls"/>
+    <ds:schemaRef ds:uri="http://purl.org/dc/terms/"/>
+    <ds:schemaRef ds:uri="71af3243-3dd4-4a8d-8c0d-dd76da1f02a5"/>
+    <ds:schemaRef ds:uri="16c05727-aa75-4e4a-9b5f-8a80a1165891"/>
+    <ds:schemaRef ds:uri="http://schemas.openxmlformats.org/package/2006/metadata/core-properties"/>
+    <ds:schemaRef ds:uri="http://purl.org/dc/dcmitype/"/>
+    <ds:schemaRef ds:uri="http://purl.org/dc/elements/1.1/"/>
+  </ds:schemaRefs>
+</ds:datastoreItem>
 </file>
 
-<file path=customXml/item3.xml><?xml version="1.0" encoding="utf-8"?>
-<p:properties xmlns:p="http://schemas.microsoft.com/office/2006/metadata/properties" xmlns:xsi="http://www.w3.org/2001/XMLSchema-instance" xmlns:pc="http://schemas.microsoft.com/office/infopath/2007/PartnerControls">
-  <documentManagement>
-    <MediaServiceKeyPoints xmlns="71af3243-3dd4-4a8d-8c0d-dd76da1f02a5" xsi:nil="true"/>
-  </documentManagement>
-</p:properties>
+<file path=customXml/itemProps2.xml><?xml version="1.0" encoding="utf-8"?>
+<ds:datastoreItem xmlns:ds="http://schemas.openxmlformats.org/officeDocument/2006/customXml" ds:itemID="{4F44C90D-2A62-4985-9618-3460247437B1}">
+  <ds:schemaRefs>
+    <ds:schemaRef ds:uri="http://schemas.microsoft.com/sharepoint/v3/contenttype/forms"/>
+  </ds:schemaRefs>
+</ds:datastoreItem>
 </file>
 
-<file path=customXml/itemProps1.xml><?xml version="1.0" encoding="utf-8"?>
+<file path=customXml/itemProps3.xml><?xml version="1.0" encoding="utf-8"?>
 <ds:datastoreItem xmlns:ds="http://schemas.openxmlformats.org/officeDocument/2006/customXml" ds:itemID="{B61EAB5F-88FC-4FAE-AE3C-037A3C365EB8}">
   <ds:schemaRefs>
     <ds:schemaRef ds:uri="http://schemas.microsoft.com/office/2006/metadata/contentType"/>
@@ -26121,29 +26617,4 @@
     <ds:schemaRef ds:uri="http://schemas.microsoft.com/internal/obd"/>
   </ds:schemaRefs>
 </ds:datastoreItem>
-</file>
-
-<file path=customXml/itemProps2.xml><?xml version="1.0" encoding="utf-8"?>
-<ds:datastoreItem xmlns:ds="http://schemas.openxmlformats.org/officeDocument/2006/customXml" ds:itemID="{4F44C90D-2A62-4985-9618-3460247437B1}">
-  <ds:schemaRefs>
-    <ds:schemaRef ds:uri="http://schemas.microsoft.com/sharepoint/v3/contenttype/forms"/>
-  </ds:schemaRefs>
-</ds:datastoreItem>
-</file>
-
-<file path=customXml/itemProps3.xml><?xml version="1.0" encoding="utf-8"?>
-<ds:datastoreItem xmlns:ds="http://schemas.openxmlformats.org/officeDocument/2006/customXml" ds:itemID="{788A2F88-55C5-4ED1-9541-807C65424763}">
-  <ds:schemaRefs>
-    <ds:schemaRef ds:uri="http://www.w3.org/XML/1998/namespace"/>
-    <ds:schemaRef ds:uri="http://schemas.microsoft.com/office/2006/metadata/properties"/>
-    <ds:schemaRef ds:uri="http://schemas.microsoft.com/office/2006/documentManagement/types"/>
-    <ds:schemaRef ds:uri="http://schemas.microsoft.com/office/infopath/2007/PartnerControls"/>
-    <ds:schemaRef ds:uri="http://purl.org/dc/terms/"/>
-    <ds:schemaRef ds:uri="71af3243-3dd4-4a8d-8c0d-dd76da1f02a5"/>
-    <ds:schemaRef ds:uri="16c05727-aa75-4e4a-9b5f-8a80a1165891"/>
-    <ds:schemaRef ds:uri="http://schemas.openxmlformats.org/package/2006/metadata/core-properties"/>
-    <ds:schemaRef ds:uri="http://purl.org/dc/dcmitype/"/>
-    <ds:schemaRef ds:uri="http://purl.org/dc/elements/1.1/"/>
-  </ds:schemaRefs>
-</ds:datastoreItem>
 </file>
--- a/Presentations/Ns-3_presentation_F.pptx
+++ b/Presentations/Ns-3_presentation_F.pptx
@@ -22882,7 +22882,21 @@
             </a:r>
             <a:r>
               <a:rPr lang="en-GB" dirty="0"/>
-              <a:t>a process for testing network connectivity and measuring response time by sending a UDP packet to a destination and waiting for the destination to send it back</a:t>
+              <a:t>a process for testing network connectivity and measuring response time by sending a UDP packet to a </a:t>
+            </a:r>
+            <a:r>
+              <a:rPr lang="en-GB" dirty="0">
+                <a:solidFill>
+                  <a:schemeClr val="accent1">
+                    <a:lumMod val="75000"/>
+                  </a:schemeClr>
+                </a:solidFill>
+              </a:rPr>
+              <a:t>destination</a:t>
+            </a:r>
+            <a:r>
+              <a:rPr lang="en-GB" dirty="0"/>
+              <a:t> and waiting for the destination to send it back</a:t>
             </a:r>
             <a:r>
               <a:rPr lang="el-GR" dirty="0"/>
@@ -22913,19 +22927,6 @@
               <a:buNone/>
             </a:pPr>
             <a:endParaRPr lang="el-GR" dirty="0"/>
-          </a:p>
-          <a:p>
-            <a:pPr marL="173736" lvl="1" indent="0" algn="just">
-              <a:buNone/>
-            </a:pPr>
-            <a:r>
-              <a:rPr lang="el-GR" dirty="0"/>
-              <a:t>Ως γλώσσα προγραμματισμού επιλέχθηκε η </a:t>
-            </a:r>
-            <a:r>
-              <a:rPr lang="en-US" dirty="0"/>
-              <a:t>C++.</a:t>
-            </a:r>
           </a:p>
           <a:p>
             <a:pPr marL="0" indent="0" algn="just">
@@ -23032,7 +23033,7 @@
         </p:spPr>
         <p:txBody>
           <a:bodyPr>
-            <a:normAutofit/>
+            <a:normAutofit fontScale="92500" lnSpcReduction="20000"/>
           </a:bodyPr>
           <a:lstStyle/>
           <a:p>
@@ -23043,6 +23044,12 @@
               <a:rPr lang="el-GR" sz="2000" dirty="0"/>
               <a:t>Χρησιμοποιήσαμε τα εξής εργαλεία για την υλοποίηση της άσκησης :</a:t>
             </a:r>
+            <a:endParaRPr lang="en-US" sz="2000" dirty="0"/>
+          </a:p>
+          <a:p>
+            <a:pPr marL="0" indent="0">
+              <a:buNone/>
+            </a:pPr>
             <a:br>
               <a:rPr lang="el-GR" sz="2000" dirty="0"/>
             </a:br>
@@ -23384,7 +23391,7 @@
         <p:spPr>
           <a:xfrm>
             <a:off x="653142" y="2512468"/>
-            <a:ext cx="6567466" cy="2765385"/>
+            <a:ext cx="6567466" cy="3771791"/>
           </a:xfrm>
         </p:spPr>
         <p:txBody>
@@ -23473,6 +23480,28 @@
               <a:rPr lang="el-GR" dirty="0"/>
               <a:t> που αναφέρονταν στην εργασία.</a:t>
             </a:r>
+            <a:endParaRPr lang="en-US" dirty="0"/>
+          </a:p>
+          <a:p>
+            <a:pPr algn="just">
+              <a:buFont typeface="Arial" panose="020B0604020202020204" pitchFamily="34" charset="0"/>
+              <a:buChar char="•"/>
+            </a:pPr>
+            <a:r>
+              <a:rPr lang="el-GR" dirty="0"/>
+              <a:t>Ως γλώσσα προγραμματισμού επιλέχθηκε η </a:t>
+            </a:r>
+            <a:r>
+              <a:rPr lang="en-US" dirty="0"/>
+              <a:t>C++.</a:t>
+            </a:r>
+          </a:p>
+          <a:p>
+            <a:pPr algn="just">
+              <a:buFont typeface="Arial" panose="020B0604020202020204" pitchFamily="34" charset="0"/>
+              <a:buChar char="•"/>
+            </a:pPr>
+            <a:endParaRPr lang="el-GR" dirty="0"/>
           </a:p>
           <a:p>
             <a:pPr marL="0" indent="0" algn="just">
@@ -23651,8 +23680,18 @@
               <a:buNone/>
             </a:pPr>
             <a:r>
+              <a:rPr lang="en-US" sz="2000" dirty="0">
+                <a:solidFill>
+                  <a:schemeClr val="accent1">
+                    <a:lumMod val="75000"/>
+                  </a:schemeClr>
+                </a:solidFill>
+              </a:rPr>
+              <a:t>1</a:t>
+            </a:r>
+            <a:r>
               <a:rPr lang="en-US" sz="2000" dirty="0"/>
-              <a:t>1.</a:t>
+              <a:t>.</a:t>
             </a:r>
             <a:r>
               <a:rPr lang="el-GR" sz="2000" dirty="0"/>
@@ -23668,8 +23707,18 @@
               <a:buNone/>
             </a:pPr>
             <a:r>
+              <a:rPr lang="en-US" sz="2000" dirty="0">
+                <a:solidFill>
+                  <a:schemeClr val="accent1">
+                    <a:lumMod val="75000"/>
+                  </a:schemeClr>
+                </a:solidFill>
+              </a:rPr>
+              <a:t>2</a:t>
+            </a:r>
+            <a:r>
               <a:rPr lang="en-US" sz="2000" dirty="0"/>
-              <a:t>2.</a:t>
+              <a:t>.</a:t>
             </a:r>
             <a:r>
               <a:rPr lang="el-GR" sz="2000" dirty="0"/>
@@ -23680,12 +23729,8 @@
               <a:t>Y</a:t>
             </a:r>
             <a:r>
-              <a:rPr lang="el-GR" sz="2000" dirty="0" err="1"/>
-              <a:t>λοποιήθηκαν</a:t>
-            </a:r>
-            <a:r>
               <a:rPr lang="el-GR" sz="2000" dirty="0"/>
-              <a:t> δύο servers UDP echo στον κόμβο 1 σε διαφορετικές θύρες με δημιουργία δύο πελατών  UDP echo στον κόμβο 0. </a:t>
+              <a:t>λοποιήθηκαν δύο servers UDP echo στον κόμβο 1 σε διαφορετικές θύρες με δημιουργία δύο πελατών  UDP echo στον κόμβο 0. </a:t>
             </a:r>
             <a:br>
               <a:rPr lang="el-GR" sz="2000" dirty="0"/>
@@ -23697,8 +23742,18 @@
               <a:buNone/>
             </a:pPr>
             <a:r>
+              <a:rPr lang="en-US" sz="2000" dirty="0">
+                <a:solidFill>
+                  <a:schemeClr val="accent1">
+                    <a:lumMod val="75000"/>
+                  </a:schemeClr>
+                </a:solidFill>
+              </a:rPr>
+              <a:t>3.</a:t>
+            </a:r>
+            <a:r>
               <a:rPr lang="en-US" sz="2000" dirty="0"/>
-              <a:t>3.T</a:t>
+              <a:t>T</a:t>
             </a:r>
             <a:r>
               <a:rPr lang="el-GR" sz="2000" dirty="0"/>
@@ -24150,9 +24205,8 @@
             </a:r>
           </a:p>
           <a:p>
-            <a:pPr>
-              <a:buFont typeface="Arial" panose="020B0604020202020204" pitchFamily="34" charset="0"/>
-              <a:buChar char="•"/>
+            <a:pPr marL="0" indent="0">
+              <a:buNone/>
             </a:pPr>
             <a:endParaRPr lang="el-GR" u="sng" dirty="0"/>
           </a:p>
@@ -24324,8 +24378,8 @@
         </p:nvSpPr>
         <p:spPr bwMode="auto">
           <a:xfrm>
-            <a:off x="921651" y="-372706"/>
-            <a:ext cx="9298113" cy="3139321"/>
+            <a:off x="921652" y="-837131"/>
+            <a:ext cx="9199500" cy="3139321"/>
           </a:xfrm>
           <a:prstGeom prst="rect">
             <a:avLst/>
@@ -24984,6 +25038,17 @@
             </a:pPr>
             <a:r>
               <a:rPr lang="el-GR" altLang="el-GR" sz="1800" dirty="0">
+                <a:solidFill>
+                  <a:schemeClr val="accent1">
+                    <a:lumMod val="75000"/>
+                  </a:schemeClr>
+                </a:solidFill>
+                <a:latin typeface="Arial" panose="020B0604020202020204" pitchFamily="34" charset="0"/>
+              </a:rPr>
+              <a:t> </a:t>
+            </a:r>
+            <a:r>
+              <a:rPr lang="el-GR" altLang="el-GR" sz="1800" dirty="0">
                 <a:latin typeface="Arial" panose="020B0604020202020204" pitchFamily="34" charset="0"/>
               </a:rPr>
               <a:t>Επιλέξαμε την δυναμική δρομολόγηση OLSR (</a:t>
@@ -25037,6 +25102,30 @@
               <a:t>).</a:t>
             </a:r>
             <a:endParaRPr lang="en-US" altLang="el-GR" sz="1800" dirty="0">
+              <a:latin typeface="Arial" panose="020B0604020202020204" pitchFamily="34" charset="0"/>
+            </a:endParaRPr>
+          </a:p>
+          <a:p>
+            <a:pPr marL="0" indent="0" eaLnBrk="0" fontAlgn="base" hangingPunct="0">
+              <a:lnSpc>
+                <a:spcPct val="100000"/>
+              </a:lnSpc>
+              <a:spcBef>
+                <a:spcPct val="0"/>
+              </a:spcBef>
+              <a:spcAft>
+                <a:spcPct val="0"/>
+              </a:spcAft>
+              <a:buClrTx/>
+              <a:buSzTx/>
+              <a:buNone/>
+            </a:pPr>
+            <a:endParaRPr lang="en-US" altLang="el-GR" sz="1800" dirty="0">
+              <a:solidFill>
+                <a:schemeClr val="accent1">
+                  <a:lumMod val="75000"/>
+                </a:schemeClr>
+              </a:solidFill>
               <a:latin typeface="Arial" panose="020B0604020202020204" pitchFamily="34" charset="0"/>
             </a:endParaRPr>
           </a:p>
@@ -25056,26 +25145,17 @@
               <a:buFont typeface="Arial" panose="020B0604020202020204" pitchFamily="34" charset="0"/>
               <a:buChar char="•"/>
             </a:pPr>
-            <a:endParaRPr lang="en-US" altLang="el-GR" sz="1800" dirty="0">
-              <a:latin typeface="Arial" panose="020B0604020202020204" pitchFamily="34" charset="0"/>
-            </a:endParaRPr>
-          </a:p>
-          <a:p>
-            <a:pPr eaLnBrk="0" fontAlgn="base" hangingPunct="0">
-              <a:lnSpc>
-                <a:spcPct val="100000"/>
-              </a:lnSpc>
-              <a:spcBef>
-                <a:spcPct val="0"/>
-              </a:spcBef>
-              <a:spcAft>
-                <a:spcPct val="0"/>
-              </a:spcAft>
-              <a:buClrTx/>
-              <a:buSzTx/>
-              <a:buFont typeface="Arial" panose="020B0604020202020204" pitchFamily="34" charset="0"/>
-              <a:buChar char="•"/>
-            </a:pPr>
+            <a:r>
+              <a:rPr lang="el-GR" altLang="el-GR" sz="1800" dirty="0">
+                <a:solidFill>
+                  <a:schemeClr val="accent1">
+                    <a:lumMod val="75000"/>
+                  </a:schemeClr>
+                </a:solidFill>
+                <a:latin typeface="Arial" panose="020B0604020202020204" pitchFamily="34" charset="0"/>
+              </a:rPr>
+              <a:t> </a:t>
+            </a:r>
             <a:r>
               <a:rPr lang="el-GR" altLang="el-GR" sz="1800" dirty="0">
                 <a:latin typeface="Arial" panose="020B0604020202020204" pitchFamily="34" charset="0"/>
@@ -25177,6 +25257,17 @@
               <a:buChar char="•"/>
             </a:pPr>
             <a:r>
+              <a:rPr lang="el-GR" altLang="el-GR" sz="1800" dirty="0">
+                <a:solidFill>
+                  <a:schemeClr val="accent1">
+                    <a:lumMod val="75000"/>
+                  </a:schemeClr>
+                </a:solidFill>
+                <a:latin typeface="Arial" panose="020B0604020202020204" pitchFamily="34" charset="0"/>
+              </a:rPr>
+              <a:t> </a:t>
+            </a:r>
+            <a:r>
               <a:rPr lang="en-US" altLang="el-GR" sz="1800" dirty="0">
                 <a:latin typeface="Arial" panose="020B0604020202020204" pitchFamily="34" charset="0"/>
               </a:rPr>
@@ -25200,6 +25291,17 @@
               <a:buChar char="•"/>
             </a:pPr>
             <a:r>
+              <a:rPr lang="el-GR" altLang="el-GR" sz="1800" dirty="0">
+                <a:solidFill>
+                  <a:schemeClr val="accent1">
+                    <a:lumMod val="75000"/>
+                  </a:schemeClr>
+                </a:solidFill>
+                <a:latin typeface="Arial" panose="020B0604020202020204" pitchFamily="34" charset="0"/>
+              </a:rPr>
+              <a:t> </a:t>
+            </a:r>
+            <a:r>
               <a:rPr lang="en-US" altLang="el-GR" sz="1800" dirty="0">
                 <a:latin typeface="Arial" panose="020B0604020202020204" pitchFamily="34" charset="0"/>
               </a:rPr>
@@ -25223,16 +25325,21 @@
               <a:buChar char="•"/>
             </a:pPr>
             <a:r>
-              <a:rPr lang="el-GR" altLang="el-GR" sz="1800" dirty="0" err="1">
+              <a:rPr lang="el-GR" altLang="el-GR" sz="1800" dirty="0">
+                <a:solidFill>
+                  <a:schemeClr val="accent1">
+                    <a:lumMod val="75000"/>
+                  </a:schemeClr>
+                </a:solidFill>
                 <a:latin typeface="Arial" panose="020B0604020202020204" pitchFamily="34" charset="0"/>
               </a:rPr>
-              <a:t>Γρηγορη</a:t>
+              <a:t> </a:t>
             </a:r>
             <a:r>
               <a:rPr lang="el-GR" altLang="el-GR" sz="1800" dirty="0">
                 <a:latin typeface="Arial" panose="020B0604020202020204" pitchFamily="34" charset="0"/>
               </a:rPr>
-              <a:t> δρομολόγηση</a:t>
+              <a:t>Γρήγορη δρομολόγηση</a:t>
             </a:r>
           </a:p>
           <a:p>
@@ -26348,23 +26455,6 @@
 </file>
 
 <file path=customXml/item1.xml><?xml version="1.0" encoding="utf-8"?>
-<p:properties xmlns:p="http://schemas.microsoft.com/office/2006/metadata/properties" xmlns:xsi="http://www.w3.org/2001/XMLSchema-instance" xmlns:pc="http://schemas.microsoft.com/office/infopath/2007/PartnerControls">
-  <documentManagement>
-    <MediaServiceKeyPoints xmlns="71af3243-3dd4-4a8d-8c0d-dd76da1f02a5" xsi:nil="true"/>
-  </documentManagement>
-</p:properties>
-</file>
-
-<file path=customXml/item2.xml><?xml version="1.0" encoding="utf-8"?>
-<?mso-contentType ?>
-<FormTemplates xmlns="http://schemas.microsoft.com/sharepoint/v3/contenttype/forms">
-  <Display>DocumentLibraryForm</Display>
-  <Edit>DocumentLibraryForm</Edit>
-  <New>DocumentLibraryForm</New>
-</FormTemplates>
-</file>
-
-<file path=customXml/item3.xml><?xml version="1.0" encoding="utf-8"?>
 <ct:contentTypeSchema xmlns:ct="http://schemas.microsoft.com/office/2006/metadata/contentType" xmlns:ma="http://schemas.microsoft.com/office/2006/metadata/properties/metaAttributes" ct:_="" ma:_="" ma:contentTypeName="Document" ma:contentTypeID="0x01010079F111ED35F8CC479449609E8A0923A6" ma:contentTypeVersion="11" ma:contentTypeDescription="Create a new document." ma:contentTypeScope="" ma:versionID="9677210f24a1be23c92c90fd886aa0aa">
   <xsd:schema xmlns:xsd="http://www.w3.org/2001/XMLSchema" xmlns:xs="http://www.w3.org/2001/XMLSchema" xmlns:p="http://schemas.microsoft.com/office/2006/metadata/properties" xmlns:ns2="71af3243-3dd4-4a8d-8c0d-dd76da1f02a5" xmlns:ns3="16c05727-aa75-4e4a-9b5f-8a80a1165891" targetNamespace="http://schemas.microsoft.com/office/2006/metadata/properties" ma:root="true" ma:fieldsID="60e05723c5c1908df1a1a4ebf11d344e" ns2:_="" ns3:_="">
     <xsd:import namespace="71af3243-3dd4-4a8d-8c0d-dd76da1f02a5"/>
@@ -26575,32 +26665,24 @@
 </ct:contentTypeSchema>
 </file>
 
-<file path=customXml/itemProps1.xml><?xml version="1.0" encoding="utf-8"?>
-<ds:datastoreItem xmlns:ds="http://schemas.openxmlformats.org/officeDocument/2006/customXml" ds:itemID="{788A2F88-55C5-4ED1-9541-807C65424763}">
-  <ds:schemaRefs>
-    <ds:schemaRef ds:uri="http://www.w3.org/XML/1998/namespace"/>
-    <ds:schemaRef ds:uri="http://schemas.microsoft.com/office/2006/metadata/properties"/>
-    <ds:schemaRef ds:uri="http://schemas.microsoft.com/office/2006/documentManagement/types"/>
-    <ds:schemaRef ds:uri="http://schemas.microsoft.com/office/infopath/2007/PartnerControls"/>
-    <ds:schemaRef ds:uri="http://purl.org/dc/terms/"/>
-    <ds:schemaRef ds:uri="71af3243-3dd4-4a8d-8c0d-dd76da1f02a5"/>
-    <ds:schemaRef ds:uri="16c05727-aa75-4e4a-9b5f-8a80a1165891"/>
-    <ds:schemaRef ds:uri="http://schemas.openxmlformats.org/package/2006/metadata/core-properties"/>
-    <ds:schemaRef ds:uri="http://purl.org/dc/dcmitype/"/>
-    <ds:schemaRef ds:uri="http://purl.org/dc/elements/1.1/"/>
-  </ds:schemaRefs>
-</ds:datastoreItem>
+<file path=customXml/item2.xml><?xml version="1.0" encoding="utf-8"?>
+<?mso-contentType ?>
+<FormTemplates xmlns="http://schemas.microsoft.com/sharepoint/v3/contenttype/forms">
+  <Display>DocumentLibraryForm</Display>
+  <Edit>DocumentLibraryForm</Edit>
+  <New>DocumentLibraryForm</New>
+</FormTemplates>
 </file>
 
-<file path=customXml/itemProps2.xml><?xml version="1.0" encoding="utf-8"?>
-<ds:datastoreItem xmlns:ds="http://schemas.openxmlformats.org/officeDocument/2006/customXml" ds:itemID="{4F44C90D-2A62-4985-9618-3460247437B1}">
-  <ds:schemaRefs>
-    <ds:schemaRef ds:uri="http://schemas.microsoft.com/sharepoint/v3/contenttype/forms"/>
-  </ds:schemaRefs>
-</ds:datastoreItem>
+<file path=customXml/item3.xml><?xml version="1.0" encoding="utf-8"?>
+<p:properties xmlns:p="http://schemas.microsoft.com/office/2006/metadata/properties" xmlns:xsi="http://www.w3.org/2001/XMLSchema-instance" xmlns:pc="http://schemas.microsoft.com/office/infopath/2007/PartnerControls">
+  <documentManagement>
+    <MediaServiceKeyPoints xmlns="71af3243-3dd4-4a8d-8c0d-dd76da1f02a5" xsi:nil="true"/>
+  </documentManagement>
+</p:properties>
 </file>
 
-<file path=customXml/itemProps3.xml><?xml version="1.0" encoding="utf-8"?>
+<file path=customXml/itemProps1.xml><?xml version="1.0" encoding="utf-8"?>
 <ds:datastoreItem xmlns:ds="http://schemas.openxmlformats.org/officeDocument/2006/customXml" ds:itemID="{B61EAB5F-88FC-4FAE-AE3C-037A3C365EB8}">
   <ds:schemaRefs>
     <ds:schemaRef ds:uri="http://schemas.microsoft.com/office/2006/metadata/contentType"/>
@@ -26617,4 +26699,29 @@
     <ds:schemaRef ds:uri="http://schemas.microsoft.com/internal/obd"/>
   </ds:schemaRefs>
 </ds:datastoreItem>
+</file>
+
+<file path=customXml/itemProps2.xml><?xml version="1.0" encoding="utf-8"?>
+<ds:datastoreItem xmlns:ds="http://schemas.openxmlformats.org/officeDocument/2006/customXml" ds:itemID="{4F44C90D-2A62-4985-9618-3460247437B1}">
+  <ds:schemaRefs>
+    <ds:schemaRef ds:uri="http://schemas.microsoft.com/sharepoint/v3/contenttype/forms"/>
+  </ds:schemaRefs>
+</ds:datastoreItem>
+</file>
+
+<file path=customXml/itemProps3.xml><?xml version="1.0" encoding="utf-8"?>
+<ds:datastoreItem xmlns:ds="http://schemas.openxmlformats.org/officeDocument/2006/customXml" ds:itemID="{788A2F88-55C5-4ED1-9541-807C65424763}">
+  <ds:schemaRefs>
+    <ds:schemaRef ds:uri="http://www.w3.org/XML/1998/namespace"/>
+    <ds:schemaRef ds:uri="http://schemas.microsoft.com/office/2006/metadata/properties"/>
+    <ds:schemaRef ds:uri="http://schemas.microsoft.com/office/2006/documentManagement/types"/>
+    <ds:schemaRef ds:uri="http://schemas.microsoft.com/office/infopath/2007/PartnerControls"/>
+    <ds:schemaRef ds:uri="http://purl.org/dc/terms/"/>
+    <ds:schemaRef ds:uri="71af3243-3dd4-4a8d-8c0d-dd76da1f02a5"/>
+    <ds:schemaRef ds:uri="16c05727-aa75-4e4a-9b5f-8a80a1165891"/>
+    <ds:schemaRef ds:uri="http://schemas.openxmlformats.org/package/2006/metadata/core-properties"/>
+    <ds:schemaRef ds:uri="http://purl.org/dc/dcmitype/"/>
+    <ds:schemaRef ds:uri="http://purl.org/dc/elements/1.1/"/>
+  </ds:schemaRefs>
+</ds:datastoreItem>
 </file>
--- a/Presentations/Ns-3_presentation_F.pptx
+++ b/Presentations/Ns-3_presentation_F.pptx
@@ -5,10 +5,10 @@
     <p:sldMasterId id="2147483648" r:id="rId4"/>
   </p:sldMasterIdLst>
   <p:notesMasterIdLst>
-    <p:notesMasterId r:id="rId18"/>
+    <p:notesMasterId r:id="rId20"/>
   </p:notesMasterIdLst>
   <p:handoutMasterIdLst>
-    <p:handoutMasterId r:id="rId19"/>
+    <p:handoutMasterId r:id="rId21"/>
   </p:handoutMasterIdLst>
   <p:sldIdLst>
     <p:sldId id="256" r:id="rId5"/>
@@ -21,9 +21,11 @@
     <p:sldId id="290" r:id="rId12"/>
     <p:sldId id="287" r:id="rId13"/>
     <p:sldId id="286" r:id="rId14"/>
-    <p:sldId id="291" r:id="rId15"/>
-    <p:sldId id="288" r:id="rId16"/>
-    <p:sldId id="281" r:id="rId17"/>
+    <p:sldId id="293" r:id="rId15"/>
+    <p:sldId id="294" r:id="rId16"/>
+    <p:sldId id="295" r:id="rId17"/>
+    <p:sldId id="288" r:id="rId18"/>
+    <p:sldId id="281" r:id="rId19"/>
   </p:sldIdLst>
   <p:sldSz cx="12192000" cy="6858000"/>
   <p:notesSz cx="6858000" cy="9144000"/>
@@ -217,7 +219,7 @@
             <a:pPr rtl="0"/>
             <a:fld id="{F0EC7D35-77BB-4867-BAC6-5C40C37B98F1}" type="datetime1">
               <a:rPr lang="el-GR" smtClean="0"/>
-              <a:t>12/11/2025</a:t>
+              <a:t>17/11/2025</a:t>
             </a:fld>
             <a:endParaRPr lang="el-GR" dirty="0"/>
           </a:p>
@@ -387,7 +389,7 @@
             <a:pPr rtl="0"/>
             <a:fld id="{707ABAE7-72BE-4378-9C66-B300388DE536}" type="datetime1">
               <a:rPr lang="el-GR" noProof="0" smtClean="0"/>
-              <a:t>12/11/2025</a:t>
+              <a:t>17/11/2025</a:t>
             </a:fld>
             <a:endParaRPr lang="el-GR" noProof="0" dirty="0"/>
           </a:p>
@@ -9625,10 +9627,9 @@
           <a:p>
             <a:pPr rtl="0"/>
             <a:r>
-              <a:rPr lang="el-GR" noProof="0"/>
+              <a:rPr lang="el-GR" noProof="0" dirty="0"/>
               <a:t>Κάντε κλικ για να επεξεργαστείτε τον υπότιτλο του υποδείγματος</a:t>
             </a:r>
-            <a:endParaRPr lang="el-GR" noProof="0" dirty="0"/>
           </a:p>
         </p:txBody>
       </p:sp>
@@ -9654,7 +9655,7 @@
             <a:pPr rtl="0"/>
             <a:fld id="{EABDBA74-E4DB-4313-95D3-B7F630EE7B7F}" type="datetime1">
               <a:rPr lang="el-GR" noProof="0" smtClean="0"/>
-              <a:t>12/11/2025</a:t>
+              <a:t>17/11/2025</a:t>
             </a:fld>
             <a:endParaRPr lang="el-GR" noProof="0" dirty="0"/>
           </a:p>
@@ -9863,7 +9864,7 @@
             <a:pPr rtl="0"/>
             <a:fld id="{D9C97E28-F60A-427B-851A-BCC048F06BC7}" type="datetime1">
               <a:rPr lang="el-GR" noProof="0" smtClean="0"/>
-              <a:t>12/11/2025</a:t>
+              <a:t>17/11/2025</a:t>
             </a:fld>
             <a:endParaRPr lang="el-GR" noProof="0" dirty="0"/>
           </a:p>
@@ -10045,7 +10046,7 @@
             <a:pPr rtl="0"/>
             <a:fld id="{4EA33EDB-81C3-4DAA-87EA-DA21D6A7FC6C}" type="datetime1">
               <a:rPr lang="el-GR" noProof="0" smtClean="0"/>
-              <a:t>12/11/2025</a:t>
+              <a:t>17/11/2025</a:t>
             </a:fld>
             <a:endParaRPr lang="el-GR" noProof="0" dirty="0"/>
           </a:p>
@@ -10252,7 +10253,7 @@
             <a:pPr rtl="0"/>
             <a:fld id="{0FE5ACA5-56F5-4208-8101-108DA68822C6}" type="datetime1">
               <a:rPr lang="el-GR" noProof="0" smtClean="0"/>
-              <a:t>12/11/2025</a:t>
+              <a:t>17/11/2025</a:t>
             </a:fld>
             <a:endParaRPr lang="el-GR" noProof="0" dirty="0"/>
           </a:p>
@@ -19166,7 +19167,7 @@
             <a:pPr rtl="0"/>
             <a:fld id="{98AAE694-814A-4F58-A8E2-AA9B6575E0B5}" type="datetime1">
               <a:rPr lang="el-GR" noProof="0" smtClean="0"/>
-              <a:t>12/11/2025</a:t>
+              <a:t>17/11/2025</a:t>
             </a:fld>
             <a:endParaRPr lang="el-GR" noProof="0" dirty="0"/>
           </a:p>
@@ -19442,7 +19443,7 @@
             <a:pPr rtl="0"/>
             <a:fld id="{98B30D4A-F623-45A5-BE49-543B4B609AF2}" type="datetime1">
               <a:rPr lang="el-GR" noProof="0" smtClean="0"/>
-              <a:t>12/11/2025</a:t>
+              <a:t>17/11/2025</a:t>
             </a:fld>
             <a:endParaRPr lang="el-GR" noProof="0" dirty="0"/>
           </a:p>
@@ -19842,7 +19843,7 @@
             <a:pPr rtl="0"/>
             <a:fld id="{06412F62-D18F-463A-9A7E-E4809AAD76E4}" type="datetime1">
               <a:rPr lang="el-GR" noProof="0" smtClean="0"/>
-              <a:t>12/11/2025</a:t>
+              <a:t>17/11/2025</a:t>
             </a:fld>
             <a:endParaRPr lang="el-GR" noProof="0" dirty="0"/>
           </a:p>
@@ -19962,7 +19963,7 @@
             <a:pPr rtl="0"/>
             <a:fld id="{D2009D47-CF8A-48CB-81B8-5988DBFADA28}" type="datetime1">
               <a:rPr lang="el-GR" noProof="0" smtClean="0"/>
-              <a:t>12/11/2025</a:t>
+              <a:t>17/11/2025</a:t>
             </a:fld>
             <a:endParaRPr lang="el-GR" noProof="0" dirty="0"/>
           </a:p>
@@ -20058,7 +20059,7 @@
             <a:pPr rtl="0"/>
             <a:fld id="{89B075A6-4B0E-489A-92E5-C2C81D969D11}" type="datetime1">
               <a:rPr lang="el-GR" noProof="0" smtClean="0"/>
-              <a:t>12/11/2025</a:t>
+              <a:t>17/11/2025</a:t>
             </a:fld>
             <a:endParaRPr lang="el-GR" noProof="0" dirty="0"/>
           </a:p>
@@ -20350,7 +20351,7 @@
             <a:pPr rtl="0"/>
             <a:fld id="{7C290451-C354-46E0-BBD8-0317D7A1384C}" type="datetime1">
               <a:rPr lang="el-GR" noProof="0" smtClean="0"/>
-              <a:t>12/11/2025</a:t>
+              <a:t>17/11/2025</a:t>
             </a:fld>
             <a:endParaRPr lang="el-GR" noProof="0" dirty="0"/>
           </a:p>
@@ -20633,7 +20634,7 @@
             <a:pPr rtl="0"/>
             <a:fld id="{05DAA40D-D363-46A0-9276-B6A4797DC9A5}" type="datetime1">
               <a:rPr lang="el-GR" noProof="0" smtClean="0"/>
-              <a:t>12/11/2025</a:t>
+              <a:t>17/11/2025</a:t>
             </a:fld>
             <a:endParaRPr lang="el-GR" noProof="0" dirty="0"/>
           </a:p>
@@ -20882,7 +20883,7 @@
           <a:p>
             <a:fld id="{F98FDC76-A1F5-4EE8-BDE3-5EFC56AAE7AD}" type="datetime1">
               <a:rPr lang="el-GR" noProof="0" smtClean="0"/>
-              <a:t>12/11/2025</a:t>
+              <a:t>17/11/2025</a:t>
             </a:fld>
             <a:endParaRPr lang="el-GR" noProof="0" dirty="0"/>
           </a:p>
@@ -21481,7 +21482,7 @@
         </p:blipFill>
         <p:spPr>
           <a:xfrm>
-            <a:off x="20" y="975"/>
+            <a:off x="-60366" y="0"/>
             <a:ext cx="12191980" cy="6858000"/>
           </a:xfrm>
           <a:prstGeom prst="rect">
@@ -21823,17 +21824,20 @@
               <a:rPr lang="el-GR" dirty="0"/>
               <a:t>και </a:t>
             </a:r>
+            <a:br>
+              <a:rPr lang="el-GR" dirty="0"/>
+            </a:br>
+            <a:r>
+              <a:rPr lang="fr-FR" b="1" dirty="0"/>
+              <a:t>double</a:t>
+            </a:r>
             <a:r>
               <a:rPr lang="fr-FR" dirty="0"/>
-              <a:t>double </a:t>
-            </a:r>
-            <a:r>
-              <a:rPr lang="fr-FR" b="1" dirty="0" err="1"/>
-              <a:t>failDownAt</a:t>
+              <a:t> </a:t>
             </a:r>
             <a:r>
               <a:rPr lang="fr-FR" b="1" dirty="0"/>
-              <a:t> = 2.0</a:t>
+              <a:t>failDownAt = 2.0</a:t>
             </a:r>
             <a:r>
               <a:rPr lang="fr-FR" dirty="0"/>
@@ -21845,15 +21849,7 @@
             </a:r>
             <a:r>
               <a:rPr lang="fr-FR" b="1" dirty="0"/>
-              <a:t>double </a:t>
-            </a:r>
-            <a:r>
-              <a:rPr lang="fr-FR" b="1" dirty="0" err="1"/>
-              <a:t>failUpAt</a:t>
-            </a:r>
-            <a:r>
-              <a:rPr lang="fr-FR" b="1" dirty="0"/>
-              <a:t>   = 3.0</a:t>
+              <a:t>double failUpAt   = 3.0</a:t>
             </a:r>
             <a:r>
               <a:rPr lang="fr-FR" dirty="0"/>
@@ -21903,6 +21899,105 @@
           </a:prstGeom>
         </p:spPr>
       </p:pic>
+      <p:sp>
+        <p:nvSpPr>
+          <p:cNvPr id="6" name="TextBox 5">
+            <a:extLst>
+              <a:ext uri="{FF2B5EF4-FFF2-40B4-BE49-F238E27FC236}">
+                <a16:creationId xmlns:a16="http://schemas.microsoft.com/office/drawing/2014/main" id="{8FFE7DF0-34E2-C0A5-1E9E-80484AC29557}"/>
+              </a:ext>
+            </a:extLst>
+          </p:cNvPr>
+          <p:cNvSpPr txBox="1"/>
+          <p:nvPr/>
+        </p:nvSpPr>
+        <p:spPr>
+          <a:xfrm>
+            <a:off x="8146937" y="4480513"/>
+            <a:ext cx="3418115" cy="1477328"/>
+          </a:xfrm>
+          <a:prstGeom prst="rect">
+            <a:avLst/>
+          </a:prstGeom>
+          <a:noFill/>
+        </p:spPr>
+        <p:txBody>
+          <a:bodyPr wrap="none" rtlCol="0">
+            <a:spAutoFit/>
+          </a:bodyPr>
+          <a:lstStyle/>
+          <a:p>
+            <a:r>
+              <a:rPr lang="el-GR" b="1" dirty="0">
+                <a:solidFill>
+                  <a:srgbClr val="FF0000"/>
+                </a:solidFill>
+              </a:rPr>
+              <a:t>Λέω για εδώ να βρούμε </a:t>
+            </a:r>
+            <a:br>
+              <a:rPr lang="el-GR" b="1" dirty="0">
+                <a:solidFill>
+                  <a:srgbClr val="FF0000"/>
+                </a:solidFill>
+              </a:rPr>
+            </a:br>
+            <a:r>
+              <a:rPr lang="el-GR" b="1" dirty="0">
+                <a:solidFill>
+                  <a:srgbClr val="FF0000"/>
+                </a:solidFill>
+              </a:rPr>
+              <a:t>ένα καλύτερο παράδειγμα να </a:t>
+            </a:r>
+            <a:br>
+              <a:rPr lang="el-GR" b="1" dirty="0">
+                <a:solidFill>
+                  <a:srgbClr val="FF0000"/>
+                </a:solidFill>
+              </a:rPr>
+            </a:br>
+            <a:r>
+              <a:rPr lang="el-GR" b="1" dirty="0">
+                <a:solidFill>
+                  <a:srgbClr val="FF0000"/>
+                </a:solidFill>
+              </a:rPr>
+              <a:t>μην χάνονται πακέτα και να </a:t>
+            </a:r>
+            <a:br>
+              <a:rPr lang="el-GR" b="1" dirty="0">
+                <a:solidFill>
+                  <a:srgbClr val="FF0000"/>
+                </a:solidFill>
+              </a:rPr>
+            </a:br>
+            <a:r>
+              <a:rPr lang="el-GR" b="1" dirty="0">
+                <a:solidFill>
+                  <a:srgbClr val="FF0000"/>
+                </a:solidFill>
+              </a:rPr>
+              <a:t>τσεκάρουμε ότι όλα λειτουργούν </a:t>
+            </a:r>
+            <a:br>
+              <a:rPr lang="en-US" b="1" dirty="0">
+                <a:solidFill>
+                  <a:srgbClr val="FF0000"/>
+                </a:solidFill>
+              </a:rPr>
+            </a:br>
+            <a:r>
+              <a:rPr lang="en-US" b="1" dirty="0">
+                <a:solidFill>
+                  <a:srgbClr val="FF0000"/>
+                </a:solidFill>
+              </a:rPr>
+              <a:t>like they should be!</a:t>
+            </a:r>
+          </a:p>
+        </p:txBody>
+      </p:sp>
     </p:spTree>
     <p:extLst>
       <p:ext uri="{BB962C8B-B14F-4D97-AF65-F5344CB8AC3E}">
@@ -21924,7 +22019,13 @@
   <p:cSld>
     <p:spTree>
       <p:nvGrpSpPr>
-        <p:cNvPr id="1" name=""/>
+        <p:cNvPr id="1" name="">
+          <a:extLst>
+            <a:ext uri="{FF2B5EF4-FFF2-40B4-BE49-F238E27FC236}">
+              <a16:creationId xmlns:a16="http://schemas.microsoft.com/office/drawing/2014/main" id="{CE062AF1-DEAC-ACCB-2EB0-FFEC8680A5E0}"/>
+            </a:ext>
+          </a:extLst>
+        </p:cNvPr>
         <p:cNvGrpSpPr/>
         <p:nvPr/>
       </p:nvGrpSpPr>
@@ -21941,7 +22042,7 @@
           <p:cNvPr id="2" name="Τίτλος 1">
             <a:extLst>
               <a:ext uri="{FF2B5EF4-FFF2-40B4-BE49-F238E27FC236}">
-                <a16:creationId xmlns:a16="http://schemas.microsoft.com/office/drawing/2014/main" id="{54AC1203-DE96-4B6F-8CA4-2F60F7F5C9A0}"/>
+                <a16:creationId xmlns:a16="http://schemas.microsoft.com/office/drawing/2014/main" id="{37D6E0E0-263A-1B94-E1DA-4278AC92A448}"/>
               </a:ext>
             </a:extLst>
           </p:cNvPr>
@@ -21975,7 +22076,7 @@
           <p:cNvPr id="3" name="Θέση περιεχομένου 2">
             <a:extLst>
               <a:ext uri="{FF2B5EF4-FFF2-40B4-BE49-F238E27FC236}">
-                <a16:creationId xmlns:a16="http://schemas.microsoft.com/office/drawing/2014/main" id="{5ACBCB00-2F20-4477-BDCC-021A102AB6C3}"/>
+                <a16:creationId xmlns:a16="http://schemas.microsoft.com/office/drawing/2014/main" id="{C7D1A746-4021-C534-26B8-E34D2DC5FBAB}"/>
               </a:ext>
             </a:extLst>
           </p:cNvPr>
@@ -22011,56 +22112,51 @@
               <a:t>2</a:t>
             </a:r>
             <a:r>
-              <a:rPr lang="en-US" dirty="0" err="1"/>
-              <a:t>ms</a:t>
+              <a:rPr lang="en-US" dirty="0"/>
+              <a:t>ms </a:t>
+            </a:r>
+            <a:r>
+              <a:rPr lang="el-GR" dirty="0"/>
+              <a:t>στα  </a:t>
+            </a:r>
+            <a:r>
+              <a:rPr lang="en-US" dirty="0"/>
+              <a:t>node devices 0-1 </a:t>
+            </a:r>
+            <a:r>
+              <a:rPr lang="el-GR" dirty="0"/>
+              <a:t>και </a:t>
+            </a:r>
+            <a:br>
+              <a:rPr lang="el-GR" dirty="0"/>
+            </a:br>
+            <a:r>
+              <a:rPr lang="en-US" b="1" dirty="0"/>
+              <a:t>double failDownAt = </a:t>
+            </a:r>
+            <a:r>
+              <a:rPr lang="el-GR" b="1" dirty="0"/>
+              <a:t>8</a:t>
+            </a:r>
+            <a:r>
+              <a:rPr lang="en-US" b="1" dirty="0"/>
+              <a:t>.0; double</a:t>
             </a:r>
             <a:r>
               <a:rPr lang="en-US" dirty="0"/>
               <a:t> </a:t>
             </a:r>
             <a:r>
-              <a:rPr lang="el-GR" dirty="0"/>
-              <a:t>στα  </a:t>
-            </a:r>
-            <a:r>
-              <a:rPr lang="en-US" dirty="0"/>
-              <a:t>node devices 0-1 </a:t>
-            </a:r>
-            <a:r>
-              <a:rPr lang="el-GR" dirty="0"/>
-              <a:t>και </a:t>
-            </a:r>
-            <a:r>
               <a:rPr lang="en-US" b="1" dirty="0"/>
-              <a:t>double </a:t>
-            </a:r>
-            <a:r>
-              <a:rPr lang="en-US" b="1" dirty="0" err="1"/>
-              <a:t>failDownAt</a:t>
+              <a:t>failUpAt</a:t>
+            </a:r>
+            <a:r>
+              <a:rPr lang="el-GR" b="1" dirty="0"/>
+              <a:t> </a:t>
             </a:r>
             <a:r>
               <a:rPr lang="en-US" b="1" dirty="0"/>
-              <a:t> = </a:t>
-            </a:r>
-            <a:r>
-              <a:rPr lang="el-GR" b="1" dirty="0"/>
-              <a:t>8</a:t>
-            </a:r>
-            <a:r>
-              <a:rPr lang="en-US" b="1" dirty="0"/>
-              <a:t>.0; </a:t>
-            </a:r>
-            <a:r>
-              <a:rPr lang="en-US" dirty="0"/>
-              <a:t>double </a:t>
-            </a:r>
-            <a:r>
-              <a:rPr lang="en-US" b="1" dirty="0" err="1"/>
-              <a:t>failUpAt</a:t>
-            </a:r>
-            <a:r>
-              <a:rPr lang="en-US" b="1" dirty="0"/>
-              <a:t>   = </a:t>
+              <a:t>= </a:t>
             </a:r>
             <a:r>
               <a:rPr lang="el-GR" b="1" dirty="0"/>
@@ -22085,7 +22181,7 @@
           <p:cNvPr id="5" name="Θέση περιεχομένου 4">
             <a:extLst>
               <a:ext uri="{FF2B5EF4-FFF2-40B4-BE49-F238E27FC236}">
-                <a16:creationId xmlns:a16="http://schemas.microsoft.com/office/drawing/2014/main" id="{ACDCA8BA-760A-4DEE-AA1B-0DC480EDDCAC}"/>
+                <a16:creationId xmlns:a16="http://schemas.microsoft.com/office/drawing/2014/main" id="{D11F0DD8-4464-A6B8-A74D-0875BF51EA6A}"/>
               </a:ext>
             </a:extLst>
           </p:cNvPr>
@@ -22117,7 +22213,7 @@
           <p:cNvPr id="6" name="Ορθογώνιο 5">
             <a:extLst>
               <a:ext uri="{FF2B5EF4-FFF2-40B4-BE49-F238E27FC236}">
-                <a16:creationId xmlns:a16="http://schemas.microsoft.com/office/drawing/2014/main" id="{5368E1DB-74DB-4CCE-94F2-53719AEDB8D7}"/>
+                <a16:creationId xmlns:a16="http://schemas.microsoft.com/office/drawing/2014/main" id="{DF5E7B91-521C-840F-200F-34F250DCA13C}"/>
               </a:ext>
             </a:extLst>
           </p:cNvPr>
@@ -22127,7 +22223,7 @@
         <p:spPr>
           <a:xfrm>
             <a:off x="7099738" y="3849839"/>
-            <a:ext cx="4259317" cy="1200329"/>
+            <a:ext cx="4259317" cy="2031325"/>
           </a:xfrm>
           <a:prstGeom prst="rect">
             <a:avLst/>
@@ -22150,15 +22246,87 @@
             </a:r>
             <a:r>
               <a:rPr lang="el-GR" dirty="0"/>
-              <a:t>50% επειδή κάποια πακέτα χάνονται ενώ άλλα έχουν ήδη αρχίσει να δρομολογούνται μέσω της νέας διαδρομής.</a:t>
-            </a:r>
+              <a:t>50% επειδή κάποια πακέτα χάνονται ενώ άλλα έχουν ήδη αρχίσει να δρομολογούνται μέσω της νέας διαδρομής</a:t>
+            </a:r>
+            <a:r>
+              <a:rPr lang="en-US" dirty="0"/>
+              <a:t> </a:t>
+            </a:r>
+            <a:r>
+              <a:rPr lang="el-GR" dirty="0"/>
+              <a:t>.</a:t>
+            </a:r>
+            <a:r>
+              <a:rPr lang="en-US" dirty="0"/>
+              <a:t> </a:t>
+            </a:r>
+            <a:r>
+              <a:rPr lang="en-US" dirty="0">
+                <a:solidFill>
+                  <a:srgbClr val="FF0000"/>
+                </a:solidFill>
+              </a:rPr>
+              <a:t>(</a:t>
+            </a:r>
+            <a:r>
+              <a:rPr lang="el-GR" b="1" dirty="0">
+                <a:solidFill>
+                  <a:srgbClr val="FF0000"/>
+                </a:solidFill>
+              </a:rPr>
+              <a:t>Αυτό ισχύει και για το 2 </a:t>
+            </a:r>
+            <a:r>
+              <a:rPr lang="en-US" b="1" dirty="0">
+                <a:solidFill>
+                  <a:srgbClr val="FF0000"/>
+                </a:solidFill>
+              </a:rPr>
+              <a:t>screenshot! we’ll talk!)</a:t>
+            </a:r>
+            <a:br>
+              <a:rPr lang="en-US" b="1" dirty="0">
+                <a:solidFill>
+                  <a:srgbClr val="FF0000"/>
+                </a:solidFill>
+              </a:rPr>
+            </a:br>
+            <a:r>
+              <a:rPr lang="el-GR" b="1" dirty="0">
+                <a:solidFill>
+                  <a:srgbClr val="FF0000"/>
+                </a:solidFill>
+              </a:rPr>
+              <a:t>να σταθούμε πιο πολύ στην σημασία της αλλαγής του </a:t>
+            </a:r>
+            <a:r>
+              <a:rPr lang="en-US" b="1" dirty="0">
+                <a:solidFill>
+                  <a:srgbClr val="FF0000"/>
+                </a:solidFill>
+              </a:rPr>
+              <a:t>delay </a:t>
+            </a:r>
+            <a:r>
+              <a:rPr lang="el-GR" b="1" dirty="0">
+                <a:solidFill>
+                  <a:srgbClr val="FF0000"/>
+                </a:solidFill>
+              </a:rPr>
+              <a:t>λέω εγώ.</a:t>
+            </a:r>
+            <a:endParaRPr lang="el-GR" dirty="0">
+              <a:solidFill>
+                <a:srgbClr val="FF0000"/>
+              </a:solidFill>
+            </a:endParaRPr>
           </a:p>
         </p:txBody>
       </p:sp>
     </p:spTree>
     <p:extLst>
       <p:ext uri="{BB962C8B-B14F-4D97-AF65-F5344CB8AC3E}">
-        <p14:creationId xmlns:p14="http://schemas.microsoft.com/office/powerpoint/2010/main" val="3980910133"/>
+        <p14:creationId xmlns:p14="http://schemas.microsoft.com/office/powerpoint/2010/main" val="813760690"/>
       </p:ext>
     </p:extLst>
   </p:cSld>
@@ -22172,6 +22340,340 @@
 </file>
 
 <file path=ppt/slides/slide12.xml><?xml version="1.0" encoding="utf-8"?>
+<p:sld xmlns:a="http://schemas.openxmlformats.org/drawingml/2006/main" xmlns:r="http://schemas.openxmlformats.org/officeDocument/2006/relationships" xmlns:p="http://schemas.openxmlformats.org/presentationml/2006/main">
+  <p:cSld>
+    <p:spTree>
+      <p:nvGrpSpPr>
+        <p:cNvPr id="1" name="">
+          <a:extLst>
+            <a:ext uri="{FF2B5EF4-FFF2-40B4-BE49-F238E27FC236}">
+              <a16:creationId xmlns:a16="http://schemas.microsoft.com/office/drawing/2014/main" id="{65223E0F-817A-A7CC-B5F5-03219ED59237}"/>
+            </a:ext>
+          </a:extLst>
+        </p:cNvPr>
+        <p:cNvGrpSpPr/>
+        <p:nvPr/>
+      </p:nvGrpSpPr>
+      <p:grpSpPr>
+        <a:xfrm>
+          <a:off x="0" y="0"/>
+          <a:ext cx="0" cy="0"/>
+          <a:chOff x="0" y="0"/>
+          <a:chExt cx="0" cy="0"/>
+        </a:xfrm>
+      </p:grpSpPr>
+      <p:sp>
+        <p:nvSpPr>
+          <p:cNvPr id="2" name="Τίτλος 1">
+            <a:extLst>
+              <a:ext uri="{FF2B5EF4-FFF2-40B4-BE49-F238E27FC236}">
+                <a16:creationId xmlns:a16="http://schemas.microsoft.com/office/drawing/2014/main" id="{B67C5853-3793-1138-66EF-657A081F2D3D}"/>
+              </a:ext>
+            </a:extLst>
+          </p:cNvPr>
+          <p:cNvSpPr>
+            <a:spLocks noGrp="1"/>
+          </p:cNvSpPr>
+          <p:nvPr>
+            <p:ph type="title"/>
+          </p:nvPr>
+        </p:nvSpPr>
+        <p:spPr>
+          <a:xfrm>
+            <a:off x="817940" y="585741"/>
+            <a:ext cx="11167872" cy="1499616"/>
+          </a:xfrm>
+        </p:spPr>
+        <p:txBody>
+          <a:bodyPr/>
+          <a:lstStyle/>
+          <a:p>
+            <a:r>
+              <a:rPr lang="el-GR" b="1" dirty="0"/>
+              <a:t>ΑΠΟΤΕΛΕΣΜΑΤΑ ΤΟΥ ΕΡΩΤΗΜΑΤΟΣ 2(</a:t>
+            </a:r>
+            <a:r>
+              <a:rPr lang="en-US" b="1" dirty="0"/>
+              <a:t>3</a:t>
+            </a:r>
+            <a:r>
+              <a:rPr lang="el-GR" b="1" dirty="0"/>
+              <a:t>)</a:t>
+            </a:r>
+            <a:endParaRPr lang="el-GR" dirty="0"/>
+          </a:p>
+        </p:txBody>
+      </p:sp>
+      <p:sp>
+        <p:nvSpPr>
+          <p:cNvPr id="3" name="Θέση περιεχομένου 2">
+            <a:extLst>
+              <a:ext uri="{FF2B5EF4-FFF2-40B4-BE49-F238E27FC236}">
+                <a16:creationId xmlns:a16="http://schemas.microsoft.com/office/drawing/2014/main" id="{5F60EA03-548E-9D94-5308-C8578BD8D5F5}"/>
+              </a:ext>
+            </a:extLst>
+          </p:cNvPr>
+          <p:cNvSpPr>
+            <a:spLocks noGrp="1"/>
+          </p:cNvSpPr>
+          <p:nvPr>
+            <p:ph sz="half" idx="1"/>
+          </p:nvPr>
+        </p:nvSpPr>
+        <p:spPr>
+          <a:xfrm>
+            <a:off x="1024126" y="2286000"/>
+            <a:ext cx="9050039" cy="961697"/>
+          </a:xfrm>
+        </p:spPr>
+        <p:txBody>
+          <a:bodyPr>
+            <a:normAutofit/>
+          </a:bodyPr>
+          <a:lstStyle/>
+          <a:p>
+            <a:r>
+              <a:rPr lang="el-GR" dirty="0"/>
+              <a:t>Χρήση του </a:t>
+            </a:r>
+            <a:r>
+              <a:rPr lang="en-US" dirty="0"/>
+              <a:t>warm-up phase!</a:t>
+            </a:r>
+            <a:endParaRPr lang="el-GR" dirty="0"/>
+          </a:p>
+          <a:p>
+            <a:endParaRPr lang="en-US" dirty="0"/>
+          </a:p>
+        </p:txBody>
+      </p:sp>
+      <p:sp>
+        <p:nvSpPr>
+          <p:cNvPr id="4" name="TextBox 3">
+            <a:extLst>
+              <a:ext uri="{FF2B5EF4-FFF2-40B4-BE49-F238E27FC236}">
+                <a16:creationId xmlns:a16="http://schemas.microsoft.com/office/drawing/2014/main" id="{A9C8366C-622C-7125-D484-05F4642D4D20}"/>
+              </a:ext>
+            </a:extLst>
+          </p:cNvPr>
+          <p:cNvSpPr txBox="1"/>
+          <p:nvPr/>
+        </p:nvSpPr>
+        <p:spPr>
+          <a:xfrm>
+            <a:off x="3288494" y="4244195"/>
+            <a:ext cx="5615013" cy="1446550"/>
+          </a:xfrm>
+          <a:prstGeom prst="rect">
+            <a:avLst/>
+          </a:prstGeom>
+          <a:noFill/>
+        </p:spPr>
+        <p:txBody>
+          <a:bodyPr wrap="square" rtlCol="0">
+            <a:spAutoFit/>
+          </a:bodyPr>
+          <a:lstStyle/>
+          <a:p>
+            <a:r>
+              <a:rPr lang="en-US" sz="4400" dirty="0"/>
+              <a:t>Screen shot for showing what we have done</a:t>
+            </a:r>
+            <a:r>
+              <a:rPr lang="en-US" dirty="0"/>
+              <a:t>!</a:t>
+            </a:r>
+          </a:p>
+        </p:txBody>
+      </p:sp>
+    </p:spTree>
+    <p:extLst>
+      <p:ext uri="{BB962C8B-B14F-4D97-AF65-F5344CB8AC3E}">
+        <p14:creationId xmlns:p14="http://schemas.microsoft.com/office/powerpoint/2010/main" val="1863986776"/>
+      </p:ext>
+    </p:extLst>
+  </p:cSld>
+  <p:clrMapOvr>
+    <a:masterClrMapping/>
+  </p:clrMapOvr>
+  <p:transition spd="slow">
+    <p:push dir="u"/>
+  </p:transition>
+</p:sld>
+</file>
+
+<file path=ppt/slides/slide13.xml><?xml version="1.0" encoding="utf-8"?>
+<p:sld xmlns:a="http://schemas.openxmlformats.org/drawingml/2006/main" xmlns:r="http://schemas.openxmlformats.org/officeDocument/2006/relationships" xmlns:p="http://schemas.openxmlformats.org/presentationml/2006/main">
+  <p:cSld>
+    <p:spTree>
+      <p:nvGrpSpPr>
+        <p:cNvPr id="1" name="">
+          <a:extLst>
+            <a:ext uri="{FF2B5EF4-FFF2-40B4-BE49-F238E27FC236}">
+              <a16:creationId xmlns:a16="http://schemas.microsoft.com/office/drawing/2014/main" id="{6B565791-9F55-09CB-C866-3B1699FE22E2}"/>
+            </a:ext>
+          </a:extLst>
+        </p:cNvPr>
+        <p:cNvGrpSpPr/>
+        <p:nvPr/>
+      </p:nvGrpSpPr>
+      <p:grpSpPr>
+        <a:xfrm>
+          <a:off x="0" y="0"/>
+          <a:ext cx="0" cy="0"/>
+          <a:chOff x="0" y="0"/>
+          <a:chExt cx="0" cy="0"/>
+        </a:xfrm>
+      </p:grpSpPr>
+      <p:sp>
+        <p:nvSpPr>
+          <p:cNvPr id="2" name="Τίτλος 1">
+            <a:extLst>
+              <a:ext uri="{FF2B5EF4-FFF2-40B4-BE49-F238E27FC236}">
+                <a16:creationId xmlns:a16="http://schemas.microsoft.com/office/drawing/2014/main" id="{FC7F9E96-BEAE-B353-9BEE-889629395330}"/>
+              </a:ext>
+            </a:extLst>
+          </p:cNvPr>
+          <p:cNvSpPr>
+            <a:spLocks noGrp="1"/>
+          </p:cNvSpPr>
+          <p:nvPr>
+            <p:ph type="title"/>
+          </p:nvPr>
+        </p:nvSpPr>
+        <p:spPr>
+          <a:xfrm>
+            <a:off x="817940" y="585741"/>
+            <a:ext cx="11167872" cy="1499616"/>
+          </a:xfrm>
+        </p:spPr>
+        <p:txBody>
+          <a:bodyPr/>
+          <a:lstStyle/>
+          <a:p>
+            <a:r>
+              <a:rPr lang="el-GR" b="1" dirty="0"/>
+              <a:t>ΑΠΟΤΕΛΕΣΜΑΤΑ ΤΟΥ ΕΡΩΤΗΜΑΤΟΣ 2(</a:t>
+            </a:r>
+            <a:r>
+              <a:rPr lang="en-US" b="1" dirty="0"/>
+              <a:t>4</a:t>
+            </a:r>
+            <a:r>
+              <a:rPr lang="el-GR" b="1" dirty="0"/>
+              <a:t>)</a:t>
+            </a:r>
+            <a:endParaRPr lang="el-GR" dirty="0"/>
+          </a:p>
+        </p:txBody>
+      </p:sp>
+      <p:sp>
+        <p:nvSpPr>
+          <p:cNvPr id="3" name="Θέση περιεχομένου 2">
+            <a:extLst>
+              <a:ext uri="{FF2B5EF4-FFF2-40B4-BE49-F238E27FC236}">
+                <a16:creationId xmlns:a16="http://schemas.microsoft.com/office/drawing/2014/main" id="{08114C50-3F0F-9504-F66D-9FAB2B708481}"/>
+              </a:ext>
+            </a:extLst>
+          </p:cNvPr>
+          <p:cNvSpPr>
+            <a:spLocks noGrp="1"/>
+          </p:cNvSpPr>
+          <p:nvPr>
+            <p:ph sz="half" idx="1"/>
+          </p:nvPr>
+        </p:nvSpPr>
+        <p:spPr>
+          <a:xfrm>
+            <a:off x="1024126" y="2286000"/>
+            <a:ext cx="9050039" cy="961697"/>
+          </a:xfrm>
+        </p:spPr>
+        <p:txBody>
+          <a:bodyPr>
+            <a:normAutofit/>
+          </a:bodyPr>
+          <a:lstStyle/>
+          <a:p>
+            <a:r>
+              <a:rPr lang="el-GR" dirty="0"/>
+              <a:t>Χρήση του </a:t>
+            </a:r>
+            <a:r>
+              <a:rPr lang="en-US" dirty="0"/>
+              <a:t>warm-up phase! </a:t>
+            </a:r>
+            <a:r>
+              <a:rPr lang="el-GR" dirty="0"/>
+              <a:t>Σε κάποιο άλλο </a:t>
+            </a:r>
+            <a:r>
+              <a:rPr lang="en-US" dirty="0"/>
+              <a:t>Instance!</a:t>
+            </a:r>
+            <a:endParaRPr lang="el-GR" dirty="0"/>
+          </a:p>
+          <a:p>
+            <a:endParaRPr lang="en-US" dirty="0"/>
+          </a:p>
+        </p:txBody>
+      </p:sp>
+      <p:sp>
+        <p:nvSpPr>
+          <p:cNvPr id="4" name="TextBox 3">
+            <a:extLst>
+              <a:ext uri="{FF2B5EF4-FFF2-40B4-BE49-F238E27FC236}">
+                <a16:creationId xmlns:a16="http://schemas.microsoft.com/office/drawing/2014/main" id="{E3F7718D-C5F6-1E2D-1546-669E78D251C3}"/>
+              </a:ext>
+            </a:extLst>
+          </p:cNvPr>
+          <p:cNvSpPr txBox="1"/>
+          <p:nvPr/>
+        </p:nvSpPr>
+        <p:spPr>
+          <a:xfrm>
+            <a:off x="3288494" y="4244195"/>
+            <a:ext cx="5615013" cy="1446550"/>
+          </a:xfrm>
+          <a:prstGeom prst="rect">
+            <a:avLst/>
+          </a:prstGeom>
+          <a:noFill/>
+        </p:spPr>
+        <p:txBody>
+          <a:bodyPr wrap="square" rtlCol="0">
+            <a:spAutoFit/>
+          </a:bodyPr>
+          <a:lstStyle/>
+          <a:p>
+            <a:r>
+              <a:rPr lang="en-US" sz="4400" dirty="0"/>
+              <a:t>Screen shot for showing what we have done</a:t>
+            </a:r>
+            <a:r>
+              <a:rPr lang="en-US" dirty="0"/>
+              <a:t>!</a:t>
+            </a:r>
+          </a:p>
+        </p:txBody>
+      </p:sp>
+    </p:spTree>
+    <p:extLst>
+      <p:ext uri="{BB962C8B-B14F-4D97-AF65-F5344CB8AC3E}">
+        <p14:creationId xmlns:p14="http://schemas.microsoft.com/office/powerpoint/2010/main" val="3464990915"/>
+      </p:ext>
+    </p:extLst>
+  </p:cSld>
+  <p:clrMapOvr>
+    <a:masterClrMapping/>
+  </p:clrMapOvr>
+  <p:transition spd="slow">
+    <p:push dir="u"/>
+  </p:transition>
+</p:sld>
+</file>
+
+<file path=ppt/slides/slide14.xml><?xml version="1.0" encoding="utf-8"?>
 <p:sld xmlns:a="http://schemas.openxmlformats.org/drawingml/2006/main" xmlns:r="http://schemas.openxmlformats.org/officeDocument/2006/relationships" xmlns:p="http://schemas.openxmlformats.org/presentationml/2006/main">
   <p:cSld>
     <p:spTree>
@@ -22204,14 +22706,21 @@
             <p:ph type="title"/>
           </p:nvPr>
         </p:nvSpPr>
-        <p:spPr/>
+        <p:spPr>
+          <a:xfrm>
+            <a:off x="1024128" y="471509"/>
+            <a:ext cx="4389120" cy="1737360"/>
+          </a:xfrm>
+        </p:spPr>
         <p:txBody>
-          <a:bodyPr/>
+          <a:bodyPr anchor="ctr">
+            <a:normAutofit/>
+          </a:bodyPr>
           <a:lstStyle/>
           <a:p>
             <a:r>
-              <a:rPr lang="en-US" b="1" dirty="0" err="1"/>
-              <a:t>Github</a:t>
+              <a:rPr lang="en-US" b="1" dirty="0"/>
+              <a:t>GitHub</a:t>
             </a:r>
             <a:r>
               <a:rPr lang="el-GR" b="1" dirty="0"/>
@@ -22225,6 +22734,37 @@
           </a:p>
         </p:txBody>
       </p:sp>
+      <p:pic>
+        <p:nvPicPr>
+          <p:cNvPr id="5" name="Picture 4" descr="A screenshot of a computer&#10;&#10;AI-generated content may be incorrect.">
+            <a:extLst>
+              <a:ext uri="{FF2B5EF4-FFF2-40B4-BE49-F238E27FC236}">
+                <a16:creationId xmlns:a16="http://schemas.microsoft.com/office/drawing/2014/main" id="{D76E9FFE-28CA-03E3-8840-E040B5431687}"/>
+              </a:ext>
+            </a:extLst>
+          </p:cNvPr>
+          <p:cNvPicPr>
+            <a:picLocks noChangeAspect="1"/>
+          </p:cNvPicPr>
+          <p:nvPr/>
+        </p:nvPicPr>
+        <p:blipFill>
+          <a:blip r:embed="rId2"/>
+          <a:stretch>
+            <a:fillRect/>
+          </a:stretch>
+        </p:blipFill>
+        <p:spPr>
+          <a:xfrm>
+            <a:off x="5870272" y="2964119"/>
+            <a:ext cx="5678424" cy="3421249"/>
+          </a:xfrm>
+          <a:prstGeom prst="rect">
+            <a:avLst/>
+          </a:prstGeom>
+          <a:noFill/>
+        </p:spPr>
+      </p:pic>
       <p:sp>
         <p:nvSpPr>
           <p:cNvPr id="3" name="Θέση περιεχομένου 2">
@@ -22238,17 +22778,19 @@
             <a:spLocks noGrp="1"/>
           </p:cNvSpPr>
           <p:nvPr>
-            <p:ph sz="half" idx="1"/>
+            <p:ph type="body" sz="half" idx="2"/>
           </p:nvPr>
         </p:nvSpPr>
         <p:spPr>
           <a:xfrm>
-            <a:off x="1024126" y="2286000"/>
-            <a:ext cx="9861963" cy="4023360"/>
+            <a:off x="1024128" y="2257506"/>
+            <a:ext cx="4389120" cy="3762294"/>
           </a:xfrm>
         </p:spPr>
         <p:txBody>
-          <a:bodyPr/>
+          <a:bodyPr>
+            <a:normAutofit/>
+          </a:bodyPr>
           <a:lstStyle/>
           <a:p>
             <a:r>
@@ -22267,7 +22809,95 @@
               <a:rPr lang="en-US" dirty="0"/>
               <a:t>link:</a:t>
             </a:r>
-            <a:endParaRPr lang="el-GR" dirty="0"/>
+            <a:br>
+              <a:rPr lang="en-US" dirty="0"/>
+            </a:br>
+            <a:br>
+              <a:rPr lang="en-US" dirty="0"/>
+            </a:br>
+            <a:br>
+              <a:rPr lang="en-US" dirty="0"/>
+            </a:br>
+            <a:br>
+              <a:rPr lang="el-GR" dirty="0"/>
+            </a:br>
+            <a:r>
+              <a:rPr lang="en-US" b="1" dirty="0">
+                <a:solidFill>
+                  <a:srgbClr val="FF0000"/>
+                </a:solidFill>
+              </a:rPr>
+              <a:t>Na </a:t>
+            </a:r>
+            <a:r>
+              <a:rPr lang="en-US" b="1" dirty="0" err="1">
+                <a:solidFill>
+                  <a:srgbClr val="FF0000"/>
+                </a:solidFill>
+              </a:rPr>
+              <a:t>valoume</a:t>
+            </a:r>
+            <a:r>
+              <a:rPr lang="en-US" b="1" dirty="0">
+                <a:solidFill>
+                  <a:srgbClr val="FF0000"/>
+                </a:solidFill>
+              </a:rPr>
+              <a:t> se ola DONE </a:t>
+            </a:r>
+            <a:r>
+              <a:rPr lang="en-US" b="1" dirty="0" err="1">
+                <a:solidFill>
+                  <a:srgbClr val="FF0000"/>
+                </a:solidFill>
+              </a:rPr>
+              <a:t>lew</a:t>
+            </a:r>
+            <a:r>
+              <a:rPr lang="en-US" b="1" dirty="0">
+                <a:solidFill>
+                  <a:srgbClr val="FF0000"/>
+                </a:solidFill>
+              </a:rPr>
+              <a:t> </a:t>
+            </a:r>
+            <a:r>
+              <a:rPr lang="en-US" b="1" dirty="0" err="1">
+                <a:solidFill>
+                  <a:srgbClr val="FF0000"/>
+                </a:solidFill>
+              </a:rPr>
+              <a:t>egw</a:t>
+            </a:r>
+            <a:r>
+              <a:rPr lang="en-US" b="1" dirty="0">
+                <a:solidFill>
+                  <a:srgbClr val="FF0000"/>
+                </a:solidFill>
+              </a:rPr>
+              <a:t> </a:t>
+            </a:r>
+            <a:r>
+              <a:rPr lang="en-US" b="1" dirty="0" err="1">
+                <a:solidFill>
+                  <a:srgbClr val="FF0000"/>
+                </a:solidFill>
+              </a:rPr>
+              <a:t>ahhahah</a:t>
+            </a:r>
+            <a:r>
+              <a:rPr lang="en-US" b="1" dirty="0">
+                <a:solidFill>
+                  <a:srgbClr val="FF0000"/>
+                </a:solidFill>
+              </a:rPr>
+              <a:t>! =&gt;</a:t>
+            </a:r>
+            <a:endParaRPr lang="el-GR" b="1" dirty="0">
+              <a:solidFill>
+                <a:srgbClr val="FF0000"/>
+              </a:solidFill>
+            </a:endParaRPr>
           </a:p>
         </p:txBody>
       </p:sp>
@@ -22287,7 +22917,7 @@
 </p:sld>
 </file>
 
-<file path=ppt/slides/slide13.xml><?xml version="1.0" encoding="utf-8"?>
+<file path=ppt/slides/slide15.xml><?xml version="1.0" encoding="utf-8"?>
 <p:sld xmlns:a="http://schemas.openxmlformats.org/drawingml/2006/main" xmlns:r="http://schemas.openxmlformats.org/officeDocument/2006/relationships" xmlns:p="http://schemas.openxmlformats.org/presentationml/2006/main">
   <p:cSld>
     <p:spTree>
@@ -22580,43 +23210,94 @@
           <a:p>
             <a:r>
               <a:rPr lang="en-US" sz="4800" dirty="0">
-                <a:hlinkClick r:id="rId8" tooltip="https://ns3-code.com/how-to-begin-implement-network-failover-in-ns3/"/>
+                <a:solidFill>
+                  <a:schemeClr val="accent1">
+                    <a:lumMod val="75000"/>
+                  </a:schemeClr>
+                </a:solidFill>
+                <a:hlinkClick r:id="rId8" tooltip="https://ns3-code.com/how-to-begin-implement-network-failover-in-ns3/">
+                  <a:extLst>
+                    <a:ext uri="{A12FA001-AC4F-418D-AE19-62706E023703}">
+                      <ahyp:hlinkClr xmlns:ahyp="http://schemas.microsoft.com/office/drawing/2018/hyperlinkcolor" val="tx"/>
+                    </a:ext>
+                  </a:extLst>
+                </a:hlinkClick>
               </a:rPr>
               <a:t>https://ns3-code.com/how-to-begin-implement-network-failover-in-ns3/</a:t>
             </a:r>
-            <a:endParaRPr lang="en-US" sz="4800" dirty="0"/>
+            <a:endParaRPr lang="en-US" sz="4800" dirty="0">
+              <a:solidFill>
+                <a:schemeClr val="accent1">
+                  <a:lumMod val="75000"/>
+                </a:schemeClr>
+              </a:solidFill>
+            </a:endParaRPr>
           </a:p>
           <a:p>
             <a:r>
               <a:rPr lang="en-US" sz="4800" dirty="0">
-                <a:hlinkClick r:id="rId9"/>
+                <a:solidFill>
+                  <a:schemeClr val="accent1">
+                    <a:lumMod val="75000"/>
+                  </a:schemeClr>
+                </a:solidFill>
+                <a:hlinkClick r:id="rId9">
+                  <a:extLst>
+                    <a:ext uri="{A12FA001-AC4F-418D-AE19-62706E023703}">
+                      <ahyp:hlinkClr xmlns:ahyp="http://schemas.microsoft.com/office/drawing/2018/hyperlinkcolor" val="tx"/>
+                    </a:ext>
+                  </a:extLst>
+                </a:hlinkClick>
               </a:rPr>
               <a:t>https://ns3-code.com/how-to-begin-implement-dynamic-routing-in-ns3/</a:t>
             </a:r>
-            <a:endParaRPr lang="en-US" sz="4800" dirty="0"/>
+            <a:endParaRPr lang="en-US" sz="4800" dirty="0">
+              <a:solidFill>
+                <a:schemeClr val="accent1">
+                  <a:lumMod val="75000"/>
+                </a:schemeClr>
+              </a:solidFill>
+            </a:endParaRPr>
           </a:p>
           <a:p>
             <a:r>
               <a:rPr lang="el-GR" sz="4800" dirty="0">
-                <a:hlinkClick r:id="rId10" tooltip="https://networksimulationtools.com/how-to-run-netanim-in-ns3/"/>
+                <a:solidFill>
+                  <a:schemeClr val="accent1">
+                    <a:lumMod val="75000"/>
+                  </a:schemeClr>
+                </a:solidFill>
+                <a:hlinkClick r:id="rId10" tooltip="https://networksimulationtools.com/how-to-run-netanim-in-ns3/">
+                  <a:extLst>
+                    <a:ext uri="{A12FA001-AC4F-418D-AE19-62706E023703}">
+                      <ahyp:hlinkClr xmlns:ahyp="http://schemas.microsoft.com/office/drawing/2018/hyperlinkcolor" val="tx"/>
+                    </a:ext>
+                  </a:extLst>
+                </a:hlinkClick>
               </a:rPr>
               <a:t>[</a:t>
             </a:r>
             <a:r>
               <a:rPr lang="en-US" sz="4800" dirty="0">
-                <a:hlinkClick r:id="rId10" tooltip="https://networksimulationtools.com/how-to-run-netanim-in-ns3/"/>
+                <a:solidFill>
+                  <a:schemeClr val="accent1">
+                    <a:lumMod val="75000"/>
+                  </a:schemeClr>
+                </a:solidFill>
+                <a:hlinkClick r:id="rId10" tooltip="https://networksimulationtools.com/how-to-run-netanim-in-ns3/">
+                  <a:extLst>
+                    <a:ext uri="{A12FA001-AC4F-418D-AE19-62706E023703}">
+                      <ahyp:hlinkClr xmlns:ahyp="http://schemas.microsoft.com/office/drawing/2018/hyperlinkcolor" val="tx"/>
+                    </a:ext>
+                  </a:extLst>
+                </a:hlinkClick>
               </a:rPr>
               <a:t>https://networksimulationtools.com/how-to-run-netanim-in-ns3/</a:t>
             </a:r>
-            <a:r>
-              <a:rPr lang="el-GR" sz="4800" dirty="0"/>
-              <a:t>]</a:t>
-            </a:r>
             <a:endParaRPr lang="en-US" sz="4800" dirty="0">
               <a:solidFill>
-                <a:schemeClr val="tx1">
-                  <a:lumMod val="95000"/>
-                  <a:lumOff val="5000"/>
+                <a:schemeClr val="accent1">
+                  <a:lumMod val="75000"/>
                 </a:schemeClr>
               </a:solidFill>
             </a:endParaRPr>
@@ -22718,21 +23399,8 @@
           <a:p>
             <a:r>
               <a:rPr lang="el-GR" sz="4800" b="1" dirty="0"/>
-              <a:t>Το </a:t>
-            </a:r>
-            <a:r>
-              <a:rPr lang="el-GR" sz="4800" b="1" dirty="0" err="1"/>
-              <a:t>Κυριο</a:t>
-            </a:r>
-            <a:r>
-              <a:rPr lang="el-GR" sz="4800" b="1" dirty="0"/>
-              <a:t> θεμα της </a:t>
-            </a:r>
-            <a:r>
-              <a:rPr lang="el-GR" sz="4800" b="1" dirty="0" err="1"/>
-              <a:t>εργασιασ</a:t>
-            </a:r>
-            <a:endParaRPr lang="el-GR" sz="4800" b="1" dirty="0"/>
+              <a:t>Το Κυριο θεμα της εργασιασ</a:t>
+            </a:r>
           </a:p>
         </p:txBody>
       </p:sp>
@@ -23097,12 +23765,8 @@
               <a:t>και </a:t>
             </a:r>
             <a:r>
-              <a:rPr lang="en-US" sz="2000" dirty="0" err="1"/>
-              <a:t>github</a:t>
-            </a:r>
-            <a:r>
               <a:rPr lang="en-US" sz="2000" dirty="0"/>
-              <a:t> </a:t>
+              <a:t>GitHub </a:t>
             </a:r>
             <a:r>
               <a:rPr lang="el-GR" sz="2000" dirty="0"/>
@@ -23116,12 +23780,8 @@
               <a:buChar char="•"/>
             </a:pPr>
             <a:r>
-              <a:rPr lang="en-US" sz="2000" dirty="0" err="1"/>
-              <a:t>Drawi.o</a:t>
-            </a:r>
-            <a:r>
               <a:rPr lang="en-US" sz="2000" dirty="0"/>
-              <a:t> </a:t>
+              <a:t>Draw.io </a:t>
             </a:r>
             <a:r>
               <a:rPr lang="el-GR" sz="2000" dirty="0"/>
@@ -23617,20 +24277,8 @@
           <a:lstStyle/>
           <a:p>
             <a:r>
-              <a:rPr lang="el-GR" sz="4800" b="1" dirty="0" err="1"/>
-              <a:t>Δεδομενα</a:t>
-            </a:r>
-            <a:r>
               <a:rPr lang="el-GR" sz="4800" b="1" dirty="0"/>
-              <a:t> του </a:t>
-            </a:r>
-            <a:r>
-              <a:rPr lang="el-GR" sz="4800" b="1" dirty="0" err="1"/>
-              <a:t>ΕΡΩΤΗΜΑτοσ</a:t>
-            </a:r>
-            <a:r>
-              <a:rPr lang="el-GR" sz="4800" b="1" dirty="0"/>
-              <a:t> 1</a:t>
+              <a:t>Δεδομενα του ΕΡΩΤΗΜΑτοσ 1</a:t>
             </a:r>
           </a:p>
         </p:txBody>
@@ -23854,20 +24502,8 @@
           </a:lstStyle>
           <a:p>
             <a:r>
-              <a:rPr lang="el-GR" sz="4800" b="1" dirty="0" err="1"/>
-              <a:t>Υλοποιηση</a:t>
-            </a:r>
-            <a:r>
               <a:rPr lang="el-GR" sz="4800" b="1" dirty="0"/>
-              <a:t> του </a:t>
-            </a:r>
-            <a:r>
-              <a:rPr lang="el-GR" sz="4800" b="1" dirty="0" err="1"/>
-              <a:t>ερωτηματοσ</a:t>
-            </a:r>
-            <a:r>
-              <a:rPr lang="el-GR" sz="4800" b="1" dirty="0"/>
-              <a:t> 1</a:t>
+              <a:t>Υλοποιηση του ερωτηματοσ 1</a:t>
             </a:r>
             <a:br>
               <a:rPr lang="el-GR" sz="4800" dirty="0"/>
@@ -24241,6 +24877,25 @@
               <a:rPr lang="el-GR" dirty="0"/>
               <a:t>?</a:t>
             </a:r>
+            <a:br>
+              <a:rPr lang="en-US" dirty="0"/>
+            </a:br>
+            <a:br>
+              <a:rPr lang="en-US" dirty="0"/>
+            </a:br>
+            <a:r>
+              <a:rPr lang="en-US" b="1" dirty="0">
+                <a:solidFill>
+                  <a:srgbClr val="FF0000"/>
+                </a:solidFill>
+              </a:rPr>
+              <a:t>Explain yourself!</a:t>
+            </a:r>
+            <a:endParaRPr lang="el-GR" b="1" dirty="0">
+              <a:solidFill>
+                <a:srgbClr val="FF0000"/>
+              </a:solidFill>
+            </a:endParaRPr>
           </a:p>
         </p:txBody>
       </p:sp>
@@ -24338,23 +24993,7 @@
           <a:p>
             <a:r>
               <a:rPr lang="el-GR" b="1" dirty="0"/>
-              <a:t>ΔΕΔΟΜΕΝΑ </a:t>
-            </a:r>
-            <a:r>
-              <a:rPr lang="el-GR" b="1" dirty="0" err="1"/>
-              <a:t>ΤΟυ</a:t>
-            </a:r>
-            <a:r>
-              <a:rPr lang="el-GR" b="1" dirty="0"/>
-              <a:t> </a:t>
-            </a:r>
-            <a:r>
-              <a:rPr lang="el-GR" b="1" dirty="0" err="1"/>
-              <a:t>ΕΡΩΤΗΜΑτοσ</a:t>
-            </a:r>
-            <a:r>
-              <a:rPr lang="el-GR" b="1" dirty="0"/>
-              <a:t> 2</a:t>
+              <a:t>ΔΕΔΟΜΕΝΑ ΤΟυ ΕΡΩΤΗΜΑτοσ 2</a:t>
             </a:r>
             <a:endParaRPr lang="el-GR" dirty="0"/>
           </a:p>
@@ -24362,664 +25001,31 @@
       </p:sp>
       <p:sp>
         <p:nvSpPr>
-          <p:cNvPr id="4" name="Rectangle 1">
+          <p:cNvPr id="7" name="TextBox 6">
             <a:extLst>
               <a:ext uri="{FF2B5EF4-FFF2-40B4-BE49-F238E27FC236}">
-                <a16:creationId xmlns:a16="http://schemas.microsoft.com/office/drawing/2014/main" id="{D348DBDB-F5BE-4294-BA1E-2FB5A71F5C2C}"/>
+                <a16:creationId xmlns:a16="http://schemas.microsoft.com/office/drawing/2014/main" id="{BAA94425-F47D-8652-2A48-D2A9D02F106D}"/>
               </a:ext>
             </a:extLst>
           </p:cNvPr>
-          <p:cNvSpPr>
-            <a:spLocks noGrp="1" noChangeArrowheads="1"/>
-          </p:cNvSpPr>
-          <p:nvPr>
-            <p:ph idx="1"/>
-          </p:nvPr>
+          <p:cNvSpPr txBox="1"/>
+          <p:nvPr/>
         </p:nvSpPr>
-        <p:spPr bwMode="auto">
+        <p:spPr>
           <a:xfrm>
-            <a:off x="921652" y="-837131"/>
-            <a:ext cx="9199500" cy="3139321"/>
+            <a:off x="807868" y="2112885"/>
+            <a:ext cx="11097088" cy="4524315"/>
           </a:xfrm>
           <a:prstGeom prst="rect">
             <a:avLst/>
           </a:prstGeom>
           <a:noFill/>
-          <a:ln>
-            <a:noFill/>
-          </a:ln>
-          <a:effectLst/>
-          <a:extLst>
-            <a:ext uri="{909E8E84-426E-40DD-AFC4-6F175D3DCCD1}">
-              <a14:hiddenFill xmlns:a14="http://schemas.microsoft.com/office/drawing/2010/main">
-                <a:solidFill>
-                  <a:schemeClr val="accent1"/>
-                </a:solidFill>
-              </a14:hiddenFill>
-            </a:ext>
-            <a:ext uri="{91240B29-F687-4F45-9708-019B960494DF}">
-              <a14:hiddenLine xmlns:a14="http://schemas.microsoft.com/office/drawing/2010/main" w="9525">
-                <a:solidFill>
-                  <a:schemeClr val="tx1"/>
-                </a:solidFill>
-                <a:miter lim="800000"/>
-                <a:headEnd/>
-                <a:tailEnd/>
-              </a14:hiddenLine>
-            </a:ext>
-            <a:ext uri="{AF507438-7753-43E0-B8FC-AC1667EBCBE1}">
-              <a14:hiddenEffects xmlns:a14="http://schemas.microsoft.com/office/drawing/2010/main">
-                <a:effectLst>
-                  <a:outerShdw dist="35921" dir="2700000" algn="ctr" rotWithShape="0">
-                    <a:schemeClr val="bg2"/>
-                  </a:outerShdw>
-                </a:effectLst>
-              </a14:hiddenEffects>
-            </a:ext>
-          </a:extLst>
         </p:spPr>
         <p:txBody>
-          <a:bodyPr vert="horz" wrap="square" lIns="91440" tIns="45720" rIns="91440" bIns="45720" numCol="1" anchor="ctr" anchorCtr="0" compatLnSpc="1">
-            <a:prstTxWarp prst="textNoShape">
-              <a:avLst/>
-            </a:prstTxWarp>
+          <a:bodyPr wrap="square" rtlCol="0">
             <a:spAutoFit/>
           </a:bodyPr>
           <a:lstStyle/>
-          <a:p>
-            <a:pPr marL="0" marR="0" lvl="0" indent="0" algn="l" defTabSz="914400" rtl="0" eaLnBrk="0" fontAlgn="base" latinLnBrk="0" hangingPunct="0">
-              <a:lnSpc>
-                <a:spcPct val="100000"/>
-              </a:lnSpc>
-              <a:spcBef>
-                <a:spcPct val="0"/>
-              </a:spcBef>
-              <a:spcAft>
-                <a:spcPct val="0"/>
-              </a:spcAft>
-              <a:buClrTx/>
-              <a:buSzTx/>
-              <a:buNone/>
-              <a:tabLst/>
-            </a:pPr>
-            <a:endParaRPr kumimoji="0" lang="en-US" altLang="el-GR" sz="1800" b="1" i="0" u="none" strike="noStrike" cap="none" normalizeH="0" baseline="0" dirty="0">
-              <a:ln>
-                <a:noFill/>
-              </a:ln>
-              <a:solidFill>
-                <a:schemeClr val="tx1"/>
-              </a:solidFill>
-              <a:effectLst/>
-              <a:latin typeface="Arial" panose="020B0604020202020204" pitchFamily="34" charset="0"/>
-            </a:endParaRPr>
-          </a:p>
-          <a:p>
-            <a:pPr marL="0" indent="0" eaLnBrk="0" fontAlgn="base" hangingPunct="0">
-              <a:lnSpc>
-                <a:spcPct val="100000"/>
-              </a:lnSpc>
-              <a:spcBef>
-                <a:spcPct val="0"/>
-              </a:spcBef>
-              <a:spcAft>
-                <a:spcPct val="0"/>
-              </a:spcAft>
-              <a:buClrTx/>
-              <a:buSzTx/>
-              <a:buNone/>
-            </a:pPr>
-            <a:endParaRPr kumimoji="0" lang="en-US" altLang="el-GR" sz="1800" b="0" i="0" u="none" strike="noStrike" cap="none" normalizeH="0" baseline="0" dirty="0">
-              <a:ln>
-                <a:noFill/>
-              </a:ln>
-              <a:solidFill>
-                <a:schemeClr val="tx1"/>
-              </a:solidFill>
-              <a:effectLst/>
-              <a:latin typeface="Arial" panose="020B0604020202020204" pitchFamily="34" charset="0"/>
-            </a:endParaRPr>
-          </a:p>
-          <a:p>
-            <a:pPr marL="0" indent="0" eaLnBrk="0" fontAlgn="base" hangingPunct="0">
-              <a:lnSpc>
-                <a:spcPct val="100000"/>
-              </a:lnSpc>
-              <a:spcBef>
-                <a:spcPct val="0"/>
-              </a:spcBef>
-              <a:spcAft>
-                <a:spcPct val="0"/>
-              </a:spcAft>
-              <a:buClrTx/>
-              <a:buSzTx/>
-              <a:buNone/>
-            </a:pPr>
-            <a:endParaRPr lang="el-GR" altLang="el-GR" sz="1800" dirty="0">
-              <a:latin typeface="Arial" panose="020B0604020202020204" pitchFamily="34" charset="0"/>
-            </a:endParaRPr>
-          </a:p>
-          <a:p>
-            <a:pPr marL="0" marR="0" lvl="0" indent="0" algn="l" defTabSz="914400" rtl="0" eaLnBrk="0" fontAlgn="base" latinLnBrk="0" hangingPunct="0">
-              <a:lnSpc>
-                <a:spcPct val="100000"/>
-              </a:lnSpc>
-              <a:spcBef>
-                <a:spcPct val="0"/>
-              </a:spcBef>
-              <a:spcAft>
-                <a:spcPct val="0"/>
-              </a:spcAft>
-              <a:buClrTx/>
-              <a:buSzTx/>
-              <a:buNone/>
-              <a:tabLst/>
-            </a:pPr>
-            <a:endParaRPr kumimoji="0" lang="el-GR" altLang="el-GR" sz="1800" b="0" i="0" u="none" strike="noStrike" cap="none" normalizeH="0" baseline="0" dirty="0">
-              <a:ln>
-                <a:noFill/>
-              </a:ln>
-              <a:solidFill>
-                <a:schemeClr val="tx1"/>
-              </a:solidFill>
-              <a:effectLst/>
-              <a:latin typeface="Arial" panose="020B0604020202020204" pitchFamily="34" charset="0"/>
-            </a:endParaRPr>
-          </a:p>
-          <a:p>
-            <a:pPr marL="0" marR="0" lvl="0" indent="0" algn="l" defTabSz="914400" rtl="0" eaLnBrk="0" fontAlgn="base" latinLnBrk="0" hangingPunct="0">
-              <a:lnSpc>
-                <a:spcPct val="100000"/>
-              </a:lnSpc>
-              <a:spcBef>
-                <a:spcPct val="0"/>
-              </a:spcBef>
-              <a:spcAft>
-                <a:spcPct val="0"/>
-              </a:spcAft>
-              <a:buClrTx/>
-              <a:buSzTx/>
-              <a:buNone/>
-              <a:tabLst/>
-            </a:pPr>
-            <a:endParaRPr kumimoji="0" lang="en-US" altLang="el-GR" sz="1800" b="0" i="0" u="none" strike="noStrike" cap="none" normalizeH="0" baseline="0" dirty="0">
-              <a:ln>
-                <a:noFill/>
-              </a:ln>
-              <a:solidFill>
-                <a:schemeClr val="tx1"/>
-              </a:solidFill>
-              <a:effectLst/>
-              <a:latin typeface="Arial" panose="020B0604020202020204" pitchFamily="34" charset="0"/>
-            </a:endParaRPr>
-          </a:p>
-          <a:p>
-            <a:pPr marL="0" marR="0" lvl="0" indent="0" algn="l" defTabSz="914400" rtl="0" eaLnBrk="0" fontAlgn="base" latinLnBrk="0" hangingPunct="0">
-              <a:lnSpc>
-                <a:spcPct val="100000"/>
-              </a:lnSpc>
-              <a:spcBef>
-                <a:spcPct val="0"/>
-              </a:spcBef>
-              <a:spcAft>
-                <a:spcPct val="0"/>
-              </a:spcAft>
-              <a:buClrTx/>
-              <a:buSzTx/>
-              <a:buFontTx/>
-              <a:buChar char="•"/>
-              <a:tabLst/>
-            </a:pPr>
-            <a:endParaRPr lang="en-US" altLang="el-GR" sz="1800" dirty="0">
-              <a:latin typeface="Arial" panose="020B0604020202020204" pitchFamily="34" charset="0"/>
-            </a:endParaRPr>
-          </a:p>
-          <a:p>
-            <a:pPr marL="0" lvl="0" indent="0" eaLnBrk="0" fontAlgn="base" hangingPunct="0">
-              <a:lnSpc>
-                <a:spcPct val="100000"/>
-              </a:lnSpc>
-              <a:spcBef>
-                <a:spcPct val="0"/>
-              </a:spcBef>
-              <a:spcAft>
-                <a:spcPct val="0"/>
-              </a:spcAft>
-              <a:buClrTx/>
-              <a:buSzTx/>
-              <a:buFontTx/>
-              <a:buChar char="•"/>
-            </a:pPr>
-            <a:endParaRPr lang="en-US" altLang="el-GR" sz="1800" dirty="0">
-              <a:latin typeface="Arial" panose="020B0604020202020204" pitchFamily="34" charset="0"/>
-            </a:endParaRPr>
-          </a:p>
-          <a:p>
-            <a:pPr marL="0" marR="0" lvl="0" indent="0" algn="l" defTabSz="914400" rtl="0" eaLnBrk="0" fontAlgn="base" latinLnBrk="0" hangingPunct="0">
-              <a:lnSpc>
-                <a:spcPct val="100000"/>
-              </a:lnSpc>
-              <a:spcBef>
-                <a:spcPct val="0"/>
-              </a:spcBef>
-              <a:spcAft>
-                <a:spcPct val="0"/>
-              </a:spcAft>
-              <a:buClrTx/>
-              <a:buSzTx/>
-              <a:buFontTx/>
-              <a:buChar char="•"/>
-              <a:tabLst/>
-            </a:pPr>
-            <a:endParaRPr lang="en-US" altLang="el-GR" sz="1800" dirty="0">
-              <a:latin typeface="Arial" panose="020B0604020202020204" pitchFamily="34" charset="0"/>
-            </a:endParaRPr>
-          </a:p>
-          <a:p>
-            <a:pPr marL="0" marR="0" lvl="0" indent="0" algn="l" defTabSz="914400" rtl="0" eaLnBrk="0" fontAlgn="base" latinLnBrk="0" hangingPunct="0">
-              <a:lnSpc>
-                <a:spcPct val="100000"/>
-              </a:lnSpc>
-              <a:spcBef>
-                <a:spcPct val="0"/>
-              </a:spcBef>
-              <a:spcAft>
-                <a:spcPct val="0"/>
-              </a:spcAft>
-              <a:buClrTx/>
-              <a:buSzTx/>
-              <a:buNone/>
-              <a:tabLst/>
-            </a:pPr>
-            <a:endParaRPr kumimoji="0" lang="en-US" altLang="el-GR" sz="1800" b="0" i="0" u="none" strike="noStrike" cap="none" normalizeH="0" baseline="0" dirty="0">
-              <a:ln>
-                <a:noFill/>
-              </a:ln>
-              <a:solidFill>
-                <a:schemeClr val="tx1"/>
-              </a:solidFill>
-              <a:effectLst/>
-              <a:latin typeface="Arial" panose="020B0604020202020204" pitchFamily="34" charset="0"/>
-            </a:endParaRPr>
-          </a:p>
-          <a:p>
-            <a:pPr marL="0" marR="0" lvl="0" indent="0" algn="l" defTabSz="914400" rtl="0" eaLnBrk="0" fontAlgn="base" latinLnBrk="0" hangingPunct="0">
-              <a:lnSpc>
-                <a:spcPct val="100000"/>
-              </a:lnSpc>
-              <a:spcBef>
-                <a:spcPct val="0"/>
-              </a:spcBef>
-              <a:spcAft>
-                <a:spcPct val="0"/>
-              </a:spcAft>
-              <a:buClrTx/>
-              <a:buSzTx/>
-              <a:buNone/>
-              <a:tabLst/>
-            </a:pPr>
-            <a:endParaRPr kumimoji="0" lang="el-GR" altLang="el-GR" sz="1800" b="0" i="0" u="none" strike="noStrike" cap="none" normalizeH="0" baseline="0" dirty="0">
-              <a:ln>
-                <a:noFill/>
-              </a:ln>
-              <a:solidFill>
-                <a:schemeClr val="tx1"/>
-              </a:solidFill>
-              <a:effectLst/>
-              <a:latin typeface="Arial" panose="020B0604020202020204" pitchFamily="34" charset="0"/>
-            </a:endParaRPr>
-          </a:p>
-          <a:p>
-            <a:pPr marL="0" marR="0" lvl="0" indent="0" algn="l" defTabSz="914400" rtl="0" eaLnBrk="0" fontAlgn="base" latinLnBrk="0" hangingPunct="0">
-              <a:lnSpc>
-                <a:spcPct val="100000"/>
-              </a:lnSpc>
-              <a:spcBef>
-                <a:spcPct val="0"/>
-              </a:spcBef>
-              <a:spcAft>
-                <a:spcPct val="0"/>
-              </a:spcAft>
-              <a:buClrTx/>
-              <a:buSzTx/>
-              <a:buFontTx/>
-              <a:buNone/>
-              <a:tabLst/>
-            </a:pPr>
-            <a:endParaRPr kumimoji="0" lang="el-GR" altLang="el-GR" sz="1800" b="0" i="0" u="none" strike="noStrike" cap="none" normalizeH="0" baseline="0" dirty="0">
-              <a:ln>
-                <a:noFill/>
-              </a:ln>
-              <a:solidFill>
-                <a:schemeClr val="tx1"/>
-              </a:solidFill>
-              <a:effectLst/>
-              <a:latin typeface="Arial" panose="020B0604020202020204" pitchFamily="34" charset="0"/>
-            </a:endParaRPr>
-          </a:p>
-        </p:txBody>
-      </p:sp>
-      <p:sp>
-        <p:nvSpPr>
-          <p:cNvPr id="6" name="Rectangle 1">
-            <a:extLst>
-              <a:ext uri="{FF2B5EF4-FFF2-40B4-BE49-F238E27FC236}">
-                <a16:creationId xmlns:a16="http://schemas.microsoft.com/office/drawing/2014/main" id="{FC2FF6A6-1223-4495-B894-6E350D7BC4DC}"/>
-              </a:ext>
-            </a:extLst>
-          </p:cNvPr>
-          <p:cNvSpPr txBox="1">
-            <a:spLocks noChangeArrowheads="1"/>
-          </p:cNvSpPr>
-          <p:nvPr/>
-        </p:nvSpPr>
-        <p:spPr bwMode="auto">
-          <a:xfrm>
-            <a:off x="823038" y="1694850"/>
-            <a:ext cx="9298113" cy="3970318"/>
-          </a:xfrm>
-          <a:prstGeom prst="rect">
-            <a:avLst/>
-          </a:prstGeom>
-          <a:noFill/>
-          <a:ln>
-            <a:noFill/>
-          </a:ln>
-          <a:effectLst/>
-          <a:extLst>
-            <a:ext uri="{909E8E84-426E-40DD-AFC4-6F175D3DCCD1}">
-              <a14:hiddenFill xmlns:a14="http://schemas.microsoft.com/office/drawing/2010/main">
-                <a:solidFill>
-                  <a:schemeClr val="accent1"/>
-                </a:solidFill>
-              </a14:hiddenFill>
-            </a:ext>
-            <a:ext uri="{91240B29-F687-4F45-9708-019B960494DF}">
-              <a14:hiddenLine xmlns:a14="http://schemas.microsoft.com/office/drawing/2010/main" w="9525">
-                <a:solidFill>
-                  <a:schemeClr val="tx1"/>
-                </a:solidFill>
-                <a:miter lim="800000"/>
-                <a:headEnd/>
-                <a:tailEnd/>
-              </a14:hiddenLine>
-            </a:ext>
-            <a:ext uri="{AF507438-7753-43E0-B8FC-AC1667EBCBE1}">
-              <a14:hiddenEffects xmlns:a14="http://schemas.microsoft.com/office/drawing/2010/main">
-                <a:effectLst>
-                  <a:outerShdw dist="35921" dir="2700000" algn="ctr" rotWithShape="0">
-                    <a:schemeClr val="bg2"/>
-                  </a:outerShdw>
-                </a:effectLst>
-              </a14:hiddenEffects>
-            </a:ext>
-          </a:extLst>
-        </p:spPr>
-        <p:txBody>
-          <a:bodyPr vert="horz" wrap="square" lIns="91440" tIns="45720" rIns="91440" bIns="45720" numCol="1" rtlCol="0" anchor="ctr" anchorCtr="0" compatLnSpc="1">
-            <a:prstTxWarp prst="textNoShape">
-              <a:avLst/>
-            </a:prstTxWarp>
-            <a:spAutoFit/>
-          </a:bodyPr>
-          <a:lstStyle>
-            <a:lvl1pPr marL="91440" indent="-91440" algn="l" defTabSz="914400" rtl="0" eaLnBrk="1" latinLnBrk="0" hangingPunct="1">
-              <a:lnSpc>
-                <a:spcPct val="90000"/>
-              </a:lnSpc>
-              <a:spcBef>
-                <a:spcPts val="1200"/>
-              </a:spcBef>
-              <a:spcAft>
-                <a:spcPts val="200"/>
-              </a:spcAft>
-              <a:buClr>
-                <a:schemeClr val="accent1"/>
-              </a:buClr>
-              <a:buSzPct val="100000"/>
-              <a:buFont typeface="Tw Cen MT" panose="020B0602020104020603" pitchFamily="34" charset="0"/>
-              <a:buChar char=" "/>
-              <a:defRPr sz="2200" kern="1200">
-                <a:solidFill>
-                  <a:schemeClr val="tx1"/>
-                </a:solidFill>
-                <a:latin typeface="Calibri" panose="020F0502020204030204" pitchFamily="34" charset="0"/>
-                <a:ea typeface="+mn-ea"/>
-                <a:cs typeface="+mn-cs"/>
-              </a:defRPr>
-            </a:lvl1pPr>
-            <a:lvl2pPr marL="265176" indent="-137160" algn="l" defTabSz="914400" rtl="0" eaLnBrk="1" latinLnBrk="0" hangingPunct="1">
-              <a:lnSpc>
-                <a:spcPct val="90000"/>
-              </a:lnSpc>
-              <a:spcBef>
-                <a:spcPts val="200"/>
-              </a:spcBef>
-              <a:spcAft>
-                <a:spcPts val="400"/>
-              </a:spcAft>
-              <a:buClr>
-                <a:schemeClr val="accent1"/>
-              </a:buClr>
-              <a:buFont typeface="Wingdings 3" pitchFamily="18" charset="2"/>
-              <a:buChar char=""/>
-              <a:defRPr sz="1800" kern="1200">
-                <a:solidFill>
-                  <a:schemeClr val="tx1"/>
-                </a:solidFill>
-                <a:latin typeface="Calibri" panose="020F0502020204030204" pitchFamily="34" charset="0"/>
-                <a:ea typeface="+mn-ea"/>
-                <a:cs typeface="+mn-cs"/>
-              </a:defRPr>
-            </a:lvl2pPr>
-            <a:lvl3pPr marL="448056" indent="-137160" algn="l" defTabSz="914400" rtl="0" eaLnBrk="1" latinLnBrk="0" hangingPunct="1">
-              <a:lnSpc>
-                <a:spcPct val="90000"/>
-              </a:lnSpc>
-              <a:spcBef>
-                <a:spcPts val="200"/>
-              </a:spcBef>
-              <a:spcAft>
-                <a:spcPts val="400"/>
-              </a:spcAft>
-              <a:buClr>
-                <a:schemeClr val="accent1"/>
-              </a:buClr>
-              <a:buFont typeface="Wingdings 3" pitchFamily="18" charset="2"/>
-              <a:buChar char=""/>
-              <a:defRPr sz="1400" kern="1200">
-                <a:solidFill>
-                  <a:schemeClr val="tx1"/>
-                </a:solidFill>
-                <a:latin typeface="Calibri" panose="020F0502020204030204" pitchFamily="34" charset="0"/>
-                <a:ea typeface="+mn-ea"/>
-                <a:cs typeface="+mn-cs"/>
-              </a:defRPr>
-            </a:lvl3pPr>
-            <a:lvl4pPr marL="594360" indent="-137160" algn="l" defTabSz="914400" rtl="0" eaLnBrk="1" latinLnBrk="0" hangingPunct="1">
-              <a:lnSpc>
-                <a:spcPct val="90000"/>
-              </a:lnSpc>
-              <a:spcBef>
-                <a:spcPts val="200"/>
-              </a:spcBef>
-              <a:spcAft>
-                <a:spcPts val="400"/>
-              </a:spcAft>
-              <a:buClr>
-                <a:schemeClr val="accent1"/>
-              </a:buClr>
-              <a:buFont typeface="Wingdings 3" pitchFamily="18" charset="2"/>
-              <a:buChar char=""/>
-              <a:defRPr sz="1400" kern="1200">
-                <a:solidFill>
-                  <a:schemeClr val="tx1"/>
-                </a:solidFill>
-                <a:latin typeface="Calibri" panose="020F0502020204030204" pitchFamily="34" charset="0"/>
-                <a:ea typeface="+mn-ea"/>
-                <a:cs typeface="+mn-cs"/>
-              </a:defRPr>
-            </a:lvl4pPr>
-            <a:lvl5pPr marL="777240" indent="-137160" algn="l" defTabSz="914400" rtl="0" eaLnBrk="1" latinLnBrk="0" hangingPunct="1">
-              <a:lnSpc>
-                <a:spcPct val="90000"/>
-              </a:lnSpc>
-              <a:spcBef>
-                <a:spcPts val="200"/>
-              </a:spcBef>
-              <a:spcAft>
-                <a:spcPts val="400"/>
-              </a:spcAft>
-              <a:buClr>
-                <a:schemeClr val="accent1"/>
-              </a:buClr>
-              <a:buFont typeface="Wingdings 3" pitchFamily="18" charset="2"/>
-              <a:buChar char=""/>
-              <a:defRPr sz="1400" kern="1200">
-                <a:solidFill>
-                  <a:schemeClr val="tx1"/>
-                </a:solidFill>
-                <a:latin typeface="Calibri" panose="020F0502020204030204" pitchFamily="34" charset="0"/>
-                <a:ea typeface="+mn-ea"/>
-                <a:cs typeface="+mn-cs"/>
-              </a:defRPr>
-            </a:lvl5pPr>
-            <a:lvl6pPr marL="914400" indent="-137160" algn="l" defTabSz="914400" rtl="0" eaLnBrk="1" latinLnBrk="0" hangingPunct="1">
-              <a:lnSpc>
-                <a:spcPct val="90000"/>
-              </a:lnSpc>
-              <a:spcBef>
-                <a:spcPts val="200"/>
-              </a:spcBef>
-              <a:spcAft>
-                <a:spcPts val="400"/>
-              </a:spcAft>
-              <a:buClr>
-                <a:schemeClr val="accent1"/>
-              </a:buClr>
-              <a:buFont typeface="Wingdings 3" pitchFamily="18" charset="2"/>
-              <a:buChar char=""/>
-              <a:defRPr sz="1400" kern="1200">
-                <a:solidFill>
-                  <a:schemeClr val="tx1"/>
-                </a:solidFill>
-                <a:latin typeface="+mn-lt"/>
-                <a:ea typeface="+mn-ea"/>
-                <a:cs typeface="+mn-cs"/>
-              </a:defRPr>
-            </a:lvl6pPr>
-            <a:lvl7pPr marL="1060704" indent="-137160" algn="l" defTabSz="914400" rtl="0" eaLnBrk="1" latinLnBrk="0" hangingPunct="1">
-              <a:lnSpc>
-                <a:spcPct val="90000"/>
-              </a:lnSpc>
-              <a:spcBef>
-                <a:spcPts val="200"/>
-              </a:spcBef>
-              <a:spcAft>
-                <a:spcPts val="400"/>
-              </a:spcAft>
-              <a:buClr>
-                <a:schemeClr val="accent1"/>
-              </a:buClr>
-              <a:buFont typeface="Wingdings 3" pitchFamily="18" charset="2"/>
-              <a:buChar char=""/>
-              <a:defRPr sz="1400" kern="1200">
-                <a:solidFill>
-                  <a:schemeClr val="tx1"/>
-                </a:solidFill>
-                <a:latin typeface="+mn-lt"/>
-                <a:ea typeface="+mn-ea"/>
-                <a:cs typeface="+mn-cs"/>
-              </a:defRPr>
-            </a:lvl7pPr>
-            <a:lvl8pPr marL="1216152" indent="-137160" algn="l" defTabSz="914400" rtl="0" eaLnBrk="1" latinLnBrk="0" hangingPunct="1">
-              <a:lnSpc>
-                <a:spcPct val="90000"/>
-              </a:lnSpc>
-              <a:spcBef>
-                <a:spcPts val="200"/>
-              </a:spcBef>
-              <a:spcAft>
-                <a:spcPts val="400"/>
-              </a:spcAft>
-              <a:buClr>
-                <a:schemeClr val="accent1"/>
-              </a:buClr>
-              <a:buFont typeface="Wingdings 3" pitchFamily="18" charset="2"/>
-              <a:buChar char=""/>
-              <a:defRPr sz="1400" kern="1200">
-                <a:solidFill>
-                  <a:schemeClr val="tx1"/>
-                </a:solidFill>
-                <a:latin typeface="+mn-lt"/>
-                <a:ea typeface="+mn-ea"/>
-                <a:cs typeface="+mn-cs"/>
-              </a:defRPr>
-            </a:lvl8pPr>
-            <a:lvl9pPr marL="1362456" indent="-137160" algn="l" defTabSz="914400" rtl="0" eaLnBrk="1" latinLnBrk="0" hangingPunct="1">
-              <a:lnSpc>
-                <a:spcPct val="90000"/>
-              </a:lnSpc>
-              <a:spcBef>
-                <a:spcPts val="200"/>
-              </a:spcBef>
-              <a:spcAft>
-                <a:spcPts val="400"/>
-              </a:spcAft>
-              <a:buClr>
-                <a:schemeClr val="accent1"/>
-              </a:buClr>
-              <a:buFont typeface="Wingdings 3" pitchFamily="18" charset="2"/>
-              <a:buChar char=""/>
-              <a:defRPr sz="1400" kern="1200">
-                <a:solidFill>
-                  <a:schemeClr val="tx1"/>
-                </a:solidFill>
-                <a:latin typeface="+mn-lt"/>
-                <a:ea typeface="+mn-ea"/>
-                <a:cs typeface="+mn-cs"/>
-              </a:defRPr>
-            </a:lvl9pPr>
-          </a:lstStyle>
-          <a:p>
-            <a:pPr marL="0" indent="0" eaLnBrk="0" fontAlgn="base" hangingPunct="0">
-              <a:lnSpc>
-                <a:spcPct val="100000"/>
-              </a:lnSpc>
-              <a:spcBef>
-                <a:spcPct val="0"/>
-              </a:spcBef>
-              <a:spcAft>
-                <a:spcPct val="0"/>
-              </a:spcAft>
-              <a:buClrTx/>
-              <a:buSzTx/>
-              <a:buFont typeface="Tw Cen MT" panose="020B0602020104020603" pitchFamily="34" charset="0"/>
-              <a:buNone/>
-            </a:pPr>
-            <a:endParaRPr lang="en-US" altLang="el-GR" sz="1800" b="1" dirty="0">
-              <a:latin typeface="Arial" panose="020B0604020202020204" pitchFamily="34" charset="0"/>
-            </a:endParaRPr>
-          </a:p>
-          <a:p>
-            <a:pPr marL="0" indent="0" eaLnBrk="0" fontAlgn="base" hangingPunct="0">
-              <a:lnSpc>
-                <a:spcPct val="100000"/>
-              </a:lnSpc>
-              <a:spcBef>
-                <a:spcPct val="0"/>
-              </a:spcBef>
-              <a:spcAft>
-                <a:spcPct val="0"/>
-              </a:spcAft>
-              <a:buClrTx/>
-              <a:buSzTx/>
-              <a:buFont typeface="Tw Cen MT" panose="020B0602020104020603" pitchFamily="34" charset="0"/>
-              <a:buNone/>
-            </a:pPr>
-            <a:endParaRPr lang="en-US" altLang="el-GR" sz="1800" dirty="0">
-              <a:latin typeface="Arial" panose="020B0604020202020204" pitchFamily="34" charset="0"/>
-            </a:endParaRPr>
-          </a:p>
           <a:p>
             <a:pPr eaLnBrk="0" fontAlgn="base" hangingPunct="0">
               <a:lnSpc>
@@ -25037,7 +25043,7 @@
               <a:buChar char="•"/>
             </a:pPr>
             <a:r>
-              <a:rPr lang="el-GR" altLang="el-GR" sz="1800" dirty="0">
+              <a:rPr lang="el-GR" altLang="el-GR" dirty="0">
                 <a:solidFill>
                   <a:schemeClr val="accent1">
                     <a:lumMod val="75000"/>
@@ -25048,79 +25054,75 @@
               <a:t> </a:t>
             </a:r>
             <a:r>
-              <a:rPr lang="el-GR" altLang="el-GR" sz="1800" dirty="0">
+              <a:rPr lang="el-GR" altLang="el-GR" dirty="0">
                 <a:latin typeface="Arial" panose="020B0604020202020204" pitchFamily="34" charset="0"/>
               </a:rPr>
-              <a:t>Επιλέξαμε την δυναμική δρομολόγηση OLSR (</a:t>
-            </a:r>
-            <a:r>
-              <a:rPr lang="el-GR" altLang="el-GR" sz="1800" dirty="0" err="1">
+              <a:t>Επιλέξαμε την δυναμική δρομολόγηση OLSR (Optimized Link State Routing)</a:t>
+            </a:r>
+            <a:r>
+              <a:rPr lang="en-US" altLang="el-GR" dirty="0">
                 <a:latin typeface="Arial" panose="020B0604020202020204" pitchFamily="34" charset="0"/>
               </a:rPr>
-              <a:t>Optimized</a:t>
-            </a:r>
-            <a:r>
-              <a:rPr lang="el-GR" altLang="el-GR" sz="1800" dirty="0">
+              <a:t>, </a:t>
+            </a:r>
+            <a:r>
+              <a:rPr lang="el-GR" altLang="el-GR" b="1" dirty="0">
+                <a:solidFill>
+                  <a:srgbClr val="FF0000"/>
+                </a:solidFill>
                 <a:latin typeface="Arial" panose="020B0604020202020204" pitchFamily="34" charset="0"/>
+                <a:cs typeface="Arial" panose="020B0604020202020204" pitchFamily="34" charset="0"/>
               </a:rPr>
-              <a:t> </a:t>
-            </a:r>
-            <a:r>
-              <a:rPr lang="el-GR" altLang="el-GR" sz="1800" dirty="0" err="1">
+              <a:t>μήπως αν πούμε κάτι τέτοιο εδώ? </a:t>
+            </a:r>
+            <a:r>
+              <a:rPr lang="en-US" b="1" dirty="0">
+                <a:solidFill>
+                  <a:srgbClr val="FF0000"/>
+                </a:solidFill>
                 <a:latin typeface="Arial" panose="020B0604020202020204" pitchFamily="34" charset="0"/>
+                <a:cs typeface="Arial" panose="020B0604020202020204" pitchFamily="34" charset="0"/>
               </a:rPr>
-              <a:t>Link</a:t>
-            </a:r>
-            <a:r>
-              <a:rPr lang="el-GR" altLang="el-GR" sz="1800" dirty="0">
+              <a:t>It reacts quickly to topology changes</a:t>
+            </a:r>
+            <a:r>
+              <a:rPr lang="el-GR" b="1" dirty="0">
+                <a:solidFill>
+                  <a:srgbClr val="FF0000"/>
+                </a:solidFill>
                 <a:latin typeface="Arial" panose="020B0604020202020204" pitchFamily="34" charset="0"/>
+                <a:cs typeface="Arial" panose="020B0604020202020204" pitchFamily="34" charset="0"/>
               </a:rPr>
-              <a:t> </a:t>
-            </a:r>
-            <a:r>
-              <a:rPr lang="el-GR" altLang="el-GR" sz="1800" dirty="0" err="1">
+              <a:t>, </a:t>
+            </a:r>
+            <a:r>
+              <a:rPr lang="en-US" b="1" dirty="0">
+                <a:solidFill>
+                  <a:srgbClr val="FF0000"/>
+                </a:solidFill>
                 <a:latin typeface="Arial" panose="020B0604020202020204" pitchFamily="34" charset="0"/>
+                <a:cs typeface="Arial" panose="020B0604020202020204" pitchFamily="34" charset="0"/>
               </a:rPr>
-              <a:t>State</a:t>
-            </a:r>
-            <a:r>
-              <a:rPr lang="el-GR" altLang="el-GR" sz="1800" dirty="0">
-                <a:latin typeface="Arial" panose="020B0604020202020204" pitchFamily="34" charset="0"/>
-              </a:rPr>
-              <a:t> </a:t>
-            </a:r>
-            <a:r>
-              <a:rPr lang="el-GR" altLang="el-GR" sz="1800" dirty="0" err="1">
-                <a:latin typeface="Arial" panose="020B0604020202020204" pitchFamily="34" charset="0"/>
-              </a:rPr>
-              <a:t>Routing</a:t>
-            </a:r>
-            <a:r>
-              <a:rPr lang="el-GR" altLang="el-GR" sz="1800" dirty="0">
-                <a:latin typeface="Arial" panose="020B0604020202020204" pitchFamily="34" charset="0"/>
-              </a:rPr>
-              <a:t>).</a:t>
-            </a:r>
-            <a:endParaRPr lang="en-US" altLang="el-GR" sz="1800" dirty="0">
+              <a:t>Scales better with many nodes and well-supported in NS-3.</a:t>
+            </a:r>
+            <a:endParaRPr lang="en-US" altLang="el-GR" b="1" dirty="0">
+              <a:solidFill>
+                <a:srgbClr val="FF0000"/>
+              </a:solidFill>
               <a:latin typeface="Arial" panose="020B0604020202020204" pitchFamily="34" charset="0"/>
+              <a:cs typeface="Arial" panose="020B0604020202020204" pitchFamily="34" charset="0"/>
             </a:endParaRPr>
           </a:p>
           <a:p>
-            <a:pPr marL="0" indent="0" eaLnBrk="0" fontAlgn="base" hangingPunct="0">
-              <a:lnSpc>
-                <a:spcPct val="100000"/>
-              </a:lnSpc>
+            <a:pPr eaLnBrk="0" fontAlgn="base" hangingPunct="0">
               <a:spcBef>
                 <a:spcPct val="0"/>
               </a:spcBef>
               <a:spcAft>
                 <a:spcPct val="0"/>
               </a:spcAft>
-              <a:buClrTx/>
-              <a:buSzTx/>
-              <a:buNone/>
             </a:pPr>
-            <a:endParaRPr lang="en-US" altLang="el-GR" sz="1800" dirty="0">
+            <a:endParaRPr lang="en-US" altLang="el-GR" dirty="0">
               <a:solidFill>
                 <a:schemeClr val="accent1">
                   <a:lumMod val="75000"/>
@@ -25146,7 +25148,7 @@
               <a:buChar char="•"/>
             </a:pPr>
             <a:r>
-              <a:rPr lang="el-GR" altLang="el-GR" sz="1800" dirty="0">
+              <a:rPr lang="el-GR" altLang="el-GR" dirty="0">
                 <a:solidFill>
                   <a:schemeClr val="accent1">
                     <a:lumMod val="75000"/>
@@ -25157,66 +25159,77 @@
               <a:t> </a:t>
             </a:r>
             <a:r>
-              <a:rPr lang="el-GR" altLang="el-GR" sz="1800" dirty="0">
+              <a:rPr lang="el-GR" altLang="el-GR" dirty="0">
                 <a:latin typeface="Arial" panose="020B0604020202020204" pitchFamily="34" charset="0"/>
               </a:rPr>
               <a:t>Επιπλέον,</a:t>
             </a:r>
             <a:r>
-              <a:rPr lang="en-US" altLang="el-GR" sz="1800" dirty="0">
+              <a:rPr lang="en-US" altLang="el-GR" dirty="0">
                 <a:latin typeface="Arial" panose="020B0604020202020204" pitchFamily="34" charset="0"/>
               </a:rPr>
               <a:t> </a:t>
             </a:r>
             <a:r>
-              <a:rPr lang="el-GR" altLang="el-GR" sz="1800" dirty="0">
+              <a:rPr lang="el-GR" altLang="el-GR" dirty="0">
                 <a:latin typeface="Arial" panose="020B0604020202020204" pitchFamily="34" charset="0"/>
               </a:rPr>
-              <a:t>συμπεριλάβαμε τα </a:t>
-            </a:r>
-            <a:r>
-              <a:rPr lang="en-US" altLang="el-GR" sz="1800" dirty="0">
+              <a:t>συμπεριλάβαμε τις εξής βιβλιοθήκες: </a:t>
+            </a:r>
+            <a:r>
+              <a:rPr lang="en-US" altLang="el-GR" dirty="0">
                 <a:latin typeface="Arial" panose="020B0604020202020204" pitchFamily="34" charset="0"/>
               </a:rPr>
               <a:t>module </a:t>
             </a:r>
             <a:r>
-              <a:rPr lang="en-US" altLang="el-GR" sz="1800" dirty="0" err="1">
+              <a:rPr lang="en-US" altLang="el-GR" dirty="0" err="1">
                 <a:latin typeface="Arial" panose="020B0604020202020204" pitchFamily="34" charset="0"/>
               </a:rPr>
               <a:t>olsr-helper.h</a:t>
             </a:r>
             <a:r>
-              <a:rPr lang="en-US" altLang="el-GR" sz="1800" dirty="0">
+              <a:rPr lang="en-US" altLang="el-GR" dirty="0">
                 <a:latin typeface="Arial" panose="020B0604020202020204" pitchFamily="34" charset="0"/>
               </a:rPr>
               <a:t>, ns3/applications-</a:t>
             </a:r>
             <a:r>
-              <a:rPr lang="en-US" altLang="el-GR" sz="1800" dirty="0" err="1">
+              <a:rPr lang="en-US" altLang="el-GR" dirty="0" err="1">
                 <a:latin typeface="Arial" panose="020B0604020202020204" pitchFamily="34" charset="0"/>
               </a:rPr>
               <a:t>module.h</a:t>
             </a:r>
             <a:r>
-              <a:rPr lang="en-US" altLang="el-GR" sz="1800" dirty="0">
+              <a:rPr lang="en-US" altLang="el-GR">
                 <a:latin typeface="Arial" panose="020B0604020202020204" pitchFamily="34" charset="0"/>
               </a:rPr>
-              <a:t>, internet-</a:t>
-            </a:r>
-            <a:r>
-              <a:rPr lang="en-US" altLang="el-GR" sz="1800" dirty="0" err="1">
+              <a:t>, </a:t>
+            </a:r>
+            <a:br>
+              <a:rPr lang="en-US" altLang="el-GR">
+                <a:latin typeface="Arial" panose="020B0604020202020204" pitchFamily="34" charset="0"/>
+              </a:rPr>
+            </a:br>
+            <a:r>
+              <a:rPr lang="en-US" altLang="el-GR">
+                <a:latin typeface="Arial" panose="020B0604020202020204" pitchFamily="34" charset="0"/>
+              </a:rPr>
+              <a:t>internet-</a:t>
+            </a:r>
+            <a:r>
+              <a:rPr lang="en-US" altLang="el-GR" dirty="0" err="1">
                 <a:latin typeface="Arial" panose="020B0604020202020204" pitchFamily="34" charset="0"/>
               </a:rPr>
               <a:t>module.h</a:t>
             </a:r>
             <a:r>
-              <a:rPr lang="en-US" altLang="el-GR" sz="1800" dirty="0">
+              <a:rPr lang="en-US" altLang="el-GR" dirty="0">
                 <a:latin typeface="Arial" panose="020B0604020202020204" pitchFamily="34" charset="0"/>
               </a:rPr>
               <a:t>.</a:t>
             </a:r>
-            <a:endParaRPr lang="el-GR" altLang="el-GR" sz="1800" dirty="0">
+            <a:endParaRPr lang="el-GR" altLang="el-GR" dirty="0">
               <a:latin typeface="Arial" panose="020B0604020202020204" pitchFamily="34" charset="0"/>
             </a:endParaRPr>
           </a:p>
@@ -25236,7 +25249,7 @@
               <a:buFont typeface="Arial" panose="020B0604020202020204" pitchFamily="34" charset="0"/>
               <a:buChar char="•"/>
             </a:pPr>
-            <a:endParaRPr lang="el-GR" altLang="el-GR" sz="1800" dirty="0">
+            <a:endParaRPr lang="el-GR" altLang="el-GR" dirty="0">
               <a:latin typeface="Arial" panose="020B0604020202020204" pitchFamily="34" charset="0"/>
             </a:endParaRPr>
           </a:p>
@@ -25257,7 +25270,7 @@
               <a:buChar char="•"/>
             </a:pPr>
             <a:r>
-              <a:rPr lang="el-GR" altLang="el-GR" sz="1800" dirty="0">
+              <a:rPr lang="el-GR" altLang="el-GR" dirty="0">
                 <a:solidFill>
                   <a:schemeClr val="accent1">
                     <a:lumMod val="75000"/>
@@ -25268,11 +25281,33 @@
               <a:t> </a:t>
             </a:r>
             <a:r>
-              <a:rPr lang="en-US" altLang="el-GR" sz="1800" dirty="0">
+              <a:rPr lang="en-US" altLang="el-GR" dirty="0">
                 <a:latin typeface="Arial" panose="020B0604020202020204" pitchFamily="34" charset="0"/>
               </a:rPr>
-              <a:t>Internet stack</a:t>
-            </a:r>
+              <a:t>Internet stack, </a:t>
+            </a:r>
+            <a:r>
+              <a:rPr lang="en-US" dirty="0">
+                <a:latin typeface="Arial" panose="020B0604020202020204" pitchFamily="34" charset="0"/>
+              </a:rPr>
+              <a:t>Provides the essential networking protocol layers that enable nodes in a network to communicate and poses as a software foundation for sending, receiving, and processing packets.</a:t>
+            </a:r>
+            <a:endParaRPr lang="el-GR" altLang="el-GR" dirty="0">
+              <a:latin typeface="Arial" panose="020B0604020202020204" pitchFamily="34" charset="0"/>
+            </a:endParaRPr>
+          </a:p>
+          <a:p>
+            <a:pPr eaLnBrk="0" fontAlgn="base" hangingPunct="0">
+              <a:spcBef>
+                <a:spcPct val="0"/>
+              </a:spcBef>
+              <a:spcAft>
+                <a:spcPct val="0"/>
+              </a:spcAft>
+            </a:pPr>
+            <a:endParaRPr lang="en-US" altLang="el-GR" dirty="0">
+              <a:latin typeface="Arial" panose="020B0604020202020204" pitchFamily="34" charset="0"/>
+            </a:endParaRPr>
           </a:p>
           <a:p>
             <a:pPr eaLnBrk="0" fontAlgn="base" hangingPunct="0">
@@ -25291,7 +25326,7 @@
               <a:buChar char="•"/>
             </a:pPr>
             <a:r>
-              <a:rPr lang="el-GR" altLang="el-GR" sz="1800" dirty="0">
+              <a:rPr lang="el-GR" altLang="el-GR" dirty="0">
                 <a:solidFill>
                   <a:schemeClr val="accent1">
                     <a:lumMod val="75000"/>
@@ -25302,11 +25337,33 @@
               <a:t> </a:t>
             </a:r>
             <a:r>
-              <a:rPr lang="en-US" altLang="el-GR" sz="1800" dirty="0">
+              <a:rPr lang="en-US" altLang="el-GR" dirty="0">
                 <a:latin typeface="Arial" panose="020B0604020202020204" pitchFamily="34" charset="0"/>
               </a:rPr>
-              <a:t>Packet sink</a:t>
-            </a:r>
+              <a:t>Packet sink, </a:t>
+            </a:r>
+            <a:r>
+              <a:rPr lang="en-US" dirty="0">
+                <a:latin typeface="Arial" panose="020B0604020202020204" pitchFamily="34" charset="0"/>
+              </a:rPr>
+              <a:t>A simple application that receives incoming packets, used to measure traffic, throughput, or packet delivery</a:t>
+            </a:r>
+            <a:endParaRPr lang="el-GR" altLang="el-GR" dirty="0">
+              <a:latin typeface="Arial" panose="020B0604020202020204" pitchFamily="34" charset="0"/>
+            </a:endParaRPr>
+          </a:p>
+          <a:p>
+            <a:pPr eaLnBrk="0" fontAlgn="base" hangingPunct="0">
+              <a:spcBef>
+                <a:spcPct val="0"/>
+              </a:spcBef>
+              <a:spcAft>
+                <a:spcPct val="0"/>
+              </a:spcAft>
+            </a:pPr>
+            <a:endParaRPr lang="en-US" altLang="el-GR" dirty="0">
+              <a:latin typeface="Arial" panose="020B0604020202020204" pitchFamily="34" charset="0"/>
+            </a:endParaRPr>
           </a:p>
           <a:p>
             <a:pPr eaLnBrk="0" fontAlgn="base" hangingPunct="0">
@@ -25325,7 +25382,7 @@
               <a:buChar char="•"/>
             </a:pPr>
             <a:r>
-              <a:rPr lang="el-GR" altLang="el-GR" sz="1800" dirty="0">
+              <a:rPr lang="el-GR" altLang="el-GR" dirty="0">
                 <a:solidFill>
                   <a:schemeClr val="accent1">
                     <a:lumMod val="75000"/>
@@ -25336,90 +25393,27 @@
               <a:t> </a:t>
             </a:r>
             <a:r>
-              <a:rPr lang="el-GR" altLang="el-GR" sz="1800" dirty="0">
+              <a:rPr lang="en-US" altLang="el-GR" dirty="0">
                 <a:latin typeface="Arial" panose="020B0604020202020204" pitchFamily="34" charset="0"/>
               </a:rPr>
-              <a:t>Γρήγορη δρομολόγηση</a:t>
-            </a:r>
-          </a:p>
-          <a:p>
-            <a:pPr marL="0" indent="0" eaLnBrk="0" fontAlgn="base" hangingPunct="0">
-              <a:lnSpc>
-                <a:spcPct val="100000"/>
-              </a:lnSpc>
-              <a:spcBef>
-                <a:spcPct val="0"/>
-              </a:spcBef>
-              <a:spcAft>
-                <a:spcPct val="0"/>
-              </a:spcAft>
-              <a:buClrTx/>
-              <a:buSzTx/>
-              <a:buFont typeface="Tw Cen MT" panose="020B0602020104020603" pitchFamily="34" charset="0"/>
-              <a:buNone/>
-            </a:pPr>
-            <a:endParaRPr lang="el-GR" altLang="el-GR" sz="1800" dirty="0">
+              <a:t>Warm-up phase,  A period of time where in a  system the </a:t>
+            </a:r>
+            <a:r>
+              <a:rPr lang="en-US" dirty="0">
+                <a:latin typeface="Arial" panose="020B0604020202020204" pitchFamily="34" charset="0"/>
+              </a:rPr>
+              <a:t>measurements are intentionally ignored to allow routing tables, queues, and traffic patterns to stabilize before accurate performance data is collected</a:t>
+            </a:r>
+            <a:r>
+              <a:rPr lang="en-US" dirty="0"/>
+              <a:t>.</a:t>
+            </a:r>
+            <a:endParaRPr lang="el-GR" altLang="el-GR" dirty="0">
               <a:latin typeface="Arial" panose="020B0604020202020204" pitchFamily="34" charset="0"/>
             </a:endParaRPr>
           </a:p>
           <a:p>
-            <a:pPr marL="0" indent="0" eaLnBrk="0" fontAlgn="base" hangingPunct="0">
-              <a:lnSpc>
-                <a:spcPct val="100000"/>
-              </a:lnSpc>
-              <a:spcBef>
-                <a:spcPct val="0"/>
-              </a:spcBef>
-              <a:spcAft>
-                <a:spcPct val="0"/>
-              </a:spcAft>
-              <a:buClrTx/>
-              <a:buSzTx/>
-              <a:buNone/>
-            </a:pPr>
-            <a:endParaRPr lang="en-US" altLang="el-GR" sz="1800" dirty="0">
-              <a:latin typeface="Arial" panose="020B0604020202020204" pitchFamily="34" charset="0"/>
-            </a:endParaRPr>
-          </a:p>
-          <a:p>
-            <a:pPr marL="0" indent="0" eaLnBrk="0" fontAlgn="base" hangingPunct="0">
-              <a:lnSpc>
-                <a:spcPct val="100000"/>
-              </a:lnSpc>
-              <a:spcBef>
-                <a:spcPct val="0"/>
-              </a:spcBef>
-              <a:spcAft>
-                <a:spcPct val="0"/>
-              </a:spcAft>
-              <a:buClrTx/>
-              <a:buSzTx/>
-              <a:buFont typeface="Tw Cen MT" panose="020B0602020104020603" pitchFamily="34" charset="0"/>
-              <a:buNone/>
-            </a:pPr>
-            <a:endParaRPr lang="el-GR" altLang="el-GR" sz="1800" dirty="0">
-              <a:latin typeface="Arial" panose="020B0604020202020204" pitchFamily="34" charset="0"/>
-            </a:endParaRPr>
-          </a:p>
-          <a:p>
-            <a:pPr marL="0" indent="0" eaLnBrk="0" fontAlgn="base" hangingPunct="0">
-              <a:lnSpc>
-                <a:spcPct val="100000"/>
-              </a:lnSpc>
-              <a:spcBef>
-                <a:spcPct val="0"/>
-              </a:spcBef>
-              <a:spcAft>
-                <a:spcPct val="0"/>
-              </a:spcAft>
-              <a:buClrTx/>
-              <a:buSzTx/>
-              <a:buFontTx/>
-              <a:buNone/>
-            </a:pPr>
-            <a:endParaRPr lang="el-GR" altLang="el-GR" sz="1800" dirty="0">
-              <a:latin typeface="Arial" panose="020B0604020202020204" pitchFamily="34" charset="0"/>
-            </a:endParaRPr>
+            <a:endParaRPr lang="en-US" dirty="0"/>
           </a:p>
         </p:txBody>
       </p:sp>
@@ -25606,8 +25600,8 @@
         </p:blipFill>
         <p:spPr>
           <a:xfrm>
-            <a:off x="732466" y="3003954"/>
-            <a:ext cx="3476927" cy="3247679"/>
+            <a:off x="6096000" y="3024975"/>
+            <a:ext cx="3669102" cy="3247679"/>
           </a:xfrm>
           <a:prstGeom prst="rect">
             <a:avLst/>
@@ -26455,6 +26449,23 @@
 </file>
 
 <file path=customXml/item1.xml><?xml version="1.0" encoding="utf-8"?>
+<p:properties xmlns:p="http://schemas.microsoft.com/office/2006/metadata/properties" xmlns:xsi="http://www.w3.org/2001/XMLSchema-instance" xmlns:pc="http://schemas.microsoft.com/office/infopath/2007/PartnerControls">
+  <documentManagement>
+    <MediaServiceKeyPoints xmlns="71af3243-3dd4-4a8d-8c0d-dd76da1f02a5" xsi:nil="true"/>
+  </documentManagement>
+</p:properties>
+</file>
+
+<file path=customXml/item2.xml><?xml version="1.0" encoding="utf-8"?>
+<?mso-contentType ?>
+<FormTemplates xmlns="http://schemas.microsoft.com/sharepoint/v3/contenttype/forms">
+  <Display>DocumentLibraryForm</Display>
+  <Edit>DocumentLibraryForm</Edit>
+  <New>DocumentLibraryForm</New>
+</FormTemplates>
+</file>
+
+<file path=customXml/item3.xml><?xml version="1.0" encoding="utf-8"?>
 <ct:contentTypeSchema xmlns:ct="http://schemas.microsoft.com/office/2006/metadata/contentType" xmlns:ma="http://schemas.microsoft.com/office/2006/metadata/properties/metaAttributes" ct:_="" ma:_="" ma:contentTypeName="Document" ma:contentTypeID="0x01010079F111ED35F8CC479449609E8A0923A6" ma:contentTypeVersion="11" ma:contentTypeDescription="Create a new document." ma:contentTypeScope="" ma:versionID="9677210f24a1be23c92c90fd886aa0aa">
   <xsd:schema xmlns:xsd="http://www.w3.org/2001/XMLSchema" xmlns:xs="http://www.w3.org/2001/XMLSchema" xmlns:p="http://schemas.microsoft.com/office/2006/metadata/properties" xmlns:ns2="71af3243-3dd4-4a8d-8c0d-dd76da1f02a5" xmlns:ns3="16c05727-aa75-4e4a-9b5f-8a80a1165891" targetNamespace="http://schemas.microsoft.com/office/2006/metadata/properties" ma:root="true" ma:fieldsID="60e05723c5c1908df1a1a4ebf11d344e" ns2:_="" ns3:_="">
     <xsd:import namespace="71af3243-3dd4-4a8d-8c0d-dd76da1f02a5"/>
@@ -26665,24 +26676,32 @@
 </ct:contentTypeSchema>
 </file>
 
-<file path=customXml/item2.xml><?xml version="1.0" encoding="utf-8"?>
-<?mso-contentType ?>
-<FormTemplates xmlns="http://schemas.microsoft.com/sharepoint/v3/contenttype/forms">
-  <Display>DocumentLibraryForm</Display>
-  <Edit>DocumentLibraryForm</Edit>
-  <New>DocumentLibraryForm</New>
-</FormTemplates>
+<file path=customXml/itemProps1.xml><?xml version="1.0" encoding="utf-8"?>
+<ds:datastoreItem xmlns:ds="http://schemas.openxmlformats.org/officeDocument/2006/customXml" ds:itemID="{788A2F88-55C5-4ED1-9541-807C65424763}">
+  <ds:schemaRefs>
+    <ds:schemaRef ds:uri="http://www.w3.org/XML/1998/namespace"/>
+    <ds:schemaRef ds:uri="http://schemas.microsoft.com/office/2006/metadata/properties"/>
+    <ds:schemaRef ds:uri="http://schemas.microsoft.com/office/2006/documentManagement/types"/>
+    <ds:schemaRef ds:uri="http://schemas.microsoft.com/office/infopath/2007/PartnerControls"/>
+    <ds:schemaRef ds:uri="http://purl.org/dc/terms/"/>
+    <ds:schemaRef ds:uri="71af3243-3dd4-4a8d-8c0d-dd76da1f02a5"/>
+    <ds:schemaRef ds:uri="16c05727-aa75-4e4a-9b5f-8a80a1165891"/>
+    <ds:schemaRef ds:uri="http://schemas.openxmlformats.org/package/2006/metadata/core-properties"/>
+    <ds:schemaRef ds:uri="http://purl.org/dc/dcmitype/"/>
+    <ds:schemaRef ds:uri="http://purl.org/dc/elements/1.1/"/>
+  </ds:schemaRefs>
+</ds:datastoreItem>
 </file>
 
-<file path=customXml/item3.xml><?xml version="1.0" encoding="utf-8"?>
-<p:properties xmlns:p="http://schemas.microsoft.com/office/2006/metadata/properties" xmlns:xsi="http://www.w3.org/2001/XMLSchema-instance" xmlns:pc="http://schemas.microsoft.com/office/infopath/2007/PartnerControls">
-  <documentManagement>
-    <MediaServiceKeyPoints xmlns="71af3243-3dd4-4a8d-8c0d-dd76da1f02a5" xsi:nil="true"/>
-  </documentManagement>
-</p:properties>
+<file path=customXml/itemProps2.xml><?xml version="1.0" encoding="utf-8"?>
+<ds:datastoreItem xmlns:ds="http://schemas.openxmlformats.org/officeDocument/2006/customXml" ds:itemID="{4F44C90D-2A62-4985-9618-3460247437B1}">
+  <ds:schemaRefs>
+    <ds:schemaRef ds:uri="http://schemas.microsoft.com/sharepoint/v3/contenttype/forms"/>
+  </ds:schemaRefs>
+</ds:datastoreItem>
 </file>
 
-<file path=customXml/itemProps1.xml><?xml version="1.0" encoding="utf-8"?>
+<file path=customXml/itemProps3.xml><?xml version="1.0" encoding="utf-8"?>
 <ds:datastoreItem xmlns:ds="http://schemas.openxmlformats.org/officeDocument/2006/customXml" ds:itemID="{B61EAB5F-88FC-4FAE-AE3C-037A3C365EB8}">
   <ds:schemaRefs>
     <ds:schemaRef ds:uri="http://schemas.microsoft.com/office/2006/metadata/contentType"/>
@@ -26699,29 +26718,4 @@
     <ds:schemaRef ds:uri="http://schemas.microsoft.com/internal/obd"/>
   </ds:schemaRefs>
 </ds:datastoreItem>
-</file>
-
-<file path=customXml/itemProps2.xml><?xml version="1.0" encoding="utf-8"?>
-<ds:datastoreItem xmlns:ds="http://schemas.openxmlformats.org/officeDocument/2006/customXml" ds:itemID="{4F44C90D-2A62-4985-9618-3460247437B1}">
-  <ds:schemaRefs>
-    <ds:schemaRef ds:uri="http://schemas.microsoft.com/sharepoint/v3/contenttype/forms"/>
-  </ds:schemaRefs>
-</ds:datastoreItem>
-</file>
-
-<file path=customXml/itemProps3.xml><?xml version="1.0" encoding="utf-8"?>
-<ds:datastoreItem xmlns:ds="http://schemas.openxmlformats.org/officeDocument/2006/customXml" ds:itemID="{788A2F88-55C5-4ED1-9541-807C65424763}">
-  <ds:schemaRefs>
-    <ds:schemaRef ds:uri="http://www.w3.org/XML/1998/namespace"/>
-    <ds:schemaRef ds:uri="http://schemas.microsoft.com/office/2006/metadata/properties"/>
-    <ds:schemaRef ds:uri="http://schemas.microsoft.com/office/2006/documentManagement/types"/>
-    <ds:schemaRef ds:uri="http://schemas.microsoft.com/office/infopath/2007/PartnerControls"/>
-    <ds:schemaRef ds:uri="http://purl.org/dc/terms/"/>
-    <ds:schemaRef ds:uri="71af3243-3dd4-4a8d-8c0d-dd76da1f02a5"/>
-    <ds:schemaRef ds:uri="16c05727-aa75-4e4a-9b5f-8a80a1165891"/>
-    <ds:schemaRef ds:uri="http://schemas.openxmlformats.org/package/2006/metadata/core-properties"/>
-    <ds:schemaRef ds:uri="http://purl.org/dc/dcmitype/"/>
-    <ds:schemaRef ds:uri="http://purl.org/dc/elements/1.1/"/>
-  </ds:schemaRefs>
-</ds:datastoreItem>
 </file>
--- a/Presentations/Ns-3_presentation_F.pptx
+++ b/Presentations/Ns-3_presentation_F.pptx
@@ -219,7 +219,7 @@
             <a:pPr rtl="0"/>
             <a:fld id="{F0EC7D35-77BB-4867-BAC6-5C40C37B98F1}" type="datetime1">
               <a:rPr lang="el-GR" smtClean="0"/>
-              <a:t>17/11/2025</a:t>
+              <a:t>18/11/2025</a:t>
             </a:fld>
             <a:endParaRPr lang="el-GR" dirty="0"/>
           </a:p>
@@ -389,7 +389,7 @@
             <a:pPr rtl="0"/>
             <a:fld id="{707ABAE7-72BE-4378-9C66-B300388DE536}" type="datetime1">
               <a:rPr lang="el-GR" noProof="0" smtClean="0"/>
-              <a:t>17/11/2025</a:t>
+              <a:t>18/11/2025</a:t>
             </a:fld>
             <a:endParaRPr lang="el-GR" noProof="0" dirty="0"/>
           </a:p>
@@ -9655,7 +9655,7 @@
             <a:pPr rtl="0"/>
             <a:fld id="{EABDBA74-E4DB-4313-95D3-B7F630EE7B7F}" type="datetime1">
               <a:rPr lang="el-GR" noProof="0" smtClean="0"/>
-              <a:t>17/11/2025</a:t>
+              <a:t>18/11/2025</a:t>
             </a:fld>
             <a:endParaRPr lang="el-GR" noProof="0" dirty="0"/>
           </a:p>
@@ -9864,7 +9864,7 @@
             <a:pPr rtl="0"/>
             <a:fld id="{D9C97E28-F60A-427B-851A-BCC048F06BC7}" type="datetime1">
               <a:rPr lang="el-GR" noProof="0" smtClean="0"/>
-              <a:t>17/11/2025</a:t>
+              <a:t>18/11/2025</a:t>
             </a:fld>
             <a:endParaRPr lang="el-GR" noProof="0" dirty="0"/>
           </a:p>
@@ -10046,7 +10046,7 @@
             <a:pPr rtl="0"/>
             <a:fld id="{4EA33EDB-81C3-4DAA-87EA-DA21D6A7FC6C}" type="datetime1">
               <a:rPr lang="el-GR" noProof="0" smtClean="0"/>
-              <a:t>17/11/2025</a:t>
+              <a:t>18/11/2025</a:t>
             </a:fld>
             <a:endParaRPr lang="el-GR" noProof="0" dirty="0"/>
           </a:p>
@@ -10253,7 +10253,7 @@
             <a:pPr rtl="0"/>
             <a:fld id="{0FE5ACA5-56F5-4208-8101-108DA68822C6}" type="datetime1">
               <a:rPr lang="el-GR" noProof="0" smtClean="0"/>
-              <a:t>17/11/2025</a:t>
+              <a:t>18/11/2025</a:t>
             </a:fld>
             <a:endParaRPr lang="el-GR" noProof="0" dirty="0"/>
           </a:p>
@@ -19167,7 +19167,7 @@
             <a:pPr rtl="0"/>
             <a:fld id="{98AAE694-814A-4F58-A8E2-AA9B6575E0B5}" type="datetime1">
               <a:rPr lang="el-GR" noProof="0" smtClean="0"/>
-              <a:t>17/11/2025</a:t>
+              <a:t>18/11/2025</a:t>
             </a:fld>
             <a:endParaRPr lang="el-GR" noProof="0" dirty="0"/>
           </a:p>
@@ -19443,7 +19443,7 @@
             <a:pPr rtl="0"/>
             <a:fld id="{98B30D4A-F623-45A5-BE49-543B4B609AF2}" type="datetime1">
               <a:rPr lang="el-GR" noProof="0" smtClean="0"/>
-              <a:t>17/11/2025</a:t>
+              <a:t>18/11/2025</a:t>
             </a:fld>
             <a:endParaRPr lang="el-GR" noProof="0" dirty="0"/>
           </a:p>
@@ -19843,7 +19843,7 @@
             <a:pPr rtl="0"/>
             <a:fld id="{06412F62-D18F-463A-9A7E-E4809AAD76E4}" type="datetime1">
               <a:rPr lang="el-GR" noProof="0" smtClean="0"/>
-              <a:t>17/11/2025</a:t>
+              <a:t>18/11/2025</a:t>
             </a:fld>
             <a:endParaRPr lang="el-GR" noProof="0" dirty="0"/>
           </a:p>
@@ -19963,7 +19963,7 @@
             <a:pPr rtl="0"/>
             <a:fld id="{D2009D47-CF8A-48CB-81B8-5988DBFADA28}" type="datetime1">
               <a:rPr lang="el-GR" noProof="0" smtClean="0"/>
-              <a:t>17/11/2025</a:t>
+              <a:t>18/11/2025</a:t>
             </a:fld>
             <a:endParaRPr lang="el-GR" noProof="0" dirty="0"/>
           </a:p>
@@ -20059,7 +20059,7 @@
             <a:pPr rtl="0"/>
             <a:fld id="{89B075A6-4B0E-489A-92E5-C2C81D969D11}" type="datetime1">
               <a:rPr lang="el-GR" noProof="0" smtClean="0"/>
-              <a:t>17/11/2025</a:t>
+              <a:t>18/11/2025</a:t>
             </a:fld>
             <a:endParaRPr lang="el-GR" noProof="0" dirty="0"/>
           </a:p>
@@ -20351,7 +20351,7 @@
             <a:pPr rtl="0"/>
             <a:fld id="{7C290451-C354-46E0-BBD8-0317D7A1384C}" type="datetime1">
               <a:rPr lang="el-GR" noProof="0" smtClean="0"/>
-              <a:t>17/11/2025</a:t>
+              <a:t>18/11/2025</a:t>
             </a:fld>
             <a:endParaRPr lang="el-GR" noProof="0" dirty="0"/>
           </a:p>
@@ -20634,7 +20634,7 @@
             <a:pPr rtl="0"/>
             <a:fld id="{05DAA40D-D363-46A0-9276-B6A4797DC9A5}" type="datetime1">
               <a:rPr lang="el-GR" noProof="0" smtClean="0"/>
-              <a:t>17/11/2025</a:t>
+              <a:t>18/11/2025</a:t>
             </a:fld>
             <a:endParaRPr lang="el-GR" noProof="0" dirty="0"/>
           </a:p>
@@ -20883,7 +20883,7 @@
           <a:p>
             <a:fld id="{F98FDC76-A1F5-4EE8-BDE3-5EFC56AAE7AD}" type="datetime1">
               <a:rPr lang="el-GR" noProof="0" smtClean="0"/>
-              <a:t>17/11/2025</a:t>
+              <a:t>18/11/2025</a:t>
             </a:fld>
             <a:endParaRPr lang="el-GR" noProof="0" dirty="0"/>
           </a:p>
@@ -24846,57 +24846,6 @@
             </a:pPr>
             <a:endParaRPr lang="el-GR" u="sng" dirty="0"/>
           </a:p>
-          <a:p>
-            <a:pPr>
-              <a:buFont typeface="Arial" panose="020B0604020202020204" pitchFamily="34" charset="0"/>
-              <a:buChar char="•"/>
-            </a:pPr>
-            <a:endParaRPr lang="el-GR" u="sng" dirty="0"/>
-          </a:p>
-          <a:p>
-            <a:pPr marL="0" indent="0">
-              <a:buNone/>
-            </a:pPr>
-            <a:r>
-              <a:rPr lang="el-GR" dirty="0"/>
-              <a:t>+ </a:t>
-            </a:r>
-            <a:r>
-              <a:rPr lang="el-GR" dirty="0" err="1"/>
-              <a:t>καποιο</a:t>
-            </a:r>
-            <a:r>
-              <a:rPr lang="el-GR" dirty="0"/>
-              <a:t> </a:t>
-            </a:r>
-            <a:r>
-              <a:rPr lang="el-GR" dirty="0" err="1"/>
-              <a:t>διαγραμμα</a:t>
-            </a:r>
-            <a:r>
-              <a:rPr lang="el-GR" dirty="0"/>
-              <a:t>?</a:t>
-            </a:r>
-            <a:br>
-              <a:rPr lang="en-US" dirty="0"/>
-            </a:br>
-            <a:br>
-              <a:rPr lang="en-US" dirty="0"/>
-            </a:br>
-            <a:r>
-              <a:rPr lang="en-US" b="1" dirty="0">
-                <a:solidFill>
-                  <a:srgbClr val="FF0000"/>
-                </a:solidFill>
-              </a:rPr>
-              <a:t>Explain yourself!</a:t>
-            </a:r>
-            <a:endParaRPr lang="el-GR" b="1" dirty="0">
-              <a:solidFill>
-                <a:srgbClr val="FF0000"/>
-              </a:solidFill>
-            </a:endParaRPr>
-          </a:p>
         </p:txBody>
       </p:sp>
       <p:pic>
@@ -25013,8 +24962,8 @@
         </p:nvSpPr>
         <p:spPr>
           <a:xfrm>
-            <a:off x="807868" y="2112885"/>
-            <a:ext cx="11097088" cy="4524315"/>
+            <a:off x="723201" y="1867351"/>
+            <a:ext cx="11097088" cy="4308872"/>
           </a:xfrm>
           <a:prstGeom prst="rect">
             <a:avLst/>
@@ -25027,7 +24976,7 @@
           </a:bodyPr>
           <a:lstStyle/>
           <a:p>
-            <a:pPr eaLnBrk="0" fontAlgn="base" hangingPunct="0">
+            <a:pPr algn="just" eaLnBrk="0" fontAlgn="base" hangingPunct="0">
               <a:lnSpc>
                 <a:spcPct val="100000"/>
               </a:lnSpc>
@@ -25050,89 +24999,38 @@
                   </a:schemeClr>
                 </a:solidFill>
                 <a:latin typeface="Arial" panose="020B0604020202020204" pitchFamily="34" charset="0"/>
+                <a:cs typeface="Arial" panose="020B0604020202020204" pitchFamily="34" charset="0"/>
               </a:rPr>
               <a:t> </a:t>
             </a:r>
             <a:r>
-              <a:rPr lang="el-GR" altLang="el-GR" dirty="0">
-                <a:latin typeface="Arial" panose="020B0604020202020204" pitchFamily="34" charset="0"/>
-              </a:rPr>
-              <a:t>Επιλέξαμε την δυναμική δρομολόγηση OLSR (Optimized Link State Routing)</a:t>
-            </a:r>
-            <a:r>
-              <a:rPr lang="en-US" altLang="el-GR" dirty="0">
-                <a:latin typeface="Arial" panose="020B0604020202020204" pitchFamily="34" charset="0"/>
-              </a:rPr>
-              <a:t>, </a:t>
-            </a:r>
-            <a:r>
-              <a:rPr lang="el-GR" altLang="el-GR" b="1" dirty="0">
-                <a:solidFill>
-                  <a:srgbClr val="FF0000"/>
-                </a:solidFill>
+              <a:rPr lang="el-GR" altLang="el-GR" sz="1700" dirty="0">
                 <a:latin typeface="Arial" panose="020B0604020202020204" pitchFamily="34" charset="0"/>
                 <a:cs typeface="Arial" panose="020B0604020202020204" pitchFamily="34" charset="0"/>
               </a:rPr>
-              <a:t>μήπως αν πούμε κάτι τέτοιο εδώ? </a:t>
-            </a:r>
-            <a:r>
-              <a:rPr lang="en-US" b="1" dirty="0">
-                <a:solidFill>
-                  <a:srgbClr val="FF0000"/>
-                </a:solidFill>
+              <a:t>Επιλέξαμε την δυναμική δρομολόγηση OLSR (Optimized Link State </a:t>
+            </a:r>
+            <a:r>
+              <a:rPr lang="el-GR" altLang="el-GR" sz="1700" dirty="0" err="1">
                 <a:latin typeface="Arial" panose="020B0604020202020204" pitchFamily="34" charset="0"/>
                 <a:cs typeface="Arial" panose="020B0604020202020204" pitchFamily="34" charset="0"/>
               </a:rPr>
-              <a:t>It reacts quickly to topology changes</a:t>
-            </a:r>
-            <a:r>
-              <a:rPr lang="el-GR" b="1" dirty="0">
-                <a:solidFill>
-                  <a:srgbClr val="FF0000"/>
-                </a:solidFill>
+              <a:t>Routing</a:t>
+            </a:r>
+            <a:r>
+              <a:rPr lang="el-GR" altLang="el-GR" sz="1700" dirty="0">
                 <a:latin typeface="Arial" panose="020B0604020202020204" pitchFamily="34" charset="0"/>
                 <a:cs typeface="Arial" panose="020B0604020202020204" pitchFamily="34" charset="0"/>
               </a:rPr>
-              <a:t>, </a:t>
-            </a:r>
-            <a:r>
-              <a:rPr lang="en-US" b="1" dirty="0">
-                <a:solidFill>
-                  <a:srgbClr val="FF0000"/>
-                </a:solidFill>
-                <a:latin typeface="Arial" panose="020B0604020202020204" pitchFamily="34" charset="0"/>
-                <a:cs typeface="Arial" panose="020B0604020202020204" pitchFamily="34" charset="0"/>
-              </a:rPr>
-              <a:t>Scales better with many nodes and well-supported in NS-3.</a:t>
-            </a:r>
-            <a:endParaRPr lang="en-US" altLang="el-GR" b="1" dirty="0">
-              <a:solidFill>
-                <a:srgbClr val="FF0000"/>
-              </a:solidFill>
+              <a:t>). Το OLSR ανταποκρίνεται γρήγορα σε αλλαγές της τοπολογίας και υποστηρίζεται πλήρως στο περιβάλλον του ns-3.</a:t>
+            </a:r>
+            <a:endParaRPr lang="en-US" altLang="el-GR" sz="1700" dirty="0">
               <a:latin typeface="Arial" panose="020B0604020202020204" pitchFamily="34" charset="0"/>
               <a:cs typeface="Arial" panose="020B0604020202020204" pitchFamily="34" charset="0"/>
             </a:endParaRPr>
           </a:p>
           <a:p>
-            <a:pPr eaLnBrk="0" fontAlgn="base" hangingPunct="0">
-              <a:spcBef>
-                <a:spcPct val="0"/>
-              </a:spcBef>
-              <a:spcAft>
-                <a:spcPct val="0"/>
-              </a:spcAft>
-            </a:pPr>
-            <a:endParaRPr lang="en-US" altLang="el-GR" dirty="0">
-              <a:solidFill>
-                <a:schemeClr val="accent1">
-                  <a:lumMod val="75000"/>
-                </a:schemeClr>
-              </a:solidFill>
-              <a:latin typeface="Arial" panose="020B0604020202020204" pitchFamily="34" charset="0"/>
-            </a:endParaRPr>
-          </a:p>
-          <a:p>
-            <a:pPr eaLnBrk="0" fontAlgn="base" hangingPunct="0">
+            <a:pPr algn="just" eaLnBrk="0" fontAlgn="base" hangingPunct="0">
               <a:lnSpc>
                 <a:spcPct val="100000"/>
               </a:lnSpc>
@@ -25147,94 +25045,18 @@
               <a:buFont typeface="Arial" panose="020B0604020202020204" pitchFamily="34" charset="0"/>
               <a:buChar char="•"/>
             </a:pPr>
-            <a:r>
-              <a:rPr lang="el-GR" altLang="el-GR" dirty="0">
-                <a:solidFill>
-                  <a:schemeClr val="accent1">
-                    <a:lumMod val="75000"/>
-                  </a:schemeClr>
-                </a:solidFill>
-                <a:latin typeface="Arial" panose="020B0604020202020204" pitchFamily="34" charset="0"/>
-              </a:rPr>
-              <a:t> </a:t>
-            </a:r>
-            <a:r>
-              <a:rPr lang="el-GR" altLang="el-GR" dirty="0">
-                <a:latin typeface="Arial" panose="020B0604020202020204" pitchFamily="34" charset="0"/>
-              </a:rPr>
-              <a:t>Επιπλέον,</a:t>
-            </a:r>
-            <a:r>
-              <a:rPr lang="en-US" altLang="el-GR" dirty="0">
-                <a:latin typeface="Arial" panose="020B0604020202020204" pitchFamily="34" charset="0"/>
-              </a:rPr>
-              <a:t> </a:t>
-            </a:r>
-            <a:r>
-              <a:rPr lang="el-GR" altLang="el-GR" dirty="0">
-                <a:latin typeface="Arial" panose="020B0604020202020204" pitchFamily="34" charset="0"/>
-              </a:rPr>
-              <a:t>συμπεριλάβαμε τις εξής βιβλιοθήκες: </a:t>
-            </a:r>
-            <a:r>
-              <a:rPr lang="en-US" altLang="el-GR" dirty="0">
-                <a:latin typeface="Arial" panose="020B0604020202020204" pitchFamily="34" charset="0"/>
-              </a:rPr>
-              <a:t>module </a:t>
-            </a:r>
-            <a:r>
-              <a:rPr lang="en-US" altLang="el-GR" dirty="0" err="1">
-                <a:latin typeface="Arial" panose="020B0604020202020204" pitchFamily="34" charset="0"/>
-              </a:rPr>
-              <a:t>olsr-helper.h</a:t>
-            </a:r>
-            <a:r>
-              <a:rPr lang="en-US" altLang="el-GR" dirty="0">
-                <a:latin typeface="Arial" panose="020B0604020202020204" pitchFamily="34" charset="0"/>
-              </a:rPr>
-              <a:t>, ns3/applications-</a:t>
-            </a:r>
-            <a:r>
-              <a:rPr lang="en-US" altLang="el-GR" dirty="0" err="1">
-                <a:latin typeface="Arial" panose="020B0604020202020204" pitchFamily="34" charset="0"/>
-              </a:rPr>
-              <a:t>module.h</a:t>
-            </a:r>
-            <a:r>
-              <a:rPr lang="en-US" altLang="el-GR">
-                <a:latin typeface="Arial" panose="020B0604020202020204" pitchFamily="34" charset="0"/>
-              </a:rPr>
-              <a:t>, </a:t>
-            </a:r>
-            <a:br>
-              <a:rPr lang="en-US" altLang="el-GR">
-                <a:latin typeface="Arial" panose="020B0604020202020204" pitchFamily="34" charset="0"/>
-              </a:rPr>
-            </a:br>
-            <a:r>
-              <a:rPr lang="en-US" altLang="el-GR">
-                <a:latin typeface="Arial" panose="020B0604020202020204" pitchFamily="34" charset="0"/>
-              </a:rPr>
-              <a:t>internet-</a:t>
-            </a:r>
-            <a:r>
-              <a:rPr lang="en-US" altLang="el-GR" dirty="0" err="1">
-                <a:latin typeface="Arial" panose="020B0604020202020204" pitchFamily="34" charset="0"/>
-              </a:rPr>
-              <a:t>module.h</a:t>
-            </a:r>
-            <a:r>
-              <a:rPr lang="en-US" altLang="el-GR" dirty="0">
-                <a:latin typeface="Arial" panose="020B0604020202020204" pitchFamily="34" charset="0"/>
-              </a:rPr>
-              <a:t>.</a:t>
-            </a:r>
-            <a:endParaRPr lang="el-GR" altLang="el-GR" dirty="0">
+            <a:endParaRPr lang="en-US" altLang="el-GR" sz="1700" dirty="0">
+              <a:solidFill>
+                <a:schemeClr val="accent1">
+                  <a:lumMod val="75000"/>
+                </a:schemeClr>
+              </a:solidFill>
               <a:latin typeface="Arial" panose="020B0604020202020204" pitchFamily="34" charset="0"/>
+              <a:cs typeface="Arial" panose="020B0604020202020204" pitchFamily="34" charset="0"/>
             </a:endParaRPr>
           </a:p>
           <a:p>
-            <a:pPr eaLnBrk="0" fontAlgn="base" hangingPunct="0">
+            <a:pPr algn="just" eaLnBrk="0" fontAlgn="base" hangingPunct="0">
               <a:lnSpc>
                 <a:spcPct val="100000"/>
               </a:lnSpc>
@@ -25249,12 +25071,104 @@
               <a:buFont typeface="Arial" panose="020B0604020202020204" pitchFamily="34" charset="0"/>
               <a:buChar char="•"/>
             </a:pPr>
-            <a:endParaRPr lang="el-GR" altLang="el-GR" dirty="0">
-              <a:latin typeface="Arial" panose="020B0604020202020204" pitchFamily="34" charset="0"/>
-            </a:endParaRPr>
+            <a:r>
+              <a:rPr lang="el-GR" altLang="el-GR" sz="1700" dirty="0">
+                <a:solidFill>
+                  <a:schemeClr val="accent1">
+                    <a:lumMod val="75000"/>
+                  </a:schemeClr>
+                </a:solidFill>
+                <a:latin typeface="Arial" panose="020B0604020202020204" pitchFamily="34" charset="0"/>
+                <a:cs typeface="Arial" panose="020B0604020202020204" pitchFamily="34" charset="0"/>
+              </a:rPr>
+              <a:t> </a:t>
+            </a:r>
+            <a:r>
+              <a:rPr lang="el-GR" altLang="el-GR" sz="1700" dirty="0">
+                <a:latin typeface="Arial" panose="020B0604020202020204" pitchFamily="34" charset="0"/>
+                <a:cs typeface="Arial" panose="020B0604020202020204" pitchFamily="34" charset="0"/>
+              </a:rPr>
+              <a:t>Επιπλέον,</a:t>
+            </a:r>
+            <a:r>
+              <a:rPr lang="en-US" altLang="el-GR" sz="1700" dirty="0">
+                <a:latin typeface="Arial" panose="020B0604020202020204" pitchFamily="34" charset="0"/>
+                <a:cs typeface="Arial" panose="020B0604020202020204" pitchFamily="34" charset="0"/>
+              </a:rPr>
+              <a:t> </a:t>
+            </a:r>
+            <a:r>
+              <a:rPr lang="el-GR" altLang="el-GR" sz="1700" dirty="0">
+                <a:latin typeface="Arial" panose="020B0604020202020204" pitchFamily="34" charset="0"/>
+                <a:cs typeface="Arial" panose="020B0604020202020204" pitchFamily="34" charset="0"/>
+              </a:rPr>
+              <a:t>συμπεριλάβαμε τις εξής βιβλιοθήκες: </a:t>
+            </a:r>
+            <a:r>
+              <a:rPr lang="en-US" altLang="el-GR" sz="1700" dirty="0">
+                <a:latin typeface="Arial" panose="020B0604020202020204" pitchFamily="34" charset="0"/>
+                <a:cs typeface="Arial" panose="020B0604020202020204" pitchFamily="34" charset="0"/>
+              </a:rPr>
+              <a:t>module </a:t>
+            </a:r>
+            <a:r>
+              <a:rPr lang="en-US" altLang="el-GR" sz="1700" dirty="0" err="1">
+                <a:latin typeface="Arial" panose="020B0604020202020204" pitchFamily="34" charset="0"/>
+                <a:cs typeface="Arial" panose="020B0604020202020204" pitchFamily="34" charset="0"/>
+              </a:rPr>
+              <a:t>olsr-helper.h</a:t>
+            </a:r>
+            <a:r>
+              <a:rPr lang="en-US" altLang="el-GR" sz="1700" dirty="0">
+                <a:latin typeface="Arial" panose="020B0604020202020204" pitchFamily="34" charset="0"/>
+                <a:cs typeface="Arial" panose="020B0604020202020204" pitchFamily="34" charset="0"/>
+              </a:rPr>
+              <a:t>, ns3/applications-</a:t>
+            </a:r>
+            <a:r>
+              <a:rPr lang="en-US" altLang="el-GR" sz="1700" dirty="0" err="1">
+                <a:latin typeface="Arial" panose="020B0604020202020204" pitchFamily="34" charset="0"/>
+                <a:cs typeface="Arial" panose="020B0604020202020204" pitchFamily="34" charset="0"/>
+              </a:rPr>
+              <a:t>module.h</a:t>
+            </a:r>
+            <a:r>
+              <a:rPr lang="en-US" altLang="el-GR" sz="1700" dirty="0">
+                <a:latin typeface="Arial" panose="020B0604020202020204" pitchFamily="34" charset="0"/>
+                <a:cs typeface="Arial" panose="020B0604020202020204" pitchFamily="34" charset="0"/>
+              </a:rPr>
+              <a:t>, </a:t>
+            </a:r>
+            <a:br>
+              <a:rPr lang="en-US" altLang="el-GR" sz="1700" dirty="0">
+                <a:latin typeface="Arial" panose="020B0604020202020204" pitchFamily="34" charset="0"/>
+                <a:cs typeface="Arial" panose="020B0604020202020204" pitchFamily="34" charset="0"/>
+              </a:rPr>
+            </a:br>
+            <a:r>
+              <a:rPr lang="en-US" altLang="el-GR" sz="1700" dirty="0">
+                <a:latin typeface="Arial" panose="020B0604020202020204" pitchFamily="34" charset="0"/>
+                <a:cs typeface="Arial" panose="020B0604020202020204" pitchFamily="34" charset="0"/>
+              </a:rPr>
+              <a:t>internet-</a:t>
+            </a:r>
+            <a:r>
+              <a:rPr lang="en-US" altLang="el-GR" sz="1700" dirty="0" err="1">
+                <a:latin typeface="Arial" panose="020B0604020202020204" pitchFamily="34" charset="0"/>
+                <a:cs typeface="Arial" panose="020B0604020202020204" pitchFamily="34" charset="0"/>
+              </a:rPr>
+              <a:t>module.h</a:t>
+            </a:r>
+            <a:r>
+              <a:rPr lang="en-US" altLang="el-GR" sz="1700" dirty="0">
+                <a:latin typeface="Arial" panose="020B0604020202020204" pitchFamily="34" charset="0"/>
+                <a:cs typeface="Arial" panose="020B0604020202020204" pitchFamily="34" charset="0"/>
+              </a:rPr>
+              <a:t>.</a:t>
+            </a:r>
           </a:p>
           <a:p>
-            <a:pPr eaLnBrk="0" fontAlgn="base" hangingPunct="0">
+            <a:pPr algn="just" eaLnBrk="0" fontAlgn="base" hangingPunct="0">
               <a:lnSpc>
                 <a:spcPct val="100000"/>
               </a:lnSpc>
@@ -25269,48 +25183,13 @@
               <a:buFont typeface="Arial" panose="020B0604020202020204" pitchFamily="34" charset="0"/>
               <a:buChar char="•"/>
             </a:pPr>
-            <a:r>
-              <a:rPr lang="el-GR" altLang="el-GR" dirty="0">
-                <a:solidFill>
-                  <a:schemeClr val="accent1">
-                    <a:lumMod val="75000"/>
-                  </a:schemeClr>
-                </a:solidFill>
-                <a:latin typeface="Arial" panose="020B0604020202020204" pitchFamily="34" charset="0"/>
-              </a:rPr>
-              <a:t> </a:t>
-            </a:r>
-            <a:r>
-              <a:rPr lang="en-US" altLang="el-GR" dirty="0">
-                <a:latin typeface="Arial" panose="020B0604020202020204" pitchFamily="34" charset="0"/>
-              </a:rPr>
-              <a:t>Internet stack, </a:t>
-            </a:r>
-            <a:r>
-              <a:rPr lang="en-US" dirty="0">
-                <a:latin typeface="Arial" panose="020B0604020202020204" pitchFamily="34" charset="0"/>
-              </a:rPr>
-              <a:t>Provides the essential networking protocol layers that enable nodes in a network to communicate and poses as a software foundation for sending, receiving, and processing packets.</a:t>
-            </a:r>
-            <a:endParaRPr lang="el-GR" altLang="el-GR" dirty="0">
+            <a:endParaRPr lang="el-GR" altLang="el-GR" sz="1700" dirty="0">
               <a:latin typeface="Arial" panose="020B0604020202020204" pitchFamily="34" charset="0"/>
+              <a:cs typeface="Arial" panose="020B0604020202020204" pitchFamily="34" charset="0"/>
             </a:endParaRPr>
           </a:p>
           <a:p>
-            <a:pPr eaLnBrk="0" fontAlgn="base" hangingPunct="0">
-              <a:spcBef>
-                <a:spcPct val="0"/>
-              </a:spcBef>
-              <a:spcAft>
-                <a:spcPct val="0"/>
-              </a:spcAft>
-            </a:pPr>
-            <a:endParaRPr lang="en-US" altLang="el-GR" dirty="0">
-              <a:latin typeface="Arial" panose="020B0604020202020204" pitchFamily="34" charset="0"/>
-            </a:endParaRPr>
-          </a:p>
-          <a:p>
-            <a:pPr eaLnBrk="0" fontAlgn="base" hangingPunct="0">
+            <a:pPr algn="just" eaLnBrk="0" fontAlgn="base" hangingPunct="0">
               <a:lnSpc>
                 <a:spcPct val="100000"/>
               </a:lnSpc>
@@ -25326,47 +25205,45 @@
               <a:buChar char="•"/>
             </a:pPr>
             <a:r>
-              <a:rPr lang="el-GR" altLang="el-GR" dirty="0">
+              <a:rPr lang="el-GR" altLang="el-GR" sz="1700" dirty="0">
                 <a:solidFill>
                   <a:schemeClr val="accent1">
                     <a:lumMod val="75000"/>
                   </a:schemeClr>
                 </a:solidFill>
                 <a:latin typeface="Arial" panose="020B0604020202020204" pitchFamily="34" charset="0"/>
+                <a:cs typeface="Arial" panose="020B0604020202020204" pitchFamily="34" charset="0"/>
               </a:rPr>
-              <a:t> </a:t>
-            </a:r>
-            <a:r>
-              <a:rPr lang="en-US" altLang="el-GR" dirty="0">
+              <a:t>  </a:t>
+            </a:r>
+            <a:r>
+              <a:rPr lang="el-GR" altLang="el-GR" sz="1700" dirty="0">
                 <a:latin typeface="Arial" panose="020B0604020202020204" pitchFamily="34" charset="0"/>
+                <a:cs typeface="Arial" panose="020B0604020202020204" pitchFamily="34" charset="0"/>
               </a:rPr>
-              <a:t>Packet sink, </a:t>
-            </a:r>
-            <a:r>
-              <a:rPr lang="en-US" dirty="0">
+              <a:t>Το </a:t>
+            </a:r>
+            <a:r>
+              <a:rPr lang="en-US" altLang="el-GR" sz="1700" dirty="0">
                 <a:latin typeface="Arial" panose="020B0604020202020204" pitchFamily="34" charset="0"/>
+                <a:cs typeface="Arial" panose="020B0604020202020204" pitchFamily="34" charset="0"/>
               </a:rPr>
-              <a:t>A simple application that receives incoming packets, used to measure traffic, throughput, or packet delivery</a:t>
-            </a:r>
-            <a:endParaRPr lang="el-GR" altLang="el-GR" dirty="0">
+              <a:t>internet stack </a:t>
+            </a:r>
+            <a:r>
+              <a:rPr lang="el-GR" altLang="el-GR" sz="1700" dirty="0">
+                <a:latin typeface="Arial" panose="020B0604020202020204" pitchFamily="34" charset="0"/>
+                <a:cs typeface="Arial" panose="020B0604020202020204" pitchFamily="34" charset="0"/>
+              </a:rPr>
+              <a:t>παρέχει τα βασικά επίπεδα πρωτοκόλλων δικτύου που επιτρέπουν την επικοινωνία μεταξύ των κόμβων και λειτουργεί ως σύστημα λογισμικού που υποστηρίζει την αποστολή, λήψη και επεξεργασία πακέτων.</a:t>
+            </a:r>
+            <a:endParaRPr lang="en-US" altLang="el-GR" sz="1700" dirty="0">
               <a:latin typeface="Arial" panose="020B0604020202020204" pitchFamily="34" charset="0"/>
+              <a:cs typeface="Arial" panose="020B0604020202020204" pitchFamily="34" charset="0"/>
             </a:endParaRPr>
           </a:p>
           <a:p>
-            <a:pPr eaLnBrk="0" fontAlgn="base" hangingPunct="0">
-              <a:spcBef>
-                <a:spcPct val="0"/>
-              </a:spcBef>
-              <a:spcAft>
-                <a:spcPct val="0"/>
-              </a:spcAft>
-            </a:pPr>
-            <a:endParaRPr lang="en-US" altLang="el-GR" dirty="0">
-              <a:latin typeface="Arial" panose="020B0604020202020204" pitchFamily="34" charset="0"/>
-            </a:endParaRPr>
-          </a:p>
-          <a:p>
-            <a:pPr eaLnBrk="0" fontAlgn="base" hangingPunct="0">
+            <a:pPr algn="just" eaLnBrk="0" fontAlgn="base" hangingPunct="0">
               <a:lnSpc>
                 <a:spcPct val="100000"/>
               </a:lnSpc>
@@ -25381,36 +25258,135 @@
               <a:buFont typeface="Arial" panose="020B0604020202020204" pitchFamily="34" charset="0"/>
               <a:buChar char="•"/>
             </a:pPr>
-            <a:r>
-              <a:rPr lang="el-GR" altLang="el-GR" dirty="0">
+            <a:endParaRPr lang="en-US" altLang="el-GR" sz="1700" dirty="0">
+              <a:latin typeface="Arial" panose="020B0604020202020204" pitchFamily="34" charset="0"/>
+              <a:cs typeface="Arial" panose="020B0604020202020204" pitchFamily="34" charset="0"/>
+            </a:endParaRPr>
+          </a:p>
+          <a:p>
+            <a:pPr algn="just" eaLnBrk="0" fontAlgn="base" hangingPunct="0">
+              <a:lnSpc>
+                <a:spcPct val="100000"/>
+              </a:lnSpc>
+              <a:spcBef>
+                <a:spcPct val="0"/>
+              </a:spcBef>
+              <a:spcAft>
+                <a:spcPct val="0"/>
+              </a:spcAft>
+              <a:buClrTx/>
+              <a:buSzTx/>
+              <a:buFont typeface="Arial" panose="020B0604020202020204" pitchFamily="34" charset="0"/>
+              <a:buChar char="•"/>
+            </a:pPr>
+            <a:r>
+              <a:rPr lang="el-GR" altLang="el-GR" sz="1700" dirty="0">
                 <a:solidFill>
                   <a:schemeClr val="accent1">
                     <a:lumMod val="75000"/>
                   </a:schemeClr>
                 </a:solidFill>
                 <a:latin typeface="Arial" panose="020B0604020202020204" pitchFamily="34" charset="0"/>
+                <a:cs typeface="Arial" panose="020B0604020202020204" pitchFamily="34" charset="0"/>
+              </a:rPr>
+              <a:t>   </a:t>
+            </a:r>
+            <a:r>
+              <a:rPr lang="el-GR" altLang="el-GR" sz="1700" dirty="0">
+                <a:latin typeface="Arial" panose="020B0604020202020204" pitchFamily="34" charset="0"/>
+                <a:cs typeface="Arial" panose="020B0604020202020204" pitchFamily="34" charset="0"/>
+              </a:rPr>
+              <a:t>Το </a:t>
+            </a:r>
+            <a:r>
+              <a:rPr lang="en-US" altLang="el-GR" sz="1700" dirty="0">
+                <a:latin typeface="Arial" panose="020B0604020202020204" pitchFamily="34" charset="0"/>
+                <a:cs typeface="Arial" panose="020B0604020202020204" pitchFamily="34" charset="0"/>
+              </a:rPr>
+              <a:t>packet sink </a:t>
+            </a:r>
+            <a:r>
+              <a:rPr lang="el-GR" altLang="el-GR" sz="1700" dirty="0">
+                <a:latin typeface="Arial" panose="020B0604020202020204" pitchFamily="34" charset="0"/>
+                <a:cs typeface="Arial" panose="020B0604020202020204" pitchFamily="34" charset="0"/>
+              </a:rPr>
+              <a:t>που λαμβάνει εισερχόμενα πακέτα και χρησιμοποιείται για τη μέτρηση της δικτυακής κίνησης και της επιτυχούς παράδοσης πακέτων.</a:t>
+            </a:r>
+            <a:endParaRPr lang="en-US" altLang="el-GR" sz="1700" dirty="0">
+              <a:latin typeface="Arial" panose="020B0604020202020204" pitchFamily="34" charset="0"/>
+              <a:cs typeface="Arial" panose="020B0604020202020204" pitchFamily="34" charset="0"/>
+            </a:endParaRPr>
+          </a:p>
+          <a:p>
+            <a:pPr algn="just" eaLnBrk="0" fontAlgn="base" hangingPunct="0">
+              <a:lnSpc>
+                <a:spcPct val="100000"/>
+              </a:lnSpc>
+              <a:spcBef>
+                <a:spcPct val="0"/>
+              </a:spcBef>
+              <a:spcAft>
+                <a:spcPct val="0"/>
+              </a:spcAft>
+              <a:buClrTx/>
+              <a:buSzTx/>
+              <a:buFont typeface="Arial" panose="020B0604020202020204" pitchFamily="34" charset="0"/>
+              <a:buChar char="•"/>
+            </a:pPr>
+            <a:endParaRPr lang="en-US" altLang="el-GR" sz="1700" dirty="0">
+              <a:latin typeface="Arial" panose="020B0604020202020204" pitchFamily="34" charset="0"/>
+              <a:cs typeface="Arial" panose="020B0604020202020204" pitchFamily="34" charset="0"/>
+            </a:endParaRPr>
+          </a:p>
+          <a:p>
+            <a:pPr algn="just" eaLnBrk="0" fontAlgn="base" hangingPunct="0">
+              <a:lnSpc>
+                <a:spcPct val="100000"/>
+              </a:lnSpc>
+              <a:spcBef>
+                <a:spcPct val="0"/>
+              </a:spcBef>
+              <a:spcAft>
+                <a:spcPct val="0"/>
+              </a:spcAft>
+              <a:buClrTx/>
+              <a:buSzTx/>
+              <a:buFont typeface="Arial" panose="020B0604020202020204" pitchFamily="34" charset="0"/>
+              <a:buChar char="•"/>
+            </a:pPr>
+            <a:r>
+              <a:rPr lang="el-GR" altLang="el-GR" sz="1700" dirty="0">
+                <a:solidFill>
+                  <a:schemeClr val="accent1">
+                    <a:lumMod val="75000"/>
+                  </a:schemeClr>
+                </a:solidFill>
+                <a:latin typeface="Arial" panose="020B0604020202020204" pitchFamily="34" charset="0"/>
+                <a:cs typeface="Arial" panose="020B0604020202020204" pitchFamily="34" charset="0"/>
               </a:rPr>
               <a:t> </a:t>
             </a:r>
             <a:r>
-              <a:rPr lang="en-US" altLang="el-GR" dirty="0">
+              <a:rPr lang="el-GR" altLang="el-GR" sz="1700" dirty="0">
                 <a:latin typeface="Arial" panose="020B0604020202020204" pitchFamily="34" charset="0"/>
+                <a:cs typeface="Arial" panose="020B0604020202020204" pitchFamily="34" charset="0"/>
               </a:rPr>
-              <a:t>Warm-up phase,  A period of time where in a  system the </a:t>
-            </a:r>
-            <a:r>
-              <a:rPr lang="en-US" dirty="0">
+              <a:t>Το </a:t>
+            </a:r>
+            <a:r>
+              <a:rPr lang="en-US" altLang="el-GR" sz="1700" dirty="0">
                 <a:latin typeface="Arial" panose="020B0604020202020204" pitchFamily="34" charset="0"/>
+                <a:cs typeface="Arial" panose="020B0604020202020204" pitchFamily="34" charset="0"/>
               </a:rPr>
-              <a:t>measurements are intentionally ignored to allow routing tables, queues, and traffic patterns to stabilize before accurate performance data is collected</a:t>
-            </a:r>
-            <a:r>
-              <a:rPr lang="en-US" dirty="0"/>
-              <a:t>.</a:t>
-            </a:r>
-            <a:endParaRPr lang="el-GR" altLang="el-GR" dirty="0">
-              <a:latin typeface="Arial" panose="020B0604020202020204" pitchFamily="34" charset="0"/>
-            </a:endParaRPr>
+              <a:t>warm up phase </a:t>
+            </a:r>
+            <a:r>
+              <a:rPr lang="el-GR" altLang="el-GR" sz="1700" dirty="0">
+                <a:latin typeface="Arial" panose="020B0604020202020204" pitchFamily="34" charset="0"/>
+                <a:cs typeface="Arial" panose="020B0604020202020204" pitchFamily="34" charset="0"/>
+              </a:rPr>
+              <a:t>είναι μια χρονική περίοδος κατά την οποία οι μετρήσεις αγνοούνται σκόπιμα, ώστε να δοθεί χρόνος στο σύστημα να σταθεροποιήσει τους πίνακες δρομολόγησης, τις ουρές και τα πρότυπα κίνησης πριν ξεκινήσει η συλλογή ακριβών δεδομένων απόδοσης.</a:t>
+            </a:r>
           </a:p>
           <a:p>
             <a:endParaRPr lang="en-US" dirty="0"/>
@@ -26449,14 +26425,6 @@
 </file>
 
 <file path=customXml/item1.xml><?xml version="1.0" encoding="utf-8"?>
-<p:properties xmlns:p="http://schemas.microsoft.com/office/2006/metadata/properties" xmlns:xsi="http://www.w3.org/2001/XMLSchema-instance" xmlns:pc="http://schemas.microsoft.com/office/infopath/2007/PartnerControls">
-  <documentManagement>
-    <MediaServiceKeyPoints xmlns="71af3243-3dd4-4a8d-8c0d-dd76da1f02a5" xsi:nil="true"/>
-  </documentManagement>
-</p:properties>
-</file>
-
-<file path=customXml/item2.xml><?xml version="1.0" encoding="utf-8"?>
 <?mso-contentType ?>
 <FormTemplates xmlns="http://schemas.microsoft.com/sharepoint/v3/contenttype/forms">
   <Display>DocumentLibraryForm</Display>
@@ -26465,7 +26433,7 @@
 </FormTemplates>
 </file>
 
-<file path=customXml/item3.xml><?xml version="1.0" encoding="utf-8"?>
+<file path=customXml/item2.xml><?xml version="1.0" encoding="utf-8"?>
 <ct:contentTypeSchema xmlns:ct="http://schemas.microsoft.com/office/2006/metadata/contentType" xmlns:ma="http://schemas.microsoft.com/office/2006/metadata/properties/metaAttributes" ct:_="" ma:_="" ma:contentTypeName="Document" ma:contentTypeID="0x01010079F111ED35F8CC479449609E8A0923A6" ma:contentTypeVersion="11" ma:contentTypeDescription="Create a new document." ma:contentTypeScope="" ma:versionID="9677210f24a1be23c92c90fd886aa0aa">
   <xsd:schema xmlns:xsd="http://www.w3.org/2001/XMLSchema" xmlns:xs="http://www.w3.org/2001/XMLSchema" xmlns:p="http://schemas.microsoft.com/office/2006/metadata/properties" xmlns:ns2="71af3243-3dd4-4a8d-8c0d-dd76da1f02a5" xmlns:ns3="16c05727-aa75-4e4a-9b5f-8a80a1165891" targetNamespace="http://schemas.microsoft.com/office/2006/metadata/properties" ma:root="true" ma:fieldsID="60e05723c5c1908df1a1a4ebf11d344e" ns2:_="" ns3:_="">
     <xsd:import namespace="71af3243-3dd4-4a8d-8c0d-dd76da1f02a5"/>
@@ -26676,24 +26644,15 @@
 </ct:contentTypeSchema>
 </file>
 
-<file path=customXml/itemProps1.xml><?xml version="1.0" encoding="utf-8"?>
-<ds:datastoreItem xmlns:ds="http://schemas.openxmlformats.org/officeDocument/2006/customXml" ds:itemID="{788A2F88-55C5-4ED1-9541-807C65424763}">
-  <ds:schemaRefs>
-    <ds:schemaRef ds:uri="http://www.w3.org/XML/1998/namespace"/>
-    <ds:schemaRef ds:uri="http://schemas.microsoft.com/office/2006/metadata/properties"/>
-    <ds:schemaRef ds:uri="http://schemas.microsoft.com/office/2006/documentManagement/types"/>
-    <ds:schemaRef ds:uri="http://schemas.microsoft.com/office/infopath/2007/PartnerControls"/>
-    <ds:schemaRef ds:uri="http://purl.org/dc/terms/"/>
-    <ds:schemaRef ds:uri="71af3243-3dd4-4a8d-8c0d-dd76da1f02a5"/>
-    <ds:schemaRef ds:uri="16c05727-aa75-4e4a-9b5f-8a80a1165891"/>
-    <ds:schemaRef ds:uri="http://schemas.openxmlformats.org/package/2006/metadata/core-properties"/>
-    <ds:schemaRef ds:uri="http://purl.org/dc/dcmitype/"/>
-    <ds:schemaRef ds:uri="http://purl.org/dc/elements/1.1/"/>
-  </ds:schemaRefs>
-</ds:datastoreItem>
+<file path=customXml/item3.xml><?xml version="1.0" encoding="utf-8"?>
+<p:properties xmlns:p="http://schemas.microsoft.com/office/2006/metadata/properties" xmlns:xsi="http://www.w3.org/2001/XMLSchema-instance" xmlns:pc="http://schemas.microsoft.com/office/infopath/2007/PartnerControls">
+  <documentManagement>
+    <MediaServiceKeyPoints xmlns="71af3243-3dd4-4a8d-8c0d-dd76da1f02a5" xsi:nil="true"/>
+  </documentManagement>
+</p:properties>
 </file>
 
-<file path=customXml/itemProps2.xml><?xml version="1.0" encoding="utf-8"?>
+<file path=customXml/itemProps1.xml><?xml version="1.0" encoding="utf-8"?>
 <ds:datastoreItem xmlns:ds="http://schemas.openxmlformats.org/officeDocument/2006/customXml" ds:itemID="{4F44C90D-2A62-4985-9618-3460247437B1}">
   <ds:schemaRefs>
     <ds:schemaRef ds:uri="http://schemas.microsoft.com/sharepoint/v3/contenttype/forms"/>
@@ -26701,7 +26660,7 @@
 </ds:datastoreItem>
 </file>
 
-<file path=customXml/itemProps3.xml><?xml version="1.0" encoding="utf-8"?>
+<file path=customXml/itemProps2.xml><?xml version="1.0" encoding="utf-8"?>
 <ds:datastoreItem xmlns:ds="http://schemas.openxmlformats.org/officeDocument/2006/customXml" ds:itemID="{B61EAB5F-88FC-4FAE-AE3C-037A3C365EB8}">
   <ds:schemaRefs>
     <ds:schemaRef ds:uri="http://schemas.microsoft.com/office/2006/metadata/contentType"/>
@@ -26718,4 +26677,21 @@
     <ds:schemaRef ds:uri="http://schemas.microsoft.com/internal/obd"/>
   </ds:schemaRefs>
 </ds:datastoreItem>
+</file>
+
+<file path=customXml/itemProps3.xml><?xml version="1.0" encoding="utf-8"?>
+<ds:datastoreItem xmlns:ds="http://schemas.openxmlformats.org/officeDocument/2006/customXml" ds:itemID="{788A2F88-55C5-4ED1-9541-807C65424763}">
+  <ds:schemaRefs>
+    <ds:schemaRef ds:uri="http://purl.org/dc/dcmitype/"/>
+    <ds:schemaRef ds:uri="http://schemas.microsoft.com/office/2006/documentManagement/types"/>
+    <ds:schemaRef ds:uri="http://schemas.microsoft.com/office/infopath/2007/PartnerControls"/>
+    <ds:schemaRef ds:uri="http://purl.org/dc/elements/1.1/"/>
+    <ds:schemaRef ds:uri="http://schemas.openxmlformats.org/package/2006/metadata/core-properties"/>
+    <ds:schemaRef ds:uri="71af3243-3dd4-4a8d-8c0d-dd76da1f02a5"/>
+    <ds:schemaRef ds:uri="16c05727-aa75-4e4a-9b5f-8a80a1165891"/>
+    <ds:schemaRef ds:uri="http://schemas.microsoft.com/office/2006/metadata/properties"/>
+    <ds:schemaRef ds:uri="http://www.w3.org/XML/1998/namespace"/>
+    <ds:schemaRef ds:uri="http://purl.org/dc/terms/"/>
+  </ds:schemaRefs>
+</ds:datastoreItem>
 </file>
--- a/Presentations/Ns-3_presentation_F.pptx
+++ b/Presentations/Ns-3_presentation_F.pptx
@@ -24655,7 +24655,7 @@
             </a:pPr>
             <a:r>
               <a:rPr lang="en-US" dirty="0"/>
-              <a:t>  Packet Size = 1024</a:t>
+              <a:t>  Packet Size = 1024 bytes</a:t>
             </a:r>
           </a:p>
           <a:p>
@@ -24673,8 +24673,13 @@
             </a:pPr>
             <a:r>
               <a:rPr lang="en-US" dirty="0"/>
-              <a:t>  Simulation Time = 11.0s</a:t>
-            </a:r>
+              <a:t>  Simulation Time </a:t>
+            </a:r>
+            <a:r>
+              <a:rPr lang="en-US"/>
+              <a:t>= 11.0s</a:t>
+            </a:r>
+            <a:endParaRPr lang="en-US" dirty="0"/>
           </a:p>
           <a:p>
             <a:pPr algn="just">
@@ -26682,16 +26687,16 @@
 <file path=customXml/itemProps3.xml><?xml version="1.0" encoding="utf-8"?>
 <ds:datastoreItem xmlns:ds="http://schemas.openxmlformats.org/officeDocument/2006/customXml" ds:itemID="{788A2F88-55C5-4ED1-9541-807C65424763}">
   <ds:schemaRefs>
+    <ds:schemaRef ds:uri="71af3243-3dd4-4a8d-8c0d-dd76da1f02a5"/>
     <ds:schemaRef ds:uri="http://purl.org/dc/dcmitype/"/>
+    <ds:schemaRef ds:uri="16c05727-aa75-4e4a-9b5f-8a80a1165891"/>
+    <ds:schemaRef ds:uri="http://www.w3.org/XML/1998/namespace"/>
     <ds:schemaRef ds:uri="http://schemas.microsoft.com/office/2006/documentManagement/types"/>
+    <ds:schemaRef ds:uri="http://purl.org/dc/terms/"/>
+    <ds:schemaRef ds:uri="http://purl.org/dc/elements/1.1/"/>
     <ds:schemaRef ds:uri="http://schemas.microsoft.com/office/infopath/2007/PartnerControls"/>
-    <ds:schemaRef ds:uri="http://purl.org/dc/elements/1.1/"/>
     <ds:schemaRef ds:uri="http://schemas.openxmlformats.org/package/2006/metadata/core-properties"/>
-    <ds:schemaRef ds:uri="71af3243-3dd4-4a8d-8c0d-dd76da1f02a5"/>
-    <ds:schemaRef ds:uri="16c05727-aa75-4e4a-9b5f-8a80a1165891"/>
     <ds:schemaRef ds:uri="http://schemas.microsoft.com/office/2006/metadata/properties"/>
-    <ds:schemaRef ds:uri="http://www.w3.org/XML/1998/namespace"/>
-    <ds:schemaRef ds:uri="http://purl.org/dc/terms/"/>
   </ds:schemaRefs>
 </ds:datastoreItem>
 </file>
--- a/Presentations/Ns-3_presentation_F.pptx
+++ b/Presentations/Ns-3_presentation_F.pptx
@@ -24673,13 +24673,8 @@
             </a:pPr>
             <a:r>
               <a:rPr lang="en-US" dirty="0"/>
-              <a:t>  Simulation Time </a:t>
-            </a:r>
-            <a:r>
-              <a:rPr lang="en-US"/>
-              <a:t>= 11.0s</a:t>
-            </a:r>
-            <a:endParaRPr lang="en-US" dirty="0"/>
+              <a:t>  Simulation Time = 11.0s</a:t>
+            </a:r>
           </a:p>
           <a:p>
             <a:pPr algn="just">
@@ -25010,28 +25005,32 @@
             </a:r>
             <a:r>
               <a:rPr lang="el-GR" altLang="el-GR" sz="1700" dirty="0">
-                <a:latin typeface="Arial" panose="020B0604020202020204" pitchFamily="34" charset="0"/>
-                <a:cs typeface="Arial" panose="020B0604020202020204" pitchFamily="34" charset="0"/>
+                <a:latin typeface="Calibri" panose="020F0502020204030204" pitchFamily="34" charset="0"/>
+                <a:ea typeface="Calibri" panose="020F0502020204030204" pitchFamily="34" charset="0"/>
+                <a:cs typeface="Calibri" panose="020F0502020204030204" pitchFamily="34" charset="0"/>
               </a:rPr>
               <a:t>Επιλέξαμε την δυναμική δρομολόγηση OLSR (Optimized Link State </a:t>
             </a:r>
             <a:r>
               <a:rPr lang="el-GR" altLang="el-GR" sz="1700" dirty="0" err="1">
-                <a:latin typeface="Arial" panose="020B0604020202020204" pitchFamily="34" charset="0"/>
-                <a:cs typeface="Arial" panose="020B0604020202020204" pitchFamily="34" charset="0"/>
+                <a:latin typeface="Calibri" panose="020F0502020204030204" pitchFamily="34" charset="0"/>
+                <a:ea typeface="Calibri" panose="020F0502020204030204" pitchFamily="34" charset="0"/>
+                <a:cs typeface="Calibri" panose="020F0502020204030204" pitchFamily="34" charset="0"/>
               </a:rPr>
               <a:t>Routing</a:t>
             </a:r>
             <a:r>
               <a:rPr lang="el-GR" altLang="el-GR" sz="1700" dirty="0">
-                <a:latin typeface="Arial" panose="020B0604020202020204" pitchFamily="34" charset="0"/>
-                <a:cs typeface="Arial" panose="020B0604020202020204" pitchFamily="34" charset="0"/>
+                <a:latin typeface="Calibri" panose="020F0502020204030204" pitchFamily="34" charset="0"/>
+                <a:ea typeface="Calibri" panose="020F0502020204030204" pitchFamily="34" charset="0"/>
+                <a:cs typeface="Calibri" panose="020F0502020204030204" pitchFamily="34" charset="0"/>
               </a:rPr>
               <a:t>). Το OLSR ανταποκρίνεται γρήγορα σε αλλαγές της τοπολογίας και υποστηρίζεται πλήρως στο περιβάλλον του ns-3.</a:t>
             </a:r>
             <a:endParaRPr lang="en-US" altLang="el-GR" sz="1700" dirty="0">
-              <a:latin typeface="Arial" panose="020B0604020202020204" pitchFamily="34" charset="0"/>
-              <a:cs typeface="Arial" panose="020B0604020202020204" pitchFamily="34" charset="0"/>
+              <a:latin typeface="Calibri" panose="020F0502020204030204" pitchFamily="34" charset="0"/>
+              <a:ea typeface="Calibri" panose="020F0502020204030204" pitchFamily="34" charset="0"/>
+              <a:cs typeface="Calibri" panose="020F0502020204030204" pitchFamily="34" charset="0"/>
             </a:endParaRPr>
           </a:p>
           <a:p>
@@ -25056,8 +25055,9 @@
                   <a:lumMod val="75000"/>
                 </a:schemeClr>
               </a:solidFill>
-              <a:latin typeface="Arial" panose="020B0604020202020204" pitchFamily="34" charset="0"/>
-              <a:cs typeface="Arial" panose="020B0604020202020204" pitchFamily="34" charset="0"/>
+              <a:latin typeface="Calibri" panose="020F0502020204030204" pitchFamily="34" charset="0"/>
+              <a:ea typeface="Calibri" panose="020F0502020204030204" pitchFamily="34" charset="0"/>
+              <a:cs typeface="Calibri" panose="020F0502020204030204" pitchFamily="34" charset="0"/>
             </a:endParaRPr>
           </a:p>
           <a:p>
@@ -25083,91 +25083,104 @@
                     <a:lumMod val="75000"/>
                   </a:schemeClr>
                 </a:solidFill>
-                <a:latin typeface="Arial" panose="020B0604020202020204" pitchFamily="34" charset="0"/>
-                <a:cs typeface="Arial" panose="020B0604020202020204" pitchFamily="34" charset="0"/>
+                <a:latin typeface="Calibri" panose="020F0502020204030204" pitchFamily="34" charset="0"/>
+                <a:ea typeface="Calibri" panose="020F0502020204030204" pitchFamily="34" charset="0"/>
+                <a:cs typeface="Calibri" panose="020F0502020204030204" pitchFamily="34" charset="0"/>
               </a:rPr>
               <a:t> </a:t>
             </a:r>
             <a:r>
               <a:rPr lang="el-GR" altLang="el-GR" sz="1700" dirty="0">
-                <a:latin typeface="Arial" panose="020B0604020202020204" pitchFamily="34" charset="0"/>
-                <a:cs typeface="Arial" panose="020B0604020202020204" pitchFamily="34" charset="0"/>
+                <a:latin typeface="Calibri" panose="020F0502020204030204" pitchFamily="34" charset="0"/>
+                <a:ea typeface="Calibri" panose="020F0502020204030204" pitchFamily="34" charset="0"/>
+                <a:cs typeface="Calibri" panose="020F0502020204030204" pitchFamily="34" charset="0"/>
               </a:rPr>
               <a:t>Επιπλέον,</a:t>
             </a:r>
             <a:r>
               <a:rPr lang="en-US" altLang="el-GR" sz="1700" dirty="0">
-                <a:latin typeface="Arial" panose="020B0604020202020204" pitchFamily="34" charset="0"/>
-                <a:cs typeface="Arial" panose="020B0604020202020204" pitchFamily="34" charset="0"/>
+                <a:latin typeface="Calibri" panose="020F0502020204030204" pitchFamily="34" charset="0"/>
+                <a:ea typeface="Calibri" panose="020F0502020204030204" pitchFamily="34" charset="0"/>
+                <a:cs typeface="Calibri" panose="020F0502020204030204" pitchFamily="34" charset="0"/>
               </a:rPr>
               <a:t> </a:t>
             </a:r>
             <a:r>
               <a:rPr lang="el-GR" altLang="el-GR" sz="1700" dirty="0">
-                <a:latin typeface="Arial" panose="020B0604020202020204" pitchFamily="34" charset="0"/>
-                <a:cs typeface="Arial" panose="020B0604020202020204" pitchFamily="34" charset="0"/>
+                <a:latin typeface="Calibri" panose="020F0502020204030204" pitchFamily="34" charset="0"/>
+                <a:ea typeface="Calibri" panose="020F0502020204030204" pitchFamily="34" charset="0"/>
+                <a:cs typeface="Calibri" panose="020F0502020204030204" pitchFamily="34" charset="0"/>
               </a:rPr>
               <a:t>συμπεριλάβαμε τις εξής βιβλιοθήκες: </a:t>
             </a:r>
             <a:r>
               <a:rPr lang="en-US" altLang="el-GR" sz="1700" dirty="0">
-                <a:latin typeface="Arial" panose="020B0604020202020204" pitchFamily="34" charset="0"/>
-                <a:cs typeface="Arial" panose="020B0604020202020204" pitchFamily="34" charset="0"/>
+                <a:latin typeface="Calibri" panose="020F0502020204030204" pitchFamily="34" charset="0"/>
+                <a:ea typeface="Calibri" panose="020F0502020204030204" pitchFamily="34" charset="0"/>
+                <a:cs typeface="Calibri" panose="020F0502020204030204" pitchFamily="34" charset="0"/>
               </a:rPr>
               <a:t>module </a:t>
             </a:r>
             <a:r>
               <a:rPr lang="en-US" altLang="el-GR" sz="1700" dirty="0" err="1">
-                <a:latin typeface="Arial" panose="020B0604020202020204" pitchFamily="34" charset="0"/>
-                <a:cs typeface="Arial" panose="020B0604020202020204" pitchFamily="34" charset="0"/>
+                <a:latin typeface="Calibri" panose="020F0502020204030204" pitchFamily="34" charset="0"/>
+                <a:ea typeface="Calibri" panose="020F0502020204030204" pitchFamily="34" charset="0"/>
+                <a:cs typeface="Calibri" panose="020F0502020204030204" pitchFamily="34" charset="0"/>
               </a:rPr>
               <a:t>olsr-helper.h</a:t>
             </a:r>
             <a:r>
               <a:rPr lang="en-US" altLang="el-GR" sz="1700" dirty="0">
-                <a:latin typeface="Arial" panose="020B0604020202020204" pitchFamily="34" charset="0"/>
-                <a:cs typeface="Arial" panose="020B0604020202020204" pitchFamily="34" charset="0"/>
+                <a:latin typeface="Calibri" panose="020F0502020204030204" pitchFamily="34" charset="0"/>
+                <a:ea typeface="Calibri" panose="020F0502020204030204" pitchFamily="34" charset="0"/>
+                <a:cs typeface="Calibri" panose="020F0502020204030204" pitchFamily="34" charset="0"/>
               </a:rPr>
               <a:t>, ns3/applications-</a:t>
             </a:r>
             <a:r>
               <a:rPr lang="en-US" altLang="el-GR" sz="1700" dirty="0" err="1">
-                <a:latin typeface="Arial" panose="020B0604020202020204" pitchFamily="34" charset="0"/>
-                <a:cs typeface="Arial" panose="020B0604020202020204" pitchFamily="34" charset="0"/>
+                <a:latin typeface="Calibri" panose="020F0502020204030204" pitchFamily="34" charset="0"/>
+                <a:ea typeface="Calibri" panose="020F0502020204030204" pitchFamily="34" charset="0"/>
+                <a:cs typeface="Calibri" panose="020F0502020204030204" pitchFamily="34" charset="0"/>
               </a:rPr>
               <a:t>module.h</a:t>
             </a:r>
             <a:r>
               <a:rPr lang="en-US" altLang="el-GR" sz="1700" dirty="0">
-                <a:latin typeface="Arial" panose="020B0604020202020204" pitchFamily="34" charset="0"/>
-                <a:cs typeface="Arial" panose="020B0604020202020204" pitchFamily="34" charset="0"/>
+                <a:latin typeface="Calibri" panose="020F0502020204030204" pitchFamily="34" charset="0"/>
+                <a:ea typeface="Calibri" panose="020F0502020204030204" pitchFamily="34" charset="0"/>
+                <a:cs typeface="Calibri" panose="020F0502020204030204" pitchFamily="34" charset="0"/>
               </a:rPr>
               <a:t>, </a:t>
             </a:r>
             <a:br>
               <a:rPr lang="en-US" altLang="el-GR" sz="1700" dirty="0">
-                <a:latin typeface="Arial" panose="020B0604020202020204" pitchFamily="34" charset="0"/>
-                <a:cs typeface="Arial" panose="020B0604020202020204" pitchFamily="34" charset="0"/>
+                <a:latin typeface="Calibri" panose="020F0502020204030204" pitchFamily="34" charset="0"/>
+                <a:ea typeface="Calibri" panose="020F0502020204030204" pitchFamily="34" charset="0"/>
+                <a:cs typeface="Calibri" panose="020F0502020204030204" pitchFamily="34" charset="0"/>
               </a:rPr>
             </a:br>
             <a:r>
               <a:rPr lang="en-US" altLang="el-GR" sz="1700" dirty="0">
-                <a:latin typeface="Arial" panose="020B0604020202020204" pitchFamily="34" charset="0"/>
-                <a:cs typeface="Arial" panose="020B0604020202020204" pitchFamily="34" charset="0"/>
+                <a:latin typeface="Calibri" panose="020F0502020204030204" pitchFamily="34" charset="0"/>
+                <a:ea typeface="Calibri" panose="020F0502020204030204" pitchFamily="34" charset="0"/>
+                <a:cs typeface="Calibri" panose="020F0502020204030204" pitchFamily="34" charset="0"/>
               </a:rPr>
               <a:t>internet-</a:t>
             </a:r>
             <a:r>
               <a:rPr lang="en-US" altLang="el-GR" sz="1700" dirty="0" err="1">
-                <a:latin typeface="Arial" panose="020B0604020202020204" pitchFamily="34" charset="0"/>
-                <a:cs typeface="Arial" panose="020B0604020202020204" pitchFamily="34" charset="0"/>
+                <a:latin typeface="Calibri" panose="020F0502020204030204" pitchFamily="34" charset="0"/>
+                <a:ea typeface="Calibri" panose="020F0502020204030204" pitchFamily="34" charset="0"/>
+                <a:cs typeface="Calibri" panose="020F0502020204030204" pitchFamily="34" charset="0"/>
               </a:rPr>
               <a:t>module.h</a:t>
             </a:r>
             <a:r>
               <a:rPr lang="en-US" altLang="el-GR" sz="1700" dirty="0">
-                <a:latin typeface="Arial" panose="020B0604020202020204" pitchFamily="34" charset="0"/>
-                <a:cs typeface="Arial" panose="020B0604020202020204" pitchFamily="34" charset="0"/>
+                <a:latin typeface="Calibri" panose="020F0502020204030204" pitchFamily="34" charset="0"/>
+                <a:ea typeface="Calibri" panose="020F0502020204030204" pitchFamily="34" charset="0"/>
+                <a:cs typeface="Calibri" panose="020F0502020204030204" pitchFamily="34" charset="0"/>
               </a:rPr>
               <a:t>.</a:t>
             </a:r>
@@ -25189,8 +25202,9 @@
               <a:buChar char="•"/>
             </a:pPr>
             <a:endParaRPr lang="el-GR" altLang="el-GR" sz="1700" dirty="0">
-              <a:latin typeface="Arial" panose="020B0604020202020204" pitchFamily="34" charset="0"/>
-              <a:cs typeface="Arial" panose="020B0604020202020204" pitchFamily="34" charset="0"/>
+              <a:latin typeface="Calibri" panose="020F0502020204030204" pitchFamily="34" charset="0"/>
+              <a:ea typeface="Calibri" panose="020F0502020204030204" pitchFamily="34" charset="0"/>
+              <a:cs typeface="Calibri" panose="020F0502020204030204" pitchFamily="34" charset="0"/>
             </a:endParaRPr>
           </a:p>
           <a:p>
@@ -25216,35 +25230,40 @@
                     <a:lumMod val="75000"/>
                   </a:schemeClr>
                 </a:solidFill>
-                <a:latin typeface="Arial" panose="020B0604020202020204" pitchFamily="34" charset="0"/>
-                <a:cs typeface="Arial" panose="020B0604020202020204" pitchFamily="34" charset="0"/>
+                <a:latin typeface="Calibri" panose="020F0502020204030204" pitchFamily="34" charset="0"/>
+                <a:ea typeface="Calibri" panose="020F0502020204030204" pitchFamily="34" charset="0"/>
+                <a:cs typeface="Calibri" panose="020F0502020204030204" pitchFamily="34" charset="0"/>
               </a:rPr>
               <a:t>  </a:t>
             </a:r>
             <a:r>
               <a:rPr lang="el-GR" altLang="el-GR" sz="1700" dirty="0">
-                <a:latin typeface="Arial" panose="020B0604020202020204" pitchFamily="34" charset="0"/>
-                <a:cs typeface="Arial" panose="020B0604020202020204" pitchFamily="34" charset="0"/>
+                <a:latin typeface="Calibri" panose="020F0502020204030204" pitchFamily="34" charset="0"/>
+                <a:ea typeface="Calibri" panose="020F0502020204030204" pitchFamily="34" charset="0"/>
+                <a:cs typeface="Calibri" panose="020F0502020204030204" pitchFamily="34" charset="0"/>
               </a:rPr>
               <a:t>Το </a:t>
             </a:r>
             <a:r>
               <a:rPr lang="en-US" altLang="el-GR" sz="1700" dirty="0">
-                <a:latin typeface="Arial" panose="020B0604020202020204" pitchFamily="34" charset="0"/>
-                <a:cs typeface="Arial" panose="020B0604020202020204" pitchFamily="34" charset="0"/>
+                <a:latin typeface="Calibri" panose="020F0502020204030204" pitchFamily="34" charset="0"/>
+                <a:ea typeface="Calibri" panose="020F0502020204030204" pitchFamily="34" charset="0"/>
+                <a:cs typeface="Calibri" panose="020F0502020204030204" pitchFamily="34" charset="0"/>
               </a:rPr>
               <a:t>internet stack </a:t>
             </a:r>
             <a:r>
               <a:rPr lang="el-GR" altLang="el-GR" sz="1700" dirty="0">
-                <a:latin typeface="Arial" panose="020B0604020202020204" pitchFamily="34" charset="0"/>
-                <a:cs typeface="Arial" panose="020B0604020202020204" pitchFamily="34" charset="0"/>
+                <a:latin typeface="Calibri" panose="020F0502020204030204" pitchFamily="34" charset="0"/>
+                <a:ea typeface="Calibri" panose="020F0502020204030204" pitchFamily="34" charset="0"/>
+                <a:cs typeface="Calibri" panose="020F0502020204030204" pitchFamily="34" charset="0"/>
               </a:rPr>
               <a:t>παρέχει τα βασικά επίπεδα πρωτοκόλλων δικτύου που επιτρέπουν την επικοινωνία μεταξύ των κόμβων και λειτουργεί ως σύστημα λογισμικού που υποστηρίζει την αποστολή, λήψη και επεξεργασία πακέτων.</a:t>
             </a:r>
             <a:endParaRPr lang="en-US" altLang="el-GR" sz="1700" dirty="0">
-              <a:latin typeface="Arial" panose="020B0604020202020204" pitchFamily="34" charset="0"/>
-              <a:cs typeface="Arial" panose="020B0604020202020204" pitchFamily="34" charset="0"/>
+              <a:latin typeface="Calibri" panose="020F0502020204030204" pitchFamily="34" charset="0"/>
+              <a:ea typeface="Calibri" panose="020F0502020204030204" pitchFamily="34" charset="0"/>
+              <a:cs typeface="Calibri" panose="020F0502020204030204" pitchFamily="34" charset="0"/>
             </a:endParaRPr>
           </a:p>
           <a:p>
@@ -25264,8 +25283,9 @@
               <a:buChar char="•"/>
             </a:pPr>
             <a:endParaRPr lang="en-US" altLang="el-GR" sz="1700" dirty="0">
-              <a:latin typeface="Arial" panose="020B0604020202020204" pitchFamily="34" charset="0"/>
-              <a:cs typeface="Arial" panose="020B0604020202020204" pitchFamily="34" charset="0"/>
+              <a:latin typeface="Calibri" panose="020F0502020204030204" pitchFamily="34" charset="0"/>
+              <a:ea typeface="Calibri" panose="020F0502020204030204" pitchFamily="34" charset="0"/>
+              <a:cs typeface="Calibri" panose="020F0502020204030204" pitchFamily="34" charset="0"/>
             </a:endParaRPr>
           </a:p>
           <a:p>
@@ -25291,35 +25311,40 @@
                     <a:lumMod val="75000"/>
                   </a:schemeClr>
                 </a:solidFill>
-                <a:latin typeface="Arial" panose="020B0604020202020204" pitchFamily="34" charset="0"/>
-                <a:cs typeface="Arial" panose="020B0604020202020204" pitchFamily="34" charset="0"/>
+                <a:latin typeface="Calibri" panose="020F0502020204030204" pitchFamily="34" charset="0"/>
+                <a:ea typeface="Calibri" panose="020F0502020204030204" pitchFamily="34" charset="0"/>
+                <a:cs typeface="Calibri" panose="020F0502020204030204" pitchFamily="34" charset="0"/>
               </a:rPr>
               <a:t>   </a:t>
             </a:r>
             <a:r>
               <a:rPr lang="el-GR" altLang="el-GR" sz="1700" dirty="0">
-                <a:latin typeface="Arial" panose="020B0604020202020204" pitchFamily="34" charset="0"/>
-                <a:cs typeface="Arial" panose="020B0604020202020204" pitchFamily="34" charset="0"/>
+                <a:latin typeface="Calibri" panose="020F0502020204030204" pitchFamily="34" charset="0"/>
+                <a:ea typeface="Calibri" panose="020F0502020204030204" pitchFamily="34" charset="0"/>
+                <a:cs typeface="Calibri" panose="020F0502020204030204" pitchFamily="34" charset="0"/>
               </a:rPr>
               <a:t>Το </a:t>
             </a:r>
             <a:r>
               <a:rPr lang="en-US" altLang="el-GR" sz="1700" dirty="0">
-                <a:latin typeface="Arial" panose="020B0604020202020204" pitchFamily="34" charset="0"/>
-                <a:cs typeface="Arial" panose="020B0604020202020204" pitchFamily="34" charset="0"/>
+                <a:latin typeface="Calibri" panose="020F0502020204030204" pitchFamily="34" charset="0"/>
+                <a:ea typeface="Calibri" panose="020F0502020204030204" pitchFamily="34" charset="0"/>
+                <a:cs typeface="Calibri" panose="020F0502020204030204" pitchFamily="34" charset="0"/>
               </a:rPr>
               <a:t>packet sink </a:t>
             </a:r>
             <a:r>
               <a:rPr lang="el-GR" altLang="el-GR" sz="1700" dirty="0">
-                <a:latin typeface="Arial" panose="020B0604020202020204" pitchFamily="34" charset="0"/>
-                <a:cs typeface="Arial" panose="020B0604020202020204" pitchFamily="34" charset="0"/>
+                <a:latin typeface="Calibri" panose="020F0502020204030204" pitchFamily="34" charset="0"/>
+                <a:ea typeface="Calibri" panose="020F0502020204030204" pitchFamily="34" charset="0"/>
+                <a:cs typeface="Calibri" panose="020F0502020204030204" pitchFamily="34" charset="0"/>
               </a:rPr>
               <a:t>που λαμβάνει εισερχόμενα πακέτα και χρησιμοποιείται για τη μέτρηση της δικτυακής κίνησης και της επιτυχούς παράδοσης πακέτων.</a:t>
             </a:r>
             <a:endParaRPr lang="en-US" altLang="el-GR" sz="1700" dirty="0">
-              <a:latin typeface="Arial" panose="020B0604020202020204" pitchFamily="34" charset="0"/>
-              <a:cs typeface="Arial" panose="020B0604020202020204" pitchFamily="34" charset="0"/>
+              <a:latin typeface="Calibri" panose="020F0502020204030204" pitchFamily="34" charset="0"/>
+              <a:ea typeface="Calibri" panose="020F0502020204030204" pitchFamily="34" charset="0"/>
+              <a:cs typeface="Calibri" panose="020F0502020204030204" pitchFamily="34" charset="0"/>
             </a:endParaRPr>
           </a:p>
           <a:p>
@@ -25339,8 +25364,9 @@
               <a:buChar char="•"/>
             </a:pPr>
             <a:endParaRPr lang="en-US" altLang="el-GR" sz="1700" dirty="0">
-              <a:latin typeface="Arial" panose="020B0604020202020204" pitchFamily="34" charset="0"/>
-              <a:cs typeface="Arial" panose="020B0604020202020204" pitchFamily="34" charset="0"/>
+              <a:latin typeface="Calibri" panose="020F0502020204030204" pitchFamily="34" charset="0"/>
+              <a:ea typeface="Calibri" panose="020F0502020204030204" pitchFamily="34" charset="0"/>
+              <a:cs typeface="Calibri" panose="020F0502020204030204" pitchFamily="34" charset="0"/>
             </a:endParaRPr>
           </a:p>
           <a:p>
@@ -25366,29 +25392,33 @@
                     <a:lumMod val="75000"/>
                   </a:schemeClr>
                 </a:solidFill>
-                <a:latin typeface="Arial" panose="020B0604020202020204" pitchFamily="34" charset="0"/>
-                <a:cs typeface="Arial" panose="020B0604020202020204" pitchFamily="34" charset="0"/>
+                <a:latin typeface="Calibri" panose="020F0502020204030204" pitchFamily="34" charset="0"/>
+                <a:ea typeface="Calibri" panose="020F0502020204030204" pitchFamily="34" charset="0"/>
+                <a:cs typeface="Calibri" panose="020F0502020204030204" pitchFamily="34" charset="0"/>
               </a:rPr>
               <a:t> </a:t>
             </a:r>
             <a:r>
               <a:rPr lang="el-GR" altLang="el-GR" sz="1700" dirty="0">
-                <a:latin typeface="Arial" panose="020B0604020202020204" pitchFamily="34" charset="0"/>
-                <a:cs typeface="Arial" panose="020B0604020202020204" pitchFamily="34" charset="0"/>
+                <a:latin typeface="Calibri" panose="020F0502020204030204" pitchFamily="34" charset="0"/>
+                <a:ea typeface="Calibri" panose="020F0502020204030204" pitchFamily="34" charset="0"/>
+                <a:cs typeface="Calibri" panose="020F0502020204030204" pitchFamily="34" charset="0"/>
               </a:rPr>
               <a:t>Το </a:t>
             </a:r>
             <a:r>
               <a:rPr lang="en-US" altLang="el-GR" sz="1700" dirty="0">
-                <a:latin typeface="Arial" panose="020B0604020202020204" pitchFamily="34" charset="0"/>
-                <a:cs typeface="Arial" panose="020B0604020202020204" pitchFamily="34" charset="0"/>
+                <a:latin typeface="Calibri" panose="020F0502020204030204" pitchFamily="34" charset="0"/>
+                <a:ea typeface="Calibri" panose="020F0502020204030204" pitchFamily="34" charset="0"/>
+                <a:cs typeface="Calibri" panose="020F0502020204030204" pitchFamily="34" charset="0"/>
               </a:rPr>
               <a:t>warm up phase </a:t>
             </a:r>
             <a:r>
               <a:rPr lang="el-GR" altLang="el-GR" sz="1700" dirty="0">
-                <a:latin typeface="Arial" panose="020B0604020202020204" pitchFamily="34" charset="0"/>
-                <a:cs typeface="Arial" panose="020B0604020202020204" pitchFamily="34" charset="0"/>
+                <a:latin typeface="Calibri" panose="020F0502020204030204" pitchFamily="34" charset="0"/>
+                <a:ea typeface="Calibri" panose="020F0502020204030204" pitchFamily="34" charset="0"/>
+                <a:cs typeface="Calibri" panose="020F0502020204030204" pitchFamily="34" charset="0"/>
               </a:rPr>
               <a:t>είναι μια χρονική περίοδος κατά την οποία οι μετρήσεις αγνοούνται σκόπιμα, ώστε να δοθεί χρόνος στο σύστημα να σταθεροποιήσει τους πίνακες δρομολόγησης, τις ουρές και τα πρότυπα κίνησης πριν ξεκινήσει η συλλογή ακριβών δεδομένων απόδοσης.</a:t>
             </a:r>
@@ -26430,12 +26460,11 @@
 </file>
 
 <file path=customXml/item1.xml><?xml version="1.0" encoding="utf-8"?>
-<?mso-contentType ?>
-<FormTemplates xmlns="http://schemas.microsoft.com/sharepoint/v3/contenttype/forms">
-  <Display>DocumentLibraryForm</Display>
-  <Edit>DocumentLibraryForm</Edit>
-  <New>DocumentLibraryForm</New>
-</FormTemplates>
+<p:properties xmlns:p="http://schemas.microsoft.com/office/2006/metadata/properties" xmlns:xsi="http://www.w3.org/2001/XMLSchema-instance" xmlns:pc="http://schemas.microsoft.com/office/infopath/2007/PartnerControls">
+  <documentManagement>
+    <MediaServiceKeyPoints xmlns="71af3243-3dd4-4a8d-8c0d-dd76da1f02a5" xsi:nil="true"/>
+  </documentManagement>
+</p:properties>
 </file>
 
 <file path=customXml/item2.xml><?xml version="1.0" encoding="utf-8"?>
@@ -26650,17 +26679,27 @@
 </file>
 
 <file path=customXml/item3.xml><?xml version="1.0" encoding="utf-8"?>
-<p:properties xmlns:p="http://schemas.microsoft.com/office/2006/metadata/properties" xmlns:xsi="http://www.w3.org/2001/XMLSchema-instance" xmlns:pc="http://schemas.microsoft.com/office/infopath/2007/PartnerControls">
-  <documentManagement>
-    <MediaServiceKeyPoints xmlns="71af3243-3dd4-4a8d-8c0d-dd76da1f02a5" xsi:nil="true"/>
-  </documentManagement>
-</p:properties>
+<?mso-contentType ?>
+<FormTemplates xmlns="http://schemas.microsoft.com/sharepoint/v3/contenttype/forms">
+  <Display>DocumentLibraryForm</Display>
+  <Edit>DocumentLibraryForm</Edit>
+  <New>DocumentLibraryForm</New>
+</FormTemplates>
 </file>
 
 <file path=customXml/itemProps1.xml><?xml version="1.0" encoding="utf-8"?>
-<ds:datastoreItem xmlns:ds="http://schemas.openxmlformats.org/officeDocument/2006/customXml" ds:itemID="{4F44C90D-2A62-4985-9618-3460247437B1}">
+<ds:datastoreItem xmlns:ds="http://schemas.openxmlformats.org/officeDocument/2006/customXml" ds:itemID="{788A2F88-55C5-4ED1-9541-807C65424763}">
   <ds:schemaRefs>
-    <ds:schemaRef ds:uri="http://schemas.microsoft.com/sharepoint/v3/contenttype/forms"/>
+    <ds:schemaRef ds:uri="71af3243-3dd4-4a8d-8c0d-dd76da1f02a5"/>
+    <ds:schemaRef ds:uri="http://purl.org/dc/dcmitype/"/>
+    <ds:schemaRef ds:uri="16c05727-aa75-4e4a-9b5f-8a80a1165891"/>
+    <ds:schemaRef ds:uri="http://www.w3.org/XML/1998/namespace"/>
+    <ds:schemaRef ds:uri="http://schemas.microsoft.com/office/2006/documentManagement/types"/>
+    <ds:schemaRef ds:uri="http://purl.org/dc/terms/"/>
+    <ds:schemaRef ds:uri="http://purl.org/dc/elements/1.1/"/>
+    <ds:schemaRef ds:uri="http://schemas.microsoft.com/office/infopath/2007/PartnerControls"/>
+    <ds:schemaRef ds:uri="http://schemas.openxmlformats.org/package/2006/metadata/core-properties"/>
+    <ds:schemaRef ds:uri="http://schemas.microsoft.com/office/2006/metadata/properties"/>
   </ds:schemaRefs>
 </ds:datastoreItem>
 </file>
@@ -26685,18 +26724,9 @@
 </file>
 
 <file path=customXml/itemProps3.xml><?xml version="1.0" encoding="utf-8"?>
-<ds:datastoreItem xmlns:ds="http://schemas.openxmlformats.org/officeDocument/2006/customXml" ds:itemID="{788A2F88-55C5-4ED1-9541-807C65424763}">
+<ds:datastoreItem xmlns:ds="http://schemas.openxmlformats.org/officeDocument/2006/customXml" ds:itemID="{4F44C90D-2A62-4985-9618-3460247437B1}">
   <ds:schemaRefs>
-    <ds:schemaRef ds:uri="71af3243-3dd4-4a8d-8c0d-dd76da1f02a5"/>
-    <ds:schemaRef ds:uri="http://purl.org/dc/dcmitype/"/>
-    <ds:schemaRef ds:uri="16c05727-aa75-4e4a-9b5f-8a80a1165891"/>
-    <ds:schemaRef ds:uri="http://www.w3.org/XML/1998/namespace"/>
-    <ds:schemaRef ds:uri="http://schemas.microsoft.com/office/2006/documentManagement/types"/>
-    <ds:schemaRef ds:uri="http://purl.org/dc/terms/"/>
-    <ds:schemaRef ds:uri="http://purl.org/dc/elements/1.1/"/>
-    <ds:schemaRef ds:uri="http://schemas.microsoft.com/office/infopath/2007/PartnerControls"/>
-    <ds:schemaRef ds:uri="http://schemas.openxmlformats.org/package/2006/metadata/core-properties"/>
-    <ds:schemaRef ds:uri="http://schemas.microsoft.com/office/2006/metadata/properties"/>
+    <ds:schemaRef ds:uri="http://schemas.microsoft.com/sharepoint/v3/contenttype/forms"/>
   </ds:schemaRefs>
 </ds:datastoreItem>
 </file>
--- a/Presentations/Ns-3_presentation_F.pptx
+++ b/Presentations/Ns-3_presentation_F.pptx
@@ -5,10 +5,10 @@
     <p:sldMasterId id="2147483648" r:id="rId4"/>
   </p:sldMasterIdLst>
   <p:notesMasterIdLst>
-    <p:notesMasterId r:id="rId20"/>
+    <p:notesMasterId r:id="rId19"/>
   </p:notesMasterIdLst>
   <p:handoutMasterIdLst>
-    <p:handoutMasterId r:id="rId21"/>
+    <p:handoutMasterId r:id="rId20"/>
   </p:handoutMasterIdLst>
   <p:sldIdLst>
     <p:sldId id="256" r:id="rId5"/>
@@ -20,12 +20,11 @@
     <p:sldId id="278" r:id="rId11"/>
     <p:sldId id="290" r:id="rId12"/>
     <p:sldId id="287" r:id="rId13"/>
-    <p:sldId id="286" r:id="rId14"/>
-    <p:sldId id="293" r:id="rId15"/>
-    <p:sldId id="294" r:id="rId16"/>
-    <p:sldId id="295" r:id="rId17"/>
-    <p:sldId id="288" r:id="rId18"/>
-    <p:sldId id="281" r:id="rId19"/>
+    <p:sldId id="293" r:id="rId14"/>
+    <p:sldId id="294" r:id="rId15"/>
+    <p:sldId id="295" r:id="rId16"/>
+    <p:sldId id="288" r:id="rId17"/>
+    <p:sldId id="281" r:id="rId18"/>
   </p:sldIdLst>
   <p:sldSz cx="12192000" cy="6858000"/>
   <p:notesSz cx="6858000" cy="9144000"/>
@@ -21730,295 +21729,6 @@
   <p:cSld>
     <p:spTree>
       <p:nvGrpSpPr>
-        <p:cNvPr id="1" name=""/>
-        <p:cNvGrpSpPr/>
-        <p:nvPr/>
-      </p:nvGrpSpPr>
-      <p:grpSpPr>
-        <a:xfrm>
-          <a:off x="0" y="0"/>
-          <a:ext cx="0" cy="0"/>
-          <a:chOff x="0" y="0"/>
-          <a:chExt cx="0" cy="0"/>
-        </a:xfrm>
-      </p:grpSpPr>
-      <p:sp>
-        <p:nvSpPr>
-          <p:cNvPr id="2" name="Τίτλος 1">
-            <a:extLst>
-              <a:ext uri="{FF2B5EF4-FFF2-40B4-BE49-F238E27FC236}">
-                <a16:creationId xmlns:a16="http://schemas.microsoft.com/office/drawing/2014/main" id="{E5365960-9D8F-4319-A962-7839A7D1F5FE}"/>
-              </a:ext>
-            </a:extLst>
-          </p:cNvPr>
-          <p:cNvSpPr>
-            <a:spLocks noGrp="1"/>
-          </p:cNvSpPr>
-          <p:nvPr>
-            <p:ph type="title"/>
-          </p:nvPr>
-        </p:nvSpPr>
-        <p:spPr>
-          <a:xfrm>
-            <a:off x="826904" y="585216"/>
-            <a:ext cx="11248556" cy="1398085"/>
-          </a:xfrm>
-        </p:spPr>
-        <p:txBody>
-          <a:bodyPr/>
-          <a:lstStyle/>
-          <a:p>
-            <a:r>
-              <a:rPr lang="el-GR" b="1" dirty="0"/>
-              <a:t>ΑΠΟΤΕΛΕΣΜΑΤΑ ΤΟΥ ΕΡΩΤΗΜΑΤΟΣ 2(1)</a:t>
-            </a:r>
-          </a:p>
-        </p:txBody>
-      </p:sp>
-      <p:sp>
-        <p:nvSpPr>
-          <p:cNvPr id="3" name="Θέση περιεχομένου 2">
-            <a:extLst>
-              <a:ext uri="{FF2B5EF4-FFF2-40B4-BE49-F238E27FC236}">
-                <a16:creationId xmlns:a16="http://schemas.microsoft.com/office/drawing/2014/main" id="{1D1334D3-3BC5-4A44-90E5-26EDD7F3FC51}"/>
-              </a:ext>
-            </a:extLst>
-          </p:cNvPr>
-          <p:cNvSpPr>
-            <a:spLocks noGrp="1"/>
-          </p:cNvSpPr>
-          <p:nvPr>
-            <p:ph sz="half" idx="1"/>
-          </p:nvPr>
-        </p:nvSpPr>
-        <p:spPr>
-          <a:xfrm>
-            <a:off x="1024126" y="2286000"/>
-            <a:ext cx="9199811" cy="740979"/>
-          </a:xfrm>
-        </p:spPr>
-        <p:txBody>
-          <a:bodyPr/>
-          <a:lstStyle/>
-          <a:p>
-            <a:pPr marL="0" indent="0">
-              <a:buNone/>
-            </a:pPr>
-            <a:r>
-              <a:rPr lang="el-GR" dirty="0"/>
-              <a:t>Με</a:t>
-            </a:r>
-            <a:r>
-              <a:rPr lang="en-US" dirty="0"/>
-              <a:t> delay=5ms </a:t>
-            </a:r>
-            <a:r>
-              <a:rPr lang="el-GR" dirty="0"/>
-              <a:t>στα </a:t>
-            </a:r>
-            <a:r>
-              <a:rPr lang="en-US" dirty="0"/>
-              <a:t> node devices 0-1 </a:t>
-            </a:r>
-            <a:r>
-              <a:rPr lang="el-GR" dirty="0"/>
-              <a:t>και </a:t>
-            </a:r>
-            <a:br>
-              <a:rPr lang="el-GR" dirty="0"/>
-            </a:br>
-            <a:r>
-              <a:rPr lang="fr-FR" b="1" dirty="0"/>
-              <a:t>double</a:t>
-            </a:r>
-            <a:r>
-              <a:rPr lang="fr-FR" dirty="0"/>
-              <a:t> </a:t>
-            </a:r>
-            <a:r>
-              <a:rPr lang="fr-FR" b="1" dirty="0"/>
-              <a:t>failDownAt = 2.0</a:t>
-            </a:r>
-            <a:r>
-              <a:rPr lang="fr-FR" dirty="0"/>
-              <a:t>;</a:t>
-            </a:r>
-            <a:r>
-              <a:rPr lang="el-GR" dirty="0"/>
-              <a:t> </a:t>
-            </a:r>
-            <a:r>
-              <a:rPr lang="fr-FR" b="1" dirty="0"/>
-              <a:t>double failUpAt   = 3.0</a:t>
-            </a:r>
-            <a:r>
-              <a:rPr lang="fr-FR" dirty="0"/>
-              <a:t>;</a:t>
-            </a:r>
-            <a:r>
-              <a:rPr lang="el-GR" dirty="0"/>
-              <a:t> έχουμε </a:t>
-            </a:r>
-            <a:r>
-              <a:rPr lang="en-US" dirty="0"/>
-              <a:t>:</a:t>
-            </a:r>
-          </a:p>
-          <a:p>
-            <a:endParaRPr lang="el-GR" dirty="0"/>
-          </a:p>
-        </p:txBody>
-      </p:sp>
-      <p:pic>
-        <p:nvPicPr>
-          <p:cNvPr id="5" name="Εικόνα 4">
-            <a:extLst>
-              <a:ext uri="{FF2B5EF4-FFF2-40B4-BE49-F238E27FC236}">
-                <a16:creationId xmlns:a16="http://schemas.microsoft.com/office/drawing/2014/main" id="{DDA09587-AC8A-42DB-BB6F-871EFA108655}"/>
-              </a:ext>
-            </a:extLst>
-          </p:cNvPr>
-          <p:cNvPicPr>
-            <a:picLocks noChangeAspect="1"/>
-          </p:cNvPicPr>
-          <p:nvPr/>
-        </p:nvPicPr>
-        <p:blipFill>
-          <a:blip r:embed="rId2"/>
-          <a:stretch>
-            <a:fillRect/>
-          </a:stretch>
-        </p:blipFill>
-        <p:spPr>
-          <a:xfrm>
-            <a:off x="1024127" y="3329678"/>
-            <a:ext cx="6169599" cy="3184634"/>
-          </a:xfrm>
-          <a:prstGeom prst="rect">
-            <a:avLst/>
-          </a:prstGeom>
-        </p:spPr>
-      </p:pic>
-      <p:sp>
-        <p:nvSpPr>
-          <p:cNvPr id="6" name="TextBox 5">
-            <a:extLst>
-              <a:ext uri="{FF2B5EF4-FFF2-40B4-BE49-F238E27FC236}">
-                <a16:creationId xmlns:a16="http://schemas.microsoft.com/office/drawing/2014/main" id="{8FFE7DF0-34E2-C0A5-1E9E-80484AC29557}"/>
-              </a:ext>
-            </a:extLst>
-          </p:cNvPr>
-          <p:cNvSpPr txBox="1"/>
-          <p:nvPr/>
-        </p:nvSpPr>
-        <p:spPr>
-          <a:xfrm>
-            <a:off x="8146937" y="4480513"/>
-            <a:ext cx="3418115" cy="1477328"/>
-          </a:xfrm>
-          <a:prstGeom prst="rect">
-            <a:avLst/>
-          </a:prstGeom>
-          <a:noFill/>
-        </p:spPr>
-        <p:txBody>
-          <a:bodyPr wrap="none" rtlCol="0">
-            <a:spAutoFit/>
-          </a:bodyPr>
-          <a:lstStyle/>
-          <a:p>
-            <a:r>
-              <a:rPr lang="el-GR" b="1" dirty="0">
-                <a:solidFill>
-                  <a:srgbClr val="FF0000"/>
-                </a:solidFill>
-              </a:rPr>
-              <a:t>Λέω για εδώ να βρούμε </a:t>
-            </a:r>
-            <a:br>
-              <a:rPr lang="el-GR" b="1" dirty="0">
-                <a:solidFill>
-                  <a:srgbClr val="FF0000"/>
-                </a:solidFill>
-              </a:rPr>
-            </a:br>
-            <a:r>
-              <a:rPr lang="el-GR" b="1" dirty="0">
-                <a:solidFill>
-                  <a:srgbClr val="FF0000"/>
-                </a:solidFill>
-              </a:rPr>
-              <a:t>ένα καλύτερο παράδειγμα να </a:t>
-            </a:r>
-            <a:br>
-              <a:rPr lang="el-GR" b="1" dirty="0">
-                <a:solidFill>
-                  <a:srgbClr val="FF0000"/>
-                </a:solidFill>
-              </a:rPr>
-            </a:br>
-            <a:r>
-              <a:rPr lang="el-GR" b="1" dirty="0">
-                <a:solidFill>
-                  <a:srgbClr val="FF0000"/>
-                </a:solidFill>
-              </a:rPr>
-              <a:t>μην χάνονται πακέτα και να </a:t>
-            </a:r>
-            <a:br>
-              <a:rPr lang="el-GR" b="1" dirty="0">
-                <a:solidFill>
-                  <a:srgbClr val="FF0000"/>
-                </a:solidFill>
-              </a:rPr>
-            </a:br>
-            <a:r>
-              <a:rPr lang="el-GR" b="1" dirty="0">
-                <a:solidFill>
-                  <a:srgbClr val="FF0000"/>
-                </a:solidFill>
-              </a:rPr>
-              <a:t>τσεκάρουμε ότι όλα λειτουργούν </a:t>
-            </a:r>
-            <a:br>
-              <a:rPr lang="en-US" b="1" dirty="0">
-                <a:solidFill>
-                  <a:srgbClr val="FF0000"/>
-                </a:solidFill>
-              </a:rPr>
-            </a:br>
-            <a:r>
-              <a:rPr lang="en-US" b="1" dirty="0">
-                <a:solidFill>
-                  <a:srgbClr val="FF0000"/>
-                </a:solidFill>
-              </a:rPr>
-              <a:t>like they should be!</a:t>
-            </a:r>
-          </a:p>
-        </p:txBody>
-      </p:sp>
-    </p:spTree>
-    <p:extLst>
-      <p:ext uri="{BB962C8B-B14F-4D97-AF65-F5344CB8AC3E}">
-        <p14:creationId xmlns:p14="http://schemas.microsoft.com/office/powerpoint/2010/main" val="3034707825"/>
-      </p:ext>
-    </p:extLst>
-  </p:cSld>
-  <p:clrMapOvr>
-    <a:masterClrMapping/>
-  </p:clrMapOvr>
-  <p:transition spd="slow">
-    <p:push dir="u"/>
-  </p:transition>
-</p:sld>
-</file>
-
-<file path=ppt/slides/slide11.xml><?xml version="1.0" encoding="utf-8"?>
-<p:sld xmlns:a="http://schemas.openxmlformats.org/drawingml/2006/main" xmlns:r="http://schemas.openxmlformats.org/officeDocument/2006/relationships" xmlns:p="http://schemas.openxmlformats.org/presentationml/2006/main">
-  <p:cSld>
-    <p:spTree>
-      <p:nvGrpSpPr>
         <p:cNvPr id="1" name="">
           <a:extLst>
             <a:ext uri="{FF2B5EF4-FFF2-40B4-BE49-F238E27FC236}">
@@ -22065,7 +21775,11 @@
           <a:p>
             <a:r>
               <a:rPr lang="el-GR" b="1" dirty="0"/>
-              <a:t>ΑΠΟΤΕΛΕΣΜΑΤΑ ΤΟΥ ΕΡΩΤΗΜΑΤΟΣ 2(2)</a:t>
+              <a:t>ΑΠΟΤΕΛΕΣΜΑΤΑ ΤΟΥ ΕΡΩΤΗΜΑΤΟΣ 2</a:t>
+            </a:r>
+            <a:r>
+              <a:rPr lang="en-US" b="1" dirty="0"/>
+              <a:t>(1)</a:t>
             </a:r>
             <a:endParaRPr lang="el-GR" dirty="0"/>
           </a:p>
@@ -22089,8 +21803,8 @@
         </p:nvSpPr>
         <p:spPr>
           <a:xfrm>
-            <a:off x="1024126" y="2286000"/>
-            <a:ext cx="9050039" cy="961697"/>
+            <a:off x="5109882" y="2232599"/>
+            <a:ext cx="5477436" cy="4039660"/>
           </a:xfrm>
         </p:spPr>
         <p:txBody>
@@ -22099,115 +21813,155 @@
           </a:bodyPr>
           <a:lstStyle/>
           <a:p>
+            <a:pPr algn="just"/>
             <a:r>
               <a:rPr lang="el-GR" dirty="0"/>
               <a:t>Με </a:t>
             </a:r>
             <a:r>
               <a:rPr lang="en-US" dirty="0"/>
-              <a:t>delay=</a:t>
+              <a:t>delay = 5 </a:t>
+            </a:r>
+            <a:r>
+              <a:rPr lang="en-US" dirty="0" err="1"/>
+              <a:t>ms</a:t>
+            </a:r>
+            <a:r>
+              <a:rPr lang="en-US" dirty="0"/>
+              <a:t> </a:t>
             </a:r>
             <a:r>
               <a:rPr lang="el-GR" dirty="0"/>
-              <a:t>2</a:t>
+              <a:t>στα </a:t>
             </a:r>
             <a:r>
               <a:rPr lang="en-US" dirty="0"/>
-              <a:t>ms </a:t>
-            </a:r>
-            <a:r>
-              <a:rPr lang="el-GR" dirty="0"/>
-              <a:t>στα  </a:t>
-            </a:r>
-            <a:r>
-              <a:rPr lang="en-US" dirty="0"/>
-              <a:t>node devices 0-1 </a:t>
+              <a:t>node devices 0–1 </a:t>
             </a:r>
             <a:r>
               <a:rPr lang="el-GR" dirty="0"/>
               <a:t>και </a:t>
             </a:r>
-            <a:br>
+            <a:r>
+              <a:rPr lang="en-US" dirty="0"/>
+              <a:t>double </a:t>
+            </a:r>
+            <a:r>
+              <a:rPr lang="en-US" b="1" dirty="0" err="1"/>
+              <a:t>failDownAt</a:t>
+            </a:r>
+            <a:r>
+              <a:rPr lang="en-US" b="1" dirty="0"/>
+              <a:t> = 2.0 s</a:t>
+            </a:r>
+            <a:r>
+              <a:rPr lang="en-US" dirty="0"/>
+              <a:t>, </a:t>
+            </a:r>
+            <a:r>
+              <a:rPr lang="en-US" b="1" dirty="0"/>
+              <a:t>double </a:t>
+            </a:r>
+            <a:r>
+              <a:rPr lang="en-US" b="1" dirty="0" err="1"/>
+              <a:t>failUpAt</a:t>
+            </a:r>
+            <a:r>
+              <a:rPr lang="en-US" b="1" dirty="0"/>
+              <a:t> = 3.0 s</a:t>
+            </a:r>
+            <a:r>
+              <a:rPr lang="en-US" dirty="0"/>
+              <a:t>,</a:t>
+            </a:r>
+            <a:r>
               <a:rPr lang="el-GR" dirty="0"/>
-            </a:br>
-            <a:r>
-              <a:rPr lang="en-US" b="1" dirty="0"/>
-              <a:t>double failDownAt = </a:t>
-            </a:r>
-            <a:r>
-              <a:rPr lang="el-GR" b="1" dirty="0"/>
-              <a:t>8</a:t>
-            </a:r>
-            <a:r>
-              <a:rPr lang="en-US" b="1" dirty="0"/>
-              <a:t>.0; double</a:t>
-            </a:r>
-            <a:r>
-              <a:rPr lang="en-US" dirty="0"/>
-              <a:t> </a:t>
-            </a:r>
-            <a:r>
-              <a:rPr lang="en-US" b="1" dirty="0"/>
-              <a:t>failUpAt</a:t>
-            </a:r>
-            <a:r>
-              <a:rPr lang="el-GR" b="1" dirty="0"/>
-              <a:t> </a:t>
-            </a:r>
-            <a:r>
-              <a:rPr lang="en-US" b="1" dirty="0"/>
-              <a:t>= </a:t>
-            </a:r>
-            <a:r>
-              <a:rPr lang="el-GR" b="1" dirty="0"/>
-              <a:t>6</a:t>
-            </a:r>
-            <a:r>
-              <a:rPr lang="en-US" b="1" dirty="0"/>
-              <a:t>.0; </a:t>
-            </a:r>
-            <a:r>
-              <a:rPr lang="el-GR" dirty="0"/>
-              <a:t>έχουμε :</a:t>
+              <a:t>έχουμε:</a:t>
             </a:r>
           </a:p>
           <a:p>
+            <a:pPr algn="just"/>
+            <a:r>
+              <a:rPr lang="en-US" dirty="0"/>
+              <a:t>4.800s → pre-failure: </a:t>
+            </a:r>
+            <a:r>
+              <a:rPr lang="el-GR" dirty="0"/>
+              <a:t>πριν το </a:t>
+            </a:r>
+            <a:r>
+              <a:rPr lang="en-US" dirty="0"/>
+              <a:t>link 0–1 </a:t>
+            </a:r>
+            <a:r>
+              <a:rPr lang="el-GR" dirty="0"/>
+              <a:t>κατεβεί.</a:t>
+            </a:r>
+          </a:p>
+          <a:p>
+            <a:pPr algn="just"/>
+            <a:r>
+              <a:rPr lang="el-GR" dirty="0"/>
+              <a:t>5.400</a:t>
+            </a:r>
+            <a:r>
+              <a:rPr lang="en-US" dirty="0"/>
+              <a:t>s → during-failure: </a:t>
+            </a:r>
+            <a:r>
+              <a:rPr lang="el-GR" dirty="0"/>
+              <a:t>το </a:t>
+            </a:r>
+            <a:r>
+              <a:rPr lang="en-US" dirty="0"/>
+              <a:t>link 0–1 </a:t>
+            </a:r>
+            <a:r>
+              <a:rPr lang="el-GR" dirty="0"/>
+              <a:t>είναι κάτω.</a:t>
+            </a:r>
+          </a:p>
+          <a:p>
+            <a:pPr algn="just"/>
+            <a:r>
+              <a:rPr lang="el-GR" dirty="0"/>
+              <a:t>9.400</a:t>
+            </a:r>
+            <a:r>
+              <a:rPr lang="en-US" dirty="0"/>
+              <a:t>s → post-recovery: </a:t>
+            </a:r>
+            <a:r>
+              <a:rPr lang="el-GR" dirty="0"/>
+              <a:t>το </a:t>
+            </a:r>
+            <a:r>
+              <a:rPr lang="en-US" dirty="0"/>
+              <a:t>link </a:t>
+            </a:r>
+            <a:r>
+              <a:rPr lang="el-GR" dirty="0"/>
+              <a:t>έχει επανέλθει.</a:t>
+            </a:r>
+          </a:p>
+          <a:p>
+            <a:pPr algn="just"/>
+            <a:r>
+              <a:rPr lang="el-GR" dirty="0"/>
+              <a:t>12.000</a:t>
+            </a:r>
+            <a:r>
+              <a:rPr lang="en-US" dirty="0"/>
+              <a:t>s → final: </a:t>
+            </a:r>
+            <a:r>
+              <a:rPr lang="el-GR" dirty="0"/>
+              <a:t>συνολική επίδοση όλης της προσομοίωσης.</a:t>
+            </a:r>
             <a:endParaRPr lang="en-US" dirty="0"/>
           </a:p>
         </p:txBody>
       </p:sp>
-      <p:pic>
-        <p:nvPicPr>
-          <p:cNvPr id="5" name="Θέση περιεχομένου 4">
-            <a:extLst>
-              <a:ext uri="{FF2B5EF4-FFF2-40B4-BE49-F238E27FC236}">
-                <a16:creationId xmlns:a16="http://schemas.microsoft.com/office/drawing/2014/main" id="{D11F0DD8-4464-A6B8-A74D-0875BF51EA6A}"/>
-              </a:ext>
-            </a:extLst>
-          </p:cNvPr>
-          <p:cNvPicPr>
-            <a:picLocks noGrp="1" noChangeAspect="1"/>
-          </p:cNvPicPr>
-          <p:nvPr>
-            <p:ph sz="half" idx="2"/>
-          </p:nvPr>
-        </p:nvPicPr>
-        <p:blipFill>
-          <a:blip r:embed="rId2"/>
-          <a:stretch>
-            <a:fillRect/>
-          </a:stretch>
-        </p:blipFill>
-        <p:spPr>
-          <a:xfrm>
-            <a:off x="1024126" y="3429000"/>
-            <a:ext cx="5849639" cy="2843259"/>
-          </a:xfrm>
-          <a:prstGeom prst="rect">
-            <a:avLst/>
-          </a:prstGeom>
-        </p:spPr>
-      </p:pic>
       <p:sp>
         <p:nvSpPr>
           <p:cNvPr id="6" name="Ορθογώνιο 5">
@@ -22223,7 +21977,7 @@
         <p:spPr>
           <a:xfrm>
             <a:off x="7099738" y="3849839"/>
-            <a:ext cx="4259317" cy="2031325"/>
+            <a:ext cx="4259317" cy="369332"/>
           </a:xfrm>
           <a:prstGeom prst="rect">
             <a:avLst/>
@@ -22236,85 +21990,6 @@
           <a:lstStyle/>
           <a:p>
             <a:pPr algn="just"/>
-            <a:r>
-              <a:rPr lang="el-GR" dirty="0"/>
-              <a:t>Παρατηρούμε επίσης πως το PDR </a:t>
-            </a:r>
-            <a:r>
-              <a:rPr lang="en-US" dirty="0"/>
-              <a:t>=</a:t>
-            </a:r>
-            <a:r>
-              <a:rPr lang="el-GR" dirty="0"/>
-              <a:t>50% επειδή κάποια πακέτα χάνονται ενώ άλλα έχουν ήδη αρχίσει να δρομολογούνται μέσω της νέας διαδρομής</a:t>
-            </a:r>
-            <a:r>
-              <a:rPr lang="en-US" dirty="0"/>
-              <a:t> </a:t>
-            </a:r>
-            <a:r>
-              <a:rPr lang="el-GR" dirty="0"/>
-              <a:t>.</a:t>
-            </a:r>
-            <a:r>
-              <a:rPr lang="en-US" dirty="0"/>
-              <a:t> </a:t>
-            </a:r>
-            <a:r>
-              <a:rPr lang="en-US" dirty="0">
-                <a:solidFill>
-                  <a:srgbClr val="FF0000"/>
-                </a:solidFill>
-              </a:rPr>
-              <a:t>(</a:t>
-            </a:r>
-            <a:r>
-              <a:rPr lang="el-GR" b="1" dirty="0">
-                <a:solidFill>
-                  <a:srgbClr val="FF0000"/>
-                </a:solidFill>
-              </a:rPr>
-              <a:t>Αυτό ισχύει και για το 2 </a:t>
-            </a:r>
-            <a:r>
-              <a:rPr lang="en-US" b="1" dirty="0">
-                <a:solidFill>
-                  <a:srgbClr val="FF0000"/>
-                </a:solidFill>
-              </a:rPr>
-              <a:t>screenshot! we’ll talk!)</a:t>
-            </a:r>
-            <a:br>
-              <a:rPr lang="en-US" b="1" dirty="0">
-                <a:solidFill>
-                  <a:srgbClr val="FF0000"/>
-                </a:solidFill>
-              </a:rPr>
-            </a:br>
-            <a:r>
-              <a:rPr lang="el-GR" b="1" dirty="0">
-                <a:solidFill>
-                  <a:srgbClr val="FF0000"/>
-                </a:solidFill>
-              </a:rPr>
-              <a:t>να σταθούμε πιο πολύ στην σημασία της αλλαγής του </a:t>
-            </a:r>
-            <a:r>
-              <a:rPr lang="en-US" b="1" dirty="0">
-                <a:solidFill>
-                  <a:srgbClr val="FF0000"/>
-                </a:solidFill>
-              </a:rPr>
-              <a:t>delay </a:t>
-            </a:r>
-            <a:r>
-              <a:rPr lang="el-GR" b="1" dirty="0">
-                <a:solidFill>
-                  <a:srgbClr val="FF0000"/>
-                </a:solidFill>
-              </a:rPr>
-              <a:t>λέω εγώ.</a:t>
-            </a:r>
             <a:endParaRPr lang="el-GR" dirty="0">
               <a:solidFill>
                 <a:srgbClr val="FF0000"/>
@@ -22323,6 +21998,36 @@
           </a:p>
         </p:txBody>
       </p:sp>
+      <p:pic>
+        <p:nvPicPr>
+          <p:cNvPr id="4" name="Εικόνα 3">
+            <a:extLst>
+              <a:ext uri="{FF2B5EF4-FFF2-40B4-BE49-F238E27FC236}">
+                <a16:creationId xmlns:a16="http://schemas.microsoft.com/office/drawing/2014/main" id="{3CBD2085-F5C7-4A66-A0A1-1D99C6A1FF39}"/>
+              </a:ext>
+            </a:extLst>
+          </p:cNvPr>
+          <p:cNvPicPr>
+            <a:picLocks noChangeAspect="1"/>
+          </p:cNvPicPr>
+          <p:nvPr/>
+        </p:nvPicPr>
+        <p:blipFill>
+          <a:blip r:embed="rId2"/>
+          <a:stretch>
+            <a:fillRect/>
+          </a:stretch>
+        </p:blipFill>
+        <p:spPr>
+          <a:xfrm>
+            <a:off x="409695" y="2232598"/>
+            <a:ext cx="4476070" cy="4334561"/>
+          </a:xfrm>
+          <a:prstGeom prst="rect">
+            <a:avLst/>
+          </a:prstGeom>
+        </p:spPr>
+      </p:pic>
     </p:spTree>
     <p:extLst>
       <p:ext uri="{BB962C8B-B14F-4D97-AF65-F5344CB8AC3E}">
@@ -22339,7 +22044,7 @@
 </p:sld>
 </file>
 
-<file path=ppt/slides/slide12.xml><?xml version="1.0" encoding="utf-8"?>
+<file path=ppt/slides/slide11.xml><?xml version="1.0" encoding="utf-8"?>
 <p:sld xmlns:a="http://schemas.openxmlformats.org/drawingml/2006/main" xmlns:r="http://schemas.openxmlformats.org/officeDocument/2006/relationships" xmlns:p="http://schemas.openxmlformats.org/presentationml/2006/main">
   <p:cSld>
     <p:spTree>
@@ -22394,7 +22099,7 @@
             </a:r>
             <a:r>
               <a:rPr lang="en-US" b="1" dirty="0"/>
-              <a:t>3</a:t>
+              <a:t>2</a:t>
             </a:r>
             <a:r>
               <a:rPr lang="el-GR" b="1" dirty="0"/>
@@ -22502,7 +22207,7 @@
 </p:sld>
 </file>
 
-<file path=ppt/slides/slide13.xml><?xml version="1.0" encoding="utf-8"?>
+<file path=ppt/slides/slide12.xml><?xml version="1.0" encoding="utf-8"?>
 <p:sld xmlns:a="http://schemas.openxmlformats.org/drawingml/2006/main" xmlns:r="http://schemas.openxmlformats.org/officeDocument/2006/relationships" xmlns:p="http://schemas.openxmlformats.org/presentationml/2006/main">
   <p:cSld>
     <p:spTree>
@@ -22557,7 +22262,7 @@
             </a:r>
             <a:r>
               <a:rPr lang="en-US" b="1" dirty="0"/>
-              <a:t>4</a:t>
+              <a:t>3</a:t>
             </a:r>
             <a:r>
               <a:rPr lang="el-GR" b="1" dirty="0"/>
@@ -22673,7 +22378,7 @@
 </p:sld>
 </file>
 
-<file path=ppt/slides/slide14.xml><?xml version="1.0" encoding="utf-8"?>
+<file path=ppt/slides/slide13.xml><?xml version="1.0" encoding="utf-8"?>
 <p:sld xmlns:a="http://schemas.openxmlformats.org/drawingml/2006/main" xmlns:r="http://schemas.openxmlformats.org/officeDocument/2006/relationships" xmlns:p="http://schemas.openxmlformats.org/presentationml/2006/main">
   <p:cSld>
     <p:spTree>
@@ -22756,8 +22461,8 @@
         </p:blipFill>
         <p:spPr>
           <a:xfrm>
-            <a:off x="5870272" y="2964119"/>
-            <a:ext cx="5678424" cy="3421249"/>
+            <a:off x="5181059" y="2079813"/>
+            <a:ext cx="6539402" cy="3939988"/>
           </a:xfrm>
           <a:prstGeom prst="rect">
             <a:avLst/>
@@ -22784,7 +22489,7 @@
         <p:spPr>
           <a:xfrm>
             <a:off x="1024128" y="2257506"/>
-            <a:ext cx="4389120" cy="3762294"/>
+            <a:ext cx="4014037" cy="3762294"/>
           </a:xfrm>
         </p:spPr>
         <p:txBody>
@@ -22794,19 +22499,19 @@
           <a:lstStyle/>
           <a:p>
             <a:r>
-              <a:rPr lang="el-GR" dirty="0"/>
+              <a:rPr lang="el-GR" sz="1800" dirty="0"/>
               <a:t>Τα αρχεία του κώδικα καθώς και η</a:t>
             </a:r>
             <a:r>
-              <a:rPr lang="en-US" dirty="0"/>
+              <a:rPr lang="en-US" sz="1800" dirty="0"/>
               <a:t> </a:t>
             </a:r>
             <a:r>
-              <a:rPr lang="el-GR" dirty="0"/>
+              <a:rPr lang="el-GR" sz="1800" dirty="0"/>
               <a:t>παρουσίαση βρίσκονται στο εξής </a:t>
             </a:r>
             <a:r>
-              <a:rPr lang="en-US" dirty="0"/>
+              <a:rPr lang="en-US" sz="1800" dirty="0"/>
               <a:t>link:</a:t>
             </a:r>
             <a:br>
@@ -22821,78 +22526,6 @@
             <a:br>
               <a:rPr lang="el-GR" dirty="0"/>
             </a:br>
-            <a:r>
-              <a:rPr lang="en-US" b="1" dirty="0">
-                <a:solidFill>
-                  <a:srgbClr val="FF0000"/>
-                </a:solidFill>
-              </a:rPr>
-              <a:t>Na </a:t>
-            </a:r>
-            <a:r>
-              <a:rPr lang="en-US" b="1" dirty="0" err="1">
-                <a:solidFill>
-                  <a:srgbClr val="FF0000"/>
-                </a:solidFill>
-              </a:rPr>
-              <a:t>valoume</a:t>
-            </a:r>
-            <a:r>
-              <a:rPr lang="en-US" b="1" dirty="0">
-                <a:solidFill>
-                  <a:srgbClr val="FF0000"/>
-                </a:solidFill>
-              </a:rPr>
-              <a:t> se ola DONE </a:t>
-            </a:r>
-            <a:r>
-              <a:rPr lang="en-US" b="1" dirty="0" err="1">
-                <a:solidFill>
-                  <a:srgbClr val="FF0000"/>
-                </a:solidFill>
-              </a:rPr>
-              <a:t>lew</a:t>
-            </a:r>
-            <a:r>
-              <a:rPr lang="en-US" b="1" dirty="0">
-                <a:solidFill>
-                  <a:srgbClr val="FF0000"/>
-                </a:solidFill>
-              </a:rPr>
-              <a:t> </a:t>
-            </a:r>
-            <a:r>
-              <a:rPr lang="en-US" b="1" dirty="0" err="1">
-                <a:solidFill>
-                  <a:srgbClr val="FF0000"/>
-                </a:solidFill>
-              </a:rPr>
-              <a:t>egw</a:t>
-            </a:r>
-            <a:r>
-              <a:rPr lang="en-US" b="1" dirty="0">
-                <a:solidFill>
-                  <a:srgbClr val="FF0000"/>
-                </a:solidFill>
-              </a:rPr>
-              <a:t> </a:t>
-            </a:r>
-            <a:r>
-              <a:rPr lang="en-US" b="1" dirty="0" err="1">
-                <a:solidFill>
-                  <a:srgbClr val="FF0000"/>
-                </a:solidFill>
-              </a:rPr>
-              <a:t>ahhahah</a:t>
-            </a:r>
-            <a:r>
-              <a:rPr lang="en-US" b="1" dirty="0">
-                <a:solidFill>
-                  <a:srgbClr val="FF0000"/>
-                </a:solidFill>
-              </a:rPr>
-              <a:t>! =&gt;</a:t>
-            </a:r>
             <a:endParaRPr lang="el-GR" b="1" dirty="0">
               <a:solidFill>
                 <a:srgbClr val="FF0000"/>
@@ -22917,7 +22550,7 @@
 </p:sld>
 </file>
 
-<file path=ppt/slides/slide15.xml><?xml version="1.0" encoding="utf-8"?>
+<file path=ppt/slides/slide14.xml><?xml version="1.0" encoding="utf-8"?>
 <p:sld xmlns:a="http://schemas.openxmlformats.org/drawingml/2006/main" xmlns:r="http://schemas.openxmlformats.org/officeDocument/2006/relationships" xmlns:p="http://schemas.openxmlformats.org/presentationml/2006/main">
   <p:cSld>
     <p:spTree>
@@ -24655,7 +24288,7 @@
             </a:pPr>
             <a:r>
               <a:rPr lang="en-US" dirty="0"/>
-              <a:t>  Packet Size = 1024 bytes</a:t>
+              <a:t>  Packet Size = 1024</a:t>
             </a:r>
           </a:p>
           <a:p>
@@ -25005,32 +24638,28 @@
             </a:r>
             <a:r>
               <a:rPr lang="el-GR" altLang="el-GR" sz="1700" dirty="0">
-                <a:latin typeface="Calibri" panose="020F0502020204030204" pitchFamily="34" charset="0"/>
-                <a:ea typeface="Calibri" panose="020F0502020204030204" pitchFamily="34" charset="0"/>
-                <a:cs typeface="Calibri" panose="020F0502020204030204" pitchFamily="34" charset="0"/>
+                <a:latin typeface="Arial" panose="020B0604020202020204" pitchFamily="34" charset="0"/>
+                <a:cs typeface="Arial" panose="020B0604020202020204" pitchFamily="34" charset="0"/>
               </a:rPr>
               <a:t>Επιλέξαμε την δυναμική δρομολόγηση OLSR (Optimized Link State </a:t>
             </a:r>
             <a:r>
               <a:rPr lang="el-GR" altLang="el-GR" sz="1700" dirty="0" err="1">
-                <a:latin typeface="Calibri" panose="020F0502020204030204" pitchFamily="34" charset="0"/>
-                <a:ea typeface="Calibri" panose="020F0502020204030204" pitchFamily="34" charset="0"/>
-                <a:cs typeface="Calibri" panose="020F0502020204030204" pitchFamily="34" charset="0"/>
+                <a:latin typeface="Arial" panose="020B0604020202020204" pitchFamily="34" charset="0"/>
+                <a:cs typeface="Arial" panose="020B0604020202020204" pitchFamily="34" charset="0"/>
               </a:rPr>
               <a:t>Routing</a:t>
             </a:r>
             <a:r>
               <a:rPr lang="el-GR" altLang="el-GR" sz="1700" dirty="0">
-                <a:latin typeface="Calibri" panose="020F0502020204030204" pitchFamily="34" charset="0"/>
-                <a:ea typeface="Calibri" panose="020F0502020204030204" pitchFamily="34" charset="0"/>
-                <a:cs typeface="Calibri" panose="020F0502020204030204" pitchFamily="34" charset="0"/>
+                <a:latin typeface="Arial" panose="020B0604020202020204" pitchFamily="34" charset="0"/>
+                <a:cs typeface="Arial" panose="020B0604020202020204" pitchFamily="34" charset="0"/>
               </a:rPr>
               <a:t>). Το OLSR ανταποκρίνεται γρήγορα σε αλλαγές της τοπολογίας και υποστηρίζεται πλήρως στο περιβάλλον του ns-3.</a:t>
             </a:r>
             <a:endParaRPr lang="en-US" altLang="el-GR" sz="1700" dirty="0">
-              <a:latin typeface="Calibri" panose="020F0502020204030204" pitchFamily="34" charset="0"/>
-              <a:ea typeface="Calibri" panose="020F0502020204030204" pitchFamily="34" charset="0"/>
-              <a:cs typeface="Calibri" panose="020F0502020204030204" pitchFamily="34" charset="0"/>
+              <a:latin typeface="Arial" panose="020B0604020202020204" pitchFamily="34" charset="0"/>
+              <a:cs typeface="Arial" panose="020B0604020202020204" pitchFamily="34" charset="0"/>
             </a:endParaRPr>
           </a:p>
           <a:p>
@@ -25055,9 +24684,8 @@
                   <a:lumMod val="75000"/>
                 </a:schemeClr>
               </a:solidFill>
-              <a:latin typeface="Calibri" panose="020F0502020204030204" pitchFamily="34" charset="0"/>
-              <a:ea typeface="Calibri" panose="020F0502020204030204" pitchFamily="34" charset="0"/>
-              <a:cs typeface="Calibri" panose="020F0502020204030204" pitchFamily="34" charset="0"/>
+              <a:latin typeface="Arial" panose="020B0604020202020204" pitchFamily="34" charset="0"/>
+              <a:cs typeface="Arial" panose="020B0604020202020204" pitchFamily="34" charset="0"/>
             </a:endParaRPr>
           </a:p>
           <a:p>
@@ -25083,104 +24711,91 @@
                     <a:lumMod val="75000"/>
                   </a:schemeClr>
                 </a:solidFill>
-                <a:latin typeface="Calibri" panose="020F0502020204030204" pitchFamily="34" charset="0"/>
-                <a:ea typeface="Calibri" panose="020F0502020204030204" pitchFamily="34" charset="0"/>
-                <a:cs typeface="Calibri" panose="020F0502020204030204" pitchFamily="34" charset="0"/>
+                <a:latin typeface="Arial" panose="020B0604020202020204" pitchFamily="34" charset="0"/>
+                <a:cs typeface="Arial" panose="020B0604020202020204" pitchFamily="34" charset="0"/>
               </a:rPr>
               <a:t> </a:t>
             </a:r>
             <a:r>
               <a:rPr lang="el-GR" altLang="el-GR" sz="1700" dirty="0">
-                <a:latin typeface="Calibri" panose="020F0502020204030204" pitchFamily="34" charset="0"/>
-                <a:ea typeface="Calibri" panose="020F0502020204030204" pitchFamily="34" charset="0"/>
-                <a:cs typeface="Calibri" panose="020F0502020204030204" pitchFamily="34" charset="0"/>
+                <a:latin typeface="Arial" panose="020B0604020202020204" pitchFamily="34" charset="0"/>
+                <a:cs typeface="Arial" panose="020B0604020202020204" pitchFamily="34" charset="0"/>
               </a:rPr>
               <a:t>Επιπλέον,</a:t>
             </a:r>
             <a:r>
               <a:rPr lang="en-US" altLang="el-GR" sz="1700" dirty="0">
-                <a:latin typeface="Calibri" panose="020F0502020204030204" pitchFamily="34" charset="0"/>
-                <a:ea typeface="Calibri" panose="020F0502020204030204" pitchFamily="34" charset="0"/>
-                <a:cs typeface="Calibri" panose="020F0502020204030204" pitchFamily="34" charset="0"/>
+                <a:latin typeface="Arial" panose="020B0604020202020204" pitchFamily="34" charset="0"/>
+                <a:cs typeface="Arial" panose="020B0604020202020204" pitchFamily="34" charset="0"/>
               </a:rPr>
               <a:t> </a:t>
             </a:r>
             <a:r>
               <a:rPr lang="el-GR" altLang="el-GR" sz="1700" dirty="0">
-                <a:latin typeface="Calibri" panose="020F0502020204030204" pitchFamily="34" charset="0"/>
-                <a:ea typeface="Calibri" panose="020F0502020204030204" pitchFamily="34" charset="0"/>
-                <a:cs typeface="Calibri" panose="020F0502020204030204" pitchFamily="34" charset="0"/>
+                <a:latin typeface="Arial" panose="020B0604020202020204" pitchFamily="34" charset="0"/>
+                <a:cs typeface="Arial" panose="020B0604020202020204" pitchFamily="34" charset="0"/>
               </a:rPr>
               <a:t>συμπεριλάβαμε τις εξής βιβλιοθήκες: </a:t>
             </a:r>
             <a:r>
               <a:rPr lang="en-US" altLang="el-GR" sz="1700" dirty="0">
-                <a:latin typeface="Calibri" panose="020F0502020204030204" pitchFamily="34" charset="0"/>
-                <a:ea typeface="Calibri" panose="020F0502020204030204" pitchFamily="34" charset="0"/>
-                <a:cs typeface="Calibri" panose="020F0502020204030204" pitchFamily="34" charset="0"/>
+                <a:latin typeface="Arial" panose="020B0604020202020204" pitchFamily="34" charset="0"/>
+                <a:cs typeface="Arial" panose="020B0604020202020204" pitchFamily="34" charset="0"/>
               </a:rPr>
               <a:t>module </a:t>
             </a:r>
             <a:r>
               <a:rPr lang="en-US" altLang="el-GR" sz="1700" dirty="0" err="1">
-                <a:latin typeface="Calibri" panose="020F0502020204030204" pitchFamily="34" charset="0"/>
-                <a:ea typeface="Calibri" panose="020F0502020204030204" pitchFamily="34" charset="0"/>
-                <a:cs typeface="Calibri" panose="020F0502020204030204" pitchFamily="34" charset="0"/>
+                <a:latin typeface="Arial" panose="020B0604020202020204" pitchFamily="34" charset="0"/>
+                <a:cs typeface="Arial" panose="020B0604020202020204" pitchFamily="34" charset="0"/>
               </a:rPr>
               <a:t>olsr-helper.h</a:t>
             </a:r>
             <a:r>
               <a:rPr lang="en-US" altLang="el-GR" sz="1700" dirty="0">
-                <a:latin typeface="Calibri" panose="020F0502020204030204" pitchFamily="34" charset="0"/>
-                <a:ea typeface="Calibri" panose="020F0502020204030204" pitchFamily="34" charset="0"/>
-                <a:cs typeface="Calibri" panose="020F0502020204030204" pitchFamily="34" charset="0"/>
+                <a:latin typeface="Arial" panose="020B0604020202020204" pitchFamily="34" charset="0"/>
+                <a:cs typeface="Arial" panose="020B0604020202020204" pitchFamily="34" charset="0"/>
               </a:rPr>
               <a:t>, ns3/applications-</a:t>
             </a:r>
             <a:r>
               <a:rPr lang="en-US" altLang="el-GR" sz="1700" dirty="0" err="1">
-                <a:latin typeface="Calibri" panose="020F0502020204030204" pitchFamily="34" charset="0"/>
-                <a:ea typeface="Calibri" panose="020F0502020204030204" pitchFamily="34" charset="0"/>
-                <a:cs typeface="Calibri" panose="020F0502020204030204" pitchFamily="34" charset="0"/>
+                <a:latin typeface="Arial" panose="020B0604020202020204" pitchFamily="34" charset="0"/>
+                <a:cs typeface="Arial" panose="020B0604020202020204" pitchFamily="34" charset="0"/>
               </a:rPr>
               <a:t>module.h</a:t>
             </a:r>
             <a:r>
               <a:rPr lang="en-US" altLang="el-GR" sz="1700" dirty="0">
-                <a:latin typeface="Calibri" panose="020F0502020204030204" pitchFamily="34" charset="0"/>
-                <a:ea typeface="Calibri" panose="020F0502020204030204" pitchFamily="34" charset="0"/>
-                <a:cs typeface="Calibri" panose="020F0502020204030204" pitchFamily="34" charset="0"/>
+                <a:latin typeface="Arial" panose="020B0604020202020204" pitchFamily="34" charset="0"/>
+                <a:cs typeface="Arial" panose="020B0604020202020204" pitchFamily="34" charset="0"/>
               </a:rPr>
               <a:t>, </a:t>
             </a:r>
             <a:br>
               <a:rPr lang="en-US" altLang="el-GR" sz="1700" dirty="0">
-                <a:latin typeface="Calibri" panose="020F0502020204030204" pitchFamily="34" charset="0"/>
-                <a:ea typeface="Calibri" panose="020F0502020204030204" pitchFamily="34" charset="0"/>
-                <a:cs typeface="Calibri" panose="020F0502020204030204" pitchFamily="34" charset="0"/>
+                <a:latin typeface="Arial" panose="020B0604020202020204" pitchFamily="34" charset="0"/>
+                <a:cs typeface="Arial" panose="020B0604020202020204" pitchFamily="34" charset="0"/>
               </a:rPr>
             </a:br>
             <a:r>
               <a:rPr lang="en-US" altLang="el-GR" sz="1700" dirty="0">
-                <a:latin typeface="Calibri" panose="020F0502020204030204" pitchFamily="34" charset="0"/>
-                <a:ea typeface="Calibri" panose="020F0502020204030204" pitchFamily="34" charset="0"/>
-                <a:cs typeface="Calibri" panose="020F0502020204030204" pitchFamily="34" charset="0"/>
+                <a:latin typeface="Arial" panose="020B0604020202020204" pitchFamily="34" charset="0"/>
+                <a:cs typeface="Arial" panose="020B0604020202020204" pitchFamily="34" charset="0"/>
               </a:rPr>
               <a:t>internet-</a:t>
             </a:r>
             <a:r>
               <a:rPr lang="en-US" altLang="el-GR" sz="1700" dirty="0" err="1">
-                <a:latin typeface="Calibri" panose="020F0502020204030204" pitchFamily="34" charset="0"/>
-                <a:ea typeface="Calibri" panose="020F0502020204030204" pitchFamily="34" charset="0"/>
-                <a:cs typeface="Calibri" panose="020F0502020204030204" pitchFamily="34" charset="0"/>
+                <a:latin typeface="Arial" panose="020B0604020202020204" pitchFamily="34" charset="0"/>
+                <a:cs typeface="Arial" panose="020B0604020202020204" pitchFamily="34" charset="0"/>
               </a:rPr>
               <a:t>module.h</a:t>
             </a:r>
             <a:r>
               <a:rPr lang="en-US" altLang="el-GR" sz="1700" dirty="0">
-                <a:latin typeface="Calibri" panose="020F0502020204030204" pitchFamily="34" charset="0"/>
-                <a:ea typeface="Calibri" panose="020F0502020204030204" pitchFamily="34" charset="0"/>
-                <a:cs typeface="Calibri" panose="020F0502020204030204" pitchFamily="34" charset="0"/>
+                <a:latin typeface="Arial" panose="020B0604020202020204" pitchFamily="34" charset="0"/>
+                <a:cs typeface="Arial" panose="020B0604020202020204" pitchFamily="34" charset="0"/>
               </a:rPr>
               <a:t>.</a:t>
             </a:r>
@@ -25202,9 +24817,8 @@
               <a:buChar char="•"/>
             </a:pPr>
             <a:endParaRPr lang="el-GR" altLang="el-GR" sz="1700" dirty="0">
-              <a:latin typeface="Calibri" panose="020F0502020204030204" pitchFamily="34" charset="0"/>
-              <a:ea typeface="Calibri" panose="020F0502020204030204" pitchFamily="34" charset="0"/>
-              <a:cs typeface="Calibri" panose="020F0502020204030204" pitchFamily="34" charset="0"/>
+              <a:latin typeface="Arial" panose="020B0604020202020204" pitchFamily="34" charset="0"/>
+              <a:cs typeface="Arial" panose="020B0604020202020204" pitchFamily="34" charset="0"/>
             </a:endParaRPr>
           </a:p>
           <a:p>
@@ -25230,40 +24844,35 @@
                     <a:lumMod val="75000"/>
                   </a:schemeClr>
                 </a:solidFill>
-                <a:latin typeface="Calibri" panose="020F0502020204030204" pitchFamily="34" charset="0"/>
-                <a:ea typeface="Calibri" panose="020F0502020204030204" pitchFamily="34" charset="0"/>
-                <a:cs typeface="Calibri" panose="020F0502020204030204" pitchFamily="34" charset="0"/>
+                <a:latin typeface="Arial" panose="020B0604020202020204" pitchFamily="34" charset="0"/>
+                <a:cs typeface="Arial" panose="020B0604020202020204" pitchFamily="34" charset="0"/>
               </a:rPr>
               <a:t>  </a:t>
             </a:r>
             <a:r>
               <a:rPr lang="el-GR" altLang="el-GR" sz="1700" dirty="0">
-                <a:latin typeface="Calibri" panose="020F0502020204030204" pitchFamily="34" charset="0"/>
-                <a:ea typeface="Calibri" panose="020F0502020204030204" pitchFamily="34" charset="0"/>
-                <a:cs typeface="Calibri" panose="020F0502020204030204" pitchFamily="34" charset="0"/>
+                <a:latin typeface="Arial" panose="020B0604020202020204" pitchFamily="34" charset="0"/>
+                <a:cs typeface="Arial" panose="020B0604020202020204" pitchFamily="34" charset="0"/>
               </a:rPr>
               <a:t>Το </a:t>
             </a:r>
             <a:r>
               <a:rPr lang="en-US" altLang="el-GR" sz="1700" dirty="0">
-                <a:latin typeface="Calibri" panose="020F0502020204030204" pitchFamily="34" charset="0"/>
-                <a:ea typeface="Calibri" panose="020F0502020204030204" pitchFamily="34" charset="0"/>
-                <a:cs typeface="Calibri" panose="020F0502020204030204" pitchFamily="34" charset="0"/>
+                <a:latin typeface="Arial" panose="020B0604020202020204" pitchFamily="34" charset="0"/>
+                <a:cs typeface="Arial" panose="020B0604020202020204" pitchFamily="34" charset="0"/>
               </a:rPr>
               <a:t>internet stack </a:t>
             </a:r>
             <a:r>
               <a:rPr lang="el-GR" altLang="el-GR" sz="1700" dirty="0">
-                <a:latin typeface="Calibri" panose="020F0502020204030204" pitchFamily="34" charset="0"/>
-                <a:ea typeface="Calibri" panose="020F0502020204030204" pitchFamily="34" charset="0"/>
-                <a:cs typeface="Calibri" panose="020F0502020204030204" pitchFamily="34" charset="0"/>
+                <a:latin typeface="Arial" panose="020B0604020202020204" pitchFamily="34" charset="0"/>
+                <a:cs typeface="Arial" panose="020B0604020202020204" pitchFamily="34" charset="0"/>
               </a:rPr>
               <a:t>παρέχει τα βασικά επίπεδα πρωτοκόλλων δικτύου που επιτρέπουν την επικοινωνία μεταξύ των κόμβων και λειτουργεί ως σύστημα λογισμικού που υποστηρίζει την αποστολή, λήψη και επεξεργασία πακέτων.</a:t>
             </a:r>
             <a:endParaRPr lang="en-US" altLang="el-GR" sz="1700" dirty="0">
-              <a:latin typeface="Calibri" panose="020F0502020204030204" pitchFamily="34" charset="0"/>
-              <a:ea typeface="Calibri" panose="020F0502020204030204" pitchFamily="34" charset="0"/>
-              <a:cs typeface="Calibri" panose="020F0502020204030204" pitchFamily="34" charset="0"/>
+              <a:latin typeface="Arial" panose="020B0604020202020204" pitchFamily="34" charset="0"/>
+              <a:cs typeface="Arial" panose="020B0604020202020204" pitchFamily="34" charset="0"/>
             </a:endParaRPr>
           </a:p>
           <a:p>
@@ -25283,9 +24892,8 @@
               <a:buChar char="•"/>
             </a:pPr>
             <a:endParaRPr lang="en-US" altLang="el-GR" sz="1700" dirty="0">
-              <a:latin typeface="Calibri" panose="020F0502020204030204" pitchFamily="34" charset="0"/>
-              <a:ea typeface="Calibri" panose="020F0502020204030204" pitchFamily="34" charset="0"/>
-              <a:cs typeface="Calibri" panose="020F0502020204030204" pitchFamily="34" charset="0"/>
+              <a:latin typeface="Arial" panose="020B0604020202020204" pitchFamily="34" charset="0"/>
+              <a:cs typeface="Arial" panose="020B0604020202020204" pitchFamily="34" charset="0"/>
             </a:endParaRPr>
           </a:p>
           <a:p>
@@ -25311,40 +24919,35 @@
                     <a:lumMod val="75000"/>
                   </a:schemeClr>
                 </a:solidFill>
-                <a:latin typeface="Calibri" panose="020F0502020204030204" pitchFamily="34" charset="0"/>
-                <a:ea typeface="Calibri" panose="020F0502020204030204" pitchFamily="34" charset="0"/>
-                <a:cs typeface="Calibri" panose="020F0502020204030204" pitchFamily="34" charset="0"/>
+                <a:latin typeface="Arial" panose="020B0604020202020204" pitchFamily="34" charset="0"/>
+                <a:cs typeface="Arial" panose="020B0604020202020204" pitchFamily="34" charset="0"/>
               </a:rPr>
               <a:t>   </a:t>
             </a:r>
             <a:r>
               <a:rPr lang="el-GR" altLang="el-GR" sz="1700" dirty="0">
-                <a:latin typeface="Calibri" panose="020F0502020204030204" pitchFamily="34" charset="0"/>
-                <a:ea typeface="Calibri" panose="020F0502020204030204" pitchFamily="34" charset="0"/>
-                <a:cs typeface="Calibri" panose="020F0502020204030204" pitchFamily="34" charset="0"/>
+                <a:latin typeface="Arial" panose="020B0604020202020204" pitchFamily="34" charset="0"/>
+                <a:cs typeface="Arial" panose="020B0604020202020204" pitchFamily="34" charset="0"/>
               </a:rPr>
               <a:t>Το </a:t>
             </a:r>
             <a:r>
               <a:rPr lang="en-US" altLang="el-GR" sz="1700" dirty="0">
-                <a:latin typeface="Calibri" panose="020F0502020204030204" pitchFamily="34" charset="0"/>
-                <a:ea typeface="Calibri" panose="020F0502020204030204" pitchFamily="34" charset="0"/>
-                <a:cs typeface="Calibri" panose="020F0502020204030204" pitchFamily="34" charset="0"/>
+                <a:latin typeface="Arial" panose="020B0604020202020204" pitchFamily="34" charset="0"/>
+                <a:cs typeface="Arial" panose="020B0604020202020204" pitchFamily="34" charset="0"/>
               </a:rPr>
               <a:t>packet sink </a:t>
             </a:r>
             <a:r>
               <a:rPr lang="el-GR" altLang="el-GR" sz="1700" dirty="0">
-                <a:latin typeface="Calibri" panose="020F0502020204030204" pitchFamily="34" charset="0"/>
-                <a:ea typeface="Calibri" panose="020F0502020204030204" pitchFamily="34" charset="0"/>
-                <a:cs typeface="Calibri" panose="020F0502020204030204" pitchFamily="34" charset="0"/>
+                <a:latin typeface="Arial" panose="020B0604020202020204" pitchFamily="34" charset="0"/>
+                <a:cs typeface="Arial" panose="020B0604020202020204" pitchFamily="34" charset="0"/>
               </a:rPr>
               <a:t>που λαμβάνει εισερχόμενα πακέτα και χρησιμοποιείται για τη μέτρηση της δικτυακής κίνησης και της επιτυχούς παράδοσης πακέτων.</a:t>
             </a:r>
             <a:endParaRPr lang="en-US" altLang="el-GR" sz="1700" dirty="0">
-              <a:latin typeface="Calibri" panose="020F0502020204030204" pitchFamily="34" charset="0"/>
-              <a:ea typeface="Calibri" panose="020F0502020204030204" pitchFamily="34" charset="0"/>
-              <a:cs typeface="Calibri" panose="020F0502020204030204" pitchFamily="34" charset="0"/>
+              <a:latin typeface="Arial" panose="020B0604020202020204" pitchFamily="34" charset="0"/>
+              <a:cs typeface="Arial" panose="020B0604020202020204" pitchFamily="34" charset="0"/>
             </a:endParaRPr>
           </a:p>
           <a:p>
@@ -25364,9 +24967,8 @@
               <a:buChar char="•"/>
             </a:pPr>
             <a:endParaRPr lang="en-US" altLang="el-GR" sz="1700" dirty="0">
-              <a:latin typeface="Calibri" panose="020F0502020204030204" pitchFamily="34" charset="0"/>
-              <a:ea typeface="Calibri" panose="020F0502020204030204" pitchFamily="34" charset="0"/>
-              <a:cs typeface="Calibri" panose="020F0502020204030204" pitchFamily="34" charset="0"/>
+              <a:latin typeface="Arial" panose="020B0604020202020204" pitchFamily="34" charset="0"/>
+              <a:cs typeface="Arial" panose="020B0604020202020204" pitchFamily="34" charset="0"/>
             </a:endParaRPr>
           </a:p>
           <a:p>
@@ -25392,33 +24994,29 @@
                     <a:lumMod val="75000"/>
                   </a:schemeClr>
                 </a:solidFill>
-                <a:latin typeface="Calibri" panose="020F0502020204030204" pitchFamily="34" charset="0"/>
-                <a:ea typeface="Calibri" panose="020F0502020204030204" pitchFamily="34" charset="0"/>
-                <a:cs typeface="Calibri" panose="020F0502020204030204" pitchFamily="34" charset="0"/>
+                <a:latin typeface="Arial" panose="020B0604020202020204" pitchFamily="34" charset="0"/>
+                <a:cs typeface="Arial" panose="020B0604020202020204" pitchFamily="34" charset="0"/>
               </a:rPr>
               <a:t> </a:t>
             </a:r>
             <a:r>
               <a:rPr lang="el-GR" altLang="el-GR" sz="1700" dirty="0">
-                <a:latin typeface="Calibri" panose="020F0502020204030204" pitchFamily="34" charset="0"/>
-                <a:ea typeface="Calibri" panose="020F0502020204030204" pitchFamily="34" charset="0"/>
-                <a:cs typeface="Calibri" panose="020F0502020204030204" pitchFamily="34" charset="0"/>
+                <a:latin typeface="Arial" panose="020B0604020202020204" pitchFamily="34" charset="0"/>
+                <a:cs typeface="Arial" panose="020B0604020202020204" pitchFamily="34" charset="0"/>
               </a:rPr>
               <a:t>Το </a:t>
             </a:r>
             <a:r>
               <a:rPr lang="en-US" altLang="el-GR" sz="1700" dirty="0">
-                <a:latin typeface="Calibri" panose="020F0502020204030204" pitchFamily="34" charset="0"/>
-                <a:ea typeface="Calibri" panose="020F0502020204030204" pitchFamily="34" charset="0"/>
-                <a:cs typeface="Calibri" panose="020F0502020204030204" pitchFamily="34" charset="0"/>
+                <a:latin typeface="Arial" panose="020B0604020202020204" pitchFamily="34" charset="0"/>
+                <a:cs typeface="Arial" panose="020B0604020202020204" pitchFamily="34" charset="0"/>
               </a:rPr>
               <a:t>warm up phase </a:t>
             </a:r>
             <a:r>
               <a:rPr lang="el-GR" altLang="el-GR" sz="1700" dirty="0">
-                <a:latin typeface="Calibri" panose="020F0502020204030204" pitchFamily="34" charset="0"/>
-                <a:ea typeface="Calibri" panose="020F0502020204030204" pitchFamily="34" charset="0"/>
-                <a:cs typeface="Calibri" panose="020F0502020204030204" pitchFamily="34" charset="0"/>
+                <a:latin typeface="Arial" panose="020B0604020202020204" pitchFamily="34" charset="0"/>
+                <a:cs typeface="Arial" panose="020B0604020202020204" pitchFamily="34" charset="0"/>
               </a:rPr>
               <a:t>είναι μια χρονική περίοδος κατά την οποία οι μετρήσεις αγνοούνται σκόπιμα, ώστε να δοθεί χρόνος στο σύστημα να σταθεροποιήσει τους πίνακες δρομολόγησης, τις ουρές και τα πρότυπα κίνησης πριν ξεκινήσει η συλλογή ακριβών δεδομένων απόδοσης.</a:t>
             </a:r>
@@ -26690,16 +26288,16 @@
 <file path=customXml/itemProps1.xml><?xml version="1.0" encoding="utf-8"?>
 <ds:datastoreItem xmlns:ds="http://schemas.openxmlformats.org/officeDocument/2006/customXml" ds:itemID="{788A2F88-55C5-4ED1-9541-807C65424763}">
   <ds:schemaRefs>
+    <ds:schemaRef ds:uri="http://schemas.microsoft.com/office/2006/metadata/properties"/>
+    <ds:schemaRef ds:uri="http://www.w3.org/XML/1998/namespace"/>
+    <ds:schemaRef ds:uri="http://purl.org/dc/terms/"/>
+    <ds:schemaRef ds:uri="http://schemas.microsoft.com/office/2006/documentManagement/types"/>
+    <ds:schemaRef ds:uri="http://schemas.openxmlformats.org/package/2006/metadata/core-properties"/>
+    <ds:schemaRef ds:uri="http://purl.org/dc/elements/1.1/"/>
+    <ds:schemaRef ds:uri="16c05727-aa75-4e4a-9b5f-8a80a1165891"/>
+    <ds:schemaRef ds:uri="http://schemas.microsoft.com/office/infopath/2007/PartnerControls"/>
     <ds:schemaRef ds:uri="71af3243-3dd4-4a8d-8c0d-dd76da1f02a5"/>
     <ds:schemaRef ds:uri="http://purl.org/dc/dcmitype/"/>
-    <ds:schemaRef ds:uri="16c05727-aa75-4e4a-9b5f-8a80a1165891"/>
-    <ds:schemaRef ds:uri="http://www.w3.org/XML/1998/namespace"/>
-    <ds:schemaRef ds:uri="http://schemas.microsoft.com/office/2006/documentManagement/types"/>
-    <ds:schemaRef ds:uri="http://purl.org/dc/terms/"/>
-    <ds:schemaRef ds:uri="http://purl.org/dc/elements/1.1/"/>
-    <ds:schemaRef ds:uri="http://schemas.microsoft.com/office/infopath/2007/PartnerControls"/>
-    <ds:schemaRef ds:uri="http://schemas.openxmlformats.org/package/2006/metadata/core-properties"/>
-    <ds:schemaRef ds:uri="http://schemas.microsoft.com/office/2006/metadata/properties"/>
   </ds:schemaRefs>
 </ds:datastoreItem>
 </file>

--- a/Presentations/Ns-3_presentation_F.pptx
+++ b/Presentations/Ns-3_presentation_F.pptx
@@ -5,10 +5,10 @@
     <p:sldMasterId id="2147483648" r:id="rId4"/>
   </p:sldMasterIdLst>
   <p:notesMasterIdLst>
-    <p:notesMasterId r:id="rId19"/>
+    <p:notesMasterId r:id="rId20"/>
   </p:notesMasterIdLst>
   <p:handoutMasterIdLst>
-    <p:handoutMasterId r:id="rId20"/>
+    <p:handoutMasterId r:id="rId21"/>
   </p:handoutMasterIdLst>
   <p:sldIdLst>
     <p:sldId id="256" r:id="rId5"/>
@@ -22,9 +22,10 @@
     <p:sldId id="287" r:id="rId13"/>
     <p:sldId id="293" r:id="rId14"/>
     <p:sldId id="294" r:id="rId15"/>
-    <p:sldId id="295" r:id="rId16"/>
-    <p:sldId id="288" r:id="rId17"/>
-    <p:sldId id="281" r:id="rId18"/>
+    <p:sldId id="296" r:id="rId16"/>
+    <p:sldId id="295" r:id="rId17"/>
+    <p:sldId id="288" r:id="rId18"/>
+    <p:sldId id="281" r:id="rId19"/>
   </p:sldIdLst>
   <p:sldSz cx="12192000" cy="6858000"/>
   <p:notesSz cx="6858000" cy="9144000"/>
@@ -218,7 +219,7 @@
             <a:pPr rtl="0"/>
             <a:fld id="{F0EC7D35-77BB-4867-BAC6-5C40C37B98F1}" type="datetime1">
               <a:rPr lang="el-GR" smtClean="0"/>
-              <a:t>18/11/2025</a:t>
+              <a:t>19/11/2025</a:t>
             </a:fld>
             <a:endParaRPr lang="el-GR" dirty="0"/>
           </a:p>
@@ -388,7 +389,7 @@
             <a:pPr rtl="0"/>
             <a:fld id="{707ABAE7-72BE-4378-9C66-B300388DE536}" type="datetime1">
               <a:rPr lang="el-GR" noProof="0" smtClean="0"/>
-              <a:t>18/11/2025</a:t>
+              <a:t>19/11/2025</a:t>
             </a:fld>
             <a:endParaRPr lang="el-GR" noProof="0" dirty="0"/>
           </a:p>
@@ -691,7 +692,7 @@
           <a:bodyPr/>
           <a:lstStyle/>
           <a:p>
-            <a:endParaRPr lang="en-GB"/>
+            <a:endParaRPr lang="en-GB" dirty="0"/>
           </a:p>
         </p:txBody>
       </p:sp>
@@ -784,7 +785,7 @@
           <a:bodyPr/>
           <a:lstStyle/>
           <a:p>
-            <a:endParaRPr lang="en-GB"/>
+            <a:endParaRPr lang="en-GB" dirty="0"/>
           </a:p>
         </p:txBody>
       </p:sp>
@@ -905,7 +906,7 @@
           <a:bodyPr/>
           <a:lstStyle/>
           <a:p>
-            <a:endParaRPr lang="en-GB"/>
+            <a:endParaRPr lang="en-GB" dirty="0"/>
           </a:p>
         </p:txBody>
       </p:sp>
@@ -9513,7 +9514,7 @@
           <a:bodyPr/>
           <a:lstStyle/>
           <a:p>
-            <a:endParaRPr lang="en-GB"/>
+            <a:endParaRPr lang="en-GB" dirty="0"/>
           </a:p>
         </p:txBody>
       </p:sp>
@@ -9654,7 +9655,7 @@
             <a:pPr rtl="0"/>
             <a:fld id="{EABDBA74-E4DB-4313-95D3-B7F630EE7B7F}" type="datetime1">
               <a:rPr lang="el-GR" noProof="0" smtClean="0"/>
-              <a:t>18/11/2025</a:t>
+              <a:t>19/11/2025</a:t>
             </a:fld>
             <a:endParaRPr lang="el-GR" noProof="0" dirty="0"/>
           </a:p>
@@ -9863,7 +9864,7 @@
             <a:pPr rtl="0"/>
             <a:fld id="{D9C97E28-F60A-427B-851A-BCC048F06BC7}" type="datetime1">
               <a:rPr lang="el-GR" noProof="0" smtClean="0"/>
-              <a:t>18/11/2025</a:t>
+              <a:t>19/11/2025</a:t>
             </a:fld>
             <a:endParaRPr lang="el-GR" noProof="0" dirty="0"/>
           </a:p>
@@ -10045,7 +10046,7 @@
             <a:pPr rtl="0"/>
             <a:fld id="{4EA33EDB-81C3-4DAA-87EA-DA21D6A7FC6C}" type="datetime1">
               <a:rPr lang="el-GR" noProof="0" smtClean="0"/>
-              <a:t>18/11/2025</a:t>
+              <a:t>19/11/2025</a:t>
             </a:fld>
             <a:endParaRPr lang="el-GR" noProof="0" dirty="0"/>
           </a:p>
@@ -10252,7 +10253,7 @@
             <a:pPr rtl="0"/>
             <a:fld id="{0FE5ACA5-56F5-4208-8101-108DA68822C6}" type="datetime1">
               <a:rPr lang="el-GR" noProof="0" smtClean="0"/>
-              <a:t>18/11/2025</a:t>
+              <a:t>19/11/2025</a:t>
             </a:fld>
             <a:endParaRPr lang="el-GR" noProof="0" dirty="0"/>
           </a:p>
@@ -10373,7 +10374,7 @@
           <a:bodyPr/>
           <a:lstStyle/>
           <a:p>
-            <a:endParaRPr lang="en-GB"/>
+            <a:endParaRPr lang="en-GB" dirty="0"/>
           </a:p>
         </p:txBody>
       </p:sp>
@@ -18981,7 +18982,7 @@
           <a:bodyPr/>
           <a:lstStyle/>
           <a:p>
-            <a:endParaRPr lang="en-GB"/>
+            <a:endParaRPr lang="en-GB" dirty="0"/>
           </a:p>
         </p:txBody>
       </p:sp>
@@ -19166,7 +19167,7 @@
             <a:pPr rtl="0"/>
             <a:fld id="{98AAE694-814A-4F58-A8E2-AA9B6575E0B5}" type="datetime1">
               <a:rPr lang="el-GR" noProof="0" smtClean="0"/>
-              <a:t>18/11/2025</a:t>
+              <a:t>19/11/2025</a:t>
             </a:fld>
             <a:endParaRPr lang="el-GR" noProof="0" dirty="0"/>
           </a:p>
@@ -19442,7 +19443,7 @@
             <a:pPr rtl="0"/>
             <a:fld id="{98B30D4A-F623-45A5-BE49-543B4B609AF2}" type="datetime1">
               <a:rPr lang="el-GR" noProof="0" smtClean="0"/>
-              <a:t>18/11/2025</a:t>
+              <a:t>19/11/2025</a:t>
             </a:fld>
             <a:endParaRPr lang="el-GR" noProof="0" dirty="0"/>
           </a:p>
@@ -19842,7 +19843,7 @@
             <a:pPr rtl="0"/>
             <a:fld id="{06412F62-D18F-463A-9A7E-E4809AAD76E4}" type="datetime1">
               <a:rPr lang="el-GR" noProof="0" smtClean="0"/>
-              <a:t>18/11/2025</a:t>
+              <a:t>19/11/2025</a:t>
             </a:fld>
             <a:endParaRPr lang="el-GR" noProof="0" dirty="0"/>
           </a:p>
@@ -19962,7 +19963,7 @@
             <a:pPr rtl="0"/>
             <a:fld id="{D2009D47-CF8A-48CB-81B8-5988DBFADA28}" type="datetime1">
               <a:rPr lang="el-GR" noProof="0" smtClean="0"/>
-              <a:t>18/11/2025</a:t>
+              <a:t>19/11/2025</a:t>
             </a:fld>
             <a:endParaRPr lang="el-GR" noProof="0" dirty="0"/>
           </a:p>
@@ -20058,7 +20059,7 @@
             <a:pPr rtl="0"/>
             <a:fld id="{89B075A6-4B0E-489A-92E5-C2C81D969D11}" type="datetime1">
               <a:rPr lang="el-GR" noProof="0" smtClean="0"/>
-              <a:t>18/11/2025</a:t>
+              <a:t>19/11/2025</a:t>
             </a:fld>
             <a:endParaRPr lang="el-GR" noProof="0" dirty="0"/>
           </a:p>
@@ -20350,7 +20351,7 @@
             <a:pPr rtl="0"/>
             <a:fld id="{7C290451-C354-46E0-BBD8-0317D7A1384C}" type="datetime1">
               <a:rPr lang="el-GR" noProof="0" smtClean="0"/>
-              <a:t>18/11/2025</a:t>
+              <a:t>19/11/2025</a:t>
             </a:fld>
             <a:endParaRPr lang="el-GR" noProof="0" dirty="0"/>
           </a:p>
@@ -20528,10 +20529,9 @@
           <a:p>
             <a:pPr rtl="0"/>
             <a:r>
-              <a:rPr lang="el-GR" noProof="0"/>
+              <a:rPr lang="el-GR" noProof="0" dirty="0"/>
               <a:t>Κάντε κλικ στο εικονίδιο για να προσθέσετε εικόνα</a:t>
             </a:r>
-            <a:endParaRPr lang="el-GR" noProof="0" dirty="0"/>
           </a:p>
         </p:txBody>
       </p:sp>
@@ -20633,7 +20633,7 @@
             <a:pPr rtl="0"/>
             <a:fld id="{05DAA40D-D363-46A0-9276-B6A4797DC9A5}" type="datetime1">
               <a:rPr lang="el-GR" noProof="0" smtClean="0"/>
-              <a:t>18/11/2025</a:t>
+              <a:t>19/11/2025</a:t>
             </a:fld>
             <a:endParaRPr lang="el-GR" noProof="0" dirty="0"/>
           </a:p>
@@ -20882,7 +20882,7 @@
           <a:p>
             <a:fld id="{F98FDC76-A1F5-4EE8-BDE3-5EFC56AAE7AD}" type="datetime1">
               <a:rPr lang="el-GR" noProof="0" smtClean="0"/>
-              <a:t>18/11/2025</a:t>
+              <a:t>19/11/2025</a:t>
             </a:fld>
             <a:endParaRPr lang="el-GR" noProof="0" dirty="0"/>
           </a:p>
@@ -22128,66 +22128,76 @@
         <p:spPr>
           <a:xfrm>
             <a:off x="1024126" y="2286000"/>
-            <a:ext cx="9050039" cy="961697"/>
+            <a:ext cx="9911352" cy="2416629"/>
           </a:xfrm>
         </p:spPr>
         <p:txBody>
           <a:bodyPr>
-            <a:normAutofit/>
+            <a:normAutofit lnSpcReduction="10000"/>
           </a:bodyPr>
           <a:lstStyle/>
           <a:p>
+            <a:pPr>
+              <a:buFont typeface="Arial" panose="020B0604020202020204" pitchFamily="34" charset="0"/>
+              <a:buChar char="•"/>
+            </a:pPr>
             <a:r>
               <a:rPr lang="el-GR" dirty="0"/>
               <a:t>Χρήση του </a:t>
             </a:r>
             <a:r>
               <a:rPr lang="en-US" dirty="0"/>
-              <a:t>warm-up phase!</a:t>
-            </a:r>
+              <a:t>warm-up phase</a:t>
+            </a:r>
+            <a:r>
+              <a:rPr lang="el-GR" dirty="0"/>
+              <a:t> στην περίπτωση αυτού του πειράματος δεν έχει κάποια παρατηρήσιμη διαφορά καθώς:</a:t>
+            </a:r>
+            <a:br>
+              <a:rPr lang="el-GR" dirty="0"/>
+            </a:br>
+            <a:r>
+              <a:rPr lang="el-GR" dirty="0"/>
+              <a:t>	</a:t>
+            </a:r>
+            <a:br>
+              <a:rPr lang="el-GR" dirty="0"/>
+            </a:br>
+            <a:r>
+              <a:rPr lang="el-GR" dirty="0"/>
+              <a:t>	Χρησιμοποιήσαμε το </a:t>
+            </a:r>
+            <a:r>
+              <a:rPr lang="en-GB" dirty="0"/>
+              <a:t>dynamic routing protocol OLSR </a:t>
+            </a:r>
+            <a:r>
+              <a:rPr lang="el-GR" dirty="0"/>
+              <a:t>που είναι αρκετά προβλεπτικό κάτι που σημαίνει ότι διατηρεί σε όλες τις χρονικές στιγμές τα </a:t>
+            </a:r>
+            <a:r>
+              <a:rPr lang="en-GB" dirty="0"/>
+              <a:t>routing tables</a:t>
+            </a:r>
+            <a:r>
+              <a:rPr lang="el-GR" dirty="0"/>
+              <a:t>. Επομένως, μπορεί να είναι και πιο γρήγορο και από το </a:t>
+            </a:r>
+            <a:r>
+              <a:rPr lang="en-GB" dirty="0"/>
+              <a:t>warm-up phase </a:t>
+            </a:r>
+            <a:r>
+              <a:rPr lang="el-GR" dirty="0"/>
+              <a:t>που έχουμε μοντελοποιήσει.</a:t>
+            </a:r>
+            <a:br>
+              <a:rPr lang="el-GR" dirty="0"/>
+            </a:br>
             <a:endParaRPr lang="el-GR" dirty="0"/>
           </a:p>
           <a:p>
             <a:endParaRPr lang="en-US" dirty="0"/>
-          </a:p>
-        </p:txBody>
-      </p:sp>
-      <p:sp>
-        <p:nvSpPr>
-          <p:cNvPr id="4" name="TextBox 3">
-            <a:extLst>
-              <a:ext uri="{FF2B5EF4-FFF2-40B4-BE49-F238E27FC236}">
-                <a16:creationId xmlns:a16="http://schemas.microsoft.com/office/drawing/2014/main" id="{A9C8366C-622C-7125-D484-05F4642D4D20}"/>
-              </a:ext>
-            </a:extLst>
-          </p:cNvPr>
-          <p:cNvSpPr txBox="1"/>
-          <p:nvPr/>
-        </p:nvSpPr>
-        <p:spPr>
-          <a:xfrm>
-            <a:off x="3288494" y="4244195"/>
-            <a:ext cx="5615013" cy="1446550"/>
-          </a:xfrm>
-          <a:prstGeom prst="rect">
-            <a:avLst/>
-          </a:prstGeom>
-          <a:noFill/>
-        </p:spPr>
-        <p:txBody>
-          <a:bodyPr wrap="square" rtlCol="0">
-            <a:spAutoFit/>
-          </a:bodyPr>
-          <a:lstStyle/>
-          <a:p>
-            <a:r>
-              <a:rPr lang="en-US" sz="4400" dirty="0"/>
-              <a:t>Screen shot for showing what we have done</a:t>
-            </a:r>
-            <a:r>
-              <a:rPr lang="en-US" dirty="0"/>
-              <a:t>!</a:t>
-            </a:r>
           </a:p>
         </p:txBody>
       </p:sp>
@@ -22208,6 +22218,233 @@
 </file>
 
 <file path=ppt/slides/slide12.xml><?xml version="1.0" encoding="utf-8"?>
+<p:sld xmlns:a="http://schemas.openxmlformats.org/drawingml/2006/main" xmlns:r="http://schemas.openxmlformats.org/officeDocument/2006/relationships" xmlns:p="http://schemas.openxmlformats.org/presentationml/2006/main">
+  <p:cSld>
+    <p:spTree>
+      <p:nvGrpSpPr>
+        <p:cNvPr id="1" name="">
+          <a:extLst>
+            <a:ext uri="{FF2B5EF4-FFF2-40B4-BE49-F238E27FC236}">
+              <a16:creationId xmlns:a16="http://schemas.microsoft.com/office/drawing/2014/main" id="{F90D5640-9372-6295-0129-9341889539ED}"/>
+            </a:ext>
+          </a:extLst>
+        </p:cNvPr>
+        <p:cNvGrpSpPr/>
+        <p:nvPr/>
+      </p:nvGrpSpPr>
+      <p:grpSpPr>
+        <a:xfrm>
+          <a:off x="0" y="0"/>
+          <a:ext cx="0" cy="0"/>
+          <a:chOff x="0" y="0"/>
+          <a:chExt cx="0" cy="0"/>
+        </a:xfrm>
+      </p:grpSpPr>
+      <p:sp>
+        <p:nvSpPr>
+          <p:cNvPr id="2" name="Τίτλος 1">
+            <a:extLst>
+              <a:ext uri="{FF2B5EF4-FFF2-40B4-BE49-F238E27FC236}">
+                <a16:creationId xmlns:a16="http://schemas.microsoft.com/office/drawing/2014/main" id="{750BF758-34A8-6D30-B8A4-7E1FA62812F1}"/>
+              </a:ext>
+            </a:extLst>
+          </p:cNvPr>
+          <p:cNvSpPr>
+            <a:spLocks noGrp="1"/>
+          </p:cNvSpPr>
+          <p:nvPr>
+            <p:ph type="title"/>
+          </p:nvPr>
+        </p:nvSpPr>
+        <p:spPr>
+          <a:xfrm>
+            <a:off x="817940" y="585741"/>
+            <a:ext cx="11167872" cy="1499616"/>
+          </a:xfrm>
+        </p:spPr>
+        <p:txBody>
+          <a:bodyPr/>
+          <a:lstStyle/>
+          <a:p>
+            <a:r>
+              <a:rPr lang="el-GR" b="1"/>
+              <a:t>ΑΠΟΤΕΛΕΣΜΑΤΑ ΤΟΥ ΕΡΩΤΗΜΑΤΟΣ 2(</a:t>
+            </a:r>
+            <a:r>
+              <a:rPr lang="en-US" b="1"/>
+              <a:t>3</a:t>
+            </a:r>
+            <a:r>
+              <a:rPr lang="el-GR" b="1"/>
+              <a:t>)</a:t>
+            </a:r>
+            <a:endParaRPr lang="el-GR" dirty="0"/>
+          </a:p>
+        </p:txBody>
+      </p:sp>
+      <p:sp>
+        <p:nvSpPr>
+          <p:cNvPr id="7" name="TextBox 6">
+            <a:extLst>
+              <a:ext uri="{FF2B5EF4-FFF2-40B4-BE49-F238E27FC236}">
+                <a16:creationId xmlns:a16="http://schemas.microsoft.com/office/drawing/2014/main" id="{448F07E5-1358-7F75-A65F-7BBD09729022}"/>
+              </a:ext>
+            </a:extLst>
+          </p:cNvPr>
+          <p:cNvSpPr txBox="1"/>
+          <p:nvPr/>
+        </p:nvSpPr>
+        <p:spPr>
+          <a:xfrm>
+            <a:off x="9092008" y="2846925"/>
+            <a:ext cx="3211959" cy="3139321"/>
+          </a:xfrm>
+          <a:prstGeom prst="rect">
+            <a:avLst/>
+          </a:prstGeom>
+          <a:noFill/>
+        </p:spPr>
+        <p:txBody>
+          <a:bodyPr wrap="square" rtlCol="0">
+            <a:spAutoFit/>
+          </a:bodyPr>
+          <a:lstStyle/>
+          <a:p>
+            <a:pPr marL="285750" indent="-285750">
+              <a:buFont typeface="Arial" panose="020B0604020202020204" pitchFamily="34" charset="0"/>
+              <a:buChar char="•"/>
+            </a:pPr>
+            <a:r>
+              <a:rPr lang="el-GR" dirty="0"/>
+              <a:t>Γίνεται χρήση του </a:t>
+            </a:r>
+            <a:r>
+              <a:rPr lang="en-US" dirty="0"/>
+              <a:t>Warm-up phase VS </a:t>
+            </a:r>
+            <a:r>
+              <a:rPr lang="el-GR" dirty="0"/>
+              <a:t>Μη-χρήση</a:t>
+            </a:r>
+            <a:br>
+              <a:rPr lang="el-GR" dirty="0"/>
+            </a:br>
+            <a:r>
+              <a:rPr lang="en-US" dirty="0"/>
+              <a:t>Warm-up phase.</a:t>
+            </a:r>
+            <a:br>
+              <a:rPr lang="el-GR" dirty="0"/>
+            </a:br>
+            <a:r>
+              <a:rPr lang="el-GR" dirty="0"/>
+              <a:t>με τις αντίστοιχες τιμές:</a:t>
+            </a:r>
+            <a:br>
+              <a:rPr lang="en-US" dirty="0"/>
+            </a:br>
+            <a:r>
+              <a:rPr lang="en-US" dirty="0"/>
+              <a:t> 	</a:t>
+            </a:r>
+            <a:r>
+              <a:rPr lang="el-GR" dirty="0"/>
+              <a:t>(Παρατηρούμε για τους λόγους που προαναφέραμε ότι δεν υπάρχει διαφορά </a:t>
+            </a:r>
+            <a:br>
+              <a:rPr lang="el-GR" dirty="0"/>
+            </a:br>
+            <a:r>
+              <a:rPr lang="el-GR" dirty="0"/>
+              <a:t>ανάμεσα στις 2 περιπτώσεις.)</a:t>
+            </a:r>
+            <a:endParaRPr lang="en-GB" dirty="0"/>
+          </a:p>
+          <a:p>
+            <a:br>
+              <a:rPr lang="el-GR" dirty="0"/>
+            </a:br>
+            <a:endParaRPr lang="en-GB" dirty="0"/>
+          </a:p>
+        </p:txBody>
+      </p:sp>
+      <p:pic>
+        <p:nvPicPr>
+          <p:cNvPr id="4" name="Picture 3" descr="A screenshot of a computer&#10;&#10;AI-generated content may be incorrect.">
+            <a:extLst>
+              <a:ext uri="{FF2B5EF4-FFF2-40B4-BE49-F238E27FC236}">
+                <a16:creationId xmlns:a16="http://schemas.microsoft.com/office/drawing/2014/main" id="{61989FDD-4629-A9A9-4EC3-158B14382847}"/>
+              </a:ext>
+            </a:extLst>
+          </p:cNvPr>
+          <p:cNvPicPr>
+            <a:picLocks noChangeAspect="1"/>
+          </p:cNvPicPr>
+          <p:nvPr/>
+        </p:nvPicPr>
+        <p:blipFill>
+          <a:blip r:embed="rId2"/>
+          <a:stretch>
+            <a:fillRect/>
+          </a:stretch>
+        </p:blipFill>
+        <p:spPr>
+          <a:xfrm>
+            <a:off x="355716" y="2240958"/>
+            <a:ext cx="4193399" cy="4519100"/>
+          </a:xfrm>
+          <a:prstGeom prst="rect">
+            <a:avLst/>
+          </a:prstGeom>
+        </p:spPr>
+      </p:pic>
+      <p:pic>
+        <p:nvPicPr>
+          <p:cNvPr id="6" name="Picture 5" descr="A screenshot of a computer program&#10;&#10;AI-generated content may be incorrect.">
+            <a:extLst>
+              <a:ext uri="{FF2B5EF4-FFF2-40B4-BE49-F238E27FC236}">
+                <a16:creationId xmlns:a16="http://schemas.microsoft.com/office/drawing/2014/main" id="{664F6319-ACE9-D792-D47C-DBE5678E464B}"/>
+              </a:ext>
+            </a:extLst>
+          </p:cNvPr>
+          <p:cNvPicPr>
+            <a:picLocks noChangeAspect="1"/>
+          </p:cNvPicPr>
+          <p:nvPr/>
+        </p:nvPicPr>
+        <p:blipFill>
+          <a:blip r:embed="rId3"/>
+          <a:stretch>
+            <a:fillRect/>
+          </a:stretch>
+        </p:blipFill>
+        <p:spPr>
+          <a:xfrm>
+            <a:off x="4723862" y="2235869"/>
+            <a:ext cx="4193399" cy="4524189"/>
+          </a:xfrm>
+          <a:prstGeom prst="rect">
+            <a:avLst/>
+          </a:prstGeom>
+        </p:spPr>
+      </p:pic>
+    </p:spTree>
+    <p:extLst>
+      <p:ext uri="{BB962C8B-B14F-4D97-AF65-F5344CB8AC3E}">
+        <p14:creationId xmlns:p14="http://schemas.microsoft.com/office/powerpoint/2010/main" val="441472198"/>
+      </p:ext>
+    </p:extLst>
+  </p:cSld>
+  <p:clrMapOvr>
+    <a:masterClrMapping/>
+  </p:clrMapOvr>
+  <p:transition spd="slow">
+    <p:push dir="u"/>
+  </p:transition>
+</p:sld>
+</file>
+
+<file path=ppt/slides/slide13.xml><?xml version="1.0" encoding="utf-8"?>
 <p:sld xmlns:a="http://schemas.openxmlformats.org/drawingml/2006/main" xmlns:r="http://schemas.openxmlformats.org/officeDocument/2006/relationships" xmlns:p="http://schemas.openxmlformats.org/presentationml/2006/main">
   <p:cSld>
     <p:spTree>
@@ -22262,7 +22499,7 @@
             </a:r>
             <a:r>
               <a:rPr lang="en-US" b="1" dirty="0"/>
-              <a:t>3</a:t>
+              <a:t>4</a:t>
             </a:r>
             <a:r>
               <a:rPr lang="el-GR" b="1" dirty="0"/>
@@ -22274,61 +22511,10 @@
       </p:sp>
       <p:sp>
         <p:nvSpPr>
-          <p:cNvPr id="3" name="Θέση περιεχομένου 2">
+          <p:cNvPr id="7" name="TextBox 6">
             <a:extLst>
               <a:ext uri="{FF2B5EF4-FFF2-40B4-BE49-F238E27FC236}">
-                <a16:creationId xmlns:a16="http://schemas.microsoft.com/office/drawing/2014/main" id="{08114C50-3F0F-9504-F66D-9FAB2B708481}"/>
-              </a:ext>
-            </a:extLst>
-          </p:cNvPr>
-          <p:cNvSpPr>
-            <a:spLocks noGrp="1"/>
-          </p:cNvSpPr>
-          <p:nvPr>
-            <p:ph sz="half" idx="1"/>
-          </p:nvPr>
-        </p:nvSpPr>
-        <p:spPr>
-          <a:xfrm>
-            <a:off x="1024126" y="2286000"/>
-            <a:ext cx="9050039" cy="961697"/>
-          </a:xfrm>
-        </p:spPr>
-        <p:txBody>
-          <a:bodyPr>
-            <a:normAutofit/>
-          </a:bodyPr>
-          <a:lstStyle/>
-          <a:p>
-            <a:r>
-              <a:rPr lang="el-GR" dirty="0"/>
-              <a:t>Χρήση του </a:t>
-            </a:r>
-            <a:r>
-              <a:rPr lang="en-US" dirty="0"/>
-              <a:t>warm-up phase! </a:t>
-            </a:r>
-            <a:r>
-              <a:rPr lang="el-GR" dirty="0"/>
-              <a:t>Σε κάποιο άλλο </a:t>
-            </a:r>
-            <a:r>
-              <a:rPr lang="en-US" dirty="0"/>
-              <a:t>Instance!</a:t>
-            </a:r>
-            <a:endParaRPr lang="el-GR" dirty="0"/>
-          </a:p>
-          <a:p>
-            <a:endParaRPr lang="en-US" dirty="0"/>
-          </a:p>
-        </p:txBody>
-      </p:sp>
-      <p:sp>
-        <p:nvSpPr>
-          <p:cNvPr id="4" name="TextBox 3">
-            <a:extLst>
-              <a:ext uri="{FF2B5EF4-FFF2-40B4-BE49-F238E27FC236}">
-                <a16:creationId xmlns:a16="http://schemas.microsoft.com/office/drawing/2014/main" id="{E3F7718D-C5F6-1E2D-1546-669E78D251C3}"/>
+                <a16:creationId xmlns:a16="http://schemas.microsoft.com/office/drawing/2014/main" id="{C967213A-454A-54C2-C324-820384A49FE3}"/>
               </a:ext>
             </a:extLst>
           </p:cNvPr>
@@ -22337,8 +22523,8 @@
         </p:nvSpPr>
         <p:spPr>
           <a:xfrm>
-            <a:off x="3288494" y="4244195"/>
-            <a:ext cx="5615013" cy="1446550"/>
+            <a:off x="9204609" y="2015312"/>
+            <a:ext cx="3415782" cy="3139321"/>
           </a:xfrm>
           <a:prstGeom prst="rect">
             <a:avLst/>
@@ -22352,16 +22538,128 @@
           <a:lstStyle/>
           <a:p>
             <a:r>
-              <a:rPr lang="en-US" sz="4400" dirty="0"/>
-              <a:t>Screen shot for showing what we have done</a:t>
-            </a:r>
-            <a:r>
+              <a:rPr lang="el-GR" dirty="0"/>
+              <a:t>Περίπτωση όπου:</a:t>
+            </a:r>
+            <a:br>
+              <a:rPr lang="el-GR" dirty="0"/>
+            </a:br>
+            <a:endParaRPr lang="en-GB" dirty="0"/>
+          </a:p>
+          <a:p>
+            <a:r>
+              <a:rPr lang="el-GR" dirty="0"/>
+              <a:t>Χειρισμός αποτυχίας σύνδεσης. </a:t>
+            </a:r>
+            <a:br>
+              <a:rPr lang="el-GR" dirty="0"/>
+            </a:br>
+            <a:r>
+              <a:rPr lang="el-GR" dirty="0"/>
+              <a:t> Δηλαδή, </a:t>
+            </a:r>
+            <a:br>
               <a:rPr lang="en-US" dirty="0"/>
-              <a:t>!</a:t>
-            </a:r>
+            </a:br>
+            <a:r>
+              <a:rPr lang="en-GB" dirty="0"/>
+              <a:t>How a network reacts </a:t>
+            </a:r>
+            <a:br>
+              <a:rPr lang="en-GB" dirty="0"/>
+            </a:br>
+            <a:r>
+              <a:rPr lang="en-GB" dirty="0"/>
+              <a:t>to link failures</a:t>
+            </a:r>
+          </a:p>
+          <a:p>
+            <a:r>
+              <a:rPr lang="en-GB" dirty="0"/>
+              <a:t>How routing reconverges</a:t>
+            </a:r>
+          </a:p>
+          <a:p>
+            <a:r>
+              <a:rPr lang="en-GB" dirty="0"/>
+              <a:t>How throughput collapses and </a:t>
+            </a:r>
+            <a:br>
+              <a:rPr lang="en-GB" dirty="0"/>
+            </a:br>
+            <a:r>
+              <a:rPr lang="en-GB" dirty="0"/>
+              <a:t>then recovers</a:t>
+            </a:r>
+          </a:p>
+          <a:p>
+            <a:br>
+              <a:rPr lang="el-GR" dirty="0"/>
+            </a:br>
+            <a:endParaRPr lang="en-GB" dirty="0"/>
           </a:p>
         </p:txBody>
       </p:sp>
+      <p:pic>
+        <p:nvPicPr>
+          <p:cNvPr id="5" name="Picture 4" descr="A screenshot of a computer program&#10;&#10;AI-generated content may be incorrect.">
+            <a:extLst>
+              <a:ext uri="{FF2B5EF4-FFF2-40B4-BE49-F238E27FC236}">
+                <a16:creationId xmlns:a16="http://schemas.microsoft.com/office/drawing/2014/main" id="{4EFDCF45-9009-91B9-F004-1CE34F23748B}"/>
+              </a:ext>
+            </a:extLst>
+          </p:cNvPr>
+          <p:cNvPicPr>
+            <a:picLocks noChangeAspect="1"/>
+          </p:cNvPicPr>
+          <p:nvPr/>
+        </p:nvPicPr>
+        <p:blipFill>
+          <a:blip r:embed="rId2"/>
+          <a:stretch>
+            <a:fillRect/>
+          </a:stretch>
+        </p:blipFill>
+        <p:spPr>
+          <a:xfrm>
+            <a:off x="72743" y="2085357"/>
+            <a:ext cx="4506191" cy="4723219"/>
+          </a:xfrm>
+          <a:prstGeom prst="rect">
+            <a:avLst/>
+          </a:prstGeom>
+        </p:spPr>
+      </p:pic>
+      <p:pic>
+        <p:nvPicPr>
+          <p:cNvPr id="8" name="Picture 7" descr="A screenshot of a computer&#10;&#10;AI-generated content may be incorrect.">
+            <a:extLst>
+              <a:ext uri="{FF2B5EF4-FFF2-40B4-BE49-F238E27FC236}">
+                <a16:creationId xmlns:a16="http://schemas.microsoft.com/office/drawing/2014/main" id="{C6FB2B53-CE98-3CFB-7A00-4D520A26A46B}"/>
+              </a:ext>
+            </a:extLst>
+          </p:cNvPr>
+          <p:cNvPicPr>
+            <a:picLocks noChangeAspect="1"/>
+          </p:cNvPicPr>
+          <p:nvPr/>
+        </p:nvPicPr>
+        <p:blipFill>
+          <a:blip r:embed="rId3"/>
+          <a:stretch>
+            <a:fillRect/>
+          </a:stretch>
+        </p:blipFill>
+        <p:spPr>
+          <a:xfrm>
+            <a:off x="4648839" y="2085357"/>
+            <a:ext cx="4555770" cy="4723219"/>
+          </a:xfrm>
+          <a:prstGeom prst="rect">
+            <a:avLst/>
+          </a:prstGeom>
+        </p:spPr>
+      </p:pic>
     </p:spTree>
     <p:extLst>
       <p:ext uri="{BB962C8B-B14F-4D97-AF65-F5344CB8AC3E}">
@@ -22378,7 +22676,7 @@
 </p:sld>
 </file>
 
-<file path=ppt/slides/slide13.xml><?xml version="1.0" encoding="utf-8"?>
+<file path=ppt/slides/slide14.xml><?xml version="1.0" encoding="utf-8"?>
 <p:sld xmlns:a="http://schemas.openxmlformats.org/drawingml/2006/main" xmlns:r="http://schemas.openxmlformats.org/officeDocument/2006/relationships" xmlns:p="http://schemas.openxmlformats.org/presentationml/2006/main">
   <p:cSld>
     <p:spTree>
@@ -22550,7 +22848,7 @@
 </p:sld>
 </file>
 
-<file path=ppt/slides/slide14.xml><?xml version="1.0" encoding="utf-8"?>
+<file path=ppt/slides/slide15.xml><?xml version="1.0" encoding="utf-8"?>
 <p:sld xmlns:a="http://schemas.openxmlformats.org/drawingml/2006/main" xmlns:r="http://schemas.openxmlformats.org/officeDocument/2006/relationships" xmlns:p="http://schemas.openxmlformats.org/presentationml/2006/main">
   <p:cSld>
     <p:spTree>

--- a/Presentations/Ns-3_presentation_F.pptx
+++ b/Presentations/Ns-3_presentation_F.pptx
@@ -5,10 +5,10 @@
     <p:sldMasterId id="2147483648" r:id="rId4"/>
   </p:sldMasterIdLst>
   <p:notesMasterIdLst>
-    <p:notesMasterId r:id="rId20"/>
+    <p:notesMasterId r:id="rId21"/>
   </p:notesMasterIdLst>
   <p:handoutMasterIdLst>
-    <p:handoutMasterId r:id="rId21"/>
+    <p:handoutMasterId r:id="rId22"/>
   </p:handoutMasterIdLst>
   <p:sldIdLst>
     <p:sldId id="256" r:id="rId5"/>
@@ -23,9 +23,10 @@
     <p:sldId id="293" r:id="rId14"/>
     <p:sldId id="294" r:id="rId15"/>
     <p:sldId id="296" r:id="rId16"/>
-    <p:sldId id="295" r:id="rId17"/>
-    <p:sldId id="288" r:id="rId18"/>
-    <p:sldId id="281" r:id="rId19"/>
+    <p:sldId id="297" r:id="rId17"/>
+    <p:sldId id="295" r:id="rId18"/>
+    <p:sldId id="288" r:id="rId19"/>
+    <p:sldId id="281" r:id="rId20"/>
   </p:sldIdLst>
   <p:sldSz cx="12192000" cy="6858000"/>
   <p:notesSz cx="6858000" cy="9144000"/>
@@ -22133,7 +22134,7 @@
         </p:spPr>
         <p:txBody>
           <a:bodyPr>
-            <a:normAutofit lnSpcReduction="10000"/>
+            <a:normAutofit/>
           </a:bodyPr>
           <a:lstStyle/>
           <a:p>
@@ -22143,37 +22144,31 @@
             </a:pPr>
             <a:r>
               <a:rPr lang="el-GR" dirty="0"/>
-              <a:t>Χρήση του </a:t>
+              <a:t>Χρήση </a:t>
             </a:r>
             <a:r>
               <a:rPr lang="en-US" dirty="0"/>
-              <a:t>warm-up phase</a:t>
+              <a:t>2 </a:t>
             </a:r>
             <a:r>
               <a:rPr lang="el-GR" dirty="0"/>
-              <a:t> στην περίπτωση αυτού του πειράματος δεν έχει κάποια παρατηρήσιμη διαφορά καθώς:</a:t>
-            </a:r>
-            <a:br>
+              <a:t>ειδών </a:t>
+            </a:r>
+            <a:r>
+              <a:rPr lang="en-GB" dirty="0"/>
+              <a:t>dynamic routing</a:t>
+            </a:r>
+            <a:r>
               <a:rPr lang="el-GR" dirty="0"/>
-            </a:br>
+              <a:t> καθώς το </a:t>
+            </a:r>
+            <a:r>
+              <a:rPr lang="en-GB" dirty="0"/>
+              <a:t>protocol OLSR </a:t>
+            </a:r>
             <a:r>
               <a:rPr lang="el-GR" dirty="0"/>
-              <a:t>	</a:t>
-            </a:r>
-            <a:br>
-              <a:rPr lang="el-GR" dirty="0"/>
-            </a:br>
-            <a:r>
-              <a:rPr lang="el-GR" dirty="0"/>
-              <a:t>	Χρησιμοποιήσαμε το </a:t>
-            </a:r>
-            <a:r>
-              <a:rPr lang="en-GB" dirty="0"/>
-              <a:t>dynamic routing protocol OLSR </a:t>
-            </a:r>
-            <a:r>
-              <a:rPr lang="el-GR" dirty="0"/>
-              <a:t>που είναι αρκετά προβλεπτικό κάτι που σημαίνει ότι διατηρεί σε όλες τις χρονικές στιγμές τα </a:t>
+              <a:t>είναι αρκετά προβλεπτικό κάτι που σημαίνει ότι διατηρεί σε όλες τις χρονικές στιγμές τα </a:t>
             </a:r>
             <a:r>
               <a:rPr lang="en-GB" dirty="0"/>
@@ -22181,22 +22176,39 @@
             </a:r>
             <a:r>
               <a:rPr lang="el-GR" dirty="0"/>
-              <a:t>. Επομένως, μπορεί να είναι και πιο γρήγορο και από το </a:t>
-            </a:r>
-            <a:r>
-              <a:rPr lang="en-GB" dirty="0"/>
-              <a:t>warm-up phase </a:t>
-            </a:r>
-            <a:r>
-              <a:rPr lang="el-GR" dirty="0"/>
-              <a:t>που έχουμε μοντελοποιήσει.</a:t>
-            </a:r>
-            <a:br>
-              <a:rPr lang="el-GR" dirty="0"/>
-            </a:br>
+              <a:t>. Επομένως, δεν υπήρχε κάποια ορατή διαφορά στα αποτελέσματα της χρήσης με την μη-χρήση του </a:t>
+            </a:r>
+            <a:r>
+              <a:rPr lang="en-US" dirty="0"/>
+              <a:t>warm-up phase.</a:t>
+            </a:r>
             <a:endParaRPr lang="el-GR" dirty="0"/>
           </a:p>
           <a:p>
+            <a:pPr>
+              <a:buFont typeface="Arial" panose="020B0604020202020204" pitchFamily="34" charset="0"/>
+              <a:buChar char="•"/>
+            </a:pPr>
+            <a:r>
+              <a:rPr lang="el-GR" dirty="0"/>
+              <a:t>Βέβαια, με την χρήση του </a:t>
+            </a:r>
+            <a:r>
+              <a:rPr lang="en-US" altLang="el-GR" dirty="0"/>
+              <a:t>AODVN </a:t>
+            </a:r>
+            <a:r>
+              <a:rPr lang="el-GR" altLang="el-GR" dirty="0"/>
+              <a:t>τα αποτελέσματα αλλάζουν δραματικά και φαίνεται πράγματι το </a:t>
+            </a:r>
+            <a:r>
+              <a:rPr lang="en-US" altLang="el-GR" dirty="0"/>
+              <a:t>warm-up phase </a:t>
+            </a:r>
+            <a:r>
+              <a:rPr lang="el-GR" altLang="el-GR" dirty="0"/>
+              <a:t>σε δράση.</a:t>
+            </a:r>
             <a:endParaRPr lang="en-US" dirty="0"/>
           </a:p>
         </p:txBody>
@@ -22296,8 +22308,8 @@
         </p:nvSpPr>
         <p:spPr>
           <a:xfrm>
-            <a:off x="9092008" y="2846925"/>
-            <a:ext cx="3211959" cy="3139321"/>
+            <a:off x="9092009" y="2828835"/>
+            <a:ext cx="3002226" cy="1477328"/>
           </a:xfrm>
           <a:prstGeom prst="rect">
             <a:avLst/>
@@ -22310,13 +22322,17 @@
           </a:bodyPr>
           <a:lstStyle/>
           <a:p>
-            <a:pPr marL="285750" indent="-285750">
-              <a:buFont typeface="Arial" panose="020B0604020202020204" pitchFamily="34" charset="0"/>
-              <a:buChar char="•"/>
-            </a:pPr>
             <a:r>
               <a:rPr lang="el-GR" dirty="0"/>
-              <a:t>Γίνεται χρήση του </a:t>
+              <a:t>Χρήση του </a:t>
+            </a:r>
+            <a:r>
+              <a:rPr lang="en-US" dirty="0"/>
+              <a:t>OLSR </a:t>
+            </a:r>
+            <a:r>
+              <a:rPr lang="el-GR" dirty="0"/>
+              <a:t>πρωτοκόλλου </a:t>
             </a:r>
             <a:r>
               <a:rPr lang="en-US" dirty="0"/>
@@ -22324,43 +22340,12 @@
             </a:r>
             <a:r>
               <a:rPr lang="el-GR" dirty="0"/>
-              <a:t>Μη-χρήση</a:t>
-            </a:r>
-            <a:br>
-              <a:rPr lang="el-GR" dirty="0"/>
-            </a:br>
+              <a:t>Μη-χρήση </a:t>
+            </a:r>
             <a:r>
               <a:rPr lang="en-US" dirty="0"/>
               <a:t>Warm-up phase.</a:t>
             </a:r>
-            <a:br>
-              <a:rPr lang="el-GR" dirty="0"/>
-            </a:br>
-            <a:r>
-              <a:rPr lang="el-GR" dirty="0"/>
-              <a:t>με τις αντίστοιχες τιμές:</a:t>
-            </a:r>
-            <a:br>
-              <a:rPr lang="en-US" dirty="0"/>
-            </a:br>
-            <a:r>
-              <a:rPr lang="en-US" dirty="0"/>
-              <a:t> 	</a:t>
-            </a:r>
-            <a:r>
-              <a:rPr lang="el-GR" dirty="0"/>
-              <a:t>(Παρατηρούμε για τους λόγους που προαναφέραμε ότι δεν υπάρχει διαφορά </a:t>
-            </a:r>
-            <a:br>
-              <a:rPr lang="el-GR" dirty="0"/>
-            </a:br>
-            <a:r>
-              <a:rPr lang="el-GR" dirty="0"/>
-              <a:t>ανάμεσα στις 2 περιπτώσεις.)</a:t>
-            </a:r>
-            <a:endParaRPr lang="en-GB" dirty="0"/>
-          </a:p>
-          <a:p>
             <a:br>
               <a:rPr lang="el-GR" dirty="0"/>
             </a:br>
@@ -22452,6 +22437,210 @@
         <p:cNvPr id="1" name="">
           <a:extLst>
             <a:ext uri="{FF2B5EF4-FFF2-40B4-BE49-F238E27FC236}">
+              <a16:creationId xmlns:a16="http://schemas.microsoft.com/office/drawing/2014/main" id="{9836CF11-1CC3-9F42-7E4F-1B249347EBA5}"/>
+            </a:ext>
+          </a:extLst>
+        </p:cNvPr>
+        <p:cNvGrpSpPr/>
+        <p:nvPr/>
+      </p:nvGrpSpPr>
+      <p:grpSpPr>
+        <a:xfrm>
+          <a:off x="0" y="0"/>
+          <a:ext cx="0" cy="0"/>
+          <a:chOff x="0" y="0"/>
+          <a:chExt cx="0" cy="0"/>
+        </a:xfrm>
+      </p:grpSpPr>
+      <p:sp>
+        <p:nvSpPr>
+          <p:cNvPr id="2" name="Τίτλος 1">
+            <a:extLst>
+              <a:ext uri="{FF2B5EF4-FFF2-40B4-BE49-F238E27FC236}">
+                <a16:creationId xmlns:a16="http://schemas.microsoft.com/office/drawing/2014/main" id="{CEECF2A2-9FE0-35EA-582E-D48A0B1CCA28}"/>
+              </a:ext>
+            </a:extLst>
+          </p:cNvPr>
+          <p:cNvSpPr>
+            <a:spLocks noGrp="1"/>
+          </p:cNvSpPr>
+          <p:nvPr>
+            <p:ph type="title"/>
+          </p:nvPr>
+        </p:nvSpPr>
+        <p:spPr>
+          <a:xfrm>
+            <a:off x="817940" y="585741"/>
+            <a:ext cx="11167872" cy="1499616"/>
+          </a:xfrm>
+        </p:spPr>
+        <p:txBody>
+          <a:bodyPr/>
+          <a:lstStyle/>
+          <a:p>
+            <a:r>
+              <a:rPr lang="el-GR" b="1"/>
+              <a:t>ΑΠΟΤΕΛΕΣΜΑΤΑ ΤΟΥ ΕΡΩΤΗΜΑΤΟΣ 2(</a:t>
+            </a:r>
+            <a:r>
+              <a:rPr lang="en-US" b="1"/>
+              <a:t>3</a:t>
+            </a:r>
+            <a:r>
+              <a:rPr lang="el-GR" b="1"/>
+              <a:t>)</a:t>
+            </a:r>
+            <a:endParaRPr lang="el-GR" dirty="0"/>
+          </a:p>
+        </p:txBody>
+      </p:sp>
+      <p:sp>
+        <p:nvSpPr>
+          <p:cNvPr id="7" name="TextBox 6">
+            <a:extLst>
+              <a:ext uri="{FF2B5EF4-FFF2-40B4-BE49-F238E27FC236}">
+                <a16:creationId xmlns:a16="http://schemas.microsoft.com/office/drawing/2014/main" id="{1110C20F-846E-940F-1476-0DC231C29BC4}"/>
+              </a:ext>
+            </a:extLst>
+          </p:cNvPr>
+          <p:cNvSpPr txBox="1"/>
+          <p:nvPr/>
+        </p:nvSpPr>
+        <p:spPr>
+          <a:xfrm>
+            <a:off x="9092009" y="2828835"/>
+            <a:ext cx="3099992" cy="1200329"/>
+          </a:xfrm>
+          <a:prstGeom prst="rect">
+            <a:avLst/>
+          </a:prstGeom>
+          <a:noFill/>
+        </p:spPr>
+        <p:txBody>
+          <a:bodyPr wrap="square" rtlCol="0">
+            <a:spAutoFit/>
+          </a:bodyPr>
+          <a:lstStyle/>
+          <a:p>
+            <a:r>
+              <a:rPr lang="el-GR" dirty="0"/>
+              <a:t>Χρήση του </a:t>
+            </a:r>
+            <a:r>
+              <a:rPr lang="en-US" altLang="el-GR" dirty="0"/>
+              <a:t>AODVN </a:t>
+            </a:r>
+            <a:r>
+              <a:rPr lang="el-GR" dirty="0"/>
+              <a:t>πρωτοκόλλου</a:t>
+            </a:r>
+            <a:r>
+              <a:rPr lang="en-US" dirty="0"/>
+              <a:t> Warm-up phase VS </a:t>
+            </a:r>
+            <a:r>
+              <a:rPr lang="el-GR" dirty="0"/>
+              <a:t>Μη-χρήση </a:t>
+            </a:r>
+            <a:r>
+              <a:rPr lang="en-US" dirty="0"/>
+              <a:t>Warm-up phase.</a:t>
+            </a:r>
+            <a:br>
+              <a:rPr lang="el-GR" dirty="0"/>
+            </a:br>
+            <a:endParaRPr lang="en-GB" dirty="0"/>
+          </a:p>
+        </p:txBody>
+      </p:sp>
+      <p:sp>
+        <p:nvSpPr>
+          <p:cNvPr id="8" name="TextBox 7">
+            <a:extLst>
+              <a:ext uri="{FF2B5EF4-FFF2-40B4-BE49-F238E27FC236}">
+                <a16:creationId xmlns:a16="http://schemas.microsoft.com/office/drawing/2014/main" id="{C8053565-1D0F-6815-AC59-260B29A53F9A}"/>
+              </a:ext>
+            </a:extLst>
+          </p:cNvPr>
+          <p:cNvSpPr txBox="1"/>
+          <p:nvPr/>
+        </p:nvSpPr>
+        <p:spPr>
+          <a:xfrm>
+            <a:off x="2179608" y="2700068"/>
+            <a:ext cx="4894052" cy="369332"/>
+          </a:xfrm>
+          <a:prstGeom prst="rect">
+            <a:avLst/>
+          </a:prstGeom>
+          <a:noFill/>
+        </p:spPr>
+        <p:txBody>
+          <a:bodyPr wrap="square" rtlCol="0">
+            <a:spAutoFit/>
+          </a:bodyPr>
+          <a:lstStyle/>
+          <a:p>
+            <a:r>
+              <a:rPr lang="en-US" b="1" dirty="0"/>
+              <a:t>2 </a:t>
+            </a:r>
+            <a:r>
+              <a:rPr lang="en-US" b="1" dirty="0" err="1"/>
+              <a:t>periptwseis</a:t>
+            </a:r>
+            <a:r>
+              <a:rPr lang="en-US" b="1" dirty="0"/>
+              <a:t> </a:t>
+            </a:r>
+            <a:r>
+              <a:rPr lang="en-US" b="1" dirty="0" err="1"/>
+              <a:t>xrhshs</a:t>
+            </a:r>
+            <a:r>
+              <a:rPr lang="en-US" b="1" dirty="0"/>
+              <a:t> </a:t>
+            </a:r>
+            <a:r>
+              <a:rPr lang="en-US" b="1" dirty="0" err="1"/>
+              <a:t>gia</a:t>
+            </a:r>
+            <a:r>
+              <a:rPr lang="en-US" b="1" dirty="0"/>
+              <a:t> to </a:t>
+            </a:r>
+            <a:r>
+              <a:rPr lang="en-US" altLang="el-GR" b="1" dirty="0"/>
+              <a:t>AODVN!</a:t>
+            </a:r>
+            <a:endParaRPr lang="en-US" b="1" dirty="0"/>
+          </a:p>
+        </p:txBody>
+      </p:sp>
+    </p:spTree>
+    <p:extLst>
+      <p:ext uri="{BB962C8B-B14F-4D97-AF65-F5344CB8AC3E}">
+        <p14:creationId xmlns:p14="http://schemas.microsoft.com/office/powerpoint/2010/main" val="2761849159"/>
+      </p:ext>
+    </p:extLst>
+  </p:cSld>
+  <p:clrMapOvr>
+    <a:masterClrMapping/>
+  </p:clrMapOvr>
+  <p:transition spd="slow">
+    <p:push dir="u"/>
+  </p:transition>
+</p:sld>
+</file>
+
+<file path=ppt/slides/slide14.xml><?xml version="1.0" encoding="utf-8"?>
+<p:sld xmlns:a="http://schemas.openxmlformats.org/drawingml/2006/main" xmlns:r="http://schemas.openxmlformats.org/officeDocument/2006/relationships" xmlns:p="http://schemas.openxmlformats.org/presentationml/2006/main">
+  <p:cSld>
+    <p:spTree>
+      <p:nvGrpSpPr>
+        <p:cNvPr id="1" name="">
+          <a:extLst>
+            <a:ext uri="{FF2B5EF4-FFF2-40B4-BE49-F238E27FC236}">
               <a16:creationId xmlns:a16="http://schemas.microsoft.com/office/drawing/2014/main" id="{6B565791-9F55-09CB-C866-3B1699FE22E2}"/>
             </a:ext>
           </a:extLst>
@@ -22676,7 +22865,7 @@
 </p:sld>
 </file>
 
-<file path=ppt/slides/slide14.xml><?xml version="1.0" encoding="utf-8"?>
+<file path=ppt/slides/slide15.xml><?xml version="1.0" encoding="utf-8"?>
 <p:sld xmlns:a="http://schemas.openxmlformats.org/drawingml/2006/main" xmlns:r="http://schemas.openxmlformats.org/officeDocument/2006/relationships" xmlns:p="http://schemas.openxmlformats.org/presentationml/2006/main">
   <p:cSld>
     <p:spTree>
@@ -22848,7 +23037,7 @@
 </p:sld>
 </file>
 
-<file path=ppt/slides/slide15.xml><?xml version="1.0" encoding="utf-8"?>
+<file path=ppt/slides/slide16.xml><?xml version="1.0" encoding="utf-8"?>
 <p:sld xmlns:a="http://schemas.openxmlformats.org/drawingml/2006/main" xmlns:r="http://schemas.openxmlformats.org/officeDocument/2006/relationships" xmlns:p="http://schemas.openxmlformats.org/presentationml/2006/main">
   <p:cSld>
     <p:spTree>
@@ -24939,21 +25128,63 @@
                 <a:latin typeface="Arial" panose="020B0604020202020204" pitchFamily="34" charset="0"/>
                 <a:cs typeface="Arial" panose="020B0604020202020204" pitchFamily="34" charset="0"/>
               </a:rPr>
-              <a:t>Επιλέξαμε την δυναμική δρομολόγηση OLSR (Optimized Link State </a:t>
-            </a:r>
-            <a:r>
-              <a:rPr lang="el-GR" altLang="el-GR" sz="1700" dirty="0" err="1">
+              <a:t>Επιλέξαμε</a:t>
+            </a:r>
+            <a:r>
+              <a:rPr lang="en-US" altLang="el-GR" sz="1700" dirty="0">
                 <a:latin typeface="Arial" panose="020B0604020202020204" pitchFamily="34" charset="0"/>
                 <a:cs typeface="Arial" panose="020B0604020202020204" pitchFamily="34" charset="0"/>
               </a:rPr>
-              <a:t>Routing</a:t>
+              <a:t> 2 </a:t>
             </a:r>
             <a:r>
               <a:rPr lang="el-GR" altLang="el-GR" sz="1700" dirty="0">
                 <a:latin typeface="Arial" panose="020B0604020202020204" pitchFamily="34" charset="0"/>
                 <a:cs typeface="Arial" panose="020B0604020202020204" pitchFamily="34" charset="0"/>
               </a:rPr>
-              <a:t>). Το OLSR ανταποκρίνεται γρήγορα σε αλλαγές της τοπολογίας και υποστηρίζεται πλήρως στο περιβάλλον του ns-3.</a:t>
+              <a:t>είδη δυναμική δρομολόγηση OLSR (Optimized Link State Routing) και </a:t>
+            </a:r>
+            <a:r>
+              <a:rPr lang="en-US" altLang="el-GR" sz="1700" dirty="0">
+                <a:latin typeface="Arial" panose="020B0604020202020204" pitchFamily="34" charset="0"/>
+                <a:cs typeface="Arial" panose="020B0604020202020204" pitchFamily="34" charset="0"/>
+              </a:rPr>
+              <a:t>AODVN(Ad hoc </a:t>
+            </a:r>
+            <a:r>
+              <a:rPr lang="en-US" sz="1700" dirty="0">
+                <a:latin typeface="Arial" panose="020B0604020202020204" pitchFamily="34" charset="0"/>
+                <a:cs typeface="Arial" panose="020B0604020202020204" pitchFamily="34" charset="0"/>
+              </a:rPr>
+              <a:t>On-Demand Distance Vector </a:t>
+            </a:r>
+            <a:r>
+              <a:rPr lang="en-US" altLang="el-GR" sz="1700" dirty="0">
+                <a:latin typeface="Arial" panose="020B0604020202020204" pitchFamily="34" charset="0"/>
+                <a:cs typeface="Arial" panose="020B0604020202020204" pitchFamily="34" charset="0"/>
+              </a:rPr>
+              <a:t>)</a:t>
+            </a:r>
+            <a:r>
+              <a:rPr lang="el-GR" altLang="el-GR" sz="1700" dirty="0">
+                <a:latin typeface="Arial" panose="020B0604020202020204" pitchFamily="34" charset="0"/>
+                <a:cs typeface="Arial" panose="020B0604020202020204" pitchFamily="34" charset="0"/>
+              </a:rPr>
+              <a:t>. Το OLSR</a:t>
+            </a:r>
+            <a:r>
+              <a:rPr lang="en-US" altLang="el-GR" sz="1700" dirty="0">
+                <a:latin typeface="Arial" panose="020B0604020202020204" pitchFamily="34" charset="0"/>
+                <a:cs typeface="Arial" panose="020B0604020202020204" pitchFamily="34" charset="0"/>
+              </a:rPr>
+              <a:t>, AODV </a:t>
+            </a:r>
+            <a:r>
+              <a:rPr lang="el-GR" altLang="el-GR" sz="1700" dirty="0">
+                <a:latin typeface="Arial" panose="020B0604020202020204" pitchFamily="34" charset="0"/>
+                <a:cs typeface="Arial" panose="020B0604020202020204" pitchFamily="34" charset="0"/>
+              </a:rPr>
+              <a:t>υποστηρίζονται πλήρως στο περιβάλλον του ns-3.</a:t>
             </a:r>
             <a:endParaRPr lang="en-US" altLang="el-GR" sz="1700" dirty="0">
               <a:latin typeface="Arial" panose="020B0604020202020204" pitchFamily="34" charset="0"/>
@@ -25054,21 +25285,7 @@
                 <a:latin typeface="Arial" panose="020B0604020202020204" pitchFamily="34" charset="0"/>
                 <a:cs typeface="Arial" panose="020B0604020202020204" pitchFamily="34" charset="0"/>
               </a:rPr>
-              <a:t>, ns3/applications-</a:t>
-            </a:r>
-            <a:r>
-              <a:rPr lang="en-US" altLang="el-GR" sz="1700" dirty="0" err="1">
-                <a:latin typeface="Arial" panose="020B0604020202020204" pitchFamily="34" charset="0"/>
-                <a:cs typeface="Arial" panose="020B0604020202020204" pitchFamily="34" charset="0"/>
-              </a:rPr>
-              <a:t>module.h</a:t>
-            </a:r>
-            <a:r>
-              <a:rPr lang="en-US" altLang="el-GR" sz="1700" dirty="0">
-                <a:latin typeface="Arial" panose="020B0604020202020204" pitchFamily="34" charset="0"/>
-                <a:cs typeface="Arial" panose="020B0604020202020204" pitchFamily="34" charset="0"/>
-              </a:rPr>
-              <a:t>, </a:t>
+              <a:t>, ns3/applications-module.h, </a:t>
             </a:r>
             <a:br>
               <a:rPr lang="en-US" altLang="el-GR" sz="1700" dirty="0">
@@ -25081,21 +25298,7 @@
                 <a:latin typeface="Arial" panose="020B0604020202020204" pitchFamily="34" charset="0"/>
                 <a:cs typeface="Arial" panose="020B0604020202020204" pitchFamily="34" charset="0"/>
               </a:rPr>
-              <a:t>internet-</a:t>
-            </a:r>
-            <a:r>
-              <a:rPr lang="en-US" altLang="el-GR" sz="1700" dirty="0" err="1">
-                <a:latin typeface="Arial" panose="020B0604020202020204" pitchFamily="34" charset="0"/>
-                <a:cs typeface="Arial" panose="020B0604020202020204" pitchFamily="34" charset="0"/>
-              </a:rPr>
-              <a:t>module.h</a:t>
-            </a:r>
-            <a:r>
-              <a:rPr lang="en-US" altLang="el-GR" sz="1700" dirty="0">
-                <a:latin typeface="Arial" panose="020B0604020202020204" pitchFamily="34" charset="0"/>
-                <a:cs typeface="Arial" panose="020B0604020202020204" pitchFamily="34" charset="0"/>
-              </a:rPr>
-              <a:t>.</a:t>
+              <a:t>internet-module.h.</a:t>
             </a:r>
           </a:p>
           <a:p>
@@ -25316,7 +25519,21 @@
                 <a:latin typeface="Arial" panose="020B0604020202020204" pitchFamily="34" charset="0"/>
                 <a:cs typeface="Arial" panose="020B0604020202020204" pitchFamily="34" charset="0"/>
               </a:rPr>
-              <a:t>είναι μια χρονική περίοδος κατά την οποία οι μετρήσεις αγνοούνται σκόπιμα, ώστε να δοθεί χρόνος στο σύστημα να σταθεροποιήσει τους πίνακες δρομολόγησης, τις ουρές και τα πρότυπα κίνησης πριν ξεκινήσει η συλλογή ακριβών δεδομένων απόδοσης.</a:t>
+              <a:t>είναι μια χρονική περίοδος κατά την οποία οι μετρήσεις αγνοούνται σκόπιμα, ώστε να δοθεί χρόνος στο σύστημα να σταθεροποιήσει τα </a:t>
+            </a:r>
+            <a:r>
+              <a:rPr lang="en-US" altLang="el-GR" sz="1700" dirty="0">
+                <a:latin typeface="Arial" panose="020B0604020202020204" pitchFamily="34" charset="0"/>
+                <a:cs typeface="Arial" panose="020B0604020202020204" pitchFamily="34" charset="0"/>
+              </a:rPr>
+              <a:t>routing tables </a:t>
+            </a:r>
+            <a:r>
+              <a:rPr lang="el-GR" altLang="el-GR" sz="1700" dirty="0">
+                <a:latin typeface="Arial" panose="020B0604020202020204" pitchFamily="34" charset="0"/>
+                <a:cs typeface="Arial" panose="020B0604020202020204" pitchFamily="34" charset="0"/>
+              </a:rPr>
+              <a:t>και τα πρότυπα κίνησης πριν ξεκινήσει η συλλογή ακριβών δεδομένων απόδοσης.</a:t>
             </a:r>
           </a:p>
           <a:p>
@@ -26356,11 +26573,12 @@
 </file>
 
 <file path=customXml/item1.xml><?xml version="1.0" encoding="utf-8"?>
-<p:properties xmlns:p="http://schemas.microsoft.com/office/2006/metadata/properties" xmlns:xsi="http://www.w3.org/2001/XMLSchema-instance" xmlns:pc="http://schemas.microsoft.com/office/infopath/2007/PartnerControls">
-  <documentManagement>
-    <MediaServiceKeyPoints xmlns="71af3243-3dd4-4a8d-8c0d-dd76da1f02a5" xsi:nil="true"/>
-  </documentManagement>
-</p:properties>
+<?mso-contentType ?>
+<FormTemplates xmlns="http://schemas.microsoft.com/sharepoint/v3/contenttype/forms">
+  <Display>DocumentLibraryForm</Display>
+  <Edit>DocumentLibraryForm</Edit>
+  <New>DocumentLibraryForm</New>
+</FormTemplates>
 </file>
 
 <file path=customXml/item2.xml><?xml version="1.0" encoding="utf-8"?>
@@ -26575,27 +26793,17 @@
 </file>
 
 <file path=customXml/item3.xml><?xml version="1.0" encoding="utf-8"?>
-<?mso-contentType ?>
-<FormTemplates xmlns="http://schemas.microsoft.com/sharepoint/v3/contenttype/forms">
-  <Display>DocumentLibraryForm</Display>
-  <Edit>DocumentLibraryForm</Edit>
-  <New>DocumentLibraryForm</New>
-</FormTemplates>
+<p:properties xmlns:p="http://schemas.microsoft.com/office/2006/metadata/properties" xmlns:xsi="http://www.w3.org/2001/XMLSchema-instance" xmlns:pc="http://schemas.microsoft.com/office/infopath/2007/PartnerControls">
+  <documentManagement>
+    <MediaServiceKeyPoints xmlns="71af3243-3dd4-4a8d-8c0d-dd76da1f02a5" xsi:nil="true"/>
+  </documentManagement>
+</p:properties>
 </file>
 
 <file path=customXml/itemProps1.xml><?xml version="1.0" encoding="utf-8"?>
-<ds:datastoreItem xmlns:ds="http://schemas.openxmlformats.org/officeDocument/2006/customXml" ds:itemID="{788A2F88-55C5-4ED1-9541-807C65424763}">
+<ds:datastoreItem xmlns:ds="http://schemas.openxmlformats.org/officeDocument/2006/customXml" ds:itemID="{4F44C90D-2A62-4985-9618-3460247437B1}">
   <ds:schemaRefs>
-    <ds:schemaRef ds:uri="http://schemas.microsoft.com/office/2006/metadata/properties"/>
-    <ds:schemaRef ds:uri="http://www.w3.org/XML/1998/namespace"/>
-    <ds:schemaRef ds:uri="http://purl.org/dc/terms/"/>
-    <ds:schemaRef ds:uri="http://schemas.microsoft.com/office/2006/documentManagement/types"/>
-    <ds:schemaRef ds:uri="http://schemas.openxmlformats.org/package/2006/metadata/core-properties"/>
-    <ds:schemaRef ds:uri="http://purl.org/dc/elements/1.1/"/>
-    <ds:schemaRef ds:uri="16c05727-aa75-4e4a-9b5f-8a80a1165891"/>
-    <ds:schemaRef ds:uri="http://schemas.microsoft.com/office/infopath/2007/PartnerControls"/>
-    <ds:schemaRef ds:uri="71af3243-3dd4-4a8d-8c0d-dd76da1f02a5"/>
-    <ds:schemaRef ds:uri="http://purl.org/dc/dcmitype/"/>
+    <ds:schemaRef ds:uri="http://schemas.microsoft.com/sharepoint/v3/contenttype/forms"/>
   </ds:schemaRefs>
 </ds:datastoreItem>
 </file>
@@ -26620,9 +26828,18 @@
 </file>
 
 <file path=customXml/itemProps3.xml><?xml version="1.0" encoding="utf-8"?>
-<ds:datastoreItem xmlns:ds="http://schemas.openxmlformats.org/officeDocument/2006/customXml" ds:itemID="{4F44C90D-2A62-4985-9618-3460247437B1}">
+<ds:datastoreItem xmlns:ds="http://schemas.openxmlformats.org/officeDocument/2006/customXml" ds:itemID="{788A2F88-55C5-4ED1-9541-807C65424763}">
   <ds:schemaRefs>
-    <ds:schemaRef ds:uri="http://schemas.microsoft.com/sharepoint/v3/contenttype/forms"/>
+    <ds:schemaRef ds:uri="http://schemas.microsoft.com/office/2006/metadata/properties"/>
+    <ds:schemaRef ds:uri="http://www.w3.org/XML/1998/namespace"/>
+    <ds:schemaRef ds:uri="http://purl.org/dc/terms/"/>
+    <ds:schemaRef ds:uri="http://schemas.microsoft.com/office/2006/documentManagement/types"/>
+    <ds:schemaRef ds:uri="http://schemas.openxmlformats.org/package/2006/metadata/core-properties"/>
+    <ds:schemaRef ds:uri="http://purl.org/dc/elements/1.1/"/>
+    <ds:schemaRef ds:uri="16c05727-aa75-4e4a-9b5f-8a80a1165891"/>
+    <ds:schemaRef ds:uri="http://schemas.microsoft.com/office/infopath/2007/PartnerControls"/>
+    <ds:schemaRef ds:uri="71af3243-3dd4-4a8d-8c0d-dd76da1f02a5"/>
+    <ds:schemaRef ds:uri="http://purl.org/dc/dcmitype/"/>
   </ds:schemaRefs>
 </ds:datastoreItem>
 </file>
--- a/Presentations/Ns-3_presentation_F.pptx
+++ b/Presentations/Ns-3_presentation_F.pptx
@@ -5,10 +5,10 @@
     <p:sldMasterId id="2147483648" r:id="rId4"/>
   </p:sldMasterIdLst>
   <p:notesMasterIdLst>
-    <p:notesMasterId r:id="rId21"/>
+    <p:notesMasterId r:id="rId22"/>
   </p:notesMasterIdLst>
   <p:handoutMasterIdLst>
-    <p:handoutMasterId r:id="rId22"/>
+    <p:handoutMasterId r:id="rId23"/>
   </p:handoutMasterIdLst>
   <p:sldIdLst>
     <p:sldId id="256" r:id="rId5"/>
@@ -21,12 +21,13 @@
     <p:sldId id="290" r:id="rId12"/>
     <p:sldId id="287" r:id="rId13"/>
     <p:sldId id="293" r:id="rId14"/>
-    <p:sldId id="294" r:id="rId15"/>
-    <p:sldId id="296" r:id="rId16"/>
-    <p:sldId id="297" r:id="rId17"/>
-    <p:sldId id="295" r:id="rId18"/>
-    <p:sldId id="288" r:id="rId19"/>
-    <p:sldId id="281" r:id="rId20"/>
+    <p:sldId id="298" r:id="rId15"/>
+    <p:sldId id="294" r:id="rId16"/>
+    <p:sldId id="296" r:id="rId17"/>
+    <p:sldId id="297" r:id="rId18"/>
+    <p:sldId id="295" r:id="rId19"/>
+    <p:sldId id="288" r:id="rId20"/>
+    <p:sldId id="281" r:id="rId21"/>
   </p:sldIdLst>
   <p:sldSz cx="12192000" cy="6858000"/>
   <p:notesSz cx="6858000" cy="9144000"/>
@@ -220,7 +221,7 @@
             <a:pPr rtl="0"/>
             <a:fld id="{F0EC7D35-77BB-4867-BAC6-5C40C37B98F1}" type="datetime1">
               <a:rPr lang="el-GR" smtClean="0"/>
-              <a:t>19/11/2025</a:t>
+              <a:t>20/11/2025</a:t>
             </a:fld>
             <a:endParaRPr lang="el-GR" dirty="0"/>
           </a:p>
@@ -390,7 +391,7 @@
             <a:pPr rtl="0"/>
             <a:fld id="{707ABAE7-72BE-4378-9C66-B300388DE536}" type="datetime1">
               <a:rPr lang="el-GR" noProof="0" smtClean="0"/>
-              <a:t>19/11/2025</a:t>
+              <a:t>20/11/2025</a:t>
             </a:fld>
             <a:endParaRPr lang="el-GR" noProof="0" dirty="0"/>
           </a:p>
@@ -9656,7 +9657,7 @@
             <a:pPr rtl="0"/>
             <a:fld id="{EABDBA74-E4DB-4313-95D3-B7F630EE7B7F}" type="datetime1">
               <a:rPr lang="el-GR" noProof="0" smtClean="0"/>
-              <a:t>19/11/2025</a:t>
+              <a:t>20/11/2025</a:t>
             </a:fld>
             <a:endParaRPr lang="el-GR" noProof="0" dirty="0"/>
           </a:p>
@@ -9865,7 +9866,7 @@
             <a:pPr rtl="0"/>
             <a:fld id="{D9C97E28-F60A-427B-851A-BCC048F06BC7}" type="datetime1">
               <a:rPr lang="el-GR" noProof="0" smtClean="0"/>
-              <a:t>19/11/2025</a:t>
+              <a:t>20/11/2025</a:t>
             </a:fld>
             <a:endParaRPr lang="el-GR" noProof="0" dirty="0"/>
           </a:p>
@@ -10047,7 +10048,7 @@
             <a:pPr rtl="0"/>
             <a:fld id="{4EA33EDB-81C3-4DAA-87EA-DA21D6A7FC6C}" type="datetime1">
               <a:rPr lang="el-GR" noProof="0" smtClean="0"/>
-              <a:t>19/11/2025</a:t>
+              <a:t>20/11/2025</a:t>
             </a:fld>
             <a:endParaRPr lang="el-GR" noProof="0" dirty="0"/>
           </a:p>
@@ -10254,7 +10255,7 @@
             <a:pPr rtl="0"/>
             <a:fld id="{0FE5ACA5-56F5-4208-8101-108DA68822C6}" type="datetime1">
               <a:rPr lang="el-GR" noProof="0" smtClean="0"/>
-              <a:t>19/11/2025</a:t>
+              <a:t>20/11/2025</a:t>
             </a:fld>
             <a:endParaRPr lang="el-GR" noProof="0" dirty="0"/>
           </a:p>
@@ -19168,7 +19169,7 @@
             <a:pPr rtl="0"/>
             <a:fld id="{98AAE694-814A-4F58-A8E2-AA9B6575E0B5}" type="datetime1">
               <a:rPr lang="el-GR" noProof="0" smtClean="0"/>
-              <a:t>19/11/2025</a:t>
+              <a:t>20/11/2025</a:t>
             </a:fld>
             <a:endParaRPr lang="el-GR" noProof="0" dirty="0"/>
           </a:p>
@@ -19444,7 +19445,7 @@
             <a:pPr rtl="0"/>
             <a:fld id="{98B30D4A-F623-45A5-BE49-543B4B609AF2}" type="datetime1">
               <a:rPr lang="el-GR" noProof="0" smtClean="0"/>
-              <a:t>19/11/2025</a:t>
+              <a:t>20/11/2025</a:t>
             </a:fld>
             <a:endParaRPr lang="el-GR" noProof="0" dirty="0"/>
           </a:p>
@@ -19844,7 +19845,7 @@
             <a:pPr rtl="0"/>
             <a:fld id="{06412F62-D18F-463A-9A7E-E4809AAD76E4}" type="datetime1">
               <a:rPr lang="el-GR" noProof="0" smtClean="0"/>
-              <a:t>19/11/2025</a:t>
+              <a:t>20/11/2025</a:t>
             </a:fld>
             <a:endParaRPr lang="el-GR" noProof="0" dirty="0"/>
           </a:p>
@@ -19964,7 +19965,7 @@
             <a:pPr rtl="0"/>
             <a:fld id="{D2009D47-CF8A-48CB-81B8-5988DBFADA28}" type="datetime1">
               <a:rPr lang="el-GR" noProof="0" smtClean="0"/>
-              <a:t>19/11/2025</a:t>
+              <a:t>20/11/2025</a:t>
             </a:fld>
             <a:endParaRPr lang="el-GR" noProof="0" dirty="0"/>
           </a:p>
@@ -20060,7 +20061,7 @@
             <a:pPr rtl="0"/>
             <a:fld id="{89B075A6-4B0E-489A-92E5-C2C81D969D11}" type="datetime1">
               <a:rPr lang="el-GR" noProof="0" smtClean="0"/>
-              <a:t>19/11/2025</a:t>
+              <a:t>20/11/2025</a:t>
             </a:fld>
             <a:endParaRPr lang="el-GR" noProof="0" dirty="0"/>
           </a:p>
@@ -20352,7 +20353,7 @@
             <a:pPr rtl="0"/>
             <a:fld id="{7C290451-C354-46E0-BBD8-0317D7A1384C}" type="datetime1">
               <a:rPr lang="el-GR" noProof="0" smtClean="0"/>
-              <a:t>19/11/2025</a:t>
+              <a:t>20/11/2025</a:t>
             </a:fld>
             <a:endParaRPr lang="el-GR" noProof="0" dirty="0"/>
           </a:p>
@@ -20634,7 +20635,7 @@
             <a:pPr rtl="0"/>
             <a:fld id="{05DAA40D-D363-46A0-9276-B6A4797DC9A5}" type="datetime1">
               <a:rPr lang="el-GR" noProof="0" smtClean="0"/>
-              <a:t>19/11/2025</a:t>
+              <a:t>20/11/2025</a:t>
             </a:fld>
             <a:endParaRPr lang="el-GR" noProof="0" dirty="0"/>
           </a:p>
@@ -20883,7 +20884,7 @@
           <a:p>
             <a:fld id="{F98FDC76-A1F5-4EE8-BDE3-5EFC56AAE7AD}" type="datetime1">
               <a:rPr lang="el-GR" noProof="0" smtClean="0"/>
-              <a:t>19/11/2025</a:t>
+              <a:t>20/11/2025</a:t>
             </a:fld>
             <a:endParaRPr lang="el-GR" noProof="0" dirty="0"/>
           </a:p>
@@ -21853,7 +21854,15 @@
             </a:r>
             <a:r>
               <a:rPr lang="en-US" b="1" dirty="0"/>
-              <a:t> = 2.0 s</a:t>
+              <a:t> = </a:t>
+            </a:r>
+            <a:r>
+              <a:rPr lang="el-GR" b="1" dirty="0"/>
+              <a:t>6</a:t>
+            </a:r>
+            <a:r>
+              <a:rPr lang="en-US" b="1" dirty="0"/>
+              <a:t>.0 s</a:t>
             </a:r>
             <a:r>
               <a:rPr lang="en-US" dirty="0"/>
@@ -22021,8 +22030,8 @@
         </p:blipFill>
         <p:spPr>
           <a:xfrm>
-            <a:off x="409695" y="2232598"/>
-            <a:ext cx="4476070" cy="4334561"/>
+            <a:off x="832945" y="2232599"/>
+            <a:ext cx="3595122" cy="3481464"/>
           </a:xfrm>
           <a:prstGeom prst="rect">
             <a:avLst/>
@@ -22046,6 +22055,149 @@
 </file>
 
 <file path=ppt/slides/slide11.xml><?xml version="1.0" encoding="utf-8"?>
+<p:sld xmlns:a="http://schemas.openxmlformats.org/drawingml/2006/main" xmlns:r="http://schemas.openxmlformats.org/officeDocument/2006/relationships" xmlns:p="http://schemas.openxmlformats.org/presentationml/2006/main">
+  <p:cSld>
+    <p:spTree>
+      <p:nvGrpSpPr>
+        <p:cNvPr id="1" name=""/>
+        <p:cNvGrpSpPr/>
+        <p:nvPr/>
+      </p:nvGrpSpPr>
+      <p:grpSpPr>
+        <a:xfrm>
+          <a:off x="0" y="0"/>
+          <a:ext cx="0" cy="0"/>
+          <a:chOff x="0" y="0"/>
+          <a:chExt cx="0" cy="0"/>
+        </a:xfrm>
+      </p:grpSpPr>
+      <p:sp>
+        <p:nvSpPr>
+          <p:cNvPr id="2" name="Τίτλος 1">
+            <a:extLst>
+              <a:ext uri="{FF2B5EF4-FFF2-40B4-BE49-F238E27FC236}">
+                <a16:creationId xmlns:a16="http://schemas.microsoft.com/office/drawing/2014/main" id="{4BF3A30D-BA31-418E-8B1E-60852AF86D41}"/>
+              </a:ext>
+            </a:extLst>
+          </p:cNvPr>
+          <p:cNvSpPr>
+            <a:spLocks noGrp="1"/>
+          </p:cNvSpPr>
+          <p:nvPr>
+            <p:ph type="title"/>
+          </p:nvPr>
+        </p:nvSpPr>
+        <p:spPr/>
+        <p:txBody>
+          <a:bodyPr/>
+          <a:lstStyle/>
+          <a:p>
+            <a:endParaRPr lang="el-GR"/>
+          </a:p>
+        </p:txBody>
+      </p:sp>
+      <p:sp>
+        <p:nvSpPr>
+          <p:cNvPr id="8" name="Θέση περιεχομένου 7">
+            <a:extLst>
+              <a:ext uri="{FF2B5EF4-FFF2-40B4-BE49-F238E27FC236}">
+                <a16:creationId xmlns:a16="http://schemas.microsoft.com/office/drawing/2014/main" id="{7A9FE8B1-27E8-49F3-BE54-553C8CA7CE8A}"/>
+              </a:ext>
+            </a:extLst>
+          </p:cNvPr>
+          <p:cNvSpPr>
+            <a:spLocks noGrp="1"/>
+          </p:cNvSpPr>
+          <p:nvPr>
+            <p:ph sz="half" idx="2"/>
+          </p:nvPr>
+        </p:nvSpPr>
+        <p:spPr/>
+        <p:txBody>
+          <a:bodyPr/>
+          <a:lstStyle/>
+          <a:p>
+            <a:endParaRPr lang="el-GR" dirty="0"/>
+          </a:p>
+        </p:txBody>
+      </p:sp>
+      <p:pic>
+        <p:nvPicPr>
+          <p:cNvPr id="9" name="Εικόνα 8">
+            <a:extLst>
+              <a:ext uri="{FF2B5EF4-FFF2-40B4-BE49-F238E27FC236}">
+                <a16:creationId xmlns:a16="http://schemas.microsoft.com/office/drawing/2014/main" id="{56955F64-A640-436E-8E49-3DD4FF9F78B8}"/>
+              </a:ext>
+            </a:extLst>
+          </p:cNvPr>
+          <p:cNvPicPr>
+            <a:picLocks noChangeAspect="1"/>
+          </p:cNvPicPr>
+          <p:nvPr/>
+        </p:nvPicPr>
+        <p:blipFill>
+          <a:blip r:embed="rId2"/>
+          <a:stretch>
+            <a:fillRect/>
+          </a:stretch>
+        </p:blipFill>
+        <p:spPr>
+          <a:xfrm>
+            <a:off x="3893079" y="2624709"/>
+            <a:ext cx="3609975" cy="3648075"/>
+          </a:xfrm>
+          <a:prstGeom prst="rect">
+            <a:avLst/>
+          </a:prstGeom>
+        </p:spPr>
+      </p:pic>
+      <p:pic>
+        <p:nvPicPr>
+          <p:cNvPr id="19" name="Εικόνα 18">
+            <a:extLst>
+              <a:ext uri="{FF2B5EF4-FFF2-40B4-BE49-F238E27FC236}">
+                <a16:creationId xmlns:a16="http://schemas.microsoft.com/office/drawing/2014/main" id="{0C987E78-6A08-4E13-AB4B-A94D33490A4E}"/>
+              </a:ext>
+            </a:extLst>
+          </p:cNvPr>
+          <p:cNvPicPr>
+            <a:picLocks noChangeAspect="1"/>
+          </p:cNvPicPr>
+          <p:nvPr/>
+        </p:nvPicPr>
+        <p:blipFill>
+          <a:blip r:embed="rId3"/>
+          <a:stretch>
+            <a:fillRect/>
+          </a:stretch>
+        </p:blipFill>
+        <p:spPr>
+          <a:xfrm>
+            <a:off x="453866" y="2462783"/>
+            <a:ext cx="3124200" cy="3971925"/>
+          </a:xfrm>
+          <a:prstGeom prst="rect">
+            <a:avLst/>
+          </a:prstGeom>
+        </p:spPr>
+      </p:pic>
+    </p:spTree>
+    <p:extLst>
+      <p:ext uri="{BB962C8B-B14F-4D97-AF65-F5344CB8AC3E}">
+        <p14:creationId xmlns:p14="http://schemas.microsoft.com/office/powerpoint/2010/main" val="2750050291"/>
+      </p:ext>
+    </p:extLst>
+  </p:cSld>
+  <p:clrMapOvr>
+    <a:masterClrMapping/>
+  </p:clrMapOvr>
+  <p:transition spd="slow">
+    <p:push dir="u"/>
+  </p:transition>
+</p:sld>
+</file>
+
+<file path=ppt/slides/slide12.xml><?xml version="1.0" encoding="utf-8"?>
 <p:sld xmlns:a="http://schemas.openxmlformats.org/drawingml/2006/main" xmlns:r="http://schemas.openxmlformats.org/officeDocument/2006/relationships" xmlns:p="http://schemas.openxmlformats.org/presentationml/2006/main">
   <p:cSld>
     <p:spTree>
@@ -22138,13 +22290,13 @@
           </a:bodyPr>
           <a:lstStyle/>
           <a:p>
-            <a:pPr>
+            <a:pPr algn="just">
               <a:buFont typeface="Arial" panose="020B0604020202020204" pitchFamily="34" charset="0"/>
               <a:buChar char="•"/>
             </a:pPr>
             <a:r>
               <a:rPr lang="el-GR" dirty="0"/>
-              <a:t>Χρήση </a:t>
+              <a:t>Χρησιμοποιήσαμε  </a:t>
             </a:r>
             <a:r>
               <a:rPr lang="en-US" dirty="0"/>
@@ -22185,7 +22337,7 @@
             <a:endParaRPr lang="el-GR" dirty="0"/>
           </a:p>
           <a:p>
-            <a:pPr>
+            <a:pPr algn="just">
               <a:buFont typeface="Arial" panose="020B0604020202020204" pitchFamily="34" charset="0"/>
               <a:buChar char="•"/>
             </a:pPr>
@@ -22229,7 +22381,7 @@
 </p:sld>
 </file>
 
-<file path=ppt/slides/slide12.xml><?xml version="1.0" encoding="utf-8"?>
+<file path=ppt/slides/slide13.xml><?xml version="1.0" encoding="utf-8"?>
 <p:sld xmlns:a="http://schemas.openxmlformats.org/drawingml/2006/main" xmlns:r="http://schemas.openxmlformats.org/officeDocument/2006/relationships" xmlns:p="http://schemas.openxmlformats.org/presentationml/2006/main">
   <p:cSld>
     <p:spTree>
@@ -22429,7 +22581,7 @@
 </p:sld>
 </file>
 
-<file path=ppt/slides/slide13.xml><?xml version="1.0" encoding="utf-8"?>
+<file path=ppt/slides/slide14.xml><?xml version="1.0" encoding="utf-8"?>
 <p:sld xmlns:a="http://schemas.openxmlformats.org/drawingml/2006/main" xmlns:r="http://schemas.openxmlformats.org/officeDocument/2006/relationships" xmlns:p="http://schemas.openxmlformats.org/presentationml/2006/main">
   <p:cSld>
     <p:spTree>
@@ -22633,7 +22785,7 @@
 </p:sld>
 </file>
 
-<file path=ppt/slides/slide14.xml><?xml version="1.0" encoding="utf-8"?>
+<file path=ppt/slides/slide15.xml><?xml version="1.0" encoding="utf-8"?>
 <p:sld xmlns:a="http://schemas.openxmlformats.org/drawingml/2006/main" xmlns:r="http://schemas.openxmlformats.org/officeDocument/2006/relationships" xmlns:p="http://schemas.openxmlformats.org/presentationml/2006/main">
   <p:cSld>
     <p:spTree>
@@ -22865,7 +23017,7 @@
 </p:sld>
 </file>
 
-<file path=ppt/slides/slide15.xml><?xml version="1.0" encoding="utf-8"?>
+<file path=ppt/slides/slide16.xml><?xml version="1.0" encoding="utf-8"?>
 <p:sld xmlns:a="http://schemas.openxmlformats.org/drawingml/2006/main" xmlns:r="http://schemas.openxmlformats.org/officeDocument/2006/relationships" xmlns:p="http://schemas.openxmlformats.org/presentationml/2006/main">
   <p:cSld>
     <p:spTree>
@@ -23037,7 +23189,7 @@
 </p:sld>
 </file>
 
-<file path=ppt/slides/slide16.xml><?xml version="1.0" encoding="utf-8"?>
+<file path=ppt/slides/slide17.xml><?xml version="1.0" encoding="utf-8"?>
 <p:sld xmlns:a="http://schemas.openxmlformats.org/drawingml/2006/main" xmlns:r="http://schemas.openxmlformats.org/officeDocument/2006/relationships" xmlns:p="http://schemas.openxmlformats.org/presentationml/2006/main">
   <p:cSld>
     <p:spTree>
@@ -25142,7 +25294,7 @@
                 <a:latin typeface="Arial" panose="020B0604020202020204" pitchFamily="34" charset="0"/>
                 <a:cs typeface="Arial" panose="020B0604020202020204" pitchFamily="34" charset="0"/>
               </a:rPr>
-              <a:t>είδη δυναμική δρομολόγηση OLSR (Optimized Link State Routing) και </a:t>
+              <a:t>είδη δυναμικής δρομολόγησης, το OLSR (Optimized Link State Routing) και το </a:t>
             </a:r>
             <a:r>
               <a:rPr lang="en-US" altLang="el-GR" sz="1700" dirty="0">
@@ -25184,7 +25336,7 @@
                 <a:latin typeface="Arial" panose="020B0604020202020204" pitchFamily="34" charset="0"/>
                 <a:cs typeface="Arial" panose="020B0604020202020204" pitchFamily="34" charset="0"/>
               </a:rPr>
-              <a:t>υποστηρίζονται πλήρως στο περιβάλλον του ns-3.</a:t>
+              <a:t>υποστηρίζονται πλήρως από το περιβάλλον του ns-3.</a:t>
             </a:r>
             <a:endParaRPr lang="en-US" altLang="el-GR" sz="1700" dirty="0">
               <a:latin typeface="Arial" panose="020B0604020202020204" pitchFamily="34" charset="0"/>
@@ -26582,6 +26734,14 @@
 </file>
 
 <file path=customXml/item2.xml><?xml version="1.0" encoding="utf-8"?>
+<p:properties xmlns:p="http://schemas.microsoft.com/office/2006/metadata/properties" xmlns:xsi="http://www.w3.org/2001/XMLSchema-instance" xmlns:pc="http://schemas.microsoft.com/office/infopath/2007/PartnerControls">
+  <documentManagement>
+    <MediaServiceKeyPoints xmlns="71af3243-3dd4-4a8d-8c0d-dd76da1f02a5" xsi:nil="true"/>
+  </documentManagement>
+</p:properties>
+</file>
+
+<file path=customXml/item3.xml><?xml version="1.0" encoding="utf-8"?>
 <ct:contentTypeSchema xmlns:ct="http://schemas.microsoft.com/office/2006/metadata/contentType" xmlns:ma="http://schemas.microsoft.com/office/2006/metadata/properties/metaAttributes" ct:_="" ma:_="" ma:contentTypeName="Document" ma:contentTypeID="0x01010079F111ED35F8CC479449609E8A0923A6" ma:contentTypeVersion="11" ma:contentTypeDescription="Create a new document." ma:contentTypeScope="" ma:versionID="9677210f24a1be23c92c90fd886aa0aa">
   <xsd:schema xmlns:xsd="http://www.w3.org/2001/XMLSchema" xmlns:xs="http://www.w3.org/2001/XMLSchema" xmlns:p="http://schemas.microsoft.com/office/2006/metadata/properties" xmlns:ns2="71af3243-3dd4-4a8d-8c0d-dd76da1f02a5" xmlns:ns3="16c05727-aa75-4e4a-9b5f-8a80a1165891" targetNamespace="http://schemas.microsoft.com/office/2006/metadata/properties" ma:root="true" ma:fieldsID="60e05723c5c1908df1a1a4ebf11d344e" ns2:_="" ns3:_="">
     <xsd:import namespace="71af3243-3dd4-4a8d-8c0d-dd76da1f02a5"/>
@@ -26792,14 +26952,6 @@
 </ct:contentTypeSchema>
 </file>
 
-<file path=customXml/item3.xml><?xml version="1.0" encoding="utf-8"?>
-<p:properties xmlns:p="http://schemas.microsoft.com/office/2006/metadata/properties" xmlns:xsi="http://www.w3.org/2001/XMLSchema-instance" xmlns:pc="http://schemas.microsoft.com/office/infopath/2007/PartnerControls">
-  <documentManagement>
-    <MediaServiceKeyPoints xmlns="71af3243-3dd4-4a8d-8c0d-dd76da1f02a5" xsi:nil="true"/>
-  </documentManagement>
-</p:properties>
-</file>
-
 <file path=customXml/itemProps1.xml><?xml version="1.0" encoding="utf-8"?>
 <ds:datastoreItem xmlns:ds="http://schemas.openxmlformats.org/officeDocument/2006/customXml" ds:itemID="{4F44C90D-2A62-4985-9618-3460247437B1}">
   <ds:schemaRefs>
@@ -26809,6 +26961,23 @@
 </file>
 
 <file path=customXml/itemProps2.xml><?xml version="1.0" encoding="utf-8"?>
+<ds:datastoreItem xmlns:ds="http://schemas.openxmlformats.org/officeDocument/2006/customXml" ds:itemID="{788A2F88-55C5-4ED1-9541-807C65424763}">
+  <ds:schemaRefs>
+    <ds:schemaRef ds:uri="http://schemas.microsoft.com/office/infopath/2007/PartnerControls"/>
+    <ds:schemaRef ds:uri="http://purl.org/dc/terms/"/>
+    <ds:schemaRef ds:uri="http://schemas.microsoft.com/office/2006/documentManagement/types"/>
+    <ds:schemaRef ds:uri="http://schemas.openxmlformats.org/package/2006/metadata/core-properties"/>
+    <ds:schemaRef ds:uri="http://schemas.microsoft.com/office/2006/metadata/properties"/>
+    <ds:schemaRef ds:uri="http://purl.org/dc/elements/1.1/"/>
+    <ds:schemaRef ds:uri="http://www.w3.org/XML/1998/namespace"/>
+    <ds:schemaRef ds:uri="71af3243-3dd4-4a8d-8c0d-dd76da1f02a5"/>
+    <ds:schemaRef ds:uri="16c05727-aa75-4e4a-9b5f-8a80a1165891"/>
+    <ds:schemaRef ds:uri="http://purl.org/dc/dcmitype/"/>
+  </ds:schemaRefs>
+</ds:datastoreItem>
+</file>
+
+<file path=customXml/itemProps3.xml><?xml version="1.0" encoding="utf-8"?>
 <ds:datastoreItem xmlns:ds="http://schemas.openxmlformats.org/officeDocument/2006/customXml" ds:itemID="{B61EAB5F-88FC-4FAE-AE3C-037A3C365EB8}">
   <ds:schemaRefs>
     <ds:schemaRef ds:uri="http://schemas.microsoft.com/office/2006/metadata/contentType"/>
@@ -26825,21 +26994,4 @@
     <ds:schemaRef ds:uri="http://schemas.microsoft.com/internal/obd"/>
   </ds:schemaRefs>
 </ds:datastoreItem>
-</file>
-
-<file path=customXml/itemProps3.xml><?xml version="1.0" encoding="utf-8"?>
-<ds:datastoreItem xmlns:ds="http://schemas.openxmlformats.org/officeDocument/2006/customXml" ds:itemID="{788A2F88-55C5-4ED1-9541-807C65424763}">
-  <ds:schemaRefs>
-    <ds:schemaRef ds:uri="http://schemas.microsoft.com/office/2006/metadata/properties"/>
-    <ds:schemaRef ds:uri="http://www.w3.org/XML/1998/namespace"/>
-    <ds:schemaRef ds:uri="http://purl.org/dc/terms/"/>
-    <ds:schemaRef ds:uri="http://schemas.microsoft.com/office/2006/documentManagement/types"/>
-    <ds:schemaRef ds:uri="http://schemas.openxmlformats.org/package/2006/metadata/core-properties"/>
-    <ds:schemaRef ds:uri="http://purl.org/dc/elements/1.1/"/>
-    <ds:schemaRef ds:uri="16c05727-aa75-4e4a-9b5f-8a80a1165891"/>
-    <ds:schemaRef ds:uri="http://schemas.microsoft.com/office/infopath/2007/PartnerControls"/>
-    <ds:schemaRef ds:uri="71af3243-3dd4-4a8d-8c0d-dd76da1f02a5"/>
-    <ds:schemaRef ds:uri="http://purl.org/dc/dcmitype/"/>
-  </ds:schemaRefs>
-</ds:datastoreItem>
 </file>
--- a/Presentations/Ns-3_presentation_F.pptx
+++ b/Presentations/Ns-3_presentation_F.pptx
@@ -5,10 +5,10 @@
     <p:sldMasterId id="2147483648" r:id="rId4"/>
   </p:sldMasterIdLst>
   <p:notesMasterIdLst>
-    <p:notesMasterId r:id="rId22"/>
+    <p:notesMasterId r:id="rId23"/>
   </p:notesMasterIdLst>
   <p:handoutMasterIdLst>
-    <p:handoutMasterId r:id="rId23"/>
+    <p:handoutMasterId r:id="rId24"/>
   </p:handoutMasterIdLst>
   <p:sldIdLst>
     <p:sldId id="256" r:id="rId5"/>
@@ -22,12 +22,13 @@
     <p:sldId id="287" r:id="rId13"/>
     <p:sldId id="293" r:id="rId14"/>
     <p:sldId id="298" r:id="rId15"/>
-    <p:sldId id="294" r:id="rId16"/>
-    <p:sldId id="296" r:id="rId17"/>
-    <p:sldId id="297" r:id="rId18"/>
-    <p:sldId id="295" r:id="rId19"/>
-    <p:sldId id="288" r:id="rId20"/>
-    <p:sldId id="281" r:id="rId21"/>
+    <p:sldId id="299" r:id="rId16"/>
+    <p:sldId id="294" r:id="rId17"/>
+    <p:sldId id="296" r:id="rId18"/>
+    <p:sldId id="297" r:id="rId19"/>
+    <p:sldId id="295" r:id="rId20"/>
+    <p:sldId id="288" r:id="rId21"/>
+    <p:sldId id="281" r:id="rId22"/>
   </p:sldIdLst>
   <p:sldSz cx="12192000" cy="6858000"/>
   <p:notesSz cx="6858000" cy="9144000"/>
@@ -21806,7 +21807,7 @@
         <p:spPr>
           <a:xfrm>
             <a:off x="5109882" y="2232599"/>
-            <a:ext cx="5477436" cy="4039660"/>
+            <a:ext cx="5477436" cy="3728930"/>
           </a:xfrm>
         </p:spPr>
         <p:txBody>
@@ -21817,158 +21818,158 @@
           <a:p>
             <a:pPr algn="just"/>
             <a:r>
-              <a:rPr lang="el-GR" dirty="0"/>
+              <a:rPr lang="el-GR" sz="2100" dirty="0"/>
               <a:t>Με </a:t>
             </a:r>
             <a:r>
-              <a:rPr lang="en-US" dirty="0"/>
+              <a:rPr lang="en-US" sz="2100" dirty="0"/>
               <a:t>delay = 5 </a:t>
             </a:r>
             <a:r>
-              <a:rPr lang="en-US" dirty="0" err="1"/>
+              <a:rPr lang="en-US" sz="2100" dirty="0" err="1"/>
               <a:t>ms</a:t>
             </a:r>
             <a:r>
-              <a:rPr lang="en-US" dirty="0"/>
+              <a:rPr lang="en-US" sz="2100" dirty="0"/>
               <a:t> </a:t>
             </a:r>
             <a:r>
-              <a:rPr lang="el-GR" dirty="0"/>
+              <a:rPr lang="el-GR" sz="2100" dirty="0"/>
               <a:t>στα </a:t>
             </a:r>
             <a:r>
-              <a:rPr lang="en-US" dirty="0"/>
+              <a:rPr lang="en-US" sz="2100" dirty="0"/>
               <a:t>node devices 0–1 </a:t>
             </a:r>
             <a:r>
-              <a:rPr lang="el-GR" dirty="0"/>
+              <a:rPr lang="el-GR" sz="2100" dirty="0"/>
               <a:t>και </a:t>
             </a:r>
             <a:r>
-              <a:rPr lang="en-US" dirty="0"/>
+              <a:rPr lang="en-US" sz="2100" dirty="0"/>
               <a:t>double </a:t>
             </a:r>
             <a:r>
-              <a:rPr lang="en-US" b="1" dirty="0" err="1"/>
+              <a:rPr lang="en-US" sz="2100" b="1" dirty="0" err="1"/>
               <a:t>failDownAt</a:t>
             </a:r>
             <a:r>
-              <a:rPr lang="en-US" b="1" dirty="0"/>
+              <a:rPr lang="en-US" sz="2100" b="1" dirty="0"/>
               <a:t> = </a:t>
             </a:r>
             <a:r>
-              <a:rPr lang="el-GR" b="1" dirty="0"/>
+              <a:rPr lang="el-GR" sz="2100" b="1" dirty="0"/>
               <a:t>6</a:t>
             </a:r>
             <a:r>
-              <a:rPr lang="en-US" b="1" dirty="0"/>
+              <a:rPr lang="en-US" sz="2100" b="1" dirty="0"/>
               <a:t>.0 s</a:t>
             </a:r>
             <a:r>
-              <a:rPr lang="en-US" dirty="0"/>
+              <a:rPr lang="en-US" sz="2100" dirty="0"/>
               <a:t>, </a:t>
             </a:r>
             <a:r>
-              <a:rPr lang="en-US" b="1" dirty="0"/>
+              <a:rPr lang="en-US" sz="2100" b="1" dirty="0"/>
               <a:t>double </a:t>
             </a:r>
             <a:r>
-              <a:rPr lang="en-US" b="1" dirty="0" err="1"/>
+              <a:rPr lang="en-US" sz="2100" b="1" dirty="0" err="1"/>
               <a:t>failUpAt</a:t>
             </a:r>
             <a:r>
-              <a:rPr lang="en-US" b="1" dirty="0"/>
+              <a:rPr lang="en-US" sz="2100" b="1" dirty="0"/>
               <a:t> = 3.0 s</a:t>
             </a:r>
             <a:r>
-              <a:rPr lang="en-US" dirty="0"/>
+              <a:rPr lang="en-US" sz="2100" dirty="0"/>
               <a:t>,</a:t>
             </a:r>
             <a:r>
-              <a:rPr lang="el-GR" dirty="0"/>
+              <a:rPr lang="el-GR" sz="2100" dirty="0"/>
               <a:t>έχουμε:</a:t>
             </a:r>
           </a:p>
           <a:p>
             <a:pPr algn="just"/>
             <a:r>
-              <a:rPr lang="en-US" dirty="0"/>
+              <a:rPr lang="en-US" sz="2100" dirty="0"/>
               <a:t>4.800s → pre-failure: </a:t>
             </a:r>
             <a:r>
-              <a:rPr lang="el-GR" dirty="0"/>
+              <a:rPr lang="el-GR" sz="2100" dirty="0"/>
               <a:t>πριν το </a:t>
             </a:r>
             <a:r>
-              <a:rPr lang="en-US" dirty="0"/>
+              <a:rPr lang="en-US" sz="2100" dirty="0"/>
               <a:t>link 0–1 </a:t>
             </a:r>
             <a:r>
-              <a:rPr lang="el-GR" dirty="0"/>
+              <a:rPr lang="el-GR" sz="2100" dirty="0"/>
               <a:t>κατεβεί.</a:t>
             </a:r>
           </a:p>
           <a:p>
             <a:pPr algn="just"/>
             <a:r>
-              <a:rPr lang="el-GR" dirty="0"/>
+              <a:rPr lang="el-GR" sz="2100" dirty="0"/>
               <a:t>5.400</a:t>
             </a:r>
             <a:r>
-              <a:rPr lang="en-US" dirty="0"/>
+              <a:rPr lang="en-US" sz="2100" dirty="0"/>
               <a:t>s → during-failure: </a:t>
             </a:r>
             <a:r>
-              <a:rPr lang="el-GR" dirty="0"/>
+              <a:rPr lang="el-GR" sz="2100" dirty="0"/>
               <a:t>το </a:t>
             </a:r>
             <a:r>
-              <a:rPr lang="en-US" dirty="0"/>
+              <a:rPr lang="en-US" sz="2100" dirty="0"/>
               <a:t>link 0–1 </a:t>
             </a:r>
             <a:r>
-              <a:rPr lang="el-GR" dirty="0"/>
+              <a:rPr lang="el-GR" sz="2100" dirty="0"/>
               <a:t>είναι κάτω.</a:t>
             </a:r>
           </a:p>
           <a:p>
             <a:pPr algn="just"/>
             <a:r>
-              <a:rPr lang="el-GR" dirty="0"/>
+              <a:rPr lang="el-GR" sz="2100" dirty="0"/>
               <a:t>9.400</a:t>
             </a:r>
             <a:r>
-              <a:rPr lang="en-US" dirty="0"/>
+              <a:rPr lang="en-US" sz="2100" dirty="0"/>
               <a:t>s → post-recovery: </a:t>
             </a:r>
             <a:r>
-              <a:rPr lang="el-GR" dirty="0"/>
+              <a:rPr lang="el-GR" sz="2100" dirty="0"/>
               <a:t>το </a:t>
             </a:r>
             <a:r>
-              <a:rPr lang="en-US" dirty="0"/>
+              <a:rPr lang="en-US" sz="2100" dirty="0"/>
               <a:t>link </a:t>
             </a:r>
             <a:r>
-              <a:rPr lang="el-GR" dirty="0"/>
+              <a:rPr lang="el-GR" sz="2100" dirty="0"/>
               <a:t>έχει επανέλθει.</a:t>
             </a:r>
           </a:p>
           <a:p>
             <a:pPr algn="just"/>
             <a:r>
-              <a:rPr lang="el-GR" dirty="0"/>
+              <a:rPr lang="el-GR" sz="2100" dirty="0"/>
               <a:t>12.000</a:t>
             </a:r>
             <a:r>
-              <a:rPr lang="en-US" dirty="0"/>
+              <a:rPr lang="en-US" sz="2100" dirty="0"/>
               <a:t>s → final: </a:t>
             </a:r>
             <a:r>
-              <a:rPr lang="el-GR" dirty="0"/>
+              <a:rPr lang="el-GR" sz="2100" dirty="0"/>
               <a:t>συνολική επίδοση όλης της προσομοίωσης.</a:t>
             </a:r>
-            <a:endParaRPr lang="en-US" dirty="0"/>
+            <a:endParaRPr lang="en-US" sz="2100" dirty="0"/>
           </a:p>
         </p:txBody>
       </p:sp>
@@ -22087,37 +22088,32 @@
             <p:ph type="title"/>
           </p:nvPr>
         </p:nvSpPr>
-        <p:spPr/>
+        <p:spPr>
+          <a:xfrm>
+            <a:off x="755186" y="585216"/>
+            <a:ext cx="11374061" cy="1431843"/>
+          </a:xfrm>
+        </p:spPr>
         <p:txBody>
           <a:bodyPr/>
           <a:lstStyle/>
           <a:p>
-            <a:endParaRPr lang="el-GR"/>
-          </a:p>
-        </p:txBody>
-      </p:sp>
-      <p:sp>
-        <p:nvSpPr>
-          <p:cNvPr id="8" name="Θέση περιεχομένου 7">
-            <a:extLst>
-              <a:ext uri="{FF2B5EF4-FFF2-40B4-BE49-F238E27FC236}">
-                <a16:creationId xmlns:a16="http://schemas.microsoft.com/office/drawing/2014/main" id="{7A9FE8B1-27E8-49F3-BE54-553C8CA7CE8A}"/>
-              </a:ext>
-            </a:extLst>
-          </p:cNvPr>
-          <p:cNvSpPr>
-            <a:spLocks noGrp="1"/>
-          </p:cNvSpPr>
-          <p:nvPr>
-            <p:ph sz="half" idx="2"/>
-          </p:nvPr>
-        </p:nvSpPr>
-        <p:spPr/>
-        <p:txBody>
-          <a:bodyPr/>
-          <a:lstStyle/>
-          <a:p>
-            <a:endParaRPr lang="el-GR" dirty="0"/>
+            <a:r>
+              <a:rPr lang="el-GR" b="1" dirty="0" err="1"/>
+              <a:t>Αποτελεσματα</a:t>
+            </a:r>
+            <a:r>
+              <a:rPr lang="el-GR" b="1" dirty="0"/>
+              <a:t> του </a:t>
+            </a:r>
+            <a:r>
+              <a:rPr lang="el-GR" b="1" dirty="0" err="1"/>
+              <a:t>ερωτηματοσ</a:t>
+            </a:r>
+            <a:r>
+              <a:rPr lang="el-GR" b="1" dirty="0"/>
+              <a:t> 2 (2)</a:t>
+            </a:r>
           </a:p>
         </p:txBody>
       </p:sp>
@@ -22143,7 +22139,7 @@
         </p:blipFill>
         <p:spPr>
           <a:xfrm>
-            <a:off x="3893079" y="2624709"/>
+            <a:off x="5820490" y="2462783"/>
             <a:ext cx="3609975" cy="3648075"/>
           </a:xfrm>
           <a:prstGeom prst="rect">
@@ -22173,7 +22169,7 @@
         </p:blipFill>
         <p:spPr>
           <a:xfrm>
-            <a:off x="453866" y="2462783"/>
+            <a:off x="1825466" y="2300857"/>
             <a:ext cx="3124200" cy="3971925"/>
           </a:xfrm>
           <a:prstGeom prst="rect">
@@ -22198,6 +22194,191 @@
 </file>
 
 <file path=ppt/slides/slide12.xml><?xml version="1.0" encoding="utf-8"?>
+<p:sld xmlns:a="http://schemas.openxmlformats.org/drawingml/2006/main" xmlns:r="http://schemas.openxmlformats.org/officeDocument/2006/relationships" xmlns:p="http://schemas.openxmlformats.org/presentationml/2006/main">
+  <p:cSld>
+    <p:spTree>
+      <p:nvGrpSpPr>
+        <p:cNvPr id="1" name=""/>
+        <p:cNvGrpSpPr/>
+        <p:nvPr/>
+      </p:nvGrpSpPr>
+      <p:grpSpPr>
+        <a:xfrm>
+          <a:off x="0" y="0"/>
+          <a:ext cx="0" cy="0"/>
+          <a:chOff x="0" y="0"/>
+          <a:chExt cx="0" cy="0"/>
+        </a:xfrm>
+      </p:grpSpPr>
+      <p:sp>
+        <p:nvSpPr>
+          <p:cNvPr id="2" name="Τίτλος 1">
+            <a:extLst>
+              <a:ext uri="{FF2B5EF4-FFF2-40B4-BE49-F238E27FC236}">
+                <a16:creationId xmlns:a16="http://schemas.microsoft.com/office/drawing/2014/main" id="{42318D31-C5C0-4F14-9237-95D3730D9299}"/>
+              </a:ext>
+            </a:extLst>
+          </p:cNvPr>
+          <p:cNvSpPr>
+            <a:spLocks noGrp="1"/>
+          </p:cNvSpPr>
+          <p:nvPr>
+            <p:ph type="title"/>
+          </p:nvPr>
+        </p:nvSpPr>
+        <p:spPr>
+          <a:xfrm>
+            <a:off x="1024127" y="585216"/>
+            <a:ext cx="10979613" cy="1499616"/>
+          </a:xfrm>
+        </p:spPr>
+        <p:txBody>
+          <a:bodyPr/>
+          <a:lstStyle/>
+          <a:p>
+            <a:r>
+              <a:rPr lang="el-GR" b="1" dirty="0" err="1"/>
+              <a:t>Αποτελεσματα</a:t>
+            </a:r>
+            <a:r>
+              <a:rPr lang="el-GR" b="1" dirty="0"/>
+              <a:t> του </a:t>
+            </a:r>
+            <a:r>
+              <a:rPr lang="el-GR" b="1" dirty="0" err="1"/>
+              <a:t>ερωτηματοσ</a:t>
+            </a:r>
+            <a:r>
+              <a:rPr lang="el-GR" b="1" dirty="0"/>
+              <a:t> 2 (3)</a:t>
+            </a:r>
+          </a:p>
+        </p:txBody>
+      </p:sp>
+      <p:sp>
+        <p:nvSpPr>
+          <p:cNvPr id="3" name="Θέση περιεχομένου 2">
+            <a:extLst>
+              <a:ext uri="{FF2B5EF4-FFF2-40B4-BE49-F238E27FC236}">
+                <a16:creationId xmlns:a16="http://schemas.microsoft.com/office/drawing/2014/main" id="{2A5AD40C-A21D-43EF-BD16-71B83576B261}"/>
+              </a:ext>
+            </a:extLst>
+          </p:cNvPr>
+          <p:cNvSpPr>
+            <a:spLocks noGrp="1"/>
+          </p:cNvSpPr>
+          <p:nvPr>
+            <p:ph sz="half" idx="1"/>
+          </p:nvPr>
+        </p:nvSpPr>
+        <p:spPr>
+          <a:xfrm>
+            <a:off x="1024126" y="2286000"/>
+            <a:ext cx="9688697" cy="4023360"/>
+          </a:xfrm>
+        </p:spPr>
+        <p:txBody>
+          <a:bodyPr>
+            <a:normAutofit/>
+          </a:bodyPr>
+          <a:lstStyle/>
+          <a:p>
+            <a:pPr algn="just">
+              <a:buFont typeface="Arial" panose="020B0604020202020204" pitchFamily="34" charset="0"/>
+              <a:buChar char="•"/>
+            </a:pPr>
+            <a:r>
+              <a:rPr lang="el-GR" dirty="0"/>
+              <a:t>Παρατηρήσαμε πως η απόδοση του δικτύου εξαρτάται από τον ρυθμό αποστολής και το μέγεθος της ουράς. Όταν το </a:t>
+            </a:r>
+            <a:r>
+              <a:rPr lang="el-GR" dirty="0" err="1"/>
+              <a:t>interval</a:t>
+            </a:r>
+            <a:r>
+              <a:rPr lang="el-GR" dirty="0"/>
+              <a:t> είναι μικρό, το δίκτυο υπερφορτώνεται με αυξημένες απώλειες και καθυστέρηση, ενώ με μεγαλύτερο </a:t>
+            </a:r>
+            <a:r>
+              <a:rPr lang="el-GR" dirty="0" err="1"/>
+              <a:t>interval</a:t>
+            </a:r>
+            <a:r>
+              <a:rPr lang="el-GR" dirty="0"/>
+              <a:t> επιτυγχάνεται σταθερή ροή, υψηλό PDR και χαμηλό </a:t>
+            </a:r>
+            <a:r>
+              <a:rPr lang="el-GR" dirty="0" err="1"/>
+              <a:t>delay</a:t>
+            </a:r>
+            <a:r>
+              <a:rPr lang="el-GR" dirty="0"/>
+              <a:t>.</a:t>
+            </a:r>
+          </a:p>
+          <a:p>
+            <a:pPr algn="just">
+              <a:buFont typeface="Arial" panose="020B0604020202020204" pitchFamily="34" charset="0"/>
+              <a:buChar char="•"/>
+            </a:pPr>
+            <a:r>
+              <a:rPr lang="el-GR" dirty="0"/>
+              <a:t> Η μεγάλη ουρά μειώνει τις απώλειες αλλά αυξάνει το </a:t>
+            </a:r>
+            <a:r>
+              <a:rPr lang="el-GR" dirty="0" err="1"/>
+              <a:t>delay</a:t>
+            </a:r>
+            <a:r>
+              <a:rPr lang="el-GR" dirty="0"/>
+              <a:t> ενώ η  μικρή ουρά (π.χ. 5 πακέτα) μειώνει το </a:t>
+            </a:r>
+            <a:r>
+              <a:rPr lang="el-GR" dirty="0" err="1"/>
+              <a:t>delay</a:t>
+            </a:r>
+            <a:r>
+              <a:rPr lang="el-GR" dirty="0"/>
+              <a:t>, αλλά οδηγεί σε περισσότερες απώλειες σε συνθήκες συμφόρησης.</a:t>
+            </a:r>
+          </a:p>
+          <a:p>
+            <a:pPr algn="just">
+              <a:buFont typeface="Arial" panose="020B0604020202020204" pitchFamily="34" charset="0"/>
+              <a:buChar char="•"/>
+            </a:pPr>
+            <a:r>
+              <a:rPr lang="el-GR" dirty="0"/>
+              <a:t>Συνολικά, το OLSR αποδεικνύεται ένα αξιόπιστο πρωτόκολλο </a:t>
+            </a:r>
+            <a:r>
+              <a:rPr lang="el-GR" dirty="0" err="1"/>
+              <a:t>δρομολόγησης,το</a:t>
+            </a:r>
+            <a:r>
+              <a:rPr lang="el-GR" dirty="0"/>
+              <a:t> οποίο επαναφέρει γρήγορα τη συνδεσιμότητα, αποδεικνύοντας την αξιοπιστία του.</a:t>
+            </a:r>
+          </a:p>
+        </p:txBody>
+      </p:sp>
+    </p:spTree>
+    <p:extLst>
+      <p:ext uri="{BB962C8B-B14F-4D97-AF65-F5344CB8AC3E}">
+        <p14:creationId xmlns:p14="http://schemas.microsoft.com/office/powerpoint/2010/main" val="2637154176"/>
+      </p:ext>
+    </p:extLst>
+  </p:cSld>
+  <p:clrMapOvr>
+    <a:masterClrMapping/>
+  </p:clrMapOvr>
+  <p:transition spd="slow">
+    <p:push dir="u"/>
+  </p:transition>
+</p:sld>
+</file>
+
+<file path=ppt/slides/slide13.xml><?xml version="1.0" encoding="utf-8"?>
 <p:sld xmlns:a="http://schemas.openxmlformats.org/drawingml/2006/main" xmlns:r="http://schemas.openxmlformats.org/officeDocument/2006/relationships" xmlns:p="http://schemas.openxmlformats.org/presentationml/2006/main">
   <p:cSld>
     <p:spTree>
@@ -22248,15 +22429,7 @@
           <a:p>
             <a:r>
               <a:rPr lang="el-GR" b="1" dirty="0"/>
-              <a:t>ΑΠΟΤΕΛΕΣΜΑΤΑ ΤΟΥ ΕΡΩΤΗΜΑΤΟΣ 2(</a:t>
-            </a:r>
-            <a:r>
-              <a:rPr lang="en-US" b="1" dirty="0"/>
-              <a:t>2</a:t>
-            </a:r>
-            <a:r>
-              <a:rPr lang="el-GR" b="1" dirty="0"/>
-              <a:t>)</a:t>
+              <a:t>ΑΠΟΤΕΛΕΣΜΑΤΑ ΤΟΥ ΕΡΩΤΗΜΑΤΟΣ 2(4)</a:t>
             </a:r>
             <a:endParaRPr lang="el-GR" dirty="0"/>
           </a:p>
@@ -22381,7 +22554,7 @@
 </p:sld>
 </file>
 
-<file path=ppt/slides/slide13.xml><?xml version="1.0" encoding="utf-8"?>
+<file path=ppt/slides/slide14.xml><?xml version="1.0" encoding="utf-8"?>
 <p:sld xmlns:a="http://schemas.openxmlformats.org/drawingml/2006/main" xmlns:r="http://schemas.openxmlformats.org/officeDocument/2006/relationships" xmlns:p="http://schemas.openxmlformats.org/presentationml/2006/main">
   <p:cSld>
     <p:spTree>
@@ -22581,7 +22754,7 @@
 </p:sld>
 </file>
 
-<file path=ppt/slides/slide14.xml><?xml version="1.0" encoding="utf-8"?>
+<file path=ppt/slides/slide15.xml><?xml version="1.0" encoding="utf-8"?>
 <p:sld xmlns:a="http://schemas.openxmlformats.org/drawingml/2006/main" xmlns:r="http://schemas.openxmlformats.org/officeDocument/2006/relationships" xmlns:p="http://schemas.openxmlformats.org/presentationml/2006/main">
   <p:cSld>
     <p:spTree>
@@ -22785,7 +22958,7 @@
 </p:sld>
 </file>
 
-<file path=ppt/slides/slide15.xml><?xml version="1.0" encoding="utf-8"?>
+<file path=ppt/slides/slide16.xml><?xml version="1.0" encoding="utf-8"?>
 <p:sld xmlns:a="http://schemas.openxmlformats.org/drawingml/2006/main" xmlns:r="http://schemas.openxmlformats.org/officeDocument/2006/relationships" xmlns:p="http://schemas.openxmlformats.org/presentationml/2006/main">
   <p:cSld>
     <p:spTree>
@@ -23017,7 +23190,7 @@
 </p:sld>
 </file>
 
-<file path=ppt/slides/slide16.xml><?xml version="1.0" encoding="utf-8"?>
+<file path=ppt/slides/slide17.xml><?xml version="1.0" encoding="utf-8"?>
 <p:sld xmlns:a="http://schemas.openxmlformats.org/drawingml/2006/main" xmlns:r="http://schemas.openxmlformats.org/officeDocument/2006/relationships" xmlns:p="http://schemas.openxmlformats.org/presentationml/2006/main">
   <p:cSld>
     <p:spTree>
@@ -23189,7 +23362,7 @@
 </p:sld>
 </file>
 
-<file path=ppt/slides/slide17.xml><?xml version="1.0" encoding="utf-8"?>
+<file path=ppt/slides/slide18.xml><?xml version="1.0" encoding="utf-8"?>
 <p:sld xmlns:a="http://schemas.openxmlformats.org/drawingml/2006/main" xmlns:r="http://schemas.openxmlformats.org/officeDocument/2006/relationships" xmlns:p="http://schemas.openxmlformats.org/presentationml/2006/main">
   <p:cSld>
     <p:spTree>
@@ -26725,23 +26898,6 @@
 </file>
 
 <file path=customXml/item1.xml><?xml version="1.0" encoding="utf-8"?>
-<?mso-contentType ?>
-<FormTemplates xmlns="http://schemas.microsoft.com/sharepoint/v3/contenttype/forms">
-  <Display>DocumentLibraryForm</Display>
-  <Edit>DocumentLibraryForm</Edit>
-  <New>DocumentLibraryForm</New>
-</FormTemplates>
-</file>
-
-<file path=customXml/item2.xml><?xml version="1.0" encoding="utf-8"?>
-<p:properties xmlns:p="http://schemas.microsoft.com/office/2006/metadata/properties" xmlns:xsi="http://www.w3.org/2001/XMLSchema-instance" xmlns:pc="http://schemas.microsoft.com/office/infopath/2007/PartnerControls">
-  <documentManagement>
-    <MediaServiceKeyPoints xmlns="71af3243-3dd4-4a8d-8c0d-dd76da1f02a5" xsi:nil="true"/>
-  </documentManagement>
-</p:properties>
-</file>
-
-<file path=customXml/item3.xml><?xml version="1.0" encoding="utf-8"?>
 <ct:contentTypeSchema xmlns:ct="http://schemas.microsoft.com/office/2006/metadata/contentType" xmlns:ma="http://schemas.microsoft.com/office/2006/metadata/properties/metaAttributes" ct:_="" ma:_="" ma:contentTypeName="Document" ma:contentTypeID="0x01010079F111ED35F8CC479449609E8A0923A6" ma:contentTypeVersion="11" ma:contentTypeDescription="Create a new document." ma:contentTypeScope="" ma:versionID="9677210f24a1be23c92c90fd886aa0aa">
   <xsd:schema xmlns:xsd="http://www.w3.org/2001/XMLSchema" xmlns:xs="http://www.w3.org/2001/XMLSchema" xmlns:p="http://schemas.microsoft.com/office/2006/metadata/properties" xmlns:ns2="71af3243-3dd4-4a8d-8c0d-dd76da1f02a5" xmlns:ns3="16c05727-aa75-4e4a-9b5f-8a80a1165891" targetNamespace="http://schemas.microsoft.com/office/2006/metadata/properties" ma:root="true" ma:fieldsID="60e05723c5c1908df1a1a4ebf11d344e" ns2:_="" ns3:_="">
     <xsd:import namespace="71af3243-3dd4-4a8d-8c0d-dd76da1f02a5"/>
@@ -26952,10 +27108,38 @@
 </ct:contentTypeSchema>
 </file>
 
+<file path=customXml/item2.xml><?xml version="1.0" encoding="utf-8"?>
+<p:properties xmlns:p="http://schemas.microsoft.com/office/2006/metadata/properties" xmlns:xsi="http://www.w3.org/2001/XMLSchema-instance" xmlns:pc="http://schemas.microsoft.com/office/infopath/2007/PartnerControls">
+  <documentManagement>
+    <MediaServiceKeyPoints xmlns="71af3243-3dd4-4a8d-8c0d-dd76da1f02a5" xsi:nil="true"/>
+  </documentManagement>
+</p:properties>
+</file>
+
+<file path=customXml/item3.xml><?xml version="1.0" encoding="utf-8"?>
+<?mso-contentType ?>
+<FormTemplates xmlns="http://schemas.microsoft.com/sharepoint/v3/contenttype/forms">
+  <Display>DocumentLibraryForm</Display>
+  <Edit>DocumentLibraryForm</Edit>
+  <New>DocumentLibraryForm</New>
+</FormTemplates>
+</file>
+
 <file path=customXml/itemProps1.xml><?xml version="1.0" encoding="utf-8"?>
-<ds:datastoreItem xmlns:ds="http://schemas.openxmlformats.org/officeDocument/2006/customXml" ds:itemID="{4F44C90D-2A62-4985-9618-3460247437B1}">
+<ds:datastoreItem xmlns:ds="http://schemas.openxmlformats.org/officeDocument/2006/customXml" ds:itemID="{B61EAB5F-88FC-4FAE-AE3C-037A3C365EB8}">
   <ds:schemaRefs>
-    <ds:schemaRef ds:uri="http://schemas.microsoft.com/sharepoint/v3/contenttype/forms"/>
+    <ds:schemaRef ds:uri="http://schemas.microsoft.com/office/2006/metadata/contentType"/>
+    <ds:schemaRef ds:uri="http://schemas.microsoft.com/office/2006/metadata/properties/metaAttributes"/>
+    <ds:schemaRef ds:uri="http://www.w3.org/2001/XMLSchema"/>
+    <ds:schemaRef ds:uri="http://schemas.microsoft.com/office/2006/metadata/properties"/>
+    <ds:schemaRef ds:uri="71af3243-3dd4-4a8d-8c0d-dd76da1f02a5"/>
+    <ds:schemaRef ds:uri="16c05727-aa75-4e4a-9b5f-8a80a1165891"/>
+    <ds:schemaRef ds:uri="http://schemas.microsoft.com/office/2006/documentManagement/types"/>
+    <ds:schemaRef ds:uri="http://schemas.microsoft.com/office/infopath/2007/PartnerControls"/>
+    <ds:schemaRef ds:uri="http://schemas.openxmlformats.org/package/2006/metadata/core-properties"/>
+    <ds:schemaRef ds:uri="http://purl.org/dc/elements/1.1/"/>
+    <ds:schemaRef ds:uri="http://purl.org/dc/terms/"/>
+    <ds:schemaRef ds:uri="http://schemas.microsoft.com/internal/obd"/>
   </ds:schemaRefs>
 </ds:datastoreItem>
 </file>
@@ -26978,20 +27162,9 @@
 </file>
 
 <file path=customXml/itemProps3.xml><?xml version="1.0" encoding="utf-8"?>
-<ds:datastoreItem xmlns:ds="http://schemas.openxmlformats.org/officeDocument/2006/customXml" ds:itemID="{B61EAB5F-88FC-4FAE-AE3C-037A3C365EB8}">
+<ds:datastoreItem xmlns:ds="http://schemas.openxmlformats.org/officeDocument/2006/customXml" ds:itemID="{4F44C90D-2A62-4985-9618-3460247437B1}">
   <ds:schemaRefs>
-    <ds:schemaRef ds:uri="http://schemas.microsoft.com/office/2006/metadata/contentType"/>
-    <ds:schemaRef ds:uri="http://schemas.microsoft.com/office/2006/metadata/properties/metaAttributes"/>
-    <ds:schemaRef ds:uri="http://www.w3.org/2001/XMLSchema"/>
-    <ds:schemaRef ds:uri="http://schemas.microsoft.com/office/2006/metadata/properties"/>
-    <ds:schemaRef ds:uri="71af3243-3dd4-4a8d-8c0d-dd76da1f02a5"/>
-    <ds:schemaRef ds:uri="16c05727-aa75-4e4a-9b5f-8a80a1165891"/>
-    <ds:schemaRef ds:uri="http://schemas.microsoft.com/office/2006/documentManagement/types"/>
-    <ds:schemaRef ds:uri="http://schemas.microsoft.com/office/infopath/2007/PartnerControls"/>
-    <ds:schemaRef ds:uri="http://schemas.openxmlformats.org/package/2006/metadata/core-properties"/>
-    <ds:schemaRef ds:uri="http://purl.org/dc/elements/1.1/"/>
-    <ds:schemaRef ds:uri="http://purl.org/dc/terms/"/>
-    <ds:schemaRef ds:uri="http://schemas.microsoft.com/internal/obd"/>
+    <ds:schemaRef ds:uri="http://schemas.microsoft.com/sharepoint/v3/contenttype/forms"/>
   </ds:schemaRefs>
 </ds:datastoreItem>
 </file>
--- a/Presentations/Ns-3_presentation_F.pptx
+++ b/Presentations/Ns-3_presentation_F.pptx
@@ -5,10 +5,10 @@
     <p:sldMasterId id="2147483648" r:id="rId4"/>
   </p:sldMasterIdLst>
   <p:notesMasterIdLst>
-    <p:notesMasterId r:id="rId23"/>
+    <p:notesMasterId r:id="rId24"/>
   </p:notesMasterIdLst>
   <p:handoutMasterIdLst>
-    <p:handoutMasterId r:id="rId24"/>
+    <p:handoutMasterId r:id="rId25"/>
   </p:handoutMasterIdLst>
   <p:sldIdLst>
     <p:sldId id="256" r:id="rId5"/>
@@ -25,10 +25,11 @@
     <p:sldId id="299" r:id="rId16"/>
     <p:sldId id="294" r:id="rId17"/>
     <p:sldId id="296" r:id="rId18"/>
-    <p:sldId id="297" r:id="rId19"/>
+    <p:sldId id="300" r:id="rId19"/>
     <p:sldId id="295" r:id="rId20"/>
-    <p:sldId id="288" r:id="rId21"/>
-    <p:sldId id="281" r:id="rId22"/>
+    <p:sldId id="301" r:id="rId21"/>
+    <p:sldId id="288" r:id="rId22"/>
+    <p:sldId id="281" r:id="rId23"/>
   </p:sldIdLst>
   <p:sldSz cx="12192000" cy="6858000"/>
   <p:notesSz cx="6858000" cy="9144000"/>
@@ -222,7 +223,7 @@
             <a:pPr rtl="0"/>
             <a:fld id="{F0EC7D35-77BB-4867-BAC6-5C40C37B98F1}" type="datetime1">
               <a:rPr lang="el-GR" smtClean="0"/>
-              <a:t>20/11/2025</a:t>
+              <a:t>21/11/2025</a:t>
             </a:fld>
             <a:endParaRPr lang="el-GR" dirty="0"/>
           </a:p>
@@ -392,7 +393,7 @@
             <a:pPr rtl="0"/>
             <a:fld id="{707ABAE7-72BE-4378-9C66-B300388DE536}" type="datetime1">
               <a:rPr lang="el-GR" noProof="0" smtClean="0"/>
-              <a:t>20/11/2025</a:t>
+              <a:t>21/11/2025</a:t>
             </a:fld>
             <a:endParaRPr lang="el-GR" noProof="0" dirty="0"/>
           </a:p>
@@ -9658,7 +9659,7 @@
             <a:pPr rtl="0"/>
             <a:fld id="{EABDBA74-E4DB-4313-95D3-B7F630EE7B7F}" type="datetime1">
               <a:rPr lang="el-GR" noProof="0" smtClean="0"/>
-              <a:t>20/11/2025</a:t>
+              <a:t>21/11/2025</a:t>
             </a:fld>
             <a:endParaRPr lang="el-GR" noProof="0" dirty="0"/>
           </a:p>
@@ -9867,7 +9868,7 @@
             <a:pPr rtl="0"/>
             <a:fld id="{D9C97E28-F60A-427B-851A-BCC048F06BC7}" type="datetime1">
               <a:rPr lang="el-GR" noProof="0" smtClean="0"/>
-              <a:t>20/11/2025</a:t>
+              <a:t>21/11/2025</a:t>
             </a:fld>
             <a:endParaRPr lang="el-GR" noProof="0" dirty="0"/>
           </a:p>
@@ -10049,7 +10050,7 @@
             <a:pPr rtl="0"/>
             <a:fld id="{4EA33EDB-81C3-4DAA-87EA-DA21D6A7FC6C}" type="datetime1">
               <a:rPr lang="el-GR" noProof="0" smtClean="0"/>
-              <a:t>20/11/2025</a:t>
+              <a:t>21/11/2025</a:t>
             </a:fld>
             <a:endParaRPr lang="el-GR" noProof="0" dirty="0"/>
           </a:p>
@@ -10256,7 +10257,7 @@
             <a:pPr rtl="0"/>
             <a:fld id="{0FE5ACA5-56F5-4208-8101-108DA68822C6}" type="datetime1">
               <a:rPr lang="el-GR" noProof="0" smtClean="0"/>
-              <a:t>20/11/2025</a:t>
+              <a:t>21/11/2025</a:t>
             </a:fld>
             <a:endParaRPr lang="el-GR" noProof="0" dirty="0"/>
           </a:p>
@@ -19170,7 +19171,7 @@
             <a:pPr rtl="0"/>
             <a:fld id="{98AAE694-814A-4F58-A8E2-AA9B6575E0B5}" type="datetime1">
               <a:rPr lang="el-GR" noProof="0" smtClean="0"/>
-              <a:t>20/11/2025</a:t>
+              <a:t>21/11/2025</a:t>
             </a:fld>
             <a:endParaRPr lang="el-GR" noProof="0" dirty="0"/>
           </a:p>
@@ -19446,7 +19447,7 @@
             <a:pPr rtl="0"/>
             <a:fld id="{98B30D4A-F623-45A5-BE49-543B4B609AF2}" type="datetime1">
               <a:rPr lang="el-GR" noProof="0" smtClean="0"/>
-              <a:t>20/11/2025</a:t>
+              <a:t>21/11/2025</a:t>
             </a:fld>
             <a:endParaRPr lang="el-GR" noProof="0" dirty="0"/>
           </a:p>
@@ -19846,7 +19847,7 @@
             <a:pPr rtl="0"/>
             <a:fld id="{06412F62-D18F-463A-9A7E-E4809AAD76E4}" type="datetime1">
               <a:rPr lang="el-GR" noProof="0" smtClean="0"/>
-              <a:t>20/11/2025</a:t>
+              <a:t>21/11/2025</a:t>
             </a:fld>
             <a:endParaRPr lang="el-GR" noProof="0" dirty="0"/>
           </a:p>
@@ -19966,7 +19967,7 @@
             <a:pPr rtl="0"/>
             <a:fld id="{D2009D47-CF8A-48CB-81B8-5988DBFADA28}" type="datetime1">
               <a:rPr lang="el-GR" noProof="0" smtClean="0"/>
-              <a:t>20/11/2025</a:t>
+              <a:t>21/11/2025</a:t>
             </a:fld>
             <a:endParaRPr lang="el-GR" noProof="0" dirty="0"/>
           </a:p>
@@ -20062,7 +20063,7 @@
             <a:pPr rtl="0"/>
             <a:fld id="{89B075A6-4B0E-489A-92E5-C2C81D969D11}" type="datetime1">
               <a:rPr lang="el-GR" noProof="0" smtClean="0"/>
-              <a:t>20/11/2025</a:t>
+              <a:t>21/11/2025</a:t>
             </a:fld>
             <a:endParaRPr lang="el-GR" noProof="0" dirty="0"/>
           </a:p>
@@ -20354,7 +20355,7 @@
             <a:pPr rtl="0"/>
             <a:fld id="{7C290451-C354-46E0-BBD8-0317D7A1384C}" type="datetime1">
               <a:rPr lang="el-GR" noProof="0" smtClean="0"/>
-              <a:t>20/11/2025</a:t>
+              <a:t>21/11/2025</a:t>
             </a:fld>
             <a:endParaRPr lang="el-GR" noProof="0" dirty="0"/>
           </a:p>
@@ -20636,7 +20637,7 @@
             <a:pPr rtl="0"/>
             <a:fld id="{05DAA40D-D363-46A0-9276-B6A4797DC9A5}" type="datetime1">
               <a:rPr lang="el-GR" noProof="0" smtClean="0"/>
-              <a:t>20/11/2025</a:t>
+              <a:t>21/11/2025</a:t>
             </a:fld>
             <a:endParaRPr lang="el-GR" noProof="0" dirty="0"/>
           </a:p>
@@ -20885,7 +20886,7 @@
           <a:p>
             <a:fld id="{F98FDC76-A1F5-4EE8-BDE3-5EFC56AAE7AD}" type="datetime1">
               <a:rPr lang="el-GR" noProof="0" smtClean="0"/>
-              <a:t>20/11/2025</a:t>
+              <a:t>21/11/2025</a:t>
             </a:fld>
             <a:endParaRPr lang="el-GR" noProof="0" dirty="0"/>
           </a:p>
@@ -22100,20 +22101,60 @@
           <a:p>
             <a:r>
               <a:rPr lang="el-GR" b="1" dirty="0" err="1"/>
-              <a:t>Αποτελεσματα</a:t>
+              <a:t>Βαλε</a:t>
             </a:r>
             <a:r>
               <a:rPr lang="el-GR" b="1" dirty="0"/>
-              <a:t> του </a:t>
+              <a:t> την </a:t>
             </a:r>
             <a:r>
               <a:rPr lang="el-GR" b="1" dirty="0" err="1"/>
-              <a:t>ερωτηματοσ</a:t>
+              <a:t>περιπτωση</a:t>
             </a:r>
             <a:r>
               <a:rPr lang="el-GR" b="1" dirty="0"/>
-              <a:t> 2 (2)</a:t>
-            </a:r>
+              <a:t> που </a:t>
+            </a:r>
+            <a:r>
+              <a:rPr lang="el-GR" b="1" dirty="0" err="1"/>
+              <a:t>ετρεξεσ</a:t>
+            </a:r>
+            <a:r>
+              <a:rPr lang="el-GR" b="1" dirty="0"/>
+              <a:t>!</a:t>
+            </a:r>
+            <a:br>
+              <a:rPr lang="el-GR" b="1" dirty="0"/>
+            </a:br>
+            <a:r>
+              <a:rPr lang="el-GR" b="1" dirty="0" err="1"/>
+              <a:t>Αλλα</a:t>
+            </a:r>
+            <a:r>
+              <a:rPr lang="el-GR" b="1" dirty="0"/>
+              <a:t> είναι </a:t>
+            </a:r>
+            <a:r>
+              <a:rPr lang="el-GR" b="1" dirty="0" err="1"/>
+              <a:t>κομπλε</a:t>
+            </a:r>
+            <a:r>
+              <a:rPr lang="el-GR" b="1" dirty="0"/>
+              <a:t> </a:t>
+            </a:r>
+            <a:r>
+              <a:rPr lang="el-GR" b="1" dirty="0" err="1"/>
+              <a:t>ΜΠΡαβο</a:t>
+            </a:r>
+            <a:r>
+              <a:rPr lang="el-GR" b="1" dirty="0"/>
+              <a:t>!!! </a:t>
+            </a:r>
+            <a:r>
+              <a:rPr lang="el-GR" b="1" dirty="0" err="1"/>
+              <a:t>χαχα</a:t>
+            </a:r>
+            <a:endParaRPr lang="el-GR" b="1" dirty="0"/>
           </a:p>
         </p:txBody>
       </p:sp>
@@ -22139,8 +22180,8 @@
         </p:blipFill>
         <p:spPr>
           <a:xfrm>
-            <a:off x="5820490" y="2462783"/>
-            <a:ext cx="3609975" cy="3648075"/>
+            <a:off x="6742345" y="2300856"/>
+            <a:ext cx="3770208" cy="3971925"/>
           </a:xfrm>
           <a:prstGeom prst="rect">
             <a:avLst/>
@@ -22169,8 +22210,8 @@
         </p:blipFill>
         <p:spPr>
           <a:xfrm>
-            <a:off x="1825466" y="2300857"/>
-            <a:ext cx="3124200" cy="3971925"/>
+            <a:off x="1258993" y="2300855"/>
+            <a:ext cx="3770208" cy="3971925"/>
           </a:xfrm>
           <a:prstGeom prst="rect">
             <a:avLst/>
@@ -22237,20 +22278,8 @@
           <a:lstStyle/>
           <a:p>
             <a:r>
-              <a:rPr lang="el-GR" b="1" dirty="0" err="1"/>
-              <a:t>Αποτελεσματα</a:t>
-            </a:r>
-            <a:r>
               <a:rPr lang="el-GR" b="1" dirty="0"/>
-              <a:t> του </a:t>
-            </a:r>
-            <a:r>
-              <a:rPr lang="el-GR" b="1" dirty="0" err="1"/>
-              <a:t>ερωτηματοσ</a:t>
-            </a:r>
-            <a:r>
-              <a:rPr lang="el-GR" b="1" dirty="0"/>
-              <a:t> 2 (3)</a:t>
+              <a:t>Αποτελεσματα του ερωτηματοσ 2 (3)</a:t>
             </a:r>
           </a:p>
         </p:txBody>
@@ -22289,31 +22318,7 @@
             </a:pPr>
             <a:r>
               <a:rPr lang="el-GR" dirty="0"/>
-              <a:t>Παρατηρήσαμε πως η απόδοση του δικτύου εξαρτάται από τον ρυθμό αποστολής και το μέγεθος της ουράς. Όταν το </a:t>
-            </a:r>
-            <a:r>
-              <a:rPr lang="el-GR" dirty="0" err="1"/>
-              <a:t>interval</a:t>
-            </a:r>
-            <a:r>
-              <a:rPr lang="el-GR" dirty="0"/>
-              <a:t> είναι μικρό, το δίκτυο υπερφορτώνεται με αυξημένες απώλειες και καθυστέρηση, ενώ με μεγαλύτερο </a:t>
-            </a:r>
-            <a:r>
-              <a:rPr lang="el-GR" dirty="0" err="1"/>
-              <a:t>interval</a:t>
-            </a:r>
-            <a:r>
-              <a:rPr lang="el-GR" dirty="0"/>
-              <a:t> επιτυγχάνεται σταθερή ροή, υψηλό PDR και χαμηλό </a:t>
-            </a:r>
-            <a:r>
-              <a:rPr lang="el-GR" dirty="0" err="1"/>
-              <a:t>delay</a:t>
-            </a:r>
-            <a:r>
-              <a:rPr lang="el-GR" dirty="0"/>
-              <a:t>.</a:t>
+              <a:t>Παρατηρήσαμε πως η απόδοση του δικτύου εξαρτάται από τον ρυθμό αποστολής και το μέγεθος της ουράς. Όταν το interval είναι μικρό, το δίκτυο υπερφορτώνεται με αυξημένες απώλειες και καθυστέρηση, ενώ με μεγαλύτερο interval επιτυγχάνεται σταθερή ροή, υψηλό PDR και χαμηλό delay.</a:t>
             </a:r>
           </a:p>
           <a:p>
@@ -22323,23 +22328,7 @@
             </a:pPr>
             <a:r>
               <a:rPr lang="el-GR" dirty="0"/>
-              <a:t> Η μεγάλη ουρά μειώνει τις απώλειες αλλά αυξάνει το </a:t>
-            </a:r>
-            <a:r>
-              <a:rPr lang="el-GR" dirty="0" err="1"/>
-              <a:t>delay</a:t>
-            </a:r>
-            <a:r>
-              <a:rPr lang="el-GR" dirty="0"/>
-              <a:t> ενώ η  μικρή ουρά (π.χ. 5 πακέτα) μειώνει το </a:t>
-            </a:r>
-            <a:r>
-              <a:rPr lang="el-GR" dirty="0" err="1"/>
-              <a:t>delay</a:t>
-            </a:r>
-            <a:r>
-              <a:rPr lang="el-GR" dirty="0"/>
-              <a:t>, αλλά οδηγεί σε περισσότερες απώλειες σε συνθήκες συμφόρησης.</a:t>
+              <a:t> Η μεγάλη ουρά μειώνει τις απώλειες αλλά αυξάνει το delay ενώ η  μικρή ουρά (π.χ. 5 πακέτα) μειώνει το delay, αλλά οδηγεί σε περισσότερες απώλειες σε συνθήκες συμφόρησης.</a:t>
             </a:r>
           </a:p>
           <a:p>
@@ -22349,15 +22338,15 @@
             </a:pPr>
             <a:r>
               <a:rPr lang="el-GR" dirty="0"/>
-              <a:t>Συνολικά, το OLSR αποδεικνύεται ένα αξιόπιστο πρωτόκολλο </a:t>
-            </a:r>
-            <a:r>
-              <a:rPr lang="el-GR" dirty="0" err="1"/>
-              <a:t>δρομολόγησης,το</a:t>
+              <a:t>Συνολικά, το OLSR αποδεικνύεται ένα αξιόπιστο πρωτόκολλο δρομολόγησης</a:t>
+            </a:r>
+            <a:r>
+              <a:rPr lang="en-US" dirty="0"/>
+              <a:t> </a:t>
             </a:r>
             <a:r>
               <a:rPr lang="el-GR" dirty="0"/>
-              <a:t> οποίο επαναφέρει γρήγορα τη συνδεσιμότητα, αποδεικνύοντας την αξιοπιστία του.</a:t>
+              <a:t>,το οποίο επαναφέρει γρήγορα τη συνδεσιμότητα, αποδεικνύοντας την αξιοπιστία του.</a:t>
             </a:r>
           </a:p>
         </p:txBody>
@@ -22429,7 +22418,7 @@
           <a:p>
             <a:r>
               <a:rPr lang="el-GR" b="1" dirty="0"/>
-              <a:t>ΑΠΟΤΕΛΕΣΜΑΤΑ ΤΟΥ ΕΡΩΤΗΜΑΤΟΣ 2(4)</a:t>
+              <a:t>Συνεχεια του πειραματος</a:t>
             </a:r>
             <a:endParaRPr lang="el-GR" dirty="0"/>
           </a:p>
@@ -22604,77 +22593,14 @@
           <a:lstStyle/>
           <a:p>
             <a:r>
-              <a:rPr lang="el-GR" b="1"/>
-              <a:t>ΑΠΟΤΕΛΕΣΜΑΤΑ ΤΟΥ ΕΡΩΤΗΜΑΤΟΣ 2(</a:t>
-            </a:r>
-            <a:r>
-              <a:rPr lang="en-US" b="1"/>
-              <a:t>3</a:t>
-            </a:r>
-            <a:r>
-              <a:rPr lang="el-GR" b="1"/>
-              <a:t>)</a:t>
+              <a:rPr lang="el-GR" b="1" dirty="0"/>
+              <a:t>Χρηση </a:t>
+            </a:r>
+            <a:r>
+              <a:rPr lang="en-US" b="1" dirty="0"/>
+              <a:t>OLSR protocol</a:t>
             </a:r>
             <a:endParaRPr lang="el-GR" dirty="0"/>
-          </a:p>
-        </p:txBody>
-      </p:sp>
-      <p:sp>
-        <p:nvSpPr>
-          <p:cNvPr id="7" name="TextBox 6">
-            <a:extLst>
-              <a:ext uri="{FF2B5EF4-FFF2-40B4-BE49-F238E27FC236}">
-                <a16:creationId xmlns:a16="http://schemas.microsoft.com/office/drawing/2014/main" id="{448F07E5-1358-7F75-A65F-7BBD09729022}"/>
-              </a:ext>
-            </a:extLst>
-          </p:cNvPr>
-          <p:cNvSpPr txBox="1"/>
-          <p:nvPr/>
-        </p:nvSpPr>
-        <p:spPr>
-          <a:xfrm>
-            <a:off x="9092009" y="2828835"/>
-            <a:ext cx="3002226" cy="1477328"/>
-          </a:xfrm>
-          <a:prstGeom prst="rect">
-            <a:avLst/>
-          </a:prstGeom>
-          <a:noFill/>
-        </p:spPr>
-        <p:txBody>
-          <a:bodyPr wrap="square" rtlCol="0">
-            <a:spAutoFit/>
-          </a:bodyPr>
-          <a:lstStyle/>
-          <a:p>
-            <a:r>
-              <a:rPr lang="el-GR" dirty="0"/>
-              <a:t>Χρήση του </a:t>
-            </a:r>
-            <a:r>
-              <a:rPr lang="en-US" dirty="0"/>
-              <a:t>OLSR </a:t>
-            </a:r>
-            <a:r>
-              <a:rPr lang="el-GR" dirty="0"/>
-              <a:t>πρωτοκόλλου </a:t>
-            </a:r>
-            <a:r>
-              <a:rPr lang="en-US" dirty="0"/>
-              <a:t>Warm-up phase VS </a:t>
-            </a:r>
-            <a:r>
-              <a:rPr lang="el-GR" dirty="0"/>
-              <a:t>Μη-χρήση </a:t>
-            </a:r>
-            <a:r>
-              <a:rPr lang="en-US" dirty="0"/>
-              <a:t>Warm-up phase.</a:t>
-            </a:r>
-            <a:br>
-              <a:rPr lang="el-GR" dirty="0"/>
-            </a:br>
-            <a:endParaRPr lang="en-GB" dirty="0"/>
           </a:p>
         </p:txBody>
       </p:sp>
@@ -22700,7 +22626,7 @@
         </p:blipFill>
         <p:spPr>
           <a:xfrm>
-            <a:off x="355716" y="2240958"/>
+            <a:off x="868900" y="2200203"/>
             <a:ext cx="4193399" cy="4519100"/>
           </a:xfrm>
           <a:prstGeom prst="rect">
@@ -22730,7 +22656,7 @@
         </p:blipFill>
         <p:spPr>
           <a:xfrm>
-            <a:off x="4723862" y="2235869"/>
+            <a:off x="7597693" y="2195114"/>
             <a:ext cx="4193399" cy="4524189"/>
           </a:xfrm>
           <a:prstGeom prst="rect">
@@ -22738,6 +22664,78 @@
           </a:prstGeom>
         </p:spPr>
       </p:pic>
+      <p:sp>
+        <p:nvSpPr>
+          <p:cNvPr id="3" name="TextBox 2">
+            <a:extLst>
+              <a:ext uri="{FF2B5EF4-FFF2-40B4-BE49-F238E27FC236}">
+                <a16:creationId xmlns:a16="http://schemas.microsoft.com/office/drawing/2014/main" id="{024471DD-EB18-A725-9D41-B640C6B4DF5E}"/>
+              </a:ext>
+            </a:extLst>
+          </p:cNvPr>
+          <p:cNvSpPr txBox="1"/>
+          <p:nvPr/>
+        </p:nvSpPr>
+        <p:spPr>
+          <a:xfrm>
+            <a:off x="1847472" y="1825782"/>
+            <a:ext cx="2236253" cy="369332"/>
+          </a:xfrm>
+          <a:prstGeom prst="rect">
+            <a:avLst/>
+          </a:prstGeom>
+          <a:noFill/>
+        </p:spPr>
+        <p:txBody>
+          <a:bodyPr wrap="none" rtlCol="0">
+            <a:spAutoFit/>
+          </a:bodyPr>
+          <a:lstStyle/>
+          <a:p>
+            <a:r>
+              <a:rPr lang="en-US" dirty="0"/>
+              <a:t>Using Warm-up phase</a:t>
+            </a:r>
+            <a:endParaRPr lang="en-GB" dirty="0"/>
+          </a:p>
+        </p:txBody>
+      </p:sp>
+      <p:sp>
+        <p:nvSpPr>
+          <p:cNvPr id="5" name="TextBox 4">
+            <a:extLst>
+              <a:ext uri="{FF2B5EF4-FFF2-40B4-BE49-F238E27FC236}">
+                <a16:creationId xmlns:a16="http://schemas.microsoft.com/office/drawing/2014/main" id="{FCB83E4A-9EBA-B6E1-A510-39A03A9E97A8}"/>
+              </a:ext>
+            </a:extLst>
+          </p:cNvPr>
+          <p:cNvSpPr txBox="1"/>
+          <p:nvPr/>
+        </p:nvSpPr>
+        <p:spPr>
+          <a:xfrm>
+            <a:off x="8378294" y="1826043"/>
+            <a:ext cx="2632195" cy="369332"/>
+          </a:xfrm>
+          <a:prstGeom prst="rect">
+            <a:avLst/>
+          </a:prstGeom>
+          <a:noFill/>
+        </p:spPr>
+        <p:txBody>
+          <a:bodyPr wrap="none" rtlCol="0">
+            <a:spAutoFit/>
+          </a:bodyPr>
+          <a:lstStyle/>
+          <a:p>
+            <a:r>
+              <a:rPr lang="en-US" dirty="0"/>
+              <a:t>Not Using Warm-up phase</a:t>
+            </a:r>
+            <a:endParaRPr lang="en-GB" dirty="0"/>
+          </a:p>
+        </p:txBody>
+      </p:sp>
     </p:spTree>
     <p:extLst>
       <p:ext uri="{BB962C8B-B14F-4D97-AF65-F5344CB8AC3E}">
@@ -22762,7 +22760,7 @@
         <p:cNvPr id="1" name="">
           <a:extLst>
             <a:ext uri="{FF2B5EF4-FFF2-40B4-BE49-F238E27FC236}">
-              <a16:creationId xmlns:a16="http://schemas.microsoft.com/office/drawing/2014/main" id="{9836CF11-1CC3-9F42-7E4F-1B249347EBA5}"/>
+              <a16:creationId xmlns:a16="http://schemas.microsoft.com/office/drawing/2014/main" id="{BFD51168-20B0-D145-C392-3104CBD19B26}"/>
             </a:ext>
           </a:extLst>
         </p:cNvPr>
@@ -22782,7 +22780,7 @@
           <p:cNvPr id="2" name="Τίτλος 1">
             <a:extLst>
               <a:ext uri="{FF2B5EF4-FFF2-40B4-BE49-F238E27FC236}">
-                <a16:creationId xmlns:a16="http://schemas.microsoft.com/office/drawing/2014/main" id="{CEECF2A2-9FE0-35EA-582E-D48A0B1CCA28}"/>
+                <a16:creationId xmlns:a16="http://schemas.microsoft.com/office/drawing/2014/main" id="{9F515014-C1BF-0928-DD44-13FE4F1E3CDD}"/>
               </a:ext>
             </a:extLst>
           </p:cNvPr>
@@ -22804,16 +22802,12 @@
           <a:lstStyle/>
           <a:p>
             <a:r>
-              <a:rPr lang="el-GR" b="1"/>
-              <a:t>ΑΠΟΤΕΛΕΣΜΑΤΑ ΤΟΥ ΕΡΩΤΗΜΑΤΟΣ 2(</a:t>
-            </a:r>
-            <a:r>
-              <a:rPr lang="en-US" b="1"/>
-              <a:t>3</a:t>
-            </a:r>
-            <a:r>
-              <a:rPr lang="el-GR" b="1"/>
-              <a:t>)</a:t>
+              <a:rPr lang="el-GR" b="1" dirty="0"/>
+              <a:t>Χρηση </a:t>
+            </a:r>
+            <a:r>
+              <a:rPr lang="en-US" b="1" dirty="0"/>
+              <a:t>AODVN protocol</a:t>
             </a:r>
             <a:endParaRPr lang="el-GR" dirty="0"/>
           </a:p>
@@ -22821,10 +22815,10 @@
       </p:sp>
       <p:sp>
         <p:nvSpPr>
-          <p:cNvPr id="7" name="TextBox 6">
+          <p:cNvPr id="3" name="TextBox 2">
             <a:extLst>
               <a:ext uri="{FF2B5EF4-FFF2-40B4-BE49-F238E27FC236}">
-                <a16:creationId xmlns:a16="http://schemas.microsoft.com/office/drawing/2014/main" id="{1110C20F-846E-940F-1476-0DC231C29BC4}"/>
+                <a16:creationId xmlns:a16="http://schemas.microsoft.com/office/drawing/2014/main" id="{2FEE4BFB-1910-1418-79CA-18CA309ADCD9}"/>
               </a:ext>
             </a:extLst>
           </p:cNvPr>
@@ -22833,8 +22827,8 @@
         </p:nvSpPr>
         <p:spPr>
           <a:xfrm>
-            <a:off x="9092009" y="2828835"/>
-            <a:ext cx="3099992" cy="1200329"/>
+            <a:off x="1847472" y="1825782"/>
+            <a:ext cx="2236253" cy="369332"/>
           </a:xfrm>
           <a:prstGeom prst="rect">
             <a:avLst/>
@@ -22842,48 +22836,25 @@
           <a:noFill/>
         </p:spPr>
         <p:txBody>
-          <a:bodyPr wrap="square" rtlCol="0">
+          <a:bodyPr wrap="none" rtlCol="0">
             <a:spAutoFit/>
           </a:bodyPr>
           <a:lstStyle/>
           <a:p>
             <a:r>
-              <a:rPr lang="el-GR" dirty="0"/>
-              <a:t>Χρήση του </a:t>
-            </a:r>
-            <a:r>
-              <a:rPr lang="en-US" altLang="el-GR" dirty="0"/>
-              <a:t>AODVN </a:t>
-            </a:r>
-            <a:r>
-              <a:rPr lang="el-GR" dirty="0"/>
-              <a:t>πρωτοκόλλου</a:t>
-            </a:r>
-            <a:r>
               <a:rPr lang="en-US" dirty="0"/>
-              <a:t> Warm-up phase VS </a:t>
-            </a:r>
-            <a:r>
-              <a:rPr lang="el-GR" dirty="0"/>
-              <a:t>Μη-χρήση </a:t>
-            </a:r>
-            <a:r>
-              <a:rPr lang="en-US" dirty="0"/>
-              <a:t>Warm-up phase.</a:t>
-            </a:r>
-            <a:br>
-              <a:rPr lang="el-GR" dirty="0"/>
-            </a:br>
+              <a:t>Using Warm-up phase</a:t>
+            </a:r>
             <a:endParaRPr lang="en-GB" dirty="0"/>
           </a:p>
         </p:txBody>
       </p:sp>
       <p:sp>
         <p:nvSpPr>
-          <p:cNvPr id="8" name="TextBox 7">
+          <p:cNvPr id="5" name="TextBox 4">
             <a:extLst>
               <a:ext uri="{FF2B5EF4-FFF2-40B4-BE49-F238E27FC236}">
-                <a16:creationId xmlns:a16="http://schemas.microsoft.com/office/drawing/2014/main" id="{C8053565-1D0F-6815-AC59-260B29A53F9A}"/>
+                <a16:creationId xmlns:a16="http://schemas.microsoft.com/office/drawing/2014/main" id="{2F820ED7-7C68-9240-B9D1-938FEF683314}"/>
               </a:ext>
             </a:extLst>
           </p:cNvPr>
@@ -22892,8 +22863,8 @@
         </p:nvSpPr>
         <p:spPr>
           <a:xfrm>
-            <a:off x="2179608" y="2700068"/>
-            <a:ext cx="4894052" cy="369332"/>
+            <a:off x="8378294" y="1826043"/>
+            <a:ext cx="2632195" cy="369332"/>
           </a:xfrm>
           <a:prstGeom prst="rect">
             <a:avLst/>
@@ -22901,51 +22872,117 @@
           <a:noFill/>
         </p:spPr>
         <p:txBody>
-          <a:bodyPr wrap="square" rtlCol="0">
+          <a:bodyPr wrap="none" rtlCol="0">
             <a:spAutoFit/>
           </a:bodyPr>
           <a:lstStyle/>
           <a:p>
             <a:r>
-              <a:rPr lang="en-US" b="1" dirty="0"/>
-              <a:t>2 </a:t>
-            </a:r>
-            <a:r>
-              <a:rPr lang="en-US" b="1" dirty="0" err="1"/>
-              <a:t>periptwseis</a:t>
-            </a:r>
-            <a:r>
-              <a:rPr lang="en-US" b="1" dirty="0"/>
-              <a:t> </a:t>
-            </a:r>
-            <a:r>
-              <a:rPr lang="en-US" b="1" dirty="0" err="1"/>
-              <a:t>xrhshs</a:t>
-            </a:r>
-            <a:r>
-              <a:rPr lang="en-US" b="1" dirty="0"/>
-              <a:t> </a:t>
-            </a:r>
-            <a:r>
-              <a:rPr lang="en-US" b="1" dirty="0" err="1"/>
-              <a:t>gia</a:t>
-            </a:r>
-            <a:r>
-              <a:rPr lang="en-US" b="1" dirty="0"/>
-              <a:t> to </a:t>
-            </a:r>
-            <a:r>
-              <a:rPr lang="en-US" altLang="el-GR" b="1" dirty="0"/>
-              <a:t>AODVN!</a:t>
-            </a:r>
-            <a:endParaRPr lang="en-US" b="1" dirty="0"/>
+              <a:rPr lang="en-US" dirty="0"/>
+              <a:t>Not Using Warm-up phase</a:t>
+            </a:r>
+            <a:endParaRPr lang="en-GB" dirty="0"/>
           </a:p>
         </p:txBody>
       </p:sp>
+      <p:pic>
+        <p:nvPicPr>
+          <p:cNvPr id="2050" name="Picture 2">
+            <a:extLst>
+              <a:ext uri="{FF2B5EF4-FFF2-40B4-BE49-F238E27FC236}">
+                <a16:creationId xmlns:a16="http://schemas.microsoft.com/office/drawing/2014/main" id="{14912532-71D2-D068-A8BE-CF5E3434FB32}"/>
+              </a:ext>
+            </a:extLst>
+          </p:cNvPr>
+          <p:cNvPicPr>
+            <a:picLocks noChangeAspect="1" noChangeArrowheads="1"/>
+          </p:cNvPicPr>
+          <p:nvPr/>
+        </p:nvPicPr>
+        <p:blipFill>
+          <a:blip r:embed="rId2">
+            <a:extLst>
+              <a:ext uri="{28A0092B-C50C-407E-A947-70E740481C1C}">
+                <a14:useLocalDpi xmlns:a14="http://schemas.microsoft.com/office/drawing/2010/main" val="0"/>
+              </a:ext>
+            </a:extLst>
+          </a:blip>
+          <a:srcRect/>
+          <a:stretch>
+            <a:fillRect/>
+          </a:stretch>
+        </p:blipFill>
+        <p:spPr bwMode="auto">
+          <a:xfrm>
+            <a:off x="7523209" y="2282387"/>
+            <a:ext cx="4342363" cy="4407662"/>
+          </a:xfrm>
+          <a:prstGeom prst="rect">
+            <a:avLst/>
+          </a:prstGeom>
+          <a:noFill/>
+          <a:extLst>
+            <a:ext uri="{909E8E84-426E-40DD-AFC4-6F175D3DCCD1}">
+              <a14:hiddenFill xmlns:a14="http://schemas.microsoft.com/office/drawing/2010/main">
+                <a:solidFill>
+                  <a:srgbClr val="FFFFFF"/>
+                </a:solidFill>
+              </a14:hiddenFill>
+            </a:ext>
+          </a:extLst>
+        </p:spPr>
+      </p:pic>
+      <p:pic>
+        <p:nvPicPr>
+          <p:cNvPr id="2052" name="Picture 4">
+            <a:extLst>
+              <a:ext uri="{FF2B5EF4-FFF2-40B4-BE49-F238E27FC236}">
+                <a16:creationId xmlns:a16="http://schemas.microsoft.com/office/drawing/2014/main" id="{E0509D98-DE82-B9FF-7926-C3F98D81852F}"/>
+              </a:ext>
+            </a:extLst>
+          </p:cNvPr>
+          <p:cNvPicPr>
+            <a:picLocks noChangeAspect="1" noChangeArrowheads="1"/>
+          </p:cNvPicPr>
+          <p:nvPr/>
+        </p:nvPicPr>
+        <p:blipFill>
+          <a:blip r:embed="rId3">
+            <a:extLst>
+              <a:ext uri="{28A0092B-C50C-407E-A947-70E740481C1C}">
+                <a14:useLocalDpi xmlns:a14="http://schemas.microsoft.com/office/drawing/2010/main" val="0"/>
+              </a:ext>
+            </a:extLst>
+          </a:blip>
+          <a:srcRect/>
+          <a:stretch>
+            <a:fillRect/>
+          </a:stretch>
+        </p:blipFill>
+        <p:spPr bwMode="auto">
+          <a:xfrm>
+            <a:off x="817940" y="2195114"/>
+            <a:ext cx="4342363" cy="4445263"/>
+          </a:xfrm>
+          <a:prstGeom prst="rect">
+            <a:avLst/>
+          </a:prstGeom>
+          <a:noFill/>
+          <a:extLst>
+            <a:ext uri="{909E8E84-426E-40DD-AFC4-6F175D3DCCD1}">
+              <a14:hiddenFill xmlns:a14="http://schemas.microsoft.com/office/drawing/2010/main">
+                <a:solidFill>
+                  <a:srgbClr val="FFFFFF"/>
+                </a:solidFill>
+              </a14:hiddenFill>
+            </a:ext>
+          </a:extLst>
+        </p:spPr>
+      </p:pic>
     </p:spTree>
     <p:extLst>
       <p:ext uri="{BB962C8B-B14F-4D97-AF65-F5344CB8AC3E}">
-        <p14:creationId xmlns:p14="http://schemas.microsoft.com/office/powerpoint/2010/main" val="2761849159"/>
+        <p14:creationId xmlns:p14="http://schemas.microsoft.com/office/powerpoint/2010/main" val="3282084469"/>
       </p:ext>
     </p:extLst>
   </p:cSld>
@@ -23009,15 +23046,11 @@
           <a:p>
             <a:r>
               <a:rPr lang="el-GR" b="1" dirty="0"/>
-              <a:t>ΑΠΟΤΕΛΕΣΜΑΤΑ ΤΟΥ ΕΡΩΤΗΜΑΤΟΣ 2(</a:t>
+              <a:t>Χειρισμος των </a:t>
             </a:r>
             <a:r>
               <a:rPr lang="en-US" b="1" dirty="0"/>
-              <a:t>4</a:t>
-            </a:r>
-            <a:r>
-              <a:rPr lang="el-GR" b="1" dirty="0"/>
-              <a:t>)</a:t>
+              <a:t>link-failures</a:t>
             </a:r>
             <a:endParaRPr lang="el-GR" dirty="0"/>
           </a:p>
@@ -23037,8 +23070,8 @@
         </p:nvSpPr>
         <p:spPr>
           <a:xfrm>
-            <a:off x="9204609" y="2015312"/>
-            <a:ext cx="3415782" cy="3139321"/>
+            <a:off x="8988117" y="2015312"/>
+            <a:ext cx="3384276" cy="4801314"/>
           </a:xfrm>
           <a:prstGeom prst="rect">
             <a:avLst/>
@@ -23053,60 +23086,93 @@
           <a:p>
             <a:r>
               <a:rPr lang="el-GR" dirty="0"/>
-              <a:t>Περίπτωση όπου:</a:t>
+              <a:t>(</a:t>
+            </a:r>
+            <a:r>
+              <a:rPr lang="el-GR" b="1" dirty="0">
+                <a:solidFill>
+                  <a:srgbClr val="FF0000"/>
+                </a:solidFill>
+              </a:rPr>
+              <a:t>μπορεί και να μην τα βάλω</a:t>
+            </a:r>
+            <a:r>
+              <a:rPr lang="el-GR" dirty="0"/>
+              <a:t>)Αριστερά-&gt; </a:t>
+            </a:r>
+            <a:r>
+              <a:rPr lang="en-GB" dirty="0"/>
+              <a:t>./ns3 run scratch/five-node-topology --\ --delay=1ms \ --</a:t>
+            </a:r>
+            <a:r>
+              <a:rPr lang="en-GB" dirty="0" err="1"/>
+              <a:t>failDownAt</a:t>
+            </a:r>
+            <a:r>
+              <a:rPr lang="en-GB" dirty="0"/>
+              <a:t>=5.0 </a:t>
             </a:r>
             <a:br>
               <a:rPr lang="el-GR" dirty="0"/>
             </a:br>
-            <a:endParaRPr lang="en-GB" dirty="0"/>
-          </a:p>
-          <a:p>
-            <a:r>
-              <a:rPr lang="el-GR" dirty="0"/>
-              <a:t>Χειρισμός αποτυχίας σύνδεσης. </a:t>
+            <a:r>
+              <a:rPr lang="en-GB" dirty="0"/>
+              <a:t>\ --</a:t>
+            </a:r>
+            <a:r>
+              <a:rPr lang="en-GB" dirty="0" err="1"/>
+              <a:t>failUpAt</a:t>
+            </a:r>
+            <a:r>
+              <a:rPr lang="en-GB" dirty="0"/>
+              <a:t>=9.0 \ --</a:t>
+            </a:r>
+            <a:r>
+              <a:rPr lang="en-GB" dirty="0" err="1"/>
+              <a:t>useWarmup</a:t>
+            </a:r>
+            <a:r>
+              <a:rPr lang="en-GB" dirty="0"/>
+              <a:t>=true \ --cbr02Start=1.2 \ --cbr03Start=1.5</a:t>
             </a:r>
             <a:br>
               <a:rPr lang="el-GR" dirty="0"/>
             </a:br>
-            <a:r>
-              <a:rPr lang="el-GR" dirty="0"/>
-              <a:t> Δηλαδή, </a:t>
-            </a:r>
-            <a:br>
-              <a:rPr lang="en-US" dirty="0"/>
-            </a:br>
-            <a:r>
-              <a:rPr lang="en-GB" dirty="0"/>
-              <a:t>How a network reacts </a:t>
-            </a:r>
-            <a:br>
-              <a:rPr lang="en-GB" dirty="0"/>
-            </a:br>
-            <a:r>
-              <a:rPr lang="en-GB" dirty="0"/>
-              <a:t>to link failures</a:t>
-            </a:r>
+            <a:endParaRPr lang="el-GR" dirty="0"/>
           </a:p>
           <a:p>
             <a:r>
+              <a:rPr lang="el-GR" dirty="0"/>
+              <a:t>Δεξιά-&gt;</a:t>
+            </a:r>
+            <a:r>
               <a:rPr lang="en-GB" dirty="0"/>
-              <a:t>How routing reconverges</a:t>
-            </a:r>
-          </a:p>
-          <a:p>
+              <a:t>./ns3 run scratch/five-node-topology --\ --delay=8ms \ --</a:t>
+            </a:r>
+            <a:r>
+              <a:rPr lang="en-GB" dirty="0" err="1"/>
+              <a:t>failDownAt</a:t>
+            </a:r>
             <a:r>
               <a:rPr lang="en-GB" dirty="0"/>
-              <a:t>How throughput collapses and </a:t>
-            </a:r>
-            <a:br>
+              <a:t>=5.0 \ --</a:t>
+            </a:r>
+            <a:r>
+              <a:rPr lang="en-GB" dirty="0" err="1"/>
+              <a:t>failUpAt</a:t>
+            </a:r>
+            <a:r>
               <a:rPr lang="en-GB" dirty="0"/>
-            </a:br>
+              <a:t>=9.0 \ --</a:t>
+            </a:r>
+            <a:r>
+              <a:rPr lang="en-GB" dirty="0" err="1"/>
+              <a:t>useWarmup</a:t>
+            </a:r>
             <a:r>
               <a:rPr lang="en-GB" dirty="0"/>
-              <a:t>then recovers</a:t>
-            </a:r>
-          </a:p>
-          <a:p>
+              <a:t>=true \ --cbr02Start=1.2 \ --cbr03Start=1.5</a:t>
+            </a:r>
             <a:br>
               <a:rPr lang="el-GR" dirty="0"/>
             </a:br>
@@ -23114,12 +23180,57 @@
           </a:p>
         </p:txBody>
       </p:sp>
+      <p:sp>
+        <p:nvSpPr>
+          <p:cNvPr id="3" name="AutoShape 2">
+            <a:extLst>
+              <a:ext uri="{FF2B5EF4-FFF2-40B4-BE49-F238E27FC236}">
+                <a16:creationId xmlns:a16="http://schemas.microsoft.com/office/drawing/2014/main" id="{3003BEE9-C879-FAAA-5789-3CA71EFFCF4C}"/>
+              </a:ext>
+            </a:extLst>
+          </p:cNvPr>
+          <p:cNvSpPr>
+            <a:spLocks noChangeAspect="1" noChangeArrowheads="1"/>
+          </p:cNvSpPr>
+          <p:nvPr/>
+        </p:nvSpPr>
+        <p:spPr bwMode="auto">
+          <a:xfrm>
+            <a:off x="5943600" y="3276600"/>
+            <a:ext cx="304800" cy="304800"/>
+          </a:xfrm>
+          <a:prstGeom prst="rect">
+            <a:avLst/>
+          </a:prstGeom>
+          <a:noFill/>
+          <a:extLst>
+            <a:ext uri="{909E8E84-426E-40DD-AFC4-6F175D3DCCD1}">
+              <a14:hiddenFill xmlns:a14="http://schemas.microsoft.com/office/drawing/2010/main">
+                <a:solidFill>
+                  <a:srgbClr val="FFFFFF"/>
+                </a:solidFill>
+              </a14:hiddenFill>
+            </a:ext>
+          </a:extLst>
+        </p:spPr>
+        <p:txBody>
+          <a:bodyPr vert="horz" wrap="square" lIns="91440" tIns="45720" rIns="91440" bIns="45720" numCol="1" anchor="t" anchorCtr="0" compatLnSpc="1">
+            <a:prstTxWarp prst="textNoShape">
+              <a:avLst/>
+            </a:prstTxWarp>
+          </a:bodyPr>
+          <a:lstStyle/>
+          <a:p>
+            <a:endParaRPr lang="en-GB"/>
+          </a:p>
+        </p:txBody>
+      </p:sp>
       <p:pic>
         <p:nvPicPr>
-          <p:cNvPr id="5" name="Picture 4" descr="A screenshot of a computer program&#10;&#10;AI-generated content may be incorrect.">
+          <p:cNvPr id="9" name="Picture 8" descr="A screenshot of a computer&#10;&#10;AI-generated content may be incorrect.">
             <a:extLst>
               <a:ext uri="{FF2B5EF4-FFF2-40B4-BE49-F238E27FC236}">
-                <a16:creationId xmlns:a16="http://schemas.microsoft.com/office/drawing/2014/main" id="{4EFDCF45-9009-91B9-F004-1CE34F23748B}"/>
+                <a16:creationId xmlns:a16="http://schemas.microsoft.com/office/drawing/2014/main" id="{956C70AD-78A6-2630-7CFF-8D28D30B46B2}"/>
               </a:ext>
             </a:extLst>
           </p:cNvPr>
@@ -23136,8 +23247,8 @@
         </p:blipFill>
         <p:spPr>
           <a:xfrm>
-            <a:off x="72743" y="2085357"/>
-            <a:ext cx="4506191" cy="4723219"/>
+            <a:off x="337835" y="2085357"/>
+            <a:ext cx="4200450" cy="4299903"/>
           </a:xfrm>
           <a:prstGeom prst="rect">
             <a:avLst/>
@@ -23146,10 +23257,10 @@
       </p:pic>
       <p:pic>
         <p:nvPicPr>
-          <p:cNvPr id="8" name="Picture 7" descr="A screenshot of a computer&#10;&#10;AI-generated content may be incorrect.">
+          <p:cNvPr id="11" name="Picture 10" descr="A screenshot of a computer&#10;&#10;AI-generated content may be incorrect.">
             <a:extLst>
               <a:ext uri="{FF2B5EF4-FFF2-40B4-BE49-F238E27FC236}">
-                <a16:creationId xmlns:a16="http://schemas.microsoft.com/office/drawing/2014/main" id="{C6FB2B53-CE98-3CFB-7A00-4D520A26A46B}"/>
+                <a16:creationId xmlns:a16="http://schemas.microsoft.com/office/drawing/2014/main" id="{24B48D48-4B40-97C5-4C19-5F04886F84C7}"/>
               </a:ext>
             </a:extLst>
           </p:cNvPr>
@@ -23166,14 +23277,74 @@
         </p:blipFill>
         <p:spPr>
           <a:xfrm>
-            <a:off x="4648839" y="2085357"/>
-            <a:ext cx="4555770" cy="4723219"/>
+            <a:off x="4787666" y="2079738"/>
+            <a:ext cx="4200450" cy="4299903"/>
           </a:xfrm>
           <a:prstGeom prst="rect">
             <a:avLst/>
           </a:prstGeom>
         </p:spPr>
       </p:pic>
+      <p:sp>
+        <p:nvSpPr>
+          <p:cNvPr id="12" name="TextBox 11">
+            <a:extLst>
+              <a:ext uri="{FF2B5EF4-FFF2-40B4-BE49-F238E27FC236}">
+                <a16:creationId xmlns:a16="http://schemas.microsoft.com/office/drawing/2014/main" id="{433E402E-6C61-9C60-D804-930DD81E47F3}"/>
+              </a:ext>
+            </a:extLst>
+          </p:cNvPr>
+          <p:cNvSpPr txBox="1"/>
+          <p:nvPr/>
+        </p:nvSpPr>
+        <p:spPr>
+          <a:xfrm>
+            <a:off x="9755521" y="260986"/>
+            <a:ext cx="2423581" cy="1754326"/>
+          </a:xfrm>
+          <a:prstGeom prst="rect">
+            <a:avLst/>
+          </a:prstGeom>
+          <a:noFill/>
+        </p:spPr>
+        <p:txBody>
+          <a:bodyPr wrap="square" rtlCol="0">
+            <a:spAutoFit/>
+          </a:bodyPr>
+          <a:lstStyle/>
+          <a:p>
+            <a:r>
+              <a:rPr lang="el-GR" b="1" dirty="0">
+                <a:solidFill>
+                  <a:srgbClr val="FF0000"/>
+                </a:solidFill>
+              </a:rPr>
+              <a:t>Πρέπει να πω εδώ ότι  χρησιμοποιήσαμε αυτό το παράδειγμα για να φανεί καθαρά το </a:t>
+            </a:r>
+            <a:r>
+              <a:rPr lang="en-US" b="1" dirty="0">
+                <a:solidFill>
+                  <a:srgbClr val="FF0000"/>
+                </a:solidFill>
+              </a:rPr>
+              <a:t>failure </a:t>
+            </a:r>
+            <a:r>
+              <a:rPr lang="el-GR" b="1" dirty="0">
+                <a:solidFill>
+                  <a:srgbClr val="FF0000"/>
+                </a:solidFill>
+              </a:rPr>
+              <a:t>και η επαναφορά του</a:t>
+            </a:r>
+            <a:endParaRPr lang="en-GB" b="1" dirty="0">
+              <a:solidFill>
+                <a:srgbClr val="FF0000"/>
+              </a:solidFill>
+            </a:endParaRPr>
+          </a:p>
+        </p:txBody>
+      </p:sp>
     </p:spTree>
     <p:extLst>
       <p:ext uri="{BB962C8B-B14F-4D97-AF65-F5344CB8AC3E}">
@@ -23191,6 +23362,245 @@
 </file>
 
 <file path=ppt/slides/slide17.xml><?xml version="1.0" encoding="utf-8"?>
+<p:sld xmlns:a="http://schemas.openxmlformats.org/drawingml/2006/main" xmlns:r="http://schemas.openxmlformats.org/officeDocument/2006/relationships" xmlns:p="http://schemas.openxmlformats.org/presentationml/2006/main">
+  <p:cSld>
+    <p:spTree>
+      <p:nvGrpSpPr>
+        <p:cNvPr id="1" name="">
+          <a:extLst>
+            <a:ext uri="{FF2B5EF4-FFF2-40B4-BE49-F238E27FC236}">
+              <a16:creationId xmlns:a16="http://schemas.microsoft.com/office/drawing/2014/main" id="{898FDD0E-3641-3195-FACE-5123545CCF0D}"/>
+            </a:ext>
+          </a:extLst>
+        </p:cNvPr>
+        <p:cNvGrpSpPr/>
+        <p:nvPr/>
+      </p:nvGrpSpPr>
+      <p:grpSpPr>
+        <a:xfrm>
+          <a:off x="0" y="0"/>
+          <a:ext cx="0" cy="0"/>
+          <a:chOff x="0" y="0"/>
+          <a:chExt cx="0" cy="0"/>
+        </a:xfrm>
+      </p:grpSpPr>
+      <p:sp>
+        <p:nvSpPr>
+          <p:cNvPr id="2" name="Τίτλος 1">
+            <a:extLst>
+              <a:ext uri="{FF2B5EF4-FFF2-40B4-BE49-F238E27FC236}">
+                <a16:creationId xmlns:a16="http://schemas.microsoft.com/office/drawing/2014/main" id="{BE086B05-5F5E-02D1-B609-235EA3847758}"/>
+              </a:ext>
+            </a:extLst>
+          </p:cNvPr>
+          <p:cNvSpPr>
+            <a:spLocks noGrp="1"/>
+          </p:cNvSpPr>
+          <p:nvPr>
+            <p:ph type="title"/>
+          </p:nvPr>
+        </p:nvSpPr>
+        <p:spPr>
+          <a:xfrm>
+            <a:off x="1024127" y="585216"/>
+            <a:ext cx="10979613" cy="1499616"/>
+          </a:xfrm>
+        </p:spPr>
+        <p:txBody>
+          <a:bodyPr/>
+          <a:lstStyle/>
+          <a:p>
+            <a:r>
+              <a:rPr lang="el-GR" b="1" dirty="0"/>
+              <a:t>Αποτελεσματα του ερωτηματοσ 2 (</a:t>
+            </a:r>
+            <a:r>
+              <a:rPr lang="en-US" b="1" dirty="0"/>
+              <a:t>4</a:t>
+            </a:r>
+            <a:r>
+              <a:rPr lang="el-GR" b="1" dirty="0"/>
+              <a:t>)</a:t>
+            </a:r>
+          </a:p>
+        </p:txBody>
+      </p:sp>
+      <p:sp>
+        <p:nvSpPr>
+          <p:cNvPr id="3" name="Θέση περιεχομένου 2">
+            <a:extLst>
+              <a:ext uri="{FF2B5EF4-FFF2-40B4-BE49-F238E27FC236}">
+                <a16:creationId xmlns:a16="http://schemas.microsoft.com/office/drawing/2014/main" id="{89F9973F-06D2-18D7-5956-D88D3A154EC7}"/>
+              </a:ext>
+            </a:extLst>
+          </p:cNvPr>
+          <p:cNvSpPr>
+            <a:spLocks noGrp="1"/>
+          </p:cNvSpPr>
+          <p:nvPr>
+            <p:ph sz="half" idx="1"/>
+          </p:nvPr>
+        </p:nvSpPr>
+        <p:spPr>
+          <a:xfrm>
+            <a:off x="1024127" y="2621902"/>
+            <a:ext cx="9688697" cy="2724539"/>
+          </a:xfrm>
+        </p:spPr>
+        <p:txBody>
+          <a:bodyPr>
+            <a:normAutofit lnSpcReduction="10000"/>
+          </a:bodyPr>
+          <a:lstStyle/>
+          <a:p>
+            <a:pPr algn="just">
+              <a:buFont typeface="Arial" panose="020B0604020202020204" pitchFamily="34" charset="0"/>
+              <a:buChar char="•"/>
+            </a:pPr>
+            <a:r>
+              <a:rPr lang="el-GR" dirty="0"/>
+              <a:t>Παρατηρήσαμε πως</a:t>
+            </a:r>
+            <a:r>
+              <a:rPr lang="en-US" dirty="0"/>
+              <a:t> </a:t>
+            </a:r>
+            <a:r>
+              <a:rPr lang="el-GR" dirty="0"/>
+              <a:t>για τον καλύτερο χειρισμό των </a:t>
+            </a:r>
+            <a:r>
+              <a:rPr lang="en-US" dirty="0"/>
+              <a:t>failures </a:t>
+            </a:r>
+            <a:r>
+              <a:rPr lang="el-GR" dirty="0"/>
+              <a:t>πρέπει να εισάγουμε λιγότερο </a:t>
+            </a:r>
+            <a:r>
+              <a:rPr lang="en-US" dirty="0"/>
+              <a:t>delay </a:t>
+            </a:r>
+            <a:r>
+              <a:rPr lang="el-GR" dirty="0"/>
+              <a:t>στην μετάδοση πακέτων. Καθώς:</a:t>
+            </a:r>
+          </a:p>
+          <a:p>
+            <a:pPr marL="0" indent="0" algn="just">
+              <a:buNone/>
+            </a:pPr>
+            <a:endParaRPr lang="el-GR" dirty="0"/>
+          </a:p>
+          <a:p>
+            <a:pPr lvl="1">
+              <a:buFont typeface="Arial" panose="020B0604020202020204" pitchFamily="34" charset="0"/>
+              <a:buChar char="•"/>
+            </a:pPr>
+            <a:r>
+              <a:rPr lang="el-GR" dirty="0"/>
+              <a:t>Πιο γρήγορη επαναφορά του  </a:t>
+            </a:r>
+            <a:r>
+              <a:rPr lang="en-GB" dirty="0"/>
+              <a:t>link</a:t>
+            </a:r>
+            <a:r>
+              <a:rPr lang="el-GR" dirty="0"/>
+              <a:t> σε κατάσταση </a:t>
+            </a:r>
+            <a:r>
+              <a:rPr lang="en-US" dirty="0"/>
+              <a:t>“</a:t>
+            </a:r>
+            <a:r>
+              <a:rPr lang="en-GB" dirty="0"/>
+              <a:t>up</a:t>
+            </a:r>
+            <a:r>
+              <a:rPr lang="en-US" dirty="0"/>
+              <a:t>”</a:t>
+            </a:r>
+            <a:endParaRPr lang="el-GR" dirty="0"/>
+          </a:p>
+          <a:p>
+            <a:pPr lvl="1">
+              <a:buFont typeface="Arial" panose="020B0604020202020204" pitchFamily="34" charset="0"/>
+              <a:buChar char="•"/>
+            </a:pPr>
+            <a:r>
+              <a:rPr lang="el-GR" dirty="0"/>
+              <a:t>Λιγότερο </a:t>
+            </a:r>
+            <a:r>
+              <a:rPr lang="en-US" dirty="0"/>
+              <a:t>Overall loss</a:t>
+            </a:r>
+            <a:r>
+              <a:rPr lang="el-GR" dirty="0"/>
+              <a:t> σε σχέση με το μεγαλύτερο </a:t>
+            </a:r>
+            <a:r>
+              <a:rPr lang="en-US" dirty="0"/>
+              <a:t>delay</a:t>
+            </a:r>
+            <a:endParaRPr lang="el-GR" dirty="0"/>
+          </a:p>
+          <a:p>
+            <a:pPr lvl="1">
+              <a:buFont typeface="Arial" panose="020B0604020202020204" pitchFamily="34" charset="0"/>
+              <a:buChar char="•"/>
+            </a:pPr>
+            <a:r>
+              <a:rPr lang="el-GR" dirty="0"/>
+              <a:t>Μεγαλύτερο </a:t>
+            </a:r>
+            <a:r>
+              <a:rPr lang="en-GB" dirty="0"/>
+              <a:t>throughput </a:t>
+            </a:r>
+            <a:r>
+              <a:rPr lang="el-GR" dirty="0"/>
+              <a:t>λόγο του χαμηλού </a:t>
+            </a:r>
+            <a:r>
+              <a:rPr lang="en-US" dirty="0"/>
+              <a:t>delay</a:t>
+            </a:r>
+            <a:br>
+              <a:rPr lang="el-GR" dirty="0"/>
+            </a:br>
+            <a:br>
+              <a:rPr lang="en-GB" dirty="0"/>
+            </a:br>
+            <a:br>
+              <a:rPr lang="en-GB" dirty="0"/>
+            </a:br>
+            <a:r>
+              <a:rPr lang="en-GB" dirty="0"/>
+              <a:t> </a:t>
+            </a:r>
+            <a:endParaRPr lang="el-GR" dirty="0"/>
+          </a:p>
+        </p:txBody>
+      </p:sp>
+    </p:spTree>
+    <p:extLst>
+      <p:ext uri="{BB962C8B-B14F-4D97-AF65-F5344CB8AC3E}">
+        <p14:creationId xmlns:p14="http://schemas.microsoft.com/office/powerpoint/2010/main" val="3693312402"/>
+      </p:ext>
+    </p:extLst>
+  </p:cSld>
+  <p:clrMapOvr>
+    <a:masterClrMapping/>
+  </p:clrMapOvr>
+  <p:transition spd="slow">
+    <p:push dir="u"/>
+  </p:transition>
+</p:sld>
+</file>
+
+<file path=ppt/slides/slide18.xml><?xml version="1.0" encoding="utf-8"?>
 <p:sld xmlns:a="http://schemas.openxmlformats.org/drawingml/2006/main" xmlns:r="http://schemas.openxmlformats.org/officeDocument/2006/relationships" xmlns:p="http://schemas.openxmlformats.org/presentationml/2006/main">
   <p:cSld>
     <p:spTree>
@@ -23273,8 +23683,8 @@
         </p:blipFill>
         <p:spPr>
           <a:xfrm>
-            <a:off x="5181059" y="2079813"/>
-            <a:ext cx="6539402" cy="3939988"/>
+            <a:off x="5353993" y="2079813"/>
+            <a:ext cx="6366467" cy="3835795"/>
           </a:xfrm>
           <a:prstGeom prst="rect">
             <a:avLst/>
@@ -23300,13 +23710,13 @@
         </p:nvSpPr>
         <p:spPr>
           <a:xfrm>
-            <a:off x="1024128" y="2257506"/>
-            <a:ext cx="4014037" cy="3762294"/>
+            <a:off x="856176" y="2257505"/>
+            <a:ext cx="4247669" cy="2697049"/>
           </a:xfrm>
         </p:spPr>
         <p:txBody>
           <a:bodyPr>
-            <a:normAutofit/>
+            <a:normAutofit fontScale="92500" lnSpcReduction="20000"/>
           </a:bodyPr>
           <a:lstStyle/>
           <a:p>
@@ -23324,10 +23734,50 @@
             </a:r>
             <a:r>
               <a:rPr lang="en-US" sz="1800" dirty="0"/>
-              <a:t>link:</a:t>
-            </a:r>
+              <a:t>public repository </a:t>
+            </a:r>
+            <a:r>
+              <a:rPr lang="el-GR" sz="1800" dirty="0"/>
+              <a:t>με </a:t>
+            </a:r>
+            <a:r>
+              <a:rPr lang="en-US" sz="1800" dirty="0"/>
+              <a:t>Link:</a:t>
+            </a:r>
+            <a:endParaRPr lang="el-GR" sz="1800" dirty="0"/>
+          </a:p>
+          <a:p>
             <a:br>
-              <a:rPr lang="en-US" dirty="0"/>
+              <a:rPr lang="el-GR" sz="1800" dirty="0"/>
+            </a:br>
+            <a:r>
+              <a:rPr lang="en-US" sz="1800" dirty="0">
+                <a:solidFill>
+                  <a:schemeClr val="accent2">
+                    <a:lumMod val="75000"/>
+                  </a:schemeClr>
+                </a:solidFill>
+                <a:hlinkClick r:id="rId3">
+                  <a:extLst>
+                    <a:ext uri="{A12FA001-AC4F-418D-AE19-62706E023703}">
+                      <ahyp:hlinkClr xmlns:ahyp="http://schemas.microsoft.com/office/drawing/2018/hyperlinkcolor" val="tx"/>
+                    </a:ext>
+                  </a:extLst>
+                </a:hlinkClick>
+              </a:rPr>
+              <a:t>https://github.com/grgmyl/Ns3Project/tree/main</a:t>
+            </a:r>
+            <a:endParaRPr lang="en-US" sz="1800" dirty="0">
+              <a:solidFill>
+                <a:schemeClr val="accent2">
+                  <a:lumMod val="75000"/>
+                </a:schemeClr>
+              </a:solidFill>
+            </a:endParaRPr>
+          </a:p>
+          <a:p>
+            <a:br>
+              <a:rPr lang="en-US" sz="1800" dirty="0"/>
             </a:br>
             <a:br>
               <a:rPr lang="en-US" dirty="0"/>
@@ -23362,7 +23812,7 @@
 </p:sld>
 </file>
 
-<file path=ppt/slides/slide18.xml><?xml version="1.0" encoding="utf-8"?>
+<file path=ppt/slides/slide19.xml><?xml version="1.0" encoding="utf-8"?>
 <p:sld xmlns:a="http://schemas.openxmlformats.org/drawingml/2006/main" xmlns:r="http://schemas.openxmlformats.org/officeDocument/2006/relationships" xmlns:p="http://schemas.openxmlformats.org/presentationml/2006/main">
   <p:cSld>
     <p:spTree>
@@ -23739,6 +24189,18 @@
               </a:rPr>
               <a:t>https://networksimulationtools.com/how-to-run-netanim-in-ns3/</a:t>
             </a:r>
+            <a:br>
+              <a:rPr lang="el-GR" sz="4800" dirty="0">
+                <a:solidFill>
+                  <a:schemeClr val="accent1">
+                    <a:lumMod val="75000"/>
+                  </a:schemeClr>
+                </a:solidFill>
+              </a:rPr>
+            </a:br>
+            <a:endParaRPr lang="el-GR" sz="4800" dirty="0"/>
+          </a:p>
+          <a:p>
             <a:endParaRPr lang="en-US" sz="4800" dirty="0">
               <a:solidFill>
                 <a:schemeClr val="accent1">
@@ -26898,6 +27360,23 @@
 </file>
 
 <file path=customXml/item1.xml><?xml version="1.0" encoding="utf-8"?>
+<?mso-contentType ?>
+<FormTemplates xmlns="http://schemas.microsoft.com/sharepoint/v3/contenttype/forms">
+  <Display>DocumentLibraryForm</Display>
+  <Edit>DocumentLibraryForm</Edit>
+  <New>DocumentLibraryForm</New>
+</FormTemplates>
+</file>
+
+<file path=customXml/item2.xml><?xml version="1.0" encoding="utf-8"?>
+<p:properties xmlns:p="http://schemas.microsoft.com/office/2006/metadata/properties" xmlns:xsi="http://www.w3.org/2001/XMLSchema-instance" xmlns:pc="http://schemas.microsoft.com/office/infopath/2007/PartnerControls">
+  <documentManagement>
+    <MediaServiceKeyPoints xmlns="71af3243-3dd4-4a8d-8c0d-dd76da1f02a5" xsi:nil="true"/>
+  </documentManagement>
+</p:properties>
+</file>
+
+<file path=customXml/item3.xml><?xml version="1.0" encoding="utf-8"?>
 <ct:contentTypeSchema xmlns:ct="http://schemas.microsoft.com/office/2006/metadata/contentType" xmlns:ma="http://schemas.microsoft.com/office/2006/metadata/properties/metaAttributes" ct:_="" ma:_="" ma:contentTypeName="Document" ma:contentTypeID="0x01010079F111ED35F8CC479449609E8A0923A6" ma:contentTypeVersion="11" ma:contentTypeDescription="Create a new document." ma:contentTypeScope="" ma:versionID="9677210f24a1be23c92c90fd886aa0aa">
   <xsd:schema xmlns:xsd="http://www.w3.org/2001/XMLSchema" xmlns:xs="http://www.w3.org/2001/XMLSchema" xmlns:p="http://schemas.microsoft.com/office/2006/metadata/properties" xmlns:ns2="71af3243-3dd4-4a8d-8c0d-dd76da1f02a5" xmlns:ns3="16c05727-aa75-4e4a-9b5f-8a80a1165891" targetNamespace="http://schemas.microsoft.com/office/2006/metadata/properties" ma:root="true" ma:fieldsID="60e05723c5c1908df1a1a4ebf11d344e" ns2:_="" ns3:_="">
     <xsd:import namespace="71af3243-3dd4-4a8d-8c0d-dd76da1f02a5"/>
@@ -27108,38 +27587,10 @@
 </ct:contentTypeSchema>
 </file>
 
-<file path=customXml/item2.xml><?xml version="1.0" encoding="utf-8"?>
-<p:properties xmlns:p="http://schemas.microsoft.com/office/2006/metadata/properties" xmlns:xsi="http://www.w3.org/2001/XMLSchema-instance" xmlns:pc="http://schemas.microsoft.com/office/infopath/2007/PartnerControls">
-  <documentManagement>
-    <MediaServiceKeyPoints xmlns="71af3243-3dd4-4a8d-8c0d-dd76da1f02a5" xsi:nil="true"/>
-  </documentManagement>
-</p:properties>
-</file>
-
-<file path=customXml/item3.xml><?xml version="1.0" encoding="utf-8"?>
-<?mso-contentType ?>
-<FormTemplates xmlns="http://schemas.microsoft.com/sharepoint/v3/contenttype/forms">
-  <Display>DocumentLibraryForm</Display>
-  <Edit>DocumentLibraryForm</Edit>
-  <New>DocumentLibraryForm</New>
-</FormTemplates>
-</file>
-
 <file path=customXml/itemProps1.xml><?xml version="1.0" encoding="utf-8"?>
-<ds:datastoreItem xmlns:ds="http://schemas.openxmlformats.org/officeDocument/2006/customXml" ds:itemID="{B61EAB5F-88FC-4FAE-AE3C-037A3C365EB8}">
+<ds:datastoreItem xmlns:ds="http://schemas.openxmlformats.org/officeDocument/2006/customXml" ds:itemID="{4F44C90D-2A62-4985-9618-3460247437B1}">
   <ds:schemaRefs>
-    <ds:schemaRef ds:uri="http://schemas.microsoft.com/office/2006/metadata/contentType"/>
-    <ds:schemaRef ds:uri="http://schemas.microsoft.com/office/2006/metadata/properties/metaAttributes"/>
-    <ds:schemaRef ds:uri="http://www.w3.org/2001/XMLSchema"/>
-    <ds:schemaRef ds:uri="http://schemas.microsoft.com/office/2006/metadata/properties"/>
-    <ds:schemaRef ds:uri="71af3243-3dd4-4a8d-8c0d-dd76da1f02a5"/>
-    <ds:schemaRef ds:uri="16c05727-aa75-4e4a-9b5f-8a80a1165891"/>
-    <ds:schemaRef ds:uri="http://schemas.microsoft.com/office/2006/documentManagement/types"/>
-    <ds:schemaRef ds:uri="http://schemas.microsoft.com/office/infopath/2007/PartnerControls"/>
-    <ds:schemaRef ds:uri="http://schemas.openxmlformats.org/package/2006/metadata/core-properties"/>
-    <ds:schemaRef ds:uri="http://purl.org/dc/elements/1.1/"/>
-    <ds:schemaRef ds:uri="http://purl.org/dc/terms/"/>
-    <ds:schemaRef ds:uri="http://schemas.microsoft.com/internal/obd"/>
+    <ds:schemaRef ds:uri="http://schemas.microsoft.com/sharepoint/v3/contenttype/forms"/>
   </ds:schemaRefs>
 </ds:datastoreItem>
 </file>
@@ -27162,9 +27613,20 @@
 </file>
 
 <file path=customXml/itemProps3.xml><?xml version="1.0" encoding="utf-8"?>
-<ds:datastoreItem xmlns:ds="http://schemas.openxmlformats.org/officeDocument/2006/customXml" ds:itemID="{4F44C90D-2A62-4985-9618-3460247437B1}">
+<ds:datastoreItem xmlns:ds="http://schemas.openxmlformats.org/officeDocument/2006/customXml" ds:itemID="{B61EAB5F-88FC-4FAE-AE3C-037A3C365EB8}">
   <ds:schemaRefs>
-    <ds:schemaRef ds:uri="http://schemas.microsoft.com/sharepoint/v3/contenttype/forms"/>
+    <ds:schemaRef ds:uri="http://schemas.microsoft.com/office/2006/metadata/contentType"/>
+    <ds:schemaRef ds:uri="http://schemas.microsoft.com/office/2006/metadata/properties/metaAttributes"/>
+    <ds:schemaRef ds:uri="http://www.w3.org/2001/XMLSchema"/>
+    <ds:schemaRef ds:uri="http://schemas.microsoft.com/office/2006/metadata/properties"/>
+    <ds:schemaRef ds:uri="71af3243-3dd4-4a8d-8c0d-dd76da1f02a5"/>
+    <ds:schemaRef ds:uri="16c05727-aa75-4e4a-9b5f-8a80a1165891"/>
+    <ds:schemaRef ds:uri="http://schemas.microsoft.com/office/2006/documentManagement/types"/>
+    <ds:schemaRef ds:uri="http://schemas.microsoft.com/office/infopath/2007/PartnerControls"/>
+    <ds:schemaRef ds:uri="http://schemas.openxmlformats.org/package/2006/metadata/core-properties"/>
+    <ds:schemaRef ds:uri="http://purl.org/dc/elements/1.1/"/>
+    <ds:schemaRef ds:uri="http://purl.org/dc/terms/"/>
+    <ds:schemaRef ds:uri="http://schemas.microsoft.com/internal/obd"/>
   </ds:schemaRefs>
 </ds:datastoreItem>
 </file>
--- a/Presentations/Ns-3_presentation_F.pptx
+++ b/Presentations/Ns-3_presentation_F.pptx
@@ -21807,8 +21807,8 @@
         </p:nvSpPr>
         <p:spPr>
           <a:xfrm>
-            <a:off x="5109882" y="2232599"/>
-            <a:ext cx="5477436" cy="3728930"/>
+            <a:off x="5181600" y="2232599"/>
+            <a:ext cx="5522259" cy="3851037"/>
           </a:xfrm>
         </p:spPr>
         <p:txBody>
@@ -22033,7 +22033,7 @@
         <p:spPr>
           <a:xfrm>
             <a:off x="832945" y="2232599"/>
-            <a:ext cx="3595122" cy="3481464"/>
+            <a:ext cx="3952498" cy="3827542"/>
           </a:xfrm>
           <a:prstGeom prst="rect">
             <a:avLst/>
@@ -22100,61 +22100,17 @@
           <a:lstStyle/>
           <a:p>
             <a:r>
-              <a:rPr lang="el-GR" b="1" dirty="0" err="1"/>
-              <a:t>Βαλε</a:t>
-            </a:r>
-            <a:r>
               <a:rPr lang="el-GR" b="1" dirty="0"/>
-              <a:t> την </a:t>
-            </a:r>
-            <a:r>
-              <a:rPr lang="el-GR" b="1" dirty="0" err="1"/>
-              <a:t>περιπτωση</a:t>
+              <a:t>ΑΠΟΤΕΛΕΣΜΑΤΑ ΤΟΥ ΕΡΩΤΗΜΑΤΟΣ 2(</a:t>
+            </a:r>
+            <a:r>
+              <a:rPr lang="en-US" b="1" dirty="0"/>
+              <a:t>2</a:t>
             </a:r>
             <a:r>
               <a:rPr lang="el-GR" b="1" dirty="0"/>
-              <a:t> που </a:t>
-            </a:r>
-            <a:r>
-              <a:rPr lang="el-GR" b="1" dirty="0" err="1"/>
-              <a:t>ετρεξεσ</a:t>
-            </a:r>
-            <a:r>
-              <a:rPr lang="el-GR" b="1" dirty="0"/>
-              <a:t>!</a:t>
-            </a:r>
-            <a:br>
-              <a:rPr lang="el-GR" b="1" dirty="0"/>
-            </a:br>
-            <a:r>
-              <a:rPr lang="el-GR" b="1" dirty="0" err="1"/>
-              <a:t>Αλλα</a:t>
-            </a:r>
-            <a:r>
-              <a:rPr lang="el-GR" b="1" dirty="0"/>
-              <a:t> είναι </a:t>
-            </a:r>
-            <a:r>
-              <a:rPr lang="el-GR" b="1" dirty="0" err="1"/>
-              <a:t>κομπλε</a:t>
-            </a:r>
-            <a:r>
-              <a:rPr lang="el-GR" b="1" dirty="0"/>
-              <a:t> </a:t>
-            </a:r>
-            <a:r>
-              <a:rPr lang="el-GR" b="1" dirty="0" err="1"/>
-              <a:t>ΜΠΡαβο</a:t>
-            </a:r>
-            <a:r>
-              <a:rPr lang="el-GR" b="1" dirty="0"/>
-              <a:t>!!! </a:t>
-            </a:r>
-            <a:r>
-              <a:rPr lang="el-GR" b="1" dirty="0" err="1"/>
-              <a:t>χαχα</a:t>
-            </a:r>
-            <a:endParaRPr lang="el-GR" b="1" dirty="0"/>
+              <a:t>)</a:t>
+            </a:r>
           </a:p>
         </p:txBody>
       </p:sp>
@@ -22180,8 +22136,8 @@
         </p:blipFill>
         <p:spPr>
           <a:xfrm>
-            <a:off x="6742345" y="2300856"/>
-            <a:ext cx="3770208" cy="3971925"/>
+            <a:off x="6980955" y="1695587"/>
+            <a:ext cx="3512005" cy="3699908"/>
           </a:xfrm>
           <a:prstGeom prst="rect">
             <a:avLst/>
@@ -22210,14 +22166,225 @@
         </p:blipFill>
         <p:spPr>
           <a:xfrm>
-            <a:off x="1258993" y="2300855"/>
-            <a:ext cx="3770208" cy="3971925"/>
+            <a:off x="784879" y="1861061"/>
+            <a:ext cx="3499596" cy="3686834"/>
           </a:xfrm>
           <a:prstGeom prst="rect">
             <a:avLst/>
           </a:prstGeom>
         </p:spPr>
       </p:pic>
+      <p:sp>
+        <p:nvSpPr>
+          <p:cNvPr id="3" name="TextBox 2">
+            <a:extLst>
+              <a:ext uri="{FF2B5EF4-FFF2-40B4-BE49-F238E27FC236}">
+                <a16:creationId xmlns:a16="http://schemas.microsoft.com/office/drawing/2014/main" id="{D0942C78-ADDF-4830-8D9B-D190A8F03016}"/>
+              </a:ext>
+            </a:extLst>
+          </p:cNvPr>
+          <p:cNvSpPr txBox="1"/>
+          <p:nvPr/>
+        </p:nvSpPr>
+        <p:spPr>
+          <a:xfrm>
+            <a:off x="9036424" y="2411506"/>
+            <a:ext cx="2519082" cy="369332"/>
+          </a:xfrm>
+          <a:prstGeom prst="rect">
+            <a:avLst/>
+          </a:prstGeom>
+          <a:noFill/>
+        </p:spPr>
+        <p:txBody>
+          <a:bodyPr wrap="square" rtlCol="0">
+            <a:spAutoFit/>
+          </a:bodyPr>
+          <a:lstStyle/>
+          <a:p>
+            <a:endParaRPr lang="el-GR" dirty="0"/>
+          </a:p>
+        </p:txBody>
+      </p:sp>
+      <p:sp>
+        <p:nvSpPr>
+          <p:cNvPr id="6" name="TextBox 5">
+            <a:extLst>
+              <a:ext uri="{FF2B5EF4-FFF2-40B4-BE49-F238E27FC236}">
+                <a16:creationId xmlns:a16="http://schemas.microsoft.com/office/drawing/2014/main" id="{29F77A91-7F6E-45A2-9B99-68D7D490B5D1}"/>
+              </a:ext>
+            </a:extLst>
+          </p:cNvPr>
+          <p:cNvSpPr txBox="1"/>
+          <p:nvPr/>
+        </p:nvSpPr>
+        <p:spPr>
+          <a:xfrm>
+            <a:off x="6442216" y="5667227"/>
+            <a:ext cx="4763666" cy="923330"/>
+          </a:xfrm>
+          <a:prstGeom prst="rect">
+            <a:avLst/>
+          </a:prstGeom>
+          <a:noFill/>
+        </p:spPr>
+        <p:txBody>
+          <a:bodyPr wrap="square" rtlCol="0">
+            <a:spAutoFit/>
+          </a:bodyPr>
+          <a:lstStyle/>
+          <a:p>
+            <a:pPr algn="just"/>
+            <a:r>
+              <a:rPr lang="en-US" dirty="0"/>
+              <a:t>O</a:t>
+            </a:r>
+            <a:r>
+              <a:rPr lang="el-GR" dirty="0"/>
+              <a:t>ι</a:t>
+            </a:r>
+            <a:r>
+              <a:rPr lang="en-US" dirty="0"/>
+              <a:t> </a:t>
+            </a:r>
+            <a:r>
+              <a:rPr lang="el-GR" dirty="0"/>
+              <a:t>παράμετροι</a:t>
+            </a:r>
+            <a:r>
+              <a:rPr lang="en-US" dirty="0"/>
+              <a:t>: rate=5Mbps, delay=50ms </a:t>
+            </a:r>
+            <a:r>
+              <a:rPr lang="en-US" dirty="0" err="1"/>
+              <a:t>qMaxPkts</a:t>
+            </a:r>
+            <a:r>
+              <a:rPr lang="en-US" dirty="0"/>
+              <a:t>=15,packetSize=1200,</a:t>
+            </a:r>
+            <a:r>
+              <a:rPr lang="en-US" dirty="0">
+                <a:solidFill>
+                  <a:schemeClr val="accent1">
+                    <a:lumMod val="75000"/>
+                  </a:schemeClr>
+                </a:solidFill>
+              </a:rPr>
+              <a:t>interval=0.004s</a:t>
+            </a:r>
+            <a:r>
+              <a:rPr lang="en-US" dirty="0"/>
+              <a:t>,failDownAt=6.0s,failUpAt=8.0s.</a:t>
+            </a:r>
+          </a:p>
+        </p:txBody>
+      </p:sp>
+      <p:sp>
+        <p:nvSpPr>
+          <p:cNvPr id="7" name="Ορθογώνιο 6">
+            <a:extLst>
+              <a:ext uri="{FF2B5EF4-FFF2-40B4-BE49-F238E27FC236}">
+                <a16:creationId xmlns:a16="http://schemas.microsoft.com/office/drawing/2014/main" id="{BDC3D52B-C066-4EEA-8C24-5EC598431E3B}"/>
+              </a:ext>
+            </a:extLst>
+          </p:cNvPr>
+          <p:cNvSpPr/>
+          <p:nvPr/>
+        </p:nvSpPr>
+        <p:spPr>
+          <a:xfrm>
+            <a:off x="546847" y="5672619"/>
+            <a:ext cx="4831977" cy="923330"/>
+          </a:xfrm>
+          <a:prstGeom prst="rect">
+            <a:avLst/>
+          </a:prstGeom>
+        </p:spPr>
+        <p:txBody>
+          <a:bodyPr wrap="square">
+            <a:spAutoFit/>
+          </a:bodyPr>
+          <a:lstStyle/>
+          <a:p>
+            <a:pPr algn="just"/>
+            <a:r>
+              <a:rPr lang="el-GR" dirty="0"/>
+              <a:t>Οι</a:t>
+            </a:r>
+            <a:r>
+              <a:rPr lang="en-US" dirty="0"/>
+              <a:t> </a:t>
+            </a:r>
+            <a:r>
+              <a:rPr lang="el-GR" dirty="0"/>
+              <a:t>παράμετροι</a:t>
+            </a:r>
+            <a:r>
+              <a:rPr lang="en-US" dirty="0"/>
+              <a:t>: rate=3Mbps</a:t>
+            </a:r>
+            <a:r>
+              <a:rPr lang="el-GR" dirty="0"/>
+              <a:t>,</a:t>
+            </a:r>
+            <a:r>
+              <a:rPr lang="en-US" dirty="0"/>
+              <a:t>delay=30ms, </a:t>
+            </a:r>
+            <a:r>
+              <a:rPr lang="en-US" dirty="0" err="1"/>
+              <a:t>qMaxPkts</a:t>
+            </a:r>
+            <a:r>
+              <a:rPr lang="en-US" dirty="0"/>
+              <a:t>=15,packetSize=1200</a:t>
+            </a:r>
+            <a:r>
+              <a:rPr lang="el-GR" dirty="0"/>
+              <a:t>,</a:t>
+            </a:r>
+            <a:r>
+              <a:rPr lang="en-US" dirty="0">
+                <a:solidFill>
+                  <a:schemeClr val="accent1">
+                    <a:lumMod val="75000"/>
+                  </a:schemeClr>
+                </a:solidFill>
+              </a:rPr>
+              <a:t>interval=0.001s,</a:t>
+            </a:r>
+          </a:p>
+          <a:p>
+            <a:pPr algn="just"/>
+            <a:r>
+              <a:rPr lang="en-US" dirty="0" err="1"/>
+              <a:t>failDownAt</a:t>
+            </a:r>
+            <a:r>
+              <a:rPr lang="en-US" dirty="0"/>
+              <a:t>=6.0s</a:t>
+            </a:r>
+            <a:r>
+              <a:rPr lang="el-GR" dirty="0"/>
+              <a:t>,</a:t>
+            </a:r>
+            <a:r>
+              <a:rPr lang="en-US" dirty="0"/>
+              <a:t> </a:t>
+            </a:r>
+            <a:r>
+              <a:rPr lang="en-US" dirty="0" err="1"/>
+              <a:t>failUpAt</a:t>
+            </a:r>
+            <a:r>
+              <a:rPr lang="en-US" dirty="0"/>
+              <a:t>=8.0s.</a:t>
+            </a:r>
+            <a:endParaRPr lang="el-GR" dirty="0"/>
+          </a:p>
+        </p:txBody>
+      </p:sp>
     </p:spTree>
     <p:extLst>
       <p:ext uri="{BB962C8B-B14F-4D97-AF65-F5344CB8AC3E}">
@@ -22679,7 +22846,7 @@
         <p:spPr>
           <a:xfrm>
             <a:off x="1847472" y="1825782"/>
-            <a:ext cx="2236253" cy="369332"/>
+            <a:ext cx="2095189" cy="369332"/>
           </a:xfrm>
           <a:prstGeom prst="rect">
             <a:avLst/>
@@ -22693,8 +22860,18 @@
           <a:lstStyle/>
           <a:p>
             <a:r>
+              <a:rPr lang="el-GR" dirty="0">
+                <a:solidFill>
+                  <a:schemeClr val="accent1">
+                    <a:lumMod val="75000"/>
+                  </a:schemeClr>
+                </a:solidFill>
+              </a:rPr>
+              <a:t>Με</a:t>
+            </a:r>
+            <a:r>
               <a:rPr lang="en-US" dirty="0"/>
-              <a:t>Using Warm-up phase</a:t>
+              <a:t> Warm-up phase</a:t>
             </a:r>
             <a:endParaRPr lang="en-GB" dirty="0"/>
           </a:p>
@@ -22715,7 +22892,7 @@
         <p:spPr>
           <a:xfrm>
             <a:off x="8378294" y="1826043"/>
-            <a:ext cx="2632195" cy="369332"/>
+            <a:ext cx="2354875" cy="369332"/>
           </a:xfrm>
           <a:prstGeom prst="rect">
             <a:avLst/>
@@ -22729,8 +22906,38 @@
           <a:lstStyle/>
           <a:p>
             <a:r>
+              <a:rPr lang="en-US" dirty="0">
+                <a:solidFill>
+                  <a:schemeClr val="accent1">
+                    <a:lumMod val="75000"/>
+                  </a:schemeClr>
+                </a:solidFill>
+              </a:rPr>
+              <a:t>X</a:t>
+            </a:r>
+            <a:r>
+              <a:rPr lang="el-GR" dirty="0" err="1">
+                <a:solidFill>
+                  <a:schemeClr val="accent1">
+                    <a:lumMod val="75000"/>
+                  </a:schemeClr>
+                </a:solidFill>
+              </a:rPr>
+              <a:t>ωρίς</a:t>
+            </a:r>
+            <a:r>
+              <a:rPr lang="en-US" dirty="0">
+                <a:solidFill>
+                  <a:schemeClr val="accent1">
+                    <a:lumMod val="75000"/>
+                  </a:schemeClr>
+                </a:solidFill>
+              </a:rPr>
+              <a:t> </a:t>
+            </a:r>
+            <a:r>
               <a:rPr lang="en-US" dirty="0"/>
-              <a:t>Not Using Warm-up phase</a:t>
+              <a:t>Warm-up phase</a:t>
             </a:r>
             <a:endParaRPr lang="en-GB" dirty="0"/>
           </a:p>
@@ -22828,7 +23035,7 @@
         <p:spPr>
           <a:xfrm>
             <a:off x="1847472" y="1825782"/>
-            <a:ext cx="2236253" cy="369332"/>
+            <a:ext cx="2075953" cy="369332"/>
           </a:xfrm>
           <a:prstGeom prst="rect">
             <a:avLst/>
@@ -22842,10 +23049,44 @@
           <a:lstStyle/>
           <a:p>
             <a:r>
-              <a:rPr lang="en-US" dirty="0"/>
-              <a:t>Using Warm-up phase</a:t>
-            </a:r>
-            <a:endParaRPr lang="en-GB" dirty="0"/>
+              <a:rPr lang="en-US" dirty="0">
+                <a:solidFill>
+                  <a:schemeClr val="accent1">
+                    <a:lumMod val="75000"/>
+                  </a:schemeClr>
+                </a:solidFill>
+                <a:latin typeface="Calibri" panose="020F0502020204030204" pitchFamily="34" charset="0"/>
+                <a:ea typeface="Calibri" panose="020F0502020204030204" pitchFamily="34" charset="0"/>
+                <a:cs typeface="Calibri" panose="020F0502020204030204" pitchFamily="34" charset="0"/>
+              </a:rPr>
+              <a:t>M</a:t>
+            </a:r>
+            <a:r>
+              <a:rPr lang="el-GR" dirty="0">
+                <a:solidFill>
+                  <a:schemeClr val="accent1">
+                    <a:lumMod val="75000"/>
+                  </a:schemeClr>
+                </a:solidFill>
+                <a:latin typeface="Calibri" panose="020F0502020204030204" pitchFamily="34" charset="0"/>
+                <a:ea typeface="Calibri" panose="020F0502020204030204" pitchFamily="34" charset="0"/>
+                <a:cs typeface="Calibri" panose="020F0502020204030204" pitchFamily="34" charset="0"/>
+              </a:rPr>
+              <a:t>ε</a:t>
+            </a:r>
+            <a:r>
+              <a:rPr lang="en-US" dirty="0">
+                <a:latin typeface="Calibri" panose="020F0502020204030204" pitchFamily="34" charset="0"/>
+                <a:ea typeface="Calibri" panose="020F0502020204030204" pitchFamily="34" charset="0"/>
+                <a:cs typeface="Calibri" panose="020F0502020204030204" pitchFamily="34" charset="0"/>
+              </a:rPr>
+              <a:t> Warm-up phase</a:t>
+            </a:r>
+            <a:endParaRPr lang="en-GB" dirty="0">
+              <a:latin typeface="Calibri" panose="020F0502020204030204" pitchFamily="34" charset="0"/>
+              <a:ea typeface="Calibri" panose="020F0502020204030204" pitchFamily="34" charset="0"/>
+              <a:cs typeface="Calibri" panose="020F0502020204030204" pitchFamily="34" charset="0"/>
+            </a:endParaRPr>
           </a:p>
         </p:txBody>
       </p:sp>
@@ -22863,8 +23104,8 @@
         </p:nvSpPr>
         <p:spPr>
           <a:xfrm>
-            <a:off x="8378294" y="1826043"/>
-            <a:ext cx="2632195" cy="369332"/>
+            <a:off x="8268577" y="1831729"/>
+            <a:ext cx="2297167" cy="369332"/>
           </a:xfrm>
           <a:prstGeom prst="rect">
             <a:avLst/>
@@ -22878,10 +23119,31 @@
           <a:lstStyle/>
           <a:p>
             <a:r>
-              <a:rPr lang="en-US" dirty="0"/>
-              <a:t>Not Using Warm-up phase</a:t>
-            </a:r>
-            <a:endParaRPr lang="en-GB" dirty="0"/>
+              <a:rPr lang="el-GR" dirty="0">
+                <a:solidFill>
+                  <a:schemeClr val="accent1">
+                    <a:lumMod val="75000"/>
+                  </a:schemeClr>
+                </a:solidFill>
+                <a:latin typeface="Calibri" panose="020F0502020204030204" pitchFamily="34" charset="0"/>
+                <a:ea typeface="Calibri" panose="020F0502020204030204" pitchFamily="34" charset="0"/>
+                <a:cs typeface="Calibri" panose="020F0502020204030204" pitchFamily="34" charset="0"/>
+              </a:rPr>
+              <a:t>Χωρίς</a:t>
+            </a:r>
+            <a:r>
+              <a:rPr lang="en-US" dirty="0">
+                <a:latin typeface="Calibri" panose="020F0502020204030204" pitchFamily="34" charset="0"/>
+                <a:ea typeface="Calibri" panose="020F0502020204030204" pitchFamily="34" charset="0"/>
+                <a:cs typeface="Calibri" panose="020F0502020204030204" pitchFamily="34" charset="0"/>
+              </a:rPr>
+              <a:t> Warm-up phase</a:t>
+            </a:r>
+            <a:endParaRPr lang="en-GB" dirty="0">
+              <a:latin typeface="Calibri" panose="020F0502020204030204" pitchFamily="34" charset="0"/>
+              <a:ea typeface="Calibri" panose="020F0502020204030204" pitchFamily="34" charset="0"/>
+              <a:cs typeface="Calibri" panose="020F0502020204030204" pitchFamily="34" charset="0"/>
+            </a:endParaRPr>
           </a:p>
         </p:txBody>
       </p:sp>
@@ -22914,7 +23176,7 @@
         </p:blipFill>
         <p:spPr bwMode="auto">
           <a:xfrm>
-            <a:off x="7523209" y="2282387"/>
+            <a:off x="7137727" y="2195114"/>
             <a:ext cx="4342363" cy="4407662"/>
           </a:xfrm>
           <a:prstGeom prst="rect">
@@ -23070,8 +23332,8 @@
         </p:nvSpPr>
         <p:spPr>
           <a:xfrm>
-            <a:off x="8988117" y="2015312"/>
-            <a:ext cx="3384276" cy="4801314"/>
+            <a:off x="8757388" y="2420471"/>
+            <a:ext cx="3329860" cy="3970318"/>
           </a:xfrm>
           <a:prstGeom prst="rect">
             <a:avLst/>
@@ -23085,93 +23347,245 @@
           <a:lstStyle/>
           <a:p>
             <a:r>
-              <a:rPr lang="el-GR" dirty="0"/>
-              <a:t>(</a:t>
-            </a:r>
-            <a:r>
-              <a:rPr lang="el-GR" b="1" dirty="0">
-                <a:solidFill>
-                  <a:srgbClr val="FF0000"/>
-                </a:solidFill>
+              <a:rPr lang="el-GR" dirty="0">
+                <a:latin typeface="Calibri" panose="020F0502020204030204" pitchFamily="34" charset="0"/>
+                <a:ea typeface="Calibri" panose="020F0502020204030204" pitchFamily="34" charset="0"/>
+                <a:cs typeface="Calibri" panose="020F0502020204030204" pitchFamily="34" charset="0"/>
               </a:rPr>
-              <a:t>μπορεί και να μην τα βάλω</a:t>
-            </a:r>
-            <a:r>
-              <a:rPr lang="el-GR" dirty="0"/>
-              <a:t>)Αριστερά-&gt; </a:t>
-            </a:r>
-            <a:r>
-              <a:rPr lang="en-GB" dirty="0"/>
-              <a:t>./ns3 run scratch/five-node-topology --\ --delay=1ms \ --</a:t>
-            </a:r>
-            <a:r>
-              <a:rPr lang="en-GB" dirty="0" err="1"/>
-              <a:t>failDownAt</a:t>
-            </a:r>
-            <a:r>
-              <a:rPr lang="en-GB" dirty="0"/>
-              <a:t>=5.0 </a:t>
-            </a:r>
-            <a:br>
-              <a:rPr lang="el-GR" dirty="0"/>
-            </a:br>
-            <a:r>
-              <a:rPr lang="en-GB" dirty="0"/>
-              <a:t>\ --</a:t>
-            </a:r>
-            <a:r>
-              <a:rPr lang="en-GB" dirty="0" err="1"/>
-              <a:t>failUpAt</a:t>
-            </a:r>
-            <a:r>
-              <a:rPr lang="en-GB" dirty="0"/>
-              <a:t>=9.0 \ --</a:t>
-            </a:r>
-            <a:r>
-              <a:rPr lang="en-GB" dirty="0" err="1"/>
-              <a:t>useWarmup</a:t>
-            </a:r>
-            <a:r>
-              <a:rPr lang="en-GB" dirty="0"/>
-              <a:t>=true \ --cbr02Start=1.2 \ --cbr03Start=1.5</a:t>
-            </a:r>
-            <a:br>
-              <a:rPr lang="el-GR" dirty="0"/>
-            </a:br>
-            <a:endParaRPr lang="el-GR" dirty="0"/>
+              <a:t>Αριστερά</a:t>
+            </a:r>
+            <a:r>
+              <a:rPr lang="en-US" dirty="0">
+                <a:latin typeface="Calibri" panose="020F0502020204030204" pitchFamily="34" charset="0"/>
+                <a:ea typeface="Calibri" panose="020F0502020204030204" pitchFamily="34" charset="0"/>
+                <a:cs typeface="Calibri" panose="020F0502020204030204" pitchFamily="34" charset="0"/>
+              </a:rPr>
+              <a:t>,</a:t>
+            </a:r>
+            <a:r>
+              <a:rPr lang="el-GR" dirty="0">
+                <a:latin typeface="Calibri" panose="020F0502020204030204" pitchFamily="34" charset="0"/>
+                <a:ea typeface="Calibri" panose="020F0502020204030204" pitchFamily="34" charset="0"/>
+                <a:cs typeface="Calibri" panose="020F0502020204030204" pitchFamily="34" charset="0"/>
+              </a:rPr>
+              <a:t>οι παράμετροι που χρησιμοποιήσαμε είναι οι εξής</a:t>
+            </a:r>
+            <a:r>
+              <a:rPr lang="en-US" dirty="0">
+                <a:latin typeface="Calibri" panose="020F0502020204030204" pitchFamily="34" charset="0"/>
+                <a:ea typeface="Calibri" panose="020F0502020204030204" pitchFamily="34" charset="0"/>
+                <a:cs typeface="Calibri" panose="020F0502020204030204" pitchFamily="34" charset="0"/>
+              </a:rPr>
+              <a:t>:</a:t>
+            </a:r>
           </a:p>
           <a:p>
-            <a:r>
-              <a:rPr lang="el-GR" dirty="0"/>
-              <a:t>Δεξιά-&gt;</a:t>
-            </a:r>
-            <a:r>
-              <a:rPr lang="en-GB" dirty="0"/>
-              <a:t>./ns3 run scratch/five-node-topology --\ --delay=8ms \ --</a:t>
-            </a:r>
-            <a:r>
-              <a:rPr lang="en-GB" dirty="0" err="1"/>
-              <a:t>failDownAt</a:t>
-            </a:r>
-            <a:r>
-              <a:rPr lang="en-GB" dirty="0"/>
-              <a:t>=5.0 \ --</a:t>
-            </a:r>
-            <a:r>
-              <a:rPr lang="en-GB" dirty="0" err="1"/>
-              <a:t>failUpAt</a:t>
-            </a:r>
-            <a:r>
-              <a:rPr lang="en-GB" dirty="0"/>
-              <a:t>=9.0 \ --</a:t>
-            </a:r>
-            <a:r>
-              <a:rPr lang="en-GB" dirty="0" err="1"/>
-              <a:t>useWarmup</a:t>
-            </a:r>
-            <a:r>
-              <a:rPr lang="en-GB" dirty="0"/>
-              <a:t>=true \ --cbr02Start=1.2 \ --cbr03Start=1.5</a:t>
+            <a:endParaRPr lang="en-US" dirty="0">
+              <a:latin typeface="Calibri" panose="020F0502020204030204" pitchFamily="34" charset="0"/>
+              <a:ea typeface="Calibri" panose="020F0502020204030204" pitchFamily="34" charset="0"/>
+              <a:cs typeface="Calibri" panose="020F0502020204030204" pitchFamily="34" charset="0"/>
+            </a:endParaRPr>
+          </a:p>
+          <a:p>
+            <a:r>
+              <a:rPr lang="en-US" dirty="0">
+                <a:latin typeface="Calibri" panose="020F0502020204030204" pitchFamily="34" charset="0"/>
+                <a:ea typeface="Calibri" panose="020F0502020204030204" pitchFamily="34" charset="0"/>
+                <a:cs typeface="Calibri" panose="020F0502020204030204" pitchFamily="34" charset="0"/>
+              </a:rPr>
+              <a:t> </a:t>
+            </a:r>
+            <a:r>
+              <a:rPr lang="en-US" dirty="0">
+                <a:latin typeface="Calibri" panose="020F0502020204030204" pitchFamily="34" charset="0"/>
+                <a:ea typeface="Calibri" panose="020F0502020204030204" pitchFamily="34" charset="0"/>
+                <a:cs typeface="Calibri" panose="020F0502020204030204" pitchFamily="34" charset="0"/>
+                <a:sym typeface="Wingdings" panose="05000000000000000000" pitchFamily="2" charset="2"/>
+              </a:rPr>
+              <a:t></a:t>
+            </a:r>
+            <a:r>
+              <a:rPr lang="en-GB" dirty="0">
+                <a:solidFill>
+                  <a:schemeClr val="accent1">
+                    <a:lumMod val="75000"/>
+                  </a:schemeClr>
+                </a:solidFill>
+                <a:latin typeface="Calibri" panose="020F0502020204030204" pitchFamily="34" charset="0"/>
+                <a:ea typeface="Calibri" panose="020F0502020204030204" pitchFamily="34" charset="0"/>
+                <a:cs typeface="Calibri" panose="020F0502020204030204" pitchFamily="34" charset="0"/>
+              </a:rPr>
+              <a:t>delay=1ms</a:t>
+            </a:r>
+            <a:r>
+              <a:rPr lang="en-GB" dirty="0">
+                <a:latin typeface="Calibri" panose="020F0502020204030204" pitchFamily="34" charset="0"/>
+                <a:ea typeface="Calibri" panose="020F0502020204030204" pitchFamily="34" charset="0"/>
+                <a:cs typeface="Calibri" panose="020F0502020204030204" pitchFamily="34" charset="0"/>
+              </a:rPr>
+              <a:t>,failDownAt=5.0s </a:t>
+            </a:r>
+            <a:br>
+              <a:rPr lang="el-GR" dirty="0">
+                <a:latin typeface="Calibri" panose="020F0502020204030204" pitchFamily="34" charset="0"/>
+                <a:ea typeface="Calibri" panose="020F0502020204030204" pitchFamily="34" charset="0"/>
+                <a:cs typeface="Calibri" panose="020F0502020204030204" pitchFamily="34" charset="0"/>
+              </a:rPr>
+            </a:br>
+            <a:r>
+              <a:rPr lang="en-GB" dirty="0">
+                <a:latin typeface="Calibri" panose="020F0502020204030204" pitchFamily="34" charset="0"/>
+                <a:ea typeface="Calibri" panose="020F0502020204030204" pitchFamily="34" charset="0"/>
+                <a:cs typeface="Calibri" panose="020F0502020204030204" pitchFamily="34" charset="0"/>
+              </a:rPr>
+              <a:t>failUpAt=9.0s,useWarmup=tru-cbr02Start=1.2,cbr03Start=1.5s.</a:t>
+            </a:r>
+            <a:br>
+              <a:rPr lang="el-GR" dirty="0">
+                <a:latin typeface="Calibri" panose="020F0502020204030204" pitchFamily="34" charset="0"/>
+                <a:ea typeface="Calibri" panose="020F0502020204030204" pitchFamily="34" charset="0"/>
+                <a:cs typeface="Calibri" panose="020F0502020204030204" pitchFamily="34" charset="0"/>
+              </a:rPr>
+            </a:br>
+            <a:endParaRPr lang="el-GR" dirty="0">
+              <a:latin typeface="Calibri" panose="020F0502020204030204" pitchFamily="34" charset="0"/>
+              <a:ea typeface="Calibri" panose="020F0502020204030204" pitchFamily="34" charset="0"/>
+              <a:cs typeface="Calibri" panose="020F0502020204030204" pitchFamily="34" charset="0"/>
+            </a:endParaRPr>
+          </a:p>
+          <a:p>
+            <a:r>
+              <a:rPr lang="el-GR" dirty="0">
+                <a:latin typeface="Calibri" panose="020F0502020204030204" pitchFamily="34" charset="0"/>
+                <a:ea typeface="Calibri" panose="020F0502020204030204" pitchFamily="34" charset="0"/>
+                <a:cs typeface="Calibri" panose="020F0502020204030204" pitchFamily="34" charset="0"/>
+              </a:rPr>
+              <a:t>Αντίστοιχα από δεξιά</a:t>
+            </a:r>
+            <a:r>
+              <a:rPr lang="en-US" dirty="0">
+                <a:latin typeface="Calibri" panose="020F0502020204030204" pitchFamily="34" charset="0"/>
+                <a:ea typeface="Calibri" panose="020F0502020204030204" pitchFamily="34" charset="0"/>
+                <a:cs typeface="Calibri" panose="020F0502020204030204" pitchFamily="34" charset="0"/>
+              </a:rPr>
+              <a:t>:</a:t>
+            </a:r>
+          </a:p>
+          <a:p>
+            <a:endParaRPr lang="el-GR" dirty="0">
+              <a:latin typeface="Calibri" panose="020F0502020204030204" pitchFamily="34" charset="0"/>
+              <a:ea typeface="Calibri" panose="020F0502020204030204" pitchFamily="34" charset="0"/>
+              <a:cs typeface="Calibri" panose="020F0502020204030204" pitchFamily="34" charset="0"/>
+            </a:endParaRPr>
+          </a:p>
+          <a:p>
+            <a:r>
+              <a:rPr lang="en-GB" dirty="0">
+                <a:solidFill>
+                  <a:schemeClr val="tx1">
+                    <a:lumMod val="95000"/>
+                    <a:lumOff val="5000"/>
+                  </a:schemeClr>
+                </a:solidFill>
+                <a:latin typeface="Calibri" panose="020F0502020204030204" pitchFamily="34" charset="0"/>
+                <a:ea typeface="Calibri" panose="020F0502020204030204" pitchFamily="34" charset="0"/>
+                <a:cs typeface="Calibri" panose="020F0502020204030204" pitchFamily="34" charset="0"/>
+                <a:sym typeface="Wingdings" panose="05000000000000000000" pitchFamily="2" charset="2"/>
+              </a:rPr>
+              <a:t></a:t>
+            </a:r>
+            <a:r>
+              <a:rPr lang="en-GB" dirty="0">
+                <a:solidFill>
+                  <a:schemeClr val="accent1">
+                    <a:lumMod val="75000"/>
+                  </a:schemeClr>
+                </a:solidFill>
+                <a:latin typeface="Calibri" panose="020F0502020204030204" pitchFamily="34" charset="0"/>
+                <a:ea typeface="Calibri" panose="020F0502020204030204" pitchFamily="34" charset="0"/>
+                <a:cs typeface="Calibri" panose="020F0502020204030204" pitchFamily="34" charset="0"/>
+              </a:rPr>
+              <a:t>delay=8ms</a:t>
+            </a:r>
+            <a:r>
+              <a:rPr lang="el-GR" dirty="0">
+                <a:latin typeface="Calibri" panose="020F0502020204030204" pitchFamily="34" charset="0"/>
+                <a:ea typeface="Calibri" panose="020F0502020204030204" pitchFamily="34" charset="0"/>
+                <a:cs typeface="Calibri" panose="020F0502020204030204" pitchFamily="34" charset="0"/>
+              </a:rPr>
+              <a:t>,</a:t>
+            </a:r>
+            <a:r>
+              <a:rPr lang="en-US" dirty="0">
+                <a:latin typeface="Calibri" panose="020F0502020204030204" pitchFamily="34" charset="0"/>
+                <a:ea typeface="Calibri" panose="020F0502020204030204" pitchFamily="34" charset="0"/>
+                <a:cs typeface="Calibri" panose="020F0502020204030204" pitchFamily="34" charset="0"/>
+              </a:rPr>
+              <a:t> </a:t>
+            </a:r>
+            <a:r>
+              <a:rPr lang="en-GB" dirty="0">
+                <a:latin typeface="Calibri" panose="020F0502020204030204" pitchFamily="34" charset="0"/>
+                <a:ea typeface="Calibri" panose="020F0502020204030204" pitchFamily="34" charset="0"/>
+                <a:cs typeface="Calibri" panose="020F0502020204030204" pitchFamily="34" charset="0"/>
+              </a:rPr>
+              <a:t>failDownAt=5.0</a:t>
+            </a:r>
+            <a:r>
+              <a:rPr lang="en-US" dirty="0">
+                <a:latin typeface="Calibri" panose="020F0502020204030204" pitchFamily="34" charset="0"/>
+                <a:ea typeface="Calibri" panose="020F0502020204030204" pitchFamily="34" charset="0"/>
+                <a:cs typeface="Calibri" panose="020F0502020204030204" pitchFamily="34" charset="0"/>
+              </a:rPr>
+              <a:t>s,</a:t>
+            </a:r>
+            <a:r>
+              <a:rPr lang="en-GB" dirty="0">
+                <a:latin typeface="Calibri" panose="020F0502020204030204" pitchFamily="34" charset="0"/>
+                <a:ea typeface="Calibri" panose="020F0502020204030204" pitchFamily="34" charset="0"/>
+                <a:cs typeface="Calibri" panose="020F0502020204030204" pitchFamily="34" charset="0"/>
+              </a:rPr>
+              <a:t> failUpAt=9.0s, useWarmup=true cbr02Start=1.2</a:t>
+            </a:r>
+            <a:r>
+              <a:rPr lang="en-US" dirty="0">
+                <a:latin typeface="Calibri" panose="020F0502020204030204" pitchFamily="34" charset="0"/>
+                <a:ea typeface="Calibri" panose="020F0502020204030204" pitchFamily="34" charset="0"/>
+                <a:cs typeface="Calibri" panose="020F0502020204030204" pitchFamily="34" charset="0"/>
+              </a:rPr>
+              <a:t>s</a:t>
+            </a:r>
+            <a:r>
+              <a:rPr lang="en-GB" dirty="0">
+                <a:latin typeface="Calibri" panose="020F0502020204030204" pitchFamily="34" charset="0"/>
+                <a:ea typeface="Calibri" panose="020F0502020204030204" pitchFamily="34" charset="0"/>
+                <a:cs typeface="Calibri" panose="020F0502020204030204" pitchFamily="34" charset="0"/>
+              </a:rPr>
+              <a:t> </a:t>
+            </a:r>
+            <a:r>
+              <a:rPr lang="el-GR" dirty="0">
+                <a:latin typeface="Calibri" panose="020F0502020204030204" pitchFamily="34" charset="0"/>
+                <a:ea typeface="Calibri" panose="020F0502020204030204" pitchFamily="34" charset="0"/>
+                <a:cs typeface="Calibri" panose="020F0502020204030204" pitchFamily="34" charset="0"/>
+              </a:rPr>
+              <a:t>και</a:t>
+            </a:r>
+            <a:r>
+              <a:rPr lang="en-US" dirty="0">
+                <a:latin typeface="Calibri" panose="020F0502020204030204" pitchFamily="34" charset="0"/>
+                <a:ea typeface="Calibri" panose="020F0502020204030204" pitchFamily="34" charset="0"/>
+                <a:cs typeface="Calibri" panose="020F0502020204030204" pitchFamily="34" charset="0"/>
+              </a:rPr>
+              <a:t> </a:t>
+            </a:r>
+            <a:r>
+              <a:rPr lang="en-GB" dirty="0">
+                <a:latin typeface="Calibri" panose="020F0502020204030204" pitchFamily="34" charset="0"/>
+                <a:ea typeface="Calibri" panose="020F0502020204030204" pitchFamily="34" charset="0"/>
+                <a:cs typeface="Calibri" panose="020F0502020204030204" pitchFamily="34" charset="0"/>
+              </a:rPr>
+              <a:t>cbr03Start=1.5s.</a:t>
             </a:r>
             <a:br>
               <a:rPr lang="el-GR" dirty="0"/>
@@ -23247,7 +23661,7 @@
         </p:blipFill>
         <p:spPr>
           <a:xfrm>
-            <a:off x="337835" y="2085357"/>
+            <a:off x="104752" y="2085356"/>
             <a:ext cx="4200450" cy="4299903"/>
           </a:xfrm>
           <a:prstGeom prst="rect">
@@ -23277,7 +23691,7 @@
         </p:blipFill>
         <p:spPr>
           <a:xfrm>
-            <a:off x="4787666" y="2079738"/>
+            <a:off x="4431070" y="2085356"/>
             <a:ext cx="4200450" cy="4299903"/>
           </a:xfrm>
           <a:prstGeom prst="rect">
@@ -23285,66 +23699,6 @@
           </a:prstGeom>
         </p:spPr>
       </p:pic>
-      <p:sp>
-        <p:nvSpPr>
-          <p:cNvPr id="12" name="TextBox 11">
-            <a:extLst>
-              <a:ext uri="{FF2B5EF4-FFF2-40B4-BE49-F238E27FC236}">
-                <a16:creationId xmlns:a16="http://schemas.microsoft.com/office/drawing/2014/main" id="{433E402E-6C61-9C60-D804-930DD81E47F3}"/>
-              </a:ext>
-            </a:extLst>
-          </p:cNvPr>
-          <p:cNvSpPr txBox="1"/>
-          <p:nvPr/>
-        </p:nvSpPr>
-        <p:spPr>
-          <a:xfrm>
-            <a:off x="9755521" y="260986"/>
-            <a:ext cx="2423581" cy="1754326"/>
-          </a:xfrm>
-          <a:prstGeom prst="rect">
-            <a:avLst/>
-          </a:prstGeom>
-          <a:noFill/>
-        </p:spPr>
-        <p:txBody>
-          <a:bodyPr wrap="square" rtlCol="0">
-            <a:spAutoFit/>
-          </a:bodyPr>
-          <a:lstStyle/>
-          <a:p>
-            <a:r>
-              <a:rPr lang="el-GR" b="1" dirty="0">
-                <a:solidFill>
-                  <a:srgbClr val="FF0000"/>
-                </a:solidFill>
-              </a:rPr>
-              <a:t>Πρέπει να πω εδώ ότι  χρησιμοποιήσαμε αυτό το παράδειγμα για να φανεί καθαρά το </a:t>
-            </a:r>
-            <a:r>
-              <a:rPr lang="en-US" b="1" dirty="0">
-                <a:solidFill>
-                  <a:srgbClr val="FF0000"/>
-                </a:solidFill>
-              </a:rPr>
-              <a:t>failure </a:t>
-            </a:r>
-            <a:r>
-              <a:rPr lang="el-GR" b="1" dirty="0">
-                <a:solidFill>
-                  <a:srgbClr val="FF0000"/>
-                </a:solidFill>
-              </a:rPr>
-              <a:t>και η επαναφορά του</a:t>
-            </a:r>
-            <a:endParaRPr lang="en-GB" b="1" dirty="0">
-              <a:solidFill>
-                <a:srgbClr val="FF0000"/>
-              </a:solidFill>
-            </a:endParaRPr>
-          </a:p>
-        </p:txBody>
-      </p:sp>
     </p:spTree>
     <p:extLst>
       <p:ext uri="{BB962C8B-B14F-4D97-AF65-F5344CB8AC3E}">
@@ -23475,7 +23829,7 @@
             </a:r>
             <a:r>
               <a:rPr lang="el-GR" dirty="0"/>
-              <a:t>πρέπει να εισάγουμε λιγότερο </a:t>
+              <a:t>πρέπει να εισάγουμε μικρότερο </a:t>
             </a:r>
             <a:r>
               <a:rPr lang="en-US" dirty="0"/>
@@ -23483,7 +23837,7 @@
             </a:r>
             <a:r>
               <a:rPr lang="el-GR" dirty="0"/>
-              <a:t>στην μετάδοση πακέτων. Καθώς:</a:t>
+              <a:t>στην μετάδοση πακέτων. Με αυτόν τον τρόπο έχουμε:</a:t>
             </a:r>
           </a:p>
           <a:p>
@@ -23493,82 +23847,109 @@
             <a:endParaRPr lang="el-GR" dirty="0"/>
           </a:p>
           <a:p>
-            <a:pPr lvl="1">
-              <a:buFont typeface="Arial" panose="020B0604020202020204" pitchFamily="34" charset="0"/>
-              <a:buChar char="•"/>
+            <a:pPr marL="128016" lvl="1" indent="0">
+              <a:buNone/>
             </a:pPr>
             <a:r>
-              <a:rPr lang="el-GR" dirty="0"/>
+              <a:rPr lang="en-US" sz="2000" dirty="0">
+                <a:solidFill>
+                  <a:schemeClr val="accent1">
+                    <a:lumMod val="75000"/>
+                  </a:schemeClr>
+                </a:solidFill>
+              </a:rPr>
+              <a:t>1)</a:t>
+            </a:r>
+            <a:r>
+              <a:rPr lang="el-GR" sz="2000" dirty="0"/>
               <a:t>Πιο γρήγορη επαναφορά του  </a:t>
             </a:r>
             <a:r>
-              <a:rPr lang="en-GB" dirty="0"/>
+              <a:rPr lang="en-GB" sz="2000" dirty="0"/>
               <a:t>link</a:t>
             </a:r>
             <a:r>
-              <a:rPr lang="el-GR" dirty="0"/>
+              <a:rPr lang="el-GR" sz="2000" dirty="0"/>
               <a:t> σε κατάσταση </a:t>
             </a:r>
             <a:r>
-              <a:rPr lang="en-US" dirty="0"/>
+              <a:rPr lang="en-US" sz="2000" dirty="0"/>
               <a:t>“</a:t>
             </a:r>
             <a:r>
-              <a:rPr lang="en-GB" dirty="0"/>
+              <a:rPr lang="en-GB" sz="2000" dirty="0"/>
               <a:t>up</a:t>
             </a:r>
             <a:r>
-              <a:rPr lang="en-US" dirty="0"/>
+              <a:rPr lang="en-US" sz="2000" dirty="0"/>
               <a:t>”</a:t>
             </a:r>
-            <a:endParaRPr lang="el-GR" dirty="0"/>
+            <a:endParaRPr lang="el-GR" sz="2000" dirty="0"/>
           </a:p>
           <a:p>
-            <a:pPr lvl="1">
-              <a:buFont typeface="Arial" panose="020B0604020202020204" pitchFamily="34" charset="0"/>
-              <a:buChar char="•"/>
+            <a:pPr marL="128016" lvl="1" indent="0">
+              <a:buNone/>
             </a:pPr>
             <a:r>
-              <a:rPr lang="el-GR" dirty="0"/>
+              <a:rPr lang="en-US" sz="2000" dirty="0">
+                <a:solidFill>
+                  <a:schemeClr val="accent1">
+                    <a:lumMod val="75000"/>
+                  </a:schemeClr>
+                </a:solidFill>
+              </a:rPr>
+              <a:t>2)</a:t>
+            </a:r>
+            <a:r>
+              <a:rPr lang="el-GR" sz="2000" dirty="0"/>
               <a:t>Λιγότερο </a:t>
             </a:r>
             <a:r>
-              <a:rPr lang="en-US" dirty="0"/>
+              <a:rPr lang="en-US" sz="2000" dirty="0"/>
               <a:t>Overall loss</a:t>
             </a:r>
             <a:r>
-              <a:rPr lang="el-GR" dirty="0"/>
+              <a:rPr lang="el-GR" sz="2000" dirty="0"/>
               <a:t> σε σχέση με το μεγαλύτερο </a:t>
             </a:r>
             <a:r>
-              <a:rPr lang="en-US" dirty="0"/>
+              <a:rPr lang="en-US" sz="2000" dirty="0"/>
               <a:t>delay</a:t>
             </a:r>
-            <a:endParaRPr lang="el-GR" dirty="0"/>
+            <a:endParaRPr lang="el-GR" sz="2000" dirty="0"/>
           </a:p>
           <a:p>
-            <a:pPr lvl="1">
-              <a:buFont typeface="Arial" panose="020B0604020202020204" pitchFamily="34" charset="0"/>
-              <a:buChar char="•"/>
+            <a:pPr marL="128016" lvl="1" indent="0">
+              <a:buNone/>
             </a:pPr>
             <a:r>
-              <a:rPr lang="el-GR" dirty="0"/>
+              <a:rPr lang="en-US" sz="2000" dirty="0">
+                <a:solidFill>
+                  <a:schemeClr val="accent1">
+                    <a:lumMod val="75000"/>
+                  </a:schemeClr>
+                </a:solidFill>
+              </a:rPr>
+              <a:t>3)</a:t>
+            </a:r>
+            <a:r>
+              <a:rPr lang="el-GR" sz="2000" dirty="0"/>
               <a:t>Μεγαλύτερο </a:t>
             </a:r>
             <a:r>
-              <a:rPr lang="en-GB" dirty="0"/>
+              <a:rPr lang="en-GB" sz="2000" dirty="0"/>
               <a:t>throughput </a:t>
             </a:r>
             <a:r>
-              <a:rPr lang="el-GR" dirty="0"/>
+              <a:rPr lang="el-GR" sz="2000" dirty="0"/>
               <a:t>λόγο του χαμηλού </a:t>
             </a:r>
             <a:r>
-              <a:rPr lang="en-US" dirty="0"/>
+              <a:rPr lang="en-US" sz="2000" dirty="0"/>
               <a:t>delay</a:t>
             </a:r>
             <a:br>
-              <a:rPr lang="el-GR" dirty="0"/>
+              <a:rPr lang="el-GR" sz="2000" dirty="0"/>
             </a:br>
             <a:br>
               <a:rPr lang="en-GB" dirty="0"/>
@@ -23635,8 +24016,8 @@
         </p:nvSpPr>
         <p:spPr>
           <a:xfrm>
-            <a:off x="1024128" y="471509"/>
-            <a:ext cx="4389120" cy="1737360"/>
+            <a:off x="1042058" y="659768"/>
+            <a:ext cx="6488296" cy="1213856"/>
           </a:xfrm>
         </p:spPr>
         <p:txBody>
@@ -23646,6 +24027,18 @@
           <a:lstStyle/>
           <a:p>
             <a:r>
+              <a:rPr lang="el-GR" b="1" dirty="0"/>
+              <a:t>Η </a:t>
+            </a:r>
+            <a:r>
+              <a:rPr lang="el-GR" b="1" dirty="0" err="1"/>
+              <a:t>εργασια</a:t>
+            </a:r>
+            <a:r>
+              <a:rPr lang="el-GR" b="1" dirty="0"/>
+              <a:t> στο </a:t>
+            </a:r>
+            <a:r>
               <a:rPr lang="en-US" b="1" dirty="0"/>
               <a:t>GitHub</a:t>
             </a:r>
@@ -23653,11 +24046,6 @@
               <a:rPr lang="el-GR" b="1" dirty="0"/>
               <a:t> </a:t>
             </a:r>
-            <a:r>
-              <a:rPr lang="en-US" b="1" dirty="0"/>
-              <a:t>link</a:t>
-            </a:r>
-            <a:endParaRPr lang="el-GR" b="1" dirty="0"/>
           </a:p>
         </p:txBody>
       </p:sp>
@@ -23720,6 +24108,7 @@
           </a:bodyPr>
           <a:lstStyle/>
           <a:p>
+            <a:pPr algn="just"/>
             <a:r>
               <a:rPr lang="el-GR" sz="1800" dirty="0"/>
               <a:t>Τα αρχεία του κώδικα καθώς και η</a:t>
@@ -23742,7 +24131,7 @@
             </a:r>
             <a:r>
               <a:rPr lang="en-US" sz="1800" dirty="0"/>
-              <a:t>Link:</a:t>
+              <a:t>link:</a:t>
             </a:r>
             <a:endParaRPr lang="el-GR" sz="1800" dirty="0"/>
           </a:p>
@@ -23883,8 +24272,8 @@
         </p:nvSpPr>
         <p:spPr>
           <a:xfrm>
-            <a:off x="1024128" y="2435291"/>
-            <a:ext cx="9720073" cy="3547055"/>
+            <a:off x="887506" y="2084833"/>
+            <a:ext cx="9856695" cy="3897514"/>
           </a:xfrm>
         </p:spPr>
         <p:txBody>
@@ -23894,19 +24283,19 @@
           <a:lstStyle/>
           <a:p>
             <a:r>
-              <a:rPr lang="el-GR" sz="4800" b="1" dirty="0"/>
+              <a:rPr lang="el-GR" sz="7200" b="1" dirty="0"/>
               <a:t>Για το </a:t>
             </a:r>
             <a:r>
-              <a:rPr lang="en-US" sz="4800" b="1" dirty="0"/>
+              <a:rPr lang="en-US" sz="7200" b="1" dirty="0"/>
               <a:t>setup </a:t>
             </a:r>
             <a:r>
-              <a:rPr lang="el-GR" sz="4800" b="1" dirty="0"/>
-              <a:t>της εργασίας και το ερώτημα 1</a:t>
-            </a:r>
-            <a:r>
-              <a:rPr lang="en-US" sz="4800" b="1" dirty="0"/>
+              <a:rPr lang="el-GR" sz="7200" b="1" dirty="0"/>
+              <a:t>της εργασίας και για το ερώτημα 1</a:t>
+            </a:r>
+            <a:r>
+              <a:rPr lang="en-US" sz="7200" b="1" dirty="0"/>
               <a:t>:</a:t>
             </a:r>
             <a:br>
@@ -24072,7 +24461,7 @@
           </a:p>
           <a:p>
             <a:r>
-              <a:rPr lang="el-GR" sz="4800" b="1" dirty="0">
+              <a:rPr lang="el-GR" sz="7200" b="1" dirty="0">
                 <a:solidFill>
                   <a:schemeClr val="tx1">
                     <a:lumMod val="95000"/>
@@ -24083,7 +24472,7 @@
               <a:t>Για το ερώτημα 2</a:t>
             </a:r>
             <a:r>
-              <a:rPr lang="en-US" sz="4800" b="1" dirty="0">
+              <a:rPr lang="en-US" sz="7200" b="1" dirty="0">
                 <a:solidFill>
                   <a:schemeClr val="tx1">
                     <a:lumMod val="95000"/>
@@ -24093,7 +24482,7 @@
               </a:rPr>
               <a:t>:</a:t>
             </a:r>
-            <a:endParaRPr lang="el-GR" sz="4800" b="1" dirty="0">
+            <a:endParaRPr lang="el-GR" sz="7200" b="1" dirty="0">
               <a:solidFill>
                 <a:schemeClr val="tx1">
                   <a:lumMod val="95000"/>
@@ -24608,7 +24997,7 @@
         </p:spPr>
         <p:txBody>
           <a:bodyPr>
-            <a:normAutofit fontScale="92500" lnSpcReduction="20000"/>
+            <a:normAutofit/>
           </a:bodyPr>
           <a:lstStyle/>
           <a:p>
@@ -24619,16 +25008,6 @@
               <a:rPr lang="el-GR" sz="2000" dirty="0"/>
               <a:t>Χρησιμοποιήσαμε τα εξής εργαλεία για την υλοποίηση της άσκησης :</a:t>
             </a:r>
-            <a:endParaRPr lang="en-US" sz="2000" dirty="0"/>
-          </a:p>
-          <a:p>
-            <a:pPr marL="0" indent="0">
-              <a:buNone/>
-            </a:pPr>
-            <a:br>
-              <a:rPr lang="el-GR" sz="2000" dirty="0"/>
-            </a:br>
-            <a:endParaRPr lang="el-GR" sz="2000" dirty="0"/>
           </a:p>
           <a:p>
             <a:pPr>
@@ -25374,8 +25753,8 @@
         </p:nvSpPr>
         <p:spPr>
           <a:xfrm>
-            <a:off x="1045029" y="627529"/>
-            <a:ext cx="9453318" cy="1123633"/>
+            <a:off x="1045029" y="1210237"/>
+            <a:ext cx="9453318" cy="582706"/>
           </a:xfrm>
           <a:prstGeom prst="rect">
             <a:avLst/>
@@ -25912,70 +26291,80 @@
             </a:r>
             <a:r>
               <a:rPr lang="el-GR" altLang="el-GR" sz="1700" dirty="0">
-                <a:latin typeface="Arial" panose="020B0604020202020204" pitchFamily="34" charset="0"/>
-                <a:cs typeface="Arial" panose="020B0604020202020204" pitchFamily="34" charset="0"/>
+                <a:latin typeface="Calibri" panose="020F0502020204030204" pitchFamily="34" charset="0"/>
+                <a:ea typeface="Calibri" panose="020F0502020204030204" pitchFamily="34" charset="0"/>
+                <a:cs typeface="Calibri" panose="020F0502020204030204" pitchFamily="34" charset="0"/>
               </a:rPr>
               <a:t>Επιλέξαμε</a:t>
             </a:r>
             <a:r>
               <a:rPr lang="en-US" altLang="el-GR" sz="1700" dirty="0">
-                <a:latin typeface="Arial" panose="020B0604020202020204" pitchFamily="34" charset="0"/>
-                <a:cs typeface="Arial" panose="020B0604020202020204" pitchFamily="34" charset="0"/>
+                <a:latin typeface="Calibri" panose="020F0502020204030204" pitchFamily="34" charset="0"/>
+                <a:ea typeface="Calibri" panose="020F0502020204030204" pitchFamily="34" charset="0"/>
+                <a:cs typeface="Calibri" panose="020F0502020204030204" pitchFamily="34" charset="0"/>
               </a:rPr>
               <a:t> 2 </a:t>
             </a:r>
             <a:r>
               <a:rPr lang="el-GR" altLang="el-GR" sz="1700" dirty="0">
-                <a:latin typeface="Arial" panose="020B0604020202020204" pitchFamily="34" charset="0"/>
-                <a:cs typeface="Arial" panose="020B0604020202020204" pitchFamily="34" charset="0"/>
+                <a:latin typeface="Calibri" panose="020F0502020204030204" pitchFamily="34" charset="0"/>
+                <a:ea typeface="Calibri" panose="020F0502020204030204" pitchFamily="34" charset="0"/>
+                <a:cs typeface="Calibri" panose="020F0502020204030204" pitchFamily="34" charset="0"/>
               </a:rPr>
               <a:t>είδη δυναμικής δρομολόγησης, το OLSR (Optimized Link State Routing) και το </a:t>
             </a:r>
             <a:r>
               <a:rPr lang="en-US" altLang="el-GR" sz="1700" dirty="0">
-                <a:latin typeface="Arial" panose="020B0604020202020204" pitchFamily="34" charset="0"/>
-                <a:cs typeface="Arial" panose="020B0604020202020204" pitchFamily="34" charset="0"/>
+                <a:latin typeface="Calibri" panose="020F0502020204030204" pitchFamily="34" charset="0"/>
+                <a:ea typeface="Calibri" panose="020F0502020204030204" pitchFamily="34" charset="0"/>
+                <a:cs typeface="Calibri" panose="020F0502020204030204" pitchFamily="34" charset="0"/>
               </a:rPr>
               <a:t>AODVN(Ad hoc </a:t>
             </a:r>
             <a:r>
               <a:rPr lang="en-US" sz="1700" dirty="0">
-                <a:latin typeface="Arial" panose="020B0604020202020204" pitchFamily="34" charset="0"/>
-                <a:cs typeface="Arial" panose="020B0604020202020204" pitchFamily="34" charset="0"/>
+                <a:latin typeface="Calibri" panose="020F0502020204030204" pitchFamily="34" charset="0"/>
+                <a:ea typeface="Calibri" panose="020F0502020204030204" pitchFamily="34" charset="0"/>
+                <a:cs typeface="Calibri" panose="020F0502020204030204" pitchFamily="34" charset="0"/>
               </a:rPr>
               <a:t>On-Demand Distance Vector </a:t>
             </a:r>
             <a:r>
               <a:rPr lang="en-US" altLang="el-GR" sz="1700" dirty="0">
-                <a:latin typeface="Arial" panose="020B0604020202020204" pitchFamily="34" charset="0"/>
-                <a:cs typeface="Arial" panose="020B0604020202020204" pitchFamily="34" charset="0"/>
+                <a:latin typeface="Calibri" panose="020F0502020204030204" pitchFamily="34" charset="0"/>
+                <a:ea typeface="Calibri" panose="020F0502020204030204" pitchFamily="34" charset="0"/>
+                <a:cs typeface="Calibri" panose="020F0502020204030204" pitchFamily="34" charset="0"/>
               </a:rPr>
               <a:t>)</a:t>
             </a:r>
             <a:r>
               <a:rPr lang="el-GR" altLang="el-GR" sz="1700" dirty="0">
-                <a:latin typeface="Arial" panose="020B0604020202020204" pitchFamily="34" charset="0"/>
-                <a:cs typeface="Arial" panose="020B0604020202020204" pitchFamily="34" charset="0"/>
+                <a:latin typeface="Calibri" panose="020F0502020204030204" pitchFamily="34" charset="0"/>
+                <a:ea typeface="Calibri" panose="020F0502020204030204" pitchFamily="34" charset="0"/>
+                <a:cs typeface="Calibri" panose="020F0502020204030204" pitchFamily="34" charset="0"/>
               </a:rPr>
               <a:t>. Το OLSR</a:t>
             </a:r>
             <a:r>
               <a:rPr lang="en-US" altLang="el-GR" sz="1700" dirty="0">
-                <a:latin typeface="Arial" panose="020B0604020202020204" pitchFamily="34" charset="0"/>
-                <a:cs typeface="Arial" panose="020B0604020202020204" pitchFamily="34" charset="0"/>
+                <a:latin typeface="Calibri" panose="020F0502020204030204" pitchFamily="34" charset="0"/>
+                <a:ea typeface="Calibri" panose="020F0502020204030204" pitchFamily="34" charset="0"/>
+                <a:cs typeface="Calibri" panose="020F0502020204030204" pitchFamily="34" charset="0"/>
               </a:rPr>
               <a:t>, AODV </a:t>
             </a:r>
             <a:r>
               <a:rPr lang="el-GR" altLang="el-GR" sz="1700" dirty="0">
-                <a:latin typeface="Arial" panose="020B0604020202020204" pitchFamily="34" charset="0"/>
-                <a:cs typeface="Arial" panose="020B0604020202020204" pitchFamily="34" charset="0"/>
+                <a:latin typeface="Calibri" panose="020F0502020204030204" pitchFamily="34" charset="0"/>
+                <a:ea typeface="Calibri" panose="020F0502020204030204" pitchFamily="34" charset="0"/>
+                <a:cs typeface="Calibri" panose="020F0502020204030204" pitchFamily="34" charset="0"/>
               </a:rPr>
               <a:t>υποστηρίζονται πλήρως από το περιβάλλον του ns-3.</a:t>
             </a:r>
             <a:endParaRPr lang="en-US" altLang="el-GR" sz="1700" dirty="0">
-              <a:latin typeface="Arial" panose="020B0604020202020204" pitchFamily="34" charset="0"/>
-              <a:cs typeface="Arial" panose="020B0604020202020204" pitchFamily="34" charset="0"/>
+              <a:latin typeface="Calibri" panose="020F0502020204030204" pitchFamily="34" charset="0"/>
+              <a:ea typeface="Calibri" panose="020F0502020204030204" pitchFamily="34" charset="0"/>
+              <a:cs typeface="Calibri" panose="020F0502020204030204" pitchFamily="34" charset="0"/>
             </a:endParaRPr>
           </a:p>
           <a:p>
@@ -26000,8 +26389,9 @@
                   <a:lumMod val="75000"/>
                 </a:schemeClr>
               </a:solidFill>
-              <a:latin typeface="Arial" panose="020B0604020202020204" pitchFamily="34" charset="0"/>
-              <a:cs typeface="Arial" panose="020B0604020202020204" pitchFamily="34" charset="0"/>
+              <a:latin typeface="Calibri" panose="020F0502020204030204" pitchFamily="34" charset="0"/>
+              <a:ea typeface="Calibri" panose="020F0502020204030204" pitchFamily="34" charset="0"/>
+              <a:cs typeface="Calibri" panose="020F0502020204030204" pitchFamily="34" charset="0"/>
             </a:endParaRPr>
           </a:p>
           <a:p>
@@ -26027,63 +26417,72 @@
                     <a:lumMod val="75000"/>
                   </a:schemeClr>
                 </a:solidFill>
-                <a:latin typeface="Arial" panose="020B0604020202020204" pitchFamily="34" charset="0"/>
-                <a:cs typeface="Arial" panose="020B0604020202020204" pitchFamily="34" charset="0"/>
+                <a:latin typeface="Calibri" panose="020F0502020204030204" pitchFamily="34" charset="0"/>
+                <a:ea typeface="Calibri" panose="020F0502020204030204" pitchFamily="34" charset="0"/>
+                <a:cs typeface="Calibri" panose="020F0502020204030204" pitchFamily="34" charset="0"/>
               </a:rPr>
               <a:t> </a:t>
             </a:r>
             <a:r>
               <a:rPr lang="el-GR" altLang="el-GR" sz="1700" dirty="0">
-                <a:latin typeface="Arial" panose="020B0604020202020204" pitchFamily="34" charset="0"/>
-                <a:cs typeface="Arial" panose="020B0604020202020204" pitchFamily="34" charset="0"/>
+                <a:latin typeface="Calibri" panose="020F0502020204030204" pitchFamily="34" charset="0"/>
+                <a:ea typeface="Calibri" panose="020F0502020204030204" pitchFamily="34" charset="0"/>
+                <a:cs typeface="Calibri" panose="020F0502020204030204" pitchFamily="34" charset="0"/>
               </a:rPr>
               <a:t>Επιπλέον,</a:t>
             </a:r>
             <a:r>
               <a:rPr lang="en-US" altLang="el-GR" sz="1700" dirty="0">
-                <a:latin typeface="Arial" panose="020B0604020202020204" pitchFamily="34" charset="0"/>
-                <a:cs typeface="Arial" panose="020B0604020202020204" pitchFamily="34" charset="0"/>
+                <a:latin typeface="Calibri" panose="020F0502020204030204" pitchFamily="34" charset="0"/>
+                <a:ea typeface="Calibri" panose="020F0502020204030204" pitchFamily="34" charset="0"/>
+                <a:cs typeface="Calibri" panose="020F0502020204030204" pitchFamily="34" charset="0"/>
               </a:rPr>
               <a:t> </a:t>
             </a:r>
             <a:r>
               <a:rPr lang="el-GR" altLang="el-GR" sz="1700" dirty="0">
-                <a:latin typeface="Arial" panose="020B0604020202020204" pitchFamily="34" charset="0"/>
-                <a:cs typeface="Arial" panose="020B0604020202020204" pitchFamily="34" charset="0"/>
+                <a:latin typeface="Calibri" panose="020F0502020204030204" pitchFamily="34" charset="0"/>
+                <a:ea typeface="Calibri" panose="020F0502020204030204" pitchFamily="34" charset="0"/>
+                <a:cs typeface="Calibri" panose="020F0502020204030204" pitchFamily="34" charset="0"/>
               </a:rPr>
               <a:t>συμπεριλάβαμε τις εξής βιβλιοθήκες: </a:t>
             </a:r>
             <a:r>
               <a:rPr lang="en-US" altLang="el-GR" sz="1700" dirty="0">
-                <a:latin typeface="Arial" panose="020B0604020202020204" pitchFamily="34" charset="0"/>
-                <a:cs typeface="Arial" panose="020B0604020202020204" pitchFamily="34" charset="0"/>
+                <a:latin typeface="Calibri" panose="020F0502020204030204" pitchFamily="34" charset="0"/>
+                <a:ea typeface="Calibri" panose="020F0502020204030204" pitchFamily="34" charset="0"/>
+                <a:cs typeface="Calibri" panose="020F0502020204030204" pitchFamily="34" charset="0"/>
               </a:rPr>
               <a:t>module </a:t>
             </a:r>
             <a:r>
               <a:rPr lang="en-US" altLang="el-GR" sz="1700" dirty="0" err="1">
-                <a:latin typeface="Arial" panose="020B0604020202020204" pitchFamily="34" charset="0"/>
-                <a:cs typeface="Arial" panose="020B0604020202020204" pitchFamily="34" charset="0"/>
+                <a:latin typeface="Calibri" panose="020F0502020204030204" pitchFamily="34" charset="0"/>
+                <a:ea typeface="Calibri" panose="020F0502020204030204" pitchFamily="34" charset="0"/>
+                <a:cs typeface="Calibri" panose="020F0502020204030204" pitchFamily="34" charset="0"/>
               </a:rPr>
               <a:t>olsr-helper.h</a:t>
             </a:r>
             <a:r>
               <a:rPr lang="en-US" altLang="el-GR" sz="1700" dirty="0">
-                <a:latin typeface="Arial" panose="020B0604020202020204" pitchFamily="34" charset="0"/>
-                <a:cs typeface="Arial" panose="020B0604020202020204" pitchFamily="34" charset="0"/>
+                <a:latin typeface="Calibri" panose="020F0502020204030204" pitchFamily="34" charset="0"/>
+                <a:ea typeface="Calibri" panose="020F0502020204030204" pitchFamily="34" charset="0"/>
+                <a:cs typeface="Calibri" panose="020F0502020204030204" pitchFamily="34" charset="0"/>
               </a:rPr>
               <a:t>, ns3/applications-module.h, </a:t>
             </a:r>
             <a:br>
               <a:rPr lang="en-US" altLang="el-GR" sz="1700" dirty="0">
-                <a:latin typeface="Arial" panose="020B0604020202020204" pitchFamily="34" charset="0"/>
-                <a:cs typeface="Arial" panose="020B0604020202020204" pitchFamily="34" charset="0"/>
+                <a:latin typeface="Calibri" panose="020F0502020204030204" pitchFamily="34" charset="0"/>
+                <a:ea typeface="Calibri" panose="020F0502020204030204" pitchFamily="34" charset="0"/>
+                <a:cs typeface="Calibri" panose="020F0502020204030204" pitchFamily="34" charset="0"/>
               </a:rPr>
             </a:br>
             <a:r>
               <a:rPr lang="en-US" altLang="el-GR" sz="1700" dirty="0">
-                <a:latin typeface="Arial" panose="020B0604020202020204" pitchFamily="34" charset="0"/>
-                <a:cs typeface="Arial" panose="020B0604020202020204" pitchFamily="34" charset="0"/>
+                <a:latin typeface="Calibri" panose="020F0502020204030204" pitchFamily="34" charset="0"/>
+                <a:ea typeface="Calibri" panose="020F0502020204030204" pitchFamily="34" charset="0"/>
+                <a:cs typeface="Calibri" panose="020F0502020204030204" pitchFamily="34" charset="0"/>
               </a:rPr>
               <a:t>internet-module.h.</a:t>
             </a:r>
@@ -26105,8 +26504,9 @@
               <a:buChar char="•"/>
             </a:pPr>
             <a:endParaRPr lang="el-GR" altLang="el-GR" sz="1700" dirty="0">
-              <a:latin typeface="Arial" panose="020B0604020202020204" pitchFamily="34" charset="0"/>
-              <a:cs typeface="Arial" panose="020B0604020202020204" pitchFamily="34" charset="0"/>
+              <a:latin typeface="Calibri" panose="020F0502020204030204" pitchFamily="34" charset="0"/>
+              <a:ea typeface="Calibri" panose="020F0502020204030204" pitchFamily="34" charset="0"/>
+              <a:cs typeface="Calibri" panose="020F0502020204030204" pitchFamily="34" charset="0"/>
             </a:endParaRPr>
           </a:p>
           <a:p>
@@ -26132,35 +26532,40 @@
                     <a:lumMod val="75000"/>
                   </a:schemeClr>
                 </a:solidFill>
-                <a:latin typeface="Arial" panose="020B0604020202020204" pitchFamily="34" charset="0"/>
-                <a:cs typeface="Arial" panose="020B0604020202020204" pitchFamily="34" charset="0"/>
+                <a:latin typeface="Calibri" panose="020F0502020204030204" pitchFamily="34" charset="0"/>
+                <a:ea typeface="Calibri" panose="020F0502020204030204" pitchFamily="34" charset="0"/>
+                <a:cs typeface="Calibri" panose="020F0502020204030204" pitchFamily="34" charset="0"/>
               </a:rPr>
               <a:t>  </a:t>
             </a:r>
             <a:r>
               <a:rPr lang="el-GR" altLang="el-GR" sz="1700" dirty="0">
-                <a:latin typeface="Arial" panose="020B0604020202020204" pitchFamily="34" charset="0"/>
-                <a:cs typeface="Arial" panose="020B0604020202020204" pitchFamily="34" charset="0"/>
+                <a:latin typeface="Calibri" panose="020F0502020204030204" pitchFamily="34" charset="0"/>
+                <a:ea typeface="Calibri" panose="020F0502020204030204" pitchFamily="34" charset="0"/>
+                <a:cs typeface="Calibri" panose="020F0502020204030204" pitchFamily="34" charset="0"/>
               </a:rPr>
               <a:t>Το </a:t>
             </a:r>
             <a:r>
               <a:rPr lang="en-US" altLang="el-GR" sz="1700" dirty="0">
-                <a:latin typeface="Arial" panose="020B0604020202020204" pitchFamily="34" charset="0"/>
-                <a:cs typeface="Arial" panose="020B0604020202020204" pitchFamily="34" charset="0"/>
+                <a:latin typeface="Calibri" panose="020F0502020204030204" pitchFamily="34" charset="0"/>
+                <a:ea typeface="Calibri" panose="020F0502020204030204" pitchFamily="34" charset="0"/>
+                <a:cs typeface="Calibri" panose="020F0502020204030204" pitchFamily="34" charset="0"/>
               </a:rPr>
               <a:t>internet stack </a:t>
             </a:r>
             <a:r>
               <a:rPr lang="el-GR" altLang="el-GR" sz="1700" dirty="0">
-                <a:latin typeface="Arial" panose="020B0604020202020204" pitchFamily="34" charset="0"/>
-                <a:cs typeface="Arial" panose="020B0604020202020204" pitchFamily="34" charset="0"/>
+                <a:latin typeface="Calibri" panose="020F0502020204030204" pitchFamily="34" charset="0"/>
+                <a:ea typeface="Calibri" panose="020F0502020204030204" pitchFamily="34" charset="0"/>
+                <a:cs typeface="Calibri" panose="020F0502020204030204" pitchFamily="34" charset="0"/>
               </a:rPr>
               <a:t>παρέχει τα βασικά επίπεδα πρωτοκόλλων δικτύου που επιτρέπουν την επικοινωνία μεταξύ των κόμβων και λειτουργεί ως σύστημα λογισμικού που υποστηρίζει την αποστολή, λήψη και επεξεργασία πακέτων.</a:t>
             </a:r>
             <a:endParaRPr lang="en-US" altLang="el-GR" sz="1700" dirty="0">
-              <a:latin typeface="Arial" panose="020B0604020202020204" pitchFamily="34" charset="0"/>
-              <a:cs typeface="Arial" panose="020B0604020202020204" pitchFamily="34" charset="0"/>
+              <a:latin typeface="Calibri" panose="020F0502020204030204" pitchFamily="34" charset="0"/>
+              <a:ea typeface="Calibri" panose="020F0502020204030204" pitchFamily="34" charset="0"/>
+              <a:cs typeface="Calibri" panose="020F0502020204030204" pitchFamily="34" charset="0"/>
             </a:endParaRPr>
           </a:p>
           <a:p>
@@ -26180,8 +26585,9 @@
               <a:buChar char="•"/>
             </a:pPr>
             <a:endParaRPr lang="en-US" altLang="el-GR" sz="1700" dirty="0">
-              <a:latin typeface="Arial" panose="020B0604020202020204" pitchFamily="34" charset="0"/>
-              <a:cs typeface="Arial" panose="020B0604020202020204" pitchFamily="34" charset="0"/>
+              <a:latin typeface="Calibri" panose="020F0502020204030204" pitchFamily="34" charset="0"/>
+              <a:ea typeface="Calibri" panose="020F0502020204030204" pitchFamily="34" charset="0"/>
+              <a:cs typeface="Calibri" panose="020F0502020204030204" pitchFamily="34" charset="0"/>
             </a:endParaRPr>
           </a:p>
           <a:p>
@@ -26207,35 +26613,40 @@
                     <a:lumMod val="75000"/>
                   </a:schemeClr>
                 </a:solidFill>
-                <a:latin typeface="Arial" panose="020B0604020202020204" pitchFamily="34" charset="0"/>
-                <a:cs typeface="Arial" panose="020B0604020202020204" pitchFamily="34" charset="0"/>
+                <a:latin typeface="Calibri" panose="020F0502020204030204" pitchFamily="34" charset="0"/>
+                <a:ea typeface="Calibri" panose="020F0502020204030204" pitchFamily="34" charset="0"/>
+                <a:cs typeface="Calibri" panose="020F0502020204030204" pitchFamily="34" charset="0"/>
               </a:rPr>
               <a:t>   </a:t>
             </a:r>
             <a:r>
               <a:rPr lang="el-GR" altLang="el-GR" sz="1700" dirty="0">
-                <a:latin typeface="Arial" panose="020B0604020202020204" pitchFamily="34" charset="0"/>
-                <a:cs typeface="Arial" panose="020B0604020202020204" pitchFamily="34" charset="0"/>
+                <a:latin typeface="Calibri" panose="020F0502020204030204" pitchFamily="34" charset="0"/>
+                <a:ea typeface="Calibri" panose="020F0502020204030204" pitchFamily="34" charset="0"/>
+                <a:cs typeface="Calibri" panose="020F0502020204030204" pitchFamily="34" charset="0"/>
               </a:rPr>
               <a:t>Το </a:t>
             </a:r>
             <a:r>
               <a:rPr lang="en-US" altLang="el-GR" sz="1700" dirty="0">
-                <a:latin typeface="Arial" panose="020B0604020202020204" pitchFamily="34" charset="0"/>
-                <a:cs typeface="Arial" panose="020B0604020202020204" pitchFamily="34" charset="0"/>
+                <a:latin typeface="Calibri" panose="020F0502020204030204" pitchFamily="34" charset="0"/>
+                <a:ea typeface="Calibri" panose="020F0502020204030204" pitchFamily="34" charset="0"/>
+                <a:cs typeface="Calibri" panose="020F0502020204030204" pitchFamily="34" charset="0"/>
               </a:rPr>
               <a:t>packet sink </a:t>
             </a:r>
             <a:r>
               <a:rPr lang="el-GR" altLang="el-GR" sz="1700" dirty="0">
-                <a:latin typeface="Arial" panose="020B0604020202020204" pitchFamily="34" charset="0"/>
-                <a:cs typeface="Arial" panose="020B0604020202020204" pitchFamily="34" charset="0"/>
+                <a:latin typeface="Calibri" panose="020F0502020204030204" pitchFamily="34" charset="0"/>
+                <a:ea typeface="Calibri" panose="020F0502020204030204" pitchFamily="34" charset="0"/>
+                <a:cs typeface="Calibri" panose="020F0502020204030204" pitchFamily="34" charset="0"/>
               </a:rPr>
               <a:t>που λαμβάνει εισερχόμενα πακέτα και χρησιμοποιείται για τη μέτρηση της δικτυακής κίνησης και της επιτυχούς παράδοσης πακέτων.</a:t>
             </a:r>
             <a:endParaRPr lang="en-US" altLang="el-GR" sz="1700" dirty="0">
-              <a:latin typeface="Arial" panose="020B0604020202020204" pitchFamily="34" charset="0"/>
-              <a:cs typeface="Arial" panose="020B0604020202020204" pitchFamily="34" charset="0"/>
+              <a:latin typeface="Calibri" panose="020F0502020204030204" pitchFamily="34" charset="0"/>
+              <a:ea typeface="Calibri" panose="020F0502020204030204" pitchFamily="34" charset="0"/>
+              <a:cs typeface="Calibri" panose="020F0502020204030204" pitchFamily="34" charset="0"/>
             </a:endParaRPr>
           </a:p>
           <a:p>
@@ -26255,8 +26666,9 @@
               <a:buChar char="•"/>
             </a:pPr>
             <a:endParaRPr lang="en-US" altLang="el-GR" sz="1700" dirty="0">
-              <a:latin typeface="Arial" panose="020B0604020202020204" pitchFamily="34" charset="0"/>
-              <a:cs typeface="Arial" panose="020B0604020202020204" pitchFamily="34" charset="0"/>
+              <a:latin typeface="Calibri" panose="020F0502020204030204" pitchFamily="34" charset="0"/>
+              <a:ea typeface="Calibri" panose="020F0502020204030204" pitchFamily="34" charset="0"/>
+              <a:cs typeface="Calibri" panose="020F0502020204030204" pitchFamily="34" charset="0"/>
             </a:endParaRPr>
           </a:p>
           <a:p>
@@ -26282,43 +26694,49 @@
                     <a:lumMod val="75000"/>
                   </a:schemeClr>
                 </a:solidFill>
-                <a:latin typeface="Arial" panose="020B0604020202020204" pitchFamily="34" charset="0"/>
-                <a:cs typeface="Arial" panose="020B0604020202020204" pitchFamily="34" charset="0"/>
+                <a:latin typeface="Calibri" panose="020F0502020204030204" pitchFamily="34" charset="0"/>
+                <a:ea typeface="Calibri" panose="020F0502020204030204" pitchFamily="34" charset="0"/>
+                <a:cs typeface="Calibri" panose="020F0502020204030204" pitchFamily="34" charset="0"/>
               </a:rPr>
               <a:t> </a:t>
             </a:r>
             <a:r>
               <a:rPr lang="el-GR" altLang="el-GR" sz="1700" dirty="0">
-                <a:latin typeface="Arial" panose="020B0604020202020204" pitchFamily="34" charset="0"/>
-                <a:cs typeface="Arial" panose="020B0604020202020204" pitchFamily="34" charset="0"/>
+                <a:latin typeface="Calibri" panose="020F0502020204030204" pitchFamily="34" charset="0"/>
+                <a:ea typeface="Calibri" panose="020F0502020204030204" pitchFamily="34" charset="0"/>
+                <a:cs typeface="Calibri" panose="020F0502020204030204" pitchFamily="34" charset="0"/>
               </a:rPr>
               <a:t>Το </a:t>
             </a:r>
             <a:r>
               <a:rPr lang="en-US" altLang="el-GR" sz="1700" dirty="0">
-                <a:latin typeface="Arial" panose="020B0604020202020204" pitchFamily="34" charset="0"/>
-                <a:cs typeface="Arial" panose="020B0604020202020204" pitchFamily="34" charset="0"/>
+                <a:latin typeface="Calibri" panose="020F0502020204030204" pitchFamily="34" charset="0"/>
+                <a:ea typeface="Calibri" panose="020F0502020204030204" pitchFamily="34" charset="0"/>
+                <a:cs typeface="Calibri" panose="020F0502020204030204" pitchFamily="34" charset="0"/>
               </a:rPr>
               <a:t>warm up phase </a:t>
             </a:r>
             <a:r>
               <a:rPr lang="el-GR" altLang="el-GR" sz="1700" dirty="0">
-                <a:latin typeface="Arial" panose="020B0604020202020204" pitchFamily="34" charset="0"/>
-                <a:cs typeface="Arial" panose="020B0604020202020204" pitchFamily="34" charset="0"/>
+                <a:latin typeface="Calibri" panose="020F0502020204030204" pitchFamily="34" charset="0"/>
+                <a:ea typeface="Calibri" panose="020F0502020204030204" pitchFamily="34" charset="0"/>
+                <a:cs typeface="Calibri" panose="020F0502020204030204" pitchFamily="34" charset="0"/>
               </a:rPr>
               <a:t>είναι μια χρονική περίοδος κατά την οποία οι μετρήσεις αγνοούνται σκόπιμα, ώστε να δοθεί χρόνος στο σύστημα να σταθεροποιήσει τα </a:t>
             </a:r>
             <a:r>
               <a:rPr lang="en-US" altLang="el-GR" sz="1700" dirty="0">
-                <a:latin typeface="Arial" panose="020B0604020202020204" pitchFamily="34" charset="0"/>
-                <a:cs typeface="Arial" panose="020B0604020202020204" pitchFamily="34" charset="0"/>
+                <a:latin typeface="Calibri" panose="020F0502020204030204" pitchFamily="34" charset="0"/>
+                <a:ea typeface="Calibri" panose="020F0502020204030204" pitchFamily="34" charset="0"/>
+                <a:cs typeface="Calibri" panose="020F0502020204030204" pitchFamily="34" charset="0"/>
               </a:rPr>
               <a:t>routing tables </a:t>
             </a:r>
             <a:r>
               <a:rPr lang="el-GR" altLang="el-GR" sz="1700" dirty="0">
-                <a:latin typeface="Arial" panose="020B0604020202020204" pitchFamily="34" charset="0"/>
-                <a:cs typeface="Arial" panose="020B0604020202020204" pitchFamily="34" charset="0"/>
+                <a:latin typeface="Calibri" panose="020F0502020204030204" pitchFamily="34" charset="0"/>
+                <a:ea typeface="Calibri" panose="020F0502020204030204" pitchFamily="34" charset="0"/>
+                <a:cs typeface="Calibri" panose="020F0502020204030204" pitchFamily="34" charset="0"/>
               </a:rPr>
               <a:t>και τα πρότυπα κίνησης πριν ξεκινήσει η συλλογή ακριβών δεδομένων απόδοσης.</a:t>
             </a:r>
@@ -26511,8 +26929,8 @@
         </p:blipFill>
         <p:spPr>
           <a:xfrm>
-            <a:off x="6096000" y="3024975"/>
-            <a:ext cx="3669102" cy="3247679"/>
+            <a:off x="3685805" y="3024975"/>
+            <a:ext cx="4396718" cy="3247679"/>
           </a:xfrm>
           <a:prstGeom prst="rect">
             <a:avLst/>
@@ -27369,14 +27787,6 @@
 </file>
 
 <file path=customXml/item2.xml><?xml version="1.0" encoding="utf-8"?>
-<p:properties xmlns:p="http://schemas.microsoft.com/office/2006/metadata/properties" xmlns:xsi="http://www.w3.org/2001/XMLSchema-instance" xmlns:pc="http://schemas.microsoft.com/office/infopath/2007/PartnerControls">
-  <documentManagement>
-    <MediaServiceKeyPoints xmlns="71af3243-3dd4-4a8d-8c0d-dd76da1f02a5" xsi:nil="true"/>
-  </documentManagement>
-</p:properties>
-</file>
-
-<file path=customXml/item3.xml><?xml version="1.0" encoding="utf-8"?>
 <ct:contentTypeSchema xmlns:ct="http://schemas.microsoft.com/office/2006/metadata/contentType" xmlns:ma="http://schemas.microsoft.com/office/2006/metadata/properties/metaAttributes" ct:_="" ma:_="" ma:contentTypeName="Document" ma:contentTypeID="0x01010079F111ED35F8CC479449609E8A0923A6" ma:contentTypeVersion="11" ma:contentTypeDescription="Create a new document." ma:contentTypeScope="" ma:versionID="9677210f24a1be23c92c90fd886aa0aa">
   <xsd:schema xmlns:xsd="http://www.w3.org/2001/XMLSchema" xmlns:xs="http://www.w3.org/2001/XMLSchema" xmlns:p="http://schemas.microsoft.com/office/2006/metadata/properties" xmlns:ns2="71af3243-3dd4-4a8d-8c0d-dd76da1f02a5" xmlns:ns3="16c05727-aa75-4e4a-9b5f-8a80a1165891" targetNamespace="http://schemas.microsoft.com/office/2006/metadata/properties" ma:root="true" ma:fieldsID="60e05723c5c1908df1a1a4ebf11d344e" ns2:_="" ns3:_="">
     <xsd:import namespace="71af3243-3dd4-4a8d-8c0d-dd76da1f02a5"/>
@@ -27587,6 +27997,14 @@
 </ct:contentTypeSchema>
 </file>
 
+<file path=customXml/item3.xml><?xml version="1.0" encoding="utf-8"?>
+<p:properties xmlns:p="http://schemas.microsoft.com/office/2006/metadata/properties" xmlns:xsi="http://www.w3.org/2001/XMLSchema-instance" xmlns:pc="http://schemas.microsoft.com/office/infopath/2007/PartnerControls">
+  <documentManagement>
+    <MediaServiceKeyPoints xmlns="71af3243-3dd4-4a8d-8c0d-dd76da1f02a5" xsi:nil="true"/>
+  </documentManagement>
+</p:properties>
+</file>
+
 <file path=customXml/itemProps1.xml><?xml version="1.0" encoding="utf-8"?>
 <ds:datastoreItem xmlns:ds="http://schemas.openxmlformats.org/officeDocument/2006/customXml" ds:itemID="{4F44C90D-2A62-4985-9618-3460247437B1}">
   <ds:schemaRefs>
@@ -27596,23 +28014,6 @@
 </file>
 
 <file path=customXml/itemProps2.xml><?xml version="1.0" encoding="utf-8"?>
-<ds:datastoreItem xmlns:ds="http://schemas.openxmlformats.org/officeDocument/2006/customXml" ds:itemID="{788A2F88-55C5-4ED1-9541-807C65424763}">
-  <ds:schemaRefs>
-    <ds:schemaRef ds:uri="http://schemas.microsoft.com/office/infopath/2007/PartnerControls"/>
-    <ds:schemaRef ds:uri="http://purl.org/dc/terms/"/>
-    <ds:schemaRef ds:uri="http://schemas.microsoft.com/office/2006/documentManagement/types"/>
-    <ds:schemaRef ds:uri="http://schemas.openxmlformats.org/package/2006/metadata/core-properties"/>
-    <ds:schemaRef ds:uri="http://schemas.microsoft.com/office/2006/metadata/properties"/>
-    <ds:schemaRef ds:uri="http://purl.org/dc/elements/1.1/"/>
-    <ds:schemaRef ds:uri="http://www.w3.org/XML/1998/namespace"/>
-    <ds:schemaRef ds:uri="71af3243-3dd4-4a8d-8c0d-dd76da1f02a5"/>
-    <ds:schemaRef ds:uri="16c05727-aa75-4e4a-9b5f-8a80a1165891"/>
-    <ds:schemaRef ds:uri="http://purl.org/dc/dcmitype/"/>
-  </ds:schemaRefs>
-</ds:datastoreItem>
-</file>
-
-<file path=customXml/itemProps3.xml><?xml version="1.0" encoding="utf-8"?>
 <ds:datastoreItem xmlns:ds="http://schemas.openxmlformats.org/officeDocument/2006/customXml" ds:itemID="{B61EAB5F-88FC-4FAE-AE3C-037A3C365EB8}">
   <ds:schemaRefs>
     <ds:schemaRef ds:uri="http://schemas.microsoft.com/office/2006/metadata/contentType"/>
@@ -27629,4 +28030,21 @@
     <ds:schemaRef ds:uri="http://schemas.microsoft.com/internal/obd"/>
   </ds:schemaRefs>
 </ds:datastoreItem>
+</file>
+
+<file path=customXml/itemProps3.xml><?xml version="1.0" encoding="utf-8"?>
+<ds:datastoreItem xmlns:ds="http://schemas.openxmlformats.org/officeDocument/2006/customXml" ds:itemID="{788A2F88-55C5-4ED1-9541-807C65424763}">
+  <ds:schemaRefs>
+    <ds:schemaRef ds:uri="16c05727-aa75-4e4a-9b5f-8a80a1165891"/>
+    <ds:schemaRef ds:uri="http://purl.org/dc/elements/1.1/"/>
+    <ds:schemaRef ds:uri="http://www.w3.org/XML/1998/namespace"/>
+    <ds:schemaRef ds:uri="http://purl.org/dc/terms/"/>
+    <ds:schemaRef ds:uri="http://purl.org/dc/dcmitype/"/>
+    <ds:schemaRef ds:uri="http://schemas.microsoft.com/office/infopath/2007/PartnerControls"/>
+    <ds:schemaRef ds:uri="http://schemas.microsoft.com/office/2006/documentManagement/types"/>
+    <ds:schemaRef ds:uri="http://schemas.openxmlformats.org/package/2006/metadata/core-properties"/>
+    <ds:schemaRef ds:uri="71af3243-3dd4-4a8d-8c0d-dd76da1f02a5"/>
+    <ds:schemaRef ds:uri="http://schemas.microsoft.com/office/2006/metadata/properties"/>
+  </ds:schemaRefs>
+</ds:datastoreItem>
 </file>
--- a/Presentations/Ns-3_presentation_F.pptx
+++ b/Presentations/Ns-3_presentation_F.pptx
@@ -22136,7 +22136,7 @@
         </p:blipFill>
         <p:spPr>
           <a:xfrm>
-            <a:off x="6980955" y="1695587"/>
+            <a:off x="6980955" y="1847987"/>
             <a:ext cx="3512005" cy="3699908"/>
           </a:xfrm>
           <a:prstGeom prst="rect">
@@ -22234,7 +22234,6 @@
           </a:bodyPr>
           <a:lstStyle/>
           <a:p>
-            <a:pPr algn="just"/>
             <a:r>
               <a:rPr lang="en-US" dirty="0"/>
               <a:t>O</a:t>
@@ -22307,7 +22306,6 @@
           </a:bodyPr>
           <a:lstStyle/>
           <a:p>
-            <a:pPr algn="just"/>
             <a:r>
               <a:rPr lang="el-GR" dirty="0"/>
               <a:t>Οι</a:t>
@@ -22356,7 +22354,6 @@
             </a:r>
           </a:p>
           <a:p>
-            <a:pPr algn="just"/>
             <a:r>
               <a:rPr lang="en-US" dirty="0" err="1"/>
               <a:t>failDownAt</a:t>
@@ -22845,7 +22842,7 @@
         </p:nvSpPr>
         <p:spPr>
           <a:xfrm>
-            <a:off x="1847472" y="1825782"/>
+            <a:off x="1918004" y="1825782"/>
             <a:ext cx="2095189" cy="369332"/>
           </a:xfrm>
           <a:prstGeom prst="rect">
@@ -22891,7 +22888,7 @@
         </p:nvSpPr>
         <p:spPr>
           <a:xfrm>
-            <a:off x="8378294" y="1826043"/>
+            <a:off x="8516954" y="1825782"/>
             <a:ext cx="2354875" cy="369332"/>
           </a:xfrm>
           <a:prstGeom prst="rect">
@@ -22916,7 +22913,7 @@
               <a:t>X</a:t>
             </a:r>
             <a:r>
-              <a:rPr lang="el-GR" dirty="0" err="1">
+              <a:rPr lang="el-GR" dirty="0">
                 <a:solidFill>
                   <a:schemeClr val="accent1">
                     <a:lumMod val="75000"/>
@@ -23034,7 +23031,7 @@
         </p:nvSpPr>
         <p:spPr>
           <a:xfrm>
-            <a:off x="1847472" y="1825782"/>
+            <a:off x="1951144" y="1841425"/>
             <a:ext cx="2075953" cy="369332"/>
           </a:xfrm>
           <a:prstGeom prst="rect">
@@ -23104,7 +23101,7 @@
         </p:nvSpPr>
         <p:spPr>
           <a:xfrm>
-            <a:off x="8268577" y="1831729"/>
+            <a:off x="8268577" y="1825782"/>
             <a:ext cx="2297167" cy="369332"/>
           </a:xfrm>
           <a:prstGeom prst="rect">
@@ -23360,7 +23357,7 @@
                 <a:ea typeface="Calibri" panose="020F0502020204030204" pitchFamily="34" charset="0"/>
                 <a:cs typeface="Calibri" panose="020F0502020204030204" pitchFamily="34" charset="0"/>
               </a:rPr>
-              <a:t>,</a:t>
+              <a:t>, </a:t>
             </a:r>
             <a:r>
               <a:rPr lang="el-GR" dirty="0">
@@ -23438,7 +23435,22 @@
                 <a:ea typeface="Calibri" panose="020F0502020204030204" pitchFamily="34" charset="0"/>
                 <a:cs typeface="Calibri" panose="020F0502020204030204" pitchFamily="34" charset="0"/>
               </a:rPr>
-              <a:t>failUpAt=9.0s,useWarmup=tru-cbr02Start=1.2,cbr03Start=1.5s.</a:t>
+              <a:t>failUpAt=9.0s,useWarmup=true</a:t>
+            </a:r>
+            <a:br>
+              <a:rPr lang="en-GB" dirty="0">
+                <a:latin typeface="Calibri" panose="020F0502020204030204" pitchFamily="34" charset="0"/>
+                <a:ea typeface="Calibri" panose="020F0502020204030204" pitchFamily="34" charset="0"/>
+                <a:cs typeface="Calibri" panose="020F0502020204030204" pitchFamily="34" charset="0"/>
+              </a:rPr>
+            </a:br>
+            <a:r>
+              <a:rPr lang="en-GB" dirty="0">
+                <a:latin typeface="Calibri" panose="020F0502020204030204" pitchFamily="34" charset="0"/>
+                <a:ea typeface="Calibri" panose="020F0502020204030204" pitchFamily="34" charset="0"/>
+                <a:cs typeface="Calibri" panose="020F0502020204030204" pitchFamily="34" charset="0"/>
+              </a:rPr>
+              <a:t>cbr02Start=1.2,cbr03Start=1.5s.</a:t>
             </a:r>
             <a:br>
               <a:rPr lang="el-GR" dirty="0">
@@ -24028,15 +24040,7 @@
           <a:p>
             <a:r>
               <a:rPr lang="el-GR" b="1" dirty="0"/>
-              <a:t>Η </a:t>
-            </a:r>
-            <a:r>
-              <a:rPr lang="el-GR" b="1" dirty="0" err="1"/>
-              <a:t>εργασια</a:t>
-            </a:r>
-            <a:r>
-              <a:rPr lang="el-GR" b="1" dirty="0"/>
-              <a:t> στο </a:t>
+              <a:t>Η εργασια στο </a:t>
             </a:r>
             <a:r>
               <a:rPr lang="en-US" b="1" dirty="0"/>
@@ -26262,7 +26266,7 @@
           </a:bodyPr>
           <a:lstStyle/>
           <a:p>
-            <a:pPr algn="just" eaLnBrk="0" fontAlgn="base" hangingPunct="0">
+            <a:pPr eaLnBrk="0" fontAlgn="base" hangingPunct="0">
               <a:lnSpc>
                 <a:spcPct val="100000"/>
               </a:lnSpc>
@@ -26368,7 +26372,7 @@
             </a:endParaRPr>
           </a:p>
           <a:p>
-            <a:pPr algn="just" eaLnBrk="0" fontAlgn="base" hangingPunct="0">
+            <a:pPr eaLnBrk="0" fontAlgn="base" hangingPunct="0">
               <a:lnSpc>
                 <a:spcPct val="100000"/>
               </a:lnSpc>
@@ -26395,7 +26399,7 @@
             </a:endParaRPr>
           </a:p>
           <a:p>
-            <a:pPr algn="just" eaLnBrk="0" fontAlgn="base" hangingPunct="0">
+            <a:pPr eaLnBrk="0" fontAlgn="base" hangingPunct="0">
               <a:lnSpc>
                 <a:spcPct val="100000"/>
               </a:lnSpc>
@@ -26488,7 +26492,7 @@
             </a:r>
           </a:p>
           <a:p>
-            <a:pPr algn="just" eaLnBrk="0" fontAlgn="base" hangingPunct="0">
+            <a:pPr eaLnBrk="0" fontAlgn="base" hangingPunct="0">
               <a:lnSpc>
                 <a:spcPct val="100000"/>
               </a:lnSpc>
@@ -26510,7 +26514,7 @@
             </a:endParaRPr>
           </a:p>
           <a:p>
-            <a:pPr algn="just" eaLnBrk="0" fontAlgn="base" hangingPunct="0">
+            <a:pPr eaLnBrk="0" fontAlgn="base" hangingPunct="0">
               <a:lnSpc>
                 <a:spcPct val="100000"/>
               </a:lnSpc>
@@ -26569,7 +26573,7 @@
             </a:endParaRPr>
           </a:p>
           <a:p>
-            <a:pPr algn="just" eaLnBrk="0" fontAlgn="base" hangingPunct="0">
+            <a:pPr eaLnBrk="0" fontAlgn="base" hangingPunct="0">
               <a:lnSpc>
                 <a:spcPct val="100000"/>
               </a:lnSpc>
@@ -26591,7 +26595,7 @@
             </a:endParaRPr>
           </a:p>
           <a:p>
-            <a:pPr algn="just" eaLnBrk="0" fontAlgn="base" hangingPunct="0">
+            <a:pPr eaLnBrk="0" fontAlgn="base" hangingPunct="0">
               <a:lnSpc>
                 <a:spcPct val="100000"/>
               </a:lnSpc>
@@ -26650,7 +26654,7 @@
             </a:endParaRPr>
           </a:p>
           <a:p>
-            <a:pPr algn="just" eaLnBrk="0" fontAlgn="base" hangingPunct="0">
+            <a:pPr eaLnBrk="0" fontAlgn="base" hangingPunct="0">
               <a:lnSpc>
                 <a:spcPct val="100000"/>
               </a:lnSpc>
@@ -26672,7 +26676,7 @@
             </a:endParaRPr>
           </a:p>
           <a:p>
-            <a:pPr algn="just" eaLnBrk="0" fontAlgn="base" hangingPunct="0">
+            <a:pPr eaLnBrk="0" fontAlgn="base" hangingPunct="0">
               <a:lnSpc>
                 <a:spcPct val="100000"/>
               </a:lnSpc>
@@ -27787,6 +27791,14 @@
 </file>
 
 <file path=customXml/item2.xml><?xml version="1.0" encoding="utf-8"?>
+<p:properties xmlns:p="http://schemas.microsoft.com/office/2006/metadata/properties" xmlns:xsi="http://www.w3.org/2001/XMLSchema-instance" xmlns:pc="http://schemas.microsoft.com/office/infopath/2007/PartnerControls">
+  <documentManagement>
+    <MediaServiceKeyPoints xmlns="71af3243-3dd4-4a8d-8c0d-dd76da1f02a5" xsi:nil="true"/>
+  </documentManagement>
+</p:properties>
+</file>
+
+<file path=customXml/item3.xml><?xml version="1.0" encoding="utf-8"?>
 <ct:contentTypeSchema xmlns:ct="http://schemas.microsoft.com/office/2006/metadata/contentType" xmlns:ma="http://schemas.microsoft.com/office/2006/metadata/properties/metaAttributes" ct:_="" ma:_="" ma:contentTypeName="Document" ma:contentTypeID="0x01010079F111ED35F8CC479449609E8A0923A6" ma:contentTypeVersion="11" ma:contentTypeDescription="Create a new document." ma:contentTypeScope="" ma:versionID="9677210f24a1be23c92c90fd886aa0aa">
   <xsd:schema xmlns:xsd="http://www.w3.org/2001/XMLSchema" xmlns:xs="http://www.w3.org/2001/XMLSchema" xmlns:p="http://schemas.microsoft.com/office/2006/metadata/properties" xmlns:ns2="71af3243-3dd4-4a8d-8c0d-dd76da1f02a5" xmlns:ns3="16c05727-aa75-4e4a-9b5f-8a80a1165891" targetNamespace="http://schemas.microsoft.com/office/2006/metadata/properties" ma:root="true" ma:fieldsID="60e05723c5c1908df1a1a4ebf11d344e" ns2:_="" ns3:_="">
     <xsd:import namespace="71af3243-3dd4-4a8d-8c0d-dd76da1f02a5"/>
@@ -27997,14 +28009,6 @@
 </ct:contentTypeSchema>
 </file>
 
-<file path=customXml/item3.xml><?xml version="1.0" encoding="utf-8"?>
-<p:properties xmlns:p="http://schemas.microsoft.com/office/2006/metadata/properties" xmlns:xsi="http://www.w3.org/2001/XMLSchema-instance" xmlns:pc="http://schemas.microsoft.com/office/infopath/2007/PartnerControls">
-  <documentManagement>
-    <MediaServiceKeyPoints xmlns="71af3243-3dd4-4a8d-8c0d-dd76da1f02a5" xsi:nil="true"/>
-  </documentManagement>
-</p:properties>
-</file>
-
 <file path=customXml/itemProps1.xml><?xml version="1.0" encoding="utf-8"?>
 <ds:datastoreItem xmlns:ds="http://schemas.openxmlformats.org/officeDocument/2006/customXml" ds:itemID="{4F44C90D-2A62-4985-9618-3460247437B1}">
   <ds:schemaRefs>
@@ -28014,6 +28018,23 @@
 </file>
 
 <file path=customXml/itemProps2.xml><?xml version="1.0" encoding="utf-8"?>
+<ds:datastoreItem xmlns:ds="http://schemas.openxmlformats.org/officeDocument/2006/customXml" ds:itemID="{788A2F88-55C5-4ED1-9541-807C65424763}">
+  <ds:schemaRefs>
+    <ds:schemaRef ds:uri="16c05727-aa75-4e4a-9b5f-8a80a1165891"/>
+    <ds:schemaRef ds:uri="http://purl.org/dc/elements/1.1/"/>
+    <ds:schemaRef ds:uri="http://www.w3.org/XML/1998/namespace"/>
+    <ds:schemaRef ds:uri="http://purl.org/dc/terms/"/>
+    <ds:schemaRef ds:uri="http://purl.org/dc/dcmitype/"/>
+    <ds:schemaRef ds:uri="http://schemas.microsoft.com/office/infopath/2007/PartnerControls"/>
+    <ds:schemaRef ds:uri="http://schemas.microsoft.com/office/2006/documentManagement/types"/>
+    <ds:schemaRef ds:uri="http://schemas.openxmlformats.org/package/2006/metadata/core-properties"/>
+    <ds:schemaRef ds:uri="71af3243-3dd4-4a8d-8c0d-dd76da1f02a5"/>
+    <ds:schemaRef ds:uri="http://schemas.microsoft.com/office/2006/metadata/properties"/>
+  </ds:schemaRefs>
+</ds:datastoreItem>
+</file>
+
+<file path=customXml/itemProps3.xml><?xml version="1.0" encoding="utf-8"?>
 <ds:datastoreItem xmlns:ds="http://schemas.openxmlformats.org/officeDocument/2006/customXml" ds:itemID="{B61EAB5F-88FC-4FAE-AE3C-037A3C365EB8}">
   <ds:schemaRefs>
     <ds:schemaRef ds:uri="http://schemas.microsoft.com/office/2006/metadata/contentType"/>
@@ -28030,21 +28051,4 @@
     <ds:schemaRef ds:uri="http://schemas.microsoft.com/internal/obd"/>
   </ds:schemaRefs>
 </ds:datastoreItem>
-</file>
-
-<file path=customXml/itemProps3.xml><?xml version="1.0" encoding="utf-8"?>
-<ds:datastoreItem xmlns:ds="http://schemas.openxmlformats.org/officeDocument/2006/customXml" ds:itemID="{788A2F88-55C5-4ED1-9541-807C65424763}">
-  <ds:schemaRefs>
-    <ds:schemaRef ds:uri="16c05727-aa75-4e4a-9b5f-8a80a1165891"/>
-    <ds:schemaRef ds:uri="http://purl.org/dc/elements/1.1/"/>
-    <ds:schemaRef ds:uri="http://www.w3.org/XML/1998/namespace"/>
-    <ds:schemaRef ds:uri="http://purl.org/dc/terms/"/>
-    <ds:schemaRef ds:uri="http://purl.org/dc/dcmitype/"/>
-    <ds:schemaRef ds:uri="http://schemas.microsoft.com/office/infopath/2007/PartnerControls"/>
-    <ds:schemaRef ds:uri="http://schemas.microsoft.com/office/2006/documentManagement/types"/>
-    <ds:schemaRef ds:uri="http://schemas.openxmlformats.org/package/2006/metadata/core-properties"/>
-    <ds:schemaRef ds:uri="71af3243-3dd4-4a8d-8c0d-dd76da1f02a5"/>
-    <ds:schemaRef ds:uri="http://schemas.microsoft.com/office/2006/metadata/properties"/>
-  </ds:schemaRefs>
-</ds:datastoreItem>
 </file>